--- a/数学用図形.pptx
+++ b/数学用図形.pptx
@@ -21,6 +21,7 @@
     <p:sldId id="271" r:id="rId15"/>
     <p:sldId id="272" r:id="rId16"/>
     <p:sldId id="273" r:id="rId17"/>
+    <p:sldId id="274" r:id="rId18"/>
   </p:sldIdLst>
   <p:sldSz cx="12192000" cy="6858000"/>
   <p:notesSz cx="6858000" cy="9144000"/>
@@ -8090,6 +8091,230 @@
 </p:sld>
 </file>
 
+<file path=ppt/slides/slide17.xml><?xml version="1.0" encoding="utf-8"?>
+<p:sld xmlns:a="http://schemas.openxmlformats.org/drawingml/2006/main" xmlns:r="http://schemas.openxmlformats.org/officeDocument/2006/relationships" xmlns:p="http://schemas.openxmlformats.org/presentationml/2006/main">
+  <p:cSld>
+    <p:spTree>
+      <p:nvGrpSpPr>
+        <p:cNvPr id="1" name=""/>
+        <p:cNvGrpSpPr/>
+        <p:nvPr/>
+      </p:nvGrpSpPr>
+      <p:grpSpPr>
+        <a:xfrm>
+          <a:off x="0" y="0"/>
+          <a:ext cx="0" cy="0"/>
+          <a:chOff x="0" y="0"/>
+          <a:chExt cx="0" cy="0"/>
+        </a:xfrm>
+      </p:grpSpPr>
+      <p:pic>
+        <p:nvPicPr>
+          <p:cNvPr id="8" name="図 7" descr="ダイアグラム&#10;&#10;自動的に生成された説明">
+            <a:extLst>
+              <a:ext uri="{FF2B5EF4-FFF2-40B4-BE49-F238E27FC236}">
+                <a16:creationId xmlns:a16="http://schemas.microsoft.com/office/drawing/2014/main" id="{0B68B736-1D30-9DAC-2734-DC173C444E64}"/>
+              </a:ext>
+            </a:extLst>
+          </p:cNvPr>
+          <p:cNvPicPr>
+            <a:picLocks noChangeAspect="1"/>
+          </p:cNvPicPr>
+          <p:nvPr/>
+        </p:nvPicPr>
+        <p:blipFill>
+          <a:blip r:embed="rId2">
+            <a:extLst>
+              <a:ext uri="{28A0092B-C50C-407E-A947-70E740481C1C}">
+                <a14:useLocalDpi xmlns:a14="http://schemas.microsoft.com/office/drawing/2010/main" val="0"/>
+              </a:ext>
+            </a:extLst>
+          </a:blip>
+          <a:stretch>
+            <a:fillRect/>
+          </a:stretch>
+        </p:blipFill>
+        <p:spPr>
+          <a:xfrm>
+            <a:off x="0" y="423862"/>
+            <a:ext cx="7896225" cy="6010275"/>
+          </a:xfrm>
+          <a:prstGeom prst="rect">
+            <a:avLst/>
+          </a:prstGeom>
+        </p:spPr>
+      </p:pic>
+      <p:sp>
+        <p:nvSpPr>
+          <p:cNvPr id="9" name="テキスト ボックス 8">
+            <a:extLst>
+              <a:ext uri="{FF2B5EF4-FFF2-40B4-BE49-F238E27FC236}">
+                <a16:creationId xmlns:a16="http://schemas.microsoft.com/office/drawing/2014/main" id="{A5F6A30E-655A-FB34-A6F3-A0475369E19E}"/>
+              </a:ext>
+            </a:extLst>
+          </p:cNvPr>
+          <p:cNvSpPr txBox="1"/>
+          <p:nvPr/>
+        </p:nvSpPr>
+        <p:spPr>
+          <a:xfrm>
+            <a:off x="8044773" y="1826807"/>
+            <a:ext cx="3861882" cy="1938992"/>
+          </a:xfrm>
+          <a:prstGeom prst="rect">
+            <a:avLst/>
+          </a:prstGeom>
+          <a:noFill/>
+        </p:spPr>
+        <p:txBody>
+          <a:bodyPr wrap="square" rtlCol="0">
+            <a:spAutoFit/>
+          </a:bodyPr>
+          <a:lstStyle/>
+          <a:p>
+            <a:r>
+              <a:rPr kumimoji="1" lang="el-GR" altLang="ja-JP" sz="2000" dirty="0"/>
+              <a:t>Θ</a:t>
+            </a:r>
+            <a:r>
+              <a:rPr kumimoji="1" lang="en-US" altLang="ja-JP" sz="2000" dirty="0"/>
+              <a:t>=45</a:t>
+            </a:r>
+            <a:r>
+              <a:rPr kumimoji="1" lang="ja-JP" altLang="en-US" sz="2000" dirty="0"/>
+              <a:t>度</a:t>
+            </a:r>
+            <a:r>
+              <a:rPr lang="en-US" altLang="ja-JP" sz="2000" dirty="0"/>
+              <a:t>,</a:t>
+            </a:r>
+            <a:r>
+              <a:rPr kumimoji="1" lang="en-US" altLang="ja-JP" sz="2000" dirty="0"/>
+              <a:t>A(</a:t>
+            </a:r>
+            <a:r>
+              <a:rPr kumimoji="1" lang="ja-JP" altLang="en-US" sz="2000" dirty="0"/>
+              <a:t>√</a:t>
+            </a:r>
+            <a:r>
+              <a:rPr kumimoji="1" lang="en-US" altLang="ja-JP" sz="2000" dirty="0"/>
+              <a:t>2,</a:t>
+            </a:r>
+            <a:r>
+              <a:rPr kumimoji="1" lang="ja-JP" altLang="en-US" sz="2000" dirty="0"/>
+              <a:t>√</a:t>
+            </a:r>
+            <a:r>
+              <a:rPr kumimoji="1" lang="en-US" altLang="ja-JP" sz="2000" dirty="0"/>
+              <a:t>2)</a:t>
+            </a:r>
+          </a:p>
+          <a:p>
+            <a:endParaRPr kumimoji="1" lang="en-US" altLang="ja-JP" sz="2000" dirty="0"/>
+          </a:p>
+          <a:p>
+            <a:r>
+              <a:rPr lang="ja-JP" altLang="en-US" sz="2000" dirty="0"/>
+              <a:t>これに</a:t>
+            </a:r>
+            <a:endParaRPr lang="en-US" altLang="ja-JP" sz="2000" dirty="0"/>
+          </a:p>
+          <a:p>
+            <a:r>
+              <a:rPr lang="ja-JP" altLang="en-US" sz="2000" dirty="0"/>
+              <a:t>さらに</a:t>
+            </a:r>
+            <a:r>
+              <a:rPr lang="en-US" altLang="ja-JP" sz="2000" dirty="0"/>
+              <a:t>45</a:t>
+            </a:r>
+            <a:r>
+              <a:rPr lang="ja-JP" altLang="en-US" sz="2000" dirty="0"/>
+              <a:t>度足して、</a:t>
+            </a:r>
+            <a:endParaRPr lang="en-US" altLang="ja-JP" sz="2000" dirty="0"/>
+          </a:p>
+          <a:p>
+            <a:endParaRPr lang="en-US" altLang="ja-JP" sz="2000" dirty="0"/>
+          </a:p>
+          <a:p>
+            <a:r>
+              <a:rPr lang="el-GR" altLang="ja-JP" sz="2000" dirty="0"/>
+              <a:t>Θ</a:t>
+            </a:r>
+            <a:r>
+              <a:rPr lang="ja-JP" altLang="en-US" sz="2000" dirty="0"/>
+              <a:t>＝</a:t>
+            </a:r>
+            <a:r>
+              <a:rPr lang="en-US" altLang="ja-JP" sz="2000" dirty="0"/>
+              <a:t>90</a:t>
+            </a:r>
+            <a:r>
+              <a:rPr lang="ja-JP" altLang="en-US" sz="2000" dirty="0"/>
+              <a:t>度での点</a:t>
+            </a:r>
+            <a:r>
+              <a:rPr lang="en-US" altLang="ja-JP" sz="2000" dirty="0"/>
+              <a:t>A</a:t>
+            </a:r>
+            <a:r>
+              <a:rPr lang="ja-JP" altLang="en-US" sz="2000" dirty="0"/>
+              <a:t>の座標</a:t>
+            </a:r>
+            <a:endParaRPr lang="en-US" altLang="ja-JP" sz="2000" dirty="0"/>
+          </a:p>
+        </p:txBody>
+      </p:sp>
+      <p:sp>
+        <p:nvSpPr>
+          <p:cNvPr id="10" name="テキスト ボックス 9">
+            <a:extLst>
+              <a:ext uri="{FF2B5EF4-FFF2-40B4-BE49-F238E27FC236}">
+                <a16:creationId xmlns:a16="http://schemas.microsoft.com/office/drawing/2014/main" id="{F2DB8FAB-471F-6A41-A028-0BA3B7A636E1}"/>
+              </a:ext>
+            </a:extLst>
+          </p:cNvPr>
+          <p:cNvSpPr txBox="1"/>
+          <p:nvPr/>
+        </p:nvSpPr>
+        <p:spPr>
+          <a:xfrm>
+            <a:off x="5719864" y="1643974"/>
+            <a:ext cx="333746" cy="369332"/>
+          </a:xfrm>
+          <a:prstGeom prst="rect">
+            <a:avLst/>
+          </a:prstGeom>
+          <a:noFill/>
+        </p:spPr>
+        <p:txBody>
+          <a:bodyPr wrap="none" rtlCol="0">
+            <a:spAutoFit/>
+          </a:bodyPr>
+          <a:lstStyle/>
+          <a:p>
+            <a:r>
+              <a:rPr kumimoji="1" lang="en-US" altLang="ja-JP" dirty="0"/>
+              <a:t>A</a:t>
+            </a:r>
+            <a:endParaRPr kumimoji="1" lang="ja-JP" altLang="en-US" dirty="0"/>
+          </a:p>
+        </p:txBody>
+      </p:sp>
+    </p:spTree>
+    <p:extLst>
+      <p:ext uri="{BB962C8B-B14F-4D97-AF65-F5344CB8AC3E}">
+        <p14:creationId xmlns:p14="http://schemas.microsoft.com/office/powerpoint/2010/main" val="1449421853"/>
+      </p:ext>
+    </p:extLst>
+  </p:cSld>
+  <p:clrMapOvr>
+    <a:masterClrMapping/>
+  </p:clrMapOvr>
+</p:sld>
+</file>
+
 <file path=ppt/slides/slide2.xml><?xml version="1.0" encoding="utf-8"?>
 <p:sld xmlns:a="http://schemas.openxmlformats.org/drawingml/2006/main" xmlns:r="http://schemas.openxmlformats.org/officeDocument/2006/relationships" xmlns:p="http://schemas.openxmlformats.org/presentationml/2006/main">
   <p:cSld>

--- a/数学用図形.pptx
+++ b/数学用図形.pptx
@@ -22,6 +22,10 @@
     <p:sldId id="272" r:id="rId16"/>
     <p:sldId id="273" r:id="rId17"/>
     <p:sldId id="274" r:id="rId18"/>
+    <p:sldId id="276" r:id="rId19"/>
+    <p:sldId id="275" r:id="rId20"/>
+    <p:sldId id="277" r:id="rId21"/>
+    <p:sldId id="279" r:id="rId22"/>
   </p:sldIdLst>
   <p:sldSz cx="12192000" cy="6858000"/>
   <p:notesSz cx="6858000" cy="9144000"/>
@@ -383,7 +387,7 @@
           <a:p>
             <a:fld id="{B10628C9-5609-4CD9-B2CE-2EE4BC5A64D5}" type="datetimeFigureOut">
               <a:rPr kumimoji="1" lang="ja-JP" altLang="en-US" smtClean="0"/>
-              <a:t>2024/6/26</a:t>
+              <a:t>2024/6/28</a:t>
             </a:fld>
             <a:endParaRPr kumimoji="1" lang="ja-JP" altLang="en-US"/>
           </a:p>
@@ -613,7 +617,7 @@
           <a:p>
             <a:fld id="{B10628C9-5609-4CD9-B2CE-2EE4BC5A64D5}" type="datetimeFigureOut">
               <a:rPr kumimoji="1" lang="ja-JP" altLang="en-US" smtClean="0"/>
-              <a:t>2024/6/26</a:t>
+              <a:t>2024/6/28</a:t>
             </a:fld>
             <a:endParaRPr kumimoji="1" lang="ja-JP" altLang="en-US"/>
           </a:p>
@@ -853,7 +857,7 @@
           <a:p>
             <a:fld id="{B10628C9-5609-4CD9-B2CE-2EE4BC5A64D5}" type="datetimeFigureOut">
               <a:rPr kumimoji="1" lang="ja-JP" altLang="en-US" smtClean="0"/>
-              <a:t>2024/6/26</a:t>
+              <a:t>2024/6/28</a:t>
             </a:fld>
             <a:endParaRPr kumimoji="1" lang="ja-JP" altLang="en-US"/>
           </a:p>
@@ -1083,7 +1087,7 @@
           <a:p>
             <a:fld id="{B10628C9-5609-4CD9-B2CE-2EE4BC5A64D5}" type="datetimeFigureOut">
               <a:rPr kumimoji="1" lang="ja-JP" altLang="en-US" smtClean="0"/>
-              <a:t>2024/6/26</a:t>
+              <a:t>2024/6/28</a:t>
             </a:fld>
             <a:endParaRPr kumimoji="1" lang="ja-JP" altLang="en-US"/>
           </a:p>
@@ -1358,7 +1362,7 @@
           <a:p>
             <a:fld id="{B10628C9-5609-4CD9-B2CE-2EE4BC5A64D5}" type="datetimeFigureOut">
               <a:rPr kumimoji="1" lang="ja-JP" altLang="en-US" smtClean="0"/>
-              <a:t>2024/6/26</a:t>
+              <a:t>2024/6/28</a:t>
             </a:fld>
             <a:endParaRPr kumimoji="1" lang="ja-JP" altLang="en-US"/>
           </a:p>
@@ -1687,7 +1691,7 @@
           <a:p>
             <a:fld id="{B10628C9-5609-4CD9-B2CE-2EE4BC5A64D5}" type="datetimeFigureOut">
               <a:rPr kumimoji="1" lang="ja-JP" altLang="en-US" smtClean="0"/>
-              <a:t>2024/6/26</a:t>
+              <a:t>2024/6/28</a:t>
             </a:fld>
             <a:endParaRPr kumimoji="1" lang="ja-JP" altLang="en-US"/>
           </a:p>
@@ -2163,7 +2167,7 @@
           <a:p>
             <a:fld id="{B10628C9-5609-4CD9-B2CE-2EE4BC5A64D5}" type="datetimeFigureOut">
               <a:rPr kumimoji="1" lang="ja-JP" altLang="en-US" smtClean="0"/>
-              <a:t>2024/6/26</a:t>
+              <a:t>2024/6/28</a:t>
             </a:fld>
             <a:endParaRPr kumimoji="1" lang="ja-JP" altLang="en-US"/>
           </a:p>
@@ -2304,7 +2308,7 @@
           <a:p>
             <a:fld id="{B10628C9-5609-4CD9-B2CE-2EE4BC5A64D5}" type="datetimeFigureOut">
               <a:rPr kumimoji="1" lang="ja-JP" altLang="en-US" smtClean="0"/>
-              <a:t>2024/6/26</a:t>
+              <a:t>2024/6/28</a:t>
             </a:fld>
             <a:endParaRPr kumimoji="1" lang="ja-JP" altLang="en-US"/>
           </a:p>
@@ -2417,7 +2421,7 @@
           <a:p>
             <a:fld id="{B10628C9-5609-4CD9-B2CE-2EE4BC5A64D5}" type="datetimeFigureOut">
               <a:rPr kumimoji="1" lang="ja-JP" altLang="en-US" smtClean="0"/>
-              <a:t>2024/6/26</a:t>
+              <a:t>2024/6/28</a:t>
             </a:fld>
             <a:endParaRPr kumimoji="1" lang="ja-JP" altLang="en-US"/>
           </a:p>
@@ -2760,7 +2764,7 @@
           <a:p>
             <a:fld id="{B10628C9-5609-4CD9-B2CE-2EE4BC5A64D5}" type="datetimeFigureOut">
               <a:rPr kumimoji="1" lang="ja-JP" altLang="en-US" smtClean="0"/>
-              <a:t>2024/6/26</a:t>
+              <a:t>2024/6/28</a:t>
             </a:fld>
             <a:endParaRPr kumimoji="1" lang="ja-JP" altLang="en-US"/>
           </a:p>
@@ -3048,7 +3052,7 @@
           <a:p>
             <a:fld id="{B10628C9-5609-4CD9-B2CE-2EE4BC5A64D5}" type="datetimeFigureOut">
               <a:rPr kumimoji="1" lang="ja-JP" altLang="en-US" smtClean="0"/>
-              <a:t>2024/6/26</a:t>
+              <a:t>2024/6/28</a:t>
             </a:fld>
             <a:endParaRPr kumimoji="1" lang="ja-JP" altLang="en-US"/>
           </a:p>
@@ -3321,7 +3325,7 @@
           <a:p>
             <a:fld id="{B10628C9-5609-4CD9-B2CE-2EE4BC5A64D5}" type="datetimeFigureOut">
               <a:rPr kumimoji="1" lang="ja-JP" altLang="en-US" smtClean="0"/>
-              <a:t>2024/6/26</a:t>
+              <a:t>2024/6/28</a:t>
             </a:fld>
             <a:endParaRPr kumimoji="1" lang="ja-JP" altLang="en-US"/>
           </a:p>
@@ -8315,6 +8319,932 @@
 </p:sld>
 </file>
 
+<file path=ppt/slides/slide18.xml><?xml version="1.0" encoding="utf-8"?>
+<p:sld xmlns:a="http://schemas.openxmlformats.org/drawingml/2006/main" xmlns:r="http://schemas.openxmlformats.org/officeDocument/2006/relationships" xmlns:p="http://schemas.openxmlformats.org/presentationml/2006/main">
+  <p:cSld>
+    <p:spTree>
+      <p:nvGrpSpPr>
+        <p:cNvPr id="1" name=""/>
+        <p:cNvGrpSpPr/>
+        <p:nvPr/>
+      </p:nvGrpSpPr>
+      <p:grpSpPr>
+        <a:xfrm>
+          <a:off x="0" y="0"/>
+          <a:ext cx="0" cy="0"/>
+          <a:chOff x="0" y="0"/>
+          <a:chExt cx="0" cy="0"/>
+        </a:xfrm>
+      </p:grpSpPr>
+      <p:sp>
+        <p:nvSpPr>
+          <p:cNvPr id="2" name="楕円 1">
+            <a:extLst>
+              <a:ext uri="{FF2B5EF4-FFF2-40B4-BE49-F238E27FC236}">
+                <a16:creationId xmlns:a16="http://schemas.microsoft.com/office/drawing/2014/main" id="{4DAE5471-BD9A-7953-8568-E9CAB7BB8D7B}"/>
+              </a:ext>
+            </a:extLst>
+          </p:cNvPr>
+          <p:cNvSpPr/>
+          <p:nvPr/>
+        </p:nvSpPr>
+        <p:spPr>
+          <a:xfrm>
+            <a:off x="4741681" y="1921364"/>
+            <a:ext cx="179110" cy="169682"/>
+          </a:xfrm>
+          <a:prstGeom prst="ellipse">
+            <a:avLst/>
+          </a:prstGeom>
+        </p:spPr>
+        <p:style>
+          <a:lnRef idx="2">
+            <a:schemeClr val="accent1">
+              <a:shade val="15000"/>
+            </a:schemeClr>
+          </a:lnRef>
+          <a:fillRef idx="1">
+            <a:schemeClr val="accent1"/>
+          </a:fillRef>
+          <a:effectRef idx="0">
+            <a:schemeClr val="accent1"/>
+          </a:effectRef>
+          <a:fontRef idx="minor">
+            <a:schemeClr val="lt1"/>
+          </a:fontRef>
+        </p:style>
+        <p:txBody>
+          <a:bodyPr rtlCol="0" anchor="ctr"/>
+          <a:lstStyle/>
+          <a:p>
+            <a:pPr algn="ctr"/>
+            <a:endParaRPr kumimoji="1" lang="ja-JP" altLang="en-US"/>
+          </a:p>
+        </p:txBody>
+      </p:sp>
+      <p:sp>
+        <p:nvSpPr>
+          <p:cNvPr id="3" name="テキスト ボックス 2">
+            <a:extLst>
+              <a:ext uri="{FF2B5EF4-FFF2-40B4-BE49-F238E27FC236}">
+                <a16:creationId xmlns:a16="http://schemas.microsoft.com/office/drawing/2014/main" id="{0F76F5C7-F04A-0727-3095-D84F9D58123E}"/>
+              </a:ext>
+            </a:extLst>
+          </p:cNvPr>
+          <p:cNvSpPr txBox="1"/>
+          <p:nvPr/>
+        </p:nvSpPr>
+        <p:spPr>
+          <a:xfrm>
+            <a:off x="499621" y="4617431"/>
+            <a:ext cx="333746" cy="369332"/>
+          </a:xfrm>
+          <a:prstGeom prst="rect">
+            <a:avLst/>
+          </a:prstGeom>
+          <a:noFill/>
+        </p:spPr>
+        <p:txBody>
+          <a:bodyPr wrap="none" rtlCol="0">
+            <a:spAutoFit/>
+          </a:bodyPr>
+          <a:lstStyle/>
+          <a:p>
+            <a:r>
+              <a:rPr kumimoji="1" lang="en-US" altLang="ja-JP" dirty="0"/>
+              <a:t>A</a:t>
+            </a:r>
+            <a:endParaRPr kumimoji="1" lang="ja-JP" altLang="en-US" dirty="0"/>
+          </a:p>
+        </p:txBody>
+      </p:sp>
+      <p:sp>
+        <p:nvSpPr>
+          <p:cNvPr id="4" name="楕円 3">
+            <a:extLst>
+              <a:ext uri="{FF2B5EF4-FFF2-40B4-BE49-F238E27FC236}">
+                <a16:creationId xmlns:a16="http://schemas.microsoft.com/office/drawing/2014/main" id="{2F4EA4B4-C3EE-B8A4-8C21-B1E9B68F5E97}"/>
+              </a:ext>
+            </a:extLst>
+          </p:cNvPr>
+          <p:cNvSpPr/>
+          <p:nvPr/>
+        </p:nvSpPr>
+        <p:spPr>
+          <a:xfrm>
+            <a:off x="915969" y="4717256"/>
+            <a:ext cx="179110" cy="169682"/>
+          </a:xfrm>
+          <a:prstGeom prst="ellipse">
+            <a:avLst/>
+          </a:prstGeom>
+        </p:spPr>
+        <p:style>
+          <a:lnRef idx="2">
+            <a:schemeClr val="accent1">
+              <a:shade val="15000"/>
+            </a:schemeClr>
+          </a:lnRef>
+          <a:fillRef idx="1">
+            <a:schemeClr val="accent1"/>
+          </a:fillRef>
+          <a:effectRef idx="0">
+            <a:schemeClr val="accent1"/>
+          </a:effectRef>
+          <a:fontRef idx="minor">
+            <a:schemeClr val="lt1"/>
+          </a:fontRef>
+        </p:style>
+        <p:txBody>
+          <a:bodyPr rtlCol="0" anchor="ctr"/>
+          <a:lstStyle/>
+          <a:p>
+            <a:pPr algn="ctr"/>
+            <a:endParaRPr kumimoji="1" lang="ja-JP" altLang="en-US"/>
+          </a:p>
+        </p:txBody>
+      </p:sp>
+      <p:sp>
+        <p:nvSpPr>
+          <p:cNvPr id="5" name="テキスト ボックス 4">
+            <a:extLst>
+              <a:ext uri="{FF2B5EF4-FFF2-40B4-BE49-F238E27FC236}">
+                <a16:creationId xmlns:a16="http://schemas.microsoft.com/office/drawing/2014/main" id="{E19FBFC6-6EF9-806F-EAAA-39A9F3DA9A1C}"/>
+              </a:ext>
+            </a:extLst>
+          </p:cNvPr>
+          <p:cNvSpPr txBox="1"/>
+          <p:nvPr/>
+        </p:nvSpPr>
+        <p:spPr>
+          <a:xfrm>
+            <a:off x="5035485" y="1821539"/>
+            <a:ext cx="341760" cy="369332"/>
+          </a:xfrm>
+          <a:prstGeom prst="rect">
+            <a:avLst/>
+          </a:prstGeom>
+          <a:noFill/>
+        </p:spPr>
+        <p:txBody>
+          <a:bodyPr wrap="none" rtlCol="0">
+            <a:spAutoFit/>
+          </a:bodyPr>
+          <a:lstStyle/>
+          <a:p>
+            <a:r>
+              <a:rPr kumimoji="1" lang="en-US" altLang="ja-JP" dirty="0"/>
+              <a:t>B</a:t>
+            </a:r>
+            <a:endParaRPr kumimoji="1" lang="ja-JP" altLang="en-US" dirty="0"/>
+          </a:p>
+        </p:txBody>
+      </p:sp>
+      <p:cxnSp>
+        <p:nvCxnSpPr>
+          <p:cNvPr id="12" name="直線矢印コネクタ 11">
+            <a:extLst>
+              <a:ext uri="{FF2B5EF4-FFF2-40B4-BE49-F238E27FC236}">
+                <a16:creationId xmlns:a16="http://schemas.microsoft.com/office/drawing/2014/main" id="{D72504CB-D75D-222E-20BB-18ED1972CB90}"/>
+              </a:ext>
+            </a:extLst>
+          </p:cNvPr>
+          <p:cNvCxnSpPr>
+            <a:cxnSpLocks/>
+          </p:cNvCxnSpPr>
+          <p:nvPr/>
+        </p:nvCxnSpPr>
+        <p:spPr>
+          <a:xfrm flipV="1">
+            <a:off x="1095079" y="2091046"/>
+            <a:ext cx="3699062" cy="2675908"/>
+          </a:xfrm>
+          <a:prstGeom prst="straightConnector1">
+            <a:avLst/>
+          </a:prstGeom>
+          <a:ln w="57150">
+            <a:solidFill>
+              <a:srgbClr val="FF0000"/>
+            </a:solidFill>
+            <a:tailEnd type="triangle"/>
+          </a:ln>
+        </p:spPr>
+        <p:style>
+          <a:lnRef idx="1">
+            <a:schemeClr val="accent1"/>
+          </a:lnRef>
+          <a:fillRef idx="0">
+            <a:schemeClr val="accent1"/>
+          </a:fillRef>
+          <a:effectRef idx="0">
+            <a:schemeClr val="accent1"/>
+          </a:effectRef>
+          <a:fontRef idx="minor">
+            <a:schemeClr val="tx1"/>
+          </a:fontRef>
+        </p:style>
+      </p:cxnSp>
+      <p:sp>
+        <p:nvSpPr>
+          <p:cNvPr id="15" name="楕円 14">
+            <a:extLst>
+              <a:ext uri="{FF2B5EF4-FFF2-40B4-BE49-F238E27FC236}">
+                <a16:creationId xmlns:a16="http://schemas.microsoft.com/office/drawing/2014/main" id="{3E181237-9209-9CCE-20A3-11B6F383617B}"/>
+              </a:ext>
+            </a:extLst>
+          </p:cNvPr>
+          <p:cNvSpPr/>
+          <p:nvPr/>
+        </p:nvSpPr>
+        <p:spPr>
+          <a:xfrm>
+            <a:off x="10237814" y="1921364"/>
+            <a:ext cx="179110" cy="169682"/>
+          </a:xfrm>
+          <a:prstGeom prst="ellipse">
+            <a:avLst/>
+          </a:prstGeom>
+        </p:spPr>
+        <p:style>
+          <a:lnRef idx="2">
+            <a:schemeClr val="accent1">
+              <a:shade val="15000"/>
+            </a:schemeClr>
+          </a:lnRef>
+          <a:fillRef idx="1">
+            <a:schemeClr val="accent1"/>
+          </a:fillRef>
+          <a:effectRef idx="0">
+            <a:schemeClr val="accent1"/>
+          </a:effectRef>
+          <a:fontRef idx="minor">
+            <a:schemeClr val="lt1"/>
+          </a:fontRef>
+        </p:style>
+        <p:txBody>
+          <a:bodyPr rtlCol="0" anchor="ctr"/>
+          <a:lstStyle/>
+          <a:p>
+            <a:pPr algn="ctr"/>
+            <a:endParaRPr kumimoji="1" lang="ja-JP" altLang="en-US"/>
+          </a:p>
+        </p:txBody>
+      </p:sp>
+      <p:sp>
+        <p:nvSpPr>
+          <p:cNvPr id="16" name="テキスト ボックス 15">
+            <a:extLst>
+              <a:ext uri="{FF2B5EF4-FFF2-40B4-BE49-F238E27FC236}">
+                <a16:creationId xmlns:a16="http://schemas.microsoft.com/office/drawing/2014/main" id="{EE176E2C-B3CC-E554-8D44-16359951F58D}"/>
+              </a:ext>
+            </a:extLst>
+          </p:cNvPr>
+          <p:cNvSpPr txBox="1"/>
+          <p:nvPr/>
+        </p:nvSpPr>
+        <p:spPr>
+          <a:xfrm>
+            <a:off x="5995754" y="4617431"/>
+            <a:ext cx="333746" cy="369332"/>
+          </a:xfrm>
+          <a:prstGeom prst="rect">
+            <a:avLst/>
+          </a:prstGeom>
+          <a:noFill/>
+        </p:spPr>
+        <p:txBody>
+          <a:bodyPr wrap="none" rtlCol="0">
+            <a:spAutoFit/>
+          </a:bodyPr>
+          <a:lstStyle/>
+          <a:p>
+            <a:r>
+              <a:rPr kumimoji="1" lang="en-US" altLang="ja-JP" dirty="0"/>
+              <a:t>A</a:t>
+            </a:r>
+            <a:endParaRPr kumimoji="1" lang="ja-JP" altLang="en-US" dirty="0"/>
+          </a:p>
+        </p:txBody>
+      </p:sp>
+      <p:sp>
+        <p:nvSpPr>
+          <p:cNvPr id="17" name="楕円 16">
+            <a:extLst>
+              <a:ext uri="{FF2B5EF4-FFF2-40B4-BE49-F238E27FC236}">
+                <a16:creationId xmlns:a16="http://schemas.microsoft.com/office/drawing/2014/main" id="{316E96D6-95F1-18C4-D489-C012C22715DA}"/>
+              </a:ext>
+            </a:extLst>
+          </p:cNvPr>
+          <p:cNvSpPr/>
+          <p:nvPr/>
+        </p:nvSpPr>
+        <p:spPr>
+          <a:xfrm>
+            <a:off x="6412102" y="4717256"/>
+            <a:ext cx="179110" cy="169682"/>
+          </a:xfrm>
+          <a:prstGeom prst="ellipse">
+            <a:avLst/>
+          </a:prstGeom>
+        </p:spPr>
+        <p:style>
+          <a:lnRef idx="2">
+            <a:schemeClr val="accent1">
+              <a:shade val="15000"/>
+            </a:schemeClr>
+          </a:lnRef>
+          <a:fillRef idx="1">
+            <a:schemeClr val="accent1"/>
+          </a:fillRef>
+          <a:effectRef idx="0">
+            <a:schemeClr val="accent1"/>
+          </a:effectRef>
+          <a:fontRef idx="minor">
+            <a:schemeClr val="lt1"/>
+          </a:fontRef>
+        </p:style>
+        <p:txBody>
+          <a:bodyPr rtlCol="0" anchor="ctr"/>
+          <a:lstStyle/>
+          <a:p>
+            <a:pPr algn="ctr"/>
+            <a:endParaRPr kumimoji="1" lang="ja-JP" altLang="en-US"/>
+          </a:p>
+        </p:txBody>
+      </p:sp>
+      <p:sp>
+        <p:nvSpPr>
+          <p:cNvPr id="18" name="テキスト ボックス 17">
+            <a:extLst>
+              <a:ext uri="{FF2B5EF4-FFF2-40B4-BE49-F238E27FC236}">
+                <a16:creationId xmlns:a16="http://schemas.microsoft.com/office/drawing/2014/main" id="{D262EF58-30E2-17C9-EE5A-01FBB0D51313}"/>
+              </a:ext>
+            </a:extLst>
+          </p:cNvPr>
+          <p:cNvSpPr txBox="1"/>
+          <p:nvPr/>
+        </p:nvSpPr>
+        <p:spPr>
+          <a:xfrm>
+            <a:off x="10531618" y="1821539"/>
+            <a:ext cx="341760" cy="369332"/>
+          </a:xfrm>
+          <a:prstGeom prst="rect">
+            <a:avLst/>
+          </a:prstGeom>
+          <a:noFill/>
+        </p:spPr>
+        <p:txBody>
+          <a:bodyPr wrap="none" rtlCol="0">
+            <a:spAutoFit/>
+          </a:bodyPr>
+          <a:lstStyle/>
+          <a:p>
+            <a:r>
+              <a:rPr kumimoji="1" lang="en-US" altLang="ja-JP" dirty="0"/>
+              <a:t>B</a:t>
+            </a:r>
+            <a:endParaRPr kumimoji="1" lang="ja-JP" altLang="en-US" dirty="0"/>
+          </a:p>
+        </p:txBody>
+      </p:sp>
+      <p:cxnSp>
+        <p:nvCxnSpPr>
+          <p:cNvPr id="19" name="直線矢印コネクタ 18">
+            <a:extLst>
+              <a:ext uri="{FF2B5EF4-FFF2-40B4-BE49-F238E27FC236}">
+                <a16:creationId xmlns:a16="http://schemas.microsoft.com/office/drawing/2014/main" id="{428AB04C-2B6C-6238-A569-0405A5E25BED}"/>
+              </a:ext>
+            </a:extLst>
+          </p:cNvPr>
+          <p:cNvCxnSpPr>
+            <a:cxnSpLocks/>
+            <a:stCxn id="15" idx="3"/>
+            <a:endCxn id="17" idx="7"/>
+          </p:cNvCxnSpPr>
+          <p:nvPr/>
+        </p:nvCxnSpPr>
+        <p:spPr>
+          <a:xfrm flipH="1">
+            <a:off x="6564982" y="2066197"/>
+            <a:ext cx="3699062" cy="2675908"/>
+          </a:xfrm>
+          <a:prstGeom prst="straightConnector1">
+            <a:avLst/>
+          </a:prstGeom>
+          <a:ln w="57150">
+            <a:solidFill>
+              <a:srgbClr val="FF0000"/>
+            </a:solidFill>
+            <a:tailEnd type="triangle"/>
+          </a:ln>
+        </p:spPr>
+        <p:style>
+          <a:lnRef idx="1">
+            <a:schemeClr val="accent1"/>
+          </a:lnRef>
+          <a:fillRef idx="0">
+            <a:schemeClr val="accent1"/>
+          </a:fillRef>
+          <a:effectRef idx="0">
+            <a:schemeClr val="accent1"/>
+          </a:effectRef>
+          <a:fontRef idx="minor">
+            <a:schemeClr val="tx1"/>
+          </a:fontRef>
+        </p:style>
+      </p:cxnSp>
+    </p:spTree>
+    <p:extLst>
+      <p:ext uri="{BB962C8B-B14F-4D97-AF65-F5344CB8AC3E}">
+        <p14:creationId xmlns:p14="http://schemas.microsoft.com/office/powerpoint/2010/main" val="1649300861"/>
+      </p:ext>
+    </p:extLst>
+  </p:cSld>
+  <p:clrMapOvr>
+    <a:masterClrMapping/>
+  </p:clrMapOvr>
+</p:sld>
+</file>
+
+<file path=ppt/slides/slide19.xml><?xml version="1.0" encoding="utf-8"?>
+<p:sld xmlns:a="http://schemas.openxmlformats.org/drawingml/2006/main" xmlns:r="http://schemas.openxmlformats.org/officeDocument/2006/relationships" xmlns:p="http://schemas.openxmlformats.org/presentationml/2006/main">
+  <p:cSld>
+    <p:spTree>
+      <p:nvGrpSpPr>
+        <p:cNvPr id="1" name=""/>
+        <p:cNvGrpSpPr/>
+        <p:nvPr/>
+      </p:nvGrpSpPr>
+      <p:grpSpPr>
+        <a:xfrm>
+          <a:off x="0" y="0"/>
+          <a:ext cx="0" cy="0"/>
+          <a:chOff x="0" y="0"/>
+          <a:chExt cx="0" cy="0"/>
+        </a:xfrm>
+      </p:grpSpPr>
+      <p:cxnSp>
+        <p:nvCxnSpPr>
+          <p:cNvPr id="12" name="直線矢印コネクタ 11">
+            <a:extLst>
+              <a:ext uri="{FF2B5EF4-FFF2-40B4-BE49-F238E27FC236}">
+                <a16:creationId xmlns:a16="http://schemas.microsoft.com/office/drawing/2014/main" id="{D72504CB-D75D-222E-20BB-18ED1972CB90}"/>
+              </a:ext>
+            </a:extLst>
+          </p:cNvPr>
+          <p:cNvCxnSpPr>
+            <a:cxnSpLocks/>
+          </p:cNvCxnSpPr>
+          <p:nvPr/>
+        </p:nvCxnSpPr>
+        <p:spPr>
+          <a:xfrm flipV="1">
+            <a:off x="1652860" y="3661892"/>
+            <a:ext cx="2436628" cy="1736659"/>
+          </a:xfrm>
+          <a:prstGeom prst="straightConnector1">
+            <a:avLst/>
+          </a:prstGeom>
+          <a:ln w="57150">
+            <a:solidFill>
+              <a:srgbClr val="00B0F0"/>
+            </a:solidFill>
+            <a:tailEnd type="triangle"/>
+          </a:ln>
+        </p:spPr>
+        <p:style>
+          <a:lnRef idx="1">
+            <a:schemeClr val="accent1"/>
+          </a:lnRef>
+          <a:fillRef idx="0">
+            <a:schemeClr val="accent1"/>
+          </a:fillRef>
+          <a:effectRef idx="0">
+            <a:schemeClr val="accent1"/>
+          </a:effectRef>
+          <a:fontRef idx="minor">
+            <a:schemeClr val="tx1"/>
+          </a:fontRef>
+        </p:style>
+      </p:cxnSp>
+      <p:cxnSp>
+        <p:nvCxnSpPr>
+          <p:cNvPr id="19" name="直線矢印コネクタ 18">
+            <a:extLst>
+              <a:ext uri="{FF2B5EF4-FFF2-40B4-BE49-F238E27FC236}">
+                <a16:creationId xmlns:a16="http://schemas.microsoft.com/office/drawing/2014/main" id="{428AB04C-2B6C-6238-A569-0405A5E25BED}"/>
+              </a:ext>
+            </a:extLst>
+          </p:cNvPr>
+          <p:cNvCxnSpPr>
+            <a:cxnSpLocks/>
+          </p:cNvCxnSpPr>
+          <p:nvPr/>
+        </p:nvCxnSpPr>
+        <p:spPr>
+          <a:xfrm flipH="1" flipV="1">
+            <a:off x="3052540" y="2309567"/>
+            <a:ext cx="1036948" cy="1352325"/>
+          </a:xfrm>
+          <a:prstGeom prst="straightConnector1">
+            <a:avLst/>
+          </a:prstGeom>
+          <a:ln w="57150">
+            <a:solidFill>
+              <a:srgbClr val="92D050"/>
+            </a:solidFill>
+            <a:tailEnd type="triangle"/>
+          </a:ln>
+        </p:spPr>
+        <p:style>
+          <a:lnRef idx="1">
+            <a:schemeClr val="accent1"/>
+          </a:lnRef>
+          <a:fillRef idx="0">
+            <a:schemeClr val="accent1"/>
+          </a:fillRef>
+          <a:effectRef idx="0">
+            <a:schemeClr val="accent1"/>
+          </a:effectRef>
+          <a:fontRef idx="minor">
+            <a:schemeClr val="tx1"/>
+          </a:fontRef>
+        </p:style>
+      </p:cxnSp>
+      <p:cxnSp>
+        <p:nvCxnSpPr>
+          <p:cNvPr id="28" name="直線矢印コネクタ 27">
+            <a:extLst>
+              <a:ext uri="{FF2B5EF4-FFF2-40B4-BE49-F238E27FC236}">
+                <a16:creationId xmlns:a16="http://schemas.microsoft.com/office/drawing/2014/main" id="{C8FE831B-4EBC-67F1-327C-9ABB2B459A19}"/>
+              </a:ext>
+            </a:extLst>
+          </p:cNvPr>
+          <p:cNvCxnSpPr>
+            <a:cxnSpLocks/>
+          </p:cNvCxnSpPr>
+          <p:nvPr/>
+        </p:nvCxnSpPr>
+        <p:spPr>
+          <a:xfrm flipV="1">
+            <a:off x="1652860" y="2309567"/>
+            <a:ext cx="1399680" cy="3088984"/>
+          </a:xfrm>
+          <a:prstGeom prst="straightConnector1">
+            <a:avLst/>
+          </a:prstGeom>
+          <a:ln w="57150">
+            <a:solidFill>
+              <a:srgbClr val="FF0000"/>
+            </a:solidFill>
+            <a:tailEnd type="triangle"/>
+          </a:ln>
+        </p:spPr>
+        <p:style>
+          <a:lnRef idx="1">
+            <a:schemeClr val="accent1"/>
+          </a:lnRef>
+          <a:fillRef idx="0">
+            <a:schemeClr val="accent1"/>
+          </a:fillRef>
+          <a:effectRef idx="0">
+            <a:schemeClr val="accent1"/>
+          </a:effectRef>
+          <a:fontRef idx="minor">
+            <a:schemeClr val="tx1"/>
+          </a:fontRef>
+        </p:style>
+      </p:cxnSp>
+      <p:cxnSp>
+        <p:nvCxnSpPr>
+          <p:cNvPr id="32" name="直線矢印コネクタ 31">
+            <a:extLst>
+              <a:ext uri="{FF2B5EF4-FFF2-40B4-BE49-F238E27FC236}">
+                <a16:creationId xmlns:a16="http://schemas.microsoft.com/office/drawing/2014/main" id="{13A4CA79-6929-54BA-6B82-72D43861A2AE}"/>
+              </a:ext>
+            </a:extLst>
+          </p:cNvPr>
+          <p:cNvCxnSpPr>
+            <a:cxnSpLocks/>
+          </p:cNvCxnSpPr>
+          <p:nvPr/>
+        </p:nvCxnSpPr>
+        <p:spPr>
+          <a:xfrm>
+            <a:off x="9351216" y="3661892"/>
+            <a:ext cx="914574" cy="1353168"/>
+          </a:xfrm>
+          <a:prstGeom prst="straightConnector1">
+            <a:avLst/>
+          </a:prstGeom>
+          <a:ln w="57150">
+            <a:solidFill>
+              <a:srgbClr val="92D050"/>
+            </a:solidFill>
+            <a:tailEnd type="triangle"/>
+          </a:ln>
+        </p:spPr>
+        <p:style>
+          <a:lnRef idx="1">
+            <a:schemeClr val="accent1"/>
+          </a:lnRef>
+          <a:fillRef idx="0">
+            <a:schemeClr val="accent1"/>
+          </a:fillRef>
+          <a:effectRef idx="0">
+            <a:schemeClr val="accent1"/>
+          </a:effectRef>
+          <a:fontRef idx="minor">
+            <a:schemeClr val="tx1"/>
+          </a:fontRef>
+        </p:style>
+      </p:cxnSp>
+      <p:cxnSp>
+        <p:nvCxnSpPr>
+          <p:cNvPr id="33" name="直線矢印コネクタ 32">
+            <a:extLst>
+              <a:ext uri="{FF2B5EF4-FFF2-40B4-BE49-F238E27FC236}">
+                <a16:creationId xmlns:a16="http://schemas.microsoft.com/office/drawing/2014/main" id="{DAA3F29F-5B85-5031-4C6E-1007FE8CBABB}"/>
+              </a:ext>
+            </a:extLst>
+          </p:cNvPr>
+          <p:cNvCxnSpPr>
+            <a:cxnSpLocks/>
+          </p:cNvCxnSpPr>
+          <p:nvPr/>
+        </p:nvCxnSpPr>
+        <p:spPr>
+          <a:xfrm flipV="1">
+            <a:off x="6914588" y="5015060"/>
+            <a:ext cx="3351202" cy="383491"/>
+          </a:xfrm>
+          <a:prstGeom prst="straightConnector1">
+            <a:avLst/>
+          </a:prstGeom>
+          <a:ln w="57150">
+            <a:solidFill>
+              <a:srgbClr val="FF0000"/>
+            </a:solidFill>
+            <a:tailEnd type="triangle"/>
+          </a:ln>
+        </p:spPr>
+        <p:style>
+          <a:lnRef idx="1">
+            <a:schemeClr val="accent1"/>
+          </a:lnRef>
+          <a:fillRef idx="0">
+            <a:schemeClr val="accent1"/>
+          </a:fillRef>
+          <a:effectRef idx="0">
+            <a:schemeClr val="accent1"/>
+          </a:effectRef>
+          <a:fontRef idx="minor">
+            <a:schemeClr val="tx1"/>
+          </a:fontRef>
+        </p:style>
+      </p:cxnSp>
+      <p:sp>
+        <p:nvSpPr>
+          <p:cNvPr id="37" name="テキスト ボックス 36">
+            <a:extLst>
+              <a:ext uri="{FF2B5EF4-FFF2-40B4-BE49-F238E27FC236}">
+                <a16:creationId xmlns:a16="http://schemas.microsoft.com/office/drawing/2014/main" id="{8271E753-023C-6386-94A9-EB63801B75C8}"/>
+              </a:ext>
+            </a:extLst>
+          </p:cNvPr>
+          <p:cNvSpPr txBox="1"/>
+          <p:nvPr/>
+        </p:nvSpPr>
+        <p:spPr>
+          <a:xfrm>
+            <a:off x="2896087" y="4530221"/>
+            <a:ext cx="333746" cy="400110"/>
+          </a:xfrm>
+          <a:prstGeom prst="rect">
+            <a:avLst/>
+          </a:prstGeom>
+          <a:noFill/>
+        </p:spPr>
+        <p:txBody>
+          <a:bodyPr wrap="none" rtlCol="0">
+            <a:spAutoFit/>
+          </a:bodyPr>
+          <a:lstStyle/>
+          <a:p>
+            <a:r>
+              <a:rPr kumimoji="1" lang="en-US" altLang="ja-JP" sz="2000" b="1" dirty="0"/>
+              <a:t>a</a:t>
+            </a:r>
+            <a:endParaRPr kumimoji="1" lang="ja-JP" altLang="en-US" sz="2000" b="1" dirty="0"/>
+          </a:p>
+        </p:txBody>
+      </p:sp>
+      <p:sp>
+        <p:nvSpPr>
+          <p:cNvPr id="39" name="テキスト ボックス 38">
+            <a:extLst>
+              <a:ext uri="{FF2B5EF4-FFF2-40B4-BE49-F238E27FC236}">
+                <a16:creationId xmlns:a16="http://schemas.microsoft.com/office/drawing/2014/main" id="{D392F228-642A-09D0-3502-E0CA6872E5F5}"/>
+              </a:ext>
+            </a:extLst>
+          </p:cNvPr>
+          <p:cNvSpPr txBox="1"/>
+          <p:nvPr/>
+        </p:nvSpPr>
+        <p:spPr>
+          <a:xfrm>
+            <a:off x="9985754" y="4103894"/>
+            <a:ext cx="452368" cy="400110"/>
+          </a:xfrm>
+          <a:prstGeom prst="rect">
+            <a:avLst/>
+          </a:prstGeom>
+          <a:noFill/>
+        </p:spPr>
+        <p:txBody>
+          <a:bodyPr wrap="none" rtlCol="0">
+            <a:spAutoFit/>
+          </a:bodyPr>
+          <a:lstStyle/>
+          <a:p>
+            <a:r>
+              <a:rPr lang="en-US" altLang="ja-JP" sz="2000" b="1" dirty="0"/>
+              <a:t>-b</a:t>
+            </a:r>
+            <a:endParaRPr kumimoji="1" lang="ja-JP" altLang="en-US" sz="2000" b="1" dirty="0"/>
+          </a:p>
+        </p:txBody>
+      </p:sp>
+      <p:sp>
+        <p:nvSpPr>
+          <p:cNvPr id="40" name="テキスト ボックス 39">
+            <a:extLst>
+              <a:ext uri="{FF2B5EF4-FFF2-40B4-BE49-F238E27FC236}">
+                <a16:creationId xmlns:a16="http://schemas.microsoft.com/office/drawing/2014/main" id="{DB2B0860-8C20-2B96-C47E-1F1611AC8AEB}"/>
+              </a:ext>
+            </a:extLst>
+          </p:cNvPr>
+          <p:cNvSpPr txBox="1"/>
+          <p:nvPr/>
+        </p:nvSpPr>
+        <p:spPr>
+          <a:xfrm>
+            <a:off x="1652860" y="3287203"/>
+            <a:ext cx="681597" cy="400110"/>
+          </a:xfrm>
+          <a:prstGeom prst="rect">
+            <a:avLst/>
+          </a:prstGeom>
+          <a:noFill/>
+        </p:spPr>
+        <p:txBody>
+          <a:bodyPr wrap="none" rtlCol="0">
+            <a:spAutoFit/>
+          </a:bodyPr>
+          <a:lstStyle/>
+          <a:p>
+            <a:r>
+              <a:rPr kumimoji="1" lang="en-US" altLang="ja-JP" sz="2000" b="1" dirty="0" err="1"/>
+              <a:t>a+b</a:t>
+            </a:r>
+            <a:endParaRPr kumimoji="1" lang="ja-JP" altLang="en-US" sz="2000" b="1" dirty="0"/>
+          </a:p>
+        </p:txBody>
+      </p:sp>
+      <p:sp>
+        <p:nvSpPr>
+          <p:cNvPr id="41" name="テキスト ボックス 40">
+            <a:extLst>
+              <a:ext uri="{FF2B5EF4-FFF2-40B4-BE49-F238E27FC236}">
+                <a16:creationId xmlns:a16="http://schemas.microsoft.com/office/drawing/2014/main" id="{D76AA2DF-5C33-EE0C-5EFC-BE52FFE209EF}"/>
+              </a:ext>
+            </a:extLst>
+          </p:cNvPr>
+          <p:cNvSpPr txBox="1"/>
+          <p:nvPr/>
+        </p:nvSpPr>
+        <p:spPr>
+          <a:xfrm>
+            <a:off x="7824695" y="3992947"/>
+            <a:ext cx="333746" cy="400110"/>
+          </a:xfrm>
+          <a:prstGeom prst="rect">
+            <a:avLst/>
+          </a:prstGeom>
+          <a:noFill/>
+        </p:spPr>
+        <p:txBody>
+          <a:bodyPr wrap="none" rtlCol="0">
+            <a:spAutoFit/>
+          </a:bodyPr>
+          <a:lstStyle/>
+          <a:p>
+            <a:r>
+              <a:rPr kumimoji="1" lang="en-US" altLang="ja-JP" sz="2000" b="1" dirty="0"/>
+              <a:t>a</a:t>
+            </a:r>
+            <a:endParaRPr kumimoji="1" lang="ja-JP" altLang="en-US" sz="2000" b="1" dirty="0"/>
+          </a:p>
+        </p:txBody>
+      </p:sp>
+      <p:sp>
+        <p:nvSpPr>
+          <p:cNvPr id="42" name="テキスト ボックス 41">
+            <a:extLst>
+              <a:ext uri="{FF2B5EF4-FFF2-40B4-BE49-F238E27FC236}">
+                <a16:creationId xmlns:a16="http://schemas.microsoft.com/office/drawing/2014/main" id="{E732AE2D-59EF-9704-8E44-282E7BE591BB}"/>
+              </a:ext>
+            </a:extLst>
+          </p:cNvPr>
+          <p:cNvSpPr txBox="1"/>
+          <p:nvPr/>
+        </p:nvSpPr>
+        <p:spPr>
+          <a:xfrm>
+            <a:off x="8457865" y="5277830"/>
+            <a:ext cx="601447" cy="400110"/>
+          </a:xfrm>
+          <a:prstGeom prst="rect">
+            <a:avLst/>
+          </a:prstGeom>
+          <a:noFill/>
+        </p:spPr>
+        <p:txBody>
+          <a:bodyPr wrap="none" rtlCol="0">
+            <a:spAutoFit/>
+          </a:bodyPr>
+          <a:lstStyle/>
+          <a:p>
+            <a:r>
+              <a:rPr lang="en-US" altLang="ja-JP" sz="2000" b="1" dirty="0"/>
+              <a:t>a-</a:t>
+            </a:r>
+            <a:r>
+              <a:rPr kumimoji="1" lang="en-US" altLang="ja-JP" sz="2000" b="1" dirty="0"/>
+              <a:t>b</a:t>
+            </a:r>
+            <a:endParaRPr kumimoji="1" lang="ja-JP" altLang="en-US" sz="2000" b="1" dirty="0"/>
+          </a:p>
+        </p:txBody>
+      </p:sp>
+      <p:cxnSp>
+        <p:nvCxnSpPr>
+          <p:cNvPr id="43" name="直線矢印コネクタ 42">
+            <a:extLst>
+              <a:ext uri="{FF2B5EF4-FFF2-40B4-BE49-F238E27FC236}">
+                <a16:creationId xmlns:a16="http://schemas.microsoft.com/office/drawing/2014/main" id="{27B60F4A-DC15-85A1-33C6-C14A5F1BC649}"/>
+              </a:ext>
+            </a:extLst>
+          </p:cNvPr>
+          <p:cNvCxnSpPr>
+            <a:cxnSpLocks/>
+          </p:cNvCxnSpPr>
+          <p:nvPr/>
+        </p:nvCxnSpPr>
+        <p:spPr>
+          <a:xfrm flipV="1">
+            <a:off x="6914588" y="3686072"/>
+            <a:ext cx="2436628" cy="1736659"/>
+          </a:xfrm>
+          <a:prstGeom prst="straightConnector1">
+            <a:avLst/>
+          </a:prstGeom>
+          <a:ln w="57150">
+            <a:solidFill>
+              <a:srgbClr val="00B0F0"/>
+            </a:solidFill>
+            <a:tailEnd type="triangle"/>
+          </a:ln>
+        </p:spPr>
+        <p:style>
+          <a:lnRef idx="1">
+            <a:schemeClr val="accent1"/>
+          </a:lnRef>
+          <a:fillRef idx="0">
+            <a:schemeClr val="accent1"/>
+          </a:fillRef>
+          <a:effectRef idx="0">
+            <a:schemeClr val="accent1"/>
+          </a:effectRef>
+          <a:fontRef idx="minor">
+            <a:schemeClr val="tx1"/>
+          </a:fontRef>
+        </p:style>
+      </p:cxnSp>
+    </p:spTree>
+    <p:extLst>
+      <p:ext uri="{BB962C8B-B14F-4D97-AF65-F5344CB8AC3E}">
+        <p14:creationId xmlns:p14="http://schemas.microsoft.com/office/powerpoint/2010/main" val="2178573795"/>
+      </p:ext>
+    </p:extLst>
+  </p:cSld>
+  <p:clrMapOvr>
+    <a:masterClrMapping/>
+  </p:clrMapOvr>
+</p:sld>
+</file>
+
 <file path=ppt/slides/slide2.xml><?xml version="1.0" encoding="utf-8"?>
 <p:sld xmlns:a="http://schemas.openxmlformats.org/drawingml/2006/main" xmlns:r="http://schemas.openxmlformats.org/officeDocument/2006/relationships" xmlns:p="http://schemas.openxmlformats.org/presentationml/2006/main">
   <p:cSld>
@@ -9356,6 +10286,386 @@
     <p:extLst>
       <p:ext uri="{BB962C8B-B14F-4D97-AF65-F5344CB8AC3E}">
         <p14:creationId xmlns:p14="http://schemas.microsoft.com/office/powerpoint/2010/main" val="561234768"/>
+      </p:ext>
+    </p:extLst>
+  </p:cSld>
+  <p:clrMapOvr>
+    <a:masterClrMapping/>
+  </p:clrMapOvr>
+</p:sld>
+</file>
+
+<file path=ppt/slides/slide20.xml><?xml version="1.0" encoding="utf-8"?>
+<p:sld xmlns:a="http://schemas.openxmlformats.org/drawingml/2006/main" xmlns:r="http://schemas.openxmlformats.org/officeDocument/2006/relationships" xmlns:p="http://schemas.openxmlformats.org/presentationml/2006/main">
+  <p:cSld>
+    <p:spTree>
+      <p:nvGrpSpPr>
+        <p:cNvPr id="1" name=""/>
+        <p:cNvGrpSpPr/>
+        <p:nvPr/>
+      </p:nvGrpSpPr>
+      <p:grpSpPr>
+        <a:xfrm>
+          <a:off x="0" y="0"/>
+          <a:ext cx="0" cy="0"/>
+          <a:chOff x="0" y="0"/>
+          <a:chExt cx="0" cy="0"/>
+        </a:xfrm>
+      </p:grpSpPr>
+      <p:cxnSp>
+        <p:nvCxnSpPr>
+          <p:cNvPr id="12" name="直線矢印コネクタ 11">
+            <a:extLst>
+              <a:ext uri="{FF2B5EF4-FFF2-40B4-BE49-F238E27FC236}">
+                <a16:creationId xmlns:a16="http://schemas.microsoft.com/office/drawing/2014/main" id="{D72504CB-D75D-222E-20BB-18ED1972CB90}"/>
+              </a:ext>
+            </a:extLst>
+          </p:cNvPr>
+          <p:cNvCxnSpPr>
+            <a:cxnSpLocks/>
+          </p:cNvCxnSpPr>
+          <p:nvPr/>
+        </p:nvCxnSpPr>
+        <p:spPr>
+          <a:xfrm flipV="1">
+            <a:off x="2396938" y="2091046"/>
+            <a:ext cx="3699062" cy="2675908"/>
+          </a:xfrm>
+          <a:prstGeom prst="straightConnector1">
+            <a:avLst/>
+          </a:prstGeom>
+          <a:ln w="57150">
+            <a:solidFill>
+              <a:srgbClr val="00B0F0"/>
+            </a:solidFill>
+            <a:tailEnd type="triangle"/>
+          </a:ln>
+        </p:spPr>
+        <p:style>
+          <a:lnRef idx="1">
+            <a:schemeClr val="accent1"/>
+          </a:lnRef>
+          <a:fillRef idx="0">
+            <a:schemeClr val="accent1"/>
+          </a:fillRef>
+          <a:effectRef idx="0">
+            <a:schemeClr val="accent1"/>
+          </a:effectRef>
+          <a:fontRef idx="minor">
+            <a:schemeClr val="tx1"/>
+          </a:fontRef>
+        </p:style>
+      </p:cxnSp>
+      <p:cxnSp>
+        <p:nvCxnSpPr>
+          <p:cNvPr id="6" name="直線矢印コネクタ 5">
+            <a:extLst>
+              <a:ext uri="{FF2B5EF4-FFF2-40B4-BE49-F238E27FC236}">
+                <a16:creationId xmlns:a16="http://schemas.microsoft.com/office/drawing/2014/main" id="{C08C187E-9254-C124-6408-446E40F3FCC9}"/>
+              </a:ext>
+            </a:extLst>
+          </p:cNvPr>
+          <p:cNvCxnSpPr>
+            <a:cxnSpLocks/>
+          </p:cNvCxnSpPr>
+          <p:nvPr/>
+        </p:nvCxnSpPr>
+        <p:spPr>
+          <a:xfrm flipV="1">
+            <a:off x="5565915" y="622169"/>
+            <a:ext cx="5793384" cy="4144785"/>
+          </a:xfrm>
+          <a:prstGeom prst="straightConnector1">
+            <a:avLst/>
+          </a:prstGeom>
+          <a:ln w="57150">
+            <a:solidFill>
+              <a:srgbClr val="FF0000"/>
+            </a:solidFill>
+            <a:tailEnd type="triangle"/>
+          </a:ln>
+        </p:spPr>
+        <p:style>
+          <a:lnRef idx="1">
+            <a:schemeClr val="accent1"/>
+          </a:lnRef>
+          <a:fillRef idx="0">
+            <a:schemeClr val="accent1"/>
+          </a:fillRef>
+          <a:effectRef idx="0">
+            <a:schemeClr val="accent1"/>
+          </a:effectRef>
+          <a:fontRef idx="minor">
+            <a:schemeClr val="tx1"/>
+          </a:fontRef>
+        </p:style>
+      </p:cxnSp>
+      <p:sp>
+        <p:nvSpPr>
+          <p:cNvPr id="9" name="テキスト ボックス 8">
+            <a:extLst>
+              <a:ext uri="{FF2B5EF4-FFF2-40B4-BE49-F238E27FC236}">
+                <a16:creationId xmlns:a16="http://schemas.microsoft.com/office/drawing/2014/main" id="{72BBBB6F-8510-B635-77A1-2F40D1B3DB3C}"/>
+              </a:ext>
+            </a:extLst>
+          </p:cNvPr>
+          <p:cNvSpPr txBox="1"/>
+          <p:nvPr/>
+        </p:nvSpPr>
+        <p:spPr>
+          <a:xfrm>
+            <a:off x="3647681" y="2927664"/>
+            <a:ext cx="333746" cy="400110"/>
+          </a:xfrm>
+          <a:prstGeom prst="rect">
+            <a:avLst/>
+          </a:prstGeom>
+          <a:noFill/>
+        </p:spPr>
+        <p:txBody>
+          <a:bodyPr wrap="none" rtlCol="0">
+            <a:spAutoFit/>
+          </a:bodyPr>
+          <a:lstStyle/>
+          <a:p>
+            <a:r>
+              <a:rPr kumimoji="1" lang="en-US" altLang="ja-JP" sz="2000" b="1" dirty="0"/>
+              <a:t>a</a:t>
+            </a:r>
+            <a:endParaRPr kumimoji="1" lang="ja-JP" altLang="en-US" sz="2000" b="1" dirty="0"/>
+          </a:p>
+        </p:txBody>
+      </p:sp>
+      <p:sp>
+        <p:nvSpPr>
+          <p:cNvPr id="10" name="テキスト ボックス 9">
+            <a:extLst>
+              <a:ext uri="{FF2B5EF4-FFF2-40B4-BE49-F238E27FC236}">
+                <a16:creationId xmlns:a16="http://schemas.microsoft.com/office/drawing/2014/main" id="{E262C310-EB2D-F5AC-6D6D-61062CCFB798}"/>
+              </a:ext>
+            </a:extLst>
+          </p:cNvPr>
+          <p:cNvSpPr txBox="1"/>
+          <p:nvPr/>
+        </p:nvSpPr>
+        <p:spPr>
+          <a:xfrm>
+            <a:off x="8768007" y="2927664"/>
+            <a:ext cx="479618" cy="400110"/>
+          </a:xfrm>
+          <a:prstGeom prst="rect">
+            <a:avLst/>
+          </a:prstGeom>
+          <a:noFill/>
+        </p:spPr>
+        <p:txBody>
+          <a:bodyPr wrap="none" rtlCol="0">
+            <a:spAutoFit/>
+          </a:bodyPr>
+          <a:lstStyle/>
+          <a:p>
+            <a:r>
+              <a:rPr kumimoji="1" lang="en-US" altLang="ja-JP" sz="2000" b="1" dirty="0"/>
+              <a:t>ka</a:t>
+            </a:r>
+            <a:endParaRPr kumimoji="1" lang="ja-JP" altLang="en-US" sz="2000" b="1" dirty="0"/>
+          </a:p>
+        </p:txBody>
+      </p:sp>
+    </p:spTree>
+    <p:extLst>
+      <p:ext uri="{BB962C8B-B14F-4D97-AF65-F5344CB8AC3E}">
+        <p14:creationId xmlns:p14="http://schemas.microsoft.com/office/powerpoint/2010/main" val="4076896248"/>
+      </p:ext>
+    </p:extLst>
+  </p:cSld>
+  <p:clrMapOvr>
+    <a:masterClrMapping/>
+  </p:clrMapOvr>
+</p:sld>
+</file>
+
+<file path=ppt/slides/slide21.xml><?xml version="1.0" encoding="utf-8"?>
+<p:sld xmlns:a="http://schemas.openxmlformats.org/drawingml/2006/main" xmlns:r="http://schemas.openxmlformats.org/officeDocument/2006/relationships" xmlns:p="http://schemas.openxmlformats.org/presentationml/2006/main">
+  <p:cSld>
+    <p:spTree>
+      <p:nvGrpSpPr>
+        <p:cNvPr id="1" name=""/>
+        <p:cNvGrpSpPr/>
+        <p:nvPr/>
+      </p:nvGrpSpPr>
+      <p:grpSpPr>
+        <a:xfrm>
+          <a:off x="0" y="0"/>
+          <a:ext cx="0" cy="0"/>
+          <a:chOff x="0" y="0"/>
+          <a:chExt cx="0" cy="0"/>
+        </a:xfrm>
+      </p:grpSpPr>
+      <p:cxnSp>
+        <p:nvCxnSpPr>
+          <p:cNvPr id="12" name="直線矢印コネクタ 11">
+            <a:extLst>
+              <a:ext uri="{FF2B5EF4-FFF2-40B4-BE49-F238E27FC236}">
+                <a16:creationId xmlns:a16="http://schemas.microsoft.com/office/drawing/2014/main" id="{D72504CB-D75D-222E-20BB-18ED1972CB90}"/>
+              </a:ext>
+            </a:extLst>
+          </p:cNvPr>
+          <p:cNvCxnSpPr>
+            <a:cxnSpLocks/>
+          </p:cNvCxnSpPr>
+          <p:nvPr/>
+        </p:nvCxnSpPr>
+        <p:spPr>
+          <a:xfrm flipV="1">
+            <a:off x="5472892" y="2468229"/>
+            <a:ext cx="3699062" cy="2675908"/>
+          </a:xfrm>
+          <a:prstGeom prst="straightConnector1">
+            <a:avLst/>
+          </a:prstGeom>
+          <a:ln w="57150">
+            <a:solidFill>
+              <a:srgbClr val="FF0000"/>
+            </a:solidFill>
+            <a:tailEnd type="triangle"/>
+          </a:ln>
+        </p:spPr>
+        <p:style>
+          <a:lnRef idx="1">
+            <a:schemeClr val="accent1"/>
+          </a:lnRef>
+          <a:fillRef idx="0">
+            <a:schemeClr val="accent1"/>
+          </a:fillRef>
+          <a:effectRef idx="0">
+            <a:schemeClr val="accent1"/>
+          </a:effectRef>
+          <a:fontRef idx="minor">
+            <a:schemeClr val="tx1"/>
+          </a:fontRef>
+        </p:style>
+      </p:cxnSp>
+      <p:cxnSp>
+        <p:nvCxnSpPr>
+          <p:cNvPr id="6" name="直線矢印コネクタ 5">
+            <a:extLst>
+              <a:ext uri="{FF2B5EF4-FFF2-40B4-BE49-F238E27FC236}">
+                <a16:creationId xmlns:a16="http://schemas.microsoft.com/office/drawing/2014/main" id="{C08C187E-9254-C124-6408-446E40F3FCC9}"/>
+              </a:ext>
+            </a:extLst>
+          </p:cNvPr>
+          <p:cNvCxnSpPr>
+            <a:cxnSpLocks/>
+          </p:cNvCxnSpPr>
+          <p:nvPr/>
+        </p:nvCxnSpPr>
+        <p:spPr>
+          <a:xfrm flipV="1">
+            <a:off x="3199308" y="798710"/>
+            <a:ext cx="5793384" cy="4144785"/>
+          </a:xfrm>
+          <a:prstGeom prst="straightConnector1">
+            <a:avLst/>
+          </a:prstGeom>
+          <a:ln w="57150">
+            <a:solidFill>
+              <a:srgbClr val="00B0F0"/>
+            </a:solidFill>
+            <a:tailEnd type="triangle"/>
+          </a:ln>
+        </p:spPr>
+        <p:style>
+          <a:lnRef idx="1">
+            <a:schemeClr val="accent1"/>
+          </a:lnRef>
+          <a:fillRef idx="0">
+            <a:schemeClr val="accent1"/>
+          </a:fillRef>
+          <a:effectRef idx="0">
+            <a:schemeClr val="accent1"/>
+          </a:effectRef>
+          <a:fontRef idx="minor">
+            <a:schemeClr val="tx1"/>
+          </a:fontRef>
+        </p:style>
+      </p:cxnSp>
+      <p:sp>
+        <p:nvSpPr>
+          <p:cNvPr id="9" name="テキスト ボックス 8">
+            <a:extLst>
+              <a:ext uri="{FF2B5EF4-FFF2-40B4-BE49-F238E27FC236}">
+                <a16:creationId xmlns:a16="http://schemas.microsoft.com/office/drawing/2014/main" id="{72BBBB6F-8510-B635-77A1-2F40D1B3DB3C}"/>
+              </a:ext>
+            </a:extLst>
+          </p:cNvPr>
+          <p:cNvSpPr txBox="1"/>
+          <p:nvPr/>
+        </p:nvSpPr>
+        <p:spPr>
+          <a:xfrm>
+            <a:off x="7585301" y="3806183"/>
+            <a:ext cx="607859" cy="400110"/>
+          </a:xfrm>
+          <a:prstGeom prst="rect">
+            <a:avLst/>
+          </a:prstGeom>
+          <a:noFill/>
+        </p:spPr>
+        <p:txBody>
+          <a:bodyPr wrap="none" rtlCol="0">
+            <a:spAutoFit/>
+          </a:bodyPr>
+          <a:lstStyle/>
+          <a:p>
+            <a:r>
+              <a:rPr kumimoji="1" lang="en-US" altLang="ja-JP" sz="2000" b="1" dirty="0"/>
+              <a:t>a/k</a:t>
+            </a:r>
+            <a:endParaRPr kumimoji="1" lang="ja-JP" altLang="en-US" sz="2000" b="1" dirty="0"/>
+          </a:p>
+        </p:txBody>
+      </p:sp>
+      <p:sp>
+        <p:nvSpPr>
+          <p:cNvPr id="10" name="テキスト ボックス 9">
+            <a:extLst>
+              <a:ext uri="{FF2B5EF4-FFF2-40B4-BE49-F238E27FC236}">
+                <a16:creationId xmlns:a16="http://schemas.microsoft.com/office/drawing/2014/main" id="{E262C310-EB2D-F5AC-6D6D-61062CCFB798}"/>
+              </a:ext>
+            </a:extLst>
+          </p:cNvPr>
+          <p:cNvSpPr txBox="1"/>
+          <p:nvPr/>
+        </p:nvSpPr>
+        <p:spPr>
+          <a:xfrm>
+            <a:off x="4601360" y="3028890"/>
+            <a:ext cx="333746" cy="400110"/>
+          </a:xfrm>
+          <a:prstGeom prst="rect">
+            <a:avLst/>
+          </a:prstGeom>
+          <a:noFill/>
+        </p:spPr>
+        <p:txBody>
+          <a:bodyPr wrap="none" rtlCol="0">
+            <a:spAutoFit/>
+          </a:bodyPr>
+          <a:lstStyle/>
+          <a:p>
+            <a:r>
+              <a:rPr kumimoji="1" lang="en-US" altLang="ja-JP" sz="2000" b="1" dirty="0"/>
+              <a:t>a</a:t>
+            </a:r>
+            <a:endParaRPr kumimoji="1" lang="ja-JP" altLang="en-US" sz="2000" b="1" dirty="0"/>
+          </a:p>
+        </p:txBody>
+      </p:sp>
+    </p:spTree>
+    <p:extLst>
+      <p:ext uri="{BB962C8B-B14F-4D97-AF65-F5344CB8AC3E}">
+        <p14:creationId xmlns:p14="http://schemas.microsoft.com/office/powerpoint/2010/main" val="3639036247"/>
       </p:ext>
     </p:extLst>
   </p:cSld>

--- a/数学用図形.pptx
+++ b/数学用図形.pptx
@@ -25,7 +25,9 @@
     <p:sldId id="276" r:id="rId19"/>
     <p:sldId id="275" r:id="rId20"/>
     <p:sldId id="277" r:id="rId21"/>
-    <p:sldId id="279" r:id="rId22"/>
+    <p:sldId id="280" r:id="rId22"/>
+    <p:sldId id="279" r:id="rId23"/>
+    <p:sldId id="281" r:id="rId24"/>
   </p:sldIdLst>
   <p:sldSz cx="12192000" cy="6858000"/>
   <p:notesSz cx="6858000" cy="9144000"/>
@@ -159,6 +161,280 @@
 </inkml:ink>
 </file>
 
+<file path=ppt/ink/ink10.xml><?xml version="1.0" encoding="utf-8"?>
+<inkml:ink xmlns:inkml="http://www.w3.org/2003/InkML">
+  <inkml:definitions>
+    <inkml:context xml:id="ctx0">
+      <inkml:inkSource xml:id="inkSrc0">
+        <inkml:traceFormat>
+          <inkml:channel name="X" type="integer" min="-2.14748E9" max="2.14748E9" units="cm"/>
+          <inkml:channel name="Y" type="integer" min="-2.14748E9" max="2.14748E9" units="cm"/>
+          <inkml:channel name="F" type="integer" max="32767" units="dev"/>
+        </inkml:traceFormat>
+        <inkml:channelProperties>
+          <inkml:channelProperty channel="X" name="resolution" value="1000" units="1/cm"/>
+          <inkml:channelProperty channel="Y" name="resolution" value="1000" units="1/cm"/>
+          <inkml:channelProperty channel="F" name="resolution" value="0" units="1/dev"/>
+        </inkml:channelProperties>
+      </inkml:inkSource>
+      <inkml:timestamp xml:id="ts0" timeString="2024-07-01T05:37:14.668"/>
+    </inkml:context>
+    <inkml:brush xml:id="br0">
+      <inkml:brushProperty name="width" value="0.1" units="cm"/>
+      <inkml:brushProperty name="height" value="0.1" units="cm"/>
+    </inkml:brush>
+  </inkml:definitions>
+  <inkml:trace contextRef="#ctx0" brushRef="#br0">31 0 24575,'0'6'0,"0"9"0,0 8 0,0 7 0,0 4 0,0 3 0,0 1 0,0-6-8191</inkml:trace>
+  <inkml:trace contextRef="#ctx0" brushRef="#br0" timeOffset="1">31 448 24575,'0'7'0,"0"7"0,0 9 0,0 7 0,0 4 0,0 3 0,-6-5 0,-3-2 0,0 1 0,3-5-8191</inkml:trace>
+</inkml:ink>
+</file>
+
+<file path=ppt/ink/ink11.xml><?xml version="1.0" encoding="utf-8"?>
+<inkml:ink xmlns:inkml="http://www.w3.org/2003/InkML">
+  <inkml:definitions>
+    <inkml:context xml:id="ctx0">
+      <inkml:inkSource xml:id="inkSrc0">
+        <inkml:traceFormat>
+          <inkml:channel name="X" type="integer" min="-2.14748E9" max="2.14748E9" units="cm"/>
+          <inkml:channel name="Y" type="integer" min="-2.14748E9" max="2.14748E9" units="cm"/>
+          <inkml:channel name="F" type="integer" max="32767" units="dev"/>
+        </inkml:traceFormat>
+        <inkml:channelProperties>
+          <inkml:channelProperty channel="X" name="resolution" value="1000" units="1/cm"/>
+          <inkml:channelProperty channel="Y" name="resolution" value="1000" units="1/cm"/>
+          <inkml:channelProperty channel="F" name="resolution" value="0" units="1/dev"/>
+        </inkml:channelProperties>
+      </inkml:inkSource>
+      <inkml:timestamp xml:id="ts0" timeString="2024-07-01T05:37:16.638"/>
+    </inkml:context>
+    <inkml:brush xml:id="br0">
+      <inkml:brushProperty name="width" value="0.1" units="cm"/>
+      <inkml:brushProperty name="height" value="0.1" units="cm"/>
+    </inkml:brush>
+  </inkml:definitions>
+  <inkml:trace contextRef="#ctx0" brushRef="#br0">7 1 24575,'-6'0'0</inkml:trace>
+</inkml:ink>
+</file>
+
+<file path=ppt/ink/ink12.xml><?xml version="1.0" encoding="utf-8"?>
+<inkml:ink xmlns:inkml="http://www.w3.org/2003/InkML">
+  <inkml:definitions>
+    <inkml:context xml:id="ctx0">
+      <inkml:inkSource xml:id="inkSrc0">
+        <inkml:traceFormat>
+          <inkml:channel name="X" type="integer" min="-2.14748E9" max="2.14748E9" units="cm"/>
+          <inkml:channel name="Y" type="integer" min="-2.14748E9" max="2.14748E9" units="cm"/>
+          <inkml:channel name="F" type="integer" max="32767" units="dev"/>
+        </inkml:traceFormat>
+        <inkml:channelProperties>
+          <inkml:channelProperty channel="X" name="resolution" value="1000" units="1/cm"/>
+          <inkml:channelProperty channel="Y" name="resolution" value="1000" units="1/cm"/>
+          <inkml:channelProperty channel="F" name="resolution" value="0" units="1/dev"/>
+        </inkml:channelProperties>
+      </inkml:inkSource>
+      <inkml:timestamp xml:id="ts0" timeString="2024-07-01T05:37:16.963"/>
+    </inkml:context>
+    <inkml:brush xml:id="br0">
+      <inkml:brushProperty name="width" value="0.1" units="cm"/>
+      <inkml:brushProperty name="height" value="0.1" units="cm"/>
+    </inkml:brush>
+  </inkml:definitions>
+  <inkml:trace contextRef="#ctx0" brushRef="#br0">0 0 24575,'0'7'0,"0"8"0,0 8 0,0 6 0,0-1-8191</inkml:trace>
+</inkml:ink>
+</file>
+
+<file path=ppt/ink/ink13.xml><?xml version="1.0" encoding="utf-8"?>
+<inkml:ink xmlns:inkml="http://www.w3.org/2003/InkML">
+  <inkml:definitions>
+    <inkml:context xml:id="ctx0">
+      <inkml:inkSource xml:id="inkSrc0">
+        <inkml:traceFormat>
+          <inkml:channel name="X" type="integer" min="-2.14748E9" max="2.14748E9" units="cm"/>
+          <inkml:channel name="Y" type="integer" min="-2.14748E9" max="2.14748E9" units="cm"/>
+          <inkml:channel name="F" type="integer" max="32767" units="dev"/>
+        </inkml:traceFormat>
+        <inkml:channelProperties>
+          <inkml:channelProperty channel="X" name="resolution" value="1000" units="1/cm"/>
+          <inkml:channelProperty channel="Y" name="resolution" value="1000" units="1/cm"/>
+          <inkml:channelProperty channel="F" name="resolution" value="0" units="1/dev"/>
+        </inkml:channelProperties>
+      </inkml:inkSource>
+      <inkml:timestamp xml:id="ts0" timeString="2024-07-01T05:37:17.305"/>
+    </inkml:context>
+    <inkml:brush xml:id="br0">
+      <inkml:brushProperty name="width" value="0.1" units="cm"/>
+      <inkml:brushProperty name="height" value="0.1" units="cm"/>
+    </inkml:brush>
+  </inkml:definitions>
+  <inkml:trace contextRef="#ctx0" brushRef="#br0">0 0 24575,'0'6'0,"0"9"0,0 8 0,0 7 0,0 4 0,0 3 0,0-6-8191</inkml:trace>
+  <inkml:trace contextRef="#ctx0" brushRef="#br0" timeOffset="1">0 337 24575,'0'6'0,"0"9"0</inkml:trace>
+</inkml:ink>
+</file>
+
+<file path=ppt/ink/ink14.xml><?xml version="1.0" encoding="utf-8"?>
+<inkml:ink xmlns:inkml="http://www.w3.org/2003/InkML">
+  <inkml:definitions>
+    <inkml:context xml:id="ctx0">
+      <inkml:inkSource xml:id="inkSrc0">
+        <inkml:traceFormat>
+          <inkml:channel name="X" type="integer" min="-2.14748E9" max="2.14748E9" units="cm"/>
+          <inkml:channel name="Y" type="integer" min="-2.14748E9" max="2.14748E9" units="cm"/>
+          <inkml:channel name="F" type="integer" max="32767" units="dev"/>
+        </inkml:traceFormat>
+        <inkml:channelProperties>
+          <inkml:channelProperty channel="X" name="resolution" value="1000" units="1/cm"/>
+          <inkml:channelProperty channel="Y" name="resolution" value="1000" units="1/cm"/>
+          <inkml:channelProperty channel="F" name="resolution" value="0" units="1/dev"/>
+        </inkml:channelProperties>
+      </inkml:inkSource>
+      <inkml:timestamp xml:id="ts0" timeString="2024-07-01T05:37:17.641"/>
+    </inkml:context>
+    <inkml:brush xml:id="br0">
+      <inkml:brushProperty name="width" value="0.1" units="cm"/>
+      <inkml:brushProperty name="height" value="0.1" units="cm"/>
+    </inkml:brush>
+  </inkml:definitions>
+  <inkml:trace contextRef="#ctx0" brushRef="#br0">15 0 24575,'0'7'0,"0"8"0,0 8 0,0 7 0,-6-3 0,-2-5-8191</inkml:trace>
+</inkml:ink>
+</file>
+
+<file path=ppt/ink/ink15.xml><?xml version="1.0" encoding="utf-8"?>
+<inkml:ink xmlns:inkml="http://www.w3.org/2003/InkML">
+  <inkml:definitions>
+    <inkml:context xml:id="ctx0">
+      <inkml:inkSource xml:id="inkSrc0">
+        <inkml:traceFormat>
+          <inkml:channel name="X" type="integer" min="-2.14748E9" max="2.14748E9" units="cm"/>
+          <inkml:channel name="Y" type="integer" min="-2.14748E9" max="2.14748E9" units="cm"/>
+          <inkml:channel name="F" type="integer" max="32767" units="dev"/>
+        </inkml:traceFormat>
+        <inkml:channelProperties>
+          <inkml:channelProperty channel="X" name="resolution" value="1000" units="1/cm"/>
+          <inkml:channelProperty channel="Y" name="resolution" value="1000" units="1/cm"/>
+          <inkml:channelProperty channel="F" name="resolution" value="0" units="1/dev"/>
+        </inkml:channelProperties>
+      </inkml:inkSource>
+      <inkml:timestamp xml:id="ts0" timeString="2024-07-01T05:19:53.902"/>
+    </inkml:context>
+    <inkml:brush xml:id="br0">
+      <inkml:brushProperty name="width" value="0.035" units="cm"/>
+      <inkml:brushProperty name="height" value="0.035" units="cm"/>
+    </inkml:brush>
+  </inkml:definitions>
+  <inkml:trace contextRef="#ctx0" brushRef="#br0">638 1087 24575,'0'1'0,"0"1"0,-1-1 0,1 0 0,0 1 0,-1-1 0,0 0 0,1 0 0,-1 1 0,0-1 0,0 0 0,1 0 0,-1 0 0,0 0 0,0 0 0,0 0 0,0 0 0,0 0 0,-1-1 0,1 1 0,0 0 0,0-1 0,-1 1 0,1 0 0,0-1 0,0 0 0,-3 1 0,-40 8 0,40-9 0,-20 3 0,1-1 0,-1-1 0,0-1 0,-28-3 0,42 1 0,1 0 0,-1 0 0,0-1 0,1 0 0,0-1 0,-1 0 0,1 0 0,1-1 0,-1 0 0,1 0 0,0-1 0,-13-12 0,-13-10 0,25 21 0,0-1 0,0 0 0,-9-10 0,-25-26 0,33 36 0,0-1 0,1-1 0,1 1 0,0-2 0,-11-16 0,-3-12 0,-27-71 0,42 90 0,1 0 0,1-1 0,1 0 0,1 0 0,-1-37 0,3 21 0,5-151 0,-3 177 0,1-1 0,0 1 0,0 0 0,1 0 0,1 0 0,0 0 0,0 1 0,1-1 0,1 1 0,-1 0 0,2 1 0,-1-1 0,1 1 0,1 1 0,0-1 0,0 1 0,0 0 0,17-11 0,115-89 0,-132 104 0,0-1 0,0 1 0,0 1 0,0 0 0,1 0 0,0 0 0,-1 1 0,18-1 0,-6 1 0,0 1 0,38 4 0,-50-1 0,-1-1 0,1 2 0,-1-1 0,0 1 0,0 0 0,0 1 0,0 0 0,0 0 0,-1 0 0,1 1 0,-1 0 0,0 0 0,-1 0 0,1 1 0,4 7 0,10 13 0,-1 0 0,19 35 0,-35-55 0,7 13 0,-1 1 0,-1 0 0,6 22 0,-3-7 0,-4-13 0,-2 1 0,4 34 0,7 27 0,-8-51 0,-2 1 0,-1 0 0,-1-1 0,-3 2 0,0-1 0,-5 39 0,0-48 0,-2 1 0,-11 33 0,14-48 0,0-4-97,0 0-1,0-1 1,0 0-1,-1 0 1,0 0-1,0 0 1,-1-1-1,1 0 1,-1 1-1,-1-2 1,1 1-1,-1-1 0,-6 5 1,-8 3-6729</inkml:trace>
+</inkml:ink>
+</file>
+
+<file path=ppt/ink/ink16.xml><?xml version="1.0" encoding="utf-8"?>
+<inkml:ink xmlns:inkml="http://www.w3.org/2003/InkML">
+  <inkml:definitions>
+    <inkml:context xml:id="ctx0">
+      <inkml:inkSource xml:id="inkSrc0">
+        <inkml:traceFormat>
+          <inkml:channel name="X" type="integer" min="-2.14748E9" max="2.14748E9" units="cm"/>
+          <inkml:channel name="Y" type="integer" min="-2.14748E9" max="2.14748E9" units="cm"/>
+          <inkml:channel name="F" type="integer" max="32767" units="dev"/>
+        </inkml:traceFormat>
+        <inkml:channelProperties>
+          <inkml:channelProperty channel="X" name="resolution" value="1000" units="1/cm"/>
+          <inkml:channelProperty channel="Y" name="resolution" value="1000" units="1/cm"/>
+          <inkml:channelProperty channel="F" name="resolution" value="0" units="1/dev"/>
+        </inkml:channelProperties>
+      </inkml:inkSource>
+      <inkml:timestamp xml:id="ts0" timeString="2024-07-01T05:19:55.839"/>
+    </inkml:context>
+    <inkml:brush xml:id="br0">
+      <inkml:brushProperty name="width" value="0.035" units="cm"/>
+      <inkml:brushProperty name="height" value="0.035" units="cm"/>
+    </inkml:brush>
+  </inkml:definitions>
+  <inkml:trace contextRef="#ctx0" brushRef="#br0">0 22 24575,'0'2'0,"1"1"0,-1-1 0,1 0 0,0 1 0,-1-1 0,1 0 0,0 0 0,0 0 0,1 0 0,-1 0 0,0 0 0,1 0 0,-1 0 0,1 0 0,0 0 0,-1-1 0,1 1 0,0-1 0,0 1 0,3 1 0,42 21 0,-45-24 0,22 10 0,1-1 0,0-1 0,39 7 0,-50-13 0,1 0 0,-1-2 0,0 0 0,0 0 0,0-1 0,0-1 0,0 0 0,17-6 0,-1 0-195,-1-2 0,0-2 0,0 0 0,-1-2 0,-1-1 0,32-23 0,-40 25-6631</inkml:trace>
+</inkml:ink>
+</file>
+
+<file path=ppt/ink/ink17.xml><?xml version="1.0" encoding="utf-8"?>
+<inkml:ink xmlns:inkml="http://www.w3.org/2003/InkML">
+  <inkml:definitions>
+    <inkml:context xml:id="ctx0">
+      <inkml:inkSource xml:id="inkSrc0">
+        <inkml:traceFormat>
+          <inkml:channel name="X" type="integer" min="-2.14748E9" max="2.14748E9" units="cm"/>
+          <inkml:channel name="Y" type="integer" min="-2.14748E9" max="2.14748E9" units="cm"/>
+          <inkml:channel name="F" type="integer" max="32767" units="dev"/>
+        </inkml:traceFormat>
+        <inkml:channelProperties>
+          <inkml:channelProperty channel="X" name="resolution" value="1000" units="1/cm"/>
+          <inkml:channelProperty channel="Y" name="resolution" value="1000" units="1/cm"/>
+          <inkml:channelProperty channel="F" name="resolution" value="0" units="1/dev"/>
+        </inkml:channelProperties>
+      </inkml:inkSource>
+      <inkml:timestamp xml:id="ts0" timeString="2024-07-01T05:37:17.979"/>
+    </inkml:context>
+    <inkml:brush xml:id="br0">
+      <inkml:brushProperty name="width" value="0.1" units="cm"/>
+      <inkml:brushProperty name="height" value="0.1" units="cm"/>
+    </inkml:brush>
+  </inkml:definitions>
+  <inkml:trace contextRef="#ctx0" brushRef="#br0">152 1 24575,'-2'30'0,"-1"0"0,-2 0 0,-1 0 0,-16 47 0,11-44 0,2 0 0,2 0 0,-5 46 0,2 18 0,-29 127 0,28-171 0,5-12-455,1 1 0,1 60 0,4-70-6371</inkml:trace>
+  <inkml:trace contextRef="#ctx0" brushRef="#br0" timeOffset="1">2 1232 24575</inkml:trace>
+</inkml:ink>
+</file>
+
+<file path=ppt/ink/ink18.xml><?xml version="1.0" encoding="utf-8"?>
+<inkml:ink xmlns:inkml="http://www.w3.org/2003/InkML">
+  <inkml:definitions>
+    <inkml:context xml:id="ctx0">
+      <inkml:inkSource xml:id="inkSrc0">
+        <inkml:traceFormat>
+          <inkml:channel name="X" type="integer" min="-2.14748E9" max="2.14748E9" units="cm"/>
+          <inkml:channel name="Y" type="integer" min="-2.14748E9" max="2.14748E9" units="cm"/>
+          <inkml:channel name="F" type="integer" max="32767" units="dev"/>
+        </inkml:traceFormat>
+        <inkml:channelProperties>
+          <inkml:channelProperty channel="X" name="resolution" value="1000" units="1/cm"/>
+          <inkml:channelProperty channel="Y" name="resolution" value="1000" units="1/cm"/>
+          <inkml:channelProperty channel="F" name="resolution" value="0" units="1/dev"/>
+        </inkml:channelProperties>
+      </inkml:inkSource>
+      <inkml:timestamp xml:id="ts0" timeString="2024-07-01T05:37:18.331"/>
+    </inkml:context>
+    <inkml:brush xml:id="br0">
+      <inkml:brushProperty name="width" value="0.1" units="cm"/>
+      <inkml:brushProperty name="height" value="0.1" units="cm"/>
+    </inkml:brush>
+  </inkml:definitions>
+  <inkml:trace contextRef="#ctx0" brushRef="#br0">0 0 24575,'0'7'0,"0"8"0</inkml:trace>
+</inkml:ink>
+</file>
+
+<file path=ppt/ink/ink19.xml><?xml version="1.0" encoding="utf-8"?>
+<inkml:ink xmlns:inkml="http://www.w3.org/2003/InkML">
+  <inkml:definitions>
+    <inkml:context xml:id="ctx0">
+      <inkml:inkSource xml:id="inkSrc0">
+        <inkml:traceFormat>
+          <inkml:channel name="X" type="integer" min="-2.14748E9" max="2.14748E9" units="cm"/>
+          <inkml:channel name="Y" type="integer" min="-2.14748E9" max="2.14748E9" units="cm"/>
+          <inkml:channel name="F" type="integer" max="32767" units="dev"/>
+        </inkml:traceFormat>
+        <inkml:channelProperties>
+          <inkml:channelProperty channel="X" name="resolution" value="1000" units="1/cm"/>
+          <inkml:channelProperty channel="Y" name="resolution" value="1000" units="1/cm"/>
+          <inkml:channelProperty channel="F" name="resolution" value="0" units="1/dev"/>
+        </inkml:channelProperties>
+      </inkml:inkSource>
+      <inkml:timestamp xml:id="ts0" timeString="2024-07-01T05:37:18.663"/>
+    </inkml:context>
+    <inkml:brush xml:id="br0">
+      <inkml:brushProperty name="width" value="0.1" units="cm"/>
+      <inkml:brushProperty name="height" value="0.1" units="cm"/>
+    </inkml:brush>
+  </inkml:definitions>
+  <inkml:trace contextRef="#ctx0" brushRef="#br0">39 0 24575,'0'7'0,"0"8"0,0 8 0,0 6 0,0 5 0,0 3 0,0 1 0,0-5-8191</inkml:trace>
+  <inkml:trace contextRef="#ctx0" brushRef="#br0" timeOffset="1">39 673 24575,'0'6'0,"0"9"0,0 8 0,0 7 0,0 4 0,0 2 0,-6 3 0,-3 0 0,1 0 0,2 0 0,1-1 0,3 0 0,0-7-8191</inkml:trace>
+</inkml:ink>
+</file>
+
 <file path=ppt/ink/ink2.xml><?xml version="1.0" encoding="utf-8"?>
 <inkml:ink xmlns:inkml="http://www.w3.org/2003/InkML">
   <inkml:definitions>
@@ -183,6 +459,277 @@
     </inkml:brush>
   </inkml:definitions>
   <inkml:trace contextRef="#ctx0" brushRef="#br0">1 476,'-1'-30,"8"-54,-5 72,1-1,0 1,1 0,1 0,0 0,13-22,-1 5,27-34,-36 54,0 0,1 1,0-1,0 2,0-1,1 1,12-6,14-4,0 3,1 0,1 3,0 1,58-7,-53 12,0 2,-1 2,66 6,-91-3,-1 1,1 1,0 0,-1 1,0 1,0 1,0 0,-1 1,0 1,-1 0,14 12,-17-10,-1 1,-1 0,0 1,-1 0,8 15,5 9,-18-32,1 2,-1-1,0 0,-1 1,1-1,-1 1,-1 0,1-1,-1 1,0 0,-1 0,1 0,-2 0,1 0,-1 0,0 0,0 0,-1-1,-3 10,2-7,-1 0,-1 0,0-1,0 0,-1 0,0 0,0 0,0-1,-1 0,0-1,-1 1,0-1,-11 6,-180 105,89-64,83-38,18-11,0 0,1 1,0 0,-9 8,14-10,1 0,-1 0,0 0,1 1,0-1,-1 1,1 0,1-1,-1 1,0 0,1 0,0 0,-1 5,-2 28,1 0,1 0,6 49,-1 4,-3 144,0-211</inkml:trace>
+</inkml:ink>
+</file>
+
+<file path=ppt/ink/ink20.xml><?xml version="1.0" encoding="utf-8"?>
+<inkml:ink xmlns:inkml="http://www.w3.org/2003/InkML">
+  <inkml:definitions>
+    <inkml:context xml:id="ctx0">
+      <inkml:inkSource xml:id="inkSrc0">
+        <inkml:traceFormat>
+          <inkml:channel name="X" type="integer" min="-2.14748E9" max="2.14748E9" units="cm"/>
+          <inkml:channel name="Y" type="integer" min="-2.14748E9" max="2.14748E9" units="cm"/>
+          <inkml:channel name="F" type="integer" max="32767" units="dev"/>
+        </inkml:traceFormat>
+        <inkml:channelProperties>
+          <inkml:channelProperty channel="X" name="resolution" value="1000" units="1/cm"/>
+          <inkml:channelProperty channel="Y" name="resolution" value="1000" units="1/cm"/>
+          <inkml:channelProperty channel="F" name="resolution" value="0" units="1/dev"/>
+        </inkml:channelProperties>
+      </inkml:inkSource>
+      <inkml:timestamp xml:id="ts0" timeString="2024-07-01T05:37:19.004"/>
+    </inkml:context>
+    <inkml:brush xml:id="br0">
+      <inkml:brushProperty name="width" value="0.1" units="cm"/>
+      <inkml:brushProperty name="height" value="0.1" units="cm"/>
+    </inkml:brush>
+  </inkml:definitions>
+  <inkml:trace contextRef="#ctx0" brushRef="#br0">0 0 24575,'0'7'0</inkml:trace>
+  <inkml:trace contextRef="#ctx0" brushRef="#br0" timeOffset="1">0 113 24575,'0'6'0,"0"9"0,0 8 0,0 6 0,0 5 0,0 3 0,0 2 0,0-1 0,0-5-8191</inkml:trace>
+</inkml:ink>
+</file>
+
+<file path=ppt/ink/ink21.xml><?xml version="1.0" encoding="utf-8"?>
+<inkml:ink xmlns:inkml="http://www.w3.org/2003/InkML">
+  <inkml:definitions>
+    <inkml:context xml:id="ctx0">
+      <inkml:inkSource xml:id="inkSrc0">
+        <inkml:traceFormat>
+          <inkml:channel name="X" type="integer" min="-2.14748E9" max="2.14748E9" units="cm"/>
+          <inkml:channel name="Y" type="integer" min="-2.14748E9" max="2.14748E9" units="cm"/>
+          <inkml:channel name="F" type="integer" max="32767" units="dev"/>
+        </inkml:traceFormat>
+        <inkml:channelProperties>
+          <inkml:channelProperty channel="X" name="resolution" value="1000" units="1/cm"/>
+          <inkml:channelProperty channel="Y" name="resolution" value="1000" units="1/cm"/>
+          <inkml:channelProperty channel="F" name="resolution" value="0" units="1/dev"/>
+        </inkml:channelProperties>
+      </inkml:inkSource>
+      <inkml:timestamp xml:id="ts0" timeString="2024-07-01T05:37:19.341"/>
+    </inkml:context>
+    <inkml:brush xml:id="br0">
+      <inkml:brushProperty name="width" value="0.1" units="cm"/>
+      <inkml:brushProperty name="height" value="0.1" units="cm"/>
+    </inkml:brush>
+  </inkml:definitions>
+  <inkml:trace contextRef="#ctx0" brushRef="#br0">0 0 24575,'0'7'0</inkml:trace>
+</inkml:ink>
+</file>
+
+<file path=ppt/ink/ink22.xml><?xml version="1.0" encoding="utf-8"?>
+<inkml:ink xmlns:inkml="http://www.w3.org/2003/InkML">
+  <inkml:definitions>
+    <inkml:context xml:id="ctx0">
+      <inkml:inkSource xml:id="inkSrc0">
+        <inkml:traceFormat>
+          <inkml:channel name="X" type="integer" min="-2.14748E9" max="2.14748E9" units="cm"/>
+          <inkml:channel name="Y" type="integer" min="-2.14748E9" max="2.14748E9" units="cm"/>
+          <inkml:channel name="F" type="integer" max="32767" units="dev"/>
+        </inkml:traceFormat>
+        <inkml:channelProperties>
+          <inkml:channelProperty channel="X" name="resolution" value="1000" units="1/cm"/>
+          <inkml:channelProperty channel="Y" name="resolution" value="1000" units="1/cm"/>
+          <inkml:channelProperty channel="F" name="resolution" value="0" units="1/dev"/>
+        </inkml:channelProperties>
+      </inkml:inkSource>
+      <inkml:timestamp xml:id="ts0" timeString="2024-07-01T05:37:19.667"/>
+    </inkml:context>
+    <inkml:brush xml:id="br0">
+      <inkml:brushProperty name="width" value="0.1" units="cm"/>
+      <inkml:brushProperty name="height" value="0.1" units="cm"/>
+    </inkml:brush>
+  </inkml:definitions>
+  <inkml:trace contextRef="#ctx0" brushRef="#br0">0 0 24575</inkml:trace>
+</inkml:ink>
+</file>
+
+<file path=ppt/ink/ink23.xml><?xml version="1.0" encoding="utf-8"?>
+<inkml:ink xmlns:inkml="http://www.w3.org/2003/InkML">
+  <inkml:definitions>
+    <inkml:context xml:id="ctx0">
+      <inkml:inkSource xml:id="inkSrc0">
+        <inkml:traceFormat>
+          <inkml:channel name="X" type="integer" min="-2.14748E9" max="2.14748E9" units="cm"/>
+          <inkml:channel name="Y" type="integer" min="-2.14748E9" max="2.14748E9" units="cm"/>
+          <inkml:channel name="F" type="integer" max="32767" units="dev"/>
+        </inkml:traceFormat>
+        <inkml:channelProperties>
+          <inkml:channelProperty channel="X" name="resolution" value="1000" units="1/cm"/>
+          <inkml:channelProperty channel="Y" name="resolution" value="1000" units="1/cm"/>
+          <inkml:channelProperty channel="F" name="resolution" value="0" units="1/dev"/>
+        </inkml:channelProperties>
+      </inkml:inkSource>
+      <inkml:timestamp xml:id="ts0" timeString="2024-07-01T05:37:20.036"/>
+    </inkml:context>
+    <inkml:brush xml:id="br0">
+      <inkml:brushProperty name="width" value="0.1" units="cm"/>
+      <inkml:brushProperty name="height" value="0.1" units="cm"/>
+    </inkml:brush>
+  </inkml:definitions>
+  <inkml:trace contextRef="#ctx0" brushRef="#br0">0 0 24575</inkml:trace>
+</inkml:ink>
+</file>
+
+<file path=ppt/ink/ink24.xml><?xml version="1.0" encoding="utf-8"?>
+<inkml:ink xmlns:inkml="http://www.w3.org/2003/InkML">
+  <inkml:definitions>
+    <inkml:context xml:id="ctx0">
+      <inkml:inkSource xml:id="inkSrc0">
+        <inkml:traceFormat>
+          <inkml:channel name="X" type="integer" min="-2.14748E9" max="2.14748E9" units="cm"/>
+          <inkml:channel name="Y" type="integer" min="-2.14748E9" max="2.14748E9" units="cm"/>
+          <inkml:channel name="F" type="integer" max="32767" units="dev"/>
+        </inkml:traceFormat>
+        <inkml:channelProperties>
+          <inkml:channelProperty channel="X" name="resolution" value="1000" units="1/cm"/>
+          <inkml:channelProperty channel="Y" name="resolution" value="1000" units="1/cm"/>
+          <inkml:channelProperty channel="F" name="resolution" value="0" units="1/dev"/>
+        </inkml:channelProperties>
+      </inkml:inkSource>
+      <inkml:timestamp xml:id="ts0" timeString="2024-07-01T05:37:36.593"/>
+    </inkml:context>
+    <inkml:brush xml:id="br0">
+      <inkml:brushProperty name="width" value="0.1" units="cm"/>
+      <inkml:brushProperty name="height" value="0.1" units="cm"/>
+    </inkml:brush>
+  </inkml:definitions>
+  <inkml:trace contextRef="#ctx0" brushRef="#br0">1 0 24575,'1'10'0,"0"0"0,0-1 0,1 1 0,1 0 0,0-1 0,0 0 0,8 17 0,39 60 0,-43-73 0,117 176 0,-94-144 0,1-2 0,3-1 0,1-2 0,2-1 0,69 55 0,42 16 0,-119-89 0,38 19 0,24 18 0,-71-46 0,0 0 0,1 0 0,0-2 0,1-1 0,0-1 0,0 0 0,1-2 0,0 0 0,24 1 0,-17-3 0,-2 0 0,39 9 0,-32-5 0,61 6 0,13 2 0,-57-6 0,0-3 0,67 2 0,109-11 0,-80 0 0,-95 3 0,-26 0 0,0-1 0,0-1 0,0-1 0,0-1 0,32-8 0,90-28 0,-123 31 0,49-6 0,-55 12 0,-1-2 0,1 0 0,-1-1 0,0-1 0,23-10 0,-29 9 0,0 0 0,1 1 0,0 0 0,0 1 0,0 1 0,1 0 0,20-2 0,-32 7 0,-1-1 0,1 1 0,0 0 0,0 0 0,0 0 0,-1 0 0,1 0 0,0 0 0,-1 1 0,1 0 0,-1-1 0,0 1 0,1 0 0,-1 0 0,0 0 0,0 0 0,0 1 0,-1-1 0,1 0 0,0 1 0,-1 0 0,2 4 0,3 4 0,-1 1 0,-1 0 0,6 23 0,1 10 0,27 144 0,-35-169 0,0-1 0,1 1 0,1-1 0,11 29 0,-15-44 0,1 0 0,0 0 0,1 0 0,-1-1 0,1 1 0,-1-1 0,1 1 0,0-1 0,0 0 0,1 0 0,5 4 0,-6-6 0,0 1 0,-1-1 0,1 0 0,0 0 0,0-1 0,0 1 0,0 0 0,0-1 0,0 0 0,0 0 0,0 0 0,0 0 0,0 0 0,-1-1 0,1 1 0,0-1 0,0 0 0,0 1 0,3-3 0,2 0 0,0-1 0,0 0 0,-1-1 0,0 1 0,0-1 0,0-1 0,-1 1 0,0-1 0,10-11 0,1-6 0,24-39 0,-28 40 0,1 0 0,19-21 0,68-56 0,-34 35 0,-62 59 0,1 0 0,-1 1 0,1 0 0,0 0 0,1 0 0,-1 1 0,1 0 0,-1 0 0,1 0 0,0 1 0,0 0 0,0 0 0,0 1 0,0 0 0,0 0 0,9 1 0,-10 0 0,-1 0 0,1 1 0,-1 0 0,1 0 0,-1 0 0,0 0 0,1 1 0,-1 0 0,0 0 0,0 1 0,0-1 0,-1 1 0,1 0 0,0 0 0,-1 1 0,0-1 0,0 1 0,0 0 0,0 0 0,-1 0 0,5 8 0,3 7 0,-6-10 0,0 0 0,1 0 0,13 15 0,-10-13 0,0 1 0,0-1 0,9 20 0,-15-24 0,1 0 0,0 0 0,0 0 0,1 0 0,0-1 0,0 0 0,0 0 0,1 0 0,0 0 0,0-1 0,0 0 0,1-1 0,0 1 0,0-1 0,7 3 0,1-2 0,-1-1 0,1-1 0,-1 0 0,1-1 0,19 0 0,79-5 0,-46 0 0,72 4 0,96-4 0,-94-22 0,-96 15 0,-25 5 0,0-2 0,0 0 0,18-9 0,-19 7 0,0 1 0,0 1 0,21-4 0,-21 6 0,0 0 0,-1-1 0,0-1 0,-1 0 0,25-16 0,-30 18 0,-1 0 0,1 1 0,0 0 0,13-2 0,-15 4 0,0 0 0,-1-1 0,1 0 0,-1 0 0,0-1 0,0-1 0,0 1 0,8-7 0,19-18 0,1 2 0,2 1 0,68-33 0,-34 17 0,-29 15 0,-28 17 0,-1-2 0,0 1 0,-1-2 0,20-21 0,18-17 0,48-33-1365,-80 69-5461</inkml:trace>
+</inkml:ink>
+</file>
+
+<file path=ppt/ink/ink25.xml><?xml version="1.0" encoding="utf-8"?>
+<inkml:ink xmlns:inkml="http://www.w3.org/2003/InkML">
+  <inkml:definitions>
+    <inkml:context xml:id="ctx0">
+      <inkml:inkSource xml:id="inkSrc0">
+        <inkml:traceFormat>
+          <inkml:channel name="X" type="integer" min="-2.14748E9" max="2.14748E9" units="cm"/>
+          <inkml:channel name="Y" type="integer" min="-2.14748E9" max="2.14748E9" units="cm"/>
+          <inkml:channel name="F" type="integer" max="32767" units="dev"/>
+        </inkml:traceFormat>
+        <inkml:channelProperties>
+          <inkml:channelProperty channel="X" name="resolution" value="1000" units="1/cm"/>
+          <inkml:channelProperty channel="Y" name="resolution" value="1000" units="1/cm"/>
+          <inkml:channelProperty channel="F" name="resolution" value="0" units="1/dev"/>
+        </inkml:channelProperties>
+      </inkml:inkSource>
+      <inkml:timestamp xml:id="ts0" timeString="2024-07-01T05:37:37.843"/>
+    </inkml:context>
+    <inkml:brush xml:id="br0">
+      <inkml:brushProperty name="width" value="0.1" units="cm"/>
+      <inkml:brushProperty name="height" value="0.1" units="cm"/>
+    </inkml:brush>
+  </inkml:definitions>
+  <inkml:trace contextRef="#ctx0" brushRef="#br0">2 0 24575,'1'6'0,"0"-1"0,0 1 0,0-1 0,0 0 0,1 0 0,4 9 0,5 15 0,-3 19 0,-3-1 0,-1 1 0,-4 86 0,-1-72 0,-1-39 0,-1 0 0,0-1 0,-9 29 0,6-25 0,-7 54 0,10 221 0,5-155 0,-2-135-273,0 0 0,1 0 0,1 0 0,2 12 0,5 1-6553</inkml:trace>
+</inkml:ink>
+</file>
+
+<file path=ppt/ink/ink26.xml><?xml version="1.0" encoding="utf-8"?>
+<inkml:ink xmlns:inkml="http://www.w3.org/2003/InkML">
+  <inkml:definitions>
+    <inkml:context xml:id="ctx0">
+      <inkml:inkSource xml:id="inkSrc0">
+        <inkml:traceFormat>
+          <inkml:channel name="X" type="integer" min="-2.14748E9" max="2.14748E9" units="cm"/>
+          <inkml:channel name="Y" type="integer" min="-2.14748E9" max="2.14748E9" units="cm"/>
+          <inkml:channel name="F" type="integer" max="32767" units="dev"/>
+        </inkml:traceFormat>
+        <inkml:channelProperties>
+          <inkml:channelProperty channel="X" name="resolution" value="1000" units="1/cm"/>
+          <inkml:channelProperty channel="Y" name="resolution" value="1000" units="1/cm"/>
+          <inkml:channelProperty channel="F" name="resolution" value="0" units="1/dev"/>
+        </inkml:channelProperties>
+      </inkml:inkSource>
+      <inkml:timestamp xml:id="ts0" timeString="2024-07-01T05:37:39.367"/>
+    </inkml:context>
+    <inkml:brush xml:id="br0">
+      <inkml:brushProperty name="width" value="0.1" units="cm"/>
+      <inkml:brushProperty name="height" value="0.1" units="cm"/>
+    </inkml:brush>
+  </inkml:definitions>
+  <inkml:trace contextRef="#ctx0" brushRef="#br0">342 73 24575,'0'-3'0,"0"0"0,0 0 0,-1 0 0,1 0 0,-1 0 0,0 0 0,0 0 0,0 0 0,0 0 0,0 1 0,-1-1 0,1 0 0,-1 1 0,0-1 0,0 1 0,0 0 0,0 0 0,0-1 0,0 1 0,-1 1 0,1-1 0,-1 0 0,1 1 0,-1-1 0,0 1 0,0 0 0,1-1 0,-1 1 0,0 1 0,0-1 0,0 0 0,-3 1 0,-2-2 0,1 1 0,-1 1 0,1 0 0,-1 0 0,1 0 0,-1 1 0,1 0 0,-1 0 0,1 1 0,0 0 0,0 0 0,-9 5 0,8-3 0,0 1 0,0 0 0,0 1 0,1 0 0,0 0 0,0 1 0,1 0 0,0 0 0,0 0 0,0 1 0,-6 11 0,-2 8 0,1 1 0,-10 34 0,14-39 0,2 4 0,1-1 0,1 2 0,1-1 0,2 0 0,1 1 0,3 46 0,-1-33 0,-1-30 0,1 0 0,0-1 0,0 1 0,1 0 0,1-1 0,0 0 0,0 1 0,1-1 0,5 10 0,-6-15 0,0 0 0,0 0 0,1-1 0,-1 1 0,1-1 0,0 0 0,0 0 0,1 0 0,-1 0 0,1-1 0,0 0 0,0 0 0,0 0 0,0 0 0,0-1 0,1 0 0,-1 0 0,9 1 0,9 1 0,0-1 0,0-1 0,0 0 0,0-2 0,0-1 0,0-1 0,0-1 0,-1-1 0,28-9 0,-43 11 0,0-1 0,-1 0 0,1 0 0,-1-1 0,0 0 0,0 0 0,-1 0 0,1-1 0,-1 0 0,0 0 0,0 0 0,0-1 0,-1 0 0,0 1 0,0-1 0,0-1 0,-1 1 0,0-1 0,0 1 0,-1-1 0,0 0 0,2-12 0,1-10 0,-2-1 0,-1 0 0,-2 0 0,-3-35 0,1 18 0,0-162 0,2 571 0,0-353 0,0-1 0,0 1 0,1 0 0,1-1 0,-1 0 0,1 1 0,1-1 0,0 0 0,0 0 0,0 0 0,8 11 0,-7-13 0,0 0 0,1-1 0,0 0 0,0 0 0,0-1 0,1 1 0,-1-1 0,1 0 0,0-1 0,0 1 0,0-1 0,1 0 0,-1-1 0,13 4 0,2 0 0,136 33 0,-137-34 0,0 1 0,-1 1 0,19 9 0,28 10 0,-61-24-151,1 0-1,-1-1 0,0 0 0,0-1 1,1 1-1,-1-1 0,0 0 1,8-1-1,8-4-6674</inkml:trace>
+</inkml:ink>
+</file>
+
+<file path=ppt/ink/ink27.xml><?xml version="1.0" encoding="utf-8"?>
+<inkml:ink xmlns:inkml="http://www.w3.org/2003/InkML">
+  <inkml:definitions>
+    <inkml:context xml:id="ctx0">
+      <inkml:inkSource xml:id="inkSrc0">
+        <inkml:traceFormat>
+          <inkml:channel name="X" type="integer" min="-2.14748E9" max="2.14748E9" units="cm"/>
+          <inkml:channel name="Y" type="integer" min="-2.14748E9" max="2.14748E9" units="cm"/>
+          <inkml:channel name="F" type="integer" max="32767" units="dev"/>
+        </inkml:traceFormat>
+        <inkml:channelProperties>
+          <inkml:channelProperty channel="X" name="resolution" value="1000" units="1/cm"/>
+          <inkml:channelProperty channel="Y" name="resolution" value="1000" units="1/cm"/>
+          <inkml:channelProperty channel="F" name="resolution" value="0" units="1/dev"/>
+        </inkml:channelProperties>
+      </inkml:inkSource>
+      <inkml:timestamp xml:id="ts0" timeString="2024-07-01T05:37:40.198"/>
+    </inkml:context>
+    <inkml:brush xml:id="br0">
+      <inkml:brushProperty name="width" value="0.1" units="cm"/>
+      <inkml:brushProperty name="height" value="0.1" units="cm"/>
+    </inkml:brush>
+  </inkml:definitions>
+  <inkml:trace contextRef="#ctx0" brushRef="#br0">0 0 24575,'0'1347'0,"0"-1338"-112,2 32 358,-1-39-340,-1 0 1,1 0-1,-1 0 0,1 0 0,0 0 1,0 0-1,0 0 0,0 0 1,0 0-1,0 0 0,0-1 1,1 1-1,-1 0 0,1-1 1,3 4-1,11 2-6732</inkml:trace>
+</inkml:ink>
+</file>
+
+<file path=ppt/ink/ink28.xml><?xml version="1.0" encoding="utf-8"?>
+<inkml:ink xmlns:inkml="http://www.w3.org/2003/InkML">
+  <inkml:definitions>
+    <inkml:context xml:id="ctx0">
+      <inkml:inkSource xml:id="inkSrc0">
+        <inkml:traceFormat>
+          <inkml:channel name="X" type="integer" min="-2.14748E9" max="2.14748E9" units="cm"/>
+          <inkml:channel name="Y" type="integer" min="-2.14748E9" max="2.14748E9" units="cm"/>
+          <inkml:channel name="F" type="integer" max="32767" units="dev"/>
+        </inkml:traceFormat>
+        <inkml:channelProperties>
+          <inkml:channelProperty channel="X" name="resolution" value="1000" units="1/cm"/>
+          <inkml:channelProperty channel="Y" name="resolution" value="1000" units="1/cm"/>
+          <inkml:channelProperty channel="F" name="resolution" value="0" units="1/dev"/>
+        </inkml:channelProperties>
+      </inkml:inkSource>
+      <inkml:timestamp xml:id="ts0" timeString="2024-07-01T05:37:41.129"/>
+    </inkml:context>
+    <inkml:brush xml:id="br0">
+      <inkml:brushProperty name="width" value="0.1" units="cm"/>
+      <inkml:brushProperty name="height" value="0.1" units="cm"/>
+    </inkml:brush>
+  </inkml:definitions>
+  <inkml:trace contextRef="#ctx0" brushRef="#br0">415 264 24575,'1'-17'0,"-2"0"0,0 0 0,-1 0 0,-1 0 0,0 0 0,-1 1 0,-11-29 0,12 39 0,0-1 0,-1 1 0,0 0 0,0 0 0,0 1 0,-1-1 0,0 1 0,0 0 0,0 0 0,0 1 0,-1-1 0,0 1 0,0 0 0,0 1 0,0-1 0,-1 1 0,1 1 0,-1-1 0,0 1 0,0 0 0,-8-1 0,9 2 0,1 0 0,0 0 0,0 0 0,0 1 0,0 0 0,-1 0 0,1 0 0,0 1 0,0 0 0,0 0 0,0 0 0,0 0 0,0 1 0,0 0 0,0 0 0,1 0 0,-1 1 0,1-1 0,-1 1 0,1 0 0,0 1 0,0-1 0,0 1 0,1-1 0,-1 1 0,1 0 0,0 1 0,0-1 0,0 0 0,1 1 0,-4 8 0,-38 75 0,33-71 0,1 1 0,1 1 0,0-1 0,2 1 0,0 1 0,1 0 0,-4 24 0,7-4 0,1-1 0,6 65 0,-4-98 0,1 0 0,0-1 0,1 1 0,0-1 0,-1 0 0,2 1 0,-1-1 0,0 0 0,1 0 0,0 0 0,0 0 0,1-1 0,7 9 0,-4-7 0,0 0 0,0-1 0,1 0 0,0 0 0,0 0 0,0-1 0,17 6 0,-1-3 0,0-1 0,0-1 0,1-1 0,-1-1 0,37-1 0,128-4-1365,-157 1-5461</inkml:trace>
+</inkml:ink>
+</file>
+
+<file path=ppt/ink/ink29.xml><?xml version="1.0" encoding="utf-8"?>
+<inkml:ink xmlns:inkml="http://www.w3.org/2003/InkML">
+  <inkml:definitions>
+    <inkml:context xml:id="ctx0">
+      <inkml:inkSource xml:id="inkSrc0">
+        <inkml:traceFormat>
+          <inkml:channel name="X" type="integer" min="-2.14748E9" max="2.14748E9" units="cm"/>
+          <inkml:channel name="Y" type="integer" min="-2.14748E9" max="2.14748E9" units="cm"/>
+          <inkml:channel name="F" type="integer" max="32767" units="dev"/>
+        </inkml:traceFormat>
+        <inkml:channelProperties>
+          <inkml:channelProperty channel="X" name="resolution" value="1000" units="1/cm"/>
+          <inkml:channelProperty channel="Y" name="resolution" value="1000" units="1/cm"/>
+          <inkml:channelProperty channel="F" name="resolution" value="0" units="1/dev"/>
+        </inkml:channelProperties>
+      </inkml:inkSource>
+      <inkml:timestamp xml:id="ts0" timeString="2024-07-01T05:37:42.118"/>
+    </inkml:context>
+    <inkml:brush xml:id="br0">
+      <inkml:brushProperty name="width" value="0.1" units="cm"/>
+      <inkml:brushProperty name="height" value="0.1" units="cm"/>
+    </inkml:brush>
+  </inkml:definitions>
+  <inkml:trace contextRef="#ctx0" brushRef="#br0">304 266 24575,'1'-57'0,"-3"-67"0,2 120 0,-1 0 0,0 0 0,1 0 0,-1 1 0,0-1 0,-1 0 0,1 1 0,-1-1 0,0 1 0,0-1 0,0 1 0,0 0 0,0 0 0,-1 0 0,1 0 0,-1 0 0,0 1 0,0-1 0,0 1 0,0-1 0,0 1 0,-1 0 0,1 0 0,0 1 0,-1-1 0,0 1 0,1 0 0,-1 0 0,0 0 0,-4 0 0,3 0 0,0 0 0,0 1 0,0 0 0,0 0 0,-1 1 0,1-1 0,0 1 0,0 0 0,0 1 0,0-1 0,0 1 0,0 0 0,1 0 0,-1 0 0,1 1 0,-1 0 0,1 0 0,0 0 0,0 0 0,0 1 0,0-1 0,-3 6 0,-8 14 0,1 0 0,2 1 0,0 1 0,1 0 0,2 1 0,0 0 0,2 0 0,-6 44 0,8-35 0,-1 50 0,6-72 0,0 0 0,1 0 0,1-1 0,0 1 0,1 0 0,0-1 0,7 17 0,-9-26 0,1 1 0,0-1 0,1 1 0,-1-1 0,1 0 0,-1 0 0,1 0 0,0-1 0,0 1 0,0-1 0,0 1 0,1-1 0,-1 0 0,1 0 0,5 2 0,5 1 0,1 0 0,27 4 0,-10-2 0,-28-5 0,0-1 0,0 0 0,-1 0 0,1-1 0,0 1 0,0-1 0,0 0 0,0 0 0,0 0 0,-1 0 0,1-1 0,0 0 0,0 0 0,0 0 0,-1 0 0,1 0 0,0-1 0,-1 1 0,0-1 0,1 0 0,-1 0 0,0-1 0,0 1 0,0-1 0,0 1 0,0-1 0,-1 0 0,1 0 0,-1 0 0,0 0 0,1 0 0,-2-1 0,1 1 0,0-1 0,1-4 0,2-6 7,-1-1-1,-1 0 1,0 1-1,0-1 0,0-26 1,-7-80-195,1 54-1028,3 35-5610</inkml:trace>
 </inkml:ink>
 </file>
 
@@ -213,6 +760,277 @@
 </inkml:ink>
 </file>
 
+<file path=ppt/ink/ink30.xml><?xml version="1.0" encoding="utf-8"?>
+<inkml:ink xmlns:inkml="http://www.w3.org/2003/InkML">
+  <inkml:definitions>
+    <inkml:context xml:id="ctx0">
+      <inkml:inkSource xml:id="inkSrc0">
+        <inkml:traceFormat>
+          <inkml:channel name="X" type="integer" min="-2.14748E9" max="2.14748E9" units="cm"/>
+          <inkml:channel name="Y" type="integer" min="-2.14748E9" max="2.14748E9" units="cm"/>
+          <inkml:channel name="F" type="integer" max="32767" units="dev"/>
+        </inkml:traceFormat>
+        <inkml:channelProperties>
+          <inkml:channelProperty channel="X" name="resolution" value="1000" units="1/cm"/>
+          <inkml:channelProperty channel="Y" name="resolution" value="1000" units="1/cm"/>
+          <inkml:channelProperty channel="F" name="resolution" value="0" units="1/dev"/>
+        </inkml:channelProperties>
+      </inkml:inkSource>
+      <inkml:timestamp xml:id="ts0" timeString="2024-07-01T05:37:43.188"/>
+    </inkml:context>
+    <inkml:brush xml:id="br0">
+      <inkml:brushProperty name="width" value="0.1" units="cm"/>
+      <inkml:brushProperty name="height" value="0.1" units="cm"/>
+    </inkml:brush>
+  </inkml:definitions>
+  <inkml:trace contextRef="#ctx0" brushRef="#br0">402 155 24575,'0'-10'0,"0"1"0,-1-1 0,0 1 0,0 0 0,-1-1 0,0 1 0,-5-12 0,5 17 0,0 0 0,0 0 0,0 1 0,-1-1 0,1 1 0,-1-1 0,0 1 0,0 0 0,0 0 0,0 0 0,-1 1 0,1-1 0,-1 1 0,1 0 0,-1 0 0,0 0 0,0 0 0,-7-1 0,1-1 0,0 2 0,-1 0 0,0 0 0,1 1 0,-1 0 0,0 1 0,0 0 0,1 1 0,-1 0 0,0 1 0,-15 4 0,22-5 0,-1 1 0,1-1 0,0 1 0,0 0 0,0 1 0,0-1 0,0 1 0,0-1 0,0 1 0,1 0 0,0 1 0,-1-1 0,1 1 0,0-1 0,1 1 0,-1 0 0,1 0 0,-1 0 0,1 0 0,1 0 0,-1 1 0,0-1 0,1 1 0,0-1 0,0 1 0,0-1 0,1 1 0,0 6 0,0-6 0,1 0 0,0 1 0,0-1 0,1 0 0,-1 0 0,1 0 0,1 0 0,-1 0 0,1 0 0,-1-1 0,1 1 0,1-1 0,-1 1 0,1-1 0,-1 0 0,1-1 0,0 1 0,0-1 0,1 0 0,-1 0 0,10 5 0,0 0 0,0-1 0,0 0 0,1-1 0,0-1 0,0 0 0,22 3 0,-25-6 0,-1 0 0,0 1 0,1 0 0,-1 1 0,-1 0 0,1 1 0,-1 0 0,1 0 0,9 8 0,-14-9 0,-1 1 0,0 0 0,0 0 0,-1 0 0,1 0 0,-1 1 0,0-1 0,0 1 0,-1 0 0,0 0 0,0 1 0,0-1 0,-1 1 0,0-1 0,0 1 0,1 10 0,-2-6 0,0 0 0,0 1 0,-1-1 0,-1 0 0,0 0 0,0 1 0,-1-1 0,0 0 0,-1-1 0,-6 15 0,7-19 0,-1-1 0,0 1 0,0-1 0,0 0 0,0 0 0,-1 0 0,0 0 0,0-1 0,-1 0 0,1 0 0,-1 0 0,0 0 0,0-1 0,0 1 0,0-1 0,-1-1 0,1 1 0,-1-1 0,0 0 0,-10 3 0,-6-2 0,0-1 0,0-1 0,0 0 0,0-2 0,0 0 0,0-2 0,0 0 0,1-2 0,-1 0 0,1-1 0,-32-15 0,46 18 20,1 0 0,0 0 0,-1 0 0,1-1 0,-7-6 0,11 8-103,1 1 1,-1-1-1,0 0 1,0 0-1,1 0 1,-1 0-1,1 0 1,0-1-1,0 1 1,0 0-1,0-1 1,0 1-1,0 0 1,0-1-1,1 1 1,-1-1-1,1-4 1,2-11-6744</inkml:trace>
+</inkml:ink>
+</file>
+
+<file path=ppt/ink/ink31.xml><?xml version="1.0" encoding="utf-8"?>
+<inkml:ink xmlns:inkml="http://www.w3.org/2003/InkML">
+  <inkml:definitions>
+    <inkml:context xml:id="ctx0">
+      <inkml:inkSource xml:id="inkSrc0">
+        <inkml:traceFormat>
+          <inkml:channel name="X" type="integer" min="-2.14748E9" max="2.14748E9" units="cm"/>
+          <inkml:channel name="Y" type="integer" min="-2.14748E9" max="2.14748E9" units="cm"/>
+          <inkml:channel name="F" type="integer" max="32767" units="dev"/>
+        </inkml:traceFormat>
+        <inkml:channelProperties>
+          <inkml:channelProperty channel="X" name="resolution" value="1000" units="1/cm"/>
+          <inkml:channelProperty channel="Y" name="resolution" value="1000" units="1/cm"/>
+          <inkml:channelProperty channel="F" name="resolution" value="0" units="1/dev"/>
+        </inkml:channelProperties>
+      </inkml:inkSource>
+      <inkml:timestamp xml:id="ts0" timeString="2024-07-01T05:37:44.547"/>
+    </inkml:context>
+    <inkml:brush xml:id="br0">
+      <inkml:brushProperty name="width" value="0.1" units="cm"/>
+      <inkml:brushProperty name="height" value="0.1" units="cm"/>
+    </inkml:brush>
+  </inkml:definitions>
+  <inkml:trace contextRef="#ctx0" brushRef="#br0">566 338 24575,'0'-23'0,"-1"1"0,-1 0 0,-1-1 0,-7-24 0,8 39 0,0 0 0,-1-1 0,0 1 0,-1 1 0,0-1 0,0 0 0,-1 1 0,0 0 0,0 0 0,0 1 0,-1-1 0,0 1 0,-12-10 0,-3 1 0,-1 0 0,0 2 0,-40-18 0,55 28 0,-1 0 0,1 1 0,-1 0 0,1 0 0,-1 1 0,0 0 0,0 1 0,0-1 0,1 1 0,-1 1 0,0 0 0,0 0 0,0 0 0,1 1 0,-1 0 0,-11 5 0,13-3 0,-1-1 0,2 2 0,-1-1 0,0 1 0,1-1 0,0 1 0,0 1 0,0-1 0,-5 9 0,-33 57 0,33-55 0,1 0 0,1 1 0,1 0 0,0 1 0,1-1 0,1 1 0,1 0 0,1 1 0,-2 23 0,5 37 0,1-53 0,-1-1 0,-1 1 0,-1 0 0,-9 40 0,2-32 0,2 0 0,2 1 0,1 0 0,1 0 0,3 1 0,0-1 0,3 0 0,6 35 0,-7-59 0,1 0 0,1 0 0,0-1 0,1 1 0,-1-1 0,2 0 0,0-1 0,0 1 0,1-1 0,0 0 0,0-1 0,1 0 0,11 10 0,-13-13 0,0 0 0,1-1 0,-1 1 0,1-2 0,0 1 0,0-1 0,0 0 0,0 0 0,0-1 0,1 0 0,-1 0 0,1-1 0,0 0 0,-1 0 0,1-1 0,0 0 0,-1 0 0,1-1 0,0 0 0,11-2 0,-11 1 0,0-1 0,1 0 0,-1 0 0,0 0 0,0-1 0,-1 0 0,1 0 0,-1-1 0,0 0 0,0-1 0,0 1 0,-1-1 0,11-13 0,8-14 0,-1 0 0,-2-2 0,-2 0 0,-1-1 0,-1-2 0,-2 1 0,14-53 0,0-45 0,52-117-1365,-74 227-5461</inkml:trace>
+</inkml:ink>
+</file>
+
+<file path=ppt/ink/ink32.xml><?xml version="1.0" encoding="utf-8"?>
+<inkml:ink xmlns:inkml="http://www.w3.org/2003/InkML">
+  <inkml:definitions>
+    <inkml:context xml:id="ctx0">
+      <inkml:inkSource xml:id="inkSrc0">
+        <inkml:traceFormat>
+          <inkml:channel name="X" type="integer" min="-2.14748E9" max="2.14748E9" units="cm"/>
+          <inkml:channel name="Y" type="integer" min="-2.14748E9" max="2.14748E9" units="cm"/>
+          <inkml:channel name="F" type="integer" max="32767" units="dev"/>
+        </inkml:traceFormat>
+        <inkml:channelProperties>
+          <inkml:channelProperty channel="X" name="resolution" value="1000" units="1/cm"/>
+          <inkml:channelProperty channel="Y" name="resolution" value="1000" units="1/cm"/>
+          <inkml:channelProperty channel="F" name="resolution" value="0" units="1/dev"/>
+        </inkml:channelProperties>
+      </inkml:inkSource>
+      <inkml:timestamp xml:id="ts0" timeString="2024-07-01T05:37:45.339"/>
+    </inkml:context>
+    <inkml:brush xml:id="br0">
+      <inkml:brushProperty name="width" value="0.1" units="cm"/>
+      <inkml:brushProperty name="height" value="0.1" units="cm"/>
+    </inkml:brush>
+  </inkml:definitions>
+  <inkml:trace contextRef="#ctx0" brushRef="#br0">1 69 24575,'6'0'0,"9"0"0,8 0 0,0-7 0,3-1 0,3 0 0,2 2 0,3 1 0,-4-4 0,-1-1 0,1 1 0,-5 3-8191</inkml:trace>
+</inkml:ink>
+</file>
+
+<file path=ppt/ink/ink33.xml><?xml version="1.0" encoding="utf-8"?>
+<inkml:ink xmlns:inkml="http://www.w3.org/2003/InkML">
+  <inkml:definitions>
+    <inkml:context xml:id="ctx0">
+      <inkml:inkSource xml:id="inkSrc0">
+        <inkml:traceFormat>
+          <inkml:channel name="X" type="integer" min="-2.14748E9" max="2.14748E9" units="cm"/>
+          <inkml:channel name="Y" type="integer" min="-2.14748E9" max="2.14748E9" units="cm"/>
+          <inkml:channel name="F" type="integer" max="32767" units="dev"/>
+        </inkml:traceFormat>
+        <inkml:channelProperties>
+          <inkml:channelProperty channel="X" name="resolution" value="1000" units="1/cm"/>
+          <inkml:channelProperty channel="Y" name="resolution" value="1000" units="1/cm"/>
+          <inkml:channelProperty channel="F" name="resolution" value="0" units="1/dev"/>
+        </inkml:channelProperties>
+      </inkml:inkSource>
+      <inkml:timestamp xml:id="ts0" timeString="2024-07-01T05:19:44.273"/>
+    </inkml:context>
+    <inkml:brush xml:id="br0">
+      <inkml:brushProperty name="width" value="0.035" units="cm"/>
+      <inkml:brushProperty name="height" value="0.035" units="cm"/>
+    </inkml:brush>
+  </inkml:definitions>
+  <inkml:trace contextRef="#ctx0" brushRef="#br0">1 1 24575,'4'1'0,"0"1"0,1 0 0,-1 0 0,0 0 0,0 0 0,0 1 0,0 0 0,0 0 0,-1 0 0,1 0 0,-1 0 0,3 5 0,3 0 0,88 69 0,-65-54 0,49 47 0,-57-45 0,-2 0 0,33 48 0,-36-46 0,13 21 0,43 88 0,-70-124 0,8 14 0,-2 0 0,-1 1 0,11 46 0,22 97 0,-24-102 0,-13-39 0,-1 0 0,2 47 0,-5-41 0,8 42 0,1 0-79,-3 1-1,-5 157 0,-4-140-1046,1-63-5700</inkml:trace>
+</inkml:ink>
+</file>
+
+<file path=ppt/ink/ink34.xml><?xml version="1.0" encoding="utf-8"?>
+<inkml:ink xmlns:inkml="http://www.w3.org/2003/InkML">
+  <inkml:definitions>
+    <inkml:context xml:id="ctx0">
+      <inkml:inkSource xml:id="inkSrc0">
+        <inkml:traceFormat>
+          <inkml:channel name="X" type="integer" min="-2.14748E9" max="2.14748E9" units="cm"/>
+          <inkml:channel name="Y" type="integer" min="-2.14748E9" max="2.14748E9" units="cm"/>
+          <inkml:channel name="F" type="integer" max="32767" units="dev"/>
+        </inkml:traceFormat>
+        <inkml:channelProperties>
+          <inkml:channelProperty channel="X" name="resolution" value="1000" units="1/cm"/>
+          <inkml:channelProperty channel="Y" name="resolution" value="1000" units="1/cm"/>
+          <inkml:channelProperty channel="F" name="resolution" value="0" units="1/dev"/>
+        </inkml:channelProperties>
+      </inkml:inkSource>
+      <inkml:timestamp xml:id="ts0" timeString="2024-07-01T05:19:53.902"/>
+    </inkml:context>
+    <inkml:brush xml:id="br0">
+      <inkml:brushProperty name="width" value="0.035" units="cm"/>
+      <inkml:brushProperty name="height" value="0.035" units="cm"/>
+    </inkml:brush>
+  </inkml:definitions>
+  <inkml:trace contextRef="#ctx0" brushRef="#br0">638 1087 24575,'0'1'0,"0"1"0,-1-1 0,1 0 0,0 1 0,-1-1 0,0 0 0,1 0 0,-1 1 0,0-1 0,0 0 0,1 0 0,-1 0 0,0 0 0,0 0 0,0 0 0,0 0 0,0 0 0,-1-1 0,1 1 0,0 0 0,0-1 0,-1 1 0,1 0 0,0-1 0,0 0 0,-3 1 0,-40 8 0,40-9 0,-20 3 0,1-1 0,-1-1 0,0-1 0,-28-3 0,42 1 0,1 0 0,-1 0 0,0-1 0,1 0 0,0-1 0,-1 0 0,1 0 0,1-1 0,-1 0 0,1 0 0,0-1 0,-13-12 0,-13-10 0,25 21 0,0-1 0,0 0 0,-9-10 0,-25-26 0,33 36 0,0-1 0,1-1 0,1 1 0,0-2 0,-11-16 0,-3-12 0,-27-71 0,42 90 0,1 0 0,1-1 0,1 0 0,1 0 0,-1-37 0,3 21 0,5-151 0,-3 177 0,1-1 0,0 1 0,0 0 0,1 0 0,1 0 0,0 0 0,0 1 0,1-1 0,1 1 0,-1 0 0,2 1 0,-1-1 0,1 1 0,1 1 0,0-1 0,0 1 0,0 0 0,17-11 0,115-89 0,-132 104 0,0-1 0,0 1 0,0 1 0,0 0 0,1 0 0,0 0 0,-1 1 0,18-1 0,-6 1 0,0 1 0,38 4 0,-50-1 0,-1-1 0,1 2 0,-1-1 0,0 1 0,0 0 0,0 1 0,0 0 0,0 0 0,-1 0 0,1 1 0,-1 0 0,0 0 0,-1 0 0,1 1 0,4 7 0,10 13 0,-1 0 0,19 35 0,-35-55 0,7 13 0,-1 1 0,-1 0 0,6 22 0,-3-7 0,-4-13 0,-2 1 0,4 34 0,7 27 0,-8-51 0,-2 1 0,-1 0 0,-1-1 0,-3 2 0,0-1 0,-5 39 0,0-48 0,-2 1 0,-11 33 0,14-48 0,0-4-97,0 0-1,0-1 1,0 0-1,-1 0 1,0 0-1,0 0 1,-1-1-1,1 0 1,-1 1-1,-1-2 1,1 1-1,-1-1 0,-6 5 1,-8 3-6729</inkml:trace>
+</inkml:ink>
+</file>
+
+<file path=ppt/ink/ink35.xml><?xml version="1.0" encoding="utf-8"?>
+<inkml:ink xmlns:inkml="http://www.w3.org/2003/InkML">
+  <inkml:definitions>
+    <inkml:context xml:id="ctx0">
+      <inkml:inkSource xml:id="inkSrc0">
+        <inkml:traceFormat>
+          <inkml:channel name="X" type="integer" min="-2.14748E9" max="2.14748E9" units="cm"/>
+          <inkml:channel name="Y" type="integer" min="-2.14748E9" max="2.14748E9" units="cm"/>
+          <inkml:channel name="F" type="integer" max="32767" units="dev"/>
+        </inkml:traceFormat>
+        <inkml:channelProperties>
+          <inkml:channelProperty channel="X" name="resolution" value="1000" units="1/cm"/>
+          <inkml:channelProperty channel="Y" name="resolution" value="1000" units="1/cm"/>
+          <inkml:channelProperty channel="F" name="resolution" value="0" units="1/dev"/>
+        </inkml:channelProperties>
+      </inkml:inkSource>
+      <inkml:timestamp xml:id="ts0" timeString="2024-07-01T05:19:55.839"/>
+    </inkml:context>
+    <inkml:brush xml:id="br0">
+      <inkml:brushProperty name="width" value="0.035" units="cm"/>
+      <inkml:brushProperty name="height" value="0.035" units="cm"/>
+    </inkml:brush>
+  </inkml:definitions>
+  <inkml:trace contextRef="#ctx0" brushRef="#br0">0 22 24575,'0'2'0,"1"1"0,-1-1 0,1 0 0,0 1 0,-1-1 0,1 0 0,0 0 0,0 0 0,1 0 0,-1 0 0,0 0 0,1 0 0,-1 0 0,1 0 0,0 0 0,-1-1 0,1 1 0,0-1 0,0 1 0,3 1 0,42 21 0,-45-24 0,22 10 0,1-1 0,0-1 0,39 7 0,-50-13 0,1 0 0,-1-2 0,0 0 0,0 0 0,0-1 0,0-1 0,0 0 0,17-6 0,-1 0-195,-1-2 0,0-2 0,0 0 0,-1-2 0,-1-1 0,32-23 0,-40 25-6631</inkml:trace>
+</inkml:ink>
+</file>
+
+<file path=ppt/ink/ink36.xml><?xml version="1.0" encoding="utf-8"?>
+<inkml:ink xmlns:inkml="http://www.w3.org/2003/InkML">
+  <inkml:definitions>
+    <inkml:context xml:id="ctx0">
+      <inkml:inkSource xml:id="inkSrc0">
+        <inkml:traceFormat>
+          <inkml:channel name="X" type="integer" min="-2.14748E9" max="2.14748E9" units="cm"/>
+          <inkml:channel name="Y" type="integer" min="-2.14748E9" max="2.14748E9" units="cm"/>
+          <inkml:channel name="F" type="integer" max="32767" units="dev"/>
+        </inkml:traceFormat>
+        <inkml:channelProperties>
+          <inkml:channelProperty channel="X" name="resolution" value="1000" units="1/cm"/>
+          <inkml:channelProperty channel="Y" name="resolution" value="1000" units="1/cm"/>
+          <inkml:channelProperty channel="F" name="resolution" value="0" units="1/dev"/>
+        </inkml:channelProperties>
+      </inkml:inkSource>
+      <inkml:timestamp xml:id="ts0" timeString="2024-07-01T05:27:16.701"/>
+    </inkml:context>
+    <inkml:brush xml:id="br0">
+      <inkml:brushProperty name="width" value="0.025" units="cm"/>
+      <inkml:brushProperty name="height" value="0.025" units="cm"/>
+    </inkml:brush>
+  </inkml:definitions>
+  <inkml:trace contextRef="#ctx0" brushRef="#br0">16 0 24575,'-7'0'0,"-2"0"-8191</inkml:trace>
+</inkml:ink>
+</file>
+
+<file path=ppt/ink/ink37.xml><?xml version="1.0" encoding="utf-8"?>
+<inkml:ink xmlns:inkml="http://www.w3.org/2003/InkML">
+  <inkml:definitions>
+    <inkml:context xml:id="ctx0">
+      <inkml:inkSource xml:id="inkSrc0">
+        <inkml:traceFormat>
+          <inkml:channel name="X" type="integer" min="-2.14748E9" max="2.14748E9" units="cm"/>
+          <inkml:channel name="Y" type="integer" min="-2.14748E9" max="2.14748E9" units="cm"/>
+          <inkml:channel name="F" type="integer" max="32767" units="dev"/>
+        </inkml:traceFormat>
+        <inkml:channelProperties>
+          <inkml:channelProperty channel="X" name="resolution" value="1000" units="1/cm"/>
+          <inkml:channelProperty channel="Y" name="resolution" value="1000" units="1/cm"/>
+          <inkml:channelProperty channel="F" name="resolution" value="0" units="1/dev"/>
+        </inkml:channelProperties>
+      </inkml:inkSource>
+      <inkml:timestamp xml:id="ts0" timeString="2024-07-01T05:27:17.098"/>
+    </inkml:context>
+    <inkml:brush xml:id="br0">
+      <inkml:brushProperty name="width" value="0.025" units="cm"/>
+      <inkml:brushProperty name="height" value="0.025" units="cm"/>
+    </inkml:brush>
+  </inkml:definitions>
+  <inkml:trace contextRef="#ctx0" brushRef="#br0">1 1 24575,'0'6'0,"0"9"0,0 7 0,0 2-8191</inkml:trace>
+</inkml:ink>
+</file>
+
+<file path=ppt/ink/ink38.xml><?xml version="1.0" encoding="utf-8"?>
+<inkml:ink xmlns:inkml="http://www.w3.org/2003/InkML">
+  <inkml:definitions>
+    <inkml:context xml:id="ctx0">
+      <inkml:inkSource xml:id="inkSrc0">
+        <inkml:traceFormat>
+          <inkml:channel name="X" type="integer" min="-2.14748E9" max="2.14748E9" units="cm"/>
+          <inkml:channel name="Y" type="integer" min="-2.14748E9" max="2.14748E9" units="cm"/>
+          <inkml:channel name="F" type="integer" max="32767" units="dev"/>
+        </inkml:traceFormat>
+        <inkml:channelProperties>
+          <inkml:channelProperty channel="X" name="resolution" value="1000" units="1/cm"/>
+          <inkml:channelProperty channel="Y" name="resolution" value="1000" units="1/cm"/>
+          <inkml:channelProperty channel="F" name="resolution" value="0" units="1/dev"/>
+        </inkml:channelProperties>
+      </inkml:inkSource>
+      <inkml:timestamp xml:id="ts0" timeString="2024-07-01T05:27:17.452"/>
+    </inkml:context>
+    <inkml:brush xml:id="br0">
+      <inkml:brushProperty name="width" value="0.025" units="cm"/>
+      <inkml:brushProperty name="height" value="0.025" units="cm"/>
+    </inkml:brush>
+  </inkml:definitions>
+  <inkml:trace contextRef="#ctx0" brushRef="#br0">1 1 24575,'0'6'0,"0"9"0,6 7 0,2 7 0,0-1-8191</inkml:trace>
+</inkml:ink>
+</file>
+
+<file path=ppt/ink/ink39.xml><?xml version="1.0" encoding="utf-8"?>
+<inkml:ink xmlns:inkml="http://www.w3.org/2003/InkML">
+  <inkml:definitions>
+    <inkml:context xml:id="ctx0">
+      <inkml:inkSource xml:id="inkSrc0">
+        <inkml:traceFormat>
+          <inkml:channel name="X" type="integer" min="-2.14748E9" max="2.14748E9" units="cm"/>
+          <inkml:channel name="Y" type="integer" min="-2.14748E9" max="2.14748E9" units="cm"/>
+          <inkml:channel name="F" type="integer" max="32767" units="dev"/>
+        </inkml:traceFormat>
+        <inkml:channelProperties>
+          <inkml:channelProperty channel="X" name="resolution" value="1000" units="1/cm"/>
+          <inkml:channelProperty channel="Y" name="resolution" value="1000" units="1/cm"/>
+          <inkml:channelProperty channel="F" name="resolution" value="0" units="1/dev"/>
+        </inkml:channelProperties>
+      </inkml:inkSource>
+      <inkml:timestamp xml:id="ts0" timeString="2024-07-01T05:27:17.790"/>
+    </inkml:context>
+    <inkml:brush xml:id="br0">
+      <inkml:brushProperty name="width" value="0.025" units="cm"/>
+      <inkml:brushProperty name="height" value="0.025" units="cm"/>
+    </inkml:brush>
+  </inkml:definitions>
+  <inkml:trace contextRef="#ctx0" brushRef="#br0">1 0 24575,'0'7'0,"0"8"0,0 8 0,0 6 0,0 5 0,0-4-8191</inkml:trace>
+  <inkml:trace contextRef="#ctx0" brushRef="#br0" timeOffset="1">1 635 24575,'0'7'0,"0"8"0,0 8 0,0 6 0,0 5 0,0 3 0,0-5-8191</inkml:trace>
+</inkml:ink>
+</file>
+
 <file path=ppt/ink/ink4.xml><?xml version="1.0" encoding="utf-8"?>
 <inkml:ink xmlns:inkml="http://www.w3.org/2003/InkML">
   <inkml:definitions>
@@ -237,6 +1055,550 @@
     </inkml:brush>
   </inkml:definitions>
   <inkml:trace contextRef="#ctx0" brushRef="#br0">2363 2624,'0'3,"0"1,0-1,-1 1,0-1,0 1,0-1,0 0,0 1,-1-1,1 0,-1 0,0 0,0 0,0 0,0-1,-1 1,1-1,-1 1,0-1,1 0,-1 0,0 0,-5 2,-7 3,-1 0,1-1,-30 7,9-2,9-4,0-2,-1-1,0-1,1-2,-1 0,-36-5,-11 2,-997 2,1054-1,1 0,0-1,-1-1,1-1,-28-9,-78-40,102 43,-107-40,112 42,0-1,0 0,1-1,0-1,1 0,0-1,1 0,0-2,1 1,1-1,0-1,1 0,0-1,1 1,1-2,1 1,-8-24,-54-221,43 181,19 61,0 1,1-2,-4-27,2-1,-18-63,17 79,3-4,1 0,1 0,3 0,4-63,0 9,-4 23,1-62,2 110,0 1,1-1,1 1,11-32,10-32,5-13,-7 44,3 1,59-87,86-76,-150 193,1 0,1 2,47-31,-4 4,81-59,-108 75,2 3,2 1,0 2,1 2,60-20,-86 35,0 2,1 0,-1 1,34-2,78 7,-44 1,18-5,106 5,-177 1,-1 3,0 0,35 15,5 0,-42-14,123 28,-130-31,1 1,-2 1,40 17,15 5,-61-23,110 37,-119-39,-1 0,0 0,0 0,0 1,-1 0,1 0,-1 0,5 8,29 25,-27-29,-1 1,0 0,0 1,-1 0,0 0,13 22,8-1,-25-26,0-1,-1 0,0 1,7 10,6 15,-2 0,-1 2,13 44,23 105,-50-178,7 27,15 71,-11-45,-7-36,-1 0,2 36,-6 283,-1-155,-1-164,-1 0,-2 0,0 0,-1-1,0 1,-2-1,-12 21,10-18,5-12,-6 20,-2-2,-1 0,-2 0,-1-2,-1 0,-27 32,-16 12,25-38,-74 51,64-45,34-28,0 0,-17 11,-2 3,26-20,-1 0,0 0,0-1,0 1,-7 2,-7 5,1 1,1 0,0 1,-16 17,24-22,-16 16,13-16</inkml:trace>
+</inkml:ink>
+</file>
+
+<file path=ppt/ink/ink40.xml><?xml version="1.0" encoding="utf-8"?>
+<inkml:ink xmlns:inkml="http://www.w3.org/2003/InkML">
+  <inkml:definitions>
+    <inkml:context xml:id="ctx0">
+      <inkml:inkSource xml:id="inkSrc0">
+        <inkml:traceFormat>
+          <inkml:channel name="X" type="integer" min="-2.14748E9" max="2.14748E9" units="cm"/>
+          <inkml:channel name="Y" type="integer" min="-2.14748E9" max="2.14748E9" units="cm"/>
+          <inkml:channel name="F" type="integer" max="32767" units="dev"/>
+        </inkml:traceFormat>
+        <inkml:channelProperties>
+          <inkml:channelProperty channel="X" name="resolution" value="1000" units="1/cm"/>
+          <inkml:channelProperty channel="Y" name="resolution" value="1000" units="1/cm"/>
+          <inkml:channelProperty channel="F" name="resolution" value="0" units="1/dev"/>
+        </inkml:channelProperties>
+      </inkml:inkSource>
+      <inkml:timestamp xml:id="ts0" timeString="2024-07-01T05:27:18.117"/>
+    </inkml:context>
+    <inkml:brush xml:id="br0">
+      <inkml:brushProperty name="width" value="0.025" units="cm"/>
+      <inkml:brushProperty name="height" value="0.025" units="cm"/>
+    </inkml:brush>
+  </inkml:definitions>
+  <inkml:trace contextRef="#ctx0" brushRef="#br0">2 1 24575,'0'6'0,"0"9"0,0 8 0,0 6 0,0 5 0,0-3-8191</inkml:trace>
+  <inkml:trace contextRef="#ctx0" brushRef="#br0" timeOffset="1">2 673 24575,'0'38'0,"-1"7"0,2 0 0,13 88 0,-3-60 0,-3 0 0,-3 0 0,-5 76 0,-1-103 0,3-15 45,1 0-1,12 52 1,-8-45-795,4 39 1,-9-44-6077</inkml:trace>
+</inkml:ink>
+</file>
+
+<file path=ppt/ink/ink41.xml><?xml version="1.0" encoding="utf-8"?>
+<inkml:ink xmlns:inkml="http://www.w3.org/2003/InkML">
+  <inkml:definitions>
+    <inkml:context xml:id="ctx0">
+      <inkml:inkSource xml:id="inkSrc0">
+        <inkml:traceFormat>
+          <inkml:channel name="X" type="integer" min="-2.14748E9" max="2.14748E9" units="cm"/>
+          <inkml:channel name="Y" type="integer" min="-2.14748E9" max="2.14748E9" units="cm"/>
+          <inkml:channel name="F" type="integer" max="32767" units="dev"/>
+        </inkml:traceFormat>
+        <inkml:channelProperties>
+          <inkml:channelProperty channel="X" name="resolution" value="1000" units="1/cm"/>
+          <inkml:channelProperty channel="Y" name="resolution" value="1000" units="1/cm"/>
+          <inkml:channelProperty channel="F" name="resolution" value="0" units="1/dev"/>
+        </inkml:channelProperties>
+      </inkml:inkSource>
+      <inkml:timestamp xml:id="ts0" timeString="2024-07-01T05:27:18.455"/>
+    </inkml:context>
+    <inkml:brush xml:id="br0">
+      <inkml:brushProperty name="width" value="0.025" units="cm"/>
+      <inkml:brushProperty name="height" value="0.025" units="cm"/>
+    </inkml:brush>
+  </inkml:definitions>
+  <inkml:trace contextRef="#ctx0" brushRef="#br0">1 1 24575,'0'6'0,"0"2"-8191</inkml:trace>
+</inkml:ink>
+</file>
+
+<file path=ppt/ink/ink42.xml><?xml version="1.0" encoding="utf-8"?>
+<inkml:ink xmlns:inkml="http://www.w3.org/2003/InkML">
+  <inkml:definitions>
+    <inkml:context xml:id="ctx0">
+      <inkml:inkSource xml:id="inkSrc0">
+        <inkml:traceFormat>
+          <inkml:channel name="X" type="integer" min="-2.14748E9" max="2.14748E9" units="cm"/>
+          <inkml:channel name="Y" type="integer" min="-2.14748E9" max="2.14748E9" units="cm"/>
+          <inkml:channel name="F" type="integer" max="32767" units="dev"/>
+        </inkml:traceFormat>
+        <inkml:channelProperties>
+          <inkml:channelProperty channel="X" name="resolution" value="1000" units="1/cm"/>
+          <inkml:channelProperty channel="Y" name="resolution" value="1000" units="1/cm"/>
+          <inkml:channelProperty channel="F" name="resolution" value="0" units="1/dev"/>
+        </inkml:channelProperties>
+      </inkml:inkSource>
+      <inkml:timestamp xml:id="ts0" timeString="2024-07-01T05:27:18.779"/>
+    </inkml:context>
+    <inkml:brush xml:id="br0">
+      <inkml:brushProperty name="width" value="0.025" units="cm"/>
+      <inkml:brushProperty name="height" value="0.025" units="cm"/>
+    </inkml:brush>
+  </inkml:definitions>
+  <inkml:trace contextRef="#ctx0" brushRef="#br0">77 1 24575,'-7'0'0,"-1"0"-8191</inkml:trace>
+  <inkml:trace contextRef="#ctx0" brushRef="#br0" timeOffset="1">1 338 24575,'0'860'-1365,"0"-828"-5461</inkml:trace>
+</inkml:ink>
+</file>
+
+<file path=ppt/ink/ink43.xml><?xml version="1.0" encoding="utf-8"?>
+<inkml:ink xmlns:inkml="http://www.w3.org/2003/InkML">
+  <inkml:definitions>
+    <inkml:context xml:id="ctx0">
+      <inkml:inkSource xml:id="inkSrc0">
+        <inkml:traceFormat>
+          <inkml:channel name="X" type="integer" min="-2.14748E9" max="2.14748E9" units="cm"/>
+          <inkml:channel name="Y" type="integer" min="-2.14748E9" max="2.14748E9" units="cm"/>
+          <inkml:channel name="F" type="integer" max="32767" units="dev"/>
+        </inkml:traceFormat>
+        <inkml:channelProperties>
+          <inkml:channelProperty channel="X" name="resolution" value="1000" units="1/cm"/>
+          <inkml:channelProperty channel="Y" name="resolution" value="1000" units="1/cm"/>
+          <inkml:channelProperty channel="F" name="resolution" value="0" units="1/dev"/>
+        </inkml:channelProperties>
+      </inkml:inkSource>
+      <inkml:timestamp xml:id="ts0" timeString="2024-07-01T05:27:19.109"/>
+    </inkml:context>
+    <inkml:brush xml:id="br0">
+      <inkml:brushProperty name="width" value="0.025" units="cm"/>
+      <inkml:brushProperty name="height" value="0.025" units="cm"/>
+    </inkml:brush>
+  </inkml:definitions>
+  <inkml:trace contextRef="#ctx0" brushRef="#br0">1 0 24575,'0'7'0,"0"7"0,0 3-8191</inkml:trace>
+</inkml:ink>
+</file>
+
+<file path=ppt/ink/ink44.xml><?xml version="1.0" encoding="utf-8"?>
+<inkml:ink xmlns:inkml="http://www.w3.org/2003/InkML">
+  <inkml:definitions>
+    <inkml:context xml:id="ctx0">
+      <inkml:inkSource xml:id="inkSrc0">
+        <inkml:traceFormat>
+          <inkml:channel name="X" type="integer" min="-2.14748E9" max="2.14748E9" units="cm"/>
+          <inkml:channel name="Y" type="integer" min="-2.14748E9" max="2.14748E9" units="cm"/>
+          <inkml:channel name="F" type="integer" max="32767" units="dev"/>
+        </inkml:traceFormat>
+        <inkml:channelProperties>
+          <inkml:channelProperty channel="X" name="resolution" value="1000" units="1/cm"/>
+          <inkml:channelProperty channel="Y" name="resolution" value="1000" units="1/cm"/>
+          <inkml:channelProperty channel="F" name="resolution" value="0" units="1/dev"/>
+        </inkml:channelProperties>
+      </inkml:inkSource>
+      <inkml:timestamp xml:id="ts0" timeString="2024-07-01T05:27:19.432"/>
+    </inkml:context>
+    <inkml:brush xml:id="br0">
+      <inkml:brushProperty name="width" value="0.025" units="cm"/>
+      <inkml:brushProperty name="height" value="0.025" units="cm"/>
+    </inkml:brush>
+  </inkml:definitions>
+  <inkml:trace contextRef="#ctx0" brushRef="#br0">1 1 24575,'0'6'0,"0"9"0,0 8 0,0 6 0,0 5 0,0-3-8191</inkml:trace>
+  <inkml:trace contextRef="#ctx0" brushRef="#br0" timeOffset="1">40 225 24575,'0'6'0,"0"9"0,0 8 0,0 6 0,0-1-8191</inkml:trace>
+</inkml:ink>
+</file>
+
+<file path=ppt/ink/ink45.xml><?xml version="1.0" encoding="utf-8"?>
+<inkml:ink xmlns:inkml="http://www.w3.org/2003/InkML">
+  <inkml:definitions>
+    <inkml:context xml:id="ctx0">
+      <inkml:inkSource xml:id="inkSrc0">
+        <inkml:traceFormat>
+          <inkml:channel name="X" type="integer" min="-2.14748E9" max="2.14748E9" units="cm"/>
+          <inkml:channel name="Y" type="integer" min="-2.14748E9" max="2.14748E9" units="cm"/>
+          <inkml:channel name="F" type="integer" max="32767" units="dev"/>
+        </inkml:traceFormat>
+        <inkml:channelProperties>
+          <inkml:channelProperty channel="X" name="resolution" value="1000" units="1/cm"/>
+          <inkml:channelProperty channel="Y" name="resolution" value="1000" units="1/cm"/>
+          <inkml:channelProperty channel="F" name="resolution" value="0" units="1/dev"/>
+        </inkml:channelProperties>
+      </inkml:inkSource>
+      <inkml:timestamp xml:id="ts0" timeString="2024-07-01T05:27:19.775"/>
+    </inkml:context>
+    <inkml:brush xml:id="br0">
+      <inkml:brushProperty name="width" value="0.025" units="cm"/>
+      <inkml:brushProperty name="height" value="0.025" units="cm"/>
+    </inkml:brush>
+  </inkml:definitions>
+  <inkml:trace contextRef="#ctx0" brushRef="#br0">1 1 24575,'0'6'0,"0"9"0,0 8 0,0 7 0,0 4 0,0 2 0,0 3 0,0 0 0,0-6-8191</inkml:trace>
+  <inkml:trace contextRef="#ctx0" brushRef="#br0" timeOffset="1">1 301 24575</inkml:trace>
+</inkml:ink>
+</file>
+
+<file path=ppt/ink/ink46.xml><?xml version="1.0" encoding="utf-8"?>
+<inkml:ink xmlns:inkml="http://www.w3.org/2003/InkML">
+  <inkml:definitions>
+    <inkml:context xml:id="ctx0">
+      <inkml:inkSource xml:id="inkSrc0">
+        <inkml:traceFormat>
+          <inkml:channel name="X" type="integer" min="-2.14748E9" max="2.14748E9" units="cm"/>
+          <inkml:channel name="Y" type="integer" min="-2.14748E9" max="2.14748E9" units="cm"/>
+          <inkml:channel name="F" type="integer" max="32767" units="dev"/>
+        </inkml:traceFormat>
+        <inkml:channelProperties>
+          <inkml:channelProperty channel="X" name="resolution" value="1000" units="1/cm"/>
+          <inkml:channelProperty channel="Y" name="resolution" value="1000" units="1/cm"/>
+          <inkml:channelProperty channel="F" name="resolution" value="0" units="1/dev"/>
+        </inkml:channelProperties>
+      </inkml:inkSource>
+      <inkml:timestamp xml:id="ts0" timeString="2024-07-01T05:27:39.656"/>
+    </inkml:context>
+    <inkml:brush xml:id="br0">
+      <inkml:brushProperty name="width" value="0.025" units="cm"/>
+      <inkml:brushProperty name="height" value="0.025" units="cm"/>
+    </inkml:brush>
+  </inkml:definitions>
+  <inkml:trace contextRef="#ctx0" brushRef="#br0">0 136 24575,'1'2'0,"-1"1"0,0-1 0,1 0 0,0 0 0,0 0 0,-1 0 0,1 0 0,0 0 0,1 0 0,-1 0 0,0 0 0,1 0 0,-1 0 0,1-1 0,-1 1 0,1 0 0,1 1 0,37 24 0,-28-19 0,32 21 0,94 67 0,-119-83 0,1 0 0,27 12 0,-23-13 0,30 21 0,-40-24 0,1-1 0,-1-1 0,1 0 0,27 8 0,30 15 0,-38-14 0,0-1 0,71 21 0,14-7 0,-97-22 0,16 5 0,0-1 0,1-1 0,0-3 0,61 5 0,-1-13 0,-55-1 0,0 3 0,0 1 0,63 11 0,-60-5 0,82 3 0,-45-5 0,-63-3 0,38 11 0,16 2 0,23 3 0,-69-12 0,0-1 0,35 2 0,334-5 0,-198-6 0,1817 3 0,-1997-1 0,0-1 0,0-1 0,29-8 0,32-5 0,-49 11 0,36-10 0,-41 8 0,0 1 0,40-3 0,-29 4 0,68-16 0,-62 11 0,15-5 0,-39 8 0,1 2 0,29-4 0,-34 7 0,1 0 0,-1 0 0,-1-2 0,1 0 0,0-1 0,-1 0 0,0-2 0,0 1 0,-1-2 0,24-16 0,-26 17 0,0 0 0,0 1 0,0 0 0,1 0 0,0 2 0,0-1 0,0 2 0,1 0 0,14-2 0,-10 2 0,1-1 0,-1-1 0,0 0 0,20-10 0,-17 5 0,-13 7 0,0-1 0,0 0 0,0 0 0,0-1 0,-1 0 0,0 0 0,11-11 0,-4 2 0,1 0 0,1 1 0,0 1 0,31-17 0,18-13 0,-49 31 0,1 1 0,0 1 0,1 1 0,26-9 0,-26 11 0,-1-1 0,1 0 0,-1-2 0,28-18 0,8-10 38,74-38 1,-34 22-1481,-69 39-5384</inkml:trace>
+</inkml:ink>
+</file>
+
+<file path=ppt/ink/ink47.xml><?xml version="1.0" encoding="utf-8"?>
+<inkml:ink xmlns:inkml="http://www.w3.org/2003/InkML">
+  <inkml:definitions>
+    <inkml:context xml:id="ctx0">
+      <inkml:inkSource xml:id="inkSrc0">
+        <inkml:traceFormat>
+          <inkml:channel name="X" type="integer" min="-2.14748E9" max="2.14748E9" units="cm"/>
+          <inkml:channel name="Y" type="integer" min="-2.14748E9" max="2.14748E9" units="cm"/>
+          <inkml:channel name="F" type="integer" max="32767" units="dev"/>
+        </inkml:traceFormat>
+        <inkml:channelProperties>
+          <inkml:channelProperty channel="X" name="resolution" value="1000" units="1/cm"/>
+          <inkml:channelProperty channel="Y" name="resolution" value="1000" units="1/cm"/>
+          <inkml:channelProperty channel="F" name="resolution" value="0" units="1/dev"/>
+        </inkml:channelProperties>
+      </inkml:inkSource>
+      <inkml:timestamp xml:id="ts0" timeString="2024-07-01T05:27:41.609"/>
+    </inkml:context>
+    <inkml:brush xml:id="br0">
+      <inkml:brushProperty name="width" value="0.025" units="cm"/>
+      <inkml:brushProperty name="height" value="0.025" units="cm"/>
+    </inkml:brush>
+  </inkml:definitions>
+  <inkml:trace contextRef="#ctx0" brushRef="#br0">343 34 24575,'-9'-1'0,"-1"0"0,1-1 0,-1 0 0,1 0 0,-13-6 0,-25-5 0,38 11 0,0 1 0,1 0 0,-1 1 0,0 0 0,0 0 0,0 0 0,0 1 0,1 1 0,-1 0 0,-15 5 0,17-4 0,0 0 0,0 1 0,1 0 0,0 0 0,0 1 0,0 0 0,0 0 0,1 0 0,0 1 0,0 0 0,0 0 0,1 0 0,-5 9 0,4-6 0,1 1 0,-1 0 0,2 1 0,-1-1 0,1 1 0,1 0 0,0 0 0,-1 16 0,5 93 0,0-68 0,-2-41 0,1 0 0,0-1 0,0 1 0,1 0 0,1 0 0,4 14 0,-5-22 0,0 1 0,-1 0 0,1-1 0,1 1 0,-1-1 0,0 0 0,1 0 0,0 0 0,0 0 0,0 0 0,0 0 0,0-1 0,0 0 0,1 1 0,-1-1 0,1 0 0,0-1 0,-1 1 0,1-1 0,5 2 0,2-1 0,0 0 0,0-1 0,0 0 0,0-1 0,0 0 0,0-1 0,0 0 0,0-1 0,0 0 0,-1-1 0,1 0 0,0 0 0,-1-1 0,11-6 0,-8 3 0,0-1 0,0 0 0,-1 0 0,0-1 0,0-1 0,-1 0 0,0-1 0,-1 0 0,17-24 0,-21 24 0,0-1 0,-2 1 0,1-1 0,-1 0 0,-1 0 0,2-16 0,6-16 0,5-35 0,-13 169 0,-3-67 0,0 0 0,2 0 0,0 0 0,11 42 0,-11-58 0,0 0 0,1 0 0,-1 0 0,1-1 0,1 0 0,-1 1 0,1-1 0,0 0 0,1-1 0,-1 1 0,1-1 0,0 0 0,1 0 0,-1 0 0,1-1 0,0 0 0,0 0 0,0-1 0,12 6 0,9 0 0,1 0 0,0-2 0,0-1 0,0-2 0,1 0 0,0-2 0,31-2 0,-23 0-1365,-5-1-5461</inkml:trace>
+</inkml:ink>
+</file>
+
+<file path=ppt/ink/ink48.xml><?xml version="1.0" encoding="utf-8"?>
+<inkml:ink xmlns:inkml="http://www.w3.org/2003/InkML">
+  <inkml:definitions>
+    <inkml:context xml:id="ctx0">
+      <inkml:inkSource xml:id="inkSrc0">
+        <inkml:traceFormat>
+          <inkml:channel name="X" type="integer" min="-2.14748E9" max="2.14748E9" units="cm"/>
+          <inkml:channel name="Y" type="integer" min="-2.14748E9" max="2.14748E9" units="cm"/>
+          <inkml:channel name="F" type="integer" max="32767" units="dev"/>
+        </inkml:traceFormat>
+        <inkml:channelProperties>
+          <inkml:channelProperty channel="X" name="resolution" value="1000" units="1/cm"/>
+          <inkml:channelProperty channel="Y" name="resolution" value="1000" units="1/cm"/>
+          <inkml:channelProperty channel="F" name="resolution" value="0" units="1/dev"/>
+        </inkml:channelProperties>
+      </inkml:inkSource>
+      <inkml:timestamp xml:id="ts0" timeString="2024-07-01T05:27:42.440"/>
+    </inkml:context>
+    <inkml:brush xml:id="br0">
+      <inkml:brushProperty name="width" value="0.025" units="cm"/>
+      <inkml:brushProperty name="height" value="0.025" units="cm"/>
+    </inkml:brush>
+  </inkml:definitions>
+  <inkml:trace contextRef="#ctx0" brushRef="#br0">416 153 24575,'0'-9'0,"0"0"0,-1 0 0,0 0 0,0 0 0,-1 0 0,0 0 0,-6-14 0,6 19 0,0 0 0,0 0 0,-1 1 0,1-1 0,-1 1 0,0-1 0,0 1 0,0 0 0,0 0 0,0 0 0,-1 1 0,1-1 0,-1 1 0,0 0 0,0 0 0,0 0 0,0 0 0,-5-1 0,-1 0 0,0 1 0,0 0 0,-1 0 0,1 1 0,-1 1 0,1-1 0,0 2 0,-1-1 0,1 1 0,-1 1 0,1 0 0,0 1 0,0 0 0,0 0 0,0 1 0,1 0 0,-1 1 0,1 0 0,0 0 0,-16 13 0,15-9 0,1 0 0,0 1 0,0 0 0,1 0 0,0 1 0,0 0 0,1 0 0,1 1 0,0-1 0,1 1 0,0 1 0,1-1 0,0 1 0,1 0 0,0 0 0,-1 16 0,3-15 0,0 0 0,1 0 0,0 0 0,2 0 0,-1-1 0,5 16 0,-5-25 0,0 0 0,0 0 0,1 0 0,0 0 0,0 0 0,0 0 0,0 0 0,0-1 0,1 1 0,0-1 0,0 0 0,0 0 0,0 0 0,0 0 0,0 0 0,1-1 0,0 1 0,-1-1 0,1 0 0,0 0 0,0 0 0,0-1 0,6 2 0,21 2 0,-1-1-1,1-2 0,0-1 1,59-6-1,-7 1-1361,-50 3-5464</inkml:trace>
+</inkml:ink>
+</file>
+
+<file path=ppt/ink/ink49.xml><?xml version="1.0" encoding="utf-8"?>
+<inkml:ink xmlns:inkml="http://www.w3.org/2003/InkML">
+  <inkml:definitions>
+    <inkml:context xml:id="ctx0">
+      <inkml:inkSource xml:id="inkSrc0">
+        <inkml:traceFormat>
+          <inkml:channel name="X" type="integer" min="-2.14748E9" max="2.14748E9" units="cm"/>
+          <inkml:channel name="Y" type="integer" min="-2.14748E9" max="2.14748E9" units="cm"/>
+          <inkml:channel name="F" type="integer" max="32767" units="dev"/>
+        </inkml:traceFormat>
+        <inkml:channelProperties>
+          <inkml:channelProperty channel="X" name="resolution" value="1000" units="1/cm"/>
+          <inkml:channelProperty channel="Y" name="resolution" value="1000" units="1/cm"/>
+          <inkml:channelProperty channel="F" name="resolution" value="0" units="1/dev"/>
+        </inkml:channelProperties>
+      </inkml:inkSource>
+      <inkml:timestamp xml:id="ts0" timeString="2024-07-01T05:27:43.474"/>
+    </inkml:context>
+    <inkml:brush xml:id="br0">
+      <inkml:brushProperty name="width" value="0.025" units="cm"/>
+      <inkml:brushProperty name="height" value="0.025" units="cm"/>
+    </inkml:brush>
+  </inkml:definitions>
+  <inkml:trace contextRef="#ctx0" brushRef="#br0">416 189 24575,'0'-13'0,"0"0"0,-1 0 0,0 0 0,-1 0 0,0 1 0,-5-15 0,5 23 0,0-1 0,-1 0 0,1 1 0,-1-1 0,0 1 0,0 0 0,0 0 0,0 0 0,-1 0 0,0 0 0,0 1 0,0 0 0,0 0 0,0 0 0,-1 0 0,1 1 0,-1-1 0,-6-1 0,2 1 0,0 0 0,-1 1 0,1 0 0,-1 0 0,1 1 0,-1 1 0,0-1 0,1 1 0,-1 1 0,1 0 0,-1 0 0,1 1 0,-1 1 0,1-1 0,0 1 0,0 1 0,0-1 0,0 2 0,1-1 0,-1 1 0,1 1 0,1-1 0,-1 1 0,1 1 0,0-1 0,0 1 0,1 0 0,0 1 0,-6 9 0,2 0 0,1 1 0,1 0 0,1 0 0,1 1 0,0 0 0,1 0 0,-2 22 0,3-12 0,-1 59 0,5-81 0,0 0 0,1 1 0,0-1 0,0 0 0,0 1 0,1-1 0,0 0 0,1 0 0,-1 0 0,1-1 0,1 1 0,-1 0 0,8 9 0,-7-13 0,0 1 0,0-1 0,1 0 0,-1 0 0,1 0 0,-1-1 0,1 1 0,0-1 0,0 0 0,0-1 0,0 1 0,0-1 0,0 0 0,7 0 0,11 1 0,0-2 0,22-1 0,-21 0 0,-2 1 0,0-2 0,0 0 0,0-1 0,28-9 0,-43 10 0,1 0 0,-1-1 0,-1 0 0,1-1 0,0 1 0,-1-1 0,0-1 0,0 1 0,0-1 0,0 0 0,-1 0 0,0-1 0,0 1 0,0-1 0,-1 0 0,6-10 0,0-3 0,-1-1 0,-1 1 0,-1-1 0,-1-1 0,0 1 0,-2-1 0,0 0 0,-1 0 0,0-35 0,-3 19-1365,-1 5-5461</inkml:trace>
+</inkml:ink>
+</file>
+
+<file path=ppt/ink/ink5.xml><?xml version="1.0" encoding="utf-8"?>
+<inkml:ink xmlns:inkml="http://www.w3.org/2003/InkML">
+  <inkml:definitions>
+    <inkml:context xml:id="ctx0">
+      <inkml:inkSource xml:id="inkSrc0">
+        <inkml:traceFormat>
+          <inkml:channel name="X" type="integer" min="-2.14748E9" max="2.14748E9" units="cm"/>
+          <inkml:channel name="Y" type="integer" min="-2.14748E9" max="2.14748E9" units="cm"/>
+          <inkml:channel name="F" type="integer" max="32767" units="dev"/>
+        </inkml:traceFormat>
+        <inkml:channelProperties>
+          <inkml:channelProperty channel="X" name="resolution" value="1000" units="1/cm"/>
+          <inkml:channelProperty channel="Y" name="resolution" value="1000" units="1/cm"/>
+          <inkml:channelProperty channel="F" name="resolution" value="0" units="1/dev"/>
+        </inkml:channelProperties>
+      </inkml:inkSource>
+      <inkml:timestamp xml:id="ts0" timeString="2024-07-01T05:19:44.273"/>
+    </inkml:context>
+    <inkml:brush xml:id="br0">
+      <inkml:brushProperty name="width" value="0.035" units="cm"/>
+      <inkml:brushProperty name="height" value="0.035" units="cm"/>
+    </inkml:brush>
+  </inkml:definitions>
+  <inkml:trace contextRef="#ctx0" brushRef="#br0">1 1 24575,'4'1'0,"0"1"0,1 0 0,-1 0 0,0 0 0,0 0 0,0 1 0,0 0 0,0 0 0,-1 0 0,1 0 0,-1 0 0,3 5 0,3 0 0,88 69 0,-65-54 0,49 47 0,-57-45 0,-2 0 0,33 48 0,-36-46 0,13 21 0,43 88 0,-70-124 0,8 14 0,-2 0 0,-1 1 0,11 46 0,22 97 0,-24-102 0,-13-39 0,-1 0 0,2 47 0,-5-41 0,8 42 0,1 0-79,-3 1-1,-5 157 0,-4-140-1046,1-63-5700</inkml:trace>
+</inkml:ink>
+</file>
+
+<file path=ppt/ink/ink50.xml><?xml version="1.0" encoding="utf-8"?>
+<inkml:ink xmlns:inkml="http://www.w3.org/2003/InkML">
+  <inkml:definitions>
+    <inkml:context xml:id="ctx0">
+      <inkml:inkSource xml:id="inkSrc0">
+        <inkml:traceFormat>
+          <inkml:channel name="X" type="integer" min="-2.14748E9" max="2.14748E9" units="cm"/>
+          <inkml:channel name="Y" type="integer" min="-2.14748E9" max="2.14748E9" units="cm"/>
+          <inkml:channel name="F" type="integer" max="32767" units="dev"/>
+        </inkml:traceFormat>
+        <inkml:channelProperties>
+          <inkml:channelProperty channel="X" name="resolution" value="1000" units="1/cm"/>
+          <inkml:channelProperty channel="Y" name="resolution" value="1000" units="1/cm"/>
+          <inkml:channelProperty channel="F" name="resolution" value="0" units="1/dev"/>
+        </inkml:channelProperties>
+      </inkml:inkSource>
+      <inkml:timestamp xml:id="ts0" timeString="2024-07-01T05:27:44.366"/>
+    </inkml:context>
+    <inkml:brush xml:id="br0">
+      <inkml:brushProperty name="width" value="0.025" units="cm"/>
+      <inkml:brushProperty name="height" value="0.025" units="cm"/>
+    </inkml:brush>
+  </inkml:definitions>
+  <inkml:trace contextRef="#ctx0" brushRef="#br0">427 79 24575,'0'-3'0,"0"1"0,0-1 0,0 0 0,-1 1 0,1-1 0,-1 1 0,0-1 0,1 0 0,-1 1 0,-1 0 0,1-1 0,0 1 0,0 0 0,-1-1 0,0 1 0,1 0 0,-5-3 0,2 2 0,0 0 0,0 0 0,0 1 0,0-1 0,-1 1 0,1 0 0,-1 0 0,1 1 0,-7-2 0,-5 0 0,0 1 0,0 1 0,0 0 0,-32 3 0,44-2 0,1 0 0,0 0 0,-1 1 0,1-1 0,0 1 0,-1 0 0,1 0 0,0 0 0,0 0 0,0 1 0,0-1 0,0 1 0,0 0 0,0 0 0,1 0 0,-1 0 0,1 0 0,-1 0 0,1 1 0,0-1 0,0 1 0,0 0 0,0 0 0,0-1 0,1 1 0,-1 1 0,1-1 0,0 0 0,0 0 0,0 0 0,0 0 0,1 1 0,-1-1 0,1 0 0,0 1 0,0 5 0,1-3 0,-1 1 0,1 0 0,1 0 0,0-1 0,0 1 0,0-1 0,0 1 0,1-1 0,0 0 0,1 0 0,-1 0 0,1 0 0,0-1 0,0 0 0,1 1 0,0-2 0,7 8 0,39 21 0,-37-25 0,-1 0 0,0 2 0,22 19 0,-31-25 0,0 1 0,-1-1 0,1 1 0,-1 0 0,0 0 0,-1 0 0,1 0 0,-1 1 0,0-1 0,0 1 0,0-1 0,-1 1 0,0 0 0,0 8 0,0-8 0,-1 1 0,0-1 0,0 0 0,-1 0 0,0 1 0,0-1 0,0 0 0,-1 0 0,0 0 0,0 0 0,0 0 0,-1-1 0,0 1 0,-5 7 0,2-6 0,0 0 0,0-1 0,-1 1 0,0-2 0,0 1 0,0-1 0,-1 0 0,0 0 0,-9 4 0,16-9 0,-94 43 0,82-39 0,1 1 0,-1-2 0,0 0 0,0 0 0,-25 1 0,33-4-124,-1-1 0,1 1 0,0-1 0,-1 0 0,1 0 0,0-1-1,0 0 1,0 0 0,0 0 0,-6-3 0,-13-12-6702</inkml:trace>
+</inkml:ink>
+</file>
+
+<file path=ppt/ink/ink51.xml><?xml version="1.0" encoding="utf-8"?>
+<inkml:ink xmlns:inkml="http://www.w3.org/2003/InkML">
+  <inkml:definitions>
+    <inkml:context xml:id="ctx0">
+      <inkml:inkSource xml:id="inkSrc0">
+        <inkml:traceFormat>
+          <inkml:channel name="X" type="integer" min="-2.14748E9" max="2.14748E9" units="cm"/>
+          <inkml:channel name="Y" type="integer" min="-2.14748E9" max="2.14748E9" units="cm"/>
+          <inkml:channel name="F" type="integer" max="32767" units="dev"/>
+        </inkml:traceFormat>
+        <inkml:channelProperties>
+          <inkml:channelProperty channel="X" name="resolution" value="1000" units="1/cm"/>
+          <inkml:channelProperty channel="Y" name="resolution" value="1000" units="1/cm"/>
+          <inkml:channelProperty channel="F" name="resolution" value="0" units="1/dev"/>
+        </inkml:channelProperties>
+      </inkml:inkSource>
+      <inkml:timestamp xml:id="ts0" timeString="2024-07-01T05:27:45.516"/>
+    </inkml:context>
+    <inkml:brush xml:id="br0">
+      <inkml:brushProperty name="width" value="0.025" units="cm"/>
+      <inkml:brushProperty name="height" value="0.025" units="cm"/>
+    </inkml:brush>
+  </inkml:definitions>
+  <inkml:trace contextRef="#ctx0" brushRef="#br0">675 120 24575,'0'-3'0,"-1"1"0,1 0 0,-1-1 0,0 1 0,1 0 0,-1 0 0,0-1 0,0 1 0,-1 0 0,1 0 0,0 0 0,-1 0 0,1 1 0,-1-1 0,1 0 0,-4-2 0,-35-24 0,30 20 0,-2 2 0,0-1 0,0 2 0,0 0 0,-1 0 0,0 1 0,0 1 0,0 0 0,0 0 0,-21 0 0,-2 1 0,0 2 0,-47 6 0,75-5 0,0 0 0,1 1 0,-1 0 0,1 0 0,-1 0 0,1 1 0,0 1 0,0-1 0,0 1 0,1 0 0,-1 1 0,1-1 0,-6 6 0,-3 6 0,1 0 0,1 0 0,-16 25 0,-12 17 0,35-51 0,1 0 0,0 1 0,1 0 0,0 0 0,0 1 0,1-1 0,0 1 0,-3 11 0,1 8 0,-3 37 0,-2 13 0,2-32 0,1 0 0,3 0 0,1 1 0,6 68 0,-3-109 0,1 0 0,-1-1 0,1 1 0,1 0 0,-1-1 0,1 1 0,0-1 0,1 0 0,-1 0 0,1 0 0,0 0 0,0 0 0,6 6 0,-5-7 0,0-1 0,0 0 0,0 0 0,1 0 0,0 0 0,-1-1 0,1 1 0,0-1 0,0-1 0,0 1 0,0-1 0,1 0 0,-1 0 0,8 1 0,8 0 0,44-1 0,-59-2 0,1 1 0,0-1 0,-1 0 0,1-1 0,-1 0 0,1 0 0,-1 0 0,0-1 0,0 0 0,10-6 0,45-40 0,-3-3 0,54-61 0,-15 14 0,-67 65 0,-1 0 0,-2-3 0,29-49 0,-55 84 0,50-95-1365,-40 76-5461</inkml:trace>
+</inkml:ink>
+</file>
+
+<file path=ppt/ink/ink52.xml><?xml version="1.0" encoding="utf-8"?>
+<inkml:ink xmlns:inkml="http://www.w3.org/2003/InkML">
+  <inkml:definitions>
+    <inkml:context xml:id="ctx0">
+      <inkml:inkSource xml:id="inkSrc0">
+        <inkml:traceFormat>
+          <inkml:channel name="X" type="integer" min="-2.14748E9" max="2.14748E9" units="cm"/>
+          <inkml:channel name="Y" type="integer" min="-2.14748E9" max="2.14748E9" units="cm"/>
+          <inkml:channel name="F" type="integer" max="32767" units="dev"/>
+        </inkml:traceFormat>
+        <inkml:channelProperties>
+          <inkml:channelProperty channel="X" name="resolution" value="1000" units="1/cm"/>
+          <inkml:channelProperty channel="Y" name="resolution" value="1000" units="1/cm"/>
+          <inkml:channelProperty channel="F" name="resolution" value="0" units="1/dev"/>
+        </inkml:channelProperties>
+      </inkml:inkSource>
+      <inkml:timestamp xml:id="ts0" timeString="2024-07-01T05:27:46.222"/>
+    </inkml:context>
+    <inkml:brush xml:id="br0">
+      <inkml:brushProperty name="width" value="0.025" units="cm"/>
+      <inkml:brushProperty name="height" value="0.025" units="cm"/>
+    </inkml:brush>
+  </inkml:definitions>
+  <inkml:trace contextRef="#ctx0" brushRef="#br0">1 115 24575,'5'-1'0,"0"0"0,1 0 0,-1 0 0,0 0 0,0-1 0,8-3 0,19-6 0,-12 7 0,260-47 0,-188 37 0,-28 4 0,79-2 0,30 12-1365,-158 0-5461</inkml:trace>
+</inkml:ink>
+</file>
+
+<file path=ppt/ink/ink53.xml><?xml version="1.0" encoding="utf-8"?>
+<inkml:ink xmlns:inkml="http://www.w3.org/2003/InkML">
+  <inkml:definitions>
+    <inkml:context xml:id="ctx0">
+      <inkml:inkSource xml:id="inkSrc0">
+        <inkml:traceFormat>
+          <inkml:channel name="X" type="integer" min="-2.14748E9" max="2.14748E9" units="cm"/>
+          <inkml:channel name="Y" type="integer" min="-2.14748E9" max="2.14748E9" units="cm"/>
+          <inkml:channel name="F" type="integer" max="32767" units="dev"/>
+        </inkml:traceFormat>
+        <inkml:channelProperties>
+          <inkml:channelProperty channel="X" name="resolution" value="1000" units="1/cm"/>
+          <inkml:channelProperty channel="Y" name="resolution" value="1000" units="1/cm"/>
+          <inkml:channelProperty channel="F" name="resolution" value="0" units="1/dev"/>
+        </inkml:channelProperties>
+      </inkml:inkSource>
+      <inkml:timestamp xml:id="ts0" timeString="2024-07-01T05:27:53.756"/>
+    </inkml:context>
+    <inkml:brush xml:id="br0">
+      <inkml:brushProperty name="width" value="0.025" units="cm"/>
+      <inkml:brushProperty name="height" value="0.025" units="cm"/>
+    </inkml:brush>
+  </inkml:definitions>
+  <inkml:trace contextRef="#ctx0" brushRef="#br0">1 1 24575,'0'488'0,"2"-455"0,1-1 0,10 45 0,-5-39 0,2 43 0,-8 156 19,-3-139-1403,1-66-5442</inkml:trace>
+</inkml:ink>
+</file>
+
+<file path=ppt/ink/ink54.xml><?xml version="1.0" encoding="utf-8"?>
+<inkml:ink xmlns:inkml="http://www.w3.org/2003/InkML">
+  <inkml:definitions>
+    <inkml:context xml:id="ctx0">
+      <inkml:inkSource xml:id="inkSrc0">
+        <inkml:traceFormat>
+          <inkml:channel name="X" type="integer" min="-2.14748E9" max="2.14748E9" units="cm"/>
+          <inkml:channel name="Y" type="integer" min="-2.14748E9" max="2.14748E9" units="cm"/>
+          <inkml:channel name="F" type="integer" max="32767" units="dev"/>
+        </inkml:traceFormat>
+        <inkml:channelProperties>
+          <inkml:channelProperty channel="X" name="resolution" value="1000" units="1/cm"/>
+          <inkml:channelProperty channel="Y" name="resolution" value="1000" units="1/cm"/>
+          <inkml:channelProperty channel="F" name="resolution" value="0" units="1/dev"/>
+        </inkml:channelProperties>
+      </inkml:inkSource>
+      <inkml:timestamp xml:id="ts0" timeString="2024-07-01T05:27:54.873"/>
+    </inkml:context>
+    <inkml:brush xml:id="br0">
+      <inkml:brushProperty name="width" value="0.025" units="cm"/>
+      <inkml:brushProperty name="height" value="0.025" units="cm"/>
+    </inkml:brush>
+  </inkml:definitions>
+  <inkml:trace contextRef="#ctx0" brushRef="#br0">1 1 24575,'1'0'0,"0"0"0,0 1 0,1-1 0,-1 1 0,0-1 0,0 1 0,1-1 0,-1 1 0,0 0 0,0 0 0,0 0 0,0-1 0,0 1 0,0 0 0,0 0 0,0 0 0,-1 0 0,1 1 0,0-1 0,-1 0 0,1 0 0,-1 0 0,1 1 0,-1-1 0,1 0 0,0 3 0,6 39 0,-6-39 0,3 94 0,-4-72 0,1 1 0,1-1 0,10 46 0,1-16 0,12 38 0,-18-69 0,8 51 0,2 8 0,-9-43-106,-1-1 0,-2 1 0,-2 0 0,-4 70 0,0-72-729,1-6-5991</inkml:trace>
+</inkml:ink>
+</file>
+
+<file path=ppt/ink/ink6.xml><?xml version="1.0" encoding="utf-8"?>
+<inkml:ink xmlns:inkml="http://www.w3.org/2003/InkML">
+  <inkml:definitions>
+    <inkml:context xml:id="ctx0">
+      <inkml:inkSource xml:id="inkSrc0">
+        <inkml:traceFormat>
+          <inkml:channel name="X" type="integer" min="-2.14748E9" max="2.14748E9" units="cm"/>
+          <inkml:channel name="Y" type="integer" min="-2.14748E9" max="2.14748E9" units="cm"/>
+          <inkml:channel name="F" type="integer" max="32767" units="dev"/>
+        </inkml:traceFormat>
+        <inkml:channelProperties>
+          <inkml:channelProperty channel="X" name="resolution" value="1000" units="1/cm"/>
+          <inkml:channelProperty channel="Y" name="resolution" value="1000" units="1/cm"/>
+          <inkml:channelProperty channel="F" name="resolution" value="0" units="1/dev"/>
+        </inkml:channelProperties>
+      </inkml:inkSource>
+      <inkml:timestamp xml:id="ts0" timeString="2024-07-01T05:37:06.530"/>
+    </inkml:context>
+    <inkml:brush xml:id="br0">
+      <inkml:brushProperty name="width" value="0.1" units="cm"/>
+      <inkml:brushProperty name="height" value="0.1" units="cm"/>
+    </inkml:brush>
+  </inkml:definitions>
+  <inkml:trace contextRef="#ctx0" brushRef="#br0">1 0 24575</inkml:trace>
+</inkml:ink>
+</file>
+
+<file path=ppt/ink/ink7.xml><?xml version="1.0" encoding="utf-8"?>
+<inkml:ink xmlns:inkml="http://www.w3.org/2003/InkML">
+  <inkml:definitions>
+    <inkml:context xml:id="ctx0">
+      <inkml:inkSource xml:id="inkSrc0">
+        <inkml:traceFormat>
+          <inkml:channel name="X" type="integer" min="-2.14748E9" max="2.14748E9" units="cm"/>
+          <inkml:channel name="Y" type="integer" min="-2.14748E9" max="2.14748E9" units="cm"/>
+          <inkml:channel name="F" type="integer" max="32767" units="dev"/>
+        </inkml:traceFormat>
+        <inkml:channelProperties>
+          <inkml:channelProperty channel="X" name="resolution" value="1000" units="1/cm"/>
+          <inkml:channelProperty channel="Y" name="resolution" value="1000" units="1/cm"/>
+          <inkml:channelProperty channel="F" name="resolution" value="0" units="1/dev"/>
+        </inkml:channelProperties>
+      </inkml:inkSource>
+      <inkml:timestamp xml:id="ts0" timeString="2024-07-01T05:37:13.657"/>
+    </inkml:context>
+    <inkml:brush xml:id="br0">
+      <inkml:brushProperty name="width" value="0.1" units="cm"/>
+      <inkml:brushProperty name="height" value="0.1" units="cm"/>
+    </inkml:brush>
+  </inkml:definitions>
+  <inkml:trace contextRef="#ctx0" brushRef="#br0">0 0 24575</inkml:trace>
+</inkml:ink>
+</file>
+
+<file path=ppt/ink/ink8.xml><?xml version="1.0" encoding="utf-8"?>
+<inkml:ink xmlns:inkml="http://www.w3.org/2003/InkML">
+  <inkml:definitions>
+    <inkml:context xml:id="ctx0">
+      <inkml:inkSource xml:id="inkSrc0">
+        <inkml:traceFormat>
+          <inkml:channel name="X" type="integer" min="-2.14748E9" max="2.14748E9" units="cm"/>
+          <inkml:channel name="Y" type="integer" min="-2.14748E9" max="2.14748E9" units="cm"/>
+          <inkml:channel name="F" type="integer" max="32767" units="dev"/>
+        </inkml:traceFormat>
+        <inkml:channelProperties>
+          <inkml:channelProperty channel="X" name="resolution" value="1000" units="1/cm"/>
+          <inkml:channelProperty channel="Y" name="resolution" value="1000" units="1/cm"/>
+          <inkml:channelProperty channel="F" name="resolution" value="0" units="1/dev"/>
+        </inkml:channelProperties>
+      </inkml:inkSource>
+      <inkml:timestamp xml:id="ts0" timeString="2024-07-01T05:37:13.990"/>
+    </inkml:context>
+    <inkml:brush xml:id="br0">
+      <inkml:brushProperty name="width" value="0.1" units="cm"/>
+      <inkml:brushProperty name="height" value="0.1" units="cm"/>
+    </inkml:brush>
+  </inkml:definitions>
+  <inkml:trace contextRef="#ctx0" brushRef="#br0">29 1 24575,'0'6'0,"0"9"0,0 7 0,0 7 0,0 5 0,-6-3 0,-3-1 0,2 1 0,0-5-8191</inkml:trace>
+</inkml:ink>
+</file>
+
+<file path=ppt/ink/ink9.xml><?xml version="1.0" encoding="utf-8"?>
+<inkml:ink xmlns:inkml="http://www.w3.org/2003/InkML">
+  <inkml:definitions>
+    <inkml:context xml:id="ctx0">
+      <inkml:inkSource xml:id="inkSrc0">
+        <inkml:traceFormat>
+          <inkml:channel name="X" type="integer" min="-2.14748E9" max="2.14748E9" units="cm"/>
+          <inkml:channel name="Y" type="integer" min="-2.14748E9" max="2.14748E9" units="cm"/>
+          <inkml:channel name="F" type="integer" max="32767" units="dev"/>
+        </inkml:traceFormat>
+        <inkml:channelProperties>
+          <inkml:channelProperty channel="X" name="resolution" value="1000" units="1/cm"/>
+          <inkml:channelProperty channel="Y" name="resolution" value="1000" units="1/cm"/>
+          <inkml:channelProperty channel="F" name="resolution" value="0" units="1/dev"/>
+        </inkml:channelProperties>
+      </inkml:inkSource>
+      <inkml:timestamp xml:id="ts0" timeString="2024-07-01T05:37:14.332"/>
+    </inkml:context>
+    <inkml:brush xml:id="br0">
+      <inkml:brushProperty name="width" value="0.1" units="cm"/>
+      <inkml:brushProperty name="height" value="0.1" units="cm"/>
+    </inkml:brush>
+  </inkml:definitions>
+  <inkml:trace contextRef="#ctx0" brushRef="#br0">0 1 24575,'0'6'0,"0"9"0,0 8 0,0 6 0,0 5 0,0-4-8191</inkml:trace>
 </inkml:ink>
 </file>
 
@@ -387,7 +1749,7 @@
           <a:p>
             <a:fld id="{B10628C9-5609-4CD9-B2CE-2EE4BC5A64D5}" type="datetimeFigureOut">
               <a:rPr kumimoji="1" lang="ja-JP" altLang="en-US" smtClean="0"/>
-              <a:t>2024/6/28</a:t>
+              <a:t>2024/7/1</a:t>
             </a:fld>
             <a:endParaRPr kumimoji="1" lang="ja-JP" altLang="en-US"/>
           </a:p>
@@ -617,7 +1979,7 @@
           <a:p>
             <a:fld id="{B10628C9-5609-4CD9-B2CE-2EE4BC5A64D5}" type="datetimeFigureOut">
               <a:rPr kumimoji="1" lang="ja-JP" altLang="en-US" smtClean="0"/>
-              <a:t>2024/6/28</a:t>
+              <a:t>2024/7/1</a:t>
             </a:fld>
             <a:endParaRPr kumimoji="1" lang="ja-JP" altLang="en-US"/>
           </a:p>
@@ -857,7 +2219,7 @@
           <a:p>
             <a:fld id="{B10628C9-5609-4CD9-B2CE-2EE4BC5A64D5}" type="datetimeFigureOut">
               <a:rPr kumimoji="1" lang="ja-JP" altLang="en-US" smtClean="0"/>
-              <a:t>2024/6/28</a:t>
+              <a:t>2024/7/1</a:t>
             </a:fld>
             <a:endParaRPr kumimoji="1" lang="ja-JP" altLang="en-US"/>
           </a:p>
@@ -1087,7 +2449,7 @@
           <a:p>
             <a:fld id="{B10628C9-5609-4CD9-B2CE-2EE4BC5A64D5}" type="datetimeFigureOut">
               <a:rPr kumimoji="1" lang="ja-JP" altLang="en-US" smtClean="0"/>
-              <a:t>2024/6/28</a:t>
+              <a:t>2024/7/1</a:t>
             </a:fld>
             <a:endParaRPr kumimoji="1" lang="ja-JP" altLang="en-US"/>
           </a:p>
@@ -1362,7 +2724,7 @@
           <a:p>
             <a:fld id="{B10628C9-5609-4CD9-B2CE-2EE4BC5A64D5}" type="datetimeFigureOut">
               <a:rPr kumimoji="1" lang="ja-JP" altLang="en-US" smtClean="0"/>
-              <a:t>2024/6/28</a:t>
+              <a:t>2024/7/1</a:t>
             </a:fld>
             <a:endParaRPr kumimoji="1" lang="ja-JP" altLang="en-US"/>
           </a:p>
@@ -1691,7 +3053,7 @@
           <a:p>
             <a:fld id="{B10628C9-5609-4CD9-B2CE-2EE4BC5A64D5}" type="datetimeFigureOut">
               <a:rPr kumimoji="1" lang="ja-JP" altLang="en-US" smtClean="0"/>
-              <a:t>2024/6/28</a:t>
+              <a:t>2024/7/1</a:t>
             </a:fld>
             <a:endParaRPr kumimoji="1" lang="ja-JP" altLang="en-US"/>
           </a:p>
@@ -2167,7 +3529,7 @@
           <a:p>
             <a:fld id="{B10628C9-5609-4CD9-B2CE-2EE4BC5A64D5}" type="datetimeFigureOut">
               <a:rPr kumimoji="1" lang="ja-JP" altLang="en-US" smtClean="0"/>
-              <a:t>2024/6/28</a:t>
+              <a:t>2024/7/1</a:t>
             </a:fld>
             <a:endParaRPr kumimoji="1" lang="ja-JP" altLang="en-US"/>
           </a:p>
@@ -2308,7 +3670,7 @@
           <a:p>
             <a:fld id="{B10628C9-5609-4CD9-B2CE-2EE4BC5A64D5}" type="datetimeFigureOut">
               <a:rPr kumimoji="1" lang="ja-JP" altLang="en-US" smtClean="0"/>
-              <a:t>2024/6/28</a:t>
+              <a:t>2024/7/1</a:t>
             </a:fld>
             <a:endParaRPr kumimoji="1" lang="ja-JP" altLang="en-US"/>
           </a:p>
@@ -2421,7 +3783,7 @@
           <a:p>
             <a:fld id="{B10628C9-5609-4CD9-B2CE-2EE4BC5A64D5}" type="datetimeFigureOut">
               <a:rPr kumimoji="1" lang="ja-JP" altLang="en-US" smtClean="0"/>
-              <a:t>2024/6/28</a:t>
+              <a:t>2024/7/1</a:t>
             </a:fld>
             <a:endParaRPr kumimoji="1" lang="ja-JP" altLang="en-US"/>
           </a:p>
@@ -2764,7 +4126,7 @@
           <a:p>
             <a:fld id="{B10628C9-5609-4CD9-B2CE-2EE4BC5A64D5}" type="datetimeFigureOut">
               <a:rPr kumimoji="1" lang="ja-JP" altLang="en-US" smtClean="0"/>
-              <a:t>2024/6/28</a:t>
+              <a:t>2024/7/1</a:t>
             </a:fld>
             <a:endParaRPr kumimoji="1" lang="ja-JP" altLang="en-US"/>
           </a:p>
@@ -3052,7 +4414,7 @@
           <a:p>
             <a:fld id="{B10628C9-5609-4CD9-B2CE-2EE4BC5A64D5}" type="datetimeFigureOut">
               <a:rPr kumimoji="1" lang="ja-JP" altLang="en-US" smtClean="0"/>
-              <a:t>2024/6/28</a:t>
+              <a:t>2024/7/1</a:t>
             </a:fld>
             <a:endParaRPr kumimoji="1" lang="ja-JP" altLang="en-US"/>
           </a:p>
@@ -3325,7 +4687,7 @@
           <a:p>
             <a:fld id="{B10628C9-5609-4CD9-B2CE-2EE4BC5A64D5}" type="datetimeFigureOut">
               <a:rPr kumimoji="1" lang="ja-JP" altLang="en-US" smtClean="0"/>
-              <a:t>2024/6/28</a:t>
+              <a:t>2024/7/1</a:t>
             </a:fld>
             <a:endParaRPr kumimoji="1" lang="ja-JP" altLang="en-US"/>
           </a:p>
@@ -10665,7 +12027,3130 @@
     </p:spTree>
     <p:extLst>
       <p:ext uri="{BB962C8B-B14F-4D97-AF65-F5344CB8AC3E}">
-        <p14:creationId xmlns:p14="http://schemas.microsoft.com/office/powerpoint/2010/main" val="3639036247"/>
+        <p14:creationId xmlns:p14="http://schemas.microsoft.com/office/powerpoint/2010/main" val="3204898333"/>
+      </p:ext>
+    </p:extLst>
+  </p:cSld>
+  <p:clrMapOvr>
+    <a:masterClrMapping/>
+  </p:clrMapOvr>
+</p:sld>
+</file>
+
+<file path=ppt/slides/slide22.xml><?xml version="1.0" encoding="utf-8"?>
+<p:sld xmlns:a="http://schemas.openxmlformats.org/drawingml/2006/main" xmlns:r="http://schemas.openxmlformats.org/officeDocument/2006/relationships" xmlns:p="http://schemas.openxmlformats.org/presentationml/2006/main">
+  <p:cSld>
+    <p:spTree>
+      <p:nvGrpSpPr>
+        <p:cNvPr id="1" name=""/>
+        <p:cNvGrpSpPr/>
+        <p:nvPr/>
+      </p:nvGrpSpPr>
+      <p:grpSpPr>
+        <a:xfrm>
+          <a:off x="0" y="0"/>
+          <a:ext cx="0" cy="0"/>
+          <a:chOff x="0" y="0"/>
+          <a:chExt cx="0" cy="0"/>
+        </a:xfrm>
+      </p:grpSpPr>
+      <p:cxnSp>
+        <p:nvCxnSpPr>
+          <p:cNvPr id="12" name="直線矢印コネクタ 11">
+            <a:extLst>
+              <a:ext uri="{FF2B5EF4-FFF2-40B4-BE49-F238E27FC236}">
+                <a16:creationId xmlns:a16="http://schemas.microsoft.com/office/drawing/2014/main" id="{D72504CB-D75D-222E-20BB-18ED1972CB90}"/>
+              </a:ext>
+            </a:extLst>
+          </p:cNvPr>
+          <p:cNvCxnSpPr>
+            <a:cxnSpLocks/>
+          </p:cNvCxnSpPr>
+          <p:nvPr/>
+        </p:nvCxnSpPr>
+        <p:spPr>
+          <a:xfrm>
+            <a:off x="3712656" y="3304674"/>
+            <a:ext cx="3361912" cy="248653"/>
+          </a:xfrm>
+          <a:prstGeom prst="straightConnector1">
+            <a:avLst/>
+          </a:prstGeom>
+          <a:ln w="57150">
+            <a:solidFill>
+              <a:srgbClr val="FF0000"/>
+            </a:solidFill>
+            <a:tailEnd type="triangle"/>
+          </a:ln>
+        </p:spPr>
+        <p:style>
+          <a:lnRef idx="1">
+            <a:schemeClr val="accent1"/>
+          </a:lnRef>
+          <a:fillRef idx="0">
+            <a:schemeClr val="accent1"/>
+          </a:fillRef>
+          <a:effectRef idx="0">
+            <a:schemeClr val="accent1"/>
+          </a:effectRef>
+          <a:fontRef idx="minor">
+            <a:schemeClr val="tx1"/>
+          </a:fontRef>
+        </p:style>
+      </p:cxnSp>
+      <p:cxnSp>
+        <p:nvCxnSpPr>
+          <p:cNvPr id="6" name="直線矢印コネクタ 5">
+            <a:extLst>
+              <a:ext uri="{FF2B5EF4-FFF2-40B4-BE49-F238E27FC236}">
+                <a16:creationId xmlns:a16="http://schemas.microsoft.com/office/drawing/2014/main" id="{C08C187E-9254-C124-6408-446E40F3FCC9}"/>
+              </a:ext>
+            </a:extLst>
+          </p:cNvPr>
+          <p:cNvCxnSpPr>
+            <a:cxnSpLocks/>
+          </p:cNvCxnSpPr>
+          <p:nvPr/>
+        </p:nvCxnSpPr>
+        <p:spPr>
+          <a:xfrm flipV="1">
+            <a:off x="3712656" y="668552"/>
+            <a:ext cx="2383344" cy="2636122"/>
+          </a:xfrm>
+          <a:prstGeom prst="straightConnector1">
+            <a:avLst/>
+          </a:prstGeom>
+          <a:ln w="57150">
+            <a:solidFill>
+              <a:srgbClr val="00B0F0"/>
+            </a:solidFill>
+            <a:tailEnd type="triangle"/>
+          </a:ln>
+        </p:spPr>
+        <p:style>
+          <a:lnRef idx="1">
+            <a:schemeClr val="accent1"/>
+          </a:lnRef>
+          <a:fillRef idx="0">
+            <a:schemeClr val="accent1"/>
+          </a:fillRef>
+          <a:effectRef idx="0">
+            <a:schemeClr val="accent1"/>
+          </a:effectRef>
+          <a:fontRef idx="minor">
+            <a:schemeClr val="tx1"/>
+          </a:fontRef>
+        </p:style>
+      </p:cxnSp>
+      <p:sp>
+        <p:nvSpPr>
+          <p:cNvPr id="2" name="テキスト ボックス 1">
+            <a:extLst>
+              <a:ext uri="{FF2B5EF4-FFF2-40B4-BE49-F238E27FC236}">
+                <a16:creationId xmlns:a16="http://schemas.microsoft.com/office/drawing/2014/main" id="{3E77EB0F-9016-75C1-9451-7D836C78EB86}"/>
+              </a:ext>
+            </a:extLst>
+          </p:cNvPr>
+          <p:cNvSpPr txBox="1"/>
+          <p:nvPr/>
+        </p:nvSpPr>
+        <p:spPr>
+          <a:xfrm>
+            <a:off x="5393612" y="668552"/>
+            <a:ext cx="364202" cy="461665"/>
+          </a:xfrm>
+          <a:prstGeom prst="rect">
+            <a:avLst/>
+          </a:prstGeom>
+          <a:noFill/>
+        </p:spPr>
+        <p:txBody>
+          <a:bodyPr wrap="none" rtlCol="0">
+            <a:spAutoFit/>
+          </a:bodyPr>
+          <a:lstStyle/>
+          <a:p>
+            <a:r>
+              <a:rPr kumimoji="1" lang="en-US" altLang="ja-JP" sz="2400" b="1" dirty="0"/>
+              <a:t>a</a:t>
+            </a:r>
+            <a:endParaRPr kumimoji="1" lang="ja-JP" altLang="en-US" b="1" dirty="0"/>
+          </a:p>
+        </p:txBody>
+      </p:sp>
+      <p:sp>
+        <p:nvSpPr>
+          <p:cNvPr id="3" name="テキスト ボックス 2">
+            <a:extLst>
+              <a:ext uri="{FF2B5EF4-FFF2-40B4-BE49-F238E27FC236}">
+                <a16:creationId xmlns:a16="http://schemas.microsoft.com/office/drawing/2014/main" id="{73117B23-925E-6A0A-CB6D-C06FBC1D7460}"/>
+              </a:ext>
+            </a:extLst>
+          </p:cNvPr>
+          <p:cNvSpPr txBox="1"/>
+          <p:nvPr/>
+        </p:nvSpPr>
+        <p:spPr>
+          <a:xfrm>
+            <a:off x="6556217" y="3640873"/>
+            <a:ext cx="373820" cy="461665"/>
+          </a:xfrm>
+          <a:prstGeom prst="rect">
+            <a:avLst/>
+          </a:prstGeom>
+          <a:noFill/>
+        </p:spPr>
+        <p:txBody>
+          <a:bodyPr wrap="none" rtlCol="0">
+            <a:spAutoFit/>
+          </a:bodyPr>
+          <a:lstStyle/>
+          <a:p>
+            <a:r>
+              <a:rPr lang="en-US" altLang="ja-JP" sz="2400" b="1" dirty="0"/>
+              <a:t>b</a:t>
+            </a:r>
+            <a:endParaRPr kumimoji="1" lang="ja-JP" altLang="en-US" b="1" dirty="0"/>
+          </a:p>
+        </p:txBody>
+      </p:sp>
+      <mc:AlternateContent xmlns:mc="http://schemas.openxmlformats.org/markup-compatibility/2006">
+        <mc:Choice xmlns:p14="http://schemas.microsoft.com/office/powerpoint/2010/main" Requires="p14">
+          <p:contentPart p14:bwMode="auto" r:id="rId2">
+            <p14:nvContentPartPr>
+              <p14:cNvPr id="5" name="インク 4">
+                <a:extLst>
+                  <a:ext uri="{FF2B5EF4-FFF2-40B4-BE49-F238E27FC236}">
+                    <a16:creationId xmlns:a16="http://schemas.microsoft.com/office/drawing/2014/main" id="{50642E92-D9A7-B780-CB4F-8A095521616E}"/>
+                  </a:ext>
+                </a:extLst>
+              </p14:cNvPr>
+              <p14:cNvContentPartPr/>
+              <p14:nvPr/>
+            </p14:nvContentPartPr>
+            <p14:xfrm>
+              <a:off x="4329635" y="2729033"/>
+              <a:ext cx="242640" cy="617760"/>
+            </p14:xfrm>
+          </p:contentPart>
+        </mc:Choice>
+        <mc:Fallback>
+          <p:pic>
+            <p:nvPicPr>
+              <p:cNvPr id="5" name="インク 4">
+                <a:extLst>
+                  <a:ext uri="{FF2B5EF4-FFF2-40B4-BE49-F238E27FC236}">
+                    <a16:creationId xmlns:a16="http://schemas.microsoft.com/office/drawing/2014/main" id="{50642E92-D9A7-B780-CB4F-8A095521616E}"/>
+                  </a:ext>
+                </a:extLst>
+              </p:cNvPr>
+              <p:cNvPicPr/>
+              <p:nvPr/>
+            </p:nvPicPr>
+            <p:blipFill>
+              <a:blip r:embed="rId3"/>
+              <a:stretch>
+                <a:fillRect/>
+              </a:stretch>
+            </p:blipFill>
+            <p:spPr>
+              <a:xfrm>
+                <a:off x="4323515" y="2722913"/>
+                <a:ext cx="254880" cy="630000"/>
+              </a:xfrm>
+              <a:prstGeom prst="rect">
+                <a:avLst/>
+              </a:prstGeom>
+            </p:spPr>
+          </p:pic>
+        </mc:Fallback>
+      </mc:AlternateContent>
+      <p:sp>
+        <p:nvSpPr>
+          <p:cNvPr id="19" name="楕円 18">
+            <a:extLst>
+              <a:ext uri="{FF2B5EF4-FFF2-40B4-BE49-F238E27FC236}">
+                <a16:creationId xmlns:a16="http://schemas.microsoft.com/office/drawing/2014/main" id="{908F1B04-F394-B8A6-475D-AED5529D2999}"/>
+              </a:ext>
+            </a:extLst>
+          </p:cNvPr>
+          <p:cNvSpPr/>
+          <p:nvPr/>
+        </p:nvSpPr>
+        <p:spPr>
+          <a:xfrm>
+            <a:off x="2840398" y="2772214"/>
+            <a:ext cx="1250576" cy="1064919"/>
+          </a:xfrm>
+          <a:prstGeom prst="ellipse">
+            <a:avLst/>
+          </a:prstGeom>
+        </p:spPr>
+        <p:style>
+          <a:lnRef idx="2">
+            <a:schemeClr val="accent1">
+              <a:shade val="15000"/>
+            </a:schemeClr>
+          </a:lnRef>
+          <a:fillRef idx="1">
+            <a:schemeClr val="accent1"/>
+          </a:fillRef>
+          <a:effectRef idx="0">
+            <a:schemeClr val="accent1"/>
+          </a:effectRef>
+          <a:fontRef idx="minor">
+            <a:schemeClr val="lt1"/>
+          </a:fontRef>
+        </p:style>
+        <p:txBody>
+          <a:bodyPr rtlCol="0" anchor="ctr"/>
+          <a:lstStyle/>
+          <a:p>
+            <a:pPr algn="ctr"/>
+            <a:endParaRPr kumimoji="1" lang="ja-JP" altLang="en-US"/>
+          </a:p>
+        </p:txBody>
+      </p:sp>
+      <mc:AlternateContent xmlns:mc="http://schemas.openxmlformats.org/markup-compatibility/2006">
+        <mc:Choice xmlns:p14="http://schemas.microsoft.com/office/powerpoint/2010/main" Requires="p14">
+          <p:contentPart p14:bwMode="auto" r:id="rId4">
+            <p14:nvContentPartPr>
+              <p14:cNvPr id="20" name="インク 19">
+                <a:extLst>
+                  <a:ext uri="{FF2B5EF4-FFF2-40B4-BE49-F238E27FC236}">
+                    <a16:creationId xmlns:a16="http://schemas.microsoft.com/office/drawing/2014/main" id="{F5E18FD2-5748-7831-991F-570A8A826CFE}"/>
+                  </a:ext>
+                </a:extLst>
+              </p14:cNvPr>
+              <p14:cNvContentPartPr/>
+              <p14:nvPr/>
+            </p14:nvContentPartPr>
+            <p14:xfrm>
+              <a:off x="7838915" y="1075553"/>
+              <a:ext cx="360" cy="360"/>
+            </p14:xfrm>
+          </p:contentPart>
+        </mc:Choice>
+        <mc:Fallback>
+          <p:pic>
+            <p:nvPicPr>
+              <p:cNvPr id="20" name="インク 19">
+                <a:extLst>
+                  <a:ext uri="{FF2B5EF4-FFF2-40B4-BE49-F238E27FC236}">
+                    <a16:creationId xmlns:a16="http://schemas.microsoft.com/office/drawing/2014/main" id="{F5E18FD2-5748-7831-991F-570A8A826CFE}"/>
+                  </a:ext>
+                </a:extLst>
+              </p:cNvPr>
+              <p:cNvPicPr/>
+              <p:nvPr/>
+            </p:nvPicPr>
+            <p:blipFill>
+              <a:blip r:embed="rId5"/>
+              <a:stretch>
+                <a:fillRect/>
+              </a:stretch>
+            </p:blipFill>
+            <p:spPr>
+              <a:xfrm>
+                <a:off x="7821275" y="1057553"/>
+                <a:ext cx="36000" cy="36000"/>
+              </a:xfrm>
+              <a:prstGeom prst="rect">
+                <a:avLst/>
+              </a:prstGeom>
+            </p:spPr>
+          </p:pic>
+        </mc:Fallback>
+      </mc:AlternateContent>
+      <mc:AlternateContent xmlns:mc="http://schemas.openxmlformats.org/markup-compatibility/2006">
+        <mc:Choice xmlns:p14="http://schemas.microsoft.com/office/powerpoint/2010/main" Requires="p14">
+          <p:contentPart p14:bwMode="auto" r:id="rId6">
+            <p14:nvContentPartPr>
+              <p14:cNvPr id="26" name="インク 25">
+                <a:extLst>
+                  <a:ext uri="{FF2B5EF4-FFF2-40B4-BE49-F238E27FC236}">
+                    <a16:creationId xmlns:a16="http://schemas.microsoft.com/office/drawing/2014/main" id="{CADB1327-119E-A0BC-3FCE-958FFE12AFC8}"/>
+                  </a:ext>
+                </a:extLst>
+              </p14:cNvPr>
+              <p14:cNvContentPartPr/>
+              <p14:nvPr/>
+            </p14:nvContentPartPr>
+            <p14:xfrm>
+              <a:off x="6118115" y="739313"/>
+              <a:ext cx="360" cy="360"/>
+            </p14:xfrm>
+          </p:contentPart>
+        </mc:Choice>
+        <mc:Fallback>
+          <p:pic>
+            <p:nvPicPr>
+              <p:cNvPr id="26" name="インク 25">
+                <a:extLst>
+                  <a:ext uri="{FF2B5EF4-FFF2-40B4-BE49-F238E27FC236}">
+                    <a16:creationId xmlns:a16="http://schemas.microsoft.com/office/drawing/2014/main" id="{CADB1327-119E-A0BC-3FCE-958FFE12AFC8}"/>
+                  </a:ext>
+                </a:extLst>
+              </p:cNvPr>
+              <p:cNvPicPr/>
+              <p:nvPr/>
+            </p:nvPicPr>
+            <p:blipFill>
+              <a:blip r:embed="rId5"/>
+              <a:stretch>
+                <a:fillRect/>
+              </a:stretch>
+            </p:blipFill>
+            <p:spPr>
+              <a:xfrm>
+                <a:off x="6100115" y="721313"/>
+                <a:ext cx="36000" cy="36000"/>
+              </a:xfrm>
+              <a:prstGeom prst="rect">
+                <a:avLst/>
+              </a:prstGeom>
+            </p:spPr>
+          </p:pic>
+        </mc:Fallback>
+      </mc:AlternateContent>
+      <p:grpSp>
+        <p:nvGrpSpPr>
+          <p:cNvPr id="31" name="グループ化 30">
+            <a:extLst>
+              <a:ext uri="{FF2B5EF4-FFF2-40B4-BE49-F238E27FC236}">
+                <a16:creationId xmlns:a16="http://schemas.microsoft.com/office/drawing/2014/main" id="{59971F56-54CA-FC33-2202-5F77572D86CF}"/>
+              </a:ext>
+            </a:extLst>
+          </p:cNvPr>
+          <p:cNvGrpSpPr/>
+          <p:nvPr/>
+        </p:nvGrpSpPr>
+        <p:grpSpPr>
+          <a:xfrm>
+            <a:off x="6080315" y="900593"/>
+            <a:ext cx="24840" cy="525240"/>
+            <a:chOff x="6080315" y="900593"/>
+            <a:chExt cx="24840" cy="525240"/>
+          </a:xfrm>
+        </p:grpSpPr>
+        <mc:AlternateContent xmlns:mc="http://schemas.openxmlformats.org/markup-compatibility/2006">
+          <mc:Choice xmlns:p14="http://schemas.microsoft.com/office/powerpoint/2010/main" Requires="p14">
+            <p:contentPart p14:bwMode="auto" r:id="rId7">
+              <p14:nvContentPartPr>
+                <p14:cNvPr id="27" name="インク 26">
+                  <a:extLst>
+                    <a:ext uri="{FF2B5EF4-FFF2-40B4-BE49-F238E27FC236}">
+                      <a16:creationId xmlns:a16="http://schemas.microsoft.com/office/drawing/2014/main" id="{A6704FE1-0CB8-1FDE-575E-FD0CBF9F3868}"/>
+                    </a:ext>
+                  </a:extLst>
+                </p14:cNvPr>
+                <p14:cNvContentPartPr/>
+                <p14:nvPr/>
+              </p14:nvContentPartPr>
+              <p14:xfrm>
+                <a:off x="6094355" y="900593"/>
+                <a:ext cx="10800" cy="81360"/>
+              </p14:xfrm>
+            </p:contentPart>
+          </mc:Choice>
+          <mc:Fallback>
+            <p:pic>
+              <p:nvPicPr>
+                <p:cNvPr id="27" name="インク 26">
+                  <a:extLst>
+                    <a:ext uri="{FF2B5EF4-FFF2-40B4-BE49-F238E27FC236}">
+                      <a16:creationId xmlns:a16="http://schemas.microsoft.com/office/drawing/2014/main" id="{A6704FE1-0CB8-1FDE-575E-FD0CBF9F3868}"/>
+                    </a:ext>
+                  </a:extLst>
+                </p:cNvPr>
+                <p:cNvPicPr/>
+                <p:nvPr/>
+              </p:nvPicPr>
+              <p:blipFill>
+                <a:blip r:embed="rId8"/>
+                <a:stretch>
+                  <a:fillRect/>
+                </a:stretch>
+              </p:blipFill>
+              <p:spPr>
+                <a:xfrm>
+                  <a:off x="6076355" y="882953"/>
+                  <a:ext cx="46440" cy="117000"/>
+                </a:xfrm>
+                <a:prstGeom prst="rect">
+                  <a:avLst/>
+                </a:prstGeom>
+              </p:spPr>
+            </p:pic>
+          </mc:Fallback>
+        </mc:AlternateContent>
+        <mc:AlternateContent xmlns:mc="http://schemas.openxmlformats.org/markup-compatibility/2006">
+          <mc:Choice xmlns:p14="http://schemas.microsoft.com/office/powerpoint/2010/main" Requires="p14">
+            <p:contentPart p14:bwMode="auto" r:id="rId9">
+              <p14:nvContentPartPr>
+                <p14:cNvPr id="28" name="インク 27">
+                  <a:extLst>
+                    <a:ext uri="{FF2B5EF4-FFF2-40B4-BE49-F238E27FC236}">
+                      <a16:creationId xmlns:a16="http://schemas.microsoft.com/office/drawing/2014/main" id="{1163168E-B6FA-6594-8486-078C109B83DC}"/>
+                    </a:ext>
+                  </a:extLst>
+                </p14:cNvPr>
+                <p14:cNvContentPartPr/>
+                <p14:nvPr/>
+              </p14:nvContentPartPr>
+              <p14:xfrm>
+                <a:off x="6091475" y="1061873"/>
+                <a:ext cx="360" cy="49680"/>
+              </p14:xfrm>
+            </p:contentPart>
+          </mc:Choice>
+          <mc:Fallback>
+            <p:pic>
+              <p:nvPicPr>
+                <p:cNvPr id="28" name="インク 27">
+                  <a:extLst>
+                    <a:ext uri="{FF2B5EF4-FFF2-40B4-BE49-F238E27FC236}">
+                      <a16:creationId xmlns:a16="http://schemas.microsoft.com/office/drawing/2014/main" id="{1163168E-B6FA-6594-8486-078C109B83DC}"/>
+                    </a:ext>
+                  </a:extLst>
+                </p:cNvPr>
+                <p:cNvPicPr/>
+                <p:nvPr/>
+              </p:nvPicPr>
+              <p:blipFill>
+                <a:blip r:embed="rId10"/>
+                <a:stretch>
+                  <a:fillRect/>
+                </a:stretch>
+              </p:blipFill>
+              <p:spPr>
+                <a:xfrm>
+                  <a:off x="6073475" y="1044233"/>
+                  <a:ext cx="36000" cy="85320"/>
+                </a:xfrm>
+                <a:prstGeom prst="rect">
+                  <a:avLst/>
+                </a:prstGeom>
+              </p:spPr>
+            </p:pic>
+          </mc:Fallback>
+        </mc:AlternateContent>
+        <mc:AlternateContent xmlns:mc="http://schemas.openxmlformats.org/markup-compatibility/2006">
+          <mc:Choice xmlns:p14="http://schemas.microsoft.com/office/powerpoint/2010/main" Requires="p14">
+            <p:contentPart p14:bwMode="auto" r:id="rId11">
+              <p14:nvContentPartPr>
+                <p14:cNvPr id="29" name="インク 28">
+                  <a:extLst>
+                    <a:ext uri="{FF2B5EF4-FFF2-40B4-BE49-F238E27FC236}">
+                      <a16:creationId xmlns:a16="http://schemas.microsoft.com/office/drawing/2014/main" id="{0B4EF489-D406-0F8E-C4F8-F58805F08463}"/>
+                    </a:ext>
+                  </a:extLst>
+                </p14:cNvPr>
+                <p14:cNvContentPartPr/>
+                <p14:nvPr/>
+              </p14:nvContentPartPr>
+              <p14:xfrm>
+                <a:off x="6080315" y="1169513"/>
+                <a:ext cx="11520" cy="256320"/>
+              </p14:xfrm>
+            </p:contentPart>
+          </mc:Choice>
+          <mc:Fallback>
+            <p:pic>
+              <p:nvPicPr>
+                <p:cNvPr id="29" name="インク 28">
+                  <a:extLst>
+                    <a:ext uri="{FF2B5EF4-FFF2-40B4-BE49-F238E27FC236}">
+                      <a16:creationId xmlns:a16="http://schemas.microsoft.com/office/drawing/2014/main" id="{0B4EF489-D406-0F8E-C4F8-F58805F08463}"/>
+                    </a:ext>
+                  </a:extLst>
+                </p:cNvPr>
+                <p:cNvPicPr/>
+                <p:nvPr/>
+              </p:nvPicPr>
+              <p:blipFill>
+                <a:blip r:embed="rId12"/>
+                <a:stretch>
+                  <a:fillRect/>
+                </a:stretch>
+              </p:blipFill>
+              <p:spPr>
+                <a:xfrm>
+                  <a:off x="6062675" y="1151513"/>
+                  <a:ext cx="47160" cy="291960"/>
+                </a:xfrm>
+                <a:prstGeom prst="rect">
+                  <a:avLst/>
+                </a:prstGeom>
+              </p:spPr>
+            </p:pic>
+          </mc:Fallback>
+        </mc:AlternateContent>
+      </p:grpSp>
+      <mc:AlternateContent xmlns:mc="http://schemas.openxmlformats.org/markup-compatibility/2006">
+        <mc:Choice xmlns:p14="http://schemas.microsoft.com/office/powerpoint/2010/main" Requires="p14">
+          <p:contentPart p14:bwMode="auto" r:id="rId13">
+            <p14:nvContentPartPr>
+              <p14:cNvPr id="32" name="インク 31">
+                <a:extLst>
+                  <a:ext uri="{FF2B5EF4-FFF2-40B4-BE49-F238E27FC236}">
+                    <a16:creationId xmlns:a16="http://schemas.microsoft.com/office/drawing/2014/main" id="{468D710A-82F7-C68B-9DDF-E0C7AE31915D}"/>
+                  </a:ext>
+                </a:extLst>
+              </p14:cNvPr>
+              <p14:cNvContentPartPr/>
+              <p14:nvPr/>
+            </p14:nvContentPartPr>
+            <p14:xfrm>
+              <a:off x="6088955" y="1572713"/>
+              <a:ext cx="2880" cy="360"/>
+            </p14:xfrm>
+          </p:contentPart>
+        </mc:Choice>
+        <mc:Fallback>
+          <p:pic>
+            <p:nvPicPr>
+              <p:cNvPr id="32" name="インク 31">
+                <a:extLst>
+                  <a:ext uri="{FF2B5EF4-FFF2-40B4-BE49-F238E27FC236}">
+                    <a16:creationId xmlns:a16="http://schemas.microsoft.com/office/drawing/2014/main" id="{468D710A-82F7-C68B-9DDF-E0C7AE31915D}"/>
+                  </a:ext>
+                </a:extLst>
+              </p:cNvPr>
+              <p:cNvPicPr/>
+              <p:nvPr/>
+            </p:nvPicPr>
+            <p:blipFill>
+              <a:blip r:embed="rId14"/>
+              <a:stretch>
+                <a:fillRect/>
+              </a:stretch>
+            </p:blipFill>
+            <p:spPr>
+              <a:xfrm>
+                <a:off x="6071315" y="1555073"/>
+                <a:ext cx="38520" cy="36000"/>
+              </a:xfrm>
+              <a:prstGeom prst="rect">
+                <a:avLst/>
+              </a:prstGeom>
+            </p:spPr>
+          </p:pic>
+        </mc:Fallback>
+      </mc:AlternateContent>
+      <mc:AlternateContent xmlns:mc="http://schemas.openxmlformats.org/markup-compatibility/2006">
+        <mc:Choice xmlns:p14="http://schemas.microsoft.com/office/powerpoint/2010/main" Requires="p14">
+          <p:contentPart p14:bwMode="auto" r:id="rId15">
+            <p14:nvContentPartPr>
+              <p14:cNvPr id="33" name="インク 32">
+                <a:extLst>
+                  <a:ext uri="{FF2B5EF4-FFF2-40B4-BE49-F238E27FC236}">
+                    <a16:creationId xmlns:a16="http://schemas.microsoft.com/office/drawing/2014/main" id="{C3C5256F-0842-D4E5-0814-3F0A0F9C122B}"/>
+                  </a:ext>
+                </a:extLst>
+              </p14:cNvPr>
+              <p14:cNvContentPartPr/>
+              <p14:nvPr/>
+            </p14:nvContentPartPr>
+            <p14:xfrm>
+              <a:off x="6064115" y="1680353"/>
+              <a:ext cx="360" cy="37080"/>
+            </p14:xfrm>
+          </p:contentPart>
+        </mc:Choice>
+        <mc:Fallback>
+          <p:pic>
+            <p:nvPicPr>
+              <p:cNvPr id="33" name="インク 32">
+                <a:extLst>
+                  <a:ext uri="{FF2B5EF4-FFF2-40B4-BE49-F238E27FC236}">
+                    <a16:creationId xmlns:a16="http://schemas.microsoft.com/office/drawing/2014/main" id="{C3C5256F-0842-D4E5-0814-3F0A0F9C122B}"/>
+                  </a:ext>
+                </a:extLst>
+              </p:cNvPr>
+              <p:cNvPicPr/>
+              <p:nvPr/>
+            </p:nvPicPr>
+            <p:blipFill>
+              <a:blip r:embed="rId16"/>
+              <a:stretch>
+                <a:fillRect/>
+              </a:stretch>
+            </p:blipFill>
+            <p:spPr>
+              <a:xfrm>
+                <a:off x="6046115" y="1662353"/>
+                <a:ext cx="36000" cy="72720"/>
+              </a:xfrm>
+              <a:prstGeom prst="rect">
+                <a:avLst/>
+              </a:prstGeom>
+            </p:spPr>
+          </p:pic>
+        </mc:Fallback>
+      </mc:AlternateContent>
+      <p:grpSp>
+        <p:nvGrpSpPr>
+          <p:cNvPr id="44" name="グループ化 43">
+            <a:extLst>
+              <a:ext uri="{FF2B5EF4-FFF2-40B4-BE49-F238E27FC236}">
+                <a16:creationId xmlns:a16="http://schemas.microsoft.com/office/drawing/2014/main" id="{B4407CE5-44EC-E6FB-B516-933929174ECF}"/>
+              </a:ext>
+            </a:extLst>
+          </p:cNvPr>
+          <p:cNvGrpSpPr/>
+          <p:nvPr/>
+        </p:nvGrpSpPr>
+        <p:grpSpPr>
+          <a:xfrm>
+            <a:off x="6072035" y="1814993"/>
+            <a:ext cx="5760" cy="232920"/>
+            <a:chOff x="6072035" y="1814993"/>
+            <a:chExt cx="5760" cy="232920"/>
+          </a:xfrm>
+        </p:grpSpPr>
+        <mc:AlternateContent xmlns:mc="http://schemas.openxmlformats.org/markup-compatibility/2006">
+          <mc:Choice xmlns:p14="http://schemas.microsoft.com/office/powerpoint/2010/main" Requires="p14">
+            <p:contentPart p14:bwMode="auto" r:id="rId17">
+              <p14:nvContentPartPr>
+                <p14:cNvPr id="34" name="インク 33">
+                  <a:extLst>
+                    <a:ext uri="{FF2B5EF4-FFF2-40B4-BE49-F238E27FC236}">
+                      <a16:creationId xmlns:a16="http://schemas.microsoft.com/office/drawing/2014/main" id="{03458EAB-2359-BD5D-0BA1-49B680E94023}"/>
+                    </a:ext>
+                  </a:extLst>
+                </p14:cNvPr>
+                <p14:cNvContentPartPr/>
+                <p14:nvPr/>
+              </p14:nvContentPartPr>
+              <p14:xfrm>
+                <a:off x="6077435" y="1814993"/>
+                <a:ext cx="360" cy="129240"/>
+              </p14:xfrm>
+            </p:contentPart>
+          </mc:Choice>
+          <mc:Fallback>
+            <p:pic>
+              <p:nvPicPr>
+                <p:cNvPr id="34" name="インク 33">
+                  <a:extLst>
+                    <a:ext uri="{FF2B5EF4-FFF2-40B4-BE49-F238E27FC236}">
+                      <a16:creationId xmlns:a16="http://schemas.microsoft.com/office/drawing/2014/main" id="{03458EAB-2359-BD5D-0BA1-49B680E94023}"/>
+                    </a:ext>
+                  </a:extLst>
+                </p:cNvPr>
+                <p:cNvPicPr/>
+                <p:nvPr/>
+              </p:nvPicPr>
+              <p:blipFill>
+                <a:blip r:embed="rId18"/>
+                <a:stretch>
+                  <a:fillRect/>
+                </a:stretch>
+              </p:blipFill>
+              <p:spPr>
+                <a:xfrm>
+                  <a:off x="6059435" y="1796993"/>
+                  <a:ext cx="36000" cy="164880"/>
+                </a:xfrm>
+                <a:prstGeom prst="rect">
+                  <a:avLst/>
+                </a:prstGeom>
+              </p:spPr>
+            </p:pic>
+          </mc:Fallback>
+        </mc:AlternateContent>
+        <mc:AlternateContent xmlns:mc="http://schemas.openxmlformats.org/markup-compatibility/2006">
+          <mc:Choice xmlns:p14="http://schemas.microsoft.com/office/powerpoint/2010/main" Requires="p14">
+            <p:contentPart p14:bwMode="auto" r:id="rId19">
+              <p14:nvContentPartPr>
+                <p14:cNvPr id="35" name="インク 34">
+                  <a:extLst>
+                    <a:ext uri="{FF2B5EF4-FFF2-40B4-BE49-F238E27FC236}">
+                      <a16:creationId xmlns:a16="http://schemas.microsoft.com/office/drawing/2014/main" id="{BD7672BF-E1E4-8256-A91D-16F6654523ED}"/>
+                    </a:ext>
+                  </a:extLst>
+                </p14:cNvPr>
+                <p14:cNvContentPartPr/>
+                <p14:nvPr/>
+              </p14:nvContentPartPr>
+              <p14:xfrm>
+                <a:off x="6072035" y="2002913"/>
+                <a:ext cx="5760" cy="45000"/>
+              </p14:xfrm>
+            </p:contentPart>
+          </mc:Choice>
+          <mc:Fallback>
+            <p:pic>
+              <p:nvPicPr>
+                <p:cNvPr id="35" name="インク 34">
+                  <a:extLst>
+                    <a:ext uri="{FF2B5EF4-FFF2-40B4-BE49-F238E27FC236}">
+                      <a16:creationId xmlns:a16="http://schemas.microsoft.com/office/drawing/2014/main" id="{BD7672BF-E1E4-8256-A91D-16F6654523ED}"/>
+                    </a:ext>
+                  </a:extLst>
+                </p:cNvPr>
+                <p:cNvPicPr/>
+                <p:nvPr/>
+              </p:nvPicPr>
+              <p:blipFill>
+                <a:blip r:embed="rId20"/>
+                <a:stretch>
+                  <a:fillRect/>
+                </a:stretch>
+              </p:blipFill>
+              <p:spPr>
+                <a:xfrm>
+                  <a:off x="6054395" y="1984913"/>
+                  <a:ext cx="41400" cy="80640"/>
+                </a:xfrm>
+                <a:prstGeom prst="rect">
+                  <a:avLst/>
+                </a:prstGeom>
+              </p:spPr>
+            </p:pic>
+          </mc:Fallback>
+        </mc:AlternateContent>
+      </p:grpSp>
+      <p:grpSp>
+        <p:nvGrpSpPr>
+          <p:cNvPr id="58" name="グループ化 57">
+            <a:extLst>
+              <a:ext uri="{FF2B5EF4-FFF2-40B4-BE49-F238E27FC236}">
+                <a16:creationId xmlns:a16="http://schemas.microsoft.com/office/drawing/2014/main" id="{831B49EC-D97D-64DA-A367-E4AE9DD43D44}"/>
+              </a:ext>
+            </a:extLst>
+          </p:cNvPr>
+          <p:cNvGrpSpPr/>
+          <p:nvPr/>
+        </p:nvGrpSpPr>
+        <p:grpSpPr>
+          <a:xfrm>
+            <a:off x="3858755" y="2204873"/>
+            <a:ext cx="2165760" cy="2373480"/>
+            <a:chOff x="3858755" y="2204873"/>
+            <a:chExt cx="2165760" cy="2373480"/>
+          </a:xfrm>
+        </p:grpSpPr>
+        <mc:AlternateContent xmlns:mc="http://schemas.openxmlformats.org/markup-compatibility/2006">
+          <mc:Choice xmlns:p14="http://schemas.microsoft.com/office/powerpoint/2010/main" Requires="p14">
+            <p:contentPart p14:bwMode="auto" r:id="rId21">
+              <p14:nvContentPartPr>
+                <p14:cNvPr id="11" name="インク 10">
+                  <a:extLst>
+                    <a:ext uri="{FF2B5EF4-FFF2-40B4-BE49-F238E27FC236}">
+                      <a16:creationId xmlns:a16="http://schemas.microsoft.com/office/drawing/2014/main" id="{4E3B5E1D-9E13-18B5-B89D-E7230217BE5A}"/>
+                    </a:ext>
+                  </a:extLst>
+                </p14:cNvPr>
+                <p14:cNvContentPartPr/>
+                <p14:nvPr/>
+              </p14:nvContentPartPr>
+              <p14:xfrm>
+                <a:off x="4664795" y="2741273"/>
+                <a:ext cx="271800" cy="406440"/>
+              </p14:xfrm>
+            </p:contentPart>
+          </mc:Choice>
+          <mc:Fallback>
+            <p:pic>
+              <p:nvPicPr>
+                <p:cNvPr id="11" name="インク 10">
+                  <a:extLst>
+                    <a:ext uri="{FF2B5EF4-FFF2-40B4-BE49-F238E27FC236}">
+                      <a16:creationId xmlns:a16="http://schemas.microsoft.com/office/drawing/2014/main" id="{4E3B5E1D-9E13-18B5-B89D-E7230217BE5A}"/>
+                    </a:ext>
+                  </a:extLst>
+                </p:cNvPr>
+                <p:cNvPicPr/>
+                <p:nvPr/>
+              </p:nvPicPr>
+              <p:blipFill>
+                <a:blip r:embed="rId22"/>
+                <a:stretch>
+                  <a:fillRect/>
+                </a:stretch>
+              </p:blipFill>
+              <p:spPr>
+                <a:xfrm>
+                  <a:off x="4658675" y="2735153"/>
+                  <a:ext cx="284040" cy="418680"/>
+                </a:xfrm>
+                <a:prstGeom prst="rect">
+                  <a:avLst/>
+                </a:prstGeom>
+              </p:spPr>
+            </p:pic>
+          </mc:Fallback>
+        </mc:AlternateContent>
+        <mc:AlternateContent xmlns:mc="http://schemas.openxmlformats.org/markup-compatibility/2006">
+          <mc:Choice xmlns:p14="http://schemas.microsoft.com/office/powerpoint/2010/main" Requires="p14">
+            <p:contentPart p14:bwMode="auto" r:id="rId23">
+              <p14:nvContentPartPr>
+                <p14:cNvPr id="13" name="インク 12">
+                  <a:extLst>
+                    <a:ext uri="{FF2B5EF4-FFF2-40B4-BE49-F238E27FC236}">
+                      <a16:creationId xmlns:a16="http://schemas.microsoft.com/office/drawing/2014/main" id="{6F333187-CD7C-E238-492C-FBBA86548EE2}"/>
+                    </a:ext>
+                  </a:extLst>
+                </p14:cNvPr>
+                <p14:cNvContentPartPr/>
+                <p14:nvPr/>
+              </p14:nvContentPartPr>
+              <p14:xfrm>
+                <a:off x="4679195" y="2950073"/>
+                <a:ext cx="219960" cy="48960"/>
+              </p14:xfrm>
+            </p:contentPart>
+          </mc:Choice>
+          <mc:Fallback>
+            <p:pic>
+              <p:nvPicPr>
+                <p:cNvPr id="13" name="インク 12">
+                  <a:extLst>
+                    <a:ext uri="{FF2B5EF4-FFF2-40B4-BE49-F238E27FC236}">
+                      <a16:creationId xmlns:a16="http://schemas.microsoft.com/office/drawing/2014/main" id="{6F333187-CD7C-E238-492C-FBBA86548EE2}"/>
+                    </a:ext>
+                  </a:extLst>
+                </p:cNvPr>
+                <p:cNvPicPr/>
+                <p:nvPr/>
+              </p:nvPicPr>
+              <p:blipFill>
+                <a:blip r:embed="rId24"/>
+                <a:stretch>
+                  <a:fillRect/>
+                </a:stretch>
+              </p:blipFill>
+              <p:spPr>
+                <a:xfrm>
+                  <a:off x="4673075" y="2943953"/>
+                  <a:ext cx="232200" cy="61200"/>
+                </a:xfrm>
+                <a:prstGeom prst="rect">
+                  <a:avLst/>
+                </a:prstGeom>
+              </p:spPr>
+            </p:pic>
+          </mc:Fallback>
+        </mc:AlternateContent>
+        <mc:AlternateContent xmlns:mc="http://schemas.openxmlformats.org/markup-compatibility/2006">
+          <mc:Choice xmlns:p14="http://schemas.microsoft.com/office/powerpoint/2010/main" Requires="p14">
+            <p:contentPart p14:bwMode="auto" r:id="rId25">
+              <p14:nvContentPartPr>
+                <p14:cNvPr id="36" name="インク 35">
+                  <a:extLst>
+                    <a:ext uri="{FF2B5EF4-FFF2-40B4-BE49-F238E27FC236}">
+                      <a16:creationId xmlns:a16="http://schemas.microsoft.com/office/drawing/2014/main" id="{38BC1586-CEF7-9093-9E71-9E7A9FC40555}"/>
+                    </a:ext>
+                  </a:extLst>
+                </p14:cNvPr>
+                <p14:cNvContentPartPr/>
+                <p14:nvPr/>
+              </p14:nvContentPartPr>
+              <p14:xfrm>
+                <a:off x="5969435" y="2204873"/>
+                <a:ext cx="55080" cy="443880"/>
+              </p14:xfrm>
+            </p:contentPart>
+          </mc:Choice>
+          <mc:Fallback>
+            <p:pic>
+              <p:nvPicPr>
+                <p:cNvPr id="36" name="インク 35">
+                  <a:extLst>
+                    <a:ext uri="{FF2B5EF4-FFF2-40B4-BE49-F238E27FC236}">
+                      <a16:creationId xmlns:a16="http://schemas.microsoft.com/office/drawing/2014/main" id="{38BC1586-CEF7-9093-9E71-9E7A9FC40555}"/>
+                    </a:ext>
+                  </a:extLst>
+                </p:cNvPr>
+                <p:cNvPicPr/>
+                <p:nvPr/>
+              </p:nvPicPr>
+              <p:blipFill>
+                <a:blip r:embed="rId26"/>
+                <a:stretch>
+                  <a:fillRect/>
+                </a:stretch>
+              </p:blipFill>
+              <p:spPr>
+                <a:xfrm>
+                  <a:off x="5951435" y="2187233"/>
+                  <a:ext cx="90720" cy="479520"/>
+                </a:xfrm>
+                <a:prstGeom prst="rect">
+                  <a:avLst/>
+                </a:prstGeom>
+              </p:spPr>
+            </p:pic>
+          </mc:Fallback>
+        </mc:AlternateContent>
+        <mc:AlternateContent xmlns:mc="http://schemas.openxmlformats.org/markup-compatibility/2006">
+          <mc:Choice xmlns:p14="http://schemas.microsoft.com/office/powerpoint/2010/main" Requires="p14">
+            <p:contentPart p14:bwMode="auto" r:id="rId27">
+              <p14:nvContentPartPr>
+                <p14:cNvPr id="37" name="インク 36">
+                  <a:extLst>
+                    <a:ext uri="{FF2B5EF4-FFF2-40B4-BE49-F238E27FC236}">
+                      <a16:creationId xmlns:a16="http://schemas.microsoft.com/office/drawing/2014/main" id="{56D895BE-2C1B-0D26-CAB5-17770690E0DC}"/>
+                    </a:ext>
+                  </a:extLst>
+                </p14:cNvPr>
+                <p14:cNvContentPartPr/>
+                <p14:nvPr/>
+              </p14:nvContentPartPr>
+              <p14:xfrm>
+                <a:off x="5970155" y="2648393"/>
+                <a:ext cx="360" cy="8280"/>
+              </p14:xfrm>
+            </p:contentPart>
+          </mc:Choice>
+          <mc:Fallback>
+            <p:pic>
+              <p:nvPicPr>
+                <p:cNvPr id="37" name="インク 36">
+                  <a:extLst>
+                    <a:ext uri="{FF2B5EF4-FFF2-40B4-BE49-F238E27FC236}">
+                      <a16:creationId xmlns:a16="http://schemas.microsoft.com/office/drawing/2014/main" id="{56D895BE-2C1B-0D26-CAB5-17770690E0DC}"/>
+                    </a:ext>
+                  </a:extLst>
+                </p:cNvPr>
+                <p:cNvPicPr/>
+                <p:nvPr/>
+              </p:nvPicPr>
+              <p:blipFill>
+                <a:blip r:embed="rId28"/>
+                <a:stretch>
+                  <a:fillRect/>
+                </a:stretch>
+              </p:blipFill>
+              <p:spPr>
+                <a:xfrm>
+                  <a:off x="5952155" y="2630393"/>
+                  <a:ext cx="36000" cy="43920"/>
+                </a:xfrm>
+                <a:prstGeom prst="rect">
+                  <a:avLst/>
+                </a:prstGeom>
+              </p:spPr>
+            </p:pic>
+          </mc:Fallback>
+        </mc:AlternateContent>
+        <mc:AlternateContent xmlns:mc="http://schemas.openxmlformats.org/markup-compatibility/2006">
+          <mc:Choice xmlns:p14="http://schemas.microsoft.com/office/powerpoint/2010/main" Requires="p14">
+            <p:contentPart p14:bwMode="auto" r:id="rId29">
+              <p14:nvContentPartPr>
+                <p14:cNvPr id="38" name="インク 37">
+                  <a:extLst>
+                    <a:ext uri="{FF2B5EF4-FFF2-40B4-BE49-F238E27FC236}">
+                      <a16:creationId xmlns:a16="http://schemas.microsoft.com/office/drawing/2014/main" id="{E735E7F4-2A88-EFA5-EE88-0E7896FED761}"/>
+                    </a:ext>
+                  </a:extLst>
+                </p14:cNvPr>
+                <p14:cNvContentPartPr/>
+                <p14:nvPr/>
+              </p14:nvContentPartPr>
+              <p14:xfrm>
+                <a:off x="5956115" y="2715713"/>
+                <a:ext cx="14040" cy="389160"/>
+              </p14:xfrm>
+            </p:contentPart>
+          </mc:Choice>
+          <mc:Fallback>
+            <p:pic>
+              <p:nvPicPr>
+                <p:cNvPr id="38" name="インク 37">
+                  <a:extLst>
+                    <a:ext uri="{FF2B5EF4-FFF2-40B4-BE49-F238E27FC236}">
+                      <a16:creationId xmlns:a16="http://schemas.microsoft.com/office/drawing/2014/main" id="{E735E7F4-2A88-EFA5-EE88-0E7896FED761}"/>
+                    </a:ext>
+                  </a:extLst>
+                </p:cNvPr>
+                <p:cNvPicPr/>
+                <p:nvPr/>
+              </p:nvPicPr>
+              <p:blipFill>
+                <a:blip r:embed="rId30"/>
+                <a:stretch>
+                  <a:fillRect/>
+                </a:stretch>
+              </p:blipFill>
+              <p:spPr>
+                <a:xfrm>
+                  <a:off x="5938475" y="2697713"/>
+                  <a:ext cx="49680" cy="424800"/>
+                </a:xfrm>
+                <a:prstGeom prst="rect">
+                  <a:avLst/>
+                </a:prstGeom>
+              </p:spPr>
+            </p:pic>
+          </mc:Fallback>
+        </mc:AlternateContent>
+        <mc:AlternateContent xmlns:mc="http://schemas.openxmlformats.org/markup-compatibility/2006">
+          <mc:Choice xmlns:p14="http://schemas.microsoft.com/office/powerpoint/2010/main" Requires="p14">
+            <p:contentPart p14:bwMode="auto" r:id="rId31">
+              <p14:nvContentPartPr>
+                <p14:cNvPr id="39" name="インク 38">
+                  <a:extLst>
+                    <a:ext uri="{FF2B5EF4-FFF2-40B4-BE49-F238E27FC236}">
+                      <a16:creationId xmlns:a16="http://schemas.microsoft.com/office/drawing/2014/main" id="{E7C6CA69-42DB-5C36-2FEC-DB626E68800B}"/>
+                    </a:ext>
+                  </a:extLst>
+                </p14:cNvPr>
+                <p14:cNvContentPartPr/>
+                <p14:nvPr/>
+              </p14:nvContentPartPr>
+              <p14:xfrm>
+                <a:off x="5956835" y="3132593"/>
+                <a:ext cx="360" cy="132480"/>
+              </p14:xfrm>
+            </p:contentPart>
+          </mc:Choice>
+          <mc:Fallback>
+            <p:pic>
+              <p:nvPicPr>
+                <p:cNvPr id="39" name="インク 38">
+                  <a:extLst>
+                    <a:ext uri="{FF2B5EF4-FFF2-40B4-BE49-F238E27FC236}">
+                      <a16:creationId xmlns:a16="http://schemas.microsoft.com/office/drawing/2014/main" id="{E7C6CA69-42DB-5C36-2FEC-DB626E68800B}"/>
+                    </a:ext>
+                  </a:extLst>
+                </p:cNvPr>
+                <p:cNvPicPr/>
+                <p:nvPr/>
+              </p:nvPicPr>
+              <p:blipFill>
+                <a:blip r:embed="rId32"/>
+                <a:stretch>
+                  <a:fillRect/>
+                </a:stretch>
+              </p:blipFill>
+              <p:spPr>
+                <a:xfrm>
+                  <a:off x="5938835" y="3114593"/>
+                  <a:ext cx="36000" cy="168120"/>
+                </a:xfrm>
+                <a:prstGeom prst="rect">
+                  <a:avLst/>
+                </a:prstGeom>
+              </p:spPr>
+            </p:pic>
+          </mc:Fallback>
+        </mc:AlternateContent>
+        <mc:AlternateContent xmlns:mc="http://schemas.openxmlformats.org/markup-compatibility/2006">
+          <mc:Choice xmlns:p14="http://schemas.microsoft.com/office/powerpoint/2010/main" Requires="p14">
+            <p:contentPart p14:bwMode="auto" r:id="rId33">
+              <p14:nvContentPartPr>
+                <p14:cNvPr id="40" name="インク 39">
+                  <a:extLst>
+                    <a:ext uri="{FF2B5EF4-FFF2-40B4-BE49-F238E27FC236}">
+                      <a16:creationId xmlns:a16="http://schemas.microsoft.com/office/drawing/2014/main" id="{86767D1B-769C-77B4-B366-A8A4731D19E0}"/>
+                    </a:ext>
+                  </a:extLst>
+                </p14:cNvPr>
+                <p14:cNvContentPartPr/>
+                <p14:nvPr/>
+              </p14:nvContentPartPr>
+              <p14:xfrm>
+                <a:off x="5956835" y="3347873"/>
+                <a:ext cx="360" cy="2520"/>
+              </p14:xfrm>
+            </p:contentPart>
+          </mc:Choice>
+          <mc:Fallback>
+            <p:pic>
+              <p:nvPicPr>
+                <p:cNvPr id="40" name="インク 39">
+                  <a:extLst>
+                    <a:ext uri="{FF2B5EF4-FFF2-40B4-BE49-F238E27FC236}">
+                      <a16:creationId xmlns:a16="http://schemas.microsoft.com/office/drawing/2014/main" id="{86767D1B-769C-77B4-B366-A8A4731D19E0}"/>
+                    </a:ext>
+                  </a:extLst>
+                </p:cNvPr>
+                <p:cNvPicPr/>
+                <p:nvPr/>
+              </p:nvPicPr>
+              <p:blipFill>
+                <a:blip r:embed="rId34"/>
+                <a:stretch>
+                  <a:fillRect/>
+                </a:stretch>
+              </p:blipFill>
+              <p:spPr>
+                <a:xfrm>
+                  <a:off x="5938835" y="3329873"/>
+                  <a:ext cx="36000" cy="38160"/>
+                </a:xfrm>
+                <a:prstGeom prst="rect">
+                  <a:avLst/>
+                </a:prstGeom>
+              </p:spPr>
+            </p:pic>
+          </mc:Fallback>
+        </mc:AlternateContent>
+        <mc:AlternateContent xmlns:mc="http://schemas.openxmlformats.org/markup-compatibility/2006">
+          <mc:Choice xmlns:p14="http://schemas.microsoft.com/office/powerpoint/2010/main" Requires="p14">
+            <p:contentPart p14:bwMode="auto" r:id="rId35">
+              <p14:nvContentPartPr>
+                <p14:cNvPr id="41" name="インク 40">
+                  <a:extLst>
+                    <a:ext uri="{FF2B5EF4-FFF2-40B4-BE49-F238E27FC236}">
+                      <a16:creationId xmlns:a16="http://schemas.microsoft.com/office/drawing/2014/main" id="{16149C9D-BE10-24A2-B984-6C7E84CDACBC}"/>
+                    </a:ext>
+                  </a:extLst>
+                </p14:cNvPr>
+                <p14:cNvContentPartPr/>
+                <p14:nvPr/>
+              </p14:nvContentPartPr>
+              <p14:xfrm>
+                <a:off x="5956835" y="3374513"/>
+                <a:ext cx="360" cy="360"/>
+              </p14:xfrm>
+            </p:contentPart>
+          </mc:Choice>
+          <mc:Fallback>
+            <p:pic>
+              <p:nvPicPr>
+                <p:cNvPr id="41" name="インク 40">
+                  <a:extLst>
+                    <a:ext uri="{FF2B5EF4-FFF2-40B4-BE49-F238E27FC236}">
+                      <a16:creationId xmlns:a16="http://schemas.microsoft.com/office/drawing/2014/main" id="{16149C9D-BE10-24A2-B984-6C7E84CDACBC}"/>
+                    </a:ext>
+                  </a:extLst>
+                </p:cNvPr>
+                <p:cNvPicPr/>
+                <p:nvPr/>
+              </p:nvPicPr>
+              <p:blipFill>
+                <a:blip r:embed="rId5"/>
+                <a:stretch>
+                  <a:fillRect/>
+                </a:stretch>
+              </p:blipFill>
+              <p:spPr>
+                <a:xfrm>
+                  <a:off x="5938835" y="3356513"/>
+                  <a:ext cx="36000" cy="36000"/>
+                </a:xfrm>
+                <a:prstGeom prst="rect">
+                  <a:avLst/>
+                </a:prstGeom>
+              </p:spPr>
+            </p:pic>
+          </mc:Fallback>
+        </mc:AlternateContent>
+        <mc:AlternateContent xmlns:mc="http://schemas.openxmlformats.org/markup-compatibility/2006">
+          <mc:Choice xmlns:p14="http://schemas.microsoft.com/office/powerpoint/2010/main" Requires="p14">
+            <p:contentPart p14:bwMode="auto" r:id="rId36">
+              <p14:nvContentPartPr>
+                <p14:cNvPr id="42" name="インク 41">
+                  <a:extLst>
+                    <a:ext uri="{FF2B5EF4-FFF2-40B4-BE49-F238E27FC236}">
+                      <a16:creationId xmlns:a16="http://schemas.microsoft.com/office/drawing/2014/main" id="{6D43C4A1-D7FD-4860-7916-811B59CCA3D1}"/>
+                    </a:ext>
+                  </a:extLst>
+                </p14:cNvPr>
+                <p14:cNvContentPartPr/>
+                <p14:nvPr/>
+              </p14:nvContentPartPr>
+              <p14:xfrm>
+                <a:off x="5956835" y="3415193"/>
+                <a:ext cx="360" cy="360"/>
+              </p14:xfrm>
+            </p:contentPart>
+          </mc:Choice>
+          <mc:Fallback>
+            <p:pic>
+              <p:nvPicPr>
+                <p:cNvPr id="42" name="インク 41">
+                  <a:extLst>
+                    <a:ext uri="{FF2B5EF4-FFF2-40B4-BE49-F238E27FC236}">
+                      <a16:creationId xmlns:a16="http://schemas.microsoft.com/office/drawing/2014/main" id="{6D43C4A1-D7FD-4860-7916-811B59CCA3D1}"/>
+                    </a:ext>
+                  </a:extLst>
+                </p:cNvPr>
+                <p:cNvPicPr/>
+                <p:nvPr/>
+              </p:nvPicPr>
+              <p:blipFill>
+                <a:blip r:embed="rId5"/>
+                <a:stretch>
+                  <a:fillRect/>
+                </a:stretch>
+              </p:blipFill>
+              <p:spPr>
+                <a:xfrm>
+                  <a:off x="5938835" y="3397193"/>
+                  <a:ext cx="36000" cy="36000"/>
+                </a:xfrm>
+                <a:prstGeom prst="rect">
+                  <a:avLst/>
+                </a:prstGeom>
+              </p:spPr>
+            </p:pic>
+          </mc:Fallback>
+        </mc:AlternateContent>
+        <mc:AlternateContent xmlns:mc="http://schemas.openxmlformats.org/markup-compatibility/2006">
+          <mc:Choice xmlns:p14="http://schemas.microsoft.com/office/powerpoint/2010/main" Requires="p14">
+            <p:contentPart p14:bwMode="auto" r:id="rId37">
+              <p14:nvContentPartPr>
+                <p14:cNvPr id="48" name="インク 47">
+                  <a:extLst>
+                    <a:ext uri="{FF2B5EF4-FFF2-40B4-BE49-F238E27FC236}">
+                      <a16:creationId xmlns:a16="http://schemas.microsoft.com/office/drawing/2014/main" id="{9C364B47-7C59-7EBB-FDA7-FFD3940204EA}"/>
+                    </a:ext>
+                  </a:extLst>
+                </p14:cNvPr>
+                <p14:cNvContentPartPr/>
+                <p14:nvPr/>
+              </p14:nvContentPartPr>
+              <p14:xfrm>
+                <a:off x="3858755" y="3401873"/>
+                <a:ext cx="2075400" cy="523440"/>
+              </p14:xfrm>
+            </p:contentPart>
+          </mc:Choice>
+          <mc:Fallback>
+            <p:pic>
+              <p:nvPicPr>
+                <p:cNvPr id="48" name="インク 47">
+                  <a:extLst>
+                    <a:ext uri="{FF2B5EF4-FFF2-40B4-BE49-F238E27FC236}">
+                      <a16:creationId xmlns:a16="http://schemas.microsoft.com/office/drawing/2014/main" id="{9C364B47-7C59-7EBB-FDA7-FFD3940204EA}"/>
+                    </a:ext>
+                  </a:extLst>
+                </p:cNvPr>
+                <p:cNvPicPr/>
+                <p:nvPr/>
+              </p:nvPicPr>
+              <p:blipFill>
+                <a:blip r:embed="rId38"/>
+                <a:stretch>
+                  <a:fillRect/>
+                </a:stretch>
+              </p:blipFill>
+              <p:spPr>
+                <a:xfrm>
+                  <a:off x="3841115" y="3383873"/>
+                  <a:ext cx="2111040" cy="559080"/>
+                </a:xfrm>
+                <a:prstGeom prst="rect">
+                  <a:avLst/>
+                </a:prstGeom>
+              </p:spPr>
+            </p:pic>
+          </mc:Fallback>
+        </mc:AlternateContent>
+        <mc:AlternateContent xmlns:mc="http://schemas.openxmlformats.org/markup-compatibility/2006">
+          <mc:Choice xmlns:p14="http://schemas.microsoft.com/office/powerpoint/2010/main" Requires="p14">
+            <p:contentPart p14:bwMode="auto" r:id="rId39">
+              <p14:nvContentPartPr>
+                <p14:cNvPr id="49" name="インク 48">
+                  <a:extLst>
+                    <a:ext uri="{FF2B5EF4-FFF2-40B4-BE49-F238E27FC236}">
+                      <a16:creationId xmlns:a16="http://schemas.microsoft.com/office/drawing/2014/main" id="{2E8C4E92-5154-8001-0D23-651EE494B44F}"/>
+                    </a:ext>
+                  </a:extLst>
+                </p14:cNvPr>
+                <p14:cNvContentPartPr/>
+                <p14:nvPr/>
+              </p14:nvContentPartPr>
+              <p14:xfrm>
+                <a:off x="3898355" y="4006673"/>
+                <a:ext cx="15840" cy="424080"/>
+              </p14:xfrm>
+            </p:contentPart>
+          </mc:Choice>
+          <mc:Fallback>
+            <p:pic>
+              <p:nvPicPr>
+                <p:cNvPr id="49" name="インク 48">
+                  <a:extLst>
+                    <a:ext uri="{FF2B5EF4-FFF2-40B4-BE49-F238E27FC236}">
+                      <a16:creationId xmlns:a16="http://schemas.microsoft.com/office/drawing/2014/main" id="{2E8C4E92-5154-8001-0D23-651EE494B44F}"/>
+                    </a:ext>
+                  </a:extLst>
+                </p:cNvPr>
+                <p:cNvPicPr/>
+                <p:nvPr/>
+              </p:nvPicPr>
+              <p:blipFill>
+                <a:blip r:embed="rId40"/>
+                <a:stretch>
+                  <a:fillRect/>
+                </a:stretch>
+              </p:blipFill>
+              <p:spPr>
+                <a:xfrm>
+                  <a:off x="3880355" y="3988673"/>
+                  <a:ext cx="51480" cy="459720"/>
+                </a:xfrm>
+                <a:prstGeom prst="rect">
+                  <a:avLst/>
+                </a:prstGeom>
+              </p:spPr>
+            </p:pic>
+          </mc:Fallback>
+        </mc:AlternateContent>
+        <mc:AlternateContent xmlns:mc="http://schemas.openxmlformats.org/markup-compatibility/2006">
+          <mc:Choice xmlns:p14="http://schemas.microsoft.com/office/powerpoint/2010/main" Requires="p14">
+            <p:contentPart p14:bwMode="auto" r:id="rId41">
+              <p14:nvContentPartPr>
+                <p14:cNvPr id="50" name="インク 49">
+                  <a:extLst>
+                    <a:ext uri="{FF2B5EF4-FFF2-40B4-BE49-F238E27FC236}">
+                      <a16:creationId xmlns:a16="http://schemas.microsoft.com/office/drawing/2014/main" id="{6A388605-3677-B621-B5BF-BF5D3330910F}"/>
+                    </a:ext>
+                  </a:extLst>
+                </p14:cNvPr>
+                <p14:cNvContentPartPr/>
+                <p14:nvPr/>
+              </p14:nvContentPartPr>
+              <p14:xfrm>
+                <a:off x="4125875" y="4142033"/>
+                <a:ext cx="371520" cy="279000"/>
+              </p14:xfrm>
+            </p:contentPart>
+          </mc:Choice>
+          <mc:Fallback>
+            <p:pic>
+              <p:nvPicPr>
+                <p:cNvPr id="50" name="インク 49">
+                  <a:extLst>
+                    <a:ext uri="{FF2B5EF4-FFF2-40B4-BE49-F238E27FC236}">
+                      <a16:creationId xmlns:a16="http://schemas.microsoft.com/office/drawing/2014/main" id="{6A388605-3677-B621-B5BF-BF5D3330910F}"/>
+                    </a:ext>
+                  </a:extLst>
+                </p:cNvPr>
+                <p:cNvPicPr/>
+                <p:nvPr/>
+              </p:nvPicPr>
+              <p:blipFill>
+                <a:blip r:embed="rId42"/>
+                <a:stretch>
+                  <a:fillRect/>
+                </a:stretch>
+              </p:blipFill>
+              <p:spPr>
+                <a:xfrm>
+                  <a:off x="4108235" y="4124393"/>
+                  <a:ext cx="407160" cy="314640"/>
+                </a:xfrm>
+                <a:prstGeom prst="rect">
+                  <a:avLst/>
+                </a:prstGeom>
+              </p:spPr>
+            </p:pic>
+          </mc:Fallback>
+        </mc:AlternateContent>
+        <mc:AlternateContent xmlns:mc="http://schemas.openxmlformats.org/markup-compatibility/2006">
+          <mc:Choice xmlns:p14="http://schemas.microsoft.com/office/powerpoint/2010/main" Requires="p14">
+            <p:contentPart p14:bwMode="auto" r:id="rId43">
+              <p14:nvContentPartPr>
+                <p14:cNvPr id="51" name="インク 50">
+                  <a:extLst>
+                    <a:ext uri="{FF2B5EF4-FFF2-40B4-BE49-F238E27FC236}">
+                      <a16:creationId xmlns:a16="http://schemas.microsoft.com/office/drawing/2014/main" id="{6FE2C791-44A0-D77B-E79C-262FA80FB79A}"/>
+                    </a:ext>
+                  </a:extLst>
+                </p14:cNvPr>
+                <p14:cNvContentPartPr/>
+                <p14:nvPr/>
+              </p14:nvContentPartPr>
+              <p14:xfrm>
+                <a:off x="4611875" y="4060673"/>
+                <a:ext cx="14040" cy="517680"/>
+              </p14:xfrm>
+            </p:contentPart>
+          </mc:Choice>
+          <mc:Fallback>
+            <p:pic>
+              <p:nvPicPr>
+                <p:cNvPr id="51" name="インク 50">
+                  <a:extLst>
+                    <a:ext uri="{FF2B5EF4-FFF2-40B4-BE49-F238E27FC236}">
+                      <a16:creationId xmlns:a16="http://schemas.microsoft.com/office/drawing/2014/main" id="{6FE2C791-44A0-D77B-E79C-262FA80FB79A}"/>
+                    </a:ext>
+                  </a:extLst>
+                </p:cNvPr>
+                <p:cNvPicPr/>
+                <p:nvPr/>
+              </p:nvPicPr>
+              <p:blipFill>
+                <a:blip r:embed="rId44"/>
+                <a:stretch>
+                  <a:fillRect/>
+                </a:stretch>
+              </p:blipFill>
+              <p:spPr>
+                <a:xfrm>
+                  <a:off x="4593875" y="4042673"/>
+                  <a:ext cx="49680" cy="553320"/>
+                </a:xfrm>
+                <a:prstGeom prst="rect">
+                  <a:avLst/>
+                </a:prstGeom>
+              </p:spPr>
+            </p:pic>
+          </mc:Fallback>
+        </mc:AlternateContent>
+        <mc:AlternateContent xmlns:mc="http://schemas.openxmlformats.org/markup-compatibility/2006">
+          <mc:Choice xmlns:p14="http://schemas.microsoft.com/office/powerpoint/2010/main" Requires="p14">
+            <p:contentPart p14:bwMode="auto" r:id="rId45">
+              <p14:nvContentPartPr>
+                <p14:cNvPr id="52" name="インク 51">
+                  <a:extLst>
+                    <a:ext uri="{FF2B5EF4-FFF2-40B4-BE49-F238E27FC236}">
+                      <a16:creationId xmlns:a16="http://schemas.microsoft.com/office/drawing/2014/main" id="{7E5FF240-8555-82B5-0CB9-407D205ABA7F}"/>
+                    </a:ext>
+                  </a:extLst>
+                </p14:cNvPr>
+                <p14:cNvContentPartPr/>
+                <p14:nvPr/>
+              </p14:nvContentPartPr>
+              <p14:xfrm>
+                <a:off x="4812395" y="4275233"/>
+                <a:ext cx="188640" cy="244080"/>
+              </p14:xfrm>
+            </p:contentPart>
+          </mc:Choice>
+          <mc:Fallback>
+            <p:pic>
+              <p:nvPicPr>
+                <p:cNvPr id="52" name="インク 51">
+                  <a:extLst>
+                    <a:ext uri="{FF2B5EF4-FFF2-40B4-BE49-F238E27FC236}">
+                      <a16:creationId xmlns:a16="http://schemas.microsoft.com/office/drawing/2014/main" id="{7E5FF240-8555-82B5-0CB9-407D205ABA7F}"/>
+                    </a:ext>
+                  </a:extLst>
+                </p:cNvPr>
+                <p:cNvPicPr/>
+                <p:nvPr/>
+              </p:nvPicPr>
+              <p:blipFill>
+                <a:blip r:embed="rId46"/>
+                <a:stretch>
+                  <a:fillRect/>
+                </a:stretch>
+              </p:blipFill>
+              <p:spPr>
+                <a:xfrm>
+                  <a:off x="4794395" y="4257593"/>
+                  <a:ext cx="224280" cy="279720"/>
+                </a:xfrm>
+                <a:prstGeom prst="rect">
+                  <a:avLst/>
+                </a:prstGeom>
+              </p:spPr>
+            </p:pic>
+          </mc:Fallback>
+        </mc:AlternateContent>
+        <mc:AlternateContent xmlns:mc="http://schemas.openxmlformats.org/markup-compatibility/2006">
+          <mc:Choice xmlns:p14="http://schemas.microsoft.com/office/powerpoint/2010/main" Requires="p14">
+            <p:contentPart p14:bwMode="auto" r:id="rId47">
+              <p14:nvContentPartPr>
+                <p14:cNvPr id="53" name="インク 52">
+                  <a:extLst>
+                    <a:ext uri="{FF2B5EF4-FFF2-40B4-BE49-F238E27FC236}">
+                      <a16:creationId xmlns:a16="http://schemas.microsoft.com/office/drawing/2014/main" id="{1217C6A9-20E3-E34D-3291-48D5383FC819}"/>
+                    </a:ext>
+                  </a:extLst>
+                </p14:cNvPr>
+                <p14:cNvContentPartPr/>
+                <p14:nvPr/>
+              </p14:nvContentPartPr>
+              <p14:xfrm>
+                <a:off x="5067275" y="4314473"/>
+                <a:ext cx="112680" cy="226800"/>
+              </p14:xfrm>
+            </p:contentPart>
+          </mc:Choice>
+          <mc:Fallback>
+            <p:pic>
+              <p:nvPicPr>
+                <p:cNvPr id="53" name="インク 52">
+                  <a:extLst>
+                    <a:ext uri="{FF2B5EF4-FFF2-40B4-BE49-F238E27FC236}">
+                      <a16:creationId xmlns:a16="http://schemas.microsoft.com/office/drawing/2014/main" id="{1217C6A9-20E3-E34D-3291-48D5383FC819}"/>
+                    </a:ext>
+                  </a:extLst>
+                </p:cNvPr>
+                <p:cNvPicPr/>
+                <p:nvPr/>
+              </p:nvPicPr>
+              <p:blipFill>
+                <a:blip r:embed="rId48"/>
+                <a:stretch>
+                  <a:fillRect/>
+                </a:stretch>
+              </p:blipFill>
+              <p:spPr>
+                <a:xfrm>
+                  <a:off x="5049275" y="4296473"/>
+                  <a:ext cx="148320" cy="262440"/>
+                </a:xfrm>
+                <a:prstGeom prst="rect">
+                  <a:avLst/>
+                </a:prstGeom>
+              </p:spPr>
+            </p:pic>
+          </mc:Fallback>
+        </mc:AlternateContent>
+        <mc:AlternateContent xmlns:mc="http://schemas.openxmlformats.org/markup-compatibility/2006">
+          <mc:Choice xmlns:p14="http://schemas.microsoft.com/office/powerpoint/2010/main" Requires="p14">
+            <p:contentPart p14:bwMode="auto" r:id="rId49">
+              <p14:nvContentPartPr>
+                <p14:cNvPr id="54" name="インク 53">
+                  <a:extLst>
+                    <a:ext uri="{FF2B5EF4-FFF2-40B4-BE49-F238E27FC236}">
+                      <a16:creationId xmlns:a16="http://schemas.microsoft.com/office/drawing/2014/main" id="{8F45F1F6-DB31-BE33-7E84-AB2D4A6E3C66}"/>
+                    </a:ext>
+                  </a:extLst>
+                </p14:cNvPr>
+                <p14:cNvContentPartPr/>
+                <p14:nvPr/>
+              </p14:nvContentPartPr>
+              <p14:xfrm>
+                <a:off x="5247275" y="4327793"/>
+                <a:ext cx="173160" cy="232560"/>
+              </p14:xfrm>
+            </p:contentPart>
+          </mc:Choice>
+          <mc:Fallback>
+            <p:pic>
+              <p:nvPicPr>
+                <p:cNvPr id="54" name="インク 53">
+                  <a:extLst>
+                    <a:ext uri="{FF2B5EF4-FFF2-40B4-BE49-F238E27FC236}">
+                      <a16:creationId xmlns:a16="http://schemas.microsoft.com/office/drawing/2014/main" id="{8F45F1F6-DB31-BE33-7E84-AB2D4A6E3C66}"/>
+                    </a:ext>
+                  </a:extLst>
+                </p:cNvPr>
+                <p:cNvPicPr/>
+                <p:nvPr/>
+              </p:nvPicPr>
+              <p:blipFill>
+                <a:blip r:embed="rId50"/>
+                <a:stretch>
+                  <a:fillRect/>
+                </a:stretch>
+              </p:blipFill>
+              <p:spPr>
+                <a:xfrm>
+                  <a:off x="5229635" y="4309793"/>
+                  <a:ext cx="208800" cy="268200"/>
+                </a:xfrm>
+                <a:prstGeom prst="rect">
+                  <a:avLst/>
+                </a:prstGeom>
+              </p:spPr>
+            </p:pic>
+          </mc:Fallback>
+        </mc:AlternateContent>
+        <mc:AlternateContent xmlns:mc="http://schemas.openxmlformats.org/markup-compatibility/2006">
+          <mc:Choice xmlns:p14="http://schemas.microsoft.com/office/powerpoint/2010/main" Requires="p14">
+            <p:contentPart p14:bwMode="auto" r:id="rId51">
+              <p14:nvContentPartPr>
+                <p14:cNvPr id="55" name="インク 54">
+                  <a:extLst>
+                    <a:ext uri="{FF2B5EF4-FFF2-40B4-BE49-F238E27FC236}">
+                      <a16:creationId xmlns:a16="http://schemas.microsoft.com/office/drawing/2014/main" id="{EECE1985-1E83-BE37-525B-1007D3763995}"/>
+                    </a:ext>
+                  </a:extLst>
+                </p14:cNvPr>
+                <p14:cNvContentPartPr/>
+                <p14:nvPr/>
+              </p14:nvContentPartPr>
+              <p14:xfrm>
+                <a:off x="5605115" y="4127273"/>
+                <a:ext cx="242280" cy="405360"/>
+              </p14:xfrm>
+            </p:contentPart>
+          </mc:Choice>
+          <mc:Fallback>
+            <p:pic>
+              <p:nvPicPr>
+                <p:cNvPr id="55" name="インク 54">
+                  <a:extLst>
+                    <a:ext uri="{FF2B5EF4-FFF2-40B4-BE49-F238E27FC236}">
+                      <a16:creationId xmlns:a16="http://schemas.microsoft.com/office/drawing/2014/main" id="{EECE1985-1E83-BE37-525B-1007D3763995}"/>
+                    </a:ext>
+                  </a:extLst>
+                </p:cNvPr>
+                <p:cNvPicPr/>
+                <p:nvPr/>
+              </p:nvPicPr>
+              <p:blipFill>
+                <a:blip r:embed="rId52"/>
+                <a:stretch>
+                  <a:fillRect/>
+                </a:stretch>
+              </p:blipFill>
+              <p:spPr>
+                <a:xfrm>
+                  <a:off x="5587475" y="4109273"/>
+                  <a:ext cx="277920" cy="441000"/>
+                </a:xfrm>
+                <a:prstGeom prst="rect">
+                  <a:avLst/>
+                </a:prstGeom>
+              </p:spPr>
+            </p:pic>
+          </mc:Fallback>
+        </mc:AlternateContent>
+        <mc:AlternateContent xmlns:mc="http://schemas.openxmlformats.org/markup-compatibility/2006">
+          <mc:Choice xmlns:p14="http://schemas.microsoft.com/office/powerpoint/2010/main" Requires="p14">
+            <p:contentPart p14:bwMode="auto" r:id="rId53">
+              <p14:nvContentPartPr>
+                <p14:cNvPr id="56" name="インク 55">
+                  <a:extLst>
+                    <a:ext uri="{FF2B5EF4-FFF2-40B4-BE49-F238E27FC236}">
+                      <a16:creationId xmlns:a16="http://schemas.microsoft.com/office/drawing/2014/main" id="{DC586622-BF29-010B-AC57-A660DB08FF90}"/>
+                    </a:ext>
+                  </a:extLst>
+                </p14:cNvPr>
+                <p14:cNvContentPartPr/>
+                <p14:nvPr/>
+              </p14:nvContentPartPr>
+              <p14:xfrm>
+                <a:off x="5660555" y="4278113"/>
+                <a:ext cx="108720" cy="24840"/>
+              </p14:xfrm>
+            </p:contentPart>
+          </mc:Choice>
+          <mc:Fallback>
+            <p:pic>
+              <p:nvPicPr>
+                <p:cNvPr id="56" name="インク 55">
+                  <a:extLst>
+                    <a:ext uri="{FF2B5EF4-FFF2-40B4-BE49-F238E27FC236}">
+                      <a16:creationId xmlns:a16="http://schemas.microsoft.com/office/drawing/2014/main" id="{DC586622-BF29-010B-AC57-A660DB08FF90}"/>
+                    </a:ext>
+                  </a:extLst>
+                </p:cNvPr>
+                <p:cNvPicPr/>
+                <p:nvPr/>
+              </p:nvPicPr>
+              <p:blipFill>
+                <a:blip r:embed="rId54"/>
+                <a:stretch>
+                  <a:fillRect/>
+                </a:stretch>
+              </p:blipFill>
+              <p:spPr>
+                <a:xfrm>
+                  <a:off x="5642915" y="4260473"/>
+                  <a:ext cx="144360" cy="60480"/>
+                </a:xfrm>
+                <a:prstGeom prst="rect">
+                  <a:avLst/>
+                </a:prstGeom>
+              </p:spPr>
+            </p:pic>
+          </mc:Fallback>
+        </mc:AlternateContent>
+      </p:grpSp>
+    </p:spTree>
+    <p:extLst>
+      <p:ext uri="{BB962C8B-B14F-4D97-AF65-F5344CB8AC3E}">
+        <p14:creationId xmlns:p14="http://schemas.microsoft.com/office/powerpoint/2010/main" val="1560202943"/>
+      </p:ext>
+    </p:extLst>
+  </p:cSld>
+  <p:clrMapOvr>
+    <a:masterClrMapping/>
+  </p:clrMapOvr>
+</p:sld>
+</file>
+
+<file path=ppt/slides/slide23.xml><?xml version="1.0" encoding="utf-8"?>
+<p:sld xmlns:a="http://schemas.openxmlformats.org/drawingml/2006/main" xmlns:r="http://schemas.openxmlformats.org/officeDocument/2006/relationships" xmlns:p="http://schemas.openxmlformats.org/presentationml/2006/main">
+  <p:cSld>
+    <p:spTree>
+      <p:nvGrpSpPr>
+        <p:cNvPr id="1" name=""/>
+        <p:cNvGrpSpPr/>
+        <p:nvPr/>
+      </p:nvGrpSpPr>
+      <p:grpSpPr>
+        <a:xfrm>
+          <a:off x="0" y="0"/>
+          <a:ext cx="0" cy="0"/>
+          <a:chOff x="0" y="0"/>
+          <a:chExt cx="0" cy="0"/>
+        </a:xfrm>
+      </p:grpSpPr>
+      <p:cxnSp>
+        <p:nvCxnSpPr>
+          <p:cNvPr id="12" name="直線矢印コネクタ 11">
+            <a:extLst>
+              <a:ext uri="{FF2B5EF4-FFF2-40B4-BE49-F238E27FC236}">
+                <a16:creationId xmlns:a16="http://schemas.microsoft.com/office/drawing/2014/main" id="{D72504CB-D75D-222E-20BB-18ED1972CB90}"/>
+              </a:ext>
+            </a:extLst>
+          </p:cNvPr>
+          <p:cNvCxnSpPr>
+            <a:cxnSpLocks/>
+          </p:cNvCxnSpPr>
+          <p:nvPr/>
+        </p:nvCxnSpPr>
+        <p:spPr>
+          <a:xfrm>
+            <a:off x="4035385" y="5084399"/>
+            <a:ext cx="3293262" cy="0"/>
+          </a:xfrm>
+          <a:prstGeom prst="straightConnector1">
+            <a:avLst/>
+          </a:prstGeom>
+          <a:ln w="57150">
+            <a:solidFill>
+              <a:srgbClr val="FF0000"/>
+            </a:solidFill>
+            <a:tailEnd type="triangle"/>
+          </a:ln>
+        </p:spPr>
+        <p:style>
+          <a:lnRef idx="1">
+            <a:schemeClr val="accent1"/>
+          </a:lnRef>
+          <a:fillRef idx="0">
+            <a:schemeClr val="accent1"/>
+          </a:fillRef>
+          <a:effectRef idx="0">
+            <a:schemeClr val="accent1"/>
+          </a:effectRef>
+          <a:fontRef idx="minor">
+            <a:schemeClr val="tx1"/>
+          </a:fontRef>
+        </p:style>
+      </p:cxnSp>
+      <p:cxnSp>
+        <p:nvCxnSpPr>
+          <p:cNvPr id="6" name="直線矢印コネクタ 5">
+            <a:extLst>
+              <a:ext uri="{FF2B5EF4-FFF2-40B4-BE49-F238E27FC236}">
+                <a16:creationId xmlns:a16="http://schemas.microsoft.com/office/drawing/2014/main" id="{C08C187E-9254-C124-6408-446E40F3FCC9}"/>
+              </a:ext>
+            </a:extLst>
+          </p:cNvPr>
+          <p:cNvCxnSpPr>
+            <a:cxnSpLocks/>
+          </p:cNvCxnSpPr>
+          <p:nvPr/>
+        </p:nvCxnSpPr>
+        <p:spPr>
+          <a:xfrm flipV="1">
+            <a:off x="4035385" y="2406158"/>
+            <a:ext cx="2383344" cy="2636122"/>
+          </a:xfrm>
+          <a:prstGeom prst="straightConnector1">
+            <a:avLst/>
+          </a:prstGeom>
+          <a:ln w="57150">
+            <a:solidFill>
+              <a:srgbClr val="00B0F0"/>
+            </a:solidFill>
+            <a:tailEnd type="triangle"/>
+          </a:ln>
+        </p:spPr>
+        <p:style>
+          <a:lnRef idx="1">
+            <a:schemeClr val="accent1"/>
+          </a:lnRef>
+          <a:fillRef idx="0">
+            <a:schemeClr val="accent1"/>
+          </a:fillRef>
+          <a:effectRef idx="0">
+            <a:schemeClr val="accent1"/>
+          </a:effectRef>
+          <a:fontRef idx="minor">
+            <a:schemeClr val="tx1"/>
+          </a:fontRef>
+        </p:style>
+      </p:cxnSp>
+      <p:sp>
+        <p:nvSpPr>
+          <p:cNvPr id="2" name="テキスト ボックス 1">
+            <a:extLst>
+              <a:ext uri="{FF2B5EF4-FFF2-40B4-BE49-F238E27FC236}">
+                <a16:creationId xmlns:a16="http://schemas.microsoft.com/office/drawing/2014/main" id="{3E77EB0F-9016-75C1-9451-7D836C78EB86}"/>
+              </a:ext>
+            </a:extLst>
+          </p:cNvPr>
+          <p:cNvSpPr txBox="1"/>
+          <p:nvPr/>
+        </p:nvSpPr>
+        <p:spPr>
+          <a:xfrm>
+            <a:off x="4969752" y="2944157"/>
+            <a:ext cx="364202" cy="461665"/>
+          </a:xfrm>
+          <a:prstGeom prst="rect">
+            <a:avLst/>
+          </a:prstGeom>
+          <a:noFill/>
+        </p:spPr>
+        <p:txBody>
+          <a:bodyPr wrap="none" rtlCol="0">
+            <a:spAutoFit/>
+          </a:bodyPr>
+          <a:lstStyle/>
+          <a:p>
+            <a:r>
+              <a:rPr kumimoji="1" lang="en-US" altLang="ja-JP" sz="2400" b="1" dirty="0"/>
+              <a:t>a</a:t>
+            </a:r>
+            <a:endParaRPr kumimoji="1" lang="ja-JP" altLang="en-US" b="1" dirty="0"/>
+          </a:p>
+        </p:txBody>
+      </p:sp>
+      <p:sp>
+        <p:nvSpPr>
+          <p:cNvPr id="3" name="テキスト ボックス 2">
+            <a:extLst>
+              <a:ext uri="{FF2B5EF4-FFF2-40B4-BE49-F238E27FC236}">
+                <a16:creationId xmlns:a16="http://schemas.microsoft.com/office/drawing/2014/main" id="{73117B23-925E-6A0A-CB6D-C06FBC1D7460}"/>
+              </a:ext>
+            </a:extLst>
+          </p:cNvPr>
+          <p:cNvSpPr txBox="1"/>
+          <p:nvPr/>
+        </p:nvSpPr>
+        <p:spPr>
+          <a:xfrm>
+            <a:off x="6853259" y="5246573"/>
+            <a:ext cx="373820" cy="461665"/>
+          </a:xfrm>
+          <a:prstGeom prst="rect">
+            <a:avLst/>
+          </a:prstGeom>
+          <a:noFill/>
+        </p:spPr>
+        <p:txBody>
+          <a:bodyPr wrap="none" rtlCol="0">
+            <a:spAutoFit/>
+          </a:bodyPr>
+          <a:lstStyle/>
+          <a:p>
+            <a:r>
+              <a:rPr lang="en-US" altLang="ja-JP" sz="2400" b="1" dirty="0"/>
+              <a:t>b</a:t>
+            </a:r>
+            <a:endParaRPr kumimoji="1" lang="ja-JP" altLang="en-US" b="1" dirty="0"/>
+          </a:p>
+        </p:txBody>
+      </p:sp>
+      <mc:AlternateContent xmlns:mc="http://schemas.openxmlformats.org/markup-compatibility/2006">
+        <mc:Choice xmlns:p14="http://schemas.microsoft.com/office/powerpoint/2010/main" Requires="p14">
+          <p:contentPart p14:bwMode="auto" r:id="rId2">
+            <p14:nvContentPartPr>
+              <p14:cNvPr id="5" name="インク 4">
+                <a:extLst>
+                  <a:ext uri="{FF2B5EF4-FFF2-40B4-BE49-F238E27FC236}">
+                    <a16:creationId xmlns:a16="http://schemas.microsoft.com/office/drawing/2014/main" id="{50642E92-D9A7-B780-CB4F-8A095521616E}"/>
+                  </a:ext>
+                </a:extLst>
+              </p14:cNvPr>
+              <p14:cNvContentPartPr/>
+              <p14:nvPr/>
+            </p14:nvContentPartPr>
+            <p14:xfrm>
+              <a:off x="4558055" y="4424520"/>
+              <a:ext cx="242640" cy="617760"/>
+            </p14:xfrm>
+          </p:contentPart>
+        </mc:Choice>
+        <mc:Fallback>
+          <p:pic>
+            <p:nvPicPr>
+              <p:cNvPr id="5" name="インク 4">
+                <a:extLst>
+                  <a:ext uri="{FF2B5EF4-FFF2-40B4-BE49-F238E27FC236}">
+                    <a16:creationId xmlns:a16="http://schemas.microsoft.com/office/drawing/2014/main" id="{50642E92-D9A7-B780-CB4F-8A095521616E}"/>
+                  </a:ext>
+                </a:extLst>
+              </p:cNvPr>
+              <p:cNvPicPr/>
+              <p:nvPr/>
+            </p:nvPicPr>
+            <p:blipFill>
+              <a:blip r:embed="rId3"/>
+              <a:stretch>
+                <a:fillRect/>
+              </a:stretch>
+            </p:blipFill>
+            <p:spPr>
+              <a:xfrm>
+                <a:off x="4551935" y="4418400"/>
+                <a:ext cx="254880" cy="630000"/>
+              </a:xfrm>
+              <a:prstGeom prst="rect">
+                <a:avLst/>
+              </a:prstGeom>
+            </p:spPr>
+          </p:pic>
+        </mc:Fallback>
+      </mc:AlternateContent>
+      <p:grpSp>
+        <p:nvGrpSpPr>
+          <p:cNvPr id="14" name="グループ化 13">
+            <a:extLst>
+              <a:ext uri="{FF2B5EF4-FFF2-40B4-BE49-F238E27FC236}">
+                <a16:creationId xmlns:a16="http://schemas.microsoft.com/office/drawing/2014/main" id="{4A2E6CC0-FC2D-7D8A-4C92-163D40F59115}"/>
+              </a:ext>
+            </a:extLst>
+          </p:cNvPr>
+          <p:cNvGrpSpPr/>
+          <p:nvPr/>
+        </p:nvGrpSpPr>
+        <p:grpSpPr>
+          <a:xfrm>
+            <a:off x="4955352" y="4405486"/>
+            <a:ext cx="271800" cy="406440"/>
+            <a:chOff x="4664795" y="2741273"/>
+            <a:chExt cx="271800" cy="406440"/>
+          </a:xfrm>
+        </p:grpSpPr>
+        <mc:AlternateContent xmlns:mc="http://schemas.openxmlformats.org/markup-compatibility/2006">
+          <mc:Choice xmlns:p14="http://schemas.microsoft.com/office/powerpoint/2010/main" Requires="p14">
+            <p:contentPart p14:bwMode="auto" r:id="rId4">
+              <p14:nvContentPartPr>
+                <p14:cNvPr id="11" name="インク 10">
+                  <a:extLst>
+                    <a:ext uri="{FF2B5EF4-FFF2-40B4-BE49-F238E27FC236}">
+                      <a16:creationId xmlns:a16="http://schemas.microsoft.com/office/drawing/2014/main" id="{4E3B5E1D-9E13-18B5-B89D-E7230217BE5A}"/>
+                    </a:ext>
+                  </a:extLst>
+                </p14:cNvPr>
+                <p14:cNvContentPartPr/>
+                <p14:nvPr/>
+              </p14:nvContentPartPr>
+              <p14:xfrm>
+                <a:off x="4664795" y="2741273"/>
+                <a:ext cx="271800" cy="406440"/>
+              </p14:xfrm>
+            </p:contentPart>
+          </mc:Choice>
+          <mc:Fallback>
+            <p:pic>
+              <p:nvPicPr>
+                <p:cNvPr id="11" name="インク 10">
+                  <a:extLst>
+                    <a:ext uri="{FF2B5EF4-FFF2-40B4-BE49-F238E27FC236}">
+                      <a16:creationId xmlns:a16="http://schemas.microsoft.com/office/drawing/2014/main" id="{4E3B5E1D-9E13-18B5-B89D-E7230217BE5A}"/>
+                    </a:ext>
+                  </a:extLst>
+                </p:cNvPr>
+                <p:cNvPicPr/>
+                <p:nvPr/>
+              </p:nvPicPr>
+              <p:blipFill>
+                <a:blip r:embed="rId5"/>
+                <a:stretch>
+                  <a:fillRect/>
+                </a:stretch>
+              </p:blipFill>
+              <p:spPr>
+                <a:xfrm>
+                  <a:off x="4658675" y="2735153"/>
+                  <a:ext cx="284040" cy="418680"/>
+                </a:xfrm>
+                <a:prstGeom prst="rect">
+                  <a:avLst/>
+                </a:prstGeom>
+              </p:spPr>
+            </p:pic>
+          </mc:Fallback>
+        </mc:AlternateContent>
+        <mc:AlternateContent xmlns:mc="http://schemas.openxmlformats.org/markup-compatibility/2006">
+          <mc:Choice xmlns:p14="http://schemas.microsoft.com/office/powerpoint/2010/main" Requires="p14">
+            <p:contentPart p14:bwMode="auto" r:id="rId6">
+              <p14:nvContentPartPr>
+                <p14:cNvPr id="13" name="インク 12">
+                  <a:extLst>
+                    <a:ext uri="{FF2B5EF4-FFF2-40B4-BE49-F238E27FC236}">
+                      <a16:creationId xmlns:a16="http://schemas.microsoft.com/office/drawing/2014/main" id="{6F333187-CD7C-E238-492C-FBBA86548EE2}"/>
+                    </a:ext>
+                  </a:extLst>
+                </p14:cNvPr>
+                <p14:cNvContentPartPr/>
+                <p14:nvPr/>
+              </p14:nvContentPartPr>
+              <p14:xfrm>
+                <a:off x="4679195" y="2950073"/>
+                <a:ext cx="219960" cy="48960"/>
+              </p14:xfrm>
+            </p:contentPart>
+          </mc:Choice>
+          <mc:Fallback>
+            <p:pic>
+              <p:nvPicPr>
+                <p:cNvPr id="13" name="インク 12">
+                  <a:extLst>
+                    <a:ext uri="{FF2B5EF4-FFF2-40B4-BE49-F238E27FC236}">
+                      <a16:creationId xmlns:a16="http://schemas.microsoft.com/office/drawing/2014/main" id="{6F333187-CD7C-E238-492C-FBBA86548EE2}"/>
+                    </a:ext>
+                  </a:extLst>
+                </p:cNvPr>
+                <p:cNvPicPr/>
+                <p:nvPr/>
+              </p:nvPicPr>
+              <p:blipFill>
+                <a:blip r:embed="rId7"/>
+                <a:stretch>
+                  <a:fillRect/>
+                </a:stretch>
+              </p:blipFill>
+              <p:spPr>
+                <a:xfrm>
+                  <a:off x="4673075" y="2943953"/>
+                  <a:ext cx="232200" cy="61200"/>
+                </a:xfrm>
+                <a:prstGeom prst="rect">
+                  <a:avLst/>
+                </a:prstGeom>
+              </p:spPr>
+            </p:pic>
+          </mc:Fallback>
+        </mc:AlternateContent>
+      </p:grpSp>
+      <mc:AlternateContent xmlns:mc="http://schemas.openxmlformats.org/markup-compatibility/2006">
+        <mc:Choice xmlns:p14="http://schemas.microsoft.com/office/powerpoint/2010/main" Requires="p14">
+          <p:contentPart p14:bwMode="auto" r:id="rId8">
+            <p14:nvContentPartPr>
+              <p14:cNvPr id="7" name="インク 6">
+                <a:extLst>
+                  <a:ext uri="{FF2B5EF4-FFF2-40B4-BE49-F238E27FC236}">
+                    <a16:creationId xmlns:a16="http://schemas.microsoft.com/office/drawing/2014/main" id="{50D88660-D87D-BBBE-5F0F-F2744F3EB9FF}"/>
+                  </a:ext>
+                </a:extLst>
+              </p14:cNvPr>
+              <p14:cNvContentPartPr/>
+              <p14:nvPr/>
+            </p14:nvContentPartPr>
+            <p14:xfrm>
+              <a:off x="6408635" y="2487113"/>
+              <a:ext cx="5760" cy="360"/>
+            </p14:xfrm>
+          </p:contentPart>
+        </mc:Choice>
+        <mc:Fallback>
+          <p:pic>
+            <p:nvPicPr>
+              <p:cNvPr id="7" name="インク 6">
+                <a:extLst>
+                  <a:ext uri="{FF2B5EF4-FFF2-40B4-BE49-F238E27FC236}">
+                    <a16:creationId xmlns:a16="http://schemas.microsoft.com/office/drawing/2014/main" id="{50D88660-D87D-BBBE-5F0F-F2744F3EB9FF}"/>
+                  </a:ext>
+                </a:extLst>
+              </p:cNvPr>
+              <p:cNvPicPr/>
+              <p:nvPr/>
+            </p:nvPicPr>
+            <p:blipFill>
+              <a:blip r:embed="rId9"/>
+              <a:stretch>
+                <a:fillRect/>
+              </a:stretch>
+            </p:blipFill>
+            <p:spPr>
+              <a:xfrm>
+                <a:off x="6404315" y="2482793"/>
+                <a:ext cx="14400" cy="9000"/>
+              </a:xfrm>
+              <a:prstGeom prst="rect">
+                <a:avLst/>
+              </a:prstGeom>
+            </p:spPr>
+          </p:pic>
+        </mc:Fallback>
+      </mc:AlternateContent>
+      <mc:AlternateContent xmlns:mc="http://schemas.openxmlformats.org/markup-compatibility/2006">
+        <mc:Choice xmlns:p14="http://schemas.microsoft.com/office/powerpoint/2010/main" Requires="p14">
+          <p:contentPart p14:bwMode="auto" r:id="rId10">
+            <p14:nvContentPartPr>
+              <p14:cNvPr id="8" name="インク 7">
+                <a:extLst>
+                  <a:ext uri="{FF2B5EF4-FFF2-40B4-BE49-F238E27FC236}">
+                    <a16:creationId xmlns:a16="http://schemas.microsoft.com/office/drawing/2014/main" id="{174002EF-41A7-85B9-6830-4076D98702F2}"/>
+                  </a:ext>
+                </a:extLst>
+              </p14:cNvPr>
+              <p14:cNvContentPartPr/>
+              <p14:nvPr/>
+            </p14:nvContentPartPr>
+            <p14:xfrm>
+              <a:off x="6373355" y="2783033"/>
+              <a:ext cx="360" cy="24480"/>
+            </p14:xfrm>
+          </p:contentPart>
+        </mc:Choice>
+        <mc:Fallback>
+          <p:pic>
+            <p:nvPicPr>
+              <p:cNvPr id="8" name="インク 7">
+                <a:extLst>
+                  <a:ext uri="{FF2B5EF4-FFF2-40B4-BE49-F238E27FC236}">
+                    <a16:creationId xmlns:a16="http://schemas.microsoft.com/office/drawing/2014/main" id="{174002EF-41A7-85B9-6830-4076D98702F2}"/>
+                  </a:ext>
+                </a:extLst>
+              </p:cNvPr>
+              <p:cNvPicPr/>
+              <p:nvPr/>
+            </p:nvPicPr>
+            <p:blipFill>
+              <a:blip r:embed="rId11"/>
+              <a:stretch>
+                <a:fillRect/>
+              </a:stretch>
+            </p:blipFill>
+            <p:spPr>
+              <a:xfrm>
+                <a:off x="6369035" y="2778713"/>
+                <a:ext cx="9000" cy="33120"/>
+              </a:xfrm>
+              <a:prstGeom prst="rect">
+                <a:avLst/>
+              </a:prstGeom>
+            </p:spPr>
+          </p:pic>
+        </mc:Fallback>
+      </mc:AlternateContent>
+      <mc:AlternateContent xmlns:mc="http://schemas.openxmlformats.org/markup-compatibility/2006">
+        <mc:Choice xmlns:p14="http://schemas.microsoft.com/office/powerpoint/2010/main" Requires="p14">
+          <p:contentPart p14:bwMode="auto" r:id="rId12">
+            <p14:nvContentPartPr>
+              <p14:cNvPr id="9" name="インク 8">
+                <a:extLst>
+                  <a:ext uri="{FF2B5EF4-FFF2-40B4-BE49-F238E27FC236}">
+                    <a16:creationId xmlns:a16="http://schemas.microsoft.com/office/drawing/2014/main" id="{3E1D3363-8514-D64F-A8B8-AD6453895DD7}"/>
+                  </a:ext>
+                </a:extLst>
+              </p14:cNvPr>
+              <p14:cNvContentPartPr/>
+              <p14:nvPr/>
+            </p14:nvContentPartPr>
+            <p14:xfrm>
+              <a:off x="6373355" y="2917673"/>
+              <a:ext cx="8640" cy="36360"/>
+            </p14:xfrm>
+          </p:contentPart>
+        </mc:Choice>
+        <mc:Fallback>
+          <p:pic>
+            <p:nvPicPr>
+              <p:cNvPr id="9" name="インク 8">
+                <a:extLst>
+                  <a:ext uri="{FF2B5EF4-FFF2-40B4-BE49-F238E27FC236}">
+                    <a16:creationId xmlns:a16="http://schemas.microsoft.com/office/drawing/2014/main" id="{3E1D3363-8514-D64F-A8B8-AD6453895DD7}"/>
+                  </a:ext>
+                </a:extLst>
+              </p:cNvPr>
+              <p:cNvPicPr/>
+              <p:nvPr/>
+            </p:nvPicPr>
+            <p:blipFill>
+              <a:blip r:embed="rId13"/>
+              <a:stretch>
+                <a:fillRect/>
+              </a:stretch>
+            </p:blipFill>
+            <p:spPr>
+              <a:xfrm>
+                <a:off x="6369035" y="2913353"/>
+                <a:ext cx="17280" cy="45000"/>
+              </a:xfrm>
+              <a:prstGeom prst="rect">
+                <a:avLst/>
+              </a:prstGeom>
+            </p:spPr>
+          </p:pic>
+        </mc:Fallback>
+      </mc:AlternateContent>
+      <mc:AlternateContent xmlns:mc="http://schemas.openxmlformats.org/markup-compatibility/2006">
+        <mc:Choice xmlns:p14="http://schemas.microsoft.com/office/powerpoint/2010/main" Requires="p14">
+          <p:contentPart p14:bwMode="auto" r:id="rId14">
+            <p14:nvContentPartPr>
+              <p14:cNvPr id="10" name="インク 9">
+                <a:extLst>
+                  <a:ext uri="{FF2B5EF4-FFF2-40B4-BE49-F238E27FC236}">
+                    <a16:creationId xmlns:a16="http://schemas.microsoft.com/office/drawing/2014/main" id="{297866AF-4762-85ED-3706-8FE92822EC16}"/>
+                  </a:ext>
+                </a:extLst>
+              </p14:cNvPr>
+              <p14:cNvContentPartPr/>
+              <p14:nvPr/>
+            </p14:nvContentPartPr>
+            <p14:xfrm>
+              <a:off x="6386675" y="3051953"/>
+              <a:ext cx="360" cy="292680"/>
+            </p14:xfrm>
+          </p:contentPart>
+        </mc:Choice>
+        <mc:Fallback>
+          <p:pic>
+            <p:nvPicPr>
+              <p:cNvPr id="10" name="インク 9">
+                <a:extLst>
+                  <a:ext uri="{FF2B5EF4-FFF2-40B4-BE49-F238E27FC236}">
+                    <a16:creationId xmlns:a16="http://schemas.microsoft.com/office/drawing/2014/main" id="{297866AF-4762-85ED-3706-8FE92822EC16}"/>
+                  </a:ext>
+                </a:extLst>
+              </p:cNvPr>
+              <p:cNvPicPr/>
+              <p:nvPr/>
+            </p:nvPicPr>
+            <p:blipFill>
+              <a:blip r:embed="rId15"/>
+              <a:stretch>
+                <a:fillRect/>
+              </a:stretch>
+            </p:blipFill>
+            <p:spPr>
+              <a:xfrm>
+                <a:off x="6382355" y="3047273"/>
+                <a:ext cx="9000" cy="301320"/>
+              </a:xfrm>
+              <a:prstGeom prst="rect">
+                <a:avLst/>
+              </a:prstGeom>
+            </p:spPr>
+          </p:pic>
+        </mc:Fallback>
+      </mc:AlternateContent>
+      <mc:AlternateContent xmlns:mc="http://schemas.openxmlformats.org/markup-compatibility/2006">
+        <mc:Choice xmlns:p14="http://schemas.microsoft.com/office/powerpoint/2010/main" Requires="p14">
+          <p:contentPart p14:bwMode="auto" r:id="rId16">
+            <p14:nvContentPartPr>
+              <p14:cNvPr id="15" name="インク 14">
+                <a:extLst>
+                  <a:ext uri="{FF2B5EF4-FFF2-40B4-BE49-F238E27FC236}">
+                    <a16:creationId xmlns:a16="http://schemas.microsoft.com/office/drawing/2014/main" id="{9E0F9655-6CAF-60BB-3898-63EE030C9304}"/>
+                  </a:ext>
+                </a:extLst>
+              </p14:cNvPr>
+              <p14:cNvContentPartPr/>
+              <p14:nvPr/>
+            </p14:nvContentPartPr>
+            <p14:xfrm>
+              <a:off x="6386315" y="3441833"/>
+              <a:ext cx="28440" cy="590760"/>
+            </p14:xfrm>
+          </p:contentPart>
+        </mc:Choice>
+        <mc:Fallback>
+          <p:pic>
+            <p:nvPicPr>
+              <p:cNvPr id="15" name="インク 14">
+                <a:extLst>
+                  <a:ext uri="{FF2B5EF4-FFF2-40B4-BE49-F238E27FC236}">
+                    <a16:creationId xmlns:a16="http://schemas.microsoft.com/office/drawing/2014/main" id="{9E0F9655-6CAF-60BB-3898-63EE030C9304}"/>
+                  </a:ext>
+                </a:extLst>
+              </p:cNvPr>
+              <p:cNvPicPr/>
+              <p:nvPr/>
+            </p:nvPicPr>
+            <p:blipFill>
+              <a:blip r:embed="rId17"/>
+              <a:stretch>
+                <a:fillRect/>
+              </a:stretch>
+            </p:blipFill>
+            <p:spPr>
+              <a:xfrm>
+                <a:off x="6381995" y="3437513"/>
+                <a:ext cx="37080" cy="599400"/>
+              </a:xfrm>
+              <a:prstGeom prst="rect">
+                <a:avLst/>
+              </a:prstGeom>
+            </p:spPr>
+          </p:pic>
+        </mc:Fallback>
+      </mc:AlternateContent>
+      <p:grpSp>
+        <p:nvGrpSpPr>
+          <p:cNvPr id="22" name="グループ化 21">
+            <a:extLst>
+              <a:ext uri="{FF2B5EF4-FFF2-40B4-BE49-F238E27FC236}">
+                <a16:creationId xmlns:a16="http://schemas.microsoft.com/office/drawing/2014/main" id="{00B86835-B83B-8DD1-5AB5-B10EA49105B3}"/>
+              </a:ext>
+            </a:extLst>
+          </p:cNvPr>
+          <p:cNvGrpSpPr/>
+          <p:nvPr/>
+        </p:nvGrpSpPr>
+        <p:grpSpPr>
+          <a:xfrm>
+            <a:off x="6399995" y="4208633"/>
+            <a:ext cx="27720" cy="482760"/>
+            <a:chOff x="6399995" y="4208633"/>
+            <a:chExt cx="27720" cy="482760"/>
+          </a:xfrm>
+        </p:grpSpPr>
+        <mc:AlternateContent xmlns:mc="http://schemas.openxmlformats.org/markup-compatibility/2006">
+          <mc:Choice xmlns:p14="http://schemas.microsoft.com/office/powerpoint/2010/main" Requires="p14">
+            <p:contentPart p14:bwMode="auto" r:id="rId18">
+              <p14:nvContentPartPr>
+                <p14:cNvPr id="16" name="インク 15">
+                  <a:extLst>
+                    <a:ext uri="{FF2B5EF4-FFF2-40B4-BE49-F238E27FC236}">
+                      <a16:creationId xmlns:a16="http://schemas.microsoft.com/office/drawing/2014/main" id="{BD659A22-E0F5-48A9-80D2-7FE6B3EAC077}"/>
+                    </a:ext>
+                  </a:extLst>
+                </p14:cNvPr>
+                <p14:cNvContentPartPr/>
+                <p14:nvPr/>
+              </p14:nvContentPartPr>
+              <p14:xfrm>
+                <a:off x="6427355" y="4208633"/>
+                <a:ext cx="360" cy="5760"/>
+              </p14:xfrm>
+            </p:contentPart>
+          </mc:Choice>
+          <mc:Fallback>
+            <p:pic>
+              <p:nvPicPr>
+                <p:cNvPr id="16" name="インク 15">
+                  <a:extLst>
+                    <a:ext uri="{FF2B5EF4-FFF2-40B4-BE49-F238E27FC236}">
+                      <a16:creationId xmlns:a16="http://schemas.microsoft.com/office/drawing/2014/main" id="{BD659A22-E0F5-48A9-80D2-7FE6B3EAC077}"/>
+                    </a:ext>
+                  </a:extLst>
+                </p:cNvPr>
+                <p:cNvPicPr/>
+                <p:nvPr/>
+              </p:nvPicPr>
+              <p:blipFill>
+                <a:blip r:embed="rId19"/>
+                <a:stretch>
+                  <a:fillRect/>
+                </a:stretch>
+              </p:blipFill>
+              <p:spPr>
+                <a:xfrm>
+                  <a:off x="6423035" y="4204313"/>
+                  <a:ext cx="9000" cy="14400"/>
+                </a:xfrm>
+                <a:prstGeom prst="rect">
+                  <a:avLst/>
+                </a:prstGeom>
+              </p:spPr>
+            </p:pic>
+          </mc:Fallback>
+        </mc:AlternateContent>
+        <mc:AlternateContent xmlns:mc="http://schemas.openxmlformats.org/markup-compatibility/2006">
+          <mc:Choice xmlns:p14="http://schemas.microsoft.com/office/powerpoint/2010/main" Requires="p14">
+            <p:contentPart p14:bwMode="auto" r:id="rId20">
+              <p14:nvContentPartPr>
+                <p14:cNvPr id="17" name="インク 16">
+                  <a:extLst>
+                    <a:ext uri="{FF2B5EF4-FFF2-40B4-BE49-F238E27FC236}">
+                      <a16:creationId xmlns:a16="http://schemas.microsoft.com/office/drawing/2014/main" id="{9E0E2B27-393C-984B-938A-82B838A743A2}"/>
+                    </a:ext>
+                  </a:extLst>
+                </p14:cNvPr>
+                <p14:cNvContentPartPr/>
+                <p14:nvPr/>
+              </p14:nvContentPartPr>
+              <p14:xfrm>
+                <a:off x="6399995" y="4248593"/>
+                <a:ext cx="27720" cy="442800"/>
+              </p14:xfrm>
+            </p:contentPart>
+          </mc:Choice>
+          <mc:Fallback>
+            <p:pic>
+              <p:nvPicPr>
+                <p:cNvPr id="17" name="インク 16">
+                  <a:extLst>
+                    <a:ext uri="{FF2B5EF4-FFF2-40B4-BE49-F238E27FC236}">
+                      <a16:creationId xmlns:a16="http://schemas.microsoft.com/office/drawing/2014/main" id="{9E0E2B27-393C-984B-938A-82B838A743A2}"/>
+                    </a:ext>
+                  </a:extLst>
+                </p:cNvPr>
+                <p:cNvPicPr/>
+                <p:nvPr/>
+              </p:nvPicPr>
+              <p:blipFill>
+                <a:blip r:embed="rId21"/>
+                <a:stretch>
+                  <a:fillRect/>
+                </a:stretch>
+              </p:blipFill>
+              <p:spPr>
+                <a:xfrm>
+                  <a:off x="6395675" y="4244273"/>
+                  <a:ext cx="36360" cy="451440"/>
+                </a:xfrm>
+                <a:prstGeom prst="rect">
+                  <a:avLst/>
+                </a:prstGeom>
+              </p:spPr>
+            </p:pic>
+          </mc:Fallback>
+        </mc:AlternateContent>
+      </p:grpSp>
+      <p:grpSp>
+        <p:nvGrpSpPr>
+          <p:cNvPr id="21" name="グループ化 20">
+            <a:extLst>
+              <a:ext uri="{FF2B5EF4-FFF2-40B4-BE49-F238E27FC236}">
+                <a16:creationId xmlns:a16="http://schemas.microsoft.com/office/drawing/2014/main" id="{4607A202-3AA1-8EB2-FFD1-692E66079CD7}"/>
+              </a:ext>
+            </a:extLst>
+          </p:cNvPr>
+          <p:cNvGrpSpPr/>
+          <p:nvPr/>
+        </p:nvGrpSpPr>
+        <p:grpSpPr>
+          <a:xfrm>
+            <a:off x="6399995" y="4773473"/>
+            <a:ext cx="14400" cy="157680"/>
+            <a:chOff x="6399995" y="4773473"/>
+            <a:chExt cx="14400" cy="157680"/>
+          </a:xfrm>
+        </p:grpSpPr>
+        <mc:AlternateContent xmlns:mc="http://schemas.openxmlformats.org/markup-compatibility/2006">
+          <mc:Choice xmlns:p14="http://schemas.microsoft.com/office/powerpoint/2010/main" Requires="p14">
+            <p:contentPart p14:bwMode="auto" r:id="rId22">
+              <p14:nvContentPartPr>
+                <p14:cNvPr id="18" name="インク 17">
+                  <a:extLst>
+                    <a:ext uri="{FF2B5EF4-FFF2-40B4-BE49-F238E27FC236}">
+                      <a16:creationId xmlns:a16="http://schemas.microsoft.com/office/drawing/2014/main" id="{6DF3E7C4-5B30-5E35-2E84-53D345A164B7}"/>
+                    </a:ext>
+                  </a:extLst>
+                </p14:cNvPr>
+                <p14:cNvContentPartPr/>
+                <p14:nvPr/>
+              </p14:nvContentPartPr>
+              <p14:xfrm>
+                <a:off x="6399995" y="4773473"/>
+                <a:ext cx="360" cy="13680"/>
+              </p14:xfrm>
+            </p:contentPart>
+          </mc:Choice>
+          <mc:Fallback>
+            <p:pic>
+              <p:nvPicPr>
+                <p:cNvPr id="18" name="インク 17">
+                  <a:extLst>
+                    <a:ext uri="{FF2B5EF4-FFF2-40B4-BE49-F238E27FC236}">
+                      <a16:creationId xmlns:a16="http://schemas.microsoft.com/office/drawing/2014/main" id="{6DF3E7C4-5B30-5E35-2E84-53D345A164B7}"/>
+                    </a:ext>
+                  </a:extLst>
+                </p:cNvPr>
+                <p:cNvPicPr/>
+                <p:nvPr/>
+              </p:nvPicPr>
+              <p:blipFill>
+                <a:blip r:embed="rId23"/>
+                <a:stretch>
+                  <a:fillRect/>
+                </a:stretch>
+              </p:blipFill>
+              <p:spPr>
+                <a:xfrm>
+                  <a:off x="6395675" y="4769153"/>
+                  <a:ext cx="9000" cy="22320"/>
+                </a:xfrm>
+                <a:prstGeom prst="rect">
+                  <a:avLst/>
+                </a:prstGeom>
+              </p:spPr>
+            </p:pic>
+          </mc:Fallback>
+        </mc:AlternateContent>
+        <mc:AlternateContent xmlns:mc="http://schemas.openxmlformats.org/markup-compatibility/2006">
+          <mc:Choice xmlns:p14="http://schemas.microsoft.com/office/powerpoint/2010/main" Requires="p14">
+            <p:contentPart p14:bwMode="auto" r:id="rId24">
+              <p14:nvContentPartPr>
+                <p14:cNvPr id="19" name="インク 18">
+                  <a:extLst>
+                    <a:ext uri="{FF2B5EF4-FFF2-40B4-BE49-F238E27FC236}">
+                      <a16:creationId xmlns:a16="http://schemas.microsoft.com/office/drawing/2014/main" id="{04632416-BE96-83C9-3625-8C8D44C758E2}"/>
+                    </a:ext>
+                  </a:extLst>
+                </p14:cNvPr>
+                <p14:cNvContentPartPr/>
+                <p14:nvPr/>
+              </p14:nvContentPartPr>
+              <p14:xfrm>
+                <a:off x="6399995" y="4813433"/>
+                <a:ext cx="14400" cy="117720"/>
+              </p14:xfrm>
+            </p:contentPart>
+          </mc:Choice>
+          <mc:Fallback>
+            <p:pic>
+              <p:nvPicPr>
+                <p:cNvPr id="19" name="インク 18">
+                  <a:extLst>
+                    <a:ext uri="{FF2B5EF4-FFF2-40B4-BE49-F238E27FC236}">
+                      <a16:creationId xmlns:a16="http://schemas.microsoft.com/office/drawing/2014/main" id="{04632416-BE96-83C9-3625-8C8D44C758E2}"/>
+                    </a:ext>
+                  </a:extLst>
+                </p:cNvPr>
+                <p:cNvPicPr/>
+                <p:nvPr/>
+              </p:nvPicPr>
+              <p:blipFill>
+                <a:blip r:embed="rId25"/>
+                <a:stretch>
+                  <a:fillRect/>
+                </a:stretch>
+              </p:blipFill>
+              <p:spPr>
+                <a:xfrm>
+                  <a:off x="6395675" y="4809113"/>
+                  <a:ext cx="23040" cy="126360"/>
+                </a:xfrm>
+                <a:prstGeom prst="rect">
+                  <a:avLst/>
+                </a:prstGeom>
+              </p:spPr>
+            </p:pic>
+          </mc:Fallback>
+        </mc:AlternateContent>
+      </p:grpSp>
+      <mc:AlternateContent xmlns:mc="http://schemas.openxmlformats.org/markup-compatibility/2006">
+        <mc:Choice xmlns:p14="http://schemas.microsoft.com/office/powerpoint/2010/main" Requires="p14">
+          <p:contentPart p14:bwMode="auto" r:id="rId26">
+            <p14:nvContentPartPr>
+              <p14:cNvPr id="20" name="インク 19">
+                <a:extLst>
+                  <a:ext uri="{FF2B5EF4-FFF2-40B4-BE49-F238E27FC236}">
+                    <a16:creationId xmlns:a16="http://schemas.microsoft.com/office/drawing/2014/main" id="{D1B19922-B2E8-E706-E39A-C90DE02347F4}"/>
+                  </a:ext>
+                </a:extLst>
+              </p14:cNvPr>
+              <p14:cNvContentPartPr/>
+              <p14:nvPr/>
+            </p14:nvContentPartPr>
+            <p14:xfrm>
+              <a:off x="6427355" y="5055353"/>
+              <a:ext cx="360" cy="108360"/>
+            </p14:xfrm>
+          </p:contentPart>
+        </mc:Choice>
+        <mc:Fallback>
+          <p:pic>
+            <p:nvPicPr>
+              <p:cNvPr id="20" name="インク 19">
+                <a:extLst>
+                  <a:ext uri="{FF2B5EF4-FFF2-40B4-BE49-F238E27FC236}">
+                    <a16:creationId xmlns:a16="http://schemas.microsoft.com/office/drawing/2014/main" id="{D1B19922-B2E8-E706-E39A-C90DE02347F4}"/>
+                  </a:ext>
+                </a:extLst>
+              </p:cNvPr>
+              <p:cNvPicPr/>
+              <p:nvPr/>
+            </p:nvPicPr>
+            <p:blipFill>
+              <a:blip r:embed="rId27"/>
+              <a:stretch>
+                <a:fillRect/>
+              </a:stretch>
+            </p:blipFill>
+            <p:spPr>
+              <a:xfrm>
+                <a:off x="6423035" y="5051033"/>
+                <a:ext cx="9000" cy="117000"/>
+              </a:xfrm>
+              <a:prstGeom prst="rect">
+                <a:avLst/>
+              </a:prstGeom>
+            </p:spPr>
+          </p:pic>
+        </mc:Fallback>
+      </mc:AlternateContent>
+      <mc:AlternateContent xmlns:mc="http://schemas.openxmlformats.org/markup-compatibility/2006">
+        <mc:Choice xmlns:p14="http://schemas.microsoft.com/office/powerpoint/2010/main" Requires="p14">
+          <p:contentPart p14:bwMode="auto" r:id="rId28">
+            <p14:nvContentPartPr>
+              <p14:cNvPr id="24" name="インク 23">
+                <a:extLst>
+                  <a:ext uri="{FF2B5EF4-FFF2-40B4-BE49-F238E27FC236}">
+                    <a16:creationId xmlns:a16="http://schemas.microsoft.com/office/drawing/2014/main" id="{04B94FAF-D053-E20A-0EED-5A8F13F66792}"/>
+                  </a:ext>
+                </a:extLst>
+              </p14:cNvPr>
+              <p14:cNvContentPartPr/>
+              <p14:nvPr/>
+            </p14:nvContentPartPr>
+            <p14:xfrm>
+              <a:off x="4047035" y="5141393"/>
+              <a:ext cx="2423880" cy="278640"/>
+            </p14:xfrm>
+          </p:contentPart>
+        </mc:Choice>
+        <mc:Fallback>
+          <p:pic>
+            <p:nvPicPr>
+              <p:cNvPr id="24" name="インク 23">
+                <a:extLst>
+                  <a:ext uri="{FF2B5EF4-FFF2-40B4-BE49-F238E27FC236}">
+                    <a16:creationId xmlns:a16="http://schemas.microsoft.com/office/drawing/2014/main" id="{04B94FAF-D053-E20A-0EED-5A8F13F66792}"/>
+                  </a:ext>
+                </a:extLst>
+              </p:cNvPr>
+              <p:cNvPicPr/>
+              <p:nvPr/>
+            </p:nvPicPr>
+            <p:blipFill>
+              <a:blip r:embed="rId29"/>
+              <a:stretch>
+                <a:fillRect/>
+              </a:stretch>
+            </p:blipFill>
+            <p:spPr>
+              <a:xfrm>
+                <a:off x="4042715" y="5137073"/>
+                <a:ext cx="2432520" cy="287280"/>
+              </a:xfrm>
+              <a:prstGeom prst="rect">
+                <a:avLst/>
+              </a:prstGeom>
+            </p:spPr>
+          </p:pic>
+        </mc:Fallback>
+      </mc:AlternateContent>
+      <p:grpSp>
+        <p:nvGrpSpPr>
+          <p:cNvPr id="35" name="グループ化 34">
+            <a:extLst>
+              <a:ext uri="{FF2B5EF4-FFF2-40B4-BE49-F238E27FC236}">
+                <a16:creationId xmlns:a16="http://schemas.microsoft.com/office/drawing/2014/main" id="{33F3796E-0DD5-28C4-0211-1A8ADF9340EA}"/>
+              </a:ext>
+            </a:extLst>
+          </p:cNvPr>
+          <p:cNvGrpSpPr/>
+          <p:nvPr/>
+        </p:nvGrpSpPr>
+        <p:grpSpPr>
+          <a:xfrm>
+            <a:off x="4450235" y="5537393"/>
+            <a:ext cx="1615680" cy="485280"/>
+            <a:chOff x="4450235" y="5537393"/>
+            <a:chExt cx="1615680" cy="485280"/>
+          </a:xfrm>
+        </p:grpSpPr>
+        <mc:AlternateContent xmlns:mc="http://schemas.openxmlformats.org/markup-compatibility/2006">
+          <mc:Choice xmlns:p14="http://schemas.microsoft.com/office/powerpoint/2010/main" Requires="p14">
+            <p:contentPart p14:bwMode="auto" r:id="rId30">
+              <p14:nvContentPartPr>
+                <p14:cNvPr id="25" name="インク 24">
+                  <a:extLst>
+                    <a:ext uri="{FF2B5EF4-FFF2-40B4-BE49-F238E27FC236}">
+                      <a16:creationId xmlns:a16="http://schemas.microsoft.com/office/drawing/2014/main" id="{83B5E8E5-A510-3AFE-E8D8-9FFC213940C6}"/>
+                    </a:ext>
+                  </a:extLst>
+                </p14:cNvPr>
+                <p14:cNvContentPartPr/>
+                <p14:nvPr/>
+              </p14:nvContentPartPr>
+              <p14:xfrm>
+                <a:off x="4596395" y="5702273"/>
+                <a:ext cx="323280" cy="201960"/>
+              </p14:xfrm>
+            </p:contentPart>
+          </mc:Choice>
+          <mc:Fallback>
+            <p:pic>
+              <p:nvPicPr>
+                <p:cNvPr id="25" name="インク 24">
+                  <a:extLst>
+                    <a:ext uri="{FF2B5EF4-FFF2-40B4-BE49-F238E27FC236}">
+                      <a16:creationId xmlns:a16="http://schemas.microsoft.com/office/drawing/2014/main" id="{83B5E8E5-A510-3AFE-E8D8-9FFC213940C6}"/>
+                    </a:ext>
+                  </a:extLst>
+                </p:cNvPr>
+                <p:cNvPicPr/>
+                <p:nvPr/>
+              </p:nvPicPr>
+              <p:blipFill>
+                <a:blip r:embed="rId31"/>
+                <a:stretch>
+                  <a:fillRect/>
+                </a:stretch>
+              </p:blipFill>
+              <p:spPr>
+                <a:xfrm>
+                  <a:off x="4592075" y="5697953"/>
+                  <a:ext cx="331920" cy="210600"/>
+                </a:xfrm>
+                <a:prstGeom prst="rect">
+                  <a:avLst/>
+                </a:prstGeom>
+              </p:spPr>
+            </p:pic>
+          </mc:Fallback>
+        </mc:AlternateContent>
+        <mc:AlternateContent xmlns:mc="http://schemas.openxmlformats.org/markup-compatibility/2006">
+          <mc:Choice xmlns:p14="http://schemas.microsoft.com/office/powerpoint/2010/main" Requires="p14">
+            <p:contentPart p14:bwMode="auto" r:id="rId32">
+              <p14:nvContentPartPr>
+                <p14:cNvPr id="26" name="インク 25">
+                  <a:extLst>
+                    <a:ext uri="{FF2B5EF4-FFF2-40B4-BE49-F238E27FC236}">
+                      <a16:creationId xmlns:a16="http://schemas.microsoft.com/office/drawing/2014/main" id="{BAB8564D-5FD5-E557-C8D4-E860AA267996}"/>
+                    </a:ext>
+                  </a:extLst>
+                </p14:cNvPr>
+                <p14:cNvContentPartPr/>
+                <p14:nvPr/>
+              </p14:nvContentPartPr>
+              <p14:xfrm>
+                <a:off x="4973675" y="5740073"/>
+                <a:ext cx="150120" cy="166680"/>
+              </p14:xfrm>
+            </p:contentPart>
+          </mc:Choice>
+          <mc:Fallback>
+            <p:pic>
+              <p:nvPicPr>
+                <p:cNvPr id="26" name="インク 25">
+                  <a:extLst>
+                    <a:ext uri="{FF2B5EF4-FFF2-40B4-BE49-F238E27FC236}">
+                      <a16:creationId xmlns:a16="http://schemas.microsoft.com/office/drawing/2014/main" id="{BAB8564D-5FD5-E557-C8D4-E860AA267996}"/>
+                    </a:ext>
+                  </a:extLst>
+                </p:cNvPr>
+                <p:cNvPicPr/>
+                <p:nvPr/>
+              </p:nvPicPr>
+              <p:blipFill>
+                <a:blip r:embed="rId33"/>
+                <a:stretch>
+                  <a:fillRect/>
+                </a:stretch>
+              </p:blipFill>
+              <p:spPr>
+                <a:xfrm>
+                  <a:off x="4969355" y="5735753"/>
+                  <a:ext cx="158760" cy="175320"/>
+                </a:xfrm>
+                <a:prstGeom prst="rect">
+                  <a:avLst/>
+                </a:prstGeom>
+              </p:spPr>
+            </p:pic>
+          </mc:Fallback>
+        </mc:AlternateContent>
+        <mc:AlternateContent xmlns:mc="http://schemas.openxmlformats.org/markup-compatibility/2006">
+          <mc:Choice xmlns:p14="http://schemas.microsoft.com/office/powerpoint/2010/main" Requires="p14">
+            <p:contentPart p14:bwMode="auto" r:id="rId34">
+              <p14:nvContentPartPr>
+                <p14:cNvPr id="27" name="インク 26">
+                  <a:extLst>
+                    <a:ext uri="{FF2B5EF4-FFF2-40B4-BE49-F238E27FC236}">
+                      <a16:creationId xmlns:a16="http://schemas.microsoft.com/office/drawing/2014/main" id="{5BE79667-DE0A-C3C6-BC08-2ACA00B37208}"/>
+                    </a:ext>
+                  </a:extLst>
+                </p14:cNvPr>
+                <p14:cNvContentPartPr/>
+                <p14:nvPr/>
+              </p14:nvContentPartPr>
+              <p14:xfrm>
+                <a:off x="5215595" y="5713793"/>
+                <a:ext cx="190800" cy="192240"/>
+              </p14:xfrm>
+            </p:contentPart>
+          </mc:Choice>
+          <mc:Fallback>
+            <p:pic>
+              <p:nvPicPr>
+                <p:cNvPr id="27" name="インク 26">
+                  <a:extLst>
+                    <a:ext uri="{FF2B5EF4-FFF2-40B4-BE49-F238E27FC236}">
+                      <a16:creationId xmlns:a16="http://schemas.microsoft.com/office/drawing/2014/main" id="{5BE79667-DE0A-C3C6-BC08-2ACA00B37208}"/>
+                    </a:ext>
+                  </a:extLst>
+                </p:cNvPr>
+                <p:cNvPicPr/>
+                <p:nvPr/>
+              </p:nvPicPr>
+              <p:blipFill>
+                <a:blip r:embed="rId35"/>
+                <a:stretch>
+                  <a:fillRect/>
+                </a:stretch>
+              </p:blipFill>
+              <p:spPr>
+                <a:xfrm>
+                  <a:off x="5211275" y="5709473"/>
+                  <a:ext cx="199440" cy="200880"/>
+                </a:xfrm>
+                <a:prstGeom prst="rect">
+                  <a:avLst/>
+                </a:prstGeom>
+              </p:spPr>
+            </p:pic>
+          </mc:Fallback>
+        </mc:AlternateContent>
+        <mc:AlternateContent xmlns:mc="http://schemas.openxmlformats.org/markup-compatibility/2006">
+          <mc:Choice xmlns:p14="http://schemas.microsoft.com/office/powerpoint/2010/main" Requires="p14">
+            <p:contentPart p14:bwMode="auto" r:id="rId36">
+              <p14:nvContentPartPr>
+                <p14:cNvPr id="28" name="インク 27">
+                  <a:extLst>
+                    <a:ext uri="{FF2B5EF4-FFF2-40B4-BE49-F238E27FC236}">
+                      <a16:creationId xmlns:a16="http://schemas.microsoft.com/office/drawing/2014/main" id="{10DF06A3-128C-56B8-5133-D5B6CF31650D}"/>
+                    </a:ext>
+                  </a:extLst>
+                </p14:cNvPr>
+                <p14:cNvContentPartPr/>
+                <p14:nvPr/>
+              </p14:nvContentPartPr>
+              <p14:xfrm>
+                <a:off x="5466875" y="5686073"/>
+                <a:ext cx="154080" cy="216360"/>
+              </p14:xfrm>
+            </p:contentPart>
+          </mc:Choice>
+          <mc:Fallback>
+            <p:pic>
+              <p:nvPicPr>
+                <p:cNvPr id="28" name="インク 27">
+                  <a:extLst>
+                    <a:ext uri="{FF2B5EF4-FFF2-40B4-BE49-F238E27FC236}">
+                      <a16:creationId xmlns:a16="http://schemas.microsoft.com/office/drawing/2014/main" id="{10DF06A3-128C-56B8-5133-D5B6CF31650D}"/>
+                    </a:ext>
+                  </a:extLst>
+                </p:cNvPr>
+                <p:cNvPicPr/>
+                <p:nvPr/>
+              </p:nvPicPr>
+              <p:blipFill>
+                <a:blip r:embed="rId37"/>
+                <a:stretch>
+                  <a:fillRect/>
+                </a:stretch>
+              </p:blipFill>
+              <p:spPr>
+                <a:xfrm>
+                  <a:off x="5462555" y="5681753"/>
+                  <a:ext cx="162720" cy="225000"/>
+                </a:xfrm>
+                <a:prstGeom prst="rect">
+                  <a:avLst/>
+                </a:prstGeom>
+              </p:spPr>
+            </p:pic>
+          </mc:Fallback>
+        </mc:AlternateContent>
+        <mc:AlternateContent xmlns:mc="http://schemas.openxmlformats.org/markup-compatibility/2006">
+          <mc:Choice xmlns:p14="http://schemas.microsoft.com/office/powerpoint/2010/main" Requires="p14">
+            <p:contentPart p14:bwMode="auto" r:id="rId38">
+              <p14:nvContentPartPr>
+                <p14:cNvPr id="29" name="インク 28">
+                  <a:extLst>
+                    <a:ext uri="{FF2B5EF4-FFF2-40B4-BE49-F238E27FC236}">
+                      <a16:creationId xmlns:a16="http://schemas.microsoft.com/office/drawing/2014/main" id="{DAC6BBCB-83AE-1AAD-CEDE-3B14DCF291A6}"/>
+                    </a:ext>
+                  </a:extLst>
+                </p14:cNvPr>
+                <p14:cNvContentPartPr/>
+                <p14:nvPr/>
+              </p14:nvContentPartPr>
+              <p14:xfrm>
+                <a:off x="5727155" y="5537393"/>
+                <a:ext cx="293040" cy="314640"/>
+              </p14:xfrm>
+            </p:contentPart>
+          </mc:Choice>
+          <mc:Fallback>
+            <p:pic>
+              <p:nvPicPr>
+                <p:cNvPr id="29" name="インク 28">
+                  <a:extLst>
+                    <a:ext uri="{FF2B5EF4-FFF2-40B4-BE49-F238E27FC236}">
+                      <a16:creationId xmlns:a16="http://schemas.microsoft.com/office/drawing/2014/main" id="{DAC6BBCB-83AE-1AAD-CEDE-3B14DCF291A6}"/>
+                    </a:ext>
+                  </a:extLst>
+                </p:cNvPr>
+                <p:cNvPicPr/>
+                <p:nvPr/>
+              </p:nvPicPr>
+              <p:blipFill>
+                <a:blip r:embed="rId39"/>
+                <a:stretch>
+                  <a:fillRect/>
+                </a:stretch>
+              </p:blipFill>
+              <p:spPr>
+                <a:xfrm>
+                  <a:off x="5722835" y="5533073"/>
+                  <a:ext cx="301680" cy="323280"/>
+                </a:xfrm>
+                <a:prstGeom prst="rect">
+                  <a:avLst/>
+                </a:prstGeom>
+              </p:spPr>
+            </p:pic>
+          </mc:Fallback>
+        </mc:AlternateContent>
+        <mc:AlternateContent xmlns:mc="http://schemas.openxmlformats.org/markup-compatibility/2006">
+          <mc:Choice xmlns:p14="http://schemas.microsoft.com/office/powerpoint/2010/main" Requires="p14">
+            <p:contentPart p14:bwMode="auto" r:id="rId40">
+              <p14:nvContentPartPr>
+                <p14:cNvPr id="30" name="インク 29">
+                  <a:extLst>
+                    <a:ext uri="{FF2B5EF4-FFF2-40B4-BE49-F238E27FC236}">
+                      <a16:creationId xmlns:a16="http://schemas.microsoft.com/office/drawing/2014/main" id="{F598952F-844A-499D-EC01-790D4C538D9D}"/>
+                    </a:ext>
+                  </a:extLst>
+                </p14:cNvPr>
+                <p14:cNvContentPartPr/>
+                <p14:nvPr/>
+              </p14:nvContentPartPr>
+              <p14:xfrm>
+                <a:off x="5754515" y="5619833"/>
+                <a:ext cx="311400" cy="41400"/>
+              </p14:xfrm>
+            </p:contentPart>
+          </mc:Choice>
+          <mc:Fallback>
+            <p:pic>
+              <p:nvPicPr>
+                <p:cNvPr id="30" name="インク 29">
+                  <a:extLst>
+                    <a:ext uri="{FF2B5EF4-FFF2-40B4-BE49-F238E27FC236}">
+                      <a16:creationId xmlns:a16="http://schemas.microsoft.com/office/drawing/2014/main" id="{F598952F-844A-499D-EC01-790D4C538D9D}"/>
+                    </a:ext>
+                  </a:extLst>
+                </p:cNvPr>
+                <p:cNvPicPr/>
+                <p:nvPr/>
+              </p:nvPicPr>
+              <p:blipFill>
+                <a:blip r:embed="rId41"/>
+                <a:stretch>
+                  <a:fillRect/>
+                </a:stretch>
+              </p:blipFill>
+              <p:spPr>
+                <a:xfrm>
+                  <a:off x="5750195" y="5615513"/>
+                  <a:ext cx="320040" cy="50040"/>
+                </a:xfrm>
+                <a:prstGeom prst="rect">
+                  <a:avLst/>
+                </a:prstGeom>
+              </p:spPr>
+            </p:pic>
+          </mc:Fallback>
+        </mc:AlternateContent>
+        <mc:AlternateContent xmlns:mc="http://schemas.openxmlformats.org/markup-compatibility/2006">
+          <mc:Choice xmlns:p14="http://schemas.microsoft.com/office/powerpoint/2010/main" Requires="p14">
+            <p:contentPart p14:bwMode="auto" r:id="rId42">
+              <p14:nvContentPartPr>
+                <p14:cNvPr id="33" name="インク 32">
+                  <a:extLst>
+                    <a:ext uri="{FF2B5EF4-FFF2-40B4-BE49-F238E27FC236}">
+                      <a16:creationId xmlns:a16="http://schemas.microsoft.com/office/drawing/2014/main" id="{E38BE4EE-D8AD-A062-1D4C-B6C8B2093D6C}"/>
+                    </a:ext>
+                  </a:extLst>
+                </p14:cNvPr>
+                <p14:cNvContentPartPr/>
+                <p14:nvPr/>
+              </p14:nvContentPartPr>
+              <p14:xfrm>
+                <a:off x="4450235" y="5620193"/>
+                <a:ext cx="14040" cy="402480"/>
+              </p14:xfrm>
+            </p:contentPart>
+          </mc:Choice>
+          <mc:Fallback>
+            <p:pic>
+              <p:nvPicPr>
+                <p:cNvPr id="33" name="インク 32">
+                  <a:extLst>
+                    <a:ext uri="{FF2B5EF4-FFF2-40B4-BE49-F238E27FC236}">
+                      <a16:creationId xmlns:a16="http://schemas.microsoft.com/office/drawing/2014/main" id="{E38BE4EE-D8AD-A062-1D4C-B6C8B2093D6C}"/>
+                    </a:ext>
+                  </a:extLst>
+                </p:cNvPr>
+                <p:cNvPicPr/>
+                <p:nvPr/>
+              </p:nvPicPr>
+              <p:blipFill>
+                <a:blip r:embed="rId43"/>
+                <a:stretch>
+                  <a:fillRect/>
+                </a:stretch>
+              </p:blipFill>
+              <p:spPr>
+                <a:xfrm>
+                  <a:off x="4445915" y="5615873"/>
+                  <a:ext cx="22680" cy="411120"/>
+                </a:xfrm>
+                <a:prstGeom prst="rect">
+                  <a:avLst/>
+                </a:prstGeom>
+              </p:spPr>
+            </p:pic>
+          </mc:Fallback>
+        </mc:AlternateContent>
+        <mc:AlternateContent xmlns:mc="http://schemas.openxmlformats.org/markup-compatibility/2006">
+          <mc:Choice xmlns:p14="http://schemas.microsoft.com/office/powerpoint/2010/main" Requires="p14">
+            <p:contentPart p14:bwMode="auto" r:id="rId44">
+              <p14:nvContentPartPr>
+                <p14:cNvPr id="34" name="インク 33">
+                  <a:extLst>
+                    <a:ext uri="{FF2B5EF4-FFF2-40B4-BE49-F238E27FC236}">
+                      <a16:creationId xmlns:a16="http://schemas.microsoft.com/office/drawing/2014/main" id="{A83FA674-5F9E-35E7-B4ED-A566913AE125}"/>
+                    </a:ext>
+                  </a:extLst>
+                </p14:cNvPr>
+                <p14:cNvContentPartPr/>
+                <p14:nvPr/>
+              </p14:nvContentPartPr>
+              <p14:xfrm>
+                <a:off x="4921115" y="5660873"/>
+                <a:ext cx="55080" cy="361440"/>
+              </p14:xfrm>
+            </p:contentPart>
+          </mc:Choice>
+          <mc:Fallback>
+            <p:pic>
+              <p:nvPicPr>
+                <p:cNvPr id="34" name="インク 33">
+                  <a:extLst>
+                    <a:ext uri="{FF2B5EF4-FFF2-40B4-BE49-F238E27FC236}">
+                      <a16:creationId xmlns:a16="http://schemas.microsoft.com/office/drawing/2014/main" id="{A83FA674-5F9E-35E7-B4ED-A566913AE125}"/>
+                    </a:ext>
+                  </a:extLst>
+                </p:cNvPr>
+                <p:cNvPicPr/>
+                <p:nvPr/>
+              </p:nvPicPr>
+              <p:blipFill>
+                <a:blip r:embed="rId45"/>
+                <a:stretch>
+                  <a:fillRect/>
+                </a:stretch>
+              </p:blipFill>
+              <p:spPr>
+                <a:xfrm>
+                  <a:off x="4916795" y="5656553"/>
+                  <a:ext cx="63720" cy="370080"/>
+                </a:xfrm>
+                <a:prstGeom prst="rect">
+                  <a:avLst/>
+                </a:prstGeom>
+              </p:spPr>
+            </p:pic>
+          </mc:Fallback>
+        </mc:AlternateContent>
+      </p:grpSp>
+    </p:spTree>
+    <p:extLst>
+      <p:ext uri="{BB962C8B-B14F-4D97-AF65-F5344CB8AC3E}">
+        <p14:creationId xmlns:p14="http://schemas.microsoft.com/office/powerpoint/2010/main" val="1902120204"/>
       </p:ext>
     </p:extLst>
   </p:cSld>

--- a/数学用図形.pptx
+++ b/数学用図形.pptx
@@ -28,6 +28,8 @@
     <p:sldId id="280" r:id="rId22"/>
     <p:sldId id="279" r:id="rId23"/>
     <p:sldId id="281" r:id="rId24"/>
+    <p:sldId id="282" r:id="rId25"/>
+    <p:sldId id="283" r:id="rId26"/>
   </p:sldIdLst>
   <p:sldSz cx="12192000" cy="6858000"/>
   <p:notesSz cx="6858000" cy="9144000"/>
@@ -1494,6 +1496,141 @@
 </inkml:ink>
 </file>
 
+<file path=ppt/ink/ink55.xml><?xml version="1.0" encoding="utf-8"?>
+<inkml:ink xmlns:inkml="http://www.w3.org/2003/InkML">
+  <inkml:definitions>
+    <inkml:context xml:id="ctx0">
+      <inkml:inkSource xml:id="inkSrc0">
+        <inkml:traceFormat>
+          <inkml:channel name="X" type="integer" min="-2.14748E9" max="2.14748E9" units="cm"/>
+          <inkml:channel name="Y" type="integer" min="-2.14748E9" max="2.14748E9" units="cm"/>
+          <inkml:channel name="F" type="integer" max="32767" units="dev"/>
+        </inkml:traceFormat>
+        <inkml:channelProperties>
+          <inkml:channelProperty channel="X" name="resolution" value="1000" units="1/cm"/>
+          <inkml:channelProperty channel="Y" name="resolution" value="1000" units="1/cm"/>
+          <inkml:channelProperty channel="F" name="resolution" value="0" units="1/dev"/>
+        </inkml:channelProperties>
+      </inkml:inkSource>
+      <inkml:timestamp xml:id="ts0" timeString="2024-07-01T06:32:48.922"/>
+    </inkml:context>
+    <inkml:brush xml:id="br0">
+      <inkml:brushProperty name="width" value="0.1" units="cm"/>
+      <inkml:brushProperty name="height" value="0.1" units="cm"/>
+    </inkml:brush>
+  </inkml:definitions>
+  <inkml:trace contextRef="#ctx0" brushRef="#br0">0 7919 24575,'1'-4'0,"0"0"0,1 0 0,-1 0 0,1 0 0,-1 1 0,1-1 0,4-5 0,1-4 0,32-76 0,-25 55 0,1 1 0,32-53 0,-25 54 0,-2-1 0,-1-1 0,-2-1 0,20-55 0,-32 76 0,2-1 0,0 1 0,0 0 0,2 1 0,15-21 0,16-26 0,20-32 0,-16 28 0,39-52 0,-34 52 0,-9-5 0,-30 48 0,21-29 0,179-231 0,-132 157 0,-38 56 0,99-130 0,-109 156 0,25-49 0,-30 47 0,34-45 0,16-24 0,-54 78 0,2 0 0,41-47 0,17-19 0,-55 66 0,43-45 0,-22 29 0,45-65 0,-48 58 0,172-240 0,-107 148 0,-89 123 0,2 0 0,0 2 0,30-26 0,-35 33 0,0 0 0,-2-1 0,23-37 0,22-27 0,41-22 0,-67 73 0,-1-1 0,46-64 0,-48 56 0,3 0 0,57-54 0,-78 82 0,26-29 0,-22 22 0,35-29 0,-35 34 0,0-1 0,-1-1 0,-1 0 0,0-1 0,22-37 0,-28 42 0,1 0 0,0 1 0,1 0 0,1 1 0,-1 0 0,21-13 0,-13 9 0,30-30 0,31-30 0,-13 13 0,153-139 0,-168 155 0,57-60 0,-31 28 0,148-124 0,-197 179 0,1 1 0,0 2 0,55-27 0,8-5 0,-11 9 0,-58 32 0,-2 0 0,0-2 0,26-19 0,-16 9 0,1 2 0,1 1 0,41-17 0,-32 16 0,56-36 0,-65 36 0,44-20 0,3-1 0,-45 23 0,46-18 0,-9 6 0,22-6 0,-69 28 0,-1 0 0,0-2 0,34-19 0,4-7 0,101-41 0,-1 0 0,-115 53 0,66-40 0,63-35 0,-17 11 0,24-21 0,-136 89 0,-34 16 0,0-2 0,22-11 0,95-57 0,-66 39 0,-2 5 0,-42 22 0,0-1 0,31-22 0,-18 10 0,49-24 0,-12 7 0,55-22 0,-59 31 0,-47 22 0,0 0 0,26-5 0,-25 8 0,-1-1 0,30-14 0,-2-7 0,-36 19 0,0 1 0,1 0 0,0 1 0,0 0 0,16-4 0,-7 4 0,0 0 0,-1-2 0,38-19 0,-38 18 0,0 0 0,26-6 0,-23 8 0,40-18 0,-48 17 0,19-10 0,1 1 0,47-14 0,117-34 0,9 3 0,-81 21 0,-103 35 0,0 0 0,1 1 0,-1 1 0,52 0 0,-41 3 0,60-10 0,126-34 0,-181 39 0,0 2 0,41 0 0,-42 4 0,0-3 0,47-8 0,-37 3 0,75-3 0,-43 6 0,-55 1 0,35-8 0,-38 6 0,49-5 0,22 10 0,-66 2 0,-1-1 0,0-1 0,0-2 0,43-8 0,-25 1 0,0 3 0,1 2 0,0 2 0,90 6 0,70-4 0,-176-4 0,33-7 0,25-5 0,12-2 0,-72 12 0,0 1 0,34-2 0,30 7 0,-65 3 0,0-2 0,0-1 0,0-2 0,46-9 0,-8-8 0,-38 10 0,-1 2 0,1 1 0,57-7 0,-50 12 0,-1-2 0,-1-1 0,1-1 0,-1-2 0,43-17 0,-52 18 0,1 0 0,47-5 0,3-1 0,-29 3 0,2 3 0,65-1 0,98 9 0,-75 2 0,-115-4 0,17 1 0,0 1 0,-1 1 0,50 11 0,-5 7 0,-36-7 0,84 11 0,-129-24-29,63 11-1307,-40-3-5490</inkml:trace>
+</inkml:ink>
+</file>
+
+<file path=ppt/ink/ink56.xml><?xml version="1.0" encoding="utf-8"?>
+<inkml:ink xmlns:inkml="http://www.w3.org/2003/InkML">
+  <inkml:definitions>
+    <inkml:context xml:id="ctx0">
+      <inkml:inkSource xml:id="inkSrc0">
+        <inkml:traceFormat>
+          <inkml:channel name="X" type="integer" min="-2.14748E9" max="2.14748E9" units="cm"/>
+          <inkml:channel name="Y" type="integer" min="-2.14748E9" max="2.14748E9" units="cm"/>
+          <inkml:channel name="F" type="integer" max="32767" units="dev"/>
+        </inkml:traceFormat>
+        <inkml:channelProperties>
+          <inkml:channelProperty channel="X" name="resolution" value="1000" units="1/cm"/>
+          <inkml:channelProperty channel="Y" name="resolution" value="1000" units="1/cm"/>
+          <inkml:channelProperty channel="F" name="resolution" value="0" units="1/dev"/>
+        </inkml:channelProperties>
+      </inkml:inkSource>
+      <inkml:timestamp xml:id="ts0" timeString="2024-07-01T06:33:13.261"/>
+    </inkml:context>
+    <inkml:brush xml:id="br0">
+      <inkml:brushProperty name="width" value="0.1" units="cm"/>
+      <inkml:brushProperty name="height" value="0.1" units="cm"/>
+    </inkml:brush>
+  </inkml:definitions>
+  <inkml:trace contextRef="#ctx0" brushRef="#br0">596 42 24575,'-9'-1'0,"-1"0"0,1-1 0,0 0 0,0 0 0,-12-5 0,-26-7 0,12 9 0,-1 1 0,-48 1 0,65 3 0,-1 2 0,1 0 0,0 1 0,0 1 0,-37 12 0,49-12 0,1-1 0,-1 1 0,1 1 0,0-1 0,0 1 0,0 0 0,-6 8 0,-13 10 0,17-15 0,0 0 0,0 0 0,1 1 0,0-1 0,1 2 0,0-1 0,0 1 0,1 0 0,0 0 0,1 0 0,0 1 0,0-1 0,1 1 0,-2 19 0,1 9 0,1 1 0,5 73 0,1-39 0,-3-65 0,0 0 0,1 1 0,0-1 0,1 0 0,0 0 0,0 0 0,1-1 0,0 1 0,8 14 0,-8-17 0,1-1 0,0 1 0,0-1 0,1 0 0,-1-1 0,1 1 0,0-1 0,0 0 0,1 0 0,-1 0 0,1-1 0,0 0 0,-1 0 0,10 3 0,-2-2 0,0 0 0,1 0 0,-1-2 0,0 0 0,1 0 0,25-1 0,-32-1 0,-1 0 0,1-1 0,0 0 0,0-1 0,-1 1 0,1-1 0,-1 0 0,1-1 0,-1 0 0,0 0 0,0 0 0,0-1 0,0 1 0,-1-1 0,7-7 0,0 0 0,-1-1 0,0 0 0,-1-1 0,0 0 0,-1-1 0,-1 0 0,0 0 0,-1-1 0,-1 0 0,0 0 0,6-25 0,60-275 0,-72 315 0,0 0 0,0 0 0,0 1 0,0-1 0,0 0 0,0 0 0,1 0 0,-1 1 0,0-1 0,0 0 0,0 0 0,0 0 0,1 0 0,-1 0 0,0 1 0,0-1 0,0 0 0,0 0 0,1 0 0,-1 0 0,0 0 0,0 0 0,1 0 0,-1 0 0,0 0 0,0 0 0,0 0 0,1 0 0,-1 0 0,0 0 0,0 0 0,1 0 0,-1 0 0,0 0 0,0 0 0,0 0 0,1 0 0,-1 0 0,0 0 0,0 0 0,0 0 0,1 0 0,-1-1 0,0 1 0,0 0 0,0 0 0,1 0 0,-1 0 0,0-1 0,0 1 0,0 0 0,0 0 0,0 0 0,0 0 0,1-1 0,-1 1 0,0 0 0,0 0 0,0-1 0,8 22 0,45 127 0,-44-127 0,1 0 0,0-1 0,2 0 0,27 34 0,-32-46 0,2 1 0,-1-2 0,1 1 0,1-2 0,-1 1 0,1-1 0,0 0 0,1-1 0,-1 0 0,1-1 0,0 0 0,0-1 0,0 0 0,19 2 0,12-1 0,1-2 0,70-4 0,-37-1 0,-61 3-95,-4 0 133,0 0 0,0 0-1,0-1 1,-1-1 0,20-4 0,-27 5-100,0-1-1,0 1 1,0-1 0,0 0-1,0 1 1,-1-1 0,1 0-1,-1-1 1,1 1-1,-1 0 1,0-1 0,0 0-1,0 1 1,0-1-1,0 0 1,0 0 0,-1 0-1,0 0 1,1 0 0,-1 0-1,-1 0 1,1-1-1,1-3 1,2-20-6764</inkml:trace>
+</inkml:ink>
+</file>
+
+<file path=ppt/ink/ink57.xml><?xml version="1.0" encoding="utf-8"?>
+<inkml:ink xmlns:inkml="http://www.w3.org/2003/InkML">
+  <inkml:definitions>
+    <inkml:context xml:id="ctx0">
+      <inkml:inkSource xml:id="inkSrc0">
+        <inkml:traceFormat>
+          <inkml:channel name="X" type="integer" min="-2.14748E9" max="2.14748E9" units="cm"/>
+          <inkml:channel name="Y" type="integer" min="-2.14748E9" max="2.14748E9" units="cm"/>
+          <inkml:channel name="F" type="integer" max="32767" units="dev"/>
+        </inkml:traceFormat>
+        <inkml:channelProperties>
+          <inkml:channelProperty channel="X" name="resolution" value="1000" units="1/cm"/>
+          <inkml:channelProperty channel="Y" name="resolution" value="1000" units="1/cm"/>
+          <inkml:channelProperty channel="F" name="resolution" value="0" units="1/dev"/>
+        </inkml:channelProperties>
+      </inkml:inkSource>
+      <inkml:timestamp xml:id="ts0" timeString="2024-07-01T06:33:14.028"/>
+    </inkml:context>
+    <inkml:brush xml:id="br0">
+      <inkml:brushProperty name="width" value="0.1" units="cm"/>
+      <inkml:brushProperty name="height" value="0.1" units="cm"/>
+    </inkml:brush>
+  </inkml:definitions>
+  <inkml:trace contextRef="#ctx0" brushRef="#br0">0 76 24575,'46'-2'0,"80"-14"0,-76 8 0,61-3 0,-72 10 0,6 1 0,88-13 0,-67 2 17,107-2-1,68 14-163,-92 1-1104,-118-2-5575</inkml:trace>
+</inkml:ink>
+</file>
+
+<file path=ppt/ink/ink58.xml><?xml version="1.0" encoding="utf-8"?>
+<inkml:ink xmlns:inkml="http://www.w3.org/2003/InkML">
+  <inkml:definitions>
+    <inkml:context xml:id="ctx0">
+      <inkml:inkSource xml:id="inkSrc0">
+        <inkml:traceFormat>
+          <inkml:channel name="X" type="integer" min="-2.14748E9" max="2.14748E9" units="cm"/>
+          <inkml:channel name="Y" type="integer" min="-2.14748E9" max="2.14748E9" units="cm"/>
+          <inkml:channel name="F" type="integer" max="32767" units="dev"/>
+        </inkml:traceFormat>
+        <inkml:channelProperties>
+          <inkml:channelProperty channel="X" name="resolution" value="1000" units="1/cm"/>
+          <inkml:channelProperty channel="Y" name="resolution" value="1000" units="1/cm"/>
+          <inkml:channelProperty channel="F" name="resolution" value="0" units="1/dev"/>
+        </inkml:channelProperties>
+      </inkml:inkSource>
+      <inkml:timestamp xml:id="ts0" timeString="2024-07-01T06:33:14.645"/>
+    </inkml:context>
+    <inkml:brush xml:id="br0">
+      <inkml:brushProperty name="width" value="0.1" units="cm"/>
+      <inkml:brushProperty name="height" value="0.1" units="cm"/>
+    </inkml:brush>
+  </inkml:definitions>
+  <inkml:trace contextRef="#ctx0" brushRef="#br0">0 39 24575,'1'-2'0,"-1"1"0,0 0 0,1-1 0,-1 1 0,1 0 0,-1 0 0,1 0 0,0 0 0,0-1 0,-1 1 0,1 0 0,0 0 0,0 0 0,0 1 0,0-1 0,0 0 0,0 0 0,0 0 0,0 1 0,0-1 0,1 0 0,-1 1 0,0-1 0,0 1 0,1 0 0,1-1 0,40-7 0,-39 8 0,21-3 0,0 1 0,1 1 0,-1 2 0,0 0 0,0 2 0,0 0 0,0 2 0,0 1 0,43 16 0,-33-8 0,-18-8 0,0 1 0,0 1 0,0 0 0,29 21 0,-42-25 0,0 0 0,0 0 0,-1 1 0,0-1 0,0 1 0,0 0 0,0 0 0,-1 0 0,0 0 0,0 0 0,0 0 0,-1 1 0,1-1 0,-1 1 0,0 6 0,1 13 0,-1 0 0,-3 28 0,0-23 0,2-14 0,0-4 0,0-1 0,-1 0 0,0 0 0,-1 0 0,-5 19 0,6-27 0,0 0 0,-1 0 0,0 0 0,0 0 0,1 0 0,-2 0 0,1-1 0,0 1 0,0-1 0,-1 1 0,0-1 0,1 0 0,-1 0 0,0 0 0,0 0 0,0-1 0,0 1 0,0-1 0,0 0 0,-1 0 0,1 0 0,0 0 0,-5 0 0,-71 6 0,58-7 0,-1 1 0,-25 6 0,-47 15-1365,65-11-5461</inkml:trace>
+</inkml:ink>
+</file>
+
+<file path=ppt/ink/ink59.xml><?xml version="1.0" encoding="utf-8"?>
+<inkml:ink xmlns:inkml="http://www.w3.org/2003/InkML">
+  <inkml:definitions>
+    <inkml:context xml:id="ctx0">
+      <inkml:inkSource xml:id="inkSrc0">
+        <inkml:traceFormat>
+          <inkml:channel name="X" type="integer" min="-2.14748E9" max="2.14748E9" units="cm"/>
+          <inkml:channel name="Y" type="integer" min="-2.14748E9" max="2.14748E9" units="cm"/>
+          <inkml:channel name="F" type="integer" max="32767" units="dev"/>
+        </inkml:traceFormat>
+        <inkml:channelProperties>
+          <inkml:channelProperty channel="X" name="resolution" value="1000" units="1/cm"/>
+          <inkml:channelProperty channel="Y" name="resolution" value="1000" units="1/cm"/>
+          <inkml:channelProperty channel="F" name="resolution" value="0" units="1/dev"/>
+        </inkml:channelProperties>
+      </inkml:inkSource>
+      <inkml:timestamp xml:id="ts0" timeString="2024-07-01T06:33:16.523"/>
+    </inkml:context>
+    <inkml:brush xml:id="br0">
+      <inkml:brushProperty name="width" value="0.1" units="cm"/>
+      <inkml:brushProperty name="height" value="0.1" units="cm"/>
+    </inkml:brush>
+  </inkml:definitions>
+  <inkml:trace contextRef="#ctx0" brushRef="#br0">193 28 24575,'-1'-2'0,"1"1"0,0 0 0,-1-1 0,1 1 0,-1 0 0,1-1 0,-1 1 0,0 0 0,0 0 0,1 0 0,-1 0 0,0-1 0,0 1 0,0 0 0,0 0 0,0 1 0,-1-1 0,1 0 0,0 0 0,0 1 0,0-1 0,-1 0 0,1 1 0,0-1 0,-1 1 0,1 0 0,-1-1 0,1 1 0,0 0 0,-1 0 0,1 0 0,-1 0 0,-2 0 0,-2 0 0,0 0 0,0 0 0,-1 1 0,1 0 0,0 0 0,-9 2 0,9 0 0,0 0 0,0 0 0,0 0 0,1 1 0,-1 0 0,1 0 0,0 0 0,0 1 0,0-1 0,1 1 0,0 0 0,0 1 0,0-1 0,0 1 0,1 0 0,0-1 0,0 1 0,1 1 0,-1-1 0,1 0 0,1 1 0,-2 8 0,-1 14 0,2 0 0,0 0 0,6 56 0,-1-26 0,-3-48 0,1-1 0,0 1 0,1 0 0,0-1 0,0 0 0,1 1 0,0-1 0,1 0 0,1 0 0,-1-1 0,1 1 0,11 14 0,-10-17 0,0-1 0,0 1 0,1-1 0,-1-1 0,1 1 0,0-1 0,1 0 0,-1-1 0,1 0 0,0 0 0,0-1 0,0 0 0,1 0 0,-1-1 0,17 3 0,-15-3 0,-1-1 0,0 0 0,1-1 0,-1 0 0,1 0 0,0-1 0,-1 0 0,12-4 0,-17 4 0,-1 0 0,0-1 0,1 1 0,-1-1 0,0 0 0,0 0 0,0 0 0,0-1 0,-1 1 0,1-1 0,-1 1 0,1-1 0,-1 0 0,0 0 0,0 0 0,0 0 0,0 0 0,-1-1 0,1 1 0,-1 0 0,0-1 0,0 1 0,0-1 0,0-4 0,4-29 0,-3 1 0,-1 0 0,-6-59 0,0 0 0,4 67 0,-1-1 0,-9-45 0,84 186 0,-61-92 0,2 4 0,1 2 0,1-1 0,1 0 0,1-1 0,1-1 0,23 22 0,-33-40 0,-1 0 0,1 0 0,0 0 0,1-1 0,-1-1 0,1 0 0,-1 0 0,1-1 0,0 0 0,20 1 0,24 6 0,-25-2-1365,-4-2-5461</inkml:trace>
+</inkml:ink>
+</file>
+
 <file path=ppt/ink/ink6.xml><?xml version="1.0" encoding="utf-8"?>
 <inkml:ink xmlns:inkml="http://www.w3.org/2003/InkML">
   <inkml:definitions>
@@ -1518,6 +1655,276 @@
     </inkml:brush>
   </inkml:definitions>
   <inkml:trace contextRef="#ctx0" brushRef="#br0">1 0 24575</inkml:trace>
+</inkml:ink>
+</file>
+
+<file path=ppt/ink/ink60.xml><?xml version="1.0" encoding="utf-8"?>
+<inkml:ink xmlns:inkml="http://www.w3.org/2003/InkML">
+  <inkml:definitions>
+    <inkml:context xml:id="ctx0">
+      <inkml:inkSource xml:id="inkSrc0">
+        <inkml:traceFormat>
+          <inkml:channel name="X" type="integer" min="-2.14748E9" max="2.14748E9" units="cm"/>
+          <inkml:channel name="Y" type="integer" min="-2.14748E9" max="2.14748E9" units="cm"/>
+          <inkml:channel name="F" type="integer" max="32767" units="dev"/>
+        </inkml:traceFormat>
+        <inkml:channelProperties>
+          <inkml:channelProperty channel="X" name="resolution" value="1000" units="1/cm"/>
+          <inkml:channelProperty channel="Y" name="resolution" value="1000" units="1/cm"/>
+          <inkml:channelProperty channel="F" name="resolution" value="0" units="1/dev"/>
+        </inkml:channelProperties>
+      </inkml:inkSource>
+      <inkml:timestamp xml:id="ts0" timeString="2024-07-01T06:33:17.770"/>
+    </inkml:context>
+    <inkml:brush xml:id="br0">
+      <inkml:brushProperty name="width" value="0.1" units="cm"/>
+      <inkml:brushProperty name="height" value="0.1" units="cm"/>
+    </inkml:brush>
+  </inkml:definitions>
+  <inkml:trace contextRef="#ctx0" brushRef="#br0">0 256 24575,'1'-8'0,"-1"0"0,2 1 0,-1-1 0,1 0 0,0 0 0,0 1 0,1-1 0,0 1 0,1 0 0,7-13 0,5-3 0,33-37 0,-22 30 0,-24 26 0,0 0 0,1 0 0,-1 1 0,1-1 0,0 1 0,0 0 0,0 0 0,0 1 0,1-1 0,-1 1 0,1 0 0,0 0 0,0 0 0,-1 1 0,1 0 0,0 0 0,0 0 0,0 0 0,0 1 0,0 0 0,0 0 0,0 0 0,0 1 0,8 1 0,-5 0 0,0 1 0,0 0 0,0 0 0,-1 1 0,0 0 0,1 0 0,-1 1 0,-1 0 0,1 0 0,-1 1 0,0-1 0,0 1 0,0 1 0,4 6 0,97 152 0,-104-161-151,0 0-1,1 0 0,-1-1 0,1 1 1,-1-1-1,1 0 0,0 0 1,6 3-1,10 5-6674</inkml:trace>
+</inkml:ink>
+</file>
+
+<file path=ppt/ink/ink61.xml><?xml version="1.0" encoding="utf-8"?>
+<inkml:ink xmlns:inkml="http://www.w3.org/2003/InkML">
+  <inkml:definitions>
+    <inkml:context xml:id="ctx0">
+      <inkml:inkSource xml:id="inkSrc0">
+        <inkml:traceFormat>
+          <inkml:channel name="X" type="integer" min="-2.14748E9" max="2.14748E9" units="cm"/>
+          <inkml:channel name="Y" type="integer" min="-2.14748E9" max="2.14748E9" units="cm"/>
+          <inkml:channel name="F" type="integer" max="32767" units="dev"/>
+        </inkml:traceFormat>
+        <inkml:channelProperties>
+          <inkml:channelProperty channel="X" name="resolution" value="1000" units="1/cm"/>
+          <inkml:channelProperty channel="Y" name="resolution" value="1000" units="1/cm"/>
+          <inkml:channelProperty channel="F" name="resolution" value="0" units="1/dev"/>
+        </inkml:channelProperties>
+      </inkml:inkSource>
+      <inkml:timestamp xml:id="ts0" timeString="2024-07-01T06:33:18.572"/>
+    </inkml:context>
+    <inkml:brush xml:id="br0">
+      <inkml:brushProperty name="width" value="0.1" units="cm"/>
+      <inkml:brushProperty name="height" value="0.1" units="cm"/>
+    </inkml:brush>
+  </inkml:definitions>
+  <inkml:trace contextRef="#ctx0" brushRef="#br0">0 38 24575,'877'0'0,"-851"-2"45,0 0-1,49-13 1,-44 9-795,41-5 1,-42 9-6077</inkml:trace>
+</inkml:ink>
+</file>
+
+<file path=ppt/ink/ink62.xml><?xml version="1.0" encoding="utf-8"?>
+<inkml:ink xmlns:inkml="http://www.w3.org/2003/InkML">
+  <inkml:definitions>
+    <inkml:context xml:id="ctx0">
+      <inkml:inkSource xml:id="inkSrc0">
+        <inkml:traceFormat>
+          <inkml:channel name="X" type="integer" min="-2.14748E9" max="2.14748E9" units="cm"/>
+          <inkml:channel name="Y" type="integer" min="-2.14748E9" max="2.14748E9" units="cm"/>
+          <inkml:channel name="F" type="integer" max="32767" units="dev"/>
+        </inkml:traceFormat>
+        <inkml:channelProperties>
+          <inkml:channelProperty channel="X" name="resolution" value="1000" units="1/cm"/>
+          <inkml:channelProperty channel="Y" name="resolution" value="1000" units="1/cm"/>
+          <inkml:channelProperty channel="F" name="resolution" value="0" units="1/dev"/>
+        </inkml:channelProperties>
+      </inkml:inkSource>
+      <inkml:timestamp xml:id="ts0" timeString="2024-07-01T06:33:19.247"/>
+    </inkml:context>
+    <inkml:brush xml:id="br0">
+      <inkml:brushProperty name="width" value="0.1" units="cm"/>
+      <inkml:brushProperty name="height" value="0.1" units="cm"/>
+    </inkml:brush>
+  </inkml:definitions>
+  <inkml:trace contextRef="#ctx0" brushRef="#br0">0 0 24575,'24'1'0,"-1"2"0,0 0 0,0 1 0,0 1 0,0 1 0,26 11 0,126 64 0,-168-78 0,58 38 0,-51-31 0,0 0 0,1-2 0,0 1 0,20 7 0,-29-15 0,-1 2 0,1-1 0,0 1 0,-1-1 0,1 2 0,-1-1 0,0 1 0,0-1 0,8 9 0,-12-10 0,0 0 0,1 0 0,-1 0 0,0 0 0,0 0 0,0 0 0,-1 0 0,1 0 0,0 0 0,-1 0 0,0 0 0,1 0 0,-1 1 0,0-1 0,0 0 0,0 0 0,0 0 0,-1 1 0,1-1 0,-1 0 0,1 0 0,-1 0 0,0 0 0,1 0 0,-1 0 0,0 0 0,0 0 0,-1 0 0,1 0 0,0-1 0,-2 3 0,-7 6 0,1 0 0,-2 0 0,1-1 0,-1-1 0,-1 0 0,0 0 0,0-1 0,-23 10 0,-15 10 0,-9 2-1365,33-19-5461</inkml:trace>
+</inkml:ink>
+</file>
+
+<file path=ppt/ink/ink63.xml><?xml version="1.0" encoding="utf-8"?>
+<inkml:ink xmlns:inkml="http://www.w3.org/2003/InkML">
+  <inkml:definitions>
+    <inkml:context xml:id="ctx0">
+      <inkml:inkSource xml:id="inkSrc0">
+        <inkml:traceFormat>
+          <inkml:channel name="X" type="integer" min="-2.14748E9" max="2.14748E9" units="cm"/>
+          <inkml:channel name="Y" type="integer" min="-2.14748E9" max="2.14748E9" units="cm"/>
+          <inkml:channel name="F" type="integer" max="32767" units="dev"/>
+        </inkml:traceFormat>
+        <inkml:channelProperties>
+          <inkml:channelProperty channel="X" name="resolution" value="1000" units="1/cm"/>
+          <inkml:channelProperty channel="Y" name="resolution" value="1000" units="1/cm"/>
+          <inkml:channelProperty channel="F" name="resolution" value="0" units="1/dev"/>
+        </inkml:channelProperties>
+      </inkml:inkSource>
+      <inkml:timestamp xml:id="ts0" timeString="2024-07-01T06:33:32.272"/>
+    </inkml:context>
+    <inkml:brush xml:id="br0">
+      <inkml:brushProperty name="width" value="0.1" units="cm"/>
+      <inkml:brushProperty name="height" value="0.1" units="cm"/>
+    </inkml:brush>
+  </inkml:definitions>
+  <inkml:trace contextRef="#ctx0" brushRef="#br0">926 1 24575,'-25'-1'0,"0"2"0,0 0 0,0 2 0,1 0 0,-49 14 0,-102 54 0,103-41 0,41-14 0,0 1 0,1 2 0,-51 40 0,68-50 0,0 2 0,1 0 0,0 0 0,0 1 0,1 0 0,1 1 0,0 1 0,1-1 0,0 2 0,1-1 0,-8 23 0,-2 16 0,2 1 0,-9 58 0,-15 55 0,20-97 0,-10 98 0,21-121 0,2-1 0,-2 68 0,11 97 0,0-75 0,-4-18 0,5 131 0,0-231 0,1 0 0,1-1 0,0 1 0,1-1 0,13 25 0,7 19 0,-19-44 0,0 0 0,2 0 0,0-1 0,1 0 0,0-1 0,22 25 0,85 72 0,-85-84 0,-19-18 0,0-1 0,0 0 0,1-1 0,25 11 0,24 14 0,-44-22 0,1 0 0,0-1 0,0-1 0,1-1 0,0-1 0,27 5 0,-23-5 0,47 19 0,-4 0 0,7-11 116,-55-12-857,36 10 1,-32-5-6086</inkml:trace>
+</inkml:ink>
+</file>
+
+<file path=ppt/ink/ink64.xml><?xml version="1.0" encoding="utf-8"?>
+<inkml:ink xmlns:inkml="http://www.w3.org/2003/InkML">
+  <inkml:definitions>
+    <inkml:context xml:id="ctx0">
+      <inkml:inkSource xml:id="inkSrc0">
+        <inkml:traceFormat>
+          <inkml:channel name="X" type="integer" min="-2.14748E9" max="2.14748E9" units="cm"/>
+          <inkml:channel name="Y" type="integer" min="-2.14748E9" max="2.14748E9" units="cm"/>
+          <inkml:channel name="F" type="integer" max="32767" units="dev"/>
+        </inkml:traceFormat>
+        <inkml:channelProperties>
+          <inkml:channelProperty channel="X" name="resolution" value="1000" units="1/cm"/>
+          <inkml:channelProperty channel="Y" name="resolution" value="1000" units="1/cm"/>
+          <inkml:channelProperty channel="F" name="resolution" value="0" units="1/dev"/>
+        </inkml:channelProperties>
+      </inkml:inkSource>
+      <inkml:timestamp xml:id="ts0" timeString="2024-07-01T06:33:33.637"/>
+    </inkml:context>
+    <inkml:brush xml:id="br0">
+      <inkml:brushProperty name="width" value="0.1" units="cm"/>
+      <inkml:brushProperty name="height" value="0.1" units="cm"/>
+    </inkml:brush>
+  </inkml:definitions>
+  <inkml:trace contextRef="#ctx0" brushRef="#br0">32 263 24575,'-1'-1'0,"-1"1"0,1 0 0,-1-1 0,1 0 0,0 1 0,0-1 0,-1 0 0,1 0 0,0 1 0,0-1 0,0 0 0,0 0 0,0 0 0,0 0 0,0 0 0,0-1 0,0 1 0,1 0 0,-1 0 0,0-1 0,1 1 0,-1 0 0,1-1 0,-1 1 0,1 0 0,-1-4 0,-5-37 0,6 35 0,0 0 0,1 0 0,0 0 0,0 0 0,0 1 0,1-1 0,0 0 0,0 1 0,1-1 0,0 1 0,0 0 0,0 0 0,1 0 0,0 0 0,0 1 0,0-1 0,1 1 0,0 0 0,0 1 0,0-1 0,1 1 0,-1 0 0,1 0 0,0 1 0,0-1 0,7-1 0,5-3 0,1 2 0,0 0 0,0 1 0,0 1 0,1 0 0,0 2 0,36-1 0,-13 3 0,68 2 0,-96-1 0,0 1 0,0 0 0,0 2 0,-1-1 0,18 8 0,4 4 0,-1 0 0,-1 3 0,0 1 0,-1 1 0,-2 1 0,45 40 0,-62-48 0,-1 0 0,0 1 0,-1 1 0,-1 0 0,-1 1 0,0 0 0,0 0 0,-2 1 0,12 33 0,-14-33 0,2 8 0,0 1 0,-2 1 0,5 44 0,-10-63 0,-1-1 0,0 1 0,0-1 0,-1 1 0,0 0 0,-1-1 0,1 0 0,-1 1 0,-1-1 0,0 0 0,0 0 0,0 0 0,0 0 0,-1-1 0,0 0 0,-1 1 0,-9 9 0,-20 16 0,0-2 0,-2-1 0,-2-1 0,0-3 0,-2-1 0,-63 28 0,53-26 0,-85 58 0,27-15 0,5-11 0,102-53 0,9-2 0,14-2 0,719-5 0,-733 4-105,1 0 0,-1 0 0,1 1 0,-1 0 0,1 0 0,-1 1 0,0 0 0,1 1 0,-1-1 0,-1 2 0,1-1 0,10 7 0,-1 4-6721</inkml:trace>
+</inkml:ink>
+</file>
+
+<file path=ppt/ink/ink65.xml><?xml version="1.0" encoding="utf-8"?>
+<inkml:ink xmlns:inkml="http://www.w3.org/2003/InkML">
+  <inkml:definitions>
+    <inkml:context xml:id="ctx0">
+      <inkml:inkSource xml:id="inkSrc0">
+        <inkml:traceFormat>
+          <inkml:channel name="X" type="integer" min="-2.14748E9" max="2.14748E9" units="cm"/>
+          <inkml:channel name="Y" type="integer" min="-2.14748E9" max="2.14748E9" units="cm"/>
+          <inkml:channel name="F" type="integer" max="32767" units="dev"/>
+        </inkml:traceFormat>
+        <inkml:channelProperties>
+          <inkml:channelProperty channel="X" name="resolution" value="1000" units="1/cm"/>
+          <inkml:channelProperty channel="Y" name="resolution" value="1000" units="1/cm"/>
+          <inkml:channelProperty channel="F" name="resolution" value="0" units="1/dev"/>
+        </inkml:channelProperties>
+      </inkml:inkSource>
+      <inkml:timestamp xml:id="ts0" timeString="2024-07-01T06:33:34.129"/>
+    </inkml:context>
+    <inkml:brush xml:id="br0">
+      <inkml:brushProperty name="width" value="0.1" units="cm"/>
+      <inkml:brushProperty name="height" value="0.1" units="cm"/>
+    </inkml:brush>
+  </inkml:definitions>
+  <inkml:trace contextRef="#ctx0" brushRef="#br0">548 63 24575,'-16'0'0,"2"1"0,0-1 0,-26-4 0,38 4 0,0 0 0,0 0 0,0-1 0,0 1 0,0 0 0,0-1 0,0 0 0,1 1 0,-1-1 0,0 0 0,0 0 0,1 0 0,-1 0 0,1 0 0,-1-1 0,1 1 0,-1 0 0,1-1 0,0 1 0,0-1 0,-1 0 0,1 1 0,0-1 0,0 0 0,1 1 0,-1-1 0,-1-4 0,2 5 0,0 0 0,0 0 0,0 0 0,0 0 0,0 0 0,1 0 0,-1 0 0,0 0 0,0 0 0,1 1 0,-1-1 0,1 0 0,-1 0 0,1 0 0,-1 0 0,1 0 0,0 1 0,-1-1 0,1 0 0,0 0 0,-1 1 0,1-1 0,0 1 0,0-1 0,0 1 0,0-1 0,-1 1 0,1-1 0,0 1 0,0 0 0,0-1 0,0 1 0,0 0 0,0 0 0,0 0 0,0 0 0,2 0 0,1-1 0,0 1 0,1 0 0,-1 0 0,1 0 0,-1 1 0,0 0 0,6 1 0,-4 0 0,0 1 0,0-1 0,0 1 0,-1 0 0,1 1 0,-1-1 0,0 1 0,0 0 0,0 0 0,-1 1 0,1-1 0,-1 1 0,0 0 0,-1 1 0,1-1 0,-1 0 0,0 1 0,0 0 0,-1 0 0,1 0 0,-1 0 0,-1 0 0,1 0 0,-1 0 0,0 1 0,0 11 0,-1-10 0,0 1 0,-1-1 0,0 0 0,0 0 0,-1 0 0,0 0 0,0 0 0,-1-1 0,1 1 0,-2-1 0,1 1 0,-1-1 0,-1 0 0,1-1 0,-1 1 0,0-1 0,0 0 0,-1 0 0,0 0 0,-10 7 0,-14 8 0,19-12 0,-1 0 0,-1-1 0,1-1 0,-1 0 0,-1 0 0,1-2 0,-17 6 0,-28 3-341,-1-3 0,0-2-1,-95 2 1,123-11-6485</inkml:trace>
+</inkml:ink>
+</file>
+
+<file path=ppt/ink/ink66.xml><?xml version="1.0" encoding="utf-8"?>
+<inkml:ink xmlns:inkml="http://www.w3.org/2003/InkML">
+  <inkml:definitions>
+    <inkml:context xml:id="ctx0">
+      <inkml:inkSource xml:id="inkSrc0">
+        <inkml:traceFormat>
+          <inkml:channel name="X" type="integer" min="-2.14748E9" max="2.14748E9" units="cm"/>
+          <inkml:channel name="Y" type="integer" min="-2.14748E9" max="2.14748E9" units="cm"/>
+          <inkml:channel name="F" type="integer" max="32767" units="dev"/>
+        </inkml:traceFormat>
+        <inkml:channelProperties>
+          <inkml:channelProperty channel="X" name="resolution" value="1000" units="1/cm"/>
+          <inkml:channelProperty channel="Y" name="resolution" value="1000" units="1/cm"/>
+          <inkml:channelProperty channel="F" name="resolution" value="0" units="1/dev"/>
+        </inkml:channelProperties>
+      </inkml:inkSource>
+      <inkml:timestamp xml:id="ts0" timeString="2024-07-01T06:33:34.660"/>
+    </inkml:context>
+    <inkml:brush xml:id="br0">
+      <inkml:brushProperty name="width" value="0.1" units="cm"/>
+      <inkml:brushProperty name="height" value="0.1" units="cm"/>
+    </inkml:brush>
+  </inkml:definitions>
+  <inkml:trace contextRef="#ctx0" brushRef="#br0">0 0 24575,'1'3'0,"0"0"0,-1 0 0,1 0 0,0 0 0,0-1 0,1 1 0,-1 0 0,3 4 0,7 14 0,-5 13 0,0 0 0,-2-1 0,-2 2 0,-1-1 0,-4 35 0,2-4 0,0 1018 0,1-1068 40,1-1 0,4 28 0,-4-39-114,-1 0-1,1 0 1,0 1 0,0-1 0,0 0-1,0-1 1,0 1 0,1 0 0,-1 0-1,1 0 1,0-1 0,0 1 0,0-1-1,0 1 1,0-1 0,1 0 0,-1 0-1,0 0 1,6 3 0</inkml:trace>
+</inkml:ink>
+</file>
+
+<file path=ppt/ink/ink67.xml><?xml version="1.0" encoding="utf-8"?>
+<inkml:ink xmlns:inkml="http://www.w3.org/2003/InkML">
+  <inkml:definitions>
+    <inkml:context xml:id="ctx0">
+      <inkml:inkSource xml:id="inkSrc0">
+        <inkml:traceFormat>
+          <inkml:channel name="X" type="integer" min="-2.14748E9" max="2.14748E9" units="cm"/>
+          <inkml:channel name="Y" type="integer" min="-2.14748E9" max="2.14748E9" units="cm"/>
+          <inkml:channel name="F" type="integer" max="32767" units="dev"/>
+        </inkml:traceFormat>
+        <inkml:channelProperties>
+          <inkml:channelProperty channel="X" name="resolution" value="1000" units="1/cm"/>
+          <inkml:channelProperty channel="Y" name="resolution" value="1000" units="1/cm"/>
+          <inkml:channelProperty channel="F" name="resolution" value="0" units="1/dev"/>
+        </inkml:channelProperties>
+      </inkml:inkSource>
+      <inkml:timestamp xml:id="ts0" timeString="2024-07-01T06:33:35.336"/>
+    </inkml:context>
+    <inkml:brush xml:id="br0">
+      <inkml:brushProperty name="width" value="0.1" units="cm"/>
+      <inkml:brushProperty name="height" value="0.1" units="cm"/>
+    </inkml:brush>
+  </inkml:definitions>
+  <inkml:trace contextRef="#ctx0" brushRef="#br0">1 37 24575,'3'0'0,"-1"-1"0,1 1 0,0-1 0,0 0 0,-1 0 0,1-1 0,-1 1 0,1 0 0,2-3 0,16-7 0,-6 7 0,1 1 0,-1 0 0,1 1 0,0 1 0,0 0 0,-1 1 0,1 1 0,0 0 0,-1 1 0,26 7 0,8 6 0,91 40 0,-132-51 0,131 73 0,-68-41 25,69 48-1,-13-7-666,60 50 531,-128-83 104,-2-3-132,50 36-758,177 162 0,-186-143 896,-40-42-1,-2 2-1,94 127 1,-122-136-11,-3 2 0,29 76 1,-32-72 9,-8-12 508,-1 2 1,-3 0-1,8 61 0,-11-53-337,-2 0 0,-2 0 0,-7 78 0,3-119-168,-1 1 0,-1 0 0,0-1 0,0 1 0,-1-1 0,0 0 0,-1 0 0,0 0 0,-1-1 0,0 0 0,0 0 0,-1 0 0,0-1 0,0 0 0,-1 0 0,0-1 0,-1 0 0,-9 6 0,-7 4 0,-1-2 0,-1-1 0,0-1 0,-1-1 0,-37 10 0,-73 27 0,70-23 0,-97 23 0,-13-1 0,119-30 0,1-2 0,-2-3 0,-64 6 0,77-13 0,0 2 0,0 2 0,1 3 0,-54 21 0,57-19 0,14-6 0,-45 6 0,51-12 0,1 2 0,0 0 0,0 2 0,-31 12 0,30-7-1365,2-2-5461</inkml:trace>
+</inkml:ink>
+</file>
+
+<file path=ppt/ink/ink68.xml><?xml version="1.0" encoding="utf-8"?>
+<inkml:ink xmlns:inkml="http://www.w3.org/2003/InkML">
+  <inkml:definitions>
+    <inkml:context xml:id="ctx0">
+      <inkml:inkSource xml:id="inkSrc0">
+        <inkml:traceFormat>
+          <inkml:channel name="X" type="integer" min="-2.14748E9" max="2.14748E9" units="cm"/>
+          <inkml:channel name="Y" type="integer" min="-2.14748E9" max="2.14748E9" units="cm"/>
+          <inkml:channel name="F" type="integer" max="32767" units="dev"/>
+        </inkml:traceFormat>
+        <inkml:channelProperties>
+          <inkml:channelProperty channel="X" name="resolution" value="1000" units="1/cm"/>
+          <inkml:channelProperty channel="Y" name="resolution" value="1000" units="1/cm"/>
+          <inkml:channelProperty channel="F" name="resolution" value="0" units="1/dev"/>
+        </inkml:channelProperties>
+      </inkml:inkSource>
+      <inkml:timestamp xml:id="ts0" timeString="2024-07-01T06:32:41.180"/>
+    </inkml:context>
+    <inkml:brush xml:id="br0">
+      <inkml:brushProperty name="width" value="0.1" units="cm"/>
+      <inkml:brushProperty name="height" value="0.1" units="cm"/>
+    </inkml:brush>
+  </inkml:definitions>
+  <inkml:trace contextRef="#ctx0" brushRef="#br0">0 1505 24575,'0'1'0,"1"1"0,-1-1 0,0 0 0,1 0 0,-1 0 0,1 0 0,-1 0 0,1 0 0,-1 0 0,1 0 0,0 0 0,-1 0 0,1-1 0,0 1 0,0 0 0,0 0 0,-1 0 0,1-1 0,0 1 0,0-1 0,0 1 0,2 0 0,30 12 0,-17-7 0,32 19 0,-37-18 0,0-1 0,1 0 0,-1-1 0,1 0 0,0-1 0,1 0 0,15 2 0,55-1 0,-60-5 0,0 2 0,1 0 0,27 7 0,23 12 0,-47-12 0,1-1 0,0-1 0,51 5 0,285-10 0,-175-4 0,-117 3 0,-24 1 0,1-3 0,0-1 0,64-12 0,-54 2 0,-35 9 0,0-2 0,0-1 0,-1-1 0,0 0 0,23-12 0,12-9 0,-31 16 0,0-2 0,38-25 0,-21 9 0,-33 24 0,1-2 0,-1 1 0,0-1 0,-1-1 0,0 0 0,-1 0 0,10-13 0,82-131 0,-84 128 0,23-28 0,-3 5 0,-25 30 0,-1 3 0,0 0 0,-2 0 0,0-1 0,10-22 0,28-65 0,-30 69 0,21-58 0,-22 30 0,-11 41 0,0 0 0,2 1 0,10-25 0,-7 23 0,-2 0 0,10-43 0,-13 43 0,1 0 0,2 0 0,11-24 0,-16 38 0,45-94 0,-43 87 0,0 0 0,-1 0 0,0 0 0,-2 0 0,2-20 0,-4-111-1365,0 114-5461</inkml:trace>
+</inkml:ink>
+</file>
+
+<file path=ppt/ink/ink69.xml><?xml version="1.0" encoding="utf-8"?>
+<inkml:ink xmlns:inkml="http://www.w3.org/2003/InkML">
+  <inkml:definitions>
+    <inkml:context xml:id="ctx0">
+      <inkml:inkSource xml:id="inkSrc0">
+        <inkml:traceFormat>
+          <inkml:channel name="X" type="integer" min="-2.14748E9" max="2.14748E9" units="cm"/>
+          <inkml:channel name="Y" type="integer" min="-2.14748E9" max="2.14748E9" units="cm"/>
+          <inkml:channel name="F" type="integer" max="32767" units="dev"/>
+        </inkml:traceFormat>
+        <inkml:channelProperties>
+          <inkml:channelProperty channel="X" name="resolution" value="1000" units="1/cm"/>
+          <inkml:channelProperty channel="Y" name="resolution" value="1000" units="1/cm"/>
+          <inkml:channelProperty channel="F" name="resolution" value="0" units="1/dev"/>
+        </inkml:channelProperties>
+      </inkml:inkSource>
+      <inkml:timestamp xml:id="ts0" timeString="2024-07-01T06:32:42.274"/>
+    </inkml:context>
+    <inkml:brush xml:id="br0">
+      <inkml:brushProperty name="width" value="0.1" units="cm"/>
+      <inkml:brushProperty name="height" value="0.1" units="cm"/>
+    </inkml:brush>
+  </inkml:definitions>
+  <inkml:trace contextRef="#ctx0" brushRef="#br0">0 0 24575,'3'0'0,"-1"1"0,1 0 0,-1-1 0,0 1 0,1 0 0,-1 0 0,0 0 0,0 0 0,1 1 0,-1-1 0,0 0 0,0 1 0,-1 0 0,1-1 0,0 1 0,0 0 0,-1 0 0,3 4 0,23 40 0,-25-42 0,9 24 0,-1 0 0,-2 0 0,0 1 0,-2 0 0,3 44 0,2 4 0,37 112 0,-4-25 0,-18-76 0,16 63 0,-41-146-124,0-1 0,0 0 0,0 0 0,1 0 0,0 0 0,0 0-1,0 0 1,0-1 0,0 1 0,5 5 0,9 5-6702</inkml:trace>
 </inkml:ink>
 </file>
 
@@ -1548,6 +1955,276 @@
 </inkml:ink>
 </file>
 
+<file path=ppt/ink/ink70.xml><?xml version="1.0" encoding="utf-8"?>
+<inkml:ink xmlns:inkml="http://www.w3.org/2003/InkML">
+  <inkml:definitions>
+    <inkml:context xml:id="ctx0">
+      <inkml:inkSource xml:id="inkSrc0">
+        <inkml:traceFormat>
+          <inkml:channel name="X" type="integer" min="-2.14748E9" max="2.14748E9" units="cm"/>
+          <inkml:channel name="Y" type="integer" min="-2.14748E9" max="2.14748E9" units="cm"/>
+          <inkml:channel name="F" type="integer" max="32767" units="dev"/>
+        </inkml:traceFormat>
+        <inkml:channelProperties>
+          <inkml:channelProperty channel="X" name="resolution" value="1000" units="1/cm"/>
+          <inkml:channelProperty channel="Y" name="resolution" value="1000" units="1/cm"/>
+          <inkml:channelProperty channel="F" name="resolution" value="0" units="1/dev"/>
+        </inkml:channelProperties>
+      </inkml:inkSource>
+      <inkml:timestamp xml:id="ts0" timeString="2024-07-01T06:33:38.483"/>
+    </inkml:context>
+    <inkml:brush xml:id="br0">
+      <inkml:brushProperty name="width" value="0.1" units="cm"/>
+      <inkml:brushProperty name="height" value="0.1" units="cm"/>
+    </inkml:brush>
+  </inkml:definitions>
+  <inkml:trace contextRef="#ctx0" brushRef="#br0">0 0 24575,'9'1'0,"-1"0"0,0 0 0,1 0 0,-1 1 0,0 0 0,0 0 0,0 1 0,0 0 0,11 7 0,4 4 0,36 29 0,2 2 0,43 21 26,164 94-1044,-93-55 1041,5 2-317,495 234-1064,-615-310 828,316 161-1141,-130-88 1671,-40-19 0,168 85 0,-276-131 0,105 26 0,20 8 0,362 155-244,-245-95-912,-203-89 1222,-84-29 634,79 34 0,-115-41-168,1-1 1,0 0-1,19 4 1,-11-6-6098</inkml:trace>
+</inkml:ink>
+</file>
+
+<file path=ppt/ink/ink71.xml><?xml version="1.0" encoding="utf-8"?>
+<inkml:ink xmlns:inkml="http://www.w3.org/2003/InkML">
+  <inkml:definitions>
+    <inkml:context xml:id="ctx0">
+      <inkml:inkSource xml:id="inkSrc0">
+        <inkml:traceFormat>
+          <inkml:channel name="X" type="integer" min="-2.14748E9" max="2.14748E9" units="cm"/>
+          <inkml:channel name="Y" type="integer" min="-2.14748E9" max="2.14748E9" units="cm"/>
+          <inkml:channel name="F" type="integer" max="32767" units="dev"/>
+        </inkml:traceFormat>
+        <inkml:channelProperties>
+          <inkml:channelProperty channel="X" name="resolution" value="1000" units="1/cm"/>
+          <inkml:channelProperty channel="Y" name="resolution" value="1000" units="1/cm"/>
+          <inkml:channelProperty channel="F" name="resolution" value="0" units="1/dev"/>
+        </inkml:channelProperties>
+      </inkml:inkSource>
+      <inkml:timestamp xml:id="ts0" timeString="2024-07-01T06:33:39.186"/>
+    </inkml:context>
+    <inkml:brush xml:id="br0">
+      <inkml:brushProperty name="width" value="0.1" units="cm"/>
+      <inkml:brushProperty name="height" value="0.1" units="cm"/>
+    </inkml:brush>
+  </inkml:definitions>
+  <inkml:trace contextRef="#ctx0" brushRef="#br0">58 0 24575,'2'0'0,"0"1"0,0-1 0,-1 1 0,1-1 0,0 1 0,0 0 0,-1 0 0,1 0 0,0 0 0,-1 0 0,1 0 0,-1 0 0,0 1 0,1-1 0,-1 0 0,0 1 0,2 1 0,21 34 0,-14-20 0,73 123 0,-56-89 0,50 69 0,-18-27 0,-43-64 0,2-2 0,24 31 0,-32-45 0,0 1 0,-1 0 0,13 29 0,-13-24 0,20 31 0,-23-43 0,-1 1 0,-1-1 0,0 1 0,0 1 0,0-1 0,-1 0 0,0 1 0,3 16 0,-6-22 0,0 0 0,1 1 0,-1-1 0,0 0 0,0 0 0,-1 0 0,1 1 0,-1-1 0,1 0 0,-1 0 0,0 0 0,0 0 0,-1 0 0,1 0 0,0 0 0,-1 0 0,0-1 0,0 1 0,0 0 0,0-1 0,0 0 0,0 1 0,-1-1 0,1 0 0,-1 0 0,1 0 0,-5 2 0,-25 11 0,0-1 0,-1-2 0,0-1 0,-1-2 0,0-1 0,-60 6 0,71-11-170,-1 0-1,1 2 0,-1 1 1,1 1-1,1 1 0,0 1 1,-39 21-1,42-17-6655</inkml:trace>
+</inkml:ink>
+</file>
+
+<file path=ppt/ink/ink72.xml><?xml version="1.0" encoding="utf-8"?>
+<inkml:ink xmlns:inkml="http://www.w3.org/2003/InkML">
+  <inkml:definitions>
+    <inkml:context xml:id="ctx0">
+      <inkml:inkSource xml:id="inkSrc0">
+        <inkml:traceFormat>
+          <inkml:channel name="X" type="integer" min="-2.14748E9" max="2.14748E9" units="cm"/>
+          <inkml:channel name="Y" type="integer" min="-2.14748E9" max="2.14748E9" units="cm"/>
+          <inkml:channel name="F" type="integer" max="32767" units="dev"/>
+        </inkml:traceFormat>
+        <inkml:channelProperties>
+          <inkml:channelProperty channel="X" name="resolution" value="1000" units="1/cm"/>
+          <inkml:channelProperty channel="Y" name="resolution" value="1000" units="1/cm"/>
+          <inkml:channelProperty channel="F" name="resolution" value="0" units="1/dev"/>
+        </inkml:channelProperties>
+      </inkml:inkSource>
+      <inkml:timestamp xml:id="ts0" timeString="2024-07-01T06:33:40.131"/>
+    </inkml:context>
+    <inkml:brush xml:id="br0">
+      <inkml:brushProperty name="width" value="0.1" units="cm"/>
+      <inkml:brushProperty name="height" value="0.1" units="cm"/>
+    </inkml:brush>
+  </inkml:definitions>
+  <inkml:trace contextRef="#ctx0" brushRef="#br0">1327 1 24575,'-12'0'0,"-31"0"0,1 1 0,-79 13 0,104-11 0,-9 2 0,-35 12 0,51-13 0,1 0 0,0 0 0,0 1 0,0 0 0,1 1 0,-1 0 0,-7 7 0,-6 5 0,-1-1 0,0-2 0,-33 17 0,26-16 0,-49 37 0,-46 52 0,87-74 0,28-23 0,0 0 0,0 1 0,0 0 0,1 1 0,-10 13 0,-169 241 0,140-197 0,27-39 0,-35 60 0,30-27 0,2 1 0,3 1 0,-22 112 0,33-131 0,-1 26 0,2 0 0,4 1 0,5 107 0,1-119 0,1-24 14,1 1 0,2-1-1,1 0 1,15 48 0,57 131-866,-54-163 777,53 84 0,-35-65 68,-8-12 47,2-2-1,3-2 0,49 54 0,-76-94 256,10 11-197,1-1-1,1-1 1,0-1 0,49 33-1,-10-18-97,-15-10 0,-2 1 0,44 38 0,-67-49 0,1-1 0,1-1 0,0-2 0,45 19 0,5 2 0,-35-17-455,1-1 0,77 18 0,-83-26-6371</inkml:trace>
+</inkml:ink>
+</file>
+
+<file path=ppt/ink/ink73.xml><?xml version="1.0" encoding="utf-8"?>
+<inkml:ink xmlns:inkml="http://www.w3.org/2003/InkML">
+  <inkml:definitions>
+    <inkml:context xml:id="ctx0">
+      <inkml:inkSource xml:id="inkSrc0">
+        <inkml:traceFormat>
+          <inkml:channel name="X" type="integer" min="-2.14748E9" max="2.14748E9" units="cm"/>
+          <inkml:channel name="Y" type="integer" min="-2.14748E9" max="2.14748E9" units="cm"/>
+          <inkml:channel name="F" type="integer" max="32767" units="dev"/>
+        </inkml:traceFormat>
+        <inkml:channelProperties>
+          <inkml:channelProperty channel="X" name="resolution" value="1000" units="1/cm"/>
+          <inkml:channelProperty channel="Y" name="resolution" value="1000" units="1/cm"/>
+          <inkml:channelProperty channel="F" name="resolution" value="0" units="1/dev"/>
+        </inkml:channelProperties>
+      </inkml:inkSource>
+      <inkml:timestamp xml:id="ts0" timeString="2024-07-01T06:33:41.542"/>
+    </inkml:context>
+    <inkml:brush xml:id="br0">
+      <inkml:brushProperty name="width" value="0.1" units="cm"/>
+      <inkml:brushProperty name="height" value="0.1" units="cm"/>
+    </inkml:brush>
+  </inkml:definitions>
+  <inkml:trace contextRef="#ctx0" brushRef="#br0">0 39 24575,'1'1'0,"-1"1"0,0-1 0,1 0 0,-1 0 0,1 0 0,-1 1 0,1-1 0,0 0 0,0 0 0,-1 0 0,1 0 0,0 0 0,0 0 0,0 0 0,0 0 0,0 0 0,0-1 0,0 1 0,0 0 0,1-1 0,-1 1 0,0 0 0,0-1 0,0 0 0,1 1 0,-1-1 0,2 1 0,39 6 0,-38-6 0,89 5-267,118-6 0,-83-2 126,-18 2 45,420-15-1720,235-5 322,-290 17 1075,-171-15 56,105-1-116,-197 20 4248</inkml:trace>
+</inkml:ink>
+</file>
+
+<file path=ppt/ink/ink74.xml><?xml version="1.0" encoding="utf-8"?>
+<inkml:ink xmlns:inkml="http://www.w3.org/2003/InkML">
+  <inkml:definitions>
+    <inkml:context xml:id="ctx0">
+      <inkml:inkSource xml:id="inkSrc0">
+        <inkml:traceFormat>
+          <inkml:channel name="X" type="integer" min="-2.14748E9" max="2.14748E9" units="cm"/>
+          <inkml:channel name="Y" type="integer" min="-2.14748E9" max="2.14748E9" units="cm"/>
+          <inkml:channel name="F" type="integer" max="32767" units="dev"/>
+        </inkml:traceFormat>
+        <inkml:channelProperties>
+          <inkml:channelProperty channel="X" name="resolution" value="1000" units="1/cm"/>
+          <inkml:channelProperty channel="Y" name="resolution" value="1000" units="1/cm"/>
+          <inkml:channelProperty channel="F" name="resolution" value="0" units="1/dev"/>
+        </inkml:channelProperties>
+      </inkml:inkSource>
+      <inkml:timestamp xml:id="ts0" timeString="2024-07-01T06:33:42.401"/>
+    </inkml:context>
+    <inkml:brush xml:id="br0">
+      <inkml:brushProperty name="width" value="0.1" units="cm"/>
+      <inkml:brushProperty name="height" value="0.1" units="cm"/>
+    </inkml:brush>
+  </inkml:definitions>
+  <inkml:trace contextRef="#ctx0" brushRef="#br0">1 962 24575,'0'-36'0,"1"0"0,2 0 0,8-36 0,-1 18 0,-7 31 0,2-1 0,0 2 0,2-1 0,15-36 0,-6 27 0,1 0 0,-2-1 0,12-38 0,-24 59 0,1 1 0,1-1 0,0 1 0,0 0 0,1 1 0,1-1 0,10-13 0,-14 21 0,-1 0 0,0 1 0,1-1 0,0 1 0,-1-1 0,1 1 0,0 0 0,0 0 0,0 1 0,1-1 0,-1 1 0,0-1 0,1 1 0,-1 0 0,0 0 0,1 0 0,0 1 0,-1-1 0,1 1 0,-1 0 0,1 0 0,-1 0 0,1 0 0,0 1 0,-1 0 0,1-1 0,-1 1 0,0 1 0,5 1 0,2 3 0,0 0 0,-1 1 0,0 0 0,0 1 0,-1 0 0,0 0 0,0 1 0,-1 0 0,0 0 0,10 17 0,5 7 0,14 22 0,41 82 0,-21-34 0,17 36 0,-49-89 0,2-2 0,2 0 0,58 75 0,-71-105 0,104 110 0,-103-114 0,1 0 0,0-1 0,1 0 0,0-2 0,1 0 0,22 9 0,-39-19 0,1 0 0,-1 0 0,1 0 0,0 0 0,-1 0 0,1-1 0,0 1 0,0-1 0,0 0 0,0 0 0,-1 0 0,1 0 0,0 0 0,0 0 0,0-1 0,0 0 0,-1 1 0,1-1 0,0 0 0,3-2 0,-3 1 0,0-1 0,0 1 0,0-1 0,-1 0 0,1 0 0,-1 0 0,1 0 0,-1 0 0,0 0 0,0-1 0,-1 1 0,1-1 0,1-4 0,2-9 0,-1-1 0,-1 0 0,0 0 0,-1 0 0,-1-21 0,-2-388 0,-2 147 0,1 174 0,5-118 0,-2 220 0,0-1 0,0 1 0,0-1 0,1 1 0,-1 0 0,1 0 0,0 0 0,1 0 0,-1 0 0,0 0 0,1 0 0,0 1 0,0-1 0,0 1 0,1 0 0,-1 0 0,0 0 0,1 0 0,0 1 0,0 0 0,0-1 0,7-1 0,9-5 0,1 2 0,0 0 0,33-5 0,-16 4 0,0 0 0,1 1 0,71-3 0,83 12 0,-77 0 0,-53 1 0,74 13 0,34 3 0,151-17 0,-181-4 0,-124 2 0,0 1 0,-1 1 0,21 4 0,-32-5 0,0 0 0,0 0 0,0 1 0,-1 0 0,1 0 0,0 0 0,-1 1 0,1-1 0,-1 1 0,0 0 0,0 0 0,0 1 0,0-1 0,4 6 0,-7-8 4,-1 0 0,1 0 0,0 0 0,-1 0 0,1 0 0,0 1 0,-1-1 0,0 0 0,1 0 0,-1 1 0,0-1 0,1 0 0,-1 1 0,0-1 0,0 0 0,0 0 0,0 1 0,0-1 0,-1 0 0,1 1 0,0-1 0,0 0 0,-1 2 0,-1 0-167,1-1 1,-1 1 0,0-1-1,0 1 1,0-1 0,0 1 0,0-1-1,-4 3 1,-16 11-6664</inkml:trace>
+</inkml:ink>
+</file>
+
+<file path=ppt/ink/ink75.xml><?xml version="1.0" encoding="utf-8"?>
+<inkml:ink xmlns:inkml="http://www.w3.org/2003/InkML">
+  <inkml:definitions>
+    <inkml:context xml:id="ctx0">
+      <inkml:inkSource xml:id="inkSrc0">
+        <inkml:traceFormat>
+          <inkml:channel name="X" type="integer" min="-2.14748E9" max="2.14748E9" units="cm"/>
+          <inkml:channel name="Y" type="integer" min="-2.14748E9" max="2.14748E9" units="cm"/>
+          <inkml:channel name="F" type="integer" max="32767" units="dev"/>
+        </inkml:traceFormat>
+        <inkml:channelProperties>
+          <inkml:channelProperty channel="X" name="resolution" value="1000" units="1/cm"/>
+          <inkml:channelProperty channel="Y" name="resolution" value="1000" units="1/cm"/>
+          <inkml:channelProperty channel="F" name="resolution" value="0" units="1/dev"/>
+        </inkml:channelProperties>
+      </inkml:inkSource>
+      <inkml:timestamp xml:id="ts0" timeString="2024-07-01T06:33:42.937"/>
+    </inkml:context>
+    <inkml:brush xml:id="br0">
+      <inkml:brushProperty name="width" value="0.1" units="cm"/>
+      <inkml:brushProperty name="height" value="0.1" units="cm"/>
+    </inkml:brush>
+  </inkml:definitions>
+  <inkml:trace contextRef="#ctx0" brushRef="#br0">193 1 24575,'-1'11'0,"-1"-1"0,-1 1 0,0 0 0,0-1 0,-1 0 0,0 1 0,-1-1 0,0-1 0,-9 14 0,-3 8 0,-24 41 0,24-44 0,1 1 0,1 0 0,2 1 0,-14 43 0,27-70 0,-1-1 0,0 0 0,1 0 0,0 1 0,-1-1 0,1 0 0,0 1 0,0-1 0,0 0 0,1 1 0,-1-1 0,0 0 0,1 1 0,0-1 0,-1 0 0,1 0 0,0 0 0,0 1 0,0-1 0,1 0 0,-1 0 0,0-1 0,1 1 0,-1 0 0,1 0 0,0-1 0,-1 1 0,1-1 0,0 1 0,0-1 0,0 0 0,0 0 0,0 0 0,0 0 0,1 0 0,-1 0 0,0 0 0,0-1 0,1 1 0,3-1 0,11 3 0,1-1 0,0-1 0,0-1 0,25-2 0,-19 0 0,-8 3 0,1 0 0,-1 0 0,0 2 0,0 0 0,-1 1 0,1 0 0,-1 1 0,0 1 0,20 10 0,-16-6 0,0 1 0,-1 1 0,0 1 0,-1 0 0,-1 2 0,23 23 0,-29-25 0,0 0 0,0 1 0,-2 0 0,0 1 0,0 0 0,-1 0 0,4 16 0,-7-20 0,-1 0 0,0 1 0,-1-1 0,0 1 0,-1-1 0,0 1 0,-1 0 0,0 0 0,-1-1 0,-3 20 0,3-26 0,-1 0 0,0-1 0,0 1 0,0-1 0,0 0 0,-1 1 0,1-1 0,-1 0 0,0-1 0,0 1 0,-1 0 0,1-1 0,-1 0 0,0 0 0,0 0 0,0 0 0,0 0 0,0-1 0,-1 0 0,1 0 0,-1 0 0,1 0 0,-1-1 0,0 0 0,-7 1 0,-12 2 0,-1-2 0,1-2 0,-1 0 0,-25-3 0,3 0 0,34 3 24,1-1 0,-1-1 0,0 0 0,-12-3 0,21 3-123,0 1 0,0-1 0,-1 1 0,1-1 0,1 0 0,-1-1 0,0 1 0,0-1 0,1 1 0,-1-1 0,1 0 0,0-1 0,0 1 0,-5-7 0,-3-11-6727</inkml:trace>
+</inkml:ink>
+</file>
+
+<file path=ppt/ink/ink76.xml><?xml version="1.0" encoding="utf-8"?>
+<inkml:ink xmlns:inkml="http://www.w3.org/2003/InkML">
+  <inkml:definitions>
+    <inkml:context xml:id="ctx0">
+      <inkml:inkSource xml:id="inkSrc0">
+        <inkml:traceFormat>
+          <inkml:channel name="X" type="integer" min="-2.14748E9" max="2.14748E9" units="cm"/>
+          <inkml:channel name="Y" type="integer" min="-2.14748E9" max="2.14748E9" units="cm"/>
+          <inkml:channel name="F" type="integer" max="32767" units="dev"/>
+        </inkml:traceFormat>
+        <inkml:channelProperties>
+          <inkml:channelProperty channel="X" name="resolution" value="1000" units="1/cm"/>
+          <inkml:channelProperty channel="Y" name="resolution" value="1000" units="1/cm"/>
+          <inkml:channelProperty channel="F" name="resolution" value="0" units="1/dev"/>
+        </inkml:channelProperties>
+      </inkml:inkSource>
+      <inkml:timestamp xml:id="ts0" timeString="2024-07-01T06:33:43.417"/>
+    </inkml:context>
+    <inkml:brush xml:id="br0">
+      <inkml:brushProperty name="width" value="0.1" units="cm"/>
+      <inkml:brushProperty name="height" value="0.1" units="cm"/>
+    </inkml:brush>
+  </inkml:definitions>
+  <inkml:trace contextRef="#ctx0" brushRef="#br0">1 111 24575,'0'-7'0,"6"-1"0,8 0 0,9-5 0,6 0 0,5 2 0,2 3 0,2 3 0,0 2 0,0 2 0,1 1 0,-8-6 0,-2-2 0,1 1 0,0 1 0,2 2 0,-4 1-8191</inkml:trace>
+</inkml:ink>
+</file>
+
+<file path=ppt/ink/ink77.xml><?xml version="1.0" encoding="utf-8"?>
+<inkml:ink xmlns:inkml="http://www.w3.org/2003/InkML">
+  <inkml:definitions>
+    <inkml:context xml:id="ctx0">
+      <inkml:inkSource xml:id="inkSrc0">
+        <inkml:traceFormat>
+          <inkml:channel name="X" type="integer" min="-2.14748E9" max="2.14748E9" units="cm"/>
+          <inkml:channel name="Y" type="integer" min="-2.14748E9" max="2.14748E9" units="cm"/>
+          <inkml:channel name="F" type="integer" max="32767" units="dev"/>
+        </inkml:traceFormat>
+        <inkml:channelProperties>
+          <inkml:channelProperty channel="X" name="resolution" value="1000" units="1/cm"/>
+          <inkml:channelProperty channel="Y" name="resolution" value="1000" units="1/cm"/>
+          <inkml:channelProperty channel="F" name="resolution" value="0" units="1/dev"/>
+        </inkml:channelProperties>
+      </inkml:inkSource>
+      <inkml:timestamp xml:id="ts0" timeString="2024-07-01T06:33:45.665"/>
+    </inkml:context>
+    <inkml:brush xml:id="br0">
+      <inkml:brushProperty name="width" value="0.1" units="cm"/>
+      <inkml:brushProperty name="height" value="0.1" units="cm"/>
+    </inkml:brush>
+  </inkml:definitions>
+  <inkml:trace contextRef="#ctx0" brushRef="#br0">1 115 24575,'3'0'0,"-1"-1"0,1 0 0,0 0 0,0 0 0,0 0 0,-1 0 0,1 0 0,4-4 0,14-5 0,67-18 0,-48 13 0,1 3 0,0 1 0,0 1 0,63-4 0,-92 13 0,34-1 0,74 6 0,-107-3 0,0 1 0,0 0 0,0 1 0,0 1 0,-1 0 0,1 1 0,-1 0 0,0 1 0,0 0 0,14 10 0,1 5 0,-10-10 0,-1 1 0,-1 1 0,0 1 0,15 17 0,-26-27 0,69 93 0,-64-83 0,-1 0 0,-1 1 0,0 0 0,-1 0 0,7 23 0,-8-16 0,-1-1 0,0 1 0,-2 0 0,0 38 0,-2-51 0,-1 1 0,0-1 0,0 0 0,-1 0 0,0 0 0,-1 0 0,0-1 0,0 1 0,-1-1 0,0 1 0,-1-1 0,1 0 0,-12 13 0,-1-4 0,0-1 0,-2 0 0,1-2 0,-2 0 0,0-1 0,-23 11 0,0-3 0,-93 29 0,102-38 0,1 2 0,-38 21 0,12-5 0,35-20 0,-37 10 0,-13 6 0,39-13 0,-57 13 0,61-19 0,0 2 0,-37 16 0,73-21 0,0-1 0,1 0 0,0 0 0,-1 0 0,13 3 0,6 0 1,0 0-1,0-2 1,46 3 0,78-7-357,-77-2-51,74 0 407,192 4 0,-180 16 0,50 1 0,-63-20-732,-113 1-5967</inkml:trace>
+</inkml:ink>
+</file>
+
+<file path=ppt/ink/ink78.xml><?xml version="1.0" encoding="utf-8"?>
+<inkml:ink xmlns:inkml="http://www.w3.org/2003/InkML">
+  <inkml:definitions>
+    <inkml:context xml:id="ctx0">
+      <inkml:inkSource xml:id="inkSrc0">
+        <inkml:traceFormat>
+          <inkml:channel name="X" type="integer" min="-2.14748E9" max="2.14748E9" units="cm"/>
+          <inkml:channel name="Y" type="integer" min="-2.14748E9" max="2.14748E9" units="cm"/>
+          <inkml:channel name="F" type="integer" max="32767" units="dev"/>
+        </inkml:traceFormat>
+        <inkml:channelProperties>
+          <inkml:channelProperty channel="X" name="resolution" value="1000" units="1/cm"/>
+          <inkml:channelProperty channel="Y" name="resolution" value="1000" units="1/cm"/>
+          <inkml:channelProperty channel="F" name="resolution" value="0" units="1/dev"/>
+        </inkml:channelProperties>
+      </inkml:inkSource>
+      <inkml:timestamp xml:id="ts0" timeString="2024-07-01T06:33:46.344"/>
+    </inkml:context>
+    <inkml:brush xml:id="br0">
+      <inkml:brushProperty name="width" value="0.1" units="cm"/>
+      <inkml:brushProperty name="height" value="0.1" units="cm"/>
+    </inkml:brush>
+  </inkml:definitions>
+  <inkml:trace contextRef="#ctx0" brushRef="#br0">334 224 24575,'-1'-9'0,"0"-1"0,-1 1 0,0 0 0,0 0 0,-1 0 0,-1 0 0,-6-14 0,6 16 0,0-1 0,1 0 0,0 0 0,0-1 0,1 1 0,0 0 0,0-1 0,0-13 0,2 20 0,1 0 0,-1-1 0,1 1 0,-1 0 0,1 0 0,0-1 0,0 1 0,0 0 0,0 0 0,0 0 0,0 0 0,1 0 0,-1 0 0,1 1 0,-1-1 0,1 0 0,0 1 0,0-1 0,-1 1 0,1 0 0,0-1 0,0 1 0,0 0 0,1 0 0,-1 0 0,0 1 0,0-1 0,1 0 0,-1 1 0,0 0 0,0-1 0,1 1 0,2 0 0,3 0 0,0-1 0,0 1 0,-1 1 0,1 0 0,0 0 0,-1 0 0,1 1 0,-1 0 0,8 4 0,-9-3 0,1 0 0,-1 1 0,0 0 0,0 0 0,-1 0 0,1 1 0,-1 0 0,0 0 0,0 1 0,0-1 0,-1 1 0,0 0 0,0 0 0,-1 0 0,1 1 0,-1-1 0,-1 1 0,1 0 0,-1 0 0,2 12 0,0 9 0,-2 1 0,0-1 0,-2 1 0,-4 28 0,1 6 0,3-43 0,-1 0 0,0-1 0,-2 1 0,0-1 0,-1 0 0,-1 0 0,-1 0 0,-1-1 0,0 1 0,-1-1 0,-1-1 0,-1 0 0,-14 19 0,-19 20 0,16-18 0,-3-1 0,-1-1 0,-1-1 0,-56 45 0,-1 2 0,57-48 92,26-27-384,1-1 1,-1 0 0,0 0-1,-12 8 1,-1-3-6535</inkml:trace>
+</inkml:ink>
+</file>
+
+<file path=ppt/ink/ink79.xml><?xml version="1.0" encoding="utf-8"?>
+<inkml:ink xmlns:inkml="http://www.w3.org/2003/InkML">
+  <inkml:definitions>
+    <inkml:context xml:id="ctx0">
+      <inkml:inkSource xml:id="inkSrc0">
+        <inkml:traceFormat>
+          <inkml:channel name="X" type="integer" min="-2.14748E9" max="2.14748E9" units="cm"/>
+          <inkml:channel name="Y" type="integer" min="-2.14748E9" max="2.14748E9" units="cm"/>
+          <inkml:channel name="F" type="integer" max="32767" units="dev"/>
+        </inkml:traceFormat>
+        <inkml:channelProperties>
+          <inkml:channelProperty channel="X" name="resolution" value="1000" units="1/cm"/>
+          <inkml:channelProperty channel="Y" name="resolution" value="1000" units="1/cm"/>
+          <inkml:channelProperty channel="F" name="resolution" value="0" units="1/dev"/>
+        </inkml:channelProperties>
+      </inkml:inkSource>
+      <inkml:timestamp xml:id="ts0" timeString="2024-07-01T06:33:46.850"/>
+    </inkml:context>
+    <inkml:brush xml:id="br0">
+      <inkml:brushProperty name="width" value="0.1" units="cm"/>
+      <inkml:brushProperty name="height" value="0.1" units="cm"/>
+    </inkml:brush>
+  </inkml:definitions>
+  <inkml:trace contextRef="#ctx0" brushRef="#br0">1 1 24575,'3455'0'-4412,"-3434"0"4726,40 6 0,-53-5-51,0 1-1,-1 0 1,0 0-1,1 1 0,-1-1 1,0 1-1,0 1 0,9 6 1,-15-10-266,0 0 0,-1 1-1,1-1 1,-1 0 0,1 1 0,-1-1 0,1 1 0,-1-1 0,1 0-1,-1 1 1,1-1 0,-1 1 0,1 0 0,-1-1 0,0 1 0,1-1-1,-1 1 1,0-1 0,0 1 0,1 0 0,-1-1 0,0 1-1,0 0 1,0-1 0,0 1 0,0 0 0,0-1 0,0 1 0,0 0-1,0-1 1,0 1 0,0 0 0,0-1 0,-1 1 0,1 0 0,0-1-1,0 1 1,-1-1 0,0 2 0</inkml:trace>
+</inkml:ink>
+</file>
+
 <file path=ppt/ink/ink8.xml><?xml version="1.0" encoding="utf-8"?>
 <inkml:ink xmlns:inkml="http://www.w3.org/2003/InkML">
   <inkml:definitions>
@@ -1572,6 +2249,141 @@
     </inkml:brush>
   </inkml:definitions>
   <inkml:trace contextRef="#ctx0" brushRef="#br0">29 1 24575,'0'6'0,"0"9"0,0 7 0,0 7 0,0 5 0,-6-3 0,-3-1 0,2 1 0,0-5-8191</inkml:trace>
+</inkml:ink>
+</file>
+
+<file path=ppt/ink/ink80.xml><?xml version="1.0" encoding="utf-8"?>
+<inkml:ink xmlns:inkml="http://www.w3.org/2003/InkML">
+  <inkml:definitions>
+    <inkml:context xml:id="ctx0">
+      <inkml:inkSource xml:id="inkSrc0">
+        <inkml:traceFormat>
+          <inkml:channel name="X" type="integer" min="-2.14748E9" max="2.14748E9" units="cm"/>
+          <inkml:channel name="Y" type="integer" min="-2.14748E9" max="2.14748E9" units="cm"/>
+          <inkml:channel name="F" type="integer" max="32767" units="dev"/>
+        </inkml:traceFormat>
+        <inkml:channelProperties>
+          <inkml:channelProperty channel="X" name="resolution" value="1000" units="1/cm"/>
+          <inkml:channelProperty channel="Y" name="resolution" value="1000" units="1/cm"/>
+          <inkml:channelProperty channel="F" name="resolution" value="0" units="1/dev"/>
+        </inkml:channelProperties>
+      </inkml:inkSource>
+      <inkml:timestamp xml:id="ts0" timeString="2024-07-01T06:33:47.603"/>
+    </inkml:context>
+    <inkml:brush xml:id="br0">
+      <inkml:brushProperty name="width" value="0.1" units="cm"/>
+      <inkml:brushProperty name="height" value="0.1" units="cm"/>
+    </inkml:brush>
+  </inkml:definitions>
+  <inkml:trace contextRef="#ctx0" brushRef="#br0">0 629 24575,'5'0'0,"0"-1"0,0 1 0,0 0 0,0 1 0,0-1 0,0 1 0,-1 0 0,1 0 0,0 1 0,0-1 0,-1 1 0,1 0 0,-1 0 0,0 1 0,1-1 0,-1 1 0,0 0 0,-1 0 0,1 0 0,0 1 0,-1-1 0,4 6 0,70 89 0,-41-48 0,55 55 0,196 185 0,-260-261 0,-1 0 0,-2 3 0,28 44 0,-50-73 0,0 1 0,0-1 0,0 0 0,1 0 0,-1 0 0,7 5 0,-9-7 0,1-1 0,-1 0 0,1 1 0,-1-1 0,1 0 0,-1 0 0,1 1 0,-1-1 0,0 0 0,1 0 0,-1 0 0,1 0 0,-1 0 0,1 0 0,-1 0 0,1 0 0,0 0 0,-1 0 0,1 0 0,-1 0 0,1 0 0,-1 0 0,1-1 0,0 1 0,0-1 0,0 0 0,-1 1 0,1-1 0,0 0 0,-1 0 0,1 0 0,-1 0 0,1 0 0,-1 0 0,1 1 0,-1-1 0,1 0 0,-1 0 0,0 0 0,1-2 0,3-24 0,-1-1 0,0 0 0,-2 1 0,-5-46 0,1 4 0,3-779 0,0 836 0,1 0 0,1 0 0,0 0 0,0 0 0,1 1 0,1-1 0,0 1 0,1 0 0,0 0 0,0 0 0,1 1 0,1 0 0,0 0 0,0 0 0,1 1 0,0 0 0,1 0 0,-1 1 0,2 0 0,-1 1 0,1 0 0,0 1 0,17-9 0,-11 7 0,1 0 0,-1 2 0,1 0 0,0 0 0,0 2 0,1 0 0,0 1 0,34-1 0,472 3-466,-236 3 279,1286-2-655,-1571 0 810,3 0-93,0 0 0,0 0 0,0 0 0,0 1 0,0 0 1,0 0-1,6 3 0,2 4-5540</inkml:trace>
+</inkml:ink>
+</file>
+
+<file path=ppt/ink/ink81.xml><?xml version="1.0" encoding="utf-8"?>
+<inkml:ink xmlns:inkml="http://www.w3.org/2003/InkML">
+  <inkml:definitions>
+    <inkml:context xml:id="ctx0">
+      <inkml:inkSource xml:id="inkSrc0">
+        <inkml:traceFormat>
+          <inkml:channel name="X" type="integer" min="-2.14748E9" max="2.14748E9" units="cm"/>
+          <inkml:channel name="Y" type="integer" min="-2.14748E9" max="2.14748E9" units="cm"/>
+          <inkml:channel name="F" type="integer" max="32767" units="dev"/>
+        </inkml:traceFormat>
+        <inkml:channelProperties>
+          <inkml:channelProperty channel="X" name="resolution" value="1000" units="1/cm"/>
+          <inkml:channelProperty channel="Y" name="resolution" value="1000" units="1/cm"/>
+          <inkml:channelProperty channel="F" name="resolution" value="0" units="1/dev"/>
+        </inkml:channelProperties>
+      </inkml:inkSource>
+      <inkml:timestamp xml:id="ts0" timeString="2024-07-01T06:33:48.158"/>
+    </inkml:context>
+    <inkml:brush xml:id="br0">
+      <inkml:brushProperty name="width" value="0.1" units="cm"/>
+      <inkml:brushProperty name="height" value="0.1" units="cm"/>
+    </inkml:brush>
+  </inkml:definitions>
+  <inkml:trace contextRef="#ctx0" brushRef="#br0">41 0 24575,'0'49'0,"2"-20"0,-2-1 0,-1 1 0,-2-1 0,-10 51 0,5-47 0,2 0 0,1 1 0,-1 56 0,6-89 0,0 0 0,0 0 0,0 1 0,0-1 0,0 0 0,0 0 0,0 1 0,0-1 0,0 0 0,0 0 0,0 0 0,0 1 0,0-1 0,0 0 0,0 0 0,0 0 0,1 1 0,-1-1 0,0 0 0,0 0 0,0 0 0,0 1 0,0-1 0,1 0 0,-1 0 0,0 0 0,0 0 0,0 0 0,1 1 0,-1-1 0,0 0 0,0 0 0,0 0 0,1 0 0,-1 0 0,0 0 0,0 0 0,1 0 0,-1 0 0,0 0 0,14-4 0,18-18 0,-22 16 0,17-10 0,1 1 0,1 1 0,0 1 0,1 2 0,1 1 0,-1 2 0,2 1 0,-1 1 0,0 1 0,1 2 0,51 2 0,-64 3 0,0 2 0,0 0 0,-1 2 0,1 0 0,-1 0 0,0 2 0,-1 0 0,0 1 0,0 1 0,19 15 0,-29-19 0,-1 0 0,0 0 0,0 1 0,0 0 0,-1 0 0,0 0 0,0 0 0,5 13 0,26 67 0,-33-78 0,6 20 0,-2 0 0,-1 1 0,-2-1 0,0 1 0,-2 0 0,-1 0 0,-2 1 0,-4 29 0,4-56 0,1-1 0,-1 1 0,0-1 0,0 1 0,0-1 0,0 1 0,-1-1 0,0 0 0,1 0 0,-1 0 0,0 0 0,0 0 0,-1 0 0,1 0 0,-1-1 0,1 1 0,-1-1 0,0 0 0,0 1 0,-5 2 0,-5 1 0,1-1 0,-1 0 0,0-1 0,-17 4 0,-29 10 0,40-10 0,0-2 0,-1 0 0,0-2 0,0 0 0,-32 3 0,-103-6 0,89-3 0,57 2 24,0 0 0,0-1 0,0 0 0,-14-4 0,20 4-107,0 0 1,0 0-1,0 0 1,1 0-1,-1-1 1,0 0-1,1 1 1,-1-1-1,1 0 1,0 0-1,0 0 1,-1 0-1,2-1 1,-1 1-1,0-1 1,0 1-1,-1-5 1,-6-15-6744</inkml:trace>
+</inkml:ink>
+</file>
+
+<file path=ppt/ink/ink82.xml><?xml version="1.0" encoding="utf-8"?>
+<inkml:ink xmlns:inkml="http://www.w3.org/2003/InkML">
+  <inkml:definitions>
+    <inkml:context xml:id="ctx0">
+      <inkml:inkSource xml:id="inkSrc0">
+        <inkml:traceFormat>
+          <inkml:channel name="X" type="integer" min="-2.14748E9" max="2.14748E9" units="cm"/>
+          <inkml:channel name="Y" type="integer" min="-2.14748E9" max="2.14748E9" units="cm"/>
+          <inkml:channel name="F" type="integer" max="32767" units="dev"/>
+        </inkml:traceFormat>
+        <inkml:channelProperties>
+          <inkml:channelProperty channel="X" name="resolution" value="1000" units="1/cm"/>
+          <inkml:channelProperty channel="Y" name="resolution" value="1000" units="1/cm"/>
+          <inkml:channelProperty channel="F" name="resolution" value="0" units="1/dev"/>
+        </inkml:channelProperties>
+      </inkml:inkSource>
+      <inkml:timestamp xml:id="ts0" timeString="2024-07-01T06:33:48.687"/>
+    </inkml:context>
+    <inkml:brush xml:id="br0">
+      <inkml:brushProperty name="width" value="0.1" units="cm"/>
+      <inkml:brushProperty name="height" value="0.1" units="cm"/>
+    </inkml:brush>
+  </inkml:definitions>
+  <inkml:trace contextRef="#ctx0" brushRef="#br0">0 126 24575,'0'-4'0,"0"-1"0,1 1 0,-1 0 0,1-1 0,0 1 0,0 0 0,0-1 0,0 1 0,1 0 0,0 0 0,0 0 0,0 0 0,0 0 0,0 1 0,1-1 0,0 1 0,0-1 0,0 1 0,0 0 0,0 0 0,1 0 0,-1 1 0,1-1 0,0 1 0,-1 0 0,1 0 0,0 0 0,1 1 0,-1-1 0,8-1 0,10-1 0,0 0 0,1 2 0,-1 0 0,42 3 0,-43 0 0,728 2-887,-497-3 1019,-244 0-231,-3 1 12,0-1-1,0 0 0,0 0 0,-1-1 1,1 1-1,0-1 0,0 0 0,0 0 1,0-1-1,-1 1 0,1-1 1,8-4-1</inkml:trace>
+</inkml:ink>
+</file>
+
+<file path=ppt/ink/ink83.xml><?xml version="1.0" encoding="utf-8"?>
+<inkml:ink xmlns:inkml="http://www.w3.org/2003/InkML">
+  <inkml:definitions>
+    <inkml:context xml:id="ctx0">
+      <inkml:inkSource xml:id="inkSrc0">
+        <inkml:traceFormat>
+          <inkml:channel name="X" type="integer" min="-2.14748E9" max="2.14748E9" units="cm"/>
+          <inkml:channel name="Y" type="integer" min="-2.14748E9" max="2.14748E9" units="cm"/>
+          <inkml:channel name="F" type="integer" max="32767" units="dev"/>
+        </inkml:traceFormat>
+        <inkml:channelProperties>
+          <inkml:channelProperty channel="X" name="resolution" value="1000" units="1/cm"/>
+          <inkml:channelProperty channel="Y" name="resolution" value="1000" units="1/cm"/>
+          <inkml:channelProperty channel="F" name="resolution" value="0" units="1/dev"/>
+        </inkml:channelProperties>
+      </inkml:inkSource>
+      <inkml:timestamp xml:id="ts0" timeString="2024-07-01T06:33:49.386"/>
+    </inkml:context>
+    <inkml:brush xml:id="br0">
+      <inkml:brushProperty name="width" value="0.1" units="cm"/>
+      <inkml:brushProperty name="height" value="0.1" units="cm"/>
+    </inkml:brush>
+  </inkml:definitions>
+  <inkml:trace contextRef="#ctx0" brushRef="#br0">1 0 24575,'0'1108'0,"1"-1080"0,1 1 0,2-1 0,1-1 0,0 1 0,17 45 0,-20-68-91,0 0 0,0 0 0,0-1 0,0 1 0,1-1 0,-1 0 0,1 1 0,0-1 0,1 0 0,-1-1 0,1 1 0,0 0 0,-1-1 0,7 4 0,11 3-6735</inkml:trace>
+</inkml:ink>
+</file>
+
+<file path=ppt/ink/ink84.xml><?xml version="1.0" encoding="utf-8"?>
+<inkml:ink xmlns:inkml="http://www.w3.org/2003/InkML">
+  <inkml:definitions>
+    <inkml:context xml:id="ctx0">
+      <inkml:inkSource xml:id="inkSrc0">
+        <inkml:traceFormat>
+          <inkml:channel name="X" type="integer" min="-2.14748E9" max="2.14748E9" units="cm"/>
+          <inkml:channel name="Y" type="integer" min="-2.14748E9" max="2.14748E9" units="cm"/>
+          <inkml:channel name="F" type="integer" max="32767" units="dev"/>
+        </inkml:traceFormat>
+        <inkml:channelProperties>
+          <inkml:channelProperty channel="X" name="resolution" value="1000" units="1/cm"/>
+          <inkml:channelProperty channel="Y" name="resolution" value="1000" units="1/cm"/>
+          <inkml:channelProperty channel="F" name="resolution" value="0" units="1/dev"/>
+        </inkml:channelProperties>
+      </inkml:inkSource>
+      <inkml:timestamp xml:id="ts0" timeString="2024-07-01T06:33:50.444"/>
+    </inkml:context>
+    <inkml:brush xml:id="br0">
+      <inkml:brushProperty name="width" value="0.1" units="cm"/>
+      <inkml:brushProperty name="height" value="0.1" units="cm"/>
+    </inkml:brush>
+  </inkml:definitions>
+  <inkml:trace contextRef="#ctx0" brushRef="#br0">168 1 24575,'4'1'0,"-1"0"0,1 0 0,-1 1 0,1-1 0,-1 1 0,0 0 0,1 0 0,-1 0 0,0 1 0,4 3 0,2 2 0,26 19 0,-2 3 0,-1 0 0,-1 2 0,29 40 0,94 150 0,-126-180 0,46 86 0,-31-52 0,28 70 0,-38-88 0,-1 1 0,-4 1 0,-2 2 0,23 82 0,9 30 0,5 21 0,-28-77 0,-20-72 0,-1 1 0,14 97 0,-21-90 0,4 0 0,26 82 0,-21-86 0,-3 0 0,-2 0 0,5 58 0,-12 317-638,-7-225 435,3 468 127,-1-645 68,0-1-1,-2 1 1,-1-1 0,0 0-1,-15 40 1,-53 100 700,64-146-482,-23 57-142,21-47-69,-1 0 0,-19 32 0,-40 38 1,22-31 0,39-55 0,1 0 0,-1-1 0,-1 0 0,-11 9 0,10-9 0,0 0 0,1 1 0,-10 12 0,6-6 0,0 0 0,-1 0 0,-1-2 0,0 0 0,0-1 0,-2-1 0,0 0 0,0-1 0,-1-1 0,-21 8 0,-279 142 0,170-69 0,91-63 5,44-22-233,0 0 0,0 1-1,1 1 1,0 0-1,-21 17 1,16-7-6598</inkml:trace>
 </inkml:ink>
 </file>
 
@@ -12214,8 +13026,8 @@
           </a:p>
         </p:txBody>
       </p:sp>
-      <mc:AlternateContent xmlns:mc="http://schemas.openxmlformats.org/markup-compatibility/2006">
-        <mc:Choice xmlns:p14="http://schemas.microsoft.com/office/powerpoint/2010/main" Requires="p14">
+      <mc:AlternateContent xmlns:mc="http://schemas.openxmlformats.org/markup-compatibility/2006" xmlns:p14="http://schemas.microsoft.com/office/powerpoint/2010/main">
+        <mc:Choice Requires="p14">
           <p:contentPart p14:bwMode="auto" r:id="rId2">
             <p14:nvContentPartPr>
               <p14:cNvPr id="5" name="インク 4">
@@ -12234,7 +13046,7 @@
             </p14:xfrm>
           </p:contentPart>
         </mc:Choice>
-        <mc:Fallback>
+        <mc:Fallback xmlns="">
           <p:pic>
             <p:nvPicPr>
               <p:cNvPr id="5" name="インク 4">
@@ -12311,8 +13123,8 @@
           </a:p>
         </p:txBody>
       </p:sp>
-      <mc:AlternateContent xmlns:mc="http://schemas.openxmlformats.org/markup-compatibility/2006">
-        <mc:Choice xmlns:p14="http://schemas.microsoft.com/office/powerpoint/2010/main" Requires="p14">
+      <mc:AlternateContent xmlns:mc="http://schemas.openxmlformats.org/markup-compatibility/2006" xmlns:p14="http://schemas.microsoft.com/office/powerpoint/2010/main">
+        <mc:Choice Requires="p14">
           <p:contentPart p14:bwMode="auto" r:id="rId4">
             <p14:nvContentPartPr>
               <p14:cNvPr id="20" name="インク 19">
@@ -12331,7 +13143,7 @@
             </p14:xfrm>
           </p:contentPart>
         </mc:Choice>
-        <mc:Fallback>
+        <mc:Fallback xmlns="">
           <p:pic>
             <p:nvPicPr>
               <p:cNvPr id="20" name="インク 19">
@@ -12362,8 +13174,8 @@
           </p:pic>
         </mc:Fallback>
       </mc:AlternateContent>
-      <mc:AlternateContent xmlns:mc="http://schemas.openxmlformats.org/markup-compatibility/2006">
-        <mc:Choice xmlns:p14="http://schemas.microsoft.com/office/powerpoint/2010/main" Requires="p14">
+      <mc:AlternateContent xmlns:mc="http://schemas.openxmlformats.org/markup-compatibility/2006" xmlns:p14="http://schemas.microsoft.com/office/powerpoint/2010/main">
+        <mc:Choice Requires="p14">
           <p:contentPart p14:bwMode="auto" r:id="rId6">
             <p14:nvContentPartPr>
               <p14:cNvPr id="26" name="インク 25">
@@ -12382,7 +13194,7 @@
             </p14:xfrm>
           </p:contentPart>
         </mc:Choice>
-        <mc:Fallback>
+        <mc:Fallback xmlns="">
           <p:pic>
             <p:nvPicPr>
               <p:cNvPr id="26" name="インク 25">
@@ -12433,8 +13245,8 @@
             <a:chExt cx="24840" cy="525240"/>
           </a:xfrm>
         </p:grpSpPr>
-        <mc:AlternateContent xmlns:mc="http://schemas.openxmlformats.org/markup-compatibility/2006">
-          <mc:Choice xmlns:p14="http://schemas.microsoft.com/office/powerpoint/2010/main" Requires="p14">
+        <mc:AlternateContent xmlns:mc="http://schemas.openxmlformats.org/markup-compatibility/2006" xmlns:p14="http://schemas.microsoft.com/office/powerpoint/2010/main">
+          <mc:Choice Requires="p14">
             <p:contentPart p14:bwMode="auto" r:id="rId7">
               <p14:nvContentPartPr>
                 <p14:cNvPr id="27" name="インク 26">
@@ -12453,7 +13265,7 @@
               </p14:xfrm>
             </p:contentPart>
           </mc:Choice>
-          <mc:Fallback>
+          <mc:Fallback xmlns="">
             <p:pic>
               <p:nvPicPr>
                 <p:cNvPr id="27" name="インク 26">
@@ -12484,8 +13296,8 @@
             </p:pic>
           </mc:Fallback>
         </mc:AlternateContent>
-        <mc:AlternateContent xmlns:mc="http://schemas.openxmlformats.org/markup-compatibility/2006">
-          <mc:Choice xmlns:p14="http://schemas.microsoft.com/office/powerpoint/2010/main" Requires="p14">
+        <mc:AlternateContent xmlns:mc="http://schemas.openxmlformats.org/markup-compatibility/2006" xmlns:p14="http://schemas.microsoft.com/office/powerpoint/2010/main">
+          <mc:Choice Requires="p14">
             <p:contentPart p14:bwMode="auto" r:id="rId9">
               <p14:nvContentPartPr>
                 <p14:cNvPr id="28" name="インク 27">
@@ -12504,7 +13316,7 @@
               </p14:xfrm>
             </p:contentPart>
           </mc:Choice>
-          <mc:Fallback>
+          <mc:Fallback xmlns="">
             <p:pic>
               <p:nvPicPr>
                 <p:cNvPr id="28" name="インク 27">
@@ -12535,8 +13347,8 @@
             </p:pic>
           </mc:Fallback>
         </mc:AlternateContent>
-        <mc:AlternateContent xmlns:mc="http://schemas.openxmlformats.org/markup-compatibility/2006">
-          <mc:Choice xmlns:p14="http://schemas.microsoft.com/office/powerpoint/2010/main" Requires="p14">
+        <mc:AlternateContent xmlns:mc="http://schemas.openxmlformats.org/markup-compatibility/2006" xmlns:p14="http://schemas.microsoft.com/office/powerpoint/2010/main">
+          <mc:Choice Requires="p14">
             <p:contentPart p14:bwMode="auto" r:id="rId11">
               <p14:nvContentPartPr>
                 <p14:cNvPr id="29" name="インク 28">
@@ -12555,7 +13367,7 @@
               </p14:xfrm>
             </p:contentPart>
           </mc:Choice>
-          <mc:Fallback>
+          <mc:Fallback xmlns="">
             <p:pic>
               <p:nvPicPr>
                 <p:cNvPr id="29" name="インク 28">
@@ -12587,8 +13399,8 @@
           </mc:Fallback>
         </mc:AlternateContent>
       </p:grpSp>
-      <mc:AlternateContent xmlns:mc="http://schemas.openxmlformats.org/markup-compatibility/2006">
-        <mc:Choice xmlns:p14="http://schemas.microsoft.com/office/powerpoint/2010/main" Requires="p14">
+      <mc:AlternateContent xmlns:mc="http://schemas.openxmlformats.org/markup-compatibility/2006" xmlns:p14="http://schemas.microsoft.com/office/powerpoint/2010/main">
+        <mc:Choice Requires="p14">
           <p:contentPart p14:bwMode="auto" r:id="rId13">
             <p14:nvContentPartPr>
               <p14:cNvPr id="32" name="インク 31">
@@ -12607,7 +13419,7 @@
             </p14:xfrm>
           </p:contentPart>
         </mc:Choice>
-        <mc:Fallback>
+        <mc:Fallback xmlns="">
           <p:pic>
             <p:nvPicPr>
               <p:cNvPr id="32" name="インク 31">
@@ -12638,8 +13450,8 @@
           </p:pic>
         </mc:Fallback>
       </mc:AlternateContent>
-      <mc:AlternateContent xmlns:mc="http://schemas.openxmlformats.org/markup-compatibility/2006">
-        <mc:Choice xmlns:p14="http://schemas.microsoft.com/office/powerpoint/2010/main" Requires="p14">
+      <mc:AlternateContent xmlns:mc="http://schemas.openxmlformats.org/markup-compatibility/2006" xmlns:p14="http://schemas.microsoft.com/office/powerpoint/2010/main">
+        <mc:Choice Requires="p14">
           <p:contentPart p14:bwMode="auto" r:id="rId15">
             <p14:nvContentPartPr>
               <p14:cNvPr id="33" name="インク 32">
@@ -12658,7 +13470,7 @@
             </p14:xfrm>
           </p:contentPart>
         </mc:Choice>
-        <mc:Fallback>
+        <mc:Fallback xmlns="">
           <p:pic>
             <p:nvPicPr>
               <p:cNvPr id="33" name="インク 32">
@@ -12709,8 +13521,8 @@
             <a:chExt cx="5760" cy="232920"/>
           </a:xfrm>
         </p:grpSpPr>
-        <mc:AlternateContent xmlns:mc="http://schemas.openxmlformats.org/markup-compatibility/2006">
-          <mc:Choice xmlns:p14="http://schemas.microsoft.com/office/powerpoint/2010/main" Requires="p14">
+        <mc:AlternateContent xmlns:mc="http://schemas.openxmlformats.org/markup-compatibility/2006" xmlns:p14="http://schemas.microsoft.com/office/powerpoint/2010/main">
+          <mc:Choice Requires="p14">
             <p:contentPart p14:bwMode="auto" r:id="rId17">
               <p14:nvContentPartPr>
                 <p14:cNvPr id="34" name="インク 33">
@@ -12729,7 +13541,7 @@
               </p14:xfrm>
             </p:contentPart>
           </mc:Choice>
-          <mc:Fallback>
+          <mc:Fallback xmlns="">
             <p:pic>
               <p:nvPicPr>
                 <p:cNvPr id="34" name="インク 33">
@@ -12760,8 +13572,8 @@
             </p:pic>
           </mc:Fallback>
         </mc:AlternateContent>
-        <mc:AlternateContent xmlns:mc="http://schemas.openxmlformats.org/markup-compatibility/2006">
-          <mc:Choice xmlns:p14="http://schemas.microsoft.com/office/powerpoint/2010/main" Requires="p14">
+        <mc:AlternateContent xmlns:mc="http://schemas.openxmlformats.org/markup-compatibility/2006" xmlns:p14="http://schemas.microsoft.com/office/powerpoint/2010/main">
+          <mc:Choice Requires="p14">
             <p:contentPart p14:bwMode="auto" r:id="rId19">
               <p14:nvContentPartPr>
                 <p14:cNvPr id="35" name="インク 34">
@@ -12780,7 +13592,7 @@
               </p14:xfrm>
             </p:contentPart>
           </mc:Choice>
-          <mc:Fallback>
+          <mc:Fallback xmlns="">
             <p:pic>
               <p:nvPicPr>
                 <p:cNvPr id="35" name="インク 34">
@@ -12832,8 +13644,8 @@
             <a:chExt cx="2165760" cy="2373480"/>
           </a:xfrm>
         </p:grpSpPr>
-        <mc:AlternateContent xmlns:mc="http://schemas.openxmlformats.org/markup-compatibility/2006">
-          <mc:Choice xmlns:p14="http://schemas.microsoft.com/office/powerpoint/2010/main" Requires="p14">
+        <mc:AlternateContent xmlns:mc="http://schemas.openxmlformats.org/markup-compatibility/2006" xmlns:p14="http://schemas.microsoft.com/office/powerpoint/2010/main">
+          <mc:Choice Requires="p14">
             <p:contentPart p14:bwMode="auto" r:id="rId21">
               <p14:nvContentPartPr>
                 <p14:cNvPr id="11" name="インク 10">
@@ -12852,7 +13664,7 @@
               </p14:xfrm>
             </p:contentPart>
           </mc:Choice>
-          <mc:Fallback>
+          <mc:Fallback xmlns="">
             <p:pic>
               <p:nvPicPr>
                 <p:cNvPr id="11" name="インク 10">
@@ -12883,8 +13695,8 @@
             </p:pic>
           </mc:Fallback>
         </mc:AlternateContent>
-        <mc:AlternateContent xmlns:mc="http://schemas.openxmlformats.org/markup-compatibility/2006">
-          <mc:Choice xmlns:p14="http://schemas.microsoft.com/office/powerpoint/2010/main" Requires="p14">
+        <mc:AlternateContent xmlns:mc="http://schemas.openxmlformats.org/markup-compatibility/2006" xmlns:p14="http://schemas.microsoft.com/office/powerpoint/2010/main">
+          <mc:Choice Requires="p14">
             <p:contentPart p14:bwMode="auto" r:id="rId23">
               <p14:nvContentPartPr>
                 <p14:cNvPr id="13" name="インク 12">
@@ -12903,7 +13715,7 @@
               </p14:xfrm>
             </p:contentPart>
           </mc:Choice>
-          <mc:Fallback>
+          <mc:Fallback xmlns="">
             <p:pic>
               <p:nvPicPr>
                 <p:cNvPr id="13" name="インク 12">
@@ -12934,8 +13746,8 @@
             </p:pic>
           </mc:Fallback>
         </mc:AlternateContent>
-        <mc:AlternateContent xmlns:mc="http://schemas.openxmlformats.org/markup-compatibility/2006">
-          <mc:Choice xmlns:p14="http://schemas.microsoft.com/office/powerpoint/2010/main" Requires="p14">
+        <mc:AlternateContent xmlns:mc="http://schemas.openxmlformats.org/markup-compatibility/2006" xmlns:p14="http://schemas.microsoft.com/office/powerpoint/2010/main">
+          <mc:Choice Requires="p14">
             <p:contentPart p14:bwMode="auto" r:id="rId25">
               <p14:nvContentPartPr>
                 <p14:cNvPr id="36" name="インク 35">
@@ -12954,7 +13766,7 @@
               </p14:xfrm>
             </p:contentPart>
           </mc:Choice>
-          <mc:Fallback>
+          <mc:Fallback xmlns="">
             <p:pic>
               <p:nvPicPr>
                 <p:cNvPr id="36" name="インク 35">
@@ -12985,8 +13797,8 @@
             </p:pic>
           </mc:Fallback>
         </mc:AlternateContent>
-        <mc:AlternateContent xmlns:mc="http://schemas.openxmlformats.org/markup-compatibility/2006">
-          <mc:Choice xmlns:p14="http://schemas.microsoft.com/office/powerpoint/2010/main" Requires="p14">
+        <mc:AlternateContent xmlns:mc="http://schemas.openxmlformats.org/markup-compatibility/2006" xmlns:p14="http://schemas.microsoft.com/office/powerpoint/2010/main">
+          <mc:Choice Requires="p14">
             <p:contentPart p14:bwMode="auto" r:id="rId27">
               <p14:nvContentPartPr>
                 <p14:cNvPr id="37" name="インク 36">
@@ -13005,7 +13817,7 @@
               </p14:xfrm>
             </p:contentPart>
           </mc:Choice>
-          <mc:Fallback>
+          <mc:Fallback xmlns="">
             <p:pic>
               <p:nvPicPr>
                 <p:cNvPr id="37" name="インク 36">
@@ -13036,8 +13848,8 @@
             </p:pic>
           </mc:Fallback>
         </mc:AlternateContent>
-        <mc:AlternateContent xmlns:mc="http://schemas.openxmlformats.org/markup-compatibility/2006">
-          <mc:Choice xmlns:p14="http://schemas.microsoft.com/office/powerpoint/2010/main" Requires="p14">
+        <mc:AlternateContent xmlns:mc="http://schemas.openxmlformats.org/markup-compatibility/2006" xmlns:p14="http://schemas.microsoft.com/office/powerpoint/2010/main">
+          <mc:Choice Requires="p14">
             <p:contentPart p14:bwMode="auto" r:id="rId29">
               <p14:nvContentPartPr>
                 <p14:cNvPr id="38" name="インク 37">
@@ -13056,7 +13868,7 @@
               </p14:xfrm>
             </p:contentPart>
           </mc:Choice>
-          <mc:Fallback>
+          <mc:Fallback xmlns="">
             <p:pic>
               <p:nvPicPr>
                 <p:cNvPr id="38" name="インク 37">
@@ -13087,8 +13899,8 @@
             </p:pic>
           </mc:Fallback>
         </mc:AlternateContent>
-        <mc:AlternateContent xmlns:mc="http://schemas.openxmlformats.org/markup-compatibility/2006">
-          <mc:Choice xmlns:p14="http://schemas.microsoft.com/office/powerpoint/2010/main" Requires="p14">
+        <mc:AlternateContent xmlns:mc="http://schemas.openxmlformats.org/markup-compatibility/2006" xmlns:p14="http://schemas.microsoft.com/office/powerpoint/2010/main">
+          <mc:Choice Requires="p14">
             <p:contentPart p14:bwMode="auto" r:id="rId31">
               <p14:nvContentPartPr>
                 <p14:cNvPr id="39" name="インク 38">
@@ -13107,7 +13919,7 @@
               </p14:xfrm>
             </p:contentPart>
           </mc:Choice>
-          <mc:Fallback>
+          <mc:Fallback xmlns="">
             <p:pic>
               <p:nvPicPr>
                 <p:cNvPr id="39" name="インク 38">
@@ -13138,8 +13950,8 @@
             </p:pic>
           </mc:Fallback>
         </mc:AlternateContent>
-        <mc:AlternateContent xmlns:mc="http://schemas.openxmlformats.org/markup-compatibility/2006">
-          <mc:Choice xmlns:p14="http://schemas.microsoft.com/office/powerpoint/2010/main" Requires="p14">
+        <mc:AlternateContent xmlns:mc="http://schemas.openxmlformats.org/markup-compatibility/2006" xmlns:p14="http://schemas.microsoft.com/office/powerpoint/2010/main">
+          <mc:Choice Requires="p14">
             <p:contentPart p14:bwMode="auto" r:id="rId33">
               <p14:nvContentPartPr>
                 <p14:cNvPr id="40" name="インク 39">
@@ -13158,7 +13970,7 @@
               </p14:xfrm>
             </p:contentPart>
           </mc:Choice>
-          <mc:Fallback>
+          <mc:Fallback xmlns="">
             <p:pic>
               <p:nvPicPr>
                 <p:cNvPr id="40" name="インク 39">
@@ -13189,8 +14001,8 @@
             </p:pic>
           </mc:Fallback>
         </mc:AlternateContent>
-        <mc:AlternateContent xmlns:mc="http://schemas.openxmlformats.org/markup-compatibility/2006">
-          <mc:Choice xmlns:p14="http://schemas.microsoft.com/office/powerpoint/2010/main" Requires="p14">
+        <mc:AlternateContent xmlns:mc="http://schemas.openxmlformats.org/markup-compatibility/2006" xmlns:p14="http://schemas.microsoft.com/office/powerpoint/2010/main">
+          <mc:Choice Requires="p14">
             <p:contentPart p14:bwMode="auto" r:id="rId35">
               <p14:nvContentPartPr>
                 <p14:cNvPr id="41" name="インク 40">
@@ -13209,7 +14021,7 @@
               </p14:xfrm>
             </p:contentPart>
           </mc:Choice>
-          <mc:Fallback>
+          <mc:Fallback xmlns="">
             <p:pic>
               <p:nvPicPr>
                 <p:cNvPr id="41" name="インク 40">
@@ -13240,8 +14052,8 @@
             </p:pic>
           </mc:Fallback>
         </mc:AlternateContent>
-        <mc:AlternateContent xmlns:mc="http://schemas.openxmlformats.org/markup-compatibility/2006">
-          <mc:Choice xmlns:p14="http://schemas.microsoft.com/office/powerpoint/2010/main" Requires="p14">
+        <mc:AlternateContent xmlns:mc="http://schemas.openxmlformats.org/markup-compatibility/2006" xmlns:p14="http://schemas.microsoft.com/office/powerpoint/2010/main">
+          <mc:Choice Requires="p14">
             <p:contentPart p14:bwMode="auto" r:id="rId36">
               <p14:nvContentPartPr>
                 <p14:cNvPr id="42" name="インク 41">
@@ -13260,7 +14072,7 @@
               </p14:xfrm>
             </p:contentPart>
           </mc:Choice>
-          <mc:Fallback>
+          <mc:Fallback xmlns="">
             <p:pic>
               <p:nvPicPr>
                 <p:cNvPr id="42" name="インク 41">
@@ -13291,8 +14103,8 @@
             </p:pic>
           </mc:Fallback>
         </mc:AlternateContent>
-        <mc:AlternateContent xmlns:mc="http://schemas.openxmlformats.org/markup-compatibility/2006">
-          <mc:Choice xmlns:p14="http://schemas.microsoft.com/office/powerpoint/2010/main" Requires="p14">
+        <mc:AlternateContent xmlns:mc="http://schemas.openxmlformats.org/markup-compatibility/2006" xmlns:p14="http://schemas.microsoft.com/office/powerpoint/2010/main">
+          <mc:Choice Requires="p14">
             <p:contentPart p14:bwMode="auto" r:id="rId37">
               <p14:nvContentPartPr>
                 <p14:cNvPr id="48" name="インク 47">
@@ -13311,7 +14123,7 @@
               </p14:xfrm>
             </p:contentPart>
           </mc:Choice>
-          <mc:Fallback>
+          <mc:Fallback xmlns="">
             <p:pic>
               <p:nvPicPr>
                 <p:cNvPr id="48" name="インク 47">
@@ -13342,8 +14154,8 @@
             </p:pic>
           </mc:Fallback>
         </mc:AlternateContent>
-        <mc:AlternateContent xmlns:mc="http://schemas.openxmlformats.org/markup-compatibility/2006">
-          <mc:Choice xmlns:p14="http://schemas.microsoft.com/office/powerpoint/2010/main" Requires="p14">
+        <mc:AlternateContent xmlns:mc="http://schemas.openxmlformats.org/markup-compatibility/2006" xmlns:p14="http://schemas.microsoft.com/office/powerpoint/2010/main">
+          <mc:Choice Requires="p14">
             <p:contentPart p14:bwMode="auto" r:id="rId39">
               <p14:nvContentPartPr>
                 <p14:cNvPr id="49" name="インク 48">
@@ -13362,7 +14174,7 @@
               </p14:xfrm>
             </p:contentPart>
           </mc:Choice>
-          <mc:Fallback>
+          <mc:Fallback xmlns="">
             <p:pic>
               <p:nvPicPr>
                 <p:cNvPr id="49" name="インク 48">
@@ -13393,8 +14205,8 @@
             </p:pic>
           </mc:Fallback>
         </mc:AlternateContent>
-        <mc:AlternateContent xmlns:mc="http://schemas.openxmlformats.org/markup-compatibility/2006">
-          <mc:Choice xmlns:p14="http://schemas.microsoft.com/office/powerpoint/2010/main" Requires="p14">
+        <mc:AlternateContent xmlns:mc="http://schemas.openxmlformats.org/markup-compatibility/2006" xmlns:p14="http://schemas.microsoft.com/office/powerpoint/2010/main">
+          <mc:Choice Requires="p14">
             <p:contentPart p14:bwMode="auto" r:id="rId41">
               <p14:nvContentPartPr>
                 <p14:cNvPr id="50" name="インク 49">
@@ -13413,7 +14225,7 @@
               </p14:xfrm>
             </p:contentPart>
           </mc:Choice>
-          <mc:Fallback>
+          <mc:Fallback xmlns="">
             <p:pic>
               <p:nvPicPr>
                 <p:cNvPr id="50" name="インク 49">
@@ -13444,8 +14256,8 @@
             </p:pic>
           </mc:Fallback>
         </mc:AlternateContent>
-        <mc:AlternateContent xmlns:mc="http://schemas.openxmlformats.org/markup-compatibility/2006">
-          <mc:Choice xmlns:p14="http://schemas.microsoft.com/office/powerpoint/2010/main" Requires="p14">
+        <mc:AlternateContent xmlns:mc="http://schemas.openxmlformats.org/markup-compatibility/2006" xmlns:p14="http://schemas.microsoft.com/office/powerpoint/2010/main">
+          <mc:Choice Requires="p14">
             <p:contentPart p14:bwMode="auto" r:id="rId43">
               <p14:nvContentPartPr>
                 <p14:cNvPr id="51" name="インク 50">
@@ -13464,7 +14276,7 @@
               </p14:xfrm>
             </p:contentPart>
           </mc:Choice>
-          <mc:Fallback>
+          <mc:Fallback xmlns="">
             <p:pic>
               <p:nvPicPr>
                 <p:cNvPr id="51" name="インク 50">
@@ -13495,8 +14307,8 @@
             </p:pic>
           </mc:Fallback>
         </mc:AlternateContent>
-        <mc:AlternateContent xmlns:mc="http://schemas.openxmlformats.org/markup-compatibility/2006">
-          <mc:Choice xmlns:p14="http://schemas.microsoft.com/office/powerpoint/2010/main" Requires="p14">
+        <mc:AlternateContent xmlns:mc="http://schemas.openxmlformats.org/markup-compatibility/2006" xmlns:p14="http://schemas.microsoft.com/office/powerpoint/2010/main">
+          <mc:Choice Requires="p14">
             <p:contentPart p14:bwMode="auto" r:id="rId45">
               <p14:nvContentPartPr>
                 <p14:cNvPr id="52" name="インク 51">
@@ -13515,7 +14327,7 @@
               </p14:xfrm>
             </p:contentPart>
           </mc:Choice>
-          <mc:Fallback>
+          <mc:Fallback xmlns="">
             <p:pic>
               <p:nvPicPr>
                 <p:cNvPr id="52" name="インク 51">
@@ -13546,8 +14358,8 @@
             </p:pic>
           </mc:Fallback>
         </mc:AlternateContent>
-        <mc:AlternateContent xmlns:mc="http://schemas.openxmlformats.org/markup-compatibility/2006">
-          <mc:Choice xmlns:p14="http://schemas.microsoft.com/office/powerpoint/2010/main" Requires="p14">
+        <mc:AlternateContent xmlns:mc="http://schemas.openxmlformats.org/markup-compatibility/2006" xmlns:p14="http://schemas.microsoft.com/office/powerpoint/2010/main">
+          <mc:Choice Requires="p14">
             <p:contentPart p14:bwMode="auto" r:id="rId47">
               <p14:nvContentPartPr>
                 <p14:cNvPr id="53" name="インク 52">
@@ -13566,7 +14378,7 @@
               </p14:xfrm>
             </p:contentPart>
           </mc:Choice>
-          <mc:Fallback>
+          <mc:Fallback xmlns="">
             <p:pic>
               <p:nvPicPr>
                 <p:cNvPr id="53" name="インク 52">
@@ -13597,8 +14409,8 @@
             </p:pic>
           </mc:Fallback>
         </mc:AlternateContent>
-        <mc:AlternateContent xmlns:mc="http://schemas.openxmlformats.org/markup-compatibility/2006">
-          <mc:Choice xmlns:p14="http://schemas.microsoft.com/office/powerpoint/2010/main" Requires="p14">
+        <mc:AlternateContent xmlns:mc="http://schemas.openxmlformats.org/markup-compatibility/2006" xmlns:p14="http://schemas.microsoft.com/office/powerpoint/2010/main">
+          <mc:Choice Requires="p14">
             <p:contentPart p14:bwMode="auto" r:id="rId49">
               <p14:nvContentPartPr>
                 <p14:cNvPr id="54" name="インク 53">
@@ -13617,7 +14429,7 @@
               </p14:xfrm>
             </p:contentPart>
           </mc:Choice>
-          <mc:Fallback>
+          <mc:Fallback xmlns="">
             <p:pic>
               <p:nvPicPr>
                 <p:cNvPr id="54" name="インク 53">
@@ -13648,8 +14460,8 @@
             </p:pic>
           </mc:Fallback>
         </mc:AlternateContent>
-        <mc:AlternateContent xmlns:mc="http://schemas.openxmlformats.org/markup-compatibility/2006">
-          <mc:Choice xmlns:p14="http://schemas.microsoft.com/office/powerpoint/2010/main" Requires="p14">
+        <mc:AlternateContent xmlns:mc="http://schemas.openxmlformats.org/markup-compatibility/2006" xmlns:p14="http://schemas.microsoft.com/office/powerpoint/2010/main">
+          <mc:Choice Requires="p14">
             <p:contentPart p14:bwMode="auto" r:id="rId51">
               <p14:nvContentPartPr>
                 <p14:cNvPr id="55" name="インク 54">
@@ -13668,7 +14480,7 @@
               </p14:xfrm>
             </p:contentPart>
           </mc:Choice>
-          <mc:Fallback>
+          <mc:Fallback xmlns="">
             <p:pic>
               <p:nvPicPr>
                 <p:cNvPr id="55" name="インク 54">
@@ -13699,8 +14511,8 @@
             </p:pic>
           </mc:Fallback>
         </mc:AlternateContent>
-        <mc:AlternateContent xmlns:mc="http://schemas.openxmlformats.org/markup-compatibility/2006">
-          <mc:Choice xmlns:p14="http://schemas.microsoft.com/office/powerpoint/2010/main" Requires="p14">
+        <mc:AlternateContent xmlns:mc="http://schemas.openxmlformats.org/markup-compatibility/2006" xmlns:p14="http://schemas.microsoft.com/office/powerpoint/2010/main">
+          <mc:Choice Requires="p14">
             <p:contentPart p14:bwMode="auto" r:id="rId53">
               <p14:nvContentPartPr>
                 <p14:cNvPr id="56" name="インク 55">
@@ -13719,7 +14531,7 @@
               </p14:xfrm>
             </p:contentPart>
           </mc:Choice>
-          <mc:Fallback>
+          <mc:Fallback xmlns="">
             <p:pic>
               <p:nvPicPr>
                 <p:cNvPr id="56" name="インク 55">
@@ -13941,8 +14753,8 @@
           </a:p>
         </p:txBody>
       </p:sp>
-      <mc:AlternateContent xmlns:mc="http://schemas.openxmlformats.org/markup-compatibility/2006">
-        <mc:Choice xmlns:p14="http://schemas.microsoft.com/office/powerpoint/2010/main" Requires="p14">
+      <mc:AlternateContent xmlns:mc="http://schemas.openxmlformats.org/markup-compatibility/2006" xmlns:p14="http://schemas.microsoft.com/office/powerpoint/2010/main">
+        <mc:Choice Requires="p14">
           <p:contentPart p14:bwMode="auto" r:id="rId2">
             <p14:nvContentPartPr>
               <p14:cNvPr id="5" name="インク 4">
@@ -13961,7 +14773,7 @@
             </p14:xfrm>
           </p:contentPart>
         </mc:Choice>
-        <mc:Fallback>
+        <mc:Fallback xmlns="">
           <p:pic>
             <p:nvPicPr>
               <p:cNvPr id="5" name="インク 4">
@@ -14012,8 +14824,8 @@
             <a:chExt cx="271800" cy="406440"/>
           </a:xfrm>
         </p:grpSpPr>
-        <mc:AlternateContent xmlns:mc="http://schemas.openxmlformats.org/markup-compatibility/2006">
-          <mc:Choice xmlns:p14="http://schemas.microsoft.com/office/powerpoint/2010/main" Requires="p14">
+        <mc:AlternateContent xmlns:mc="http://schemas.openxmlformats.org/markup-compatibility/2006" xmlns:p14="http://schemas.microsoft.com/office/powerpoint/2010/main">
+          <mc:Choice Requires="p14">
             <p:contentPart p14:bwMode="auto" r:id="rId4">
               <p14:nvContentPartPr>
                 <p14:cNvPr id="11" name="インク 10">
@@ -14032,7 +14844,7 @@
               </p14:xfrm>
             </p:contentPart>
           </mc:Choice>
-          <mc:Fallback>
+          <mc:Fallback xmlns="">
             <p:pic>
               <p:nvPicPr>
                 <p:cNvPr id="11" name="インク 10">
@@ -14063,8 +14875,8 @@
             </p:pic>
           </mc:Fallback>
         </mc:AlternateContent>
-        <mc:AlternateContent xmlns:mc="http://schemas.openxmlformats.org/markup-compatibility/2006">
-          <mc:Choice xmlns:p14="http://schemas.microsoft.com/office/powerpoint/2010/main" Requires="p14">
+        <mc:AlternateContent xmlns:mc="http://schemas.openxmlformats.org/markup-compatibility/2006" xmlns:p14="http://schemas.microsoft.com/office/powerpoint/2010/main">
+          <mc:Choice Requires="p14">
             <p:contentPart p14:bwMode="auto" r:id="rId6">
               <p14:nvContentPartPr>
                 <p14:cNvPr id="13" name="インク 12">
@@ -14083,7 +14895,7 @@
               </p14:xfrm>
             </p:contentPart>
           </mc:Choice>
-          <mc:Fallback>
+          <mc:Fallback xmlns="">
             <p:pic>
               <p:nvPicPr>
                 <p:cNvPr id="13" name="インク 12">
@@ -14115,8 +14927,8 @@
           </mc:Fallback>
         </mc:AlternateContent>
       </p:grpSp>
-      <mc:AlternateContent xmlns:mc="http://schemas.openxmlformats.org/markup-compatibility/2006">
-        <mc:Choice xmlns:p14="http://schemas.microsoft.com/office/powerpoint/2010/main" Requires="p14">
+      <mc:AlternateContent xmlns:mc="http://schemas.openxmlformats.org/markup-compatibility/2006" xmlns:p14="http://schemas.microsoft.com/office/powerpoint/2010/main">
+        <mc:Choice Requires="p14">
           <p:contentPart p14:bwMode="auto" r:id="rId8">
             <p14:nvContentPartPr>
               <p14:cNvPr id="7" name="インク 6">
@@ -14135,7 +14947,7 @@
             </p14:xfrm>
           </p:contentPart>
         </mc:Choice>
-        <mc:Fallback>
+        <mc:Fallback xmlns="">
           <p:pic>
             <p:nvPicPr>
               <p:cNvPr id="7" name="インク 6">
@@ -14166,8 +14978,8 @@
           </p:pic>
         </mc:Fallback>
       </mc:AlternateContent>
-      <mc:AlternateContent xmlns:mc="http://schemas.openxmlformats.org/markup-compatibility/2006">
-        <mc:Choice xmlns:p14="http://schemas.microsoft.com/office/powerpoint/2010/main" Requires="p14">
+      <mc:AlternateContent xmlns:mc="http://schemas.openxmlformats.org/markup-compatibility/2006" xmlns:p14="http://schemas.microsoft.com/office/powerpoint/2010/main">
+        <mc:Choice Requires="p14">
           <p:contentPart p14:bwMode="auto" r:id="rId10">
             <p14:nvContentPartPr>
               <p14:cNvPr id="8" name="インク 7">
@@ -14186,7 +14998,7 @@
             </p14:xfrm>
           </p:contentPart>
         </mc:Choice>
-        <mc:Fallback>
+        <mc:Fallback xmlns="">
           <p:pic>
             <p:nvPicPr>
               <p:cNvPr id="8" name="インク 7">
@@ -14217,8 +15029,8 @@
           </p:pic>
         </mc:Fallback>
       </mc:AlternateContent>
-      <mc:AlternateContent xmlns:mc="http://schemas.openxmlformats.org/markup-compatibility/2006">
-        <mc:Choice xmlns:p14="http://schemas.microsoft.com/office/powerpoint/2010/main" Requires="p14">
+      <mc:AlternateContent xmlns:mc="http://schemas.openxmlformats.org/markup-compatibility/2006" xmlns:p14="http://schemas.microsoft.com/office/powerpoint/2010/main">
+        <mc:Choice Requires="p14">
           <p:contentPart p14:bwMode="auto" r:id="rId12">
             <p14:nvContentPartPr>
               <p14:cNvPr id="9" name="インク 8">
@@ -14237,7 +15049,7 @@
             </p14:xfrm>
           </p:contentPart>
         </mc:Choice>
-        <mc:Fallback>
+        <mc:Fallback xmlns="">
           <p:pic>
             <p:nvPicPr>
               <p:cNvPr id="9" name="インク 8">
@@ -14268,8 +15080,8 @@
           </p:pic>
         </mc:Fallback>
       </mc:AlternateContent>
-      <mc:AlternateContent xmlns:mc="http://schemas.openxmlformats.org/markup-compatibility/2006">
-        <mc:Choice xmlns:p14="http://schemas.microsoft.com/office/powerpoint/2010/main" Requires="p14">
+      <mc:AlternateContent xmlns:mc="http://schemas.openxmlformats.org/markup-compatibility/2006" xmlns:p14="http://schemas.microsoft.com/office/powerpoint/2010/main">
+        <mc:Choice Requires="p14">
           <p:contentPart p14:bwMode="auto" r:id="rId14">
             <p14:nvContentPartPr>
               <p14:cNvPr id="10" name="インク 9">
@@ -14288,7 +15100,7 @@
             </p14:xfrm>
           </p:contentPart>
         </mc:Choice>
-        <mc:Fallback>
+        <mc:Fallback xmlns="">
           <p:pic>
             <p:nvPicPr>
               <p:cNvPr id="10" name="インク 9">
@@ -14319,8 +15131,8 @@
           </p:pic>
         </mc:Fallback>
       </mc:AlternateContent>
-      <mc:AlternateContent xmlns:mc="http://schemas.openxmlformats.org/markup-compatibility/2006">
-        <mc:Choice xmlns:p14="http://schemas.microsoft.com/office/powerpoint/2010/main" Requires="p14">
+      <mc:AlternateContent xmlns:mc="http://schemas.openxmlformats.org/markup-compatibility/2006" xmlns:p14="http://schemas.microsoft.com/office/powerpoint/2010/main">
+        <mc:Choice Requires="p14">
           <p:contentPart p14:bwMode="auto" r:id="rId16">
             <p14:nvContentPartPr>
               <p14:cNvPr id="15" name="インク 14">
@@ -14339,7 +15151,7 @@
             </p14:xfrm>
           </p:contentPart>
         </mc:Choice>
-        <mc:Fallback>
+        <mc:Fallback xmlns="">
           <p:pic>
             <p:nvPicPr>
               <p:cNvPr id="15" name="インク 14">
@@ -14390,8 +15202,8 @@
             <a:chExt cx="27720" cy="482760"/>
           </a:xfrm>
         </p:grpSpPr>
-        <mc:AlternateContent xmlns:mc="http://schemas.openxmlformats.org/markup-compatibility/2006">
-          <mc:Choice xmlns:p14="http://schemas.microsoft.com/office/powerpoint/2010/main" Requires="p14">
+        <mc:AlternateContent xmlns:mc="http://schemas.openxmlformats.org/markup-compatibility/2006" xmlns:p14="http://schemas.microsoft.com/office/powerpoint/2010/main">
+          <mc:Choice Requires="p14">
             <p:contentPart p14:bwMode="auto" r:id="rId18">
               <p14:nvContentPartPr>
                 <p14:cNvPr id="16" name="インク 15">
@@ -14410,7 +15222,7 @@
               </p14:xfrm>
             </p:contentPart>
           </mc:Choice>
-          <mc:Fallback>
+          <mc:Fallback xmlns="">
             <p:pic>
               <p:nvPicPr>
                 <p:cNvPr id="16" name="インク 15">
@@ -14441,8 +15253,8 @@
             </p:pic>
           </mc:Fallback>
         </mc:AlternateContent>
-        <mc:AlternateContent xmlns:mc="http://schemas.openxmlformats.org/markup-compatibility/2006">
-          <mc:Choice xmlns:p14="http://schemas.microsoft.com/office/powerpoint/2010/main" Requires="p14">
+        <mc:AlternateContent xmlns:mc="http://schemas.openxmlformats.org/markup-compatibility/2006" xmlns:p14="http://schemas.microsoft.com/office/powerpoint/2010/main">
+          <mc:Choice Requires="p14">
             <p:contentPart p14:bwMode="auto" r:id="rId20">
               <p14:nvContentPartPr>
                 <p14:cNvPr id="17" name="インク 16">
@@ -14461,7 +15273,7 @@
               </p14:xfrm>
             </p:contentPart>
           </mc:Choice>
-          <mc:Fallback>
+          <mc:Fallback xmlns="">
             <p:pic>
               <p:nvPicPr>
                 <p:cNvPr id="17" name="インク 16">
@@ -14513,8 +15325,8 @@
             <a:chExt cx="14400" cy="157680"/>
           </a:xfrm>
         </p:grpSpPr>
-        <mc:AlternateContent xmlns:mc="http://schemas.openxmlformats.org/markup-compatibility/2006">
-          <mc:Choice xmlns:p14="http://schemas.microsoft.com/office/powerpoint/2010/main" Requires="p14">
+        <mc:AlternateContent xmlns:mc="http://schemas.openxmlformats.org/markup-compatibility/2006" xmlns:p14="http://schemas.microsoft.com/office/powerpoint/2010/main">
+          <mc:Choice Requires="p14">
             <p:contentPart p14:bwMode="auto" r:id="rId22">
               <p14:nvContentPartPr>
                 <p14:cNvPr id="18" name="インク 17">
@@ -14533,7 +15345,7 @@
               </p14:xfrm>
             </p:contentPart>
           </mc:Choice>
-          <mc:Fallback>
+          <mc:Fallback xmlns="">
             <p:pic>
               <p:nvPicPr>
                 <p:cNvPr id="18" name="インク 17">
@@ -14564,8 +15376,8 @@
             </p:pic>
           </mc:Fallback>
         </mc:AlternateContent>
-        <mc:AlternateContent xmlns:mc="http://schemas.openxmlformats.org/markup-compatibility/2006">
-          <mc:Choice xmlns:p14="http://schemas.microsoft.com/office/powerpoint/2010/main" Requires="p14">
+        <mc:AlternateContent xmlns:mc="http://schemas.openxmlformats.org/markup-compatibility/2006" xmlns:p14="http://schemas.microsoft.com/office/powerpoint/2010/main">
+          <mc:Choice Requires="p14">
             <p:contentPart p14:bwMode="auto" r:id="rId24">
               <p14:nvContentPartPr>
                 <p14:cNvPr id="19" name="インク 18">
@@ -14584,7 +15396,7 @@
               </p14:xfrm>
             </p:contentPart>
           </mc:Choice>
-          <mc:Fallback>
+          <mc:Fallback xmlns="">
             <p:pic>
               <p:nvPicPr>
                 <p:cNvPr id="19" name="インク 18">
@@ -14616,8 +15428,8 @@
           </mc:Fallback>
         </mc:AlternateContent>
       </p:grpSp>
-      <mc:AlternateContent xmlns:mc="http://schemas.openxmlformats.org/markup-compatibility/2006">
-        <mc:Choice xmlns:p14="http://schemas.microsoft.com/office/powerpoint/2010/main" Requires="p14">
+      <mc:AlternateContent xmlns:mc="http://schemas.openxmlformats.org/markup-compatibility/2006" xmlns:p14="http://schemas.microsoft.com/office/powerpoint/2010/main">
+        <mc:Choice Requires="p14">
           <p:contentPart p14:bwMode="auto" r:id="rId26">
             <p14:nvContentPartPr>
               <p14:cNvPr id="20" name="インク 19">
@@ -14636,7 +15448,7 @@
             </p14:xfrm>
           </p:contentPart>
         </mc:Choice>
-        <mc:Fallback>
+        <mc:Fallback xmlns="">
           <p:pic>
             <p:nvPicPr>
               <p:cNvPr id="20" name="インク 19">
@@ -14667,8 +15479,8 @@
           </p:pic>
         </mc:Fallback>
       </mc:AlternateContent>
-      <mc:AlternateContent xmlns:mc="http://schemas.openxmlformats.org/markup-compatibility/2006">
-        <mc:Choice xmlns:p14="http://schemas.microsoft.com/office/powerpoint/2010/main" Requires="p14">
+      <mc:AlternateContent xmlns:mc="http://schemas.openxmlformats.org/markup-compatibility/2006" xmlns:p14="http://schemas.microsoft.com/office/powerpoint/2010/main">
+        <mc:Choice Requires="p14">
           <p:contentPart p14:bwMode="auto" r:id="rId28">
             <p14:nvContentPartPr>
               <p14:cNvPr id="24" name="インク 23">
@@ -14687,7 +15499,7 @@
             </p14:xfrm>
           </p:contentPart>
         </mc:Choice>
-        <mc:Fallback>
+        <mc:Fallback xmlns="">
           <p:pic>
             <p:nvPicPr>
               <p:cNvPr id="24" name="インク 23">
@@ -14738,8 +15550,8 @@
             <a:chExt cx="1615680" cy="485280"/>
           </a:xfrm>
         </p:grpSpPr>
-        <mc:AlternateContent xmlns:mc="http://schemas.openxmlformats.org/markup-compatibility/2006">
-          <mc:Choice xmlns:p14="http://schemas.microsoft.com/office/powerpoint/2010/main" Requires="p14">
+        <mc:AlternateContent xmlns:mc="http://schemas.openxmlformats.org/markup-compatibility/2006" xmlns:p14="http://schemas.microsoft.com/office/powerpoint/2010/main">
+          <mc:Choice Requires="p14">
             <p:contentPart p14:bwMode="auto" r:id="rId30">
               <p14:nvContentPartPr>
                 <p14:cNvPr id="25" name="インク 24">
@@ -14758,7 +15570,7 @@
               </p14:xfrm>
             </p:contentPart>
           </mc:Choice>
-          <mc:Fallback>
+          <mc:Fallback xmlns="">
             <p:pic>
               <p:nvPicPr>
                 <p:cNvPr id="25" name="インク 24">
@@ -14789,8 +15601,8 @@
             </p:pic>
           </mc:Fallback>
         </mc:AlternateContent>
-        <mc:AlternateContent xmlns:mc="http://schemas.openxmlformats.org/markup-compatibility/2006">
-          <mc:Choice xmlns:p14="http://schemas.microsoft.com/office/powerpoint/2010/main" Requires="p14">
+        <mc:AlternateContent xmlns:mc="http://schemas.openxmlformats.org/markup-compatibility/2006" xmlns:p14="http://schemas.microsoft.com/office/powerpoint/2010/main">
+          <mc:Choice Requires="p14">
             <p:contentPart p14:bwMode="auto" r:id="rId32">
               <p14:nvContentPartPr>
                 <p14:cNvPr id="26" name="インク 25">
@@ -14809,7 +15621,7 @@
               </p14:xfrm>
             </p:contentPart>
           </mc:Choice>
-          <mc:Fallback>
+          <mc:Fallback xmlns="">
             <p:pic>
               <p:nvPicPr>
                 <p:cNvPr id="26" name="インク 25">
@@ -14840,8 +15652,8 @@
             </p:pic>
           </mc:Fallback>
         </mc:AlternateContent>
-        <mc:AlternateContent xmlns:mc="http://schemas.openxmlformats.org/markup-compatibility/2006">
-          <mc:Choice xmlns:p14="http://schemas.microsoft.com/office/powerpoint/2010/main" Requires="p14">
+        <mc:AlternateContent xmlns:mc="http://schemas.openxmlformats.org/markup-compatibility/2006" xmlns:p14="http://schemas.microsoft.com/office/powerpoint/2010/main">
+          <mc:Choice Requires="p14">
             <p:contentPart p14:bwMode="auto" r:id="rId34">
               <p14:nvContentPartPr>
                 <p14:cNvPr id="27" name="インク 26">
@@ -14860,7 +15672,7 @@
               </p14:xfrm>
             </p:contentPart>
           </mc:Choice>
-          <mc:Fallback>
+          <mc:Fallback xmlns="">
             <p:pic>
               <p:nvPicPr>
                 <p:cNvPr id="27" name="インク 26">
@@ -14891,8 +15703,8 @@
             </p:pic>
           </mc:Fallback>
         </mc:AlternateContent>
-        <mc:AlternateContent xmlns:mc="http://schemas.openxmlformats.org/markup-compatibility/2006">
-          <mc:Choice xmlns:p14="http://schemas.microsoft.com/office/powerpoint/2010/main" Requires="p14">
+        <mc:AlternateContent xmlns:mc="http://schemas.openxmlformats.org/markup-compatibility/2006" xmlns:p14="http://schemas.microsoft.com/office/powerpoint/2010/main">
+          <mc:Choice Requires="p14">
             <p:contentPart p14:bwMode="auto" r:id="rId36">
               <p14:nvContentPartPr>
                 <p14:cNvPr id="28" name="インク 27">
@@ -14911,7 +15723,7 @@
               </p14:xfrm>
             </p:contentPart>
           </mc:Choice>
-          <mc:Fallback>
+          <mc:Fallback xmlns="">
             <p:pic>
               <p:nvPicPr>
                 <p:cNvPr id="28" name="インク 27">
@@ -14942,8 +15754,8 @@
             </p:pic>
           </mc:Fallback>
         </mc:AlternateContent>
-        <mc:AlternateContent xmlns:mc="http://schemas.openxmlformats.org/markup-compatibility/2006">
-          <mc:Choice xmlns:p14="http://schemas.microsoft.com/office/powerpoint/2010/main" Requires="p14">
+        <mc:AlternateContent xmlns:mc="http://schemas.openxmlformats.org/markup-compatibility/2006" xmlns:p14="http://schemas.microsoft.com/office/powerpoint/2010/main">
+          <mc:Choice Requires="p14">
             <p:contentPart p14:bwMode="auto" r:id="rId38">
               <p14:nvContentPartPr>
                 <p14:cNvPr id="29" name="インク 28">
@@ -14962,7 +15774,7 @@
               </p14:xfrm>
             </p:contentPart>
           </mc:Choice>
-          <mc:Fallback>
+          <mc:Fallback xmlns="">
             <p:pic>
               <p:nvPicPr>
                 <p:cNvPr id="29" name="インク 28">
@@ -14993,8 +15805,8 @@
             </p:pic>
           </mc:Fallback>
         </mc:AlternateContent>
-        <mc:AlternateContent xmlns:mc="http://schemas.openxmlformats.org/markup-compatibility/2006">
-          <mc:Choice xmlns:p14="http://schemas.microsoft.com/office/powerpoint/2010/main" Requires="p14">
+        <mc:AlternateContent xmlns:mc="http://schemas.openxmlformats.org/markup-compatibility/2006" xmlns:p14="http://schemas.microsoft.com/office/powerpoint/2010/main">
+          <mc:Choice Requires="p14">
             <p:contentPart p14:bwMode="auto" r:id="rId40">
               <p14:nvContentPartPr>
                 <p14:cNvPr id="30" name="インク 29">
@@ -15013,7 +15825,7 @@
               </p14:xfrm>
             </p:contentPart>
           </mc:Choice>
-          <mc:Fallback>
+          <mc:Fallback xmlns="">
             <p:pic>
               <p:nvPicPr>
                 <p:cNvPr id="30" name="インク 29">
@@ -15044,8 +15856,8 @@
             </p:pic>
           </mc:Fallback>
         </mc:AlternateContent>
-        <mc:AlternateContent xmlns:mc="http://schemas.openxmlformats.org/markup-compatibility/2006">
-          <mc:Choice xmlns:p14="http://schemas.microsoft.com/office/powerpoint/2010/main" Requires="p14">
+        <mc:AlternateContent xmlns:mc="http://schemas.openxmlformats.org/markup-compatibility/2006" xmlns:p14="http://schemas.microsoft.com/office/powerpoint/2010/main">
+          <mc:Choice Requires="p14">
             <p:contentPart p14:bwMode="auto" r:id="rId42">
               <p14:nvContentPartPr>
                 <p14:cNvPr id="33" name="インク 32">
@@ -15064,7 +15876,7 @@
               </p14:xfrm>
             </p:contentPart>
           </mc:Choice>
-          <mc:Fallback>
+          <mc:Fallback xmlns="">
             <p:pic>
               <p:nvPicPr>
                 <p:cNvPr id="33" name="インク 32">
@@ -15095,8 +15907,8 @@
             </p:pic>
           </mc:Fallback>
         </mc:AlternateContent>
-        <mc:AlternateContent xmlns:mc="http://schemas.openxmlformats.org/markup-compatibility/2006">
-          <mc:Choice xmlns:p14="http://schemas.microsoft.com/office/powerpoint/2010/main" Requires="p14">
+        <mc:AlternateContent xmlns:mc="http://schemas.openxmlformats.org/markup-compatibility/2006" xmlns:p14="http://schemas.microsoft.com/office/powerpoint/2010/main">
+          <mc:Choice Requires="p14">
             <p:contentPart p14:bwMode="auto" r:id="rId44">
               <p14:nvContentPartPr>
                 <p14:cNvPr id="34" name="インク 33">
@@ -15115,7 +15927,7 @@
               </p14:xfrm>
             </p:contentPart>
           </mc:Choice>
-          <mc:Fallback>
+          <mc:Fallback xmlns="">
             <p:pic>
               <p:nvPicPr>
                 <p:cNvPr id="34" name="インク 33">
@@ -15151,6 +15963,2002 @@
     <p:extLst>
       <p:ext uri="{BB962C8B-B14F-4D97-AF65-F5344CB8AC3E}">
         <p14:creationId xmlns:p14="http://schemas.microsoft.com/office/powerpoint/2010/main" val="1902120204"/>
+      </p:ext>
+    </p:extLst>
+  </p:cSld>
+  <p:clrMapOvr>
+    <a:masterClrMapping/>
+  </p:clrMapOvr>
+</p:sld>
+</file>
+
+<file path=ppt/slides/slide24.xml><?xml version="1.0" encoding="utf-8"?>
+<p:sld xmlns:a="http://schemas.openxmlformats.org/drawingml/2006/main" xmlns:r="http://schemas.openxmlformats.org/officeDocument/2006/relationships" xmlns:p="http://schemas.openxmlformats.org/presentationml/2006/main">
+  <p:cSld>
+    <p:spTree>
+      <p:nvGrpSpPr>
+        <p:cNvPr id="1" name=""/>
+        <p:cNvGrpSpPr/>
+        <p:nvPr/>
+      </p:nvGrpSpPr>
+      <p:grpSpPr>
+        <a:xfrm>
+          <a:off x="0" y="0"/>
+          <a:ext cx="0" cy="0"/>
+          <a:chOff x="0" y="0"/>
+          <a:chExt cx="0" cy="0"/>
+        </a:xfrm>
+      </p:grpSpPr>
+      <p:cxnSp>
+        <p:nvCxnSpPr>
+          <p:cNvPr id="23" name="直線矢印コネクタ 22">
+            <a:extLst>
+              <a:ext uri="{FF2B5EF4-FFF2-40B4-BE49-F238E27FC236}">
+                <a16:creationId xmlns:a16="http://schemas.microsoft.com/office/drawing/2014/main" id="{94480034-893B-CB55-E14E-015ED22A04A6}"/>
+              </a:ext>
+            </a:extLst>
+          </p:cNvPr>
+          <p:cNvCxnSpPr/>
+          <p:nvPr/>
+        </p:nvCxnSpPr>
+        <p:spPr>
+          <a:xfrm flipV="1">
+            <a:off x="3087756" y="1298714"/>
+            <a:ext cx="4863548" cy="2928730"/>
+          </a:xfrm>
+          <a:prstGeom prst="straightConnector1">
+            <a:avLst/>
+          </a:prstGeom>
+          <a:ln w="76200">
+            <a:solidFill>
+              <a:srgbClr val="FF0000"/>
+            </a:solidFill>
+            <a:tailEnd type="triangle"/>
+          </a:ln>
+        </p:spPr>
+        <p:style>
+          <a:lnRef idx="1">
+            <a:schemeClr val="accent1"/>
+          </a:lnRef>
+          <a:fillRef idx="0">
+            <a:schemeClr val="accent1"/>
+          </a:fillRef>
+          <a:effectRef idx="0">
+            <a:schemeClr val="accent1"/>
+          </a:effectRef>
+          <a:fontRef idx="minor">
+            <a:schemeClr val="tx1"/>
+          </a:fontRef>
+        </p:style>
+      </p:cxnSp>
+      <p:cxnSp>
+        <p:nvCxnSpPr>
+          <p:cNvPr id="31" name="直線矢印コネクタ 30">
+            <a:extLst>
+              <a:ext uri="{FF2B5EF4-FFF2-40B4-BE49-F238E27FC236}">
+                <a16:creationId xmlns:a16="http://schemas.microsoft.com/office/drawing/2014/main" id="{76F691A2-7419-0AD9-E601-D6B505993A2F}"/>
+              </a:ext>
+            </a:extLst>
+          </p:cNvPr>
+          <p:cNvCxnSpPr>
+            <a:cxnSpLocks/>
+          </p:cNvCxnSpPr>
+          <p:nvPr/>
+        </p:nvCxnSpPr>
+        <p:spPr>
+          <a:xfrm flipV="1">
+            <a:off x="3200399" y="3790121"/>
+            <a:ext cx="1066801" cy="616227"/>
+          </a:xfrm>
+          <a:prstGeom prst="straightConnector1">
+            <a:avLst/>
+          </a:prstGeom>
+          <a:ln w="76200">
+            <a:solidFill>
+              <a:srgbClr val="FF0000"/>
+            </a:solidFill>
+            <a:tailEnd type="triangle"/>
+          </a:ln>
+        </p:spPr>
+        <p:style>
+          <a:lnRef idx="1">
+            <a:schemeClr val="accent1"/>
+          </a:lnRef>
+          <a:fillRef idx="0">
+            <a:schemeClr val="accent1"/>
+          </a:fillRef>
+          <a:effectRef idx="0">
+            <a:schemeClr val="accent1"/>
+          </a:effectRef>
+          <a:fontRef idx="minor">
+            <a:schemeClr val="tx1"/>
+          </a:fontRef>
+        </p:style>
+      </p:cxnSp>
+      <mc:AlternateContent xmlns:mc="http://schemas.openxmlformats.org/markup-compatibility/2006" xmlns:p14="http://schemas.microsoft.com/office/powerpoint/2010/main">
+        <mc:Choice Requires="p14">
+          <p:contentPart p14:bwMode="auto" r:id="rId2">
+            <p14:nvContentPartPr>
+              <p14:cNvPr id="39" name="インク 38">
+                <a:extLst>
+                  <a:ext uri="{FF2B5EF4-FFF2-40B4-BE49-F238E27FC236}">
+                    <a16:creationId xmlns:a16="http://schemas.microsoft.com/office/drawing/2014/main" id="{3ED35384-390C-8CAC-4544-29A713624DC3}"/>
+                  </a:ext>
+                </a:extLst>
+              </p14:cNvPr>
+              <p14:cNvContentPartPr/>
+              <p14:nvPr/>
+            </p14:nvContentPartPr>
+            <p14:xfrm>
+              <a:off x="2981457" y="1217077"/>
+              <a:ext cx="4790880" cy="2850840"/>
+            </p14:xfrm>
+          </p:contentPart>
+        </mc:Choice>
+        <mc:Fallback xmlns="">
+          <p:pic>
+            <p:nvPicPr>
+              <p:cNvPr id="39" name="インク 38">
+                <a:extLst>
+                  <a:ext uri="{FF2B5EF4-FFF2-40B4-BE49-F238E27FC236}">
+                    <a16:creationId xmlns:a16="http://schemas.microsoft.com/office/drawing/2014/main" id="{3ED35384-390C-8CAC-4544-29A713624DC3}"/>
+                  </a:ext>
+                </a:extLst>
+              </p:cNvPr>
+              <p:cNvPicPr/>
+              <p:nvPr/>
+            </p:nvPicPr>
+            <p:blipFill>
+              <a:blip r:embed="rId3"/>
+              <a:stretch>
+                <a:fillRect/>
+              </a:stretch>
+            </p:blipFill>
+            <p:spPr>
+              <a:xfrm>
+                <a:off x="2963457" y="1199437"/>
+                <a:ext cx="4826520" cy="2886480"/>
+              </a:xfrm>
+              <a:prstGeom prst="rect">
+                <a:avLst/>
+              </a:prstGeom>
+            </p:spPr>
+          </p:pic>
+        </mc:Fallback>
+      </mc:AlternateContent>
+      <p:grpSp>
+        <p:nvGrpSpPr>
+          <p:cNvPr id="43" name="グループ化 42">
+            <a:extLst>
+              <a:ext uri="{FF2B5EF4-FFF2-40B4-BE49-F238E27FC236}">
+                <a16:creationId xmlns:a16="http://schemas.microsoft.com/office/drawing/2014/main" id="{8D0527A6-ACB0-56BC-D940-EF0CE353614C}"/>
+              </a:ext>
+            </a:extLst>
+          </p:cNvPr>
+          <p:cNvGrpSpPr/>
+          <p:nvPr/>
+        </p:nvGrpSpPr>
+        <p:grpSpPr>
+          <a:xfrm>
+            <a:off x="5194737" y="1960477"/>
+            <a:ext cx="598680" cy="427320"/>
+            <a:chOff x="5194737" y="1960477"/>
+            <a:chExt cx="598680" cy="427320"/>
+          </a:xfrm>
+        </p:grpSpPr>
+        <mc:AlternateContent xmlns:mc="http://schemas.openxmlformats.org/markup-compatibility/2006" xmlns:p14="http://schemas.microsoft.com/office/powerpoint/2010/main">
+          <mc:Choice Requires="p14">
+            <p:contentPart p14:bwMode="auto" r:id="rId4">
+              <p14:nvContentPartPr>
+                <p14:cNvPr id="40" name="インク 39">
+                  <a:extLst>
+                    <a:ext uri="{FF2B5EF4-FFF2-40B4-BE49-F238E27FC236}">
+                      <a16:creationId xmlns:a16="http://schemas.microsoft.com/office/drawing/2014/main" id="{AA52D8DD-AC1D-4820-2A78-39B336EE2FBA}"/>
+                    </a:ext>
+                  </a:extLst>
+                </p14:cNvPr>
+                <p14:cNvContentPartPr/>
+                <p14:nvPr/>
+              </p14:nvContentPartPr>
+              <p14:xfrm>
+                <a:off x="5311377" y="2131477"/>
+                <a:ext cx="455760" cy="256320"/>
+              </p14:xfrm>
+            </p:contentPart>
+          </mc:Choice>
+          <mc:Fallback xmlns="">
+            <p:pic>
+              <p:nvPicPr>
+                <p:cNvPr id="40" name="インク 39">
+                  <a:extLst>
+                    <a:ext uri="{FF2B5EF4-FFF2-40B4-BE49-F238E27FC236}">
+                      <a16:creationId xmlns:a16="http://schemas.microsoft.com/office/drawing/2014/main" id="{AA52D8DD-AC1D-4820-2A78-39B336EE2FBA}"/>
+                    </a:ext>
+                  </a:extLst>
+                </p:cNvPr>
+                <p:cNvPicPr/>
+                <p:nvPr/>
+              </p:nvPicPr>
+              <p:blipFill>
+                <a:blip r:embed="rId5"/>
+                <a:stretch>
+                  <a:fillRect/>
+                </a:stretch>
+              </p:blipFill>
+              <p:spPr>
+                <a:xfrm>
+                  <a:off x="5293737" y="2113837"/>
+                  <a:ext cx="491400" cy="291960"/>
+                </a:xfrm>
+                <a:prstGeom prst="rect">
+                  <a:avLst/>
+                </a:prstGeom>
+              </p:spPr>
+            </p:pic>
+          </mc:Fallback>
+        </mc:AlternateContent>
+        <mc:AlternateContent xmlns:mc="http://schemas.openxmlformats.org/markup-compatibility/2006" xmlns:p14="http://schemas.microsoft.com/office/powerpoint/2010/main">
+          <mc:Choice Requires="p14">
+            <p:contentPart p14:bwMode="auto" r:id="rId6">
+              <p14:nvContentPartPr>
+                <p14:cNvPr id="41" name="インク 40">
+                  <a:extLst>
+                    <a:ext uri="{FF2B5EF4-FFF2-40B4-BE49-F238E27FC236}">
+                      <a16:creationId xmlns:a16="http://schemas.microsoft.com/office/drawing/2014/main" id="{BEF27177-6891-322E-EF2A-11F835628747}"/>
+                    </a:ext>
+                  </a:extLst>
+                </p14:cNvPr>
+                <p14:cNvContentPartPr/>
+                <p14:nvPr/>
+              </p14:nvContentPartPr>
+              <p14:xfrm>
+                <a:off x="5194737" y="2052637"/>
+                <a:ext cx="435960" cy="27720"/>
+              </p14:xfrm>
+            </p:contentPart>
+          </mc:Choice>
+          <mc:Fallback xmlns="">
+            <p:pic>
+              <p:nvPicPr>
+                <p:cNvPr id="41" name="インク 40">
+                  <a:extLst>
+                    <a:ext uri="{FF2B5EF4-FFF2-40B4-BE49-F238E27FC236}">
+                      <a16:creationId xmlns:a16="http://schemas.microsoft.com/office/drawing/2014/main" id="{BEF27177-6891-322E-EF2A-11F835628747}"/>
+                    </a:ext>
+                  </a:extLst>
+                </p:cNvPr>
+                <p:cNvPicPr/>
+                <p:nvPr/>
+              </p:nvPicPr>
+              <p:blipFill>
+                <a:blip r:embed="rId7"/>
+                <a:stretch>
+                  <a:fillRect/>
+                </a:stretch>
+              </p:blipFill>
+              <p:spPr>
+                <a:xfrm>
+                  <a:off x="5176737" y="2034997"/>
+                  <a:ext cx="471600" cy="63360"/>
+                </a:xfrm>
+                <a:prstGeom prst="rect">
+                  <a:avLst/>
+                </a:prstGeom>
+              </p:spPr>
+            </p:pic>
+          </mc:Fallback>
+        </mc:AlternateContent>
+        <mc:AlternateContent xmlns:mc="http://schemas.openxmlformats.org/markup-compatibility/2006" xmlns:p14="http://schemas.microsoft.com/office/powerpoint/2010/main">
+          <mc:Choice Requires="p14">
+            <p:contentPart p14:bwMode="auto" r:id="rId8">
+              <p14:nvContentPartPr>
+                <p14:cNvPr id="42" name="インク 41">
+                  <a:extLst>
+                    <a:ext uri="{FF2B5EF4-FFF2-40B4-BE49-F238E27FC236}">
+                      <a16:creationId xmlns:a16="http://schemas.microsoft.com/office/drawing/2014/main" id="{B6D8278A-1188-402F-0040-1D937DBDB93A}"/>
+                    </a:ext>
+                  </a:extLst>
+                </p14:cNvPr>
+                <p14:cNvContentPartPr/>
+                <p14:nvPr/>
+              </p14:nvContentPartPr>
+              <p14:xfrm>
+                <a:off x="5592177" y="1960477"/>
+                <a:ext cx="201240" cy="191160"/>
+              </p14:xfrm>
+            </p:contentPart>
+          </mc:Choice>
+          <mc:Fallback xmlns="">
+            <p:pic>
+              <p:nvPicPr>
+                <p:cNvPr id="42" name="インク 41">
+                  <a:extLst>
+                    <a:ext uri="{FF2B5EF4-FFF2-40B4-BE49-F238E27FC236}">
+                      <a16:creationId xmlns:a16="http://schemas.microsoft.com/office/drawing/2014/main" id="{B6D8278A-1188-402F-0040-1D937DBDB93A}"/>
+                    </a:ext>
+                  </a:extLst>
+                </p:cNvPr>
+                <p:cNvPicPr/>
+                <p:nvPr/>
+              </p:nvPicPr>
+              <p:blipFill>
+                <a:blip r:embed="rId9"/>
+                <a:stretch>
+                  <a:fillRect/>
+                </a:stretch>
+              </p:blipFill>
+              <p:spPr>
+                <a:xfrm>
+                  <a:off x="5574177" y="1942477"/>
+                  <a:ext cx="236880" cy="226800"/>
+                </a:xfrm>
+                <a:prstGeom prst="rect">
+                  <a:avLst/>
+                </a:prstGeom>
+              </p:spPr>
+            </p:pic>
+          </mc:Fallback>
+        </mc:AlternateContent>
+      </p:grpSp>
+      <p:grpSp>
+        <p:nvGrpSpPr>
+          <p:cNvPr id="48" name="グループ化 47">
+            <a:extLst>
+              <a:ext uri="{FF2B5EF4-FFF2-40B4-BE49-F238E27FC236}">
+                <a16:creationId xmlns:a16="http://schemas.microsoft.com/office/drawing/2014/main" id="{5D34D8BB-F13F-6DB0-E218-5887D2BBA093}"/>
+              </a:ext>
+            </a:extLst>
+          </p:cNvPr>
+          <p:cNvGrpSpPr/>
+          <p:nvPr/>
+        </p:nvGrpSpPr>
+        <p:grpSpPr>
+          <a:xfrm>
+            <a:off x="4253697" y="3325957"/>
+            <a:ext cx="574200" cy="519120"/>
+            <a:chOff x="4253697" y="3325957"/>
+            <a:chExt cx="574200" cy="519120"/>
+          </a:xfrm>
+        </p:grpSpPr>
+        <mc:AlternateContent xmlns:mc="http://schemas.openxmlformats.org/markup-compatibility/2006" xmlns:p14="http://schemas.microsoft.com/office/powerpoint/2010/main">
+          <mc:Choice Requires="p14">
+            <p:contentPart p14:bwMode="auto" r:id="rId10">
+              <p14:nvContentPartPr>
+                <p14:cNvPr id="44" name="インク 43">
+                  <a:extLst>
+                    <a:ext uri="{FF2B5EF4-FFF2-40B4-BE49-F238E27FC236}">
+                      <a16:creationId xmlns:a16="http://schemas.microsoft.com/office/drawing/2014/main" id="{48AF439E-7F48-C2E4-72A7-781B7AFB4BD0}"/>
+                    </a:ext>
+                  </a:extLst>
+                </p14:cNvPr>
+                <p14:cNvContentPartPr/>
+                <p14:nvPr/>
+              </p14:nvContentPartPr>
+              <p14:xfrm>
+                <a:off x="4449177" y="3634117"/>
+                <a:ext cx="282600" cy="210960"/>
+              </p14:xfrm>
+            </p:contentPart>
+          </mc:Choice>
+          <mc:Fallback xmlns="">
+            <p:pic>
+              <p:nvPicPr>
+                <p:cNvPr id="44" name="インク 43">
+                  <a:extLst>
+                    <a:ext uri="{FF2B5EF4-FFF2-40B4-BE49-F238E27FC236}">
+                      <a16:creationId xmlns:a16="http://schemas.microsoft.com/office/drawing/2014/main" id="{48AF439E-7F48-C2E4-72A7-781B7AFB4BD0}"/>
+                    </a:ext>
+                  </a:extLst>
+                </p:cNvPr>
+                <p:cNvPicPr/>
+                <p:nvPr/>
+              </p:nvPicPr>
+              <p:blipFill>
+                <a:blip r:embed="rId11"/>
+                <a:stretch>
+                  <a:fillRect/>
+                </a:stretch>
+              </p:blipFill>
+              <p:spPr>
+                <a:xfrm>
+                  <a:off x="4431177" y="3616477"/>
+                  <a:ext cx="318240" cy="246600"/>
+                </a:xfrm>
+                <a:prstGeom prst="rect">
+                  <a:avLst/>
+                </a:prstGeom>
+              </p:spPr>
+            </p:pic>
+          </mc:Fallback>
+        </mc:AlternateContent>
+        <mc:AlternateContent xmlns:mc="http://schemas.openxmlformats.org/markup-compatibility/2006" xmlns:p14="http://schemas.microsoft.com/office/powerpoint/2010/main">
+          <mc:Choice Requires="p14">
+            <p:contentPart p14:bwMode="auto" r:id="rId12">
+              <p14:nvContentPartPr>
+                <p14:cNvPr id="45" name="インク 44">
+                  <a:extLst>
+                    <a:ext uri="{FF2B5EF4-FFF2-40B4-BE49-F238E27FC236}">
+                      <a16:creationId xmlns:a16="http://schemas.microsoft.com/office/drawing/2014/main" id="{668A1201-E179-947C-27D8-1E849FED8755}"/>
+                    </a:ext>
+                  </a:extLst>
+                </p14:cNvPr>
+                <p14:cNvContentPartPr/>
+                <p14:nvPr/>
+              </p14:nvContentPartPr>
+              <p14:xfrm>
+                <a:off x="4399497" y="3538717"/>
+                <a:ext cx="185760" cy="104040"/>
+              </p14:xfrm>
+            </p:contentPart>
+          </mc:Choice>
+          <mc:Fallback xmlns="">
+            <p:pic>
+              <p:nvPicPr>
+                <p:cNvPr id="45" name="インク 44">
+                  <a:extLst>
+                    <a:ext uri="{FF2B5EF4-FFF2-40B4-BE49-F238E27FC236}">
+                      <a16:creationId xmlns:a16="http://schemas.microsoft.com/office/drawing/2014/main" id="{668A1201-E179-947C-27D8-1E849FED8755}"/>
+                    </a:ext>
+                  </a:extLst>
+                </p:cNvPr>
+                <p:cNvPicPr/>
+                <p:nvPr/>
+              </p:nvPicPr>
+              <p:blipFill>
+                <a:blip r:embed="rId13"/>
+                <a:stretch>
+                  <a:fillRect/>
+                </a:stretch>
+              </p:blipFill>
+              <p:spPr>
+                <a:xfrm>
+                  <a:off x="4381497" y="3521077"/>
+                  <a:ext cx="221400" cy="139680"/>
+                </a:xfrm>
+                <a:prstGeom prst="rect">
+                  <a:avLst/>
+                </a:prstGeom>
+              </p:spPr>
+            </p:pic>
+          </mc:Fallback>
+        </mc:AlternateContent>
+        <mc:AlternateContent xmlns:mc="http://schemas.openxmlformats.org/markup-compatibility/2006" xmlns:p14="http://schemas.microsoft.com/office/powerpoint/2010/main">
+          <mc:Choice Requires="p14">
+            <p:contentPart p14:bwMode="auto" r:id="rId14">
+              <p14:nvContentPartPr>
+                <p14:cNvPr id="46" name="インク 45">
+                  <a:extLst>
+                    <a:ext uri="{FF2B5EF4-FFF2-40B4-BE49-F238E27FC236}">
+                      <a16:creationId xmlns:a16="http://schemas.microsoft.com/office/drawing/2014/main" id="{D53A5069-35F9-2EED-B8DE-E8E8B9CF5CBF}"/>
+                    </a:ext>
+                  </a:extLst>
+                </p14:cNvPr>
+                <p14:cNvContentPartPr/>
+                <p14:nvPr/>
+              </p14:nvContentPartPr>
+              <p14:xfrm>
+                <a:off x="4253697" y="3431437"/>
+                <a:ext cx="409320" cy="14040"/>
+              </p14:xfrm>
+            </p:contentPart>
+          </mc:Choice>
+          <mc:Fallback xmlns="">
+            <p:pic>
+              <p:nvPicPr>
+                <p:cNvPr id="46" name="インク 45">
+                  <a:extLst>
+                    <a:ext uri="{FF2B5EF4-FFF2-40B4-BE49-F238E27FC236}">
+                      <a16:creationId xmlns:a16="http://schemas.microsoft.com/office/drawing/2014/main" id="{D53A5069-35F9-2EED-B8DE-E8E8B9CF5CBF}"/>
+                    </a:ext>
+                  </a:extLst>
+                </p:cNvPr>
+                <p:cNvPicPr/>
+                <p:nvPr/>
+              </p:nvPicPr>
+              <p:blipFill>
+                <a:blip r:embed="rId15"/>
+                <a:stretch>
+                  <a:fillRect/>
+                </a:stretch>
+              </p:blipFill>
+              <p:spPr>
+                <a:xfrm>
+                  <a:off x="4235697" y="3413437"/>
+                  <a:ext cx="444960" cy="49680"/>
+                </a:xfrm>
+                <a:prstGeom prst="rect">
+                  <a:avLst/>
+                </a:prstGeom>
+              </p:spPr>
+            </p:pic>
+          </mc:Fallback>
+        </mc:AlternateContent>
+        <mc:AlternateContent xmlns:mc="http://schemas.openxmlformats.org/markup-compatibility/2006" xmlns:p14="http://schemas.microsoft.com/office/powerpoint/2010/main">
+          <mc:Choice Requires="p14">
+            <p:contentPart p14:bwMode="auto" r:id="rId16">
+              <p14:nvContentPartPr>
+                <p14:cNvPr id="47" name="インク 46">
+                  <a:extLst>
+                    <a:ext uri="{FF2B5EF4-FFF2-40B4-BE49-F238E27FC236}">
+                      <a16:creationId xmlns:a16="http://schemas.microsoft.com/office/drawing/2014/main" id="{9548D990-7863-FFE6-DD50-2F781EE791D0}"/>
+                    </a:ext>
+                  </a:extLst>
+                </p14:cNvPr>
+                <p14:cNvContentPartPr/>
+                <p14:nvPr/>
+              </p14:nvContentPartPr>
+              <p14:xfrm>
+                <a:off x="4611177" y="3325957"/>
+                <a:ext cx="216720" cy="171000"/>
+              </p14:xfrm>
+            </p:contentPart>
+          </mc:Choice>
+          <mc:Fallback xmlns="">
+            <p:pic>
+              <p:nvPicPr>
+                <p:cNvPr id="47" name="インク 46">
+                  <a:extLst>
+                    <a:ext uri="{FF2B5EF4-FFF2-40B4-BE49-F238E27FC236}">
+                      <a16:creationId xmlns:a16="http://schemas.microsoft.com/office/drawing/2014/main" id="{9548D990-7863-FFE6-DD50-2F781EE791D0}"/>
+                    </a:ext>
+                  </a:extLst>
+                </p:cNvPr>
+                <p:cNvPicPr/>
+                <p:nvPr/>
+              </p:nvPicPr>
+              <p:blipFill>
+                <a:blip r:embed="rId17"/>
+                <a:stretch>
+                  <a:fillRect/>
+                </a:stretch>
+              </p:blipFill>
+              <p:spPr>
+                <a:xfrm>
+                  <a:off x="4593177" y="3307957"/>
+                  <a:ext cx="252360" cy="206640"/>
+                </a:xfrm>
+                <a:prstGeom prst="rect">
+                  <a:avLst/>
+                </a:prstGeom>
+              </p:spPr>
+            </p:pic>
+          </mc:Fallback>
+        </mc:AlternateContent>
+      </p:grpSp>
+      <p:grpSp>
+        <p:nvGrpSpPr>
+          <p:cNvPr id="55" name="グループ化 54">
+            <a:extLst>
+              <a:ext uri="{FF2B5EF4-FFF2-40B4-BE49-F238E27FC236}">
+                <a16:creationId xmlns:a16="http://schemas.microsoft.com/office/drawing/2014/main" id="{EE09DB47-F6C1-BFC3-B4FD-FA74C9C0E37C}"/>
+              </a:ext>
+            </a:extLst>
+          </p:cNvPr>
+          <p:cNvGrpSpPr/>
+          <p:nvPr/>
+        </p:nvGrpSpPr>
+        <p:grpSpPr>
+          <a:xfrm>
+            <a:off x="8267337" y="820717"/>
+            <a:ext cx="1036080" cy="964080"/>
+            <a:chOff x="8267337" y="820717"/>
+            <a:chExt cx="1036080" cy="964080"/>
+          </a:xfrm>
+        </p:grpSpPr>
+        <mc:AlternateContent xmlns:mc="http://schemas.openxmlformats.org/markup-compatibility/2006" xmlns:p14="http://schemas.microsoft.com/office/powerpoint/2010/main">
+          <mc:Choice Requires="p14">
+            <p:contentPart p14:bwMode="auto" r:id="rId18">
+              <p14:nvContentPartPr>
+                <p14:cNvPr id="49" name="インク 48">
+                  <a:extLst>
+                    <a:ext uri="{FF2B5EF4-FFF2-40B4-BE49-F238E27FC236}">
+                      <a16:creationId xmlns:a16="http://schemas.microsoft.com/office/drawing/2014/main" id="{F8B9F46F-DEE6-2D7D-74CB-55FD630D8F16}"/>
+                    </a:ext>
+                  </a:extLst>
+                </p14:cNvPr>
+                <p14:cNvContentPartPr/>
+                <p14:nvPr/>
+              </p14:nvContentPartPr>
+              <p14:xfrm>
+                <a:off x="8267337" y="820717"/>
+                <a:ext cx="349560" cy="964080"/>
+              </p14:xfrm>
+            </p:contentPart>
+          </mc:Choice>
+          <mc:Fallback xmlns="">
+            <p:pic>
+              <p:nvPicPr>
+                <p:cNvPr id="49" name="インク 48">
+                  <a:extLst>
+                    <a:ext uri="{FF2B5EF4-FFF2-40B4-BE49-F238E27FC236}">
+                      <a16:creationId xmlns:a16="http://schemas.microsoft.com/office/drawing/2014/main" id="{F8B9F46F-DEE6-2D7D-74CB-55FD630D8F16}"/>
+                    </a:ext>
+                  </a:extLst>
+                </p:cNvPr>
+                <p:cNvPicPr/>
+                <p:nvPr/>
+              </p:nvPicPr>
+              <p:blipFill>
+                <a:blip r:embed="rId19"/>
+                <a:stretch>
+                  <a:fillRect/>
+                </a:stretch>
+              </p:blipFill>
+              <p:spPr>
+                <a:xfrm>
+                  <a:off x="8249337" y="802717"/>
+                  <a:ext cx="385200" cy="999720"/>
+                </a:xfrm>
+                <a:prstGeom prst="rect">
+                  <a:avLst/>
+                </a:prstGeom>
+              </p:spPr>
+            </p:pic>
+          </mc:Fallback>
+        </mc:AlternateContent>
+        <mc:AlternateContent xmlns:mc="http://schemas.openxmlformats.org/markup-compatibility/2006" xmlns:p14="http://schemas.microsoft.com/office/powerpoint/2010/main">
+          <mc:Choice Requires="p14">
+            <p:contentPart p14:bwMode="auto" r:id="rId20">
+              <p14:nvContentPartPr>
+                <p14:cNvPr id="50" name="インク 49">
+                  <a:extLst>
+                    <a:ext uri="{FF2B5EF4-FFF2-40B4-BE49-F238E27FC236}">
+                      <a16:creationId xmlns:a16="http://schemas.microsoft.com/office/drawing/2014/main" id="{C61F893B-8D80-BAEE-1702-848903561E1B}"/>
+                    </a:ext>
+                  </a:extLst>
+                </p14:cNvPr>
+                <p14:cNvContentPartPr/>
+                <p14:nvPr/>
+              </p14:nvContentPartPr>
+              <p14:xfrm>
+                <a:off x="8641737" y="1164157"/>
+                <a:ext cx="405720" cy="428040"/>
+              </p14:xfrm>
+            </p:contentPart>
+          </mc:Choice>
+          <mc:Fallback xmlns="">
+            <p:pic>
+              <p:nvPicPr>
+                <p:cNvPr id="50" name="インク 49">
+                  <a:extLst>
+                    <a:ext uri="{FF2B5EF4-FFF2-40B4-BE49-F238E27FC236}">
+                      <a16:creationId xmlns:a16="http://schemas.microsoft.com/office/drawing/2014/main" id="{C61F893B-8D80-BAEE-1702-848903561E1B}"/>
+                    </a:ext>
+                  </a:extLst>
+                </p:cNvPr>
+                <p:cNvPicPr/>
+                <p:nvPr/>
+              </p:nvPicPr>
+              <p:blipFill>
+                <a:blip r:embed="rId21"/>
+                <a:stretch>
+                  <a:fillRect/>
+                </a:stretch>
+              </p:blipFill>
+              <p:spPr>
+                <a:xfrm>
+                  <a:off x="8623737" y="1146517"/>
+                  <a:ext cx="441360" cy="463680"/>
+                </a:xfrm>
+                <a:prstGeom prst="rect">
+                  <a:avLst/>
+                </a:prstGeom>
+              </p:spPr>
+            </p:pic>
+          </mc:Fallback>
+        </mc:AlternateContent>
+        <mc:AlternateContent xmlns:mc="http://schemas.openxmlformats.org/markup-compatibility/2006" xmlns:p14="http://schemas.microsoft.com/office/powerpoint/2010/main">
+          <mc:Choice Requires="p14">
+            <p:contentPart p14:bwMode="auto" r:id="rId22">
+              <p14:nvContentPartPr>
+                <p14:cNvPr id="51" name="インク 50">
+                  <a:extLst>
+                    <a:ext uri="{FF2B5EF4-FFF2-40B4-BE49-F238E27FC236}">
+                      <a16:creationId xmlns:a16="http://schemas.microsoft.com/office/drawing/2014/main" id="{82D8FB58-8937-D7BC-216D-223DF5DB0B07}"/>
+                    </a:ext>
+                  </a:extLst>
+                </p14:cNvPr>
+                <p14:cNvContentPartPr/>
+                <p14:nvPr/>
+              </p14:nvContentPartPr>
+              <p14:xfrm>
+                <a:off x="9092097" y="1567357"/>
+                <a:ext cx="211320" cy="155880"/>
+              </p14:xfrm>
+            </p:contentPart>
+          </mc:Choice>
+          <mc:Fallback xmlns="">
+            <p:pic>
+              <p:nvPicPr>
+                <p:cNvPr id="51" name="インク 50">
+                  <a:extLst>
+                    <a:ext uri="{FF2B5EF4-FFF2-40B4-BE49-F238E27FC236}">
+                      <a16:creationId xmlns:a16="http://schemas.microsoft.com/office/drawing/2014/main" id="{82D8FB58-8937-D7BC-216D-223DF5DB0B07}"/>
+                    </a:ext>
+                  </a:extLst>
+                </p:cNvPr>
+                <p:cNvPicPr/>
+                <p:nvPr/>
+              </p:nvPicPr>
+              <p:blipFill>
+                <a:blip r:embed="rId23"/>
+                <a:stretch>
+                  <a:fillRect/>
+                </a:stretch>
+              </p:blipFill>
+              <p:spPr>
+                <a:xfrm>
+                  <a:off x="9074457" y="1549717"/>
+                  <a:ext cx="246960" cy="191520"/>
+                </a:xfrm>
+                <a:prstGeom prst="rect">
+                  <a:avLst/>
+                </a:prstGeom>
+              </p:spPr>
+            </p:pic>
+          </mc:Fallback>
+        </mc:AlternateContent>
+      </p:grpSp>
+      <p:grpSp>
+        <p:nvGrpSpPr>
+          <p:cNvPr id="54" name="グループ化 53">
+            <a:extLst>
+              <a:ext uri="{FF2B5EF4-FFF2-40B4-BE49-F238E27FC236}">
+                <a16:creationId xmlns:a16="http://schemas.microsoft.com/office/drawing/2014/main" id="{64B82E83-82BA-1394-83FB-FBEBCBFEFAC5}"/>
+              </a:ext>
+            </a:extLst>
+          </p:cNvPr>
+          <p:cNvGrpSpPr/>
+          <p:nvPr/>
+        </p:nvGrpSpPr>
+        <p:grpSpPr>
+          <a:xfrm>
+            <a:off x="9806337" y="741877"/>
+            <a:ext cx="955800" cy="989280"/>
+            <a:chOff x="9806337" y="741877"/>
+            <a:chExt cx="955800" cy="989280"/>
+          </a:xfrm>
+        </p:grpSpPr>
+        <mc:AlternateContent xmlns:mc="http://schemas.openxmlformats.org/markup-compatibility/2006" xmlns:p14="http://schemas.microsoft.com/office/powerpoint/2010/main">
+          <mc:Choice Requires="p14">
+            <p:contentPart p14:bwMode="auto" r:id="rId24">
+              <p14:nvContentPartPr>
+                <p14:cNvPr id="52" name="インク 51">
+                  <a:extLst>
+                    <a:ext uri="{FF2B5EF4-FFF2-40B4-BE49-F238E27FC236}">
+                      <a16:creationId xmlns:a16="http://schemas.microsoft.com/office/drawing/2014/main" id="{EEE0C539-5B04-A5AC-09E6-C4C26DBC9AC1}"/>
+                    </a:ext>
+                  </a:extLst>
+                </p14:cNvPr>
+                <p14:cNvContentPartPr/>
+                <p14:nvPr/>
+              </p14:nvContentPartPr>
+              <p14:xfrm>
+                <a:off x="9806337" y="1046437"/>
+                <a:ext cx="28800" cy="563400"/>
+              </p14:xfrm>
+            </p:contentPart>
+          </mc:Choice>
+          <mc:Fallback xmlns="">
+            <p:pic>
+              <p:nvPicPr>
+                <p:cNvPr id="52" name="インク 51">
+                  <a:extLst>
+                    <a:ext uri="{FF2B5EF4-FFF2-40B4-BE49-F238E27FC236}">
+                      <a16:creationId xmlns:a16="http://schemas.microsoft.com/office/drawing/2014/main" id="{EEE0C539-5B04-A5AC-09E6-C4C26DBC9AC1}"/>
+                    </a:ext>
+                  </a:extLst>
+                </p:cNvPr>
+                <p:cNvPicPr/>
+                <p:nvPr/>
+              </p:nvPicPr>
+              <p:blipFill>
+                <a:blip r:embed="rId25"/>
+                <a:stretch>
+                  <a:fillRect/>
+                </a:stretch>
+              </p:blipFill>
+              <p:spPr>
+                <a:xfrm>
+                  <a:off x="9788337" y="1028437"/>
+                  <a:ext cx="64440" cy="599040"/>
+                </a:xfrm>
+                <a:prstGeom prst="rect">
+                  <a:avLst/>
+                </a:prstGeom>
+              </p:spPr>
+            </p:pic>
+          </mc:Fallback>
+        </mc:AlternateContent>
+        <mc:AlternateContent xmlns:mc="http://schemas.openxmlformats.org/markup-compatibility/2006" xmlns:p14="http://schemas.microsoft.com/office/powerpoint/2010/main">
+          <mc:Choice Requires="p14">
+            <p:contentPart p14:bwMode="auto" r:id="rId26">
+              <p14:nvContentPartPr>
+                <p14:cNvPr id="53" name="インク 52">
+                  <a:extLst>
+                    <a:ext uri="{FF2B5EF4-FFF2-40B4-BE49-F238E27FC236}">
+                      <a16:creationId xmlns:a16="http://schemas.microsoft.com/office/drawing/2014/main" id="{EBD9DCF7-E4E4-025F-F45C-01D3551F15EF}"/>
+                    </a:ext>
+                  </a:extLst>
+                </p14:cNvPr>
+                <p14:cNvContentPartPr/>
+                <p14:nvPr/>
+              </p14:nvContentPartPr>
+              <p14:xfrm>
+                <a:off x="9978417" y="741877"/>
+                <a:ext cx="783720" cy="989280"/>
+              </p14:xfrm>
+            </p:contentPart>
+          </mc:Choice>
+          <mc:Fallback xmlns="">
+            <p:pic>
+              <p:nvPicPr>
+                <p:cNvPr id="53" name="インク 52">
+                  <a:extLst>
+                    <a:ext uri="{FF2B5EF4-FFF2-40B4-BE49-F238E27FC236}">
+                      <a16:creationId xmlns:a16="http://schemas.microsoft.com/office/drawing/2014/main" id="{EBD9DCF7-E4E4-025F-F45C-01D3551F15EF}"/>
+                    </a:ext>
+                  </a:extLst>
+                </p:cNvPr>
+                <p:cNvPicPr/>
+                <p:nvPr/>
+              </p:nvPicPr>
+              <p:blipFill>
+                <a:blip r:embed="rId27"/>
+                <a:stretch>
+                  <a:fillRect/>
+                </a:stretch>
+              </p:blipFill>
+              <p:spPr>
+                <a:xfrm>
+                  <a:off x="9960777" y="723877"/>
+                  <a:ext cx="819360" cy="1024920"/>
+                </a:xfrm>
+                <a:prstGeom prst="rect">
+                  <a:avLst/>
+                </a:prstGeom>
+              </p:spPr>
+            </p:pic>
+          </mc:Fallback>
+        </mc:AlternateContent>
+      </p:grpSp>
+      <p:grpSp>
+        <p:nvGrpSpPr>
+          <p:cNvPr id="74" name="グループ化 73">
+            <a:extLst>
+              <a:ext uri="{FF2B5EF4-FFF2-40B4-BE49-F238E27FC236}">
+                <a16:creationId xmlns:a16="http://schemas.microsoft.com/office/drawing/2014/main" id="{128A0E67-7C5E-BECF-C282-480F1C24ADD9}"/>
+              </a:ext>
+            </a:extLst>
+          </p:cNvPr>
+          <p:cNvGrpSpPr/>
+          <p:nvPr/>
+        </p:nvGrpSpPr>
+        <p:grpSpPr>
+          <a:xfrm>
+            <a:off x="3286377" y="3908797"/>
+            <a:ext cx="7872840" cy="1910880"/>
+            <a:chOff x="3286377" y="3908797"/>
+            <a:chExt cx="7872840" cy="1910880"/>
+          </a:xfrm>
+        </p:grpSpPr>
+        <mc:AlternateContent xmlns:mc="http://schemas.openxmlformats.org/markup-compatibility/2006" xmlns:p14="http://schemas.microsoft.com/office/powerpoint/2010/main">
+          <mc:Choice Requires="p14">
+            <p:contentPart p14:bwMode="auto" r:id="rId28">
+              <p14:nvContentPartPr>
+                <p14:cNvPr id="36" name="インク 35">
+                  <a:extLst>
+                    <a:ext uri="{FF2B5EF4-FFF2-40B4-BE49-F238E27FC236}">
+                      <a16:creationId xmlns:a16="http://schemas.microsoft.com/office/drawing/2014/main" id="{394E4FAA-A4B0-4DC8-1B44-B4019024A3D3}"/>
+                    </a:ext>
+                  </a:extLst>
+                </p14:cNvPr>
+                <p14:cNvContentPartPr/>
+                <p14:nvPr/>
+              </p14:nvContentPartPr>
+              <p14:xfrm>
+                <a:off x="3286377" y="3950557"/>
+                <a:ext cx="955080" cy="608760"/>
+              </p14:xfrm>
+            </p:contentPart>
+          </mc:Choice>
+          <mc:Fallback xmlns="">
+            <p:pic>
+              <p:nvPicPr>
+                <p:cNvPr id="36" name="インク 35">
+                  <a:extLst>
+                    <a:ext uri="{FF2B5EF4-FFF2-40B4-BE49-F238E27FC236}">
+                      <a16:creationId xmlns:a16="http://schemas.microsoft.com/office/drawing/2014/main" id="{394E4FAA-A4B0-4DC8-1B44-B4019024A3D3}"/>
+                    </a:ext>
+                  </a:extLst>
+                </p:cNvPr>
+                <p:cNvPicPr/>
+                <p:nvPr/>
+              </p:nvPicPr>
+              <p:blipFill>
+                <a:blip r:embed="rId29"/>
+                <a:stretch>
+                  <a:fillRect/>
+                </a:stretch>
+              </p:blipFill>
+              <p:spPr>
+                <a:xfrm>
+                  <a:off x="3268377" y="3932917"/>
+                  <a:ext cx="990720" cy="644400"/>
+                </a:xfrm>
+                <a:prstGeom prst="rect">
+                  <a:avLst/>
+                </a:prstGeom>
+              </p:spPr>
+            </p:pic>
+          </mc:Fallback>
+        </mc:AlternateContent>
+        <mc:AlternateContent xmlns:mc="http://schemas.openxmlformats.org/markup-compatibility/2006" xmlns:p14="http://schemas.microsoft.com/office/powerpoint/2010/main">
+          <mc:Choice Requires="p14">
+            <p:contentPart p14:bwMode="auto" r:id="rId30">
+              <p14:nvContentPartPr>
+                <p14:cNvPr id="37" name="インク 36">
+                  <a:extLst>
+                    <a:ext uri="{FF2B5EF4-FFF2-40B4-BE49-F238E27FC236}">
+                      <a16:creationId xmlns:a16="http://schemas.microsoft.com/office/drawing/2014/main" id="{355E6FE5-890C-CE52-19CA-34BA30C5527D}"/>
+                    </a:ext>
+                  </a:extLst>
+                </p14:cNvPr>
+                <p14:cNvContentPartPr/>
+                <p14:nvPr/>
+              </p14:nvContentPartPr>
+              <p14:xfrm>
+                <a:off x="4068297" y="4783597"/>
+                <a:ext cx="120240" cy="369360"/>
+              </p14:xfrm>
+            </p:contentPart>
+          </mc:Choice>
+          <mc:Fallback xmlns="">
+            <p:pic>
+              <p:nvPicPr>
+                <p:cNvPr id="37" name="インク 36">
+                  <a:extLst>
+                    <a:ext uri="{FF2B5EF4-FFF2-40B4-BE49-F238E27FC236}">
+                      <a16:creationId xmlns:a16="http://schemas.microsoft.com/office/drawing/2014/main" id="{355E6FE5-890C-CE52-19CA-34BA30C5527D}"/>
+                    </a:ext>
+                  </a:extLst>
+                </p:cNvPr>
+                <p:cNvPicPr/>
+                <p:nvPr/>
+              </p:nvPicPr>
+              <p:blipFill>
+                <a:blip r:embed="rId31"/>
+                <a:stretch>
+                  <a:fillRect/>
+                </a:stretch>
+              </p:blipFill>
+              <p:spPr>
+                <a:xfrm>
+                  <a:off x="4050297" y="4765597"/>
+                  <a:ext cx="155880" cy="405000"/>
+                </a:xfrm>
+                <a:prstGeom prst="rect">
+                  <a:avLst/>
+                </a:prstGeom>
+              </p:spPr>
+            </p:pic>
+          </mc:Fallback>
+        </mc:AlternateContent>
+        <mc:AlternateContent xmlns:mc="http://schemas.openxmlformats.org/markup-compatibility/2006" xmlns:p14="http://schemas.microsoft.com/office/powerpoint/2010/main">
+          <mc:Choice Requires="p14">
+            <p:contentPart p14:bwMode="auto" r:id="rId32">
+              <p14:nvContentPartPr>
+                <p14:cNvPr id="56" name="インク 55">
+                  <a:extLst>
+                    <a:ext uri="{FF2B5EF4-FFF2-40B4-BE49-F238E27FC236}">
+                      <a16:creationId xmlns:a16="http://schemas.microsoft.com/office/drawing/2014/main" id="{6A13272F-FEBB-9784-3627-CC0507A8F9B0}"/>
+                    </a:ext>
+                  </a:extLst>
+                </p14:cNvPr>
+                <p14:cNvContentPartPr/>
+                <p14:nvPr/>
+              </p14:nvContentPartPr>
+              <p14:xfrm>
+                <a:off x="4279977" y="3908797"/>
+                <a:ext cx="1723680" cy="782280"/>
+              </p14:xfrm>
+            </p:contentPart>
+          </mc:Choice>
+          <mc:Fallback xmlns="">
+            <p:pic>
+              <p:nvPicPr>
+                <p:cNvPr id="56" name="インク 55">
+                  <a:extLst>
+                    <a:ext uri="{FF2B5EF4-FFF2-40B4-BE49-F238E27FC236}">
+                      <a16:creationId xmlns:a16="http://schemas.microsoft.com/office/drawing/2014/main" id="{6A13272F-FEBB-9784-3627-CC0507A8F9B0}"/>
+                    </a:ext>
+                  </a:extLst>
+                </p:cNvPr>
+                <p:cNvPicPr/>
+                <p:nvPr/>
+              </p:nvPicPr>
+              <p:blipFill>
+                <a:blip r:embed="rId33"/>
+                <a:stretch>
+                  <a:fillRect/>
+                </a:stretch>
+              </p:blipFill>
+              <p:spPr>
+                <a:xfrm>
+                  <a:off x="4261977" y="3890797"/>
+                  <a:ext cx="1759320" cy="817920"/>
+                </a:xfrm>
+                <a:prstGeom prst="rect">
+                  <a:avLst/>
+                </a:prstGeom>
+              </p:spPr>
+            </p:pic>
+          </mc:Fallback>
+        </mc:AlternateContent>
+        <mc:AlternateContent xmlns:mc="http://schemas.openxmlformats.org/markup-compatibility/2006" xmlns:p14="http://schemas.microsoft.com/office/powerpoint/2010/main">
+          <mc:Choice Requires="p14">
+            <p:contentPart p14:bwMode="auto" r:id="rId34">
+              <p14:nvContentPartPr>
+                <p14:cNvPr id="57" name="インク 56">
+                  <a:extLst>
+                    <a:ext uri="{FF2B5EF4-FFF2-40B4-BE49-F238E27FC236}">
+                      <a16:creationId xmlns:a16="http://schemas.microsoft.com/office/drawing/2014/main" id="{ED334C37-4E79-15A9-AB6E-F7AB1EBABBB9}"/>
+                    </a:ext>
+                  </a:extLst>
+                </p14:cNvPr>
+                <p14:cNvContentPartPr/>
+                <p14:nvPr/>
+              </p14:nvContentPartPr>
+              <p14:xfrm>
+                <a:off x="5862537" y="4426117"/>
+                <a:ext cx="206640" cy="389160"/>
+              </p14:xfrm>
+            </p:contentPart>
+          </mc:Choice>
+          <mc:Fallback xmlns="">
+            <p:pic>
+              <p:nvPicPr>
+                <p:cNvPr id="57" name="インク 56">
+                  <a:extLst>
+                    <a:ext uri="{FF2B5EF4-FFF2-40B4-BE49-F238E27FC236}">
+                      <a16:creationId xmlns:a16="http://schemas.microsoft.com/office/drawing/2014/main" id="{ED334C37-4E79-15A9-AB6E-F7AB1EBABBB9}"/>
+                    </a:ext>
+                  </a:extLst>
+                </p:cNvPr>
+                <p:cNvPicPr/>
+                <p:nvPr/>
+              </p:nvPicPr>
+              <p:blipFill>
+                <a:blip r:embed="rId35"/>
+                <a:stretch>
+                  <a:fillRect/>
+                </a:stretch>
+              </p:blipFill>
+              <p:spPr>
+                <a:xfrm>
+                  <a:off x="5844537" y="4408117"/>
+                  <a:ext cx="242280" cy="424800"/>
+                </a:xfrm>
+                <a:prstGeom prst="rect">
+                  <a:avLst/>
+                </a:prstGeom>
+              </p:spPr>
+            </p:pic>
+          </mc:Fallback>
+        </mc:AlternateContent>
+        <mc:AlternateContent xmlns:mc="http://schemas.openxmlformats.org/markup-compatibility/2006" xmlns:p14="http://schemas.microsoft.com/office/powerpoint/2010/main">
+          <mc:Choice Requires="p14">
+            <p:contentPart p14:bwMode="auto" r:id="rId36">
+              <p14:nvContentPartPr>
+                <p14:cNvPr id="58" name="インク 57">
+                  <a:extLst>
+                    <a:ext uri="{FF2B5EF4-FFF2-40B4-BE49-F238E27FC236}">
+                      <a16:creationId xmlns:a16="http://schemas.microsoft.com/office/drawing/2014/main" id="{222D0F3B-12C4-F53D-E38A-17BD1E8896E3}"/>
+                    </a:ext>
+                  </a:extLst>
+                </p14:cNvPr>
+                <p14:cNvContentPartPr/>
+                <p14:nvPr/>
+              </p14:nvContentPartPr>
+              <p14:xfrm>
+                <a:off x="6386697" y="4346197"/>
+                <a:ext cx="488880" cy="1164600"/>
+              </p14:xfrm>
+            </p:contentPart>
+          </mc:Choice>
+          <mc:Fallback xmlns="">
+            <p:pic>
+              <p:nvPicPr>
+                <p:cNvPr id="58" name="インク 57">
+                  <a:extLst>
+                    <a:ext uri="{FF2B5EF4-FFF2-40B4-BE49-F238E27FC236}">
+                      <a16:creationId xmlns:a16="http://schemas.microsoft.com/office/drawing/2014/main" id="{222D0F3B-12C4-F53D-E38A-17BD1E8896E3}"/>
+                    </a:ext>
+                  </a:extLst>
+                </p:cNvPr>
+                <p:cNvPicPr/>
+                <p:nvPr/>
+              </p:nvPicPr>
+              <p:blipFill>
+                <a:blip r:embed="rId37"/>
+                <a:stretch>
+                  <a:fillRect/>
+                </a:stretch>
+              </p:blipFill>
+              <p:spPr>
+                <a:xfrm>
+                  <a:off x="6368697" y="4328557"/>
+                  <a:ext cx="524520" cy="1200240"/>
+                </a:xfrm>
+                <a:prstGeom prst="rect">
+                  <a:avLst/>
+                </a:prstGeom>
+              </p:spPr>
+            </p:pic>
+          </mc:Fallback>
+        </mc:AlternateContent>
+        <mc:AlternateContent xmlns:mc="http://schemas.openxmlformats.org/markup-compatibility/2006" xmlns:p14="http://schemas.microsoft.com/office/powerpoint/2010/main">
+          <mc:Choice Requires="p14">
+            <p:contentPart p14:bwMode="auto" r:id="rId38">
+              <p14:nvContentPartPr>
+                <p14:cNvPr id="60" name="インク 59">
+                  <a:extLst>
+                    <a:ext uri="{FF2B5EF4-FFF2-40B4-BE49-F238E27FC236}">
+                      <a16:creationId xmlns:a16="http://schemas.microsoft.com/office/drawing/2014/main" id="{56CC8FA0-E197-B80B-D7AD-4729E9A4129D}"/>
+                    </a:ext>
+                  </a:extLst>
+                </p14:cNvPr>
+                <p14:cNvContentPartPr/>
+                <p14:nvPr/>
+              </p14:nvContentPartPr>
+              <p14:xfrm>
+                <a:off x="7116057" y="4849117"/>
+                <a:ext cx="1191960" cy="28080"/>
+              </p14:xfrm>
+            </p:contentPart>
+          </mc:Choice>
+          <mc:Fallback xmlns="">
+            <p:pic>
+              <p:nvPicPr>
+                <p:cNvPr id="60" name="インク 59">
+                  <a:extLst>
+                    <a:ext uri="{FF2B5EF4-FFF2-40B4-BE49-F238E27FC236}">
+                      <a16:creationId xmlns:a16="http://schemas.microsoft.com/office/drawing/2014/main" id="{56CC8FA0-E197-B80B-D7AD-4729E9A4129D}"/>
+                    </a:ext>
+                  </a:extLst>
+                </p:cNvPr>
+                <p:cNvPicPr/>
+                <p:nvPr/>
+              </p:nvPicPr>
+              <p:blipFill>
+                <a:blip r:embed="rId39"/>
+                <a:stretch>
+                  <a:fillRect/>
+                </a:stretch>
+              </p:blipFill>
+              <p:spPr>
+                <a:xfrm>
+                  <a:off x="7098057" y="4831477"/>
+                  <a:ext cx="1227600" cy="63720"/>
+                </a:xfrm>
+                <a:prstGeom prst="rect">
+                  <a:avLst/>
+                </a:prstGeom>
+              </p:spPr>
+            </p:pic>
+          </mc:Fallback>
+        </mc:AlternateContent>
+        <mc:AlternateContent xmlns:mc="http://schemas.openxmlformats.org/markup-compatibility/2006" xmlns:p14="http://schemas.microsoft.com/office/powerpoint/2010/main">
+          <mc:Choice Requires="p14">
+            <p:contentPart p14:bwMode="auto" r:id="rId40">
+              <p14:nvContentPartPr>
+                <p14:cNvPr id="61" name="インク 60">
+                  <a:extLst>
+                    <a:ext uri="{FF2B5EF4-FFF2-40B4-BE49-F238E27FC236}">
+                      <a16:creationId xmlns:a16="http://schemas.microsoft.com/office/drawing/2014/main" id="{3BE26670-2AA0-0B0E-32D9-976943A60C73}"/>
+                    </a:ext>
+                  </a:extLst>
+                </p14:cNvPr>
+                <p14:cNvContentPartPr/>
+                <p14:nvPr/>
+              </p14:nvContentPartPr>
+              <p14:xfrm>
+                <a:off x="7195257" y="5033797"/>
+                <a:ext cx="1055520" cy="493560"/>
+              </p14:xfrm>
+            </p:contentPart>
+          </mc:Choice>
+          <mc:Fallback xmlns="">
+            <p:pic>
+              <p:nvPicPr>
+                <p:cNvPr id="61" name="インク 60">
+                  <a:extLst>
+                    <a:ext uri="{FF2B5EF4-FFF2-40B4-BE49-F238E27FC236}">
+                      <a16:creationId xmlns:a16="http://schemas.microsoft.com/office/drawing/2014/main" id="{3BE26670-2AA0-0B0E-32D9-976943A60C73}"/>
+                    </a:ext>
+                  </a:extLst>
+                </p:cNvPr>
+                <p:cNvPicPr/>
+                <p:nvPr/>
+              </p:nvPicPr>
+              <p:blipFill>
+                <a:blip r:embed="rId41"/>
+                <a:stretch>
+                  <a:fillRect/>
+                </a:stretch>
+              </p:blipFill>
+              <p:spPr>
+                <a:xfrm>
+                  <a:off x="7177617" y="5015797"/>
+                  <a:ext cx="1091160" cy="529200"/>
+                </a:xfrm>
+                <a:prstGeom prst="rect">
+                  <a:avLst/>
+                </a:prstGeom>
+              </p:spPr>
+            </p:pic>
+          </mc:Fallback>
+        </mc:AlternateContent>
+        <mc:AlternateContent xmlns:mc="http://schemas.openxmlformats.org/markup-compatibility/2006" xmlns:p14="http://schemas.microsoft.com/office/powerpoint/2010/main">
+          <mc:Choice Requires="p14">
+            <p:contentPart p14:bwMode="auto" r:id="rId42">
+              <p14:nvContentPartPr>
+                <p14:cNvPr id="62" name="インク 61">
+                  <a:extLst>
+                    <a:ext uri="{FF2B5EF4-FFF2-40B4-BE49-F238E27FC236}">
+                      <a16:creationId xmlns:a16="http://schemas.microsoft.com/office/drawing/2014/main" id="{8E2D3885-1FEC-6D9D-9108-042C14AA2E57}"/>
+                    </a:ext>
+                  </a:extLst>
+                </p14:cNvPr>
+                <p14:cNvContentPartPr/>
+                <p14:nvPr/>
+              </p14:nvContentPartPr>
+              <p14:xfrm>
+                <a:off x="7868097" y="5247277"/>
+                <a:ext cx="216360" cy="361800"/>
+              </p14:xfrm>
+            </p:contentPart>
+          </mc:Choice>
+          <mc:Fallback xmlns="">
+            <p:pic>
+              <p:nvPicPr>
+                <p:cNvPr id="62" name="インク 61">
+                  <a:extLst>
+                    <a:ext uri="{FF2B5EF4-FFF2-40B4-BE49-F238E27FC236}">
+                      <a16:creationId xmlns:a16="http://schemas.microsoft.com/office/drawing/2014/main" id="{8E2D3885-1FEC-6D9D-9108-042C14AA2E57}"/>
+                    </a:ext>
+                  </a:extLst>
+                </p:cNvPr>
+                <p:cNvPicPr/>
+                <p:nvPr/>
+              </p:nvPicPr>
+              <p:blipFill>
+                <a:blip r:embed="rId43"/>
+                <a:stretch>
+                  <a:fillRect/>
+                </a:stretch>
+              </p:blipFill>
+              <p:spPr>
+                <a:xfrm>
+                  <a:off x="7850097" y="5229637"/>
+                  <a:ext cx="252000" cy="397440"/>
+                </a:xfrm>
+                <a:prstGeom prst="rect">
+                  <a:avLst/>
+                </a:prstGeom>
+              </p:spPr>
+            </p:pic>
+          </mc:Fallback>
+        </mc:AlternateContent>
+        <mc:AlternateContent xmlns:mc="http://schemas.openxmlformats.org/markup-compatibility/2006" xmlns:p14="http://schemas.microsoft.com/office/powerpoint/2010/main">
+          <mc:Choice Requires="p14">
+            <p:contentPart p14:bwMode="auto" r:id="rId44">
+              <p14:nvContentPartPr>
+                <p14:cNvPr id="63" name="インク 62">
+                  <a:extLst>
+                    <a:ext uri="{FF2B5EF4-FFF2-40B4-BE49-F238E27FC236}">
+                      <a16:creationId xmlns:a16="http://schemas.microsoft.com/office/drawing/2014/main" id="{3195B5DB-6B70-ED2A-3C43-84F8CB32185D}"/>
+                    </a:ext>
+                  </a:extLst>
+                </p14:cNvPr>
+                <p14:cNvContentPartPr/>
+                <p14:nvPr/>
+              </p14:nvContentPartPr>
+              <p14:xfrm>
+                <a:off x="7924257" y="5327197"/>
+                <a:ext cx="171360" cy="40320"/>
+              </p14:xfrm>
+            </p:contentPart>
+          </mc:Choice>
+          <mc:Fallback xmlns="">
+            <p:pic>
+              <p:nvPicPr>
+                <p:cNvPr id="63" name="インク 62">
+                  <a:extLst>
+                    <a:ext uri="{FF2B5EF4-FFF2-40B4-BE49-F238E27FC236}">
+                      <a16:creationId xmlns:a16="http://schemas.microsoft.com/office/drawing/2014/main" id="{3195B5DB-6B70-ED2A-3C43-84F8CB32185D}"/>
+                    </a:ext>
+                  </a:extLst>
+                </p:cNvPr>
+                <p:cNvPicPr/>
+                <p:nvPr/>
+              </p:nvPicPr>
+              <p:blipFill>
+                <a:blip r:embed="rId45"/>
+                <a:stretch>
+                  <a:fillRect/>
+                </a:stretch>
+              </p:blipFill>
+              <p:spPr>
+                <a:xfrm>
+                  <a:off x="7906617" y="5309197"/>
+                  <a:ext cx="207000" cy="75960"/>
+                </a:xfrm>
+                <a:prstGeom prst="rect">
+                  <a:avLst/>
+                </a:prstGeom>
+              </p:spPr>
+            </p:pic>
+          </mc:Fallback>
+        </mc:AlternateContent>
+        <mc:AlternateContent xmlns:mc="http://schemas.openxmlformats.org/markup-compatibility/2006" xmlns:p14="http://schemas.microsoft.com/office/powerpoint/2010/main">
+          <mc:Choice Requires="p14">
+            <p:contentPart p14:bwMode="auto" r:id="rId46">
+              <p14:nvContentPartPr>
+                <p14:cNvPr id="65" name="インク 64">
+                  <a:extLst>
+                    <a:ext uri="{FF2B5EF4-FFF2-40B4-BE49-F238E27FC236}">
+                      <a16:creationId xmlns:a16="http://schemas.microsoft.com/office/drawing/2014/main" id="{702A4069-D1C1-6D27-70CB-2EC4F9F898D2}"/>
+                    </a:ext>
+                  </a:extLst>
+                </p14:cNvPr>
+                <p14:cNvContentPartPr/>
+                <p14:nvPr/>
+              </p14:nvContentPartPr>
+              <p14:xfrm>
+                <a:off x="7487217" y="4384717"/>
+                <a:ext cx="515520" cy="412920"/>
+              </p14:xfrm>
+            </p:contentPart>
+          </mc:Choice>
+          <mc:Fallback xmlns="">
+            <p:pic>
+              <p:nvPicPr>
+                <p:cNvPr id="65" name="インク 64">
+                  <a:extLst>
+                    <a:ext uri="{FF2B5EF4-FFF2-40B4-BE49-F238E27FC236}">
+                      <a16:creationId xmlns:a16="http://schemas.microsoft.com/office/drawing/2014/main" id="{702A4069-D1C1-6D27-70CB-2EC4F9F898D2}"/>
+                    </a:ext>
+                  </a:extLst>
+                </p:cNvPr>
+                <p:cNvPicPr/>
+                <p:nvPr/>
+              </p:nvPicPr>
+              <p:blipFill>
+                <a:blip r:embed="rId47"/>
+                <a:stretch>
+                  <a:fillRect/>
+                </a:stretch>
+              </p:blipFill>
+              <p:spPr>
+                <a:xfrm>
+                  <a:off x="7469577" y="4366717"/>
+                  <a:ext cx="551160" cy="448560"/>
+                </a:xfrm>
+                <a:prstGeom prst="rect">
+                  <a:avLst/>
+                </a:prstGeom>
+              </p:spPr>
+            </p:pic>
+          </mc:Fallback>
+        </mc:AlternateContent>
+        <mc:AlternateContent xmlns:mc="http://schemas.openxmlformats.org/markup-compatibility/2006" xmlns:p14="http://schemas.microsoft.com/office/powerpoint/2010/main">
+          <mc:Choice Requires="p14">
+            <p:contentPart p14:bwMode="auto" r:id="rId48">
+              <p14:nvContentPartPr>
+                <p14:cNvPr id="66" name="インク 65">
+                  <a:extLst>
+                    <a:ext uri="{FF2B5EF4-FFF2-40B4-BE49-F238E27FC236}">
+                      <a16:creationId xmlns:a16="http://schemas.microsoft.com/office/drawing/2014/main" id="{DC954949-0C5B-8C6A-E059-96EDFCBD39B6}"/>
+                    </a:ext>
+                  </a:extLst>
+                </p14:cNvPr>
+                <p14:cNvContentPartPr/>
+                <p14:nvPr/>
+              </p14:nvContentPartPr>
+              <p14:xfrm>
+                <a:off x="8705097" y="4954597"/>
+                <a:ext cx="190080" cy="396720"/>
+              </p14:xfrm>
+            </p:contentPart>
+          </mc:Choice>
+          <mc:Fallback xmlns="">
+            <p:pic>
+              <p:nvPicPr>
+                <p:cNvPr id="66" name="インク 65">
+                  <a:extLst>
+                    <a:ext uri="{FF2B5EF4-FFF2-40B4-BE49-F238E27FC236}">
+                      <a16:creationId xmlns:a16="http://schemas.microsoft.com/office/drawing/2014/main" id="{DC954949-0C5B-8C6A-E059-96EDFCBD39B6}"/>
+                    </a:ext>
+                  </a:extLst>
+                </p:cNvPr>
+                <p:cNvPicPr/>
+                <p:nvPr/>
+              </p:nvPicPr>
+              <p:blipFill>
+                <a:blip r:embed="rId49"/>
+                <a:stretch>
+                  <a:fillRect/>
+                </a:stretch>
+              </p:blipFill>
+              <p:spPr>
+                <a:xfrm>
+                  <a:off x="8687097" y="4936597"/>
+                  <a:ext cx="225720" cy="432360"/>
+                </a:xfrm>
+                <a:prstGeom prst="rect">
+                  <a:avLst/>
+                </a:prstGeom>
+              </p:spPr>
+            </p:pic>
+          </mc:Fallback>
+        </mc:AlternateContent>
+        <mc:AlternateContent xmlns:mc="http://schemas.openxmlformats.org/markup-compatibility/2006" xmlns:p14="http://schemas.microsoft.com/office/powerpoint/2010/main">
+          <mc:Choice Requires="p14">
+            <p:contentPart p14:bwMode="auto" r:id="rId50">
+              <p14:nvContentPartPr>
+                <p14:cNvPr id="67" name="インク 66">
+                  <a:extLst>
+                    <a:ext uri="{FF2B5EF4-FFF2-40B4-BE49-F238E27FC236}">
+                      <a16:creationId xmlns:a16="http://schemas.microsoft.com/office/drawing/2014/main" id="{9896D486-96BF-5EE6-0E41-7740E3A864E2}"/>
+                    </a:ext>
+                  </a:extLst>
+                </p14:cNvPr>
+                <p14:cNvContentPartPr/>
+                <p14:nvPr/>
+              </p14:nvContentPartPr>
+              <p14:xfrm>
+                <a:off x="9236457" y="4810237"/>
+                <a:ext cx="1304280" cy="21240"/>
+              </p14:xfrm>
+            </p:contentPart>
+          </mc:Choice>
+          <mc:Fallback xmlns="">
+            <p:pic>
+              <p:nvPicPr>
+                <p:cNvPr id="67" name="インク 66">
+                  <a:extLst>
+                    <a:ext uri="{FF2B5EF4-FFF2-40B4-BE49-F238E27FC236}">
+                      <a16:creationId xmlns:a16="http://schemas.microsoft.com/office/drawing/2014/main" id="{9896D486-96BF-5EE6-0E41-7740E3A864E2}"/>
+                    </a:ext>
+                  </a:extLst>
+                </p:cNvPr>
+                <p:cNvPicPr/>
+                <p:nvPr/>
+              </p:nvPicPr>
+              <p:blipFill>
+                <a:blip r:embed="rId51"/>
+                <a:stretch>
+                  <a:fillRect/>
+                </a:stretch>
+              </p:blipFill>
+              <p:spPr>
+                <a:xfrm>
+                  <a:off x="9218817" y="4792597"/>
+                  <a:ext cx="1339920" cy="56880"/>
+                </a:xfrm>
+                <a:prstGeom prst="rect">
+                  <a:avLst/>
+                </a:prstGeom>
+              </p:spPr>
+            </p:pic>
+          </mc:Fallback>
+        </mc:AlternateContent>
+        <mc:AlternateContent xmlns:mc="http://schemas.openxmlformats.org/markup-compatibility/2006" xmlns:p14="http://schemas.microsoft.com/office/powerpoint/2010/main">
+          <mc:Choice Requires="p14">
+            <p:contentPart p14:bwMode="auto" r:id="rId52">
+              <p14:nvContentPartPr>
+                <p14:cNvPr id="68" name="インク 67">
+                  <a:extLst>
+                    <a:ext uri="{FF2B5EF4-FFF2-40B4-BE49-F238E27FC236}">
+                      <a16:creationId xmlns:a16="http://schemas.microsoft.com/office/drawing/2014/main" id="{1B85F89C-5E02-2B16-65E0-FD55585D76CC}"/>
+                    </a:ext>
+                  </a:extLst>
+                </p14:cNvPr>
+                <p14:cNvContentPartPr/>
+                <p14:nvPr/>
+              </p14:nvContentPartPr>
+              <p14:xfrm>
+                <a:off x="9249777" y="5113717"/>
+                <a:ext cx="1288080" cy="509040"/>
+              </p14:xfrm>
+            </p:contentPart>
+          </mc:Choice>
+          <mc:Fallback xmlns="">
+            <p:pic>
+              <p:nvPicPr>
+                <p:cNvPr id="68" name="インク 67">
+                  <a:extLst>
+                    <a:ext uri="{FF2B5EF4-FFF2-40B4-BE49-F238E27FC236}">
+                      <a16:creationId xmlns:a16="http://schemas.microsoft.com/office/drawing/2014/main" id="{1B85F89C-5E02-2B16-65E0-FD55585D76CC}"/>
+                    </a:ext>
+                  </a:extLst>
+                </p:cNvPr>
+                <p:cNvPicPr/>
+                <p:nvPr/>
+              </p:nvPicPr>
+              <p:blipFill>
+                <a:blip r:embed="rId53"/>
+                <a:stretch>
+                  <a:fillRect/>
+                </a:stretch>
+              </p:blipFill>
+              <p:spPr>
+                <a:xfrm>
+                  <a:off x="9231777" y="5096077"/>
+                  <a:ext cx="1323720" cy="544680"/>
+                </a:xfrm>
+                <a:prstGeom prst="rect">
+                  <a:avLst/>
+                </a:prstGeom>
+              </p:spPr>
+            </p:pic>
+          </mc:Fallback>
+        </mc:AlternateContent>
+        <mc:AlternateContent xmlns:mc="http://schemas.openxmlformats.org/markup-compatibility/2006" xmlns:p14="http://schemas.microsoft.com/office/powerpoint/2010/main">
+          <mc:Choice Requires="p14">
+            <p:contentPart p14:bwMode="auto" r:id="rId54">
+              <p14:nvContentPartPr>
+                <p14:cNvPr id="69" name="インク 68">
+                  <a:extLst>
+                    <a:ext uri="{FF2B5EF4-FFF2-40B4-BE49-F238E27FC236}">
+                      <a16:creationId xmlns:a16="http://schemas.microsoft.com/office/drawing/2014/main" id="{9779AD14-6DD9-8344-4765-F243DF9A10E2}"/>
+                    </a:ext>
+                  </a:extLst>
+                </p14:cNvPr>
+                <p14:cNvContentPartPr/>
+                <p14:nvPr/>
+              </p14:nvContentPartPr>
+              <p14:xfrm>
+                <a:off x="9858177" y="5380117"/>
+                <a:ext cx="295200" cy="358560"/>
+              </p14:xfrm>
+            </p:contentPart>
+          </mc:Choice>
+          <mc:Fallback xmlns="">
+            <p:pic>
+              <p:nvPicPr>
+                <p:cNvPr id="69" name="インク 68">
+                  <a:extLst>
+                    <a:ext uri="{FF2B5EF4-FFF2-40B4-BE49-F238E27FC236}">
+                      <a16:creationId xmlns:a16="http://schemas.microsoft.com/office/drawing/2014/main" id="{9779AD14-6DD9-8344-4765-F243DF9A10E2}"/>
+                    </a:ext>
+                  </a:extLst>
+                </p:cNvPr>
+                <p:cNvPicPr/>
+                <p:nvPr/>
+              </p:nvPicPr>
+              <p:blipFill>
+                <a:blip r:embed="rId55"/>
+                <a:stretch>
+                  <a:fillRect/>
+                </a:stretch>
+              </p:blipFill>
+              <p:spPr>
+                <a:xfrm>
+                  <a:off x="9840537" y="5362117"/>
+                  <a:ext cx="330840" cy="394200"/>
+                </a:xfrm>
+                <a:prstGeom prst="rect">
+                  <a:avLst/>
+                </a:prstGeom>
+              </p:spPr>
+            </p:pic>
+          </mc:Fallback>
+        </mc:AlternateContent>
+        <mc:AlternateContent xmlns:mc="http://schemas.openxmlformats.org/markup-compatibility/2006" xmlns:p14="http://schemas.microsoft.com/office/powerpoint/2010/main">
+          <mc:Choice Requires="p14">
+            <p:contentPart p14:bwMode="auto" r:id="rId56">
+              <p14:nvContentPartPr>
+                <p14:cNvPr id="71" name="インク 70">
+                  <a:extLst>
+                    <a:ext uri="{FF2B5EF4-FFF2-40B4-BE49-F238E27FC236}">
+                      <a16:creationId xmlns:a16="http://schemas.microsoft.com/office/drawing/2014/main" id="{82228740-9DE4-1B28-0701-1AF7227D18DB}"/>
+                    </a:ext>
+                  </a:extLst>
+                </p14:cNvPr>
+                <p14:cNvContentPartPr/>
+                <p14:nvPr/>
+              </p14:nvContentPartPr>
+              <p14:xfrm>
+                <a:off x="9885897" y="5414317"/>
+                <a:ext cx="481320" cy="45720"/>
+              </p14:xfrm>
+            </p:contentPart>
+          </mc:Choice>
+          <mc:Fallback xmlns="">
+            <p:pic>
+              <p:nvPicPr>
+                <p:cNvPr id="71" name="インク 70">
+                  <a:extLst>
+                    <a:ext uri="{FF2B5EF4-FFF2-40B4-BE49-F238E27FC236}">
+                      <a16:creationId xmlns:a16="http://schemas.microsoft.com/office/drawing/2014/main" id="{82228740-9DE4-1B28-0701-1AF7227D18DB}"/>
+                    </a:ext>
+                  </a:extLst>
+                </p:cNvPr>
+                <p:cNvPicPr/>
+                <p:nvPr/>
+              </p:nvPicPr>
+              <p:blipFill>
+                <a:blip r:embed="rId57"/>
+                <a:stretch>
+                  <a:fillRect/>
+                </a:stretch>
+              </p:blipFill>
+              <p:spPr>
+                <a:xfrm>
+                  <a:off x="9867897" y="5396677"/>
+                  <a:ext cx="516960" cy="81360"/>
+                </a:xfrm>
+                <a:prstGeom prst="rect">
+                  <a:avLst/>
+                </a:prstGeom>
+              </p:spPr>
+            </p:pic>
+          </mc:Fallback>
+        </mc:AlternateContent>
+        <mc:AlternateContent xmlns:mc="http://schemas.openxmlformats.org/markup-compatibility/2006" xmlns:p14="http://schemas.microsoft.com/office/powerpoint/2010/main">
+          <mc:Choice Requires="p14">
+            <p:contentPart p14:bwMode="auto" r:id="rId58">
+              <p14:nvContentPartPr>
+                <p14:cNvPr id="72" name="インク 71">
+                  <a:extLst>
+                    <a:ext uri="{FF2B5EF4-FFF2-40B4-BE49-F238E27FC236}">
+                      <a16:creationId xmlns:a16="http://schemas.microsoft.com/office/drawing/2014/main" id="{37941C7B-4A06-D89A-E5A1-F6A9882FBD13}"/>
+                    </a:ext>
+                  </a:extLst>
+                </p14:cNvPr>
+                <p14:cNvContentPartPr/>
+                <p14:nvPr/>
+              </p14:nvContentPartPr>
+              <p14:xfrm>
+                <a:off x="9819297" y="4121197"/>
+                <a:ext cx="39600" cy="503280"/>
+              </p14:xfrm>
+            </p:contentPart>
+          </mc:Choice>
+          <mc:Fallback xmlns="">
+            <p:pic>
+              <p:nvPicPr>
+                <p:cNvPr id="72" name="インク 71">
+                  <a:extLst>
+                    <a:ext uri="{FF2B5EF4-FFF2-40B4-BE49-F238E27FC236}">
+                      <a16:creationId xmlns:a16="http://schemas.microsoft.com/office/drawing/2014/main" id="{37941C7B-4A06-D89A-E5A1-F6A9882FBD13}"/>
+                    </a:ext>
+                  </a:extLst>
+                </p:cNvPr>
+                <p:cNvPicPr/>
+                <p:nvPr/>
+              </p:nvPicPr>
+              <p:blipFill>
+                <a:blip r:embed="rId59"/>
+                <a:stretch>
+                  <a:fillRect/>
+                </a:stretch>
+              </p:blipFill>
+              <p:spPr>
+                <a:xfrm>
+                  <a:off x="9801657" y="4103197"/>
+                  <a:ext cx="75240" cy="538920"/>
+                </a:xfrm>
+                <a:prstGeom prst="rect">
+                  <a:avLst/>
+                </a:prstGeom>
+              </p:spPr>
+            </p:pic>
+          </mc:Fallback>
+        </mc:AlternateContent>
+        <mc:AlternateContent xmlns:mc="http://schemas.openxmlformats.org/markup-compatibility/2006" xmlns:p14="http://schemas.microsoft.com/office/powerpoint/2010/main">
+          <mc:Choice Requires="p14">
+            <p:contentPart p14:bwMode="auto" r:id="rId60">
+              <p14:nvContentPartPr>
+                <p14:cNvPr id="73" name="インク 72">
+                  <a:extLst>
+                    <a:ext uri="{FF2B5EF4-FFF2-40B4-BE49-F238E27FC236}">
+                      <a16:creationId xmlns:a16="http://schemas.microsoft.com/office/drawing/2014/main" id="{0805A03F-83B2-4E02-5844-DEACA0A2ACD0}"/>
+                    </a:ext>
+                  </a:extLst>
+                </p14:cNvPr>
+                <p14:cNvContentPartPr/>
+                <p14:nvPr/>
+              </p14:nvContentPartPr>
+              <p14:xfrm>
+                <a:off x="10700217" y="4001317"/>
+                <a:ext cx="459000" cy="1818360"/>
+              </p14:xfrm>
+            </p:contentPart>
+          </mc:Choice>
+          <mc:Fallback xmlns="">
+            <p:pic>
+              <p:nvPicPr>
+                <p:cNvPr id="73" name="インク 72">
+                  <a:extLst>
+                    <a:ext uri="{FF2B5EF4-FFF2-40B4-BE49-F238E27FC236}">
+                      <a16:creationId xmlns:a16="http://schemas.microsoft.com/office/drawing/2014/main" id="{0805A03F-83B2-4E02-5844-DEACA0A2ACD0}"/>
+                    </a:ext>
+                  </a:extLst>
+                </p:cNvPr>
+                <p:cNvPicPr/>
+                <p:nvPr/>
+              </p:nvPicPr>
+              <p:blipFill>
+                <a:blip r:embed="rId61"/>
+                <a:stretch>
+                  <a:fillRect/>
+                </a:stretch>
+              </p:blipFill>
+              <p:spPr>
+                <a:xfrm>
+                  <a:off x="10682577" y="3983677"/>
+                  <a:ext cx="494640" cy="1854000"/>
+                </a:xfrm>
+                <a:prstGeom prst="rect">
+                  <a:avLst/>
+                </a:prstGeom>
+              </p:spPr>
+            </p:pic>
+          </mc:Fallback>
+        </mc:AlternateContent>
+      </p:grpSp>
+      <p:sp>
+        <p:nvSpPr>
+          <p:cNvPr id="75" name="テキスト ボックス 74">
+            <a:extLst>
+              <a:ext uri="{FF2B5EF4-FFF2-40B4-BE49-F238E27FC236}">
+                <a16:creationId xmlns:a16="http://schemas.microsoft.com/office/drawing/2014/main" id="{FB14A2AF-1580-22D8-ECD2-3FB6FCC27F38}"/>
+              </a:ext>
+            </a:extLst>
+          </p:cNvPr>
+          <p:cNvSpPr txBox="1"/>
+          <p:nvPr/>
+        </p:nvSpPr>
+        <p:spPr>
+          <a:xfrm>
+            <a:off x="1534732" y="5558016"/>
+            <a:ext cx="5280613" cy="830997"/>
+          </a:xfrm>
+          <a:prstGeom prst="rect">
+            <a:avLst/>
+          </a:prstGeom>
+          <a:noFill/>
+        </p:spPr>
+        <p:txBody>
+          <a:bodyPr wrap="none" rtlCol="0">
+            <a:spAutoFit/>
+          </a:bodyPr>
+          <a:lstStyle/>
+          <a:p>
+            <a:r>
+              <a:rPr kumimoji="1" lang="ja-JP" altLang="en-US" sz="2400" dirty="0"/>
+              <a:t>同じ方向を向いているが、</a:t>
+            </a:r>
+            <a:endParaRPr kumimoji="1" lang="en-US" altLang="ja-JP" sz="2400" dirty="0"/>
+          </a:p>
+          <a:p>
+            <a:r>
+              <a:rPr kumimoji="1" lang="ja-JP" altLang="en-US" sz="2400" dirty="0"/>
+              <a:t>大きさが</a:t>
+            </a:r>
+            <a:r>
+              <a:rPr kumimoji="1" lang="en-US" altLang="ja-JP" sz="2400" dirty="0"/>
+              <a:t>1</a:t>
+            </a:r>
+            <a:r>
+              <a:rPr kumimoji="1" lang="ja-JP" altLang="en-US" sz="2400" dirty="0"/>
+              <a:t>に</a:t>
+            </a:r>
+            <a:r>
+              <a:rPr lang="ja-JP" altLang="en-US" sz="2400" dirty="0"/>
+              <a:t>なるのが単位ベクトル。</a:t>
+            </a:r>
+            <a:endParaRPr kumimoji="1" lang="en-US" altLang="ja-JP" sz="2400" dirty="0"/>
+          </a:p>
+        </p:txBody>
+      </p:sp>
+    </p:spTree>
+    <p:extLst>
+      <p:ext uri="{BB962C8B-B14F-4D97-AF65-F5344CB8AC3E}">
+        <p14:creationId xmlns:p14="http://schemas.microsoft.com/office/powerpoint/2010/main" val="355502096"/>
+      </p:ext>
+    </p:extLst>
+  </p:cSld>
+  <p:clrMapOvr>
+    <a:masterClrMapping/>
+  </p:clrMapOvr>
+</p:sld>
+</file>
+
+<file path=ppt/slides/slide25.xml><?xml version="1.0" encoding="utf-8"?>
+<p:sld xmlns:a="http://schemas.openxmlformats.org/drawingml/2006/main" xmlns:r="http://schemas.openxmlformats.org/officeDocument/2006/relationships" xmlns:p="http://schemas.openxmlformats.org/presentationml/2006/main">
+  <p:cSld>
+    <p:spTree>
+      <p:nvGrpSpPr>
+        <p:cNvPr id="1" name=""/>
+        <p:cNvGrpSpPr/>
+        <p:nvPr/>
+      </p:nvGrpSpPr>
+      <p:grpSpPr>
+        <a:xfrm>
+          <a:off x="0" y="0"/>
+          <a:ext cx="0" cy="0"/>
+          <a:chOff x="0" y="0"/>
+          <a:chExt cx="0" cy="0"/>
+        </a:xfrm>
+      </p:grpSpPr>
+      <p:cxnSp>
+        <p:nvCxnSpPr>
+          <p:cNvPr id="12" name="直線矢印コネクタ 11">
+            <a:extLst>
+              <a:ext uri="{FF2B5EF4-FFF2-40B4-BE49-F238E27FC236}">
+                <a16:creationId xmlns:a16="http://schemas.microsoft.com/office/drawing/2014/main" id="{D72504CB-D75D-222E-20BB-18ED1972CB90}"/>
+              </a:ext>
+            </a:extLst>
+          </p:cNvPr>
+          <p:cNvCxnSpPr>
+            <a:cxnSpLocks/>
+          </p:cNvCxnSpPr>
+          <p:nvPr/>
+        </p:nvCxnSpPr>
+        <p:spPr>
+          <a:xfrm flipH="1">
+            <a:off x="4083575" y="5180340"/>
+            <a:ext cx="2346524" cy="0"/>
+          </a:xfrm>
+          <a:prstGeom prst="straightConnector1">
+            <a:avLst/>
+          </a:prstGeom>
+          <a:ln w="57150">
+            <a:solidFill>
+              <a:srgbClr val="FF0000"/>
+            </a:solidFill>
+            <a:tailEnd type="triangle"/>
+          </a:ln>
+        </p:spPr>
+        <p:style>
+          <a:lnRef idx="1">
+            <a:schemeClr val="accent1"/>
+          </a:lnRef>
+          <a:fillRef idx="0">
+            <a:schemeClr val="accent1"/>
+          </a:fillRef>
+          <a:effectRef idx="0">
+            <a:schemeClr val="accent1"/>
+          </a:effectRef>
+          <a:fontRef idx="minor">
+            <a:schemeClr val="tx1"/>
+          </a:fontRef>
+        </p:style>
+      </p:cxnSp>
+      <p:cxnSp>
+        <p:nvCxnSpPr>
+          <p:cNvPr id="6" name="直線矢印コネクタ 5">
+            <a:extLst>
+              <a:ext uri="{FF2B5EF4-FFF2-40B4-BE49-F238E27FC236}">
+                <a16:creationId xmlns:a16="http://schemas.microsoft.com/office/drawing/2014/main" id="{C08C187E-9254-C124-6408-446E40F3FCC9}"/>
+              </a:ext>
+            </a:extLst>
+          </p:cNvPr>
+          <p:cNvCxnSpPr>
+            <a:cxnSpLocks/>
+          </p:cNvCxnSpPr>
+          <p:nvPr/>
+        </p:nvCxnSpPr>
+        <p:spPr>
+          <a:xfrm flipV="1">
+            <a:off x="4083575" y="3370614"/>
+            <a:ext cx="1897950" cy="1751118"/>
+          </a:xfrm>
+          <a:prstGeom prst="straightConnector1">
+            <a:avLst/>
+          </a:prstGeom>
+          <a:ln w="57150">
+            <a:solidFill>
+              <a:srgbClr val="00B0F0"/>
+            </a:solidFill>
+            <a:tailEnd type="triangle"/>
+          </a:ln>
+        </p:spPr>
+        <p:style>
+          <a:lnRef idx="1">
+            <a:schemeClr val="accent1"/>
+          </a:lnRef>
+          <a:fillRef idx="0">
+            <a:schemeClr val="accent1"/>
+          </a:fillRef>
+          <a:effectRef idx="0">
+            <a:schemeClr val="accent1"/>
+          </a:effectRef>
+          <a:fontRef idx="minor">
+            <a:schemeClr val="tx1"/>
+          </a:fontRef>
+        </p:style>
+      </p:cxnSp>
+      <p:sp>
+        <p:nvSpPr>
+          <p:cNvPr id="9" name="テキスト ボックス 8">
+            <a:extLst>
+              <a:ext uri="{FF2B5EF4-FFF2-40B4-BE49-F238E27FC236}">
+                <a16:creationId xmlns:a16="http://schemas.microsoft.com/office/drawing/2014/main" id="{72BBBB6F-8510-B635-77A1-2F40D1B3DB3C}"/>
+              </a:ext>
+            </a:extLst>
+          </p:cNvPr>
+          <p:cNvSpPr txBox="1"/>
+          <p:nvPr/>
+        </p:nvSpPr>
+        <p:spPr>
+          <a:xfrm>
+            <a:off x="4913679" y="5297557"/>
+            <a:ext cx="436338" cy="584775"/>
+          </a:xfrm>
+          <a:prstGeom prst="rect">
+            <a:avLst/>
+          </a:prstGeom>
+          <a:noFill/>
+        </p:spPr>
+        <p:txBody>
+          <a:bodyPr wrap="none" rtlCol="0">
+            <a:spAutoFit/>
+          </a:bodyPr>
+          <a:lstStyle/>
+          <a:p>
+            <a:r>
+              <a:rPr kumimoji="1" lang="en-US" altLang="ja-JP" sz="3200" b="1" dirty="0"/>
+              <a:t>b</a:t>
+            </a:r>
+            <a:endParaRPr kumimoji="1" lang="ja-JP" altLang="en-US" sz="3200" b="1" dirty="0"/>
+          </a:p>
+        </p:txBody>
+      </p:sp>
+      <p:sp>
+        <p:nvSpPr>
+          <p:cNvPr id="10" name="テキスト ボックス 9">
+            <a:extLst>
+              <a:ext uri="{FF2B5EF4-FFF2-40B4-BE49-F238E27FC236}">
+                <a16:creationId xmlns:a16="http://schemas.microsoft.com/office/drawing/2014/main" id="{E262C310-EB2D-F5AC-6D6D-61062CCFB798}"/>
+              </a:ext>
+            </a:extLst>
+          </p:cNvPr>
+          <p:cNvSpPr txBox="1"/>
+          <p:nvPr/>
+        </p:nvSpPr>
+        <p:spPr>
+          <a:xfrm>
+            <a:off x="4578580" y="3599842"/>
+            <a:ext cx="453970" cy="646331"/>
+          </a:xfrm>
+          <a:prstGeom prst="rect">
+            <a:avLst/>
+          </a:prstGeom>
+          <a:noFill/>
+        </p:spPr>
+        <p:txBody>
+          <a:bodyPr wrap="none" rtlCol="0">
+            <a:spAutoFit/>
+          </a:bodyPr>
+          <a:lstStyle/>
+          <a:p>
+            <a:r>
+              <a:rPr kumimoji="1" lang="en-US" altLang="ja-JP" sz="3600" b="1" dirty="0"/>
+              <a:t>a</a:t>
+            </a:r>
+            <a:endParaRPr kumimoji="1" lang="ja-JP" altLang="en-US" sz="3600" b="1" dirty="0"/>
+          </a:p>
+        </p:txBody>
+      </p:sp>
+    </p:spTree>
+    <p:extLst>
+      <p:ext uri="{BB962C8B-B14F-4D97-AF65-F5344CB8AC3E}">
+        <p14:creationId xmlns:p14="http://schemas.microsoft.com/office/powerpoint/2010/main" val="3518549481"/>
       </p:ext>
     </p:extLst>
   </p:cSld>

--- a/数学用図形.pptx
+++ b/数学用図形.pptx
@@ -2561,7 +2561,7 @@
           <a:p>
             <a:fld id="{B10628C9-5609-4CD9-B2CE-2EE4BC5A64D5}" type="datetimeFigureOut">
               <a:rPr kumimoji="1" lang="ja-JP" altLang="en-US" smtClean="0"/>
-              <a:t>2024/7/1</a:t>
+              <a:t>2024/7/2</a:t>
             </a:fld>
             <a:endParaRPr kumimoji="1" lang="ja-JP" altLang="en-US"/>
           </a:p>
@@ -2791,7 +2791,7 @@
           <a:p>
             <a:fld id="{B10628C9-5609-4CD9-B2CE-2EE4BC5A64D5}" type="datetimeFigureOut">
               <a:rPr kumimoji="1" lang="ja-JP" altLang="en-US" smtClean="0"/>
-              <a:t>2024/7/1</a:t>
+              <a:t>2024/7/2</a:t>
             </a:fld>
             <a:endParaRPr kumimoji="1" lang="ja-JP" altLang="en-US"/>
           </a:p>
@@ -3031,7 +3031,7 @@
           <a:p>
             <a:fld id="{B10628C9-5609-4CD9-B2CE-2EE4BC5A64D5}" type="datetimeFigureOut">
               <a:rPr kumimoji="1" lang="ja-JP" altLang="en-US" smtClean="0"/>
-              <a:t>2024/7/1</a:t>
+              <a:t>2024/7/2</a:t>
             </a:fld>
             <a:endParaRPr kumimoji="1" lang="ja-JP" altLang="en-US"/>
           </a:p>
@@ -3261,7 +3261,7 @@
           <a:p>
             <a:fld id="{B10628C9-5609-4CD9-B2CE-2EE4BC5A64D5}" type="datetimeFigureOut">
               <a:rPr kumimoji="1" lang="ja-JP" altLang="en-US" smtClean="0"/>
-              <a:t>2024/7/1</a:t>
+              <a:t>2024/7/2</a:t>
             </a:fld>
             <a:endParaRPr kumimoji="1" lang="ja-JP" altLang="en-US"/>
           </a:p>
@@ -3536,7 +3536,7 @@
           <a:p>
             <a:fld id="{B10628C9-5609-4CD9-B2CE-2EE4BC5A64D5}" type="datetimeFigureOut">
               <a:rPr kumimoji="1" lang="ja-JP" altLang="en-US" smtClean="0"/>
-              <a:t>2024/7/1</a:t>
+              <a:t>2024/7/2</a:t>
             </a:fld>
             <a:endParaRPr kumimoji="1" lang="ja-JP" altLang="en-US"/>
           </a:p>
@@ -3865,7 +3865,7 @@
           <a:p>
             <a:fld id="{B10628C9-5609-4CD9-B2CE-2EE4BC5A64D5}" type="datetimeFigureOut">
               <a:rPr kumimoji="1" lang="ja-JP" altLang="en-US" smtClean="0"/>
-              <a:t>2024/7/1</a:t>
+              <a:t>2024/7/2</a:t>
             </a:fld>
             <a:endParaRPr kumimoji="1" lang="ja-JP" altLang="en-US"/>
           </a:p>
@@ -4341,7 +4341,7 @@
           <a:p>
             <a:fld id="{B10628C9-5609-4CD9-B2CE-2EE4BC5A64D5}" type="datetimeFigureOut">
               <a:rPr kumimoji="1" lang="ja-JP" altLang="en-US" smtClean="0"/>
-              <a:t>2024/7/1</a:t>
+              <a:t>2024/7/2</a:t>
             </a:fld>
             <a:endParaRPr kumimoji="1" lang="ja-JP" altLang="en-US"/>
           </a:p>
@@ -4482,7 +4482,7 @@
           <a:p>
             <a:fld id="{B10628C9-5609-4CD9-B2CE-2EE4BC5A64D5}" type="datetimeFigureOut">
               <a:rPr kumimoji="1" lang="ja-JP" altLang="en-US" smtClean="0"/>
-              <a:t>2024/7/1</a:t>
+              <a:t>2024/7/2</a:t>
             </a:fld>
             <a:endParaRPr kumimoji="1" lang="ja-JP" altLang="en-US"/>
           </a:p>
@@ -4595,7 +4595,7 @@
           <a:p>
             <a:fld id="{B10628C9-5609-4CD9-B2CE-2EE4BC5A64D5}" type="datetimeFigureOut">
               <a:rPr kumimoji="1" lang="ja-JP" altLang="en-US" smtClean="0"/>
-              <a:t>2024/7/1</a:t>
+              <a:t>2024/7/2</a:t>
             </a:fld>
             <a:endParaRPr kumimoji="1" lang="ja-JP" altLang="en-US"/>
           </a:p>
@@ -4938,7 +4938,7 @@
           <a:p>
             <a:fld id="{B10628C9-5609-4CD9-B2CE-2EE4BC5A64D5}" type="datetimeFigureOut">
               <a:rPr kumimoji="1" lang="ja-JP" altLang="en-US" smtClean="0"/>
-              <a:t>2024/7/1</a:t>
+              <a:t>2024/7/2</a:t>
             </a:fld>
             <a:endParaRPr kumimoji="1" lang="ja-JP" altLang="en-US"/>
           </a:p>
@@ -5226,7 +5226,7 @@
           <a:p>
             <a:fld id="{B10628C9-5609-4CD9-B2CE-2EE4BC5A64D5}" type="datetimeFigureOut">
               <a:rPr kumimoji="1" lang="ja-JP" altLang="en-US" smtClean="0"/>
-              <a:t>2024/7/1</a:t>
+              <a:t>2024/7/2</a:t>
             </a:fld>
             <a:endParaRPr kumimoji="1" lang="ja-JP" altLang="en-US"/>
           </a:p>
@@ -5499,7 +5499,7 @@
           <a:p>
             <a:fld id="{B10628C9-5609-4CD9-B2CE-2EE4BC5A64D5}" type="datetimeFigureOut">
               <a:rPr kumimoji="1" lang="ja-JP" altLang="en-US" smtClean="0"/>
-              <a:t>2024/7/1</a:t>
+              <a:t>2024/7/2</a:t>
             </a:fld>
             <a:endParaRPr kumimoji="1" lang="ja-JP" altLang="en-US"/>
           </a:p>

--- a/数学用図形.pptx
+++ b/数学用図形.pptx
@@ -30,6 +30,8 @@
     <p:sldId id="281" r:id="rId24"/>
     <p:sldId id="282" r:id="rId25"/>
     <p:sldId id="283" r:id="rId26"/>
+    <p:sldId id="284" r:id="rId27"/>
+    <p:sldId id="285" r:id="rId28"/>
   </p:sldIdLst>
   <p:sldSz cx="12192000" cy="6858000"/>
   <p:notesSz cx="6858000" cy="9144000"/>
@@ -2561,7 +2563,7 @@
           <a:p>
             <a:fld id="{B10628C9-5609-4CD9-B2CE-2EE4BC5A64D5}" type="datetimeFigureOut">
               <a:rPr kumimoji="1" lang="ja-JP" altLang="en-US" smtClean="0"/>
-              <a:t>2024/7/2</a:t>
+              <a:t>2024/7/4</a:t>
             </a:fld>
             <a:endParaRPr kumimoji="1" lang="ja-JP" altLang="en-US"/>
           </a:p>
@@ -2791,7 +2793,7 @@
           <a:p>
             <a:fld id="{B10628C9-5609-4CD9-B2CE-2EE4BC5A64D5}" type="datetimeFigureOut">
               <a:rPr kumimoji="1" lang="ja-JP" altLang="en-US" smtClean="0"/>
-              <a:t>2024/7/2</a:t>
+              <a:t>2024/7/4</a:t>
             </a:fld>
             <a:endParaRPr kumimoji="1" lang="ja-JP" altLang="en-US"/>
           </a:p>
@@ -3031,7 +3033,7 @@
           <a:p>
             <a:fld id="{B10628C9-5609-4CD9-B2CE-2EE4BC5A64D5}" type="datetimeFigureOut">
               <a:rPr kumimoji="1" lang="ja-JP" altLang="en-US" smtClean="0"/>
-              <a:t>2024/7/2</a:t>
+              <a:t>2024/7/4</a:t>
             </a:fld>
             <a:endParaRPr kumimoji="1" lang="ja-JP" altLang="en-US"/>
           </a:p>
@@ -3261,7 +3263,7 @@
           <a:p>
             <a:fld id="{B10628C9-5609-4CD9-B2CE-2EE4BC5A64D5}" type="datetimeFigureOut">
               <a:rPr kumimoji="1" lang="ja-JP" altLang="en-US" smtClean="0"/>
-              <a:t>2024/7/2</a:t>
+              <a:t>2024/7/4</a:t>
             </a:fld>
             <a:endParaRPr kumimoji="1" lang="ja-JP" altLang="en-US"/>
           </a:p>
@@ -3536,7 +3538,7 @@
           <a:p>
             <a:fld id="{B10628C9-5609-4CD9-B2CE-2EE4BC5A64D5}" type="datetimeFigureOut">
               <a:rPr kumimoji="1" lang="ja-JP" altLang="en-US" smtClean="0"/>
-              <a:t>2024/7/2</a:t>
+              <a:t>2024/7/4</a:t>
             </a:fld>
             <a:endParaRPr kumimoji="1" lang="ja-JP" altLang="en-US"/>
           </a:p>
@@ -3865,7 +3867,7 @@
           <a:p>
             <a:fld id="{B10628C9-5609-4CD9-B2CE-2EE4BC5A64D5}" type="datetimeFigureOut">
               <a:rPr kumimoji="1" lang="ja-JP" altLang="en-US" smtClean="0"/>
-              <a:t>2024/7/2</a:t>
+              <a:t>2024/7/4</a:t>
             </a:fld>
             <a:endParaRPr kumimoji="1" lang="ja-JP" altLang="en-US"/>
           </a:p>
@@ -4341,7 +4343,7 @@
           <a:p>
             <a:fld id="{B10628C9-5609-4CD9-B2CE-2EE4BC5A64D5}" type="datetimeFigureOut">
               <a:rPr kumimoji="1" lang="ja-JP" altLang="en-US" smtClean="0"/>
-              <a:t>2024/7/2</a:t>
+              <a:t>2024/7/4</a:t>
             </a:fld>
             <a:endParaRPr kumimoji="1" lang="ja-JP" altLang="en-US"/>
           </a:p>
@@ -4482,7 +4484,7 @@
           <a:p>
             <a:fld id="{B10628C9-5609-4CD9-B2CE-2EE4BC5A64D5}" type="datetimeFigureOut">
               <a:rPr kumimoji="1" lang="ja-JP" altLang="en-US" smtClean="0"/>
-              <a:t>2024/7/2</a:t>
+              <a:t>2024/7/4</a:t>
             </a:fld>
             <a:endParaRPr kumimoji="1" lang="ja-JP" altLang="en-US"/>
           </a:p>
@@ -4595,7 +4597,7 @@
           <a:p>
             <a:fld id="{B10628C9-5609-4CD9-B2CE-2EE4BC5A64D5}" type="datetimeFigureOut">
               <a:rPr kumimoji="1" lang="ja-JP" altLang="en-US" smtClean="0"/>
-              <a:t>2024/7/2</a:t>
+              <a:t>2024/7/4</a:t>
             </a:fld>
             <a:endParaRPr kumimoji="1" lang="ja-JP" altLang="en-US"/>
           </a:p>
@@ -4938,7 +4940,7 @@
           <a:p>
             <a:fld id="{B10628C9-5609-4CD9-B2CE-2EE4BC5A64D5}" type="datetimeFigureOut">
               <a:rPr kumimoji="1" lang="ja-JP" altLang="en-US" smtClean="0"/>
-              <a:t>2024/7/2</a:t>
+              <a:t>2024/7/4</a:t>
             </a:fld>
             <a:endParaRPr kumimoji="1" lang="ja-JP" altLang="en-US"/>
           </a:p>
@@ -5226,7 +5228,7 @@
           <a:p>
             <a:fld id="{B10628C9-5609-4CD9-B2CE-2EE4BC5A64D5}" type="datetimeFigureOut">
               <a:rPr kumimoji="1" lang="ja-JP" altLang="en-US" smtClean="0"/>
-              <a:t>2024/7/2</a:t>
+              <a:t>2024/7/4</a:t>
             </a:fld>
             <a:endParaRPr kumimoji="1" lang="ja-JP" altLang="en-US"/>
           </a:p>
@@ -5499,7 +5501,7 @@
           <a:p>
             <a:fld id="{B10628C9-5609-4CD9-B2CE-2EE4BC5A64D5}" type="datetimeFigureOut">
               <a:rPr kumimoji="1" lang="ja-JP" altLang="en-US" smtClean="0"/>
-              <a:t>2024/7/2</a:t>
+              <a:t>2024/7/4</a:t>
             </a:fld>
             <a:endParaRPr kumimoji="1" lang="ja-JP" altLang="en-US"/>
           </a:p>
@@ -17968,6 +17970,886 @@
 </p:sld>
 </file>
 
+<file path=ppt/slides/slide26.xml><?xml version="1.0" encoding="utf-8"?>
+<p:sld xmlns:a="http://schemas.openxmlformats.org/drawingml/2006/main" xmlns:r="http://schemas.openxmlformats.org/officeDocument/2006/relationships" xmlns:p="http://schemas.openxmlformats.org/presentationml/2006/main">
+  <p:cSld>
+    <p:spTree>
+      <p:nvGrpSpPr>
+        <p:cNvPr id="1" name=""/>
+        <p:cNvGrpSpPr/>
+        <p:nvPr/>
+      </p:nvGrpSpPr>
+      <p:grpSpPr>
+        <a:xfrm>
+          <a:off x="0" y="0"/>
+          <a:ext cx="0" cy="0"/>
+          <a:chOff x="0" y="0"/>
+          <a:chExt cx="0" cy="0"/>
+        </a:xfrm>
+      </p:grpSpPr>
+      <p:cxnSp>
+        <p:nvCxnSpPr>
+          <p:cNvPr id="3" name="直線コネクタ 2">
+            <a:extLst>
+              <a:ext uri="{FF2B5EF4-FFF2-40B4-BE49-F238E27FC236}">
+                <a16:creationId xmlns:a16="http://schemas.microsoft.com/office/drawing/2014/main" id="{51839ADF-5A6B-0048-625E-A73DB89B07DD}"/>
+              </a:ext>
+            </a:extLst>
+          </p:cNvPr>
+          <p:cNvCxnSpPr/>
+          <p:nvPr/>
+        </p:nvCxnSpPr>
+        <p:spPr>
+          <a:xfrm flipV="1">
+            <a:off x="6891130" y="3165165"/>
+            <a:ext cx="5181600" cy="3604591"/>
+          </a:xfrm>
+          <a:prstGeom prst="line">
+            <a:avLst/>
+          </a:prstGeom>
+          <a:ln w="57150">
+            <a:solidFill>
+              <a:srgbClr val="FFFF00"/>
+            </a:solidFill>
+          </a:ln>
+        </p:spPr>
+        <p:style>
+          <a:lnRef idx="1">
+            <a:schemeClr val="accent1"/>
+          </a:lnRef>
+          <a:fillRef idx="0">
+            <a:schemeClr val="accent1"/>
+          </a:fillRef>
+          <a:effectRef idx="0">
+            <a:schemeClr val="accent1"/>
+          </a:effectRef>
+          <a:fontRef idx="minor">
+            <a:schemeClr val="tx1"/>
+          </a:fontRef>
+        </p:style>
+      </p:cxnSp>
+      <p:sp>
+        <p:nvSpPr>
+          <p:cNvPr id="4" name="正方形/長方形 3">
+            <a:extLst>
+              <a:ext uri="{FF2B5EF4-FFF2-40B4-BE49-F238E27FC236}">
+                <a16:creationId xmlns:a16="http://schemas.microsoft.com/office/drawing/2014/main" id="{E5C5B506-2274-6AD3-C888-110394889060}"/>
+              </a:ext>
+            </a:extLst>
+          </p:cNvPr>
+          <p:cNvSpPr/>
+          <p:nvPr/>
+        </p:nvSpPr>
+        <p:spPr>
+          <a:xfrm rot="19537651">
+            <a:off x="7613882" y="3425196"/>
+            <a:ext cx="2915478" cy="1577009"/>
+          </a:xfrm>
+          <a:prstGeom prst="rect">
+            <a:avLst/>
+          </a:prstGeom>
+        </p:spPr>
+        <p:style>
+          <a:lnRef idx="2">
+            <a:schemeClr val="accent1">
+              <a:shade val="15000"/>
+            </a:schemeClr>
+          </a:lnRef>
+          <a:fillRef idx="1">
+            <a:schemeClr val="accent1"/>
+          </a:fillRef>
+          <a:effectRef idx="0">
+            <a:schemeClr val="accent1"/>
+          </a:effectRef>
+          <a:fontRef idx="minor">
+            <a:schemeClr val="lt1"/>
+          </a:fontRef>
+        </p:style>
+        <p:txBody>
+          <a:bodyPr rtlCol="0" anchor="ctr"/>
+          <a:lstStyle/>
+          <a:p>
+            <a:pPr algn="ctr"/>
+            <a:endParaRPr kumimoji="1" lang="ja-JP" altLang="en-US"/>
+          </a:p>
+        </p:txBody>
+      </p:sp>
+      <p:cxnSp>
+        <p:nvCxnSpPr>
+          <p:cNvPr id="5" name="直線コネクタ 4">
+            <a:extLst>
+              <a:ext uri="{FF2B5EF4-FFF2-40B4-BE49-F238E27FC236}">
+                <a16:creationId xmlns:a16="http://schemas.microsoft.com/office/drawing/2014/main" id="{9B76183B-DBCD-C88F-A4EC-DF4722DB7830}"/>
+              </a:ext>
+            </a:extLst>
+          </p:cNvPr>
+          <p:cNvCxnSpPr>
+            <a:cxnSpLocks/>
+          </p:cNvCxnSpPr>
+          <p:nvPr/>
+        </p:nvCxnSpPr>
+        <p:spPr>
+          <a:xfrm>
+            <a:off x="609599" y="5332653"/>
+            <a:ext cx="5349263" cy="0"/>
+          </a:xfrm>
+          <a:prstGeom prst="line">
+            <a:avLst/>
+          </a:prstGeom>
+          <a:ln w="57150">
+            <a:solidFill>
+              <a:srgbClr val="FFFF00"/>
+            </a:solidFill>
+          </a:ln>
+        </p:spPr>
+        <p:style>
+          <a:lnRef idx="1">
+            <a:schemeClr val="accent1"/>
+          </a:lnRef>
+          <a:fillRef idx="0">
+            <a:schemeClr val="accent1"/>
+          </a:fillRef>
+          <a:effectRef idx="0">
+            <a:schemeClr val="accent1"/>
+          </a:effectRef>
+          <a:fontRef idx="minor">
+            <a:schemeClr val="tx1"/>
+          </a:fontRef>
+        </p:style>
+      </p:cxnSp>
+      <p:sp>
+        <p:nvSpPr>
+          <p:cNvPr id="7" name="正方形/長方形 6">
+            <a:extLst>
+              <a:ext uri="{FF2B5EF4-FFF2-40B4-BE49-F238E27FC236}">
+                <a16:creationId xmlns:a16="http://schemas.microsoft.com/office/drawing/2014/main" id="{B8D81A21-6DBB-4A9F-AAB6-82003F1875C1}"/>
+              </a:ext>
+            </a:extLst>
+          </p:cNvPr>
+          <p:cNvSpPr/>
+          <p:nvPr/>
+        </p:nvSpPr>
+        <p:spPr>
+          <a:xfrm rot="29261">
+            <a:off x="1826492" y="3743264"/>
+            <a:ext cx="2915478" cy="1577009"/>
+          </a:xfrm>
+          <a:prstGeom prst="rect">
+            <a:avLst/>
+          </a:prstGeom>
+        </p:spPr>
+        <p:style>
+          <a:lnRef idx="2">
+            <a:schemeClr val="accent1">
+              <a:shade val="15000"/>
+            </a:schemeClr>
+          </a:lnRef>
+          <a:fillRef idx="1">
+            <a:schemeClr val="accent1"/>
+          </a:fillRef>
+          <a:effectRef idx="0">
+            <a:schemeClr val="accent1"/>
+          </a:effectRef>
+          <a:fontRef idx="minor">
+            <a:schemeClr val="lt1"/>
+          </a:fontRef>
+        </p:style>
+        <p:txBody>
+          <a:bodyPr rtlCol="0" anchor="ctr"/>
+          <a:lstStyle/>
+          <a:p>
+            <a:pPr algn="ctr"/>
+            <a:endParaRPr kumimoji="1" lang="ja-JP" altLang="en-US"/>
+          </a:p>
+        </p:txBody>
+      </p:sp>
+      <p:sp>
+        <p:nvSpPr>
+          <p:cNvPr id="14" name="テキスト ボックス 13">
+            <a:extLst>
+              <a:ext uri="{FF2B5EF4-FFF2-40B4-BE49-F238E27FC236}">
+                <a16:creationId xmlns:a16="http://schemas.microsoft.com/office/drawing/2014/main" id="{469821B6-7B53-733B-3D1F-F636214E08C9}"/>
+              </a:ext>
+            </a:extLst>
+          </p:cNvPr>
+          <p:cNvSpPr txBox="1"/>
+          <p:nvPr/>
+        </p:nvSpPr>
+        <p:spPr>
+          <a:xfrm>
+            <a:off x="7050156" y="1834746"/>
+            <a:ext cx="3262432" cy="461665"/>
+          </a:xfrm>
+          <a:prstGeom prst="rect">
+            <a:avLst/>
+          </a:prstGeom>
+          <a:noFill/>
+        </p:spPr>
+        <p:txBody>
+          <a:bodyPr wrap="none" rtlCol="0">
+            <a:spAutoFit/>
+          </a:bodyPr>
+          <a:lstStyle/>
+          <a:p>
+            <a:r>
+              <a:rPr kumimoji="1" lang="ja-JP" altLang="en-US" sz="2400" b="1" dirty="0"/>
+              <a:t>斜めに乗っている物体</a:t>
+            </a:r>
+          </a:p>
+        </p:txBody>
+      </p:sp>
+      <p:sp>
+        <p:nvSpPr>
+          <p:cNvPr id="15" name="テキスト ボックス 14">
+            <a:extLst>
+              <a:ext uri="{FF2B5EF4-FFF2-40B4-BE49-F238E27FC236}">
+                <a16:creationId xmlns:a16="http://schemas.microsoft.com/office/drawing/2014/main" id="{14E755ED-EF11-1C08-F41C-0882A0085CC0}"/>
+              </a:ext>
+            </a:extLst>
+          </p:cNvPr>
+          <p:cNvSpPr txBox="1"/>
+          <p:nvPr/>
+        </p:nvSpPr>
+        <p:spPr>
+          <a:xfrm>
+            <a:off x="1653014" y="2853739"/>
+            <a:ext cx="3262432" cy="461665"/>
+          </a:xfrm>
+          <a:prstGeom prst="rect">
+            <a:avLst/>
+          </a:prstGeom>
+          <a:noFill/>
+        </p:spPr>
+        <p:txBody>
+          <a:bodyPr wrap="none" rtlCol="0">
+            <a:spAutoFit/>
+          </a:bodyPr>
+          <a:lstStyle/>
+          <a:p>
+            <a:r>
+              <a:rPr kumimoji="1" lang="ja-JP" altLang="en-US" sz="2400" b="1" dirty="0"/>
+              <a:t>垂直に乗っている物体</a:t>
+            </a:r>
+          </a:p>
+        </p:txBody>
+      </p:sp>
+      <p:cxnSp>
+        <p:nvCxnSpPr>
+          <p:cNvPr id="17" name="直線矢印コネクタ 16">
+            <a:extLst>
+              <a:ext uri="{FF2B5EF4-FFF2-40B4-BE49-F238E27FC236}">
+                <a16:creationId xmlns:a16="http://schemas.microsoft.com/office/drawing/2014/main" id="{CBEEF015-A191-CE9C-9B07-3AC9A9966AF2}"/>
+              </a:ext>
+            </a:extLst>
+          </p:cNvPr>
+          <p:cNvCxnSpPr/>
+          <p:nvPr/>
+        </p:nvCxnSpPr>
+        <p:spPr>
+          <a:xfrm>
+            <a:off x="3284230" y="4701827"/>
+            <a:ext cx="0" cy="1643270"/>
+          </a:xfrm>
+          <a:prstGeom prst="straightConnector1">
+            <a:avLst/>
+          </a:prstGeom>
+          <a:ln w="57150">
+            <a:solidFill>
+              <a:srgbClr val="FF0000"/>
+            </a:solidFill>
+            <a:tailEnd type="triangle"/>
+          </a:ln>
+        </p:spPr>
+        <p:style>
+          <a:lnRef idx="1">
+            <a:schemeClr val="accent1"/>
+          </a:lnRef>
+          <a:fillRef idx="0">
+            <a:schemeClr val="accent1"/>
+          </a:fillRef>
+          <a:effectRef idx="0">
+            <a:schemeClr val="accent1"/>
+          </a:effectRef>
+          <a:fontRef idx="minor">
+            <a:schemeClr val="tx1"/>
+          </a:fontRef>
+        </p:style>
+      </p:cxnSp>
+      <p:cxnSp>
+        <p:nvCxnSpPr>
+          <p:cNvPr id="18" name="直線矢印コネクタ 17">
+            <a:extLst>
+              <a:ext uri="{FF2B5EF4-FFF2-40B4-BE49-F238E27FC236}">
+                <a16:creationId xmlns:a16="http://schemas.microsoft.com/office/drawing/2014/main" id="{8FD085EB-AFBA-A88D-AD6D-61DCF676A0A7}"/>
+              </a:ext>
+            </a:extLst>
+          </p:cNvPr>
+          <p:cNvCxnSpPr/>
+          <p:nvPr/>
+        </p:nvCxnSpPr>
+        <p:spPr>
+          <a:xfrm>
+            <a:off x="9102442" y="4422184"/>
+            <a:ext cx="0" cy="1643270"/>
+          </a:xfrm>
+          <a:prstGeom prst="straightConnector1">
+            <a:avLst/>
+          </a:prstGeom>
+          <a:ln w="57150">
+            <a:solidFill>
+              <a:srgbClr val="FF0000"/>
+            </a:solidFill>
+            <a:tailEnd type="triangle"/>
+          </a:ln>
+        </p:spPr>
+        <p:style>
+          <a:lnRef idx="1">
+            <a:schemeClr val="accent1"/>
+          </a:lnRef>
+          <a:fillRef idx="0">
+            <a:schemeClr val="accent1"/>
+          </a:fillRef>
+          <a:effectRef idx="0">
+            <a:schemeClr val="accent1"/>
+          </a:effectRef>
+          <a:fontRef idx="minor">
+            <a:schemeClr val="tx1"/>
+          </a:fontRef>
+        </p:style>
+      </p:cxnSp>
+      <p:cxnSp>
+        <p:nvCxnSpPr>
+          <p:cNvPr id="20" name="直線矢印コネクタ 19">
+            <a:extLst>
+              <a:ext uri="{FF2B5EF4-FFF2-40B4-BE49-F238E27FC236}">
+                <a16:creationId xmlns:a16="http://schemas.microsoft.com/office/drawing/2014/main" id="{802D82C6-0C59-83D5-30BB-20F9BC01A7E2}"/>
+              </a:ext>
+            </a:extLst>
+          </p:cNvPr>
+          <p:cNvCxnSpPr>
+            <a:cxnSpLocks/>
+          </p:cNvCxnSpPr>
+          <p:nvPr/>
+        </p:nvCxnSpPr>
+        <p:spPr>
+          <a:xfrm>
+            <a:off x="9131762" y="4422184"/>
+            <a:ext cx="902949" cy="1265333"/>
+          </a:xfrm>
+          <a:prstGeom prst="straightConnector1">
+            <a:avLst/>
+          </a:prstGeom>
+          <a:ln w="57150">
+            <a:solidFill>
+              <a:srgbClr val="00B050"/>
+            </a:solidFill>
+            <a:tailEnd type="triangle"/>
+          </a:ln>
+        </p:spPr>
+        <p:style>
+          <a:lnRef idx="1">
+            <a:schemeClr val="accent1"/>
+          </a:lnRef>
+          <a:fillRef idx="0">
+            <a:schemeClr val="accent1"/>
+          </a:fillRef>
+          <a:effectRef idx="0">
+            <a:schemeClr val="accent1"/>
+          </a:effectRef>
+          <a:fontRef idx="minor">
+            <a:schemeClr val="tx1"/>
+          </a:fontRef>
+        </p:style>
+      </p:cxnSp>
+      <p:sp>
+        <p:nvSpPr>
+          <p:cNvPr id="22" name="テキスト ボックス 21">
+            <a:extLst>
+              <a:ext uri="{FF2B5EF4-FFF2-40B4-BE49-F238E27FC236}">
+                <a16:creationId xmlns:a16="http://schemas.microsoft.com/office/drawing/2014/main" id="{A4025A54-412F-1504-581B-C566BA9F2E9B}"/>
+              </a:ext>
+            </a:extLst>
+          </p:cNvPr>
+          <p:cNvSpPr txBox="1"/>
+          <p:nvPr/>
+        </p:nvSpPr>
+        <p:spPr>
+          <a:xfrm>
+            <a:off x="2961064" y="6439385"/>
+            <a:ext cx="646331" cy="369332"/>
+          </a:xfrm>
+          <a:prstGeom prst="rect">
+            <a:avLst/>
+          </a:prstGeom>
+          <a:noFill/>
+        </p:spPr>
+        <p:txBody>
+          <a:bodyPr wrap="none" rtlCol="0">
+            <a:spAutoFit/>
+          </a:bodyPr>
+          <a:lstStyle/>
+          <a:p>
+            <a:r>
+              <a:rPr lang="ja-JP" altLang="en-US" b="1" dirty="0"/>
+              <a:t>重力</a:t>
+            </a:r>
+            <a:endParaRPr kumimoji="1" lang="ja-JP" altLang="en-US" b="1" dirty="0"/>
+          </a:p>
+        </p:txBody>
+      </p:sp>
+      <p:sp>
+        <p:nvSpPr>
+          <p:cNvPr id="23" name="テキスト ボックス 22">
+            <a:extLst>
+              <a:ext uri="{FF2B5EF4-FFF2-40B4-BE49-F238E27FC236}">
+                <a16:creationId xmlns:a16="http://schemas.microsoft.com/office/drawing/2014/main" id="{BC733505-348D-AEC7-7082-84B398BC9241}"/>
+              </a:ext>
+            </a:extLst>
+          </p:cNvPr>
+          <p:cNvSpPr txBox="1"/>
+          <p:nvPr/>
+        </p:nvSpPr>
+        <p:spPr>
+          <a:xfrm>
+            <a:off x="3668951" y="6424961"/>
+            <a:ext cx="2492990" cy="369332"/>
+          </a:xfrm>
+          <a:prstGeom prst="rect">
+            <a:avLst/>
+          </a:prstGeom>
+          <a:noFill/>
+        </p:spPr>
+        <p:txBody>
+          <a:bodyPr wrap="none" rtlCol="0">
+            <a:spAutoFit/>
+          </a:bodyPr>
+          <a:lstStyle/>
+          <a:p>
+            <a:r>
+              <a:rPr kumimoji="1" lang="ja-JP" altLang="en-US" b="1" dirty="0"/>
+              <a:t>床に掛かっている重さ</a:t>
+            </a:r>
+          </a:p>
+        </p:txBody>
+      </p:sp>
+      <p:sp>
+        <p:nvSpPr>
+          <p:cNvPr id="26" name="テキスト ボックス 25">
+            <a:extLst>
+              <a:ext uri="{FF2B5EF4-FFF2-40B4-BE49-F238E27FC236}">
+                <a16:creationId xmlns:a16="http://schemas.microsoft.com/office/drawing/2014/main" id="{E418191F-0EB9-DAA6-11CE-64DE5857C8E7}"/>
+              </a:ext>
+            </a:extLst>
+          </p:cNvPr>
+          <p:cNvSpPr txBox="1"/>
+          <p:nvPr/>
+        </p:nvSpPr>
+        <p:spPr>
+          <a:xfrm>
+            <a:off x="9676419" y="5761658"/>
+            <a:ext cx="2492990" cy="369332"/>
+          </a:xfrm>
+          <a:prstGeom prst="rect">
+            <a:avLst/>
+          </a:prstGeom>
+          <a:noFill/>
+        </p:spPr>
+        <p:txBody>
+          <a:bodyPr wrap="none" rtlCol="0">
+            <a:spAutoFit/>
+          </a:bodyPr>
+          <a:lstStyle/>
+          <a:p>
+            <a:r>
+              <a:rPr kumimoji="1" lang="ja-JP" altLang="en-US" b="1" dirty="0"/>
+              <a:t>床に掛かっている重さ</a:t>
+            </a:r>
+          </a:p>
+        </p:txBody>
+      </p:sp>
+      <p:cxnSp>
+        <p:nvCxnSpPr>
+          <p:cNvPr id="27" name="直線矢印コネクタ 26">
+            <a:extLst>
+              <a:ext uri="{FF2B5EF4-FFF2-40B4-BE49-F238E27FC236}">
+                <a16:creationId xmlns:a16="http://schemas.microsoft.com/office/drawing/2014/main" id="{4262607A-7C45-3625-0370-CAAA45E52411}"/>
+              </a:ext>
+            </a:extLst>
+          </p:cNvPr>
+          <p:cNvCxnSpPr>
+            <a:cxnSpLocks/>
+          </p:cNvCxnSpPr>
+          <p:nvPr/>
+        </p:nvCxnSpPr>
+        <p:spPr>
+          <a:xfrm>
+            <a:off x="3920736" y="4702321"/>
+            <a:ext cx="0" cy="1645110"/>
+          </a:xfrm>
+          <a:prstGeom prst="straightConnector1">
+            <a:avLst/>
+          </a:prstGeom>
+          <a:ln w="57150">
+            <a:solidFill>
+              <a:srgbClr val="00B050"/>
+            </a:solidFill>
+            <a:tailEnd type="triangle"/>
+          </a:ln>
+        </p:spPr>
+        <p:style>
+          <a:lnRef idx="1">
+            <a:schemeClr val="accent1"/>
+          </a:lnRef>
+          <a:fillRef idx="0">
+            <a:schemeClr val="accent1"/>
+          </a:fillRef>
+          <a:effectRef idx="0">
+            <a:schemeClr val="accent1"/>
+          </a:effectRef>
+          <a:fontRef idx="minor">
+            <a:schemeClr val="tx1"/>
+          </a:fontRef>
+        </p:style>
+      </p:cxnSp>
+    </p:spTree>
+    <p:extLst>
+      <p:ext uri="{BB962C8B-B14F-4D97-AF65-F5344CB8AC3E}">
+        <p14:creationId xmlns:p14="http://schemas.microsoft.com/office/powerpoint/2010/main" val="2607197428"/>
+      </p:ext>
+    </p:extLst>
+  </p:cSld>
+  <p:clrMapOvr>
+    <a:masterClrMapping/>
+  </p:clrMapOvr>
+</p:sld>
+</file>
+
+<file path=ppt/slides/slide27.xml><?xml version="1.0" encoding="utf-8"?>
+<p:sld xmlns:a="http://schemas.openxmlformats.org/drawingml/2006/main" xmlns:r="http://schemas.openxmlformats.org/officeDocument/2006/relationships" xmlns:p="http://schemas.openxmlformats.org/presentationml/2006/main">
+  <p:cSld>
+    <p:spTree>
+      <p:nvGrpSpPr>
+        <p:cNvPr id="1" name=""/>
+        <p:cNvGrpSpPr/>
+        <p:nvPr/>
+      </p:nvGrpSpPr>
+      <p:grpSpPr>
+        <a:xfrm>
+          <a:off x="0" y="0"/>
+          <a:ext cx="0" cy="0"/>
+          <a:chOff x="0" y="0"/>
+          <a:chExt cx="0" cy="0"/>
+        </a:xfrm>
+      </p:grpSpPr>
+      <p:cxnSp>
+        <p:nvCxnSpPr>
+          <p:cNvPr id="5" name="直線コネクタ 4">
+            <a:extLst>
+              <a:ext uri="{FF2B5EF4-FFF2-40B4-BE49-F238E27FC236}">
+                <a16:creationId xmlns:a16="http://schemas.microsoft.com/office/drawing/2014/main" id="{9B76183B-DBCD-C88F-A4EC-DF4722DB7830}"/>
+              </a:ext>
+            </a:extLst>
+          </p:cNvPr>
+          <p:cNvCxnSpPr>
+            <a:cxnSpLocks/>
+          </p:cNvCxnSpPr>
+          <p:nvPr/>
+        </p:nvCxnSpPr>
+        <p:spPr>
+          <a:xfrm>
+            <a:off x="3207025" y="4229884"/>
+            <a:ext cx="5349263" cy="0"/>
+          </a:xfrm>
+          <a:prstGeom prst="line">
+            <a:avLst/>
+          </a:prstGeom>
+          <a:ln w="57150">
+            <a:solidFill>
+              <a:srgbClr val="FFFF00"/>
+            </a:solidFill>
+          </a:ln>
+        </p:spPr>
+        <p:style>
+          <a:lnRef idx="1">
+            <a:schemeClr val="accent1"/>
+          </a:lnRef>
+          <a:fillRef idx="0">
+            <a:schemeClr val="accent1"/>
+          </a:fillRef>
+          <a:effectRef idx="0">
+            <a:schemeClr val="accent1"/>
+          </a:effectRef>
+          <a:fontRef idx="minor">
+            <a:schemeClr val="tx1"/>
+          </a:fontRef>
+        </p:style>
+      </p:cxnSp>
+      <p:sp>
+        <p:nvSpPr>
+          <p:cNvPr id="7" name="正方形/長方形 6">
+            <a:extLst>
+              <a:ext uri="{FF2B5EF4-FFF2-40B4-BE49-F238E27FC236}">
+                <a16:creationId xmlns:a16="http://schemas.microsoft.com/office/drawing/2014/main" id="{B8D81A21-6DBB-4A9F-AAB6-82003F1875C1}"/>
+              </a:ext>
+            </a:extLst>
+          </p:cNvPr>
+          <p:cNvSpPr/>
+          <p:nvPr/>
+        </p:nvSpPr>
+        <p:spPr>
+          <a:xfrm rot="29261">
+            <a:off x="4423918" y="2640495"/>
+            <a:ext cx="2915478" cy="1577009"/>
+          </a:xfrm>
+          <a:prstGeom prst="rect">
+            <a:avLst/>
+          </a:prstGeom>
+        </p:spPr>
+        <p:style>
+          <a:lnRef idx="2">
+            <a:schemeClr val="accent1">
+              <a:shade val="15000"/>
+            </a:schemeClr>
+          </a:lnRef>
+          <a:fillRef idx="1">
+            <a:schemeClr val="accent1"/>
+          </a:fillRef>
+          <a:effectRef idx="0">
+            <a:schemeClr val="accent1"/>
+          </a:effectRef>
+          <a:fontRef idx="minor">
+            <a:schemeClr val="lt1"/>
+          </a:fontRef>
+        </p:style>
+        <p:txBody>
+          <a:bodyPr rtlCol="0" anchor="ctr"/>
+          <a:lstStyle/>
+          <a:p>
+            <a:pPr algn="ctr"/>
+            <a:endParaRPr kumimoji="1" lang="ja-JP" altLang="en-US"/>
+          </a:p>
+        </p:txBody>
+      </p:sp>
+      <p:sp>
+        <p:nvSpPr>
+          <p:cNvPr id="23" name="テキスト ボックス 22">
+            <a:extLst>
+              <a:ext uri="{FF2B5EF4-FFF2-40B4-BE49-F238E27FC236}">
+                <a16:creationId xmlns:a16="http://schemas.microsoft.com/office/drawing/2014/main" id="{BC733505-348D-AEC7-7082-84B398BC9241}"/>
+              </a:ext>
+            </a:extLst>
+          </p:cNvPr>
+          <p:cNvSpPr txBox="1"/>
+          <p:nvPr/>
+        </p:nvSpPr>
+        <p:spPr>
+          <a:xfrm>
+            <a:off x="4635161" y="5126889"/>
+            <a:ext cx="2492990" cy="369332"/>
+          </a:xfrm>
+          <a:prstGeom prst="rect">
+            <a:avLst/>
+          </a:prstGeom>
+          <a:noFill/>
+        </p:spPr>
+        <p:txBody>
+          <a:bodyPr wrap="none" rtlCol="0">
+            <a:spAutoFit/>
+          </a:bodyPr>
+          <a:lstStyle/>
+          <a:p>
+            <a:r>
+              <a:rPr kumimoji="1" lang="ja-JP" altLang="en-US" b="1" dirty="0"/>
+              <a:t>床に掛かっている重さ</a:t>
+            </a:r>
+          </a:p>
+        </p:txBody>
+      </p:sp>
+      <p:cxnSp>
+        <p:nvCxnSpPr>
+          <p:cNvPr id="27" name="直線矢印コネクタ 26">
+            <a:extLst>
+              <a:ext uri="{FF2B5EF4-FFF2-40B4-BE49-F238E27FC236}">
+                <a16:creationId xmlns:a16="http://schemas.microsoft.com/office/drawing/2014/main" id="{4262607A-7C45-3625-0370-CAAA45E52411}"/>
+              </a:ext>
+            </a:extLst>
+          </p:cNvPr>
+          <p:cNvCxnSpPr>
+            <a:cxnSpLocks/>
+          </p:cNvCxnSpPr>
+          <p:nvPr/>
+        </p:nvCxnSpPr>
+        <p:spPr>
+          <a:xfrm>
+            <a:off x="5881656" y="3428999"/>
+            <a:ext cx="0" cy="1645110"/>
+          </a:xfrm>
+          <a:prstGeom prst="straightConnector1">
+            <a:avLst/>
+          </a:prstGeom>
+          <a:ln w="57150">
+            <a:solidFill>
+              <a:srgbClr val="00B050"/>
+            </a:solidFill>
+            <a:tailEnd type="triangle"/>
+          </a:ln>
+        </p:spPr>
+        <p:style>
+          <a:lnRef idx="1">
+            <a:schemeClr val="accent1"/>
+          </a:lnRef>
+          <a:fillRef idx="0">
+            <a:schemeClr val="accent1"/>
+          </a:fillRef>
+          <a:effectRef idx="0">
+            <a:schemeClr val="accent1"/>
+          </a:effectRef>
+          <a:fontRef idx="minor">
+            <a:schemeClr val="tx1"/>
+          </a:fontRef>
+        </p:style>
+      </p:cxnSp>
+      <p:cxnSp>
+        <p:nvCxnSpPr>
+          <p:cNvPr id="16" name="直線矢印コネクタ 15">
+            <a:extLst>
+              <a:ext uri="{FF2B5EF4-FFF2-40B4-BE49-F238E27FC236}">
+                <a16:creationId xmlns:a16="http://schemas.microsoft.com/office/drawing/2014/main" id="{064ECD36-ABAA-A75E-B717-37C0D05150F4}"/>
+              </a:ext>
+            </a:extLst>
+          </p:cNvPr>
+          <p:cNvCxnSpPr>
+            <a:cxnSpLocks/>
+          </p:cNvCxnSpPr>
+          <p:nvPr/>
+        </p:nvCxnSpPr>
+        <p:spPr>
+          <a:xfrm flipH="1">
+            <a:off x="3847415" y="4072602"/>
+            <a:ext cx="1139687" cy="0"/>
+          </a:xfrm>
+          <a:prstGeom prst="straightConnector1">
+            <a:avLst/>
+          </a:prstGeom>
+          <a:ln w="57150">
+            <a:solidFill>
+              <a:srgbClr val="FF0000"/>
+            </a:solidFill>
+            <a:tailEnd type="triangle"/>
+          </a:ln>
+        </p:spPr>
+        <p:style>
+          <a:lnRef idx="1">
+            <a:schemeClr val="accent1"/>
+          </a:lnRef>
+          <a:fillRef idx="0">
+            <a:schemeClr val="accent1"/>
+          </a:fillRef>
+          <a:effectRef idx="0">
+            <a:schemeClr val="accent1"/>
+          </a:effectRef>
+          <a:fontRef idx="minor">
+            <a:schemeClr val="tx1"/>
+          </a:fontRef>
+        </p:style>
+      </p:cxnSp>
+      <p:sp>
+        <p:nvSpPr>
+          <p:cNvPr id="21" name="矢印: 右 20">
+            <a:extLst>
+              <a:ext uri="{FF2B5EF4-FFF2-40B4-BE49-F238E27FC236}">
+                <a16:creationId xmlns:a16="http://schemas.microsoft.com/office/drawing/2014/main" id="{41C6DC0C-FFE9-9DB6-AA37-E6DF6EF8798A}"/>
+              </a:ext>
+            </a:extLst>
+          </p:cNvPr>
+          <p:cNvSpPr/>
+          <p:nvPr/>
+        </p:nvSpPr>
+        <p:spPr>
+          <a:xfrm>
+            <a:off x="2678125" y="2754105"/>
+            <a:ext cx="1621050" cy="842986"/>
+          </a:xfrm>
+          <a:prstGeom prst="rightArrow">
+            <a:avLst/>
+          </a:prstGeom>
+        </p:spPr>
+        <p:style>
+          <a:lnRef idx="2">
+            <a:schemeClr val="accent1">
+              <a:shade val="15000"/>
+            </a:schemeClr>
+          </a:lnRef>
+          <a:fillRef idx="1">
+            <a:schemeClr val="accent1"/>
+          </a:fillRef>
+          <a:effectRef idx="0">
+            <a:schemeClr val="accent1"/>
+          </a:effectRef>
+          <a:fontRef idx="minor">
+            <a:schemeClr val="lt1"/>
+          </a:fontRef>
+        </p:style>
+        <p:txBody>
+          <a:bodyPr rtlCol="0" anchor="ctr"/>
+          <a:lstStyle/>
+          <a:p>
+            <a:pPr algn="ctr"/>
+            <a:r>
+              <a:rPr kumimoji="1" lang="ja-JP" altLang="en-US" dirty="0"/>
+              <a:t>押す力</a:t>
+            </a:r>
+          </a:p>
+        </p:txBody>
+      </p:sp>
+      <p:sp>
+        <p:nvSpPr>
+          <p:cNvPr id="24" name="テキスト ボックス 23">
+            <a:extLst>
+              <a:ext uri="{FF2B5EF4-FFF2-40B4-BE49-F238E27FC236}">
+                <a16:creationId xmlns:a16="http://schemas.microsoft.com/office/drawing/2014/main" id="{E828C5DA-A514-BC36-DCAD-6817A0052B72}"/>
+              </a:ext>
+            </a:extLst>
+          </p:cNvPr>
+          <p:cNvSpPr txBox="1"/>
+          <p:nvPr/>
+        </p:nvSpPr>
+        <p:spPr>
+          <a:xfrm>
+            <a:off x="3978676" y="4229884"/>
+            <a:ext cx="877163" cy="369332"/>
+          </a:xfrm>
+          <a:prstGeom prst="rect">
+            <a:avLst/>
+          </a:prstGeom>
+          <a:noFill/>
+        </p:spPr>
+        <p:txBody>
+          <a:bodyPr wrap="none" rtlCol="0">
+            <a:spAutoFit/>
+          </a:bodyPr>
+          <a:lstStyle/>
+          <a:p>
+            <a:r>
+              <a:rPr kumimoji="1" lang="ja-JP" altLang="en-US" dirty="0"/>
+              <a:t>摩擦力</a:t>
+            </a:r>
+          </a:p>
+        </p:txBody>
+      </p:sp>
+    </p:spTree>
+    <p:extLst>
+      <p:ext uri="{BB962C8B-B14F-4D97-AF65-F5344CB8AC3E}">
+        <p14:creationId xmlns:p14="http://schemas.microsoft.com/office/powerpoint/2010/main" val="4226100559"/>
+      </p:ext>
+    </p:extLst>
+  </p:cSld>
+  <p:clrMapOvr>
+    <a:masterClrMapping/>
+  </p:clrMapOvr>
+</p:sld>
+</file>
+
 <file path=ppt/slides/slide3.xml><?xml version="1.0" encoding="utf-8"?>
 <p:sld xmlns:a="http://schemas.openxmlformats.org/drawingml/2006/main" xmlns:r="http://schemas.openxmlformats.org/officeDocument/2006/relationships" xmlns:p="http://schemas.openxmlformats.org/presentationml/2006/main">
   <p:cSld>

--- a/数学用図形.pptx
+++ b/数学用図形.pptx
@@ -32,6 +32,7 @@
     <p:sldId id="283" r:id="rId26"/>
     <p:sldId id="284" r:id="rId27"/>
     <p:sldId id="285" r:id="rId28"/>
+    <p:sldId id="286" r:id="rId29"/>
   </p:sldIdLst>
   <p:sldSz cx="12192000" cy="6858000"/>
   <p:notesSz cx="6858000" cy="9144000"/>
@@ -2389,6 +2390,146 @@
 </inkml:ink>
 </file>
 
+<file path=ppt/ink/ink85.xml><?xml version="1.0" encoding="utf-8"?>
+<inkml:ink xmlns:inkml="http://www.w3.org/2003/InkML">
+  <inkml:definitions>
+    <inkml:context xml:id="ctx0">
+      <inkml:inkSource xml:id="inkSrc0">
+        <inkml:traceFormat>
+          <inkml:channel name="X" type="integer" min="-2.14748E9" max="2.14748E9" units="cm"/>
+          <inkml:channel name="Y" type="integer" min="-2.14748E9" max="2.14748E9" units="cm"/>
+          <inkml:channel name="F" type="integer" max="32767" units="dev"/>
+        </inkml:traceFormat>
+        <inkml:channelProperties>
+          <inkml:channelProperty channel="X" name="resolution" value="1000" units="1/cm"/>
+          <inkml:channelProperty channel="Y" name="resolution" value="1000" units="1/cm"/>
+          <inkml:channelProperty channel="F" name="resolution" value="0" units="1/dev"/>
+        </inkml:channelProperties>
+      </inkml:inkSource>
+      <inkml:timestamp xml:id="ts0" timeString="2024-07-04T23:51:47.180"/>
+    </inkml:context>
+    <inkml:brush xml:id="br0">
+      <inkml:brushProperty name="width" value="0.035" units="cm"/>
+      <inkml:brushProperty name="height" value="0.035" units="cm"/>
+      <inkml:brushProperty name="color" value="#E71224"/>
+    </inkml:brush>
+  </inkml:definitions>
+  <inkml:trace contextRef="#ctx0" brushRef="#br0">1 0 24575,'1'5'0,"1"-1"0,-1 0 0,1-1 0,0 1 0,0 0 0,1 0 0,-1-1 0,1 1 0,0-1 0,3 3 0,8 12 0,28 42 0,-29-43 0,0 1 0,20 37 0,45 120 0,-68-150 0,-2-1 0,0 1 0,-2 1 0,6 38 0,-7-35 0,14 41 0,-12-49 0,-1 0 0,-1 0 0,-1 0 0,1 32 0,-6 445 0,0-484 11,0 0 1,-1 0-1,-6 20 0,0 0-1421,5-15-5416</inkml:trace>
+</inkml:ink>
+</file>
+
+<file path=ppt/ink/ink86.xml><?xml version="1.0" encoding="utf-8"?>
+<inkml:ink xmlns:inkml="http://www.w3.org/2003/InkML">
+  <inkml:definitions>
+    <inkml:context xml:id="ctx0">
+      <inkml:inkSource xml:id="inkSrc0">
+        <inkml:traceFormat>
+          <inkml:channel name="X" type="integer" min="-2.14748E9" max="2.14748E9" units="cm"/>
+          <inkml:channel name="Y" type="integer" min="-2.14748E9" max="2.14748E9" units="cm"/>
+          <inkml:channel name="F" type="integer" max="32767" units="dev"/>
+        </inkml:traceFormat>
+        <inkml:channelProperties>
+          <inkml:channelProperty channel="X" name="resolution" value="1000" units="1/cm"/>
+          <inkml:channelProperty channel="Y" name="resolution" value="1000" units="1/cm"/>
+          <inkml:channelProperty channel="F" name="resolution" value="0" units="1/dev"/>
+        </inkml:channelProperties>
+      </inkml:inkSource>
+      <inkml:timestamp xml:id="ts0" timeString="2024-07-04T23:51:50.103"/>
+    </inkml:context>
+    <inkml:brush xml:id="br0">
+      <inkml:brushProperty name="width" value="0.035" units="cm"/>
+      <inkml:brushProperty name="height" value="0.035" units="cm"/>
+      <inkml:brushProperty name="color" value="#E71224"/>
+    </inkml:brush>
+  </inkml:definitions>
+  <inkml:trace contextRef="#ctx0" brushRef="#br0">529 1 24575,'-4'0'0,"-17"0"0,0 1 0,-39 5 0,54-4 0,0-1 0,0 1 0,0 0 0,0 1 0,0-1 0,0 1 0,0 0 0,1 1 0,-1-1 0,1 1 0,0 0 0,1 1 0,-8 6 0,-7 10 0,-1-1 0,-28 20 0,25-22 0,2 1 0,-24 26 0,23-18 0,0 0 0,-19 35 0,33-49 0,2 0 0,0 1 0,0-1 0,1 1 0,1 0 0,0 0 0,-3 28 0,4 30 0,2-46 0,-1 1 0,-8 43 0,4-27 0,1 1 0,2 0 0,5 85 0,0-33 0,-2-93 0,-1 19 0,1 0 0,1 0 0,1 0 0,1 0 0,1 0 0,0 0 0,11 28 0,-8-32 0,1-1 0,1 0 0,0 0 0,1-1 0,0 0 0,2-1 0,0 0 0,0-1 0,1 0 0,16 12 0,21 14 0,-28-22 0,1-1 0,40 24 0,-52-35 0,1 0 0,1 0 0,-1-1 0,1-1 0,0 0 0,0 0 0,0-2 0,0 1 0,1-2 0,14 1 0,76-4-1365,-81 2-5461</inkml:trace>
+</inkml:ink>
+</file>
+
+<file path=ppt/ink/ink87.xml><?xml version="1.0" encoding="utf-8"?>
+<inkml:ink xmlns:inkml="http://www.w3.org/2003/InkML">
+  <inkml:definitions>
+    <inkml:context xml:id="ctx0">
+      <inkml:inkSource xml:id="inkSrc0">
+        <inkml:traceFormat>
+          <inkml:channel name="X" type="integer" min="-2.14748E9" max="2.14748E9" units="cm"/>
+          <inkml:channel name="Y" type="integer" min="-2.14748E9" max="2.14748E9" units="cm"/>
+          <inkml:channel name="F" type="integer" max="32767" units="dev"/>
+        </inkml:traceFormat>
+        <inkml:channelProperties>
+          <inkml:channelProperty channel="X" name="resolution" value="1000" units="1/cm"/>
+          <inkml:channelProperty channel="Y" name="resolution" value="1000" units="1/cm"/>
+          <inkml:channelProperty channel="F" name="resolution" value="0" units="1/dev"/>
+        </inkml:channelProperties>
+      </inkml:inkSource>
+      <inkml:timestamp xml:id="ts0" timeString="2024-07-04T23:51:53.275"/>
+    </inkml:context>
+    <inkml:brush xml:id="br0">
+      <inkml:brushProperty name="width" value="0.035" units="cm"/>
+      <inkml:brushProperty name="height" value="0.035" units="cm"/>
+      <inkml:brushProperty name="color" value="#E71224"/>
+    </inkml:brush>
+  </inkml:definitions>
+  <inkml:trace contextRef="#ctx0" brushRef="#br0">166 0 24575,'1'4'0,"1"0"0,-1 0 0,1 0 0,0 0 0,1-1 0,-1 1 0,1-1 0,-1 0 0,1 0 0,0 1 0,0-2 0,5 4 0,0 3 0,132 161 0,-127-151 0,0-1 0,-1 2 0,10 24 0,-18-37 0,-1 0 0,-1 1 0,1-1 0,-1 1 0,0-1 0,-1 1 0,0 0 0,0 0 0,-1 0 0,0-1 0,0 1 0,-3 14 0,0-14 0,-1 1 0,0-1 0,0 0 0,-1 0 0,0 0 0,0-1 0,-1 1 0,0-1 0,-1-1 0,1 1 0,-1-1 0,0 0 0,-9 5 0,-24 23 0,15-12 0,-2-1 0,-1 0 0,-30 15 0,28-18 0,1 2 0,-47 39 0,62-47-1365,2-2-5461</inkml:trace>
+</inkml:ink>
+</file>
+
+<file path=ppt/ink/ink88.xml><?xml version="1.0" encoding="utf-8"?>
+<inkml:ink xmlns:inkml="http://www.w3.org/2003/InkML">
+  <inkml:definitions>
+    <inkml:context xml:id="ctx0">
+      <inkml:inkSource xml:id="inkSrc0">
+        <inkml:traceFormat>
+          <inkml:channel name="X" type="integer" min="-2.14748E9" max="2.14748E9" units="cm"/>
+          <inkml:channel name="Y" type="integer" min="-2.14748E9" max="2.14748E9" units="cm"/>
+          <inkml:channel name="F" type="integer" max="32767" units="dev"/>
+        </inkml:traceFormat>
+        <inkml:channelProperties>
+          <inkml:channelProperty channel="X" name="resolution" value="1000" units="1/cm"/>
+          <inkml:channelProperty channel="Y" name="resolution" value="1000" units="1/cm"/>
+          <inkml:channelProperty channel="F" name="resolution" value="0" units="1/dev"/>
+        </inkml:channelProperties>
+      </inkml:inkSource>
+      <inkml:timestamp xml:id="ts0" timeString="2024-07-04T23:52:34.200"/>
+    </inkml:context>
+    <inkml:brush xml:id="br0">
+      <inkml:brushProperty name="width" value="0.035" units="cm"/>
+      <inkml:brushProperty name="height" value="0.035" units="cm"/>
+      <inkml:brushProperty name="color" value="#E71224"/>
+    </inkml:brush>
+  </inkml:definitions>
+  <inkml:trace contextRef="#ctx0" brushRef="#br0">0 29 24575,'411'0'0,"-379"-2"0,60-10 0,-60 6 0,58-3 0,1009 10-1365,-1077-1-5461</inkml:trace>
+</inkml:ink>
+</file>
+
+<file path=ppt/ink/ink89.xml><?xml version="1.0" encoding="utf-8"?>
+<inkml:ink xmlns:inkml="http://www.w3.org/2003/InkML">
+  <inkml:definitions>
+    <inkml:context xml:id="ctx0">
+      <inkml:inkSource xml:id="inkSrc0">
+        <inkml:traceFormat>
+          <inkml:channel name="X" type="integer" min="-2.14748E9" max="2.14748E9" units="cm"/>
+          <inkml:channel name="Y" type="integer" min="-2.14748E9" max="2.14748E9" units="cm"/>
+          <inkml:channel name="F" type="integer" max="32767" units="dev"/>
+        </inkml:traceFormat>
+        <inkml:channelProperties>
+          <inkml:channelProperty channel="X" name="resolution" value="1000" units="1/cm"/>
+          <inkml:channelProperty channel="Y" name="resolution" value="1000" units="1/cm"/>
+          <inkml:channelProperty channel="F" name="resolution" value="0" units="1/dev"/>
+        </inkml:channelProperties>
+      </inkml:inkSource>
+      <inkml:timestamp xml:id="ts0" timeString="2024-07-04T23:52:48.053"/>
+    </inkml:context>
+    <inkml:brush xml:id="br0">
+      <inkml:brushProperty name="width" value="0.035" units="cm"/>
+      <inkml:brushProperty name="height" value="0.035" units="cm"/>
+      <inkml:brushProperty name="color" value="#E71224"/>
+    </inkml:brush>
+  </inkml:definitions>
+  <inkml:trace contextRef="#ctx0" brushRef="#br0">396 1 24575,'-15'0'0,"-1"2"0,1 0 0,0 0 0,0 2 0,0-1 0,0 2 0,1 0 0,0 1 0,0 1 0,-15 8 0,11-4 0,1 1 0,0 1 0,0 1 0,2 0 0,-1 1 0,-22 29 0,33-36 0,0 1 0,1-1 0,0 1 0,1-1 0,0 1 0,1 0 0,-1 0 0,2 0 0,-2 10 0,-8 34 0,2-25 0,1 0 0,1 1 0,-5 57 0,11-77 0,1-1 0,1 0 0,-1 1 0,1-1 0,0 1 0,1-1 0,0 0 0,1 0 0,0 0 0,0 0 0,0 0 0,1 0 0,0-1 0,1 0 0,-1 0 0,1 0 0,1 0 0,7 7 0,-2-5 0,-1-1 0,1 0 0,1 0 0,-1-1 0,1-1 0,0 0 0,1-1 0,0 0 0,-1-1 0,2 0 0,-1-1 0,14 1 0,19 1 0,0-3 0,57-3 0,-26-1 0,-71 2 0,1 0 0,-1 0 0,1-1 0,-1 0 0,0 0 0,1 0 0,-1-1 0,0 0 0,0 0 0,0-1 0,0 0 0,0 0 0,-1 0 0,1-1 0,-1 0 0,0 0 0,0 0 0,0 0 0,-1-1 0,1 0 0,-1 0 0,0 0 0,-1 0 0,1-1 0,-1 1 0,0-1 0,0 0 0,-1 0 0,0 0 0,0-1 0,0 1 0,1-10 0,-2 6 0,0 0 0,-1-1 0,0 1 0,-1 0 0,0 0 0,0 0 0,-1 0 0,-3-10 0,3 16 0,0-1 0,0 0 0,0 1 0,-1-1 0,0 1 0,0 0 0,0 0 0,0 0 0,-1 0 0,1 1 0,-1-1 0,0 1 0,0 0 0,0 0 0,-1 0 0,1 1 0,-9-4 0,-7-2 0,0 2 0,0 0 0,0 0 0,-1 2 0,-25-2 0,-104 3 0,102 4 0,28-1-109,-9-1-142,1 2-1,-1 1 1,1 1 0,-31 8 0,41-7-6575</inkml:trace>
+</inkml:ink>
+</file>
+
 <file path=ppt/ink/ink9.xml><?xml version="1.0" encoding="utf-8"?>
 <inkml:ink xmlns:inkml="http://www.w3.org/2003/InkML">
   <inkml:definitions>
@@ -2413,6 +2554,118 @@
     </inkml:brush>
   </inkml:definitions>
   <inkml:trace contextRef="#ctx0" brushRef="#br0">0 1 24575,'0'6'0,"0"9"0,0 8 0,0 6 0,0 5 0,0-4-8191</inkml:trace>
+</inkml:ink>
+</file>
+
+<file path=ppt/ink/ink90.xml><?xml version="1.0" encoding="utf-8"?>
+<inkml:ink xmlns:inkml="http://www.w3.org/2003/InkML">
+  <inkml:definitions>
+    <inkml:context xml:id="ctx0">
+      <inkml:inkSource xml:id="inkSrc0">
+        <inkml:traceFormat>
+          <inkml:channel name="X" type="integer" min="-2.14748E9" max="2.14748E9" units="cm"/>
+          <inkml:channel name="Y" type="integer" min="-2.14748E9" max="2.14748E9" units="cm"/>
+          <inkml:channel name="F" type="integer" max="32767" units="dev"/>
+        </inkml:traceFormat>
+        <inkml:channelProperties>
+          <inkml:channelProperty channel="X" name="resolution" value="1000" units="1/cm"/>
+          <inkml:channelProperty channel="Y" name="resolution" value="1000" units="1/cm"/>
+          <inkml:channelProperty channel="F" name="resolution" value="0" units="1/dev"/>
+        </inkml:channelProperties>
+      </inkml:inkSource>
+      <inkml:timestamp xml:id="ts0" timeString="2024-07-04T23:52:48.871"/>
+    </inkml:context>
+    <inkml:brush xml:id="br0">
+      <inkml:brushProperty name="width" value="0.035" units="cm"/>
+      <inkml:brushProperty name="height" value="0.035" units="cm"/>
+      <inkml:brushProperty name="color" value="#E71224"/>
+    </inkml:brush>
+  </inkml:definitions>
+  <inkml:trace contextRef="#ctx0" brushRef="#br0">2 1 24575,'0'35'0,"-1"22"0,3-1 0,13 85 0,-2-52 0,-9-55 0,1 1 0,19 58 0,-18-73-1365,-1-2-5461</inkml:trace>
+</inkml:ink>
+</file>
+
+<file path=ppt/ink/ink91.xml><?xml version="1.0" encoding="utf-8"?>
+<inkml:ink xmlns:inkml="http://www.w3.org/2003/InkML">
+  <inkml:definitions>
+    <inkml:context xml:id="ctx0">
+      <inkml:inkSource xml:id="inkSrc0">
+        <inkml:traceFormat>
+          <inkml:channel name="X" type="integer" min="-2.14748E9" max="2.14748E9" units="cm"/>
+          <inkml:channel name="Y" type="integer" min="-2.14748E9" max="2.14748E9" units="cm"/>
+          <inkml:channel name="F" type="integer" max="32767" units="dev"/>
+        </inkml:traceFormat>
+        <inkml:channelProperties>
+          <inkml:channelProperty channel="X" name="resolution" value="1000" units="1/cm"/>
+          <inkml:channelProperty channel="Y" name="resolution" value="1000" units="1/cm"/>
+          <inkml:channelProperty channel="F" name="resolution" value="0" units="1/dev"/>
+        </inkml:channelProperties>
+      </inkml:inkSource>
+      <inkml:timestamp xml:id="ts0" timeString="2024-07-04T23:52:49.657"/>
+    </inkml:context>
+    <inkml:brush xml:id="br0">
+      <inkml:brushProperty name="width" value="0.035" units="cm"/>
+      <inkml:brushProperty name="height" value="0.035" units="cm"/>
+      <inkml:brushProperty name="color" value="#E71224"/>
+    </inkml:brush>
+  </inkml:definitions>
+  <inkml:trace contextRef="#ctx0" brushRef="#br0">1 1 24575,'917'0'-1365,"-894"0"-5461</inkml:trace>
+</inkml:ink>
+</file>
+
+<file path=ppt/ink/ink92.xml><?xml version="1.0" encoding="utf-8"?>
+<inkml:ink xmlns:inkml="http://www.w3.org/2003/InkML">
+  <inkml:definitions>
+    <inkml:context xml:id="ctx0">
+      <inkml:inkSource xml:id="inkSrc0">
+        <inkml:traceFormat>
+          <inkml:channel name="X" type="integer" min="-2.14748E9" max="2.14748E9" units="cm"/>
+          <inkml:channel name="Y" type="integer" min="-2.14748E9" max="2.14748E9" units="cm"/>
+          <inkml:channel name="F" type="integer" max="32767" units="dev"/>
+        </inkml:traceFormat>
+        <inkml:channelProperties>
+          <inkml:channelProperty channel="X" name="resolution" value="1000" units="1/cm"/>
+          <inkml:channelProperty channel="Y" name="resolution" value="1000" units="1/cm"/>
+          <inkml:channelProperty channel="F" name="resolution" value="0" units="1/dev"/>
+        </inkml:channelProperties>
+      </inkml:inkSource>
+      <inkml:timestamp xml:id="ts0" timeString="2024-07-04T23:52:50.289"/>
+    </inkml:context>
+    <inkml:brush xml:id="br0">
+      <inkml:brushProperty name="width" value="0.035" units="cm"/>
+      <inkml:brushProperty name="height" value="0.035" units="cm"/>
+      <inkml:brushProperty name="color" value="#E71224"/>
+    </inkml:brush>
+  </inkml:definitions>
+  <inkml:trace contextRef="#ctx0" brushRef="#br0">352 0 24575,'-1'17'0,"-1"-1"0,-1 0 0,0 0 0,-1 0 0,-11 26 0,-5 19 0,17-48 0,-2 0 0,0 0 0,0-1 0,-2 1 0,1-1 0,-1-1 0,-17 22 0,7-15 0,0 0 0,-1-1 0,-30 23 0,24-21-101,-25 18 325,46-35-331,0 0 1,0 0 0,-1-1-1,1 1 1,-1-1 0,0 0 0,1 0-1,-1 0 1,0-1 0,1 1 0,-1-1-1,0 0 1,-4 0 0,-7-3-6720</inkml:trace>
+</inkml:ink>
+</file>
+
+<file path=ppt/ink/ink93.xml><?xml version="1.0" encoding="utf-8"?>
+<inkml:ink xmlns:inkml="http://www.w3.org/2003/InkML">
+  <inkml:definitions>
+    <inkml:context xml:id="ctx0">
+      <inkml:inkSource xml:id="inkSrc0">
+        <inkml:traceFormat>
+          <inkml:channel name="X" type="integer" min="-2.14748E9" max="2.14748E9" units="cm"/>
+          <inkml:channel name="Y" type="integer" min="-2.14748E9" max="2.14748E9" units="cm"/>
+          <inkml:channel name="F" type="integer" max="32767" units="dev"/>
+        </inkml:traceFormat>
+        <inkml:channelProperties>
+          <inkml:channelProperty channel="X" name="resolution" value="1000" units="1/cm"/>
+          <inkml:channelProperty channel="Y" name="resolution" value="1000" units="1/cm"/>
+          <inkml:channelProperty channel="F" name="resolution" value="0" units="1/dev"/>
+        </inkml:channelProperties>
+      </inkml:inkSource>
+      <inkml:timestamp xml:id="ts0" timeString="2024-07-04T23:52:51.022"/>
+    </inkml:context>
+    <inkml:brush xml:id="br0">
+      <inkml:brushProperty name="width" value="0.035" units="cm"/>
+      <inkml:brushProperty name="height" value="0.035" units="cm"/>
+      <inkml:brushProperty name="color" value="#E71224"/>
+    </inkml:brush>
+  </inkml:definitions>
+  <inkml:trace contextRef="#ctx0" brushRef="#br0">2 1 24575,'0'42'0,"-1"-12"0,4 37 0,-2-57 0,1 1 0,0-1 0,0 0 0,1 0 0,1 0 0,0-1 0,7 14 0,-9-19 0,0 0 0,1-1 0,-1 1 0,1 0 0,0-1 0,0 1 0,1-1 0,-1 0 0,1 0 0,-1 0 0,1-1 0,0 1 0,8 3 0,-4-4 0,0 0 0,0 0 0,1 0 0,-1-1 0,0 0 0,16-1 0,17 1 0,156-6 0,-176 1-227,0-2-1,0 0 1,-1-1-1,0-1 1,31-16-1,-37 16-6598</inkml:trace>
 </inkml:ink>
 </file>
 
@@ -2563,7 +2816,7 @@
           <a:p>
             <a:fld id="{B10628C9-5609-4CD9-B2CE-2EE4BC5A64D5}" type="datetimeFigureOut">
               <a:rPr kumimoji="1" lang="ja-JP" altLang="en-US" smtClean="0"/>
-              <a:t>2024/7/4</a:t>
+              <a:t>2024/7/5</a:t>
             </a:fld>
             <a:endParaRPr kumimoji="1" lang="ja-JP" altLang="en-US"/>
           </a:p>
@@ -2793,7 +3046,7 @@
           <a:p>
             <a:fld id="{B10628C9-5609-4CD9-B2CE-2EE4BC5A64D5}" type="datetimeFigureOut">
               <a:rPr kumimoji="1" lang="ja-JP" altLang="en-US" smtClean="0"/>
-              <a:t>2024/7/4</a:t>
+              <a:t>2024/7/5</a:t>
             </a:fld>
             <a:endParaRPr kumimoji="1" lang="ja-JP" altLang="en-US"/>
           </a:p>
@@ -3033,7 +3286,7 @@
           <a:p>
             <a:fld id="{B10628C9-5609-4CD9-B2CE-2EE4BC5A64D5}" type="datetimeFigureOut">
               <a:rPr kumimoji="1" lang="ja-JP" altLang="en-US" smtClean="0"/>
-              <a:t>2024/7/4</a:t>
+              <a:t>2024/7/5</a:t>
             </a:fld>
             <a:endParaRPr kumimoji="1" lang="ja-JP" altLang="en-US"/>
           </a:p>
@@ -3263,7 +3516,7 @@
           <a:p>
             <a:fld id="{B10628C9-5609-4CD9-B2CE-2EE4BC5A64D5}" type="datetimeFigureOut">
               <a:rPr kumimoji="1" lang="ja-JP" altLang="en-US" smtClean="0"/>
-              <a:t>2024/7/4</a:t>
+              <a:t>2024/7/5</a:t>
             </a:fld>
             <a:endParaRPr kumimoji="1" lang="ja-JP" altLang="en-US"/>
           </a:p>
@@ -3538,7 +3791,7 @@
           <a:p>
             <a:fld id="{B10628C9-5609-4CD9-B2CE-2EE4BC5A64D5}" type="datetimeFigureOut">
               <a:rPr kumimoji="1" lang="ja-JP" altLang="en-US" smtClean="0"/>
-              <a:t>2024/7/4</a:t>
+              <a:t>2024/7/5</a:t>
             </a:fld>
             <a:endParaRPr kumimoji="1" lang="ja-JP" altLang="en-US"/>
           </a:p>
@@ -3867,7 +4120,7 @@
           <a:p>
             <a:fld id="{B10628C9-5609-4CD9-B2CE-2EE4BC5A64D5}" type="datetimeFigureOut">
               <a:rPr kumimoji="1" lang="ja-JP" altLang="en-US" smtClean="0"/>
-              <a:t>2024/7/4</a:t>
+              <a:t>2024/7/5</a:t>
             </a:fld>
             <a:endParaRPr kumimoji="1" lang="ja-JP" altLang="en-US"/>
           </a:p>
@@ -4343,7 +4596,7 @@
           <a:p>
             <a:fld id="{B10628C9-5609-4CD9-B2CE-2EE4BC5A64D5}" type="datetimeFigureOut">
               <a:rPr kumimoji="1" lang="ja-JP" altLang="en-US" smtClean="0"/>
-              <a:t>2024/7/4</a:t>
+              <a:t>2024/7/5</a:t>
             </a:fld>
             <a:endParaRPr kumimoji="1" lang="ja-JP" altLang="en-US"/>
           </a:p>
@@ -4484,7 +4737,7 @@
           <a:p>
             <a:fld id="{B10628C9-5609-4CD9-B2CE-2EE4BC5A64D5}" type="datetimeFigureOut">
               <a:rPr kumimoji="1" lang="ja-JP" altLang="en-US" smtClean="0"/>
-              <a:t>2024/7/4</a:t>
+              <a:t>2024/7/5</a:t>
             </a:fld>
             <a:endParaRPr kumimoji="1" lang="ja-JP" altLang="en-US"/>
           </a:p>
@@ -4597,7 +4850,7 @@
           <a:p>
             <a:fld id="{B10628C9-5609-4CD9-B2CE-2EE4BC5A64D5}" type="datetimeFigureOut">
               <a:rPr kumimoji="1" lang="ja-JP" altLang="en-US" smtClean="0"/>
-              <a:t>2024/7/4</a:t>
+              <a:t>2024/7/5</a:t>
             </a:fld>
             <a:endParaRPr kumimoji="1" lang="ja-JP" altLang="en-US"/>
           </a:p>
@@ -4940,7 +5193,7 @@
           <a:p>
             <a:fld id="{B10628C9-5609-4CD9-B2CE-2EE4BC5A64D5}" type="datetimeFigureOut">
               <a:rPr kumimoji="1" lang="ja-JP" altLang="en-US" smtClean="0"/>
-              <a:t>2024/7/4</a:t>
+              <a:t>2024/7/5</a:t>
             </a:fld>
             <a:endParaRPr kumimoji="1" lang="ja-JP" altLang="en-US"/>
           </a:p>
@@ -5228,7 +5481,7 @@
           <a:p>
             <a:fld id="{B10628C9-5609-4CD9-B2CE-2EE4BC5A64D5}" type="datetimeFigureOut">
               <a:rPr kumimoji="1" lang="ja-JP" altLang="en-US" smtClean="0"/>
-              <a:t>2024/7/4</a:t>
+              <a:t>2024/7/5</a:t>
             </a:fld>
             <a:endParaRPr kumimoji="1" lang="ja-JP" altLang="en-US"/>
           </a:p>
@@ -5501,7 +5754,7 @@
           <a:p>
             <a:fld id="{B10628C9-5609-4CD9-B2CE-2EE4BC5A64D5}" type="datetimeFigureOut">
               <a:rPr kumimoji="1" lang="ja-JP" altLang="en-US" smtClean="0"/>
-              <a:t>2024/7/4</a:t>
+              <a:t>2024/7/5</a:t>
             </a:fld>
             <a:endParaRPr kumimoji="1" lang="ja-JP" altLang="en-US"/>
           </a:p>
@@ -18850,6 +19103,828 @@
 </p:sld>
 </file>
 
+<file path=ppt/slides/slide28.xml><?xml version="1.0" encoding="utf-8"?>
+<p:sld xmlns:a="http://schemas.openxmlformats.org/drawingml/2006/main" xmlns:r="http://schemas.openxmlformats.org/officeDocument/2006/relationships" xmlns:p="http://schemas.openxmlformats.org/presentationml/2006/main">
+  <p:cSld>
+    <p:spTree>
+      <p:nvGrpSpPr>
+        <p:cNvPr id="1" name=""/>
+        <p:cNvGrpSpPr/>
+        <p:nvPr/>
+      </p:nvGrpSpPr>
+      <p:grpSpPr>
+        <a:xfrm>
+          <a:off x="0" y="0"/>
+          <a:ext cx="0" cy="0"/>
+          <a:chOff x="0" y="0"/>
+          <a:chExt cx="0" cy="0"/>
+        </a:xfrm>
+      </p:grpSpPr>
+      <p:cxnSp>
+        <p:nvCxnSpPr>
+          <p:cNvPr id="2" name="直線コネクタ 1">
+            <a:extLst>
+              <a:ext uri="{FF2B5EF4-FFF2-40B4-BE49-F238E27FC236}">
+                <a16:creationId xmlns:a16="http://schemas.microsoft.com/office/drawing/2014/main" id="{BFD53461-0E6E-F4E5-D7EC-FC8AE26C23EF}"/>
+              </a:ext>
+            </a:extLst>
+          </p:cNvPr>
+          <p:cNvCxnSpPr/>
+          <p:nvPr/>
+        </p:nvCxnSpPr>
+        <p:spPr>
+          <a:xfrm flipV="1">
+            <a:off x="3597455" y="2038729"/>
+            <a:ext cx="5181600" cy="3604591"/>
+          </a:xfrm>
+          <a:prstGeom prst="line">
+            <a:avLst/>
+          </a:prstGeom>
+          <a:ln w="57150">
+            <a:solidFill>
+              <a:srgbClr val="FFFF00"/>
+            </a:solidFill>
+          </a:ln>
+        </p:spPr>
+        <p:style>
+          <a:lnRef idx="1">
+            <a:schemeClr val="accent1"/>
+          </a:lnRef>
+          <a:fillRef idx="0">
+            <a:schemeClr val="accent1"/>
+          </a:fillRef>
+          <a:effectRef idx="0">
+            <a:schemeClr val="accent1"/>
+          </a:effectRef>
+          <a:fontRef idx="minor">
+            <a:schemeClr val="tx1"/>
+          </a:fontRef>
+        </p:style>
+      </p:cxnSp>
+      <p:sp>
+        <p:nvSpPr>
+          <p:cNvPr id="3" name="正方形/長方形 2">
+            <a:extLst>
+              <a:ext uri="{FF2B5EF4-FFF2-40B4-BE49-F238E27FC236}">
+                <a16:creationId xmlns:a16="http://schemas.microsoft.com/office/drawing/2014/main" id="{DF852CD5-F98A-E28C-549A-277B72646E17}"/>
+              </a:ext>
+            </a:extLst>
+          </p:cNvPr>
+          <p:cNvSpPr/>
+          <p:nvPr/>
+        </p:nvSpPr>
+        <p:spPr>
+          <a:xfrm rot="19537651">
+            <a:off x="4320207" y="2298760"/>
+            <a:ext cx="2915478" cy="1577009"/>
+          </a:xfrm>
+          <a:prstGeom prst="rect">
+            <a:avLst/>
+          </a:prstGeom>
+        </p:spPr>
+        <p:style>
+          <a:lnRef idx="2">
+            <a:schemeClr val="accent1">
+              <a:shade val="15000"/>
+            </a:schemeClr>
+          </a:lnRef>
+          <a:fillRef idx="1">
+            <a:schemeClr val="accent1"/>
+          </a:fillRef>
+          <a:effectRef idx="0">
+            <a:schemeClr val="accent1"/>
+          </a:effectRef>
+          <a:fontRef idx="minor">
+            <a:schemeClr val="lt1"/>
+          </a:fontRef>
+        </p:style>
+        <p:txBody>
+          <a:bodyPr rtlCol="0" anchor="ctr"/>
+          <a:lstStyle/>
+          <a:p>
+            <a:pPr algn="ctr"/>
+            <a:endParaRPr kumimoji="1" lang="ja-JP" altLang="en-US"/>
+          </a:p>
+        </p:txBody>
+      </p:sp>
+      <p:cxnSp>
+        <p:nvCxnSpPr>
+          <p:cNvPr id="4" name="直線矢印コネクタ 3">
+            <a:extLst>
+              <a:ext uri="{FF2B5EF4-FFF2-40B4-BE49-F238E27FC236}">
+                <a16:creationId xmlns:a16="http://schemas.microsoft.com/office/drawing/2014/main" id="{1DB610A1-BD20-4D07-C751-76D2AF2A7948}"/>
+              </a:ext>
+            </a:extLst>
+          </p:cNvPr>
+          <p:cNvCxnSpPr/>
+          <p:nvPr/>
+        </p:nvCxnSpPr>
+        <p:spPr>
+          <a:xfrm>
+            <a:off x="5808767" y="3295748"/>
+            <a:ext cx="0" cy="1643270"/>
+          </a:xfrm>
+          <a:prstGeom prst="straightConnector1">
+            <a:avLst/>
+          </a:prstGeom>
+          <a:ln w="57150">
+            <a:solidFill>
+              <a:srgbClr val="FF0000"/>
+            </a:solidFill>
+            <a:tailEnd type="triangle"/>
+          </a:ln>
+        </p:spPr>
+        <p:style>
+          <a:lnRef idx="1">
+            <a:schemeClr val="accent1"/>
+          </a:lnRef>
+          <a:fillRef idx="0">
+            <a:schemeClr val="accent1"/>
+          </a:fillRef>
+          <a:effectRef idx="0">
+            <a:schemeClr val="accent1"/>
+          </a:effectRef>
+          <a:fontRef idx="minor">
+            <a:schemeClr val="tx1"/>
+          </a:fontRef>
+        </p:style>
+      </p:cxnSp>
+      <p:sp>
+        <p:nvSpPr>
+          <p:cNvPr id="7" name="テキスト ボックス 6">
+            <a:extLst>
+              <a:ext uri="{FF2B5EF4-FFF2-40B4-BE49-F238E27FC236}">
+                <a16:creationId xmlns:a16="http://schemas.microsoft.com/office/drawing/2014/main" id="{973192F5-CFCA-FB2D-586D-910360AD8A7F}"/>
+              </a:ext>
+            </a:extLst>
+          </p:cNvPr>
+          <p:cNvSpPr txBox="1"/>
+          <p:nvPr/>
+        </p:nvSpPr>
+        <p:spPr>
+          <a:xfrm>
+            <a:off x="5284089" y="4994967"/>
+            <a:ext cx="1107996" cy="369332"/>
+          </a:xfrm>
+          <a:prstGeom prst="rect">
+            <a:avLst/>
+          </a:prstGeom>
+          <a:noFill/>
+        </p:spPr>
+        <p:txBody>
+          <a:bodyPr wrap="none" rtlCol="0">
+            <a:spAutoFit/>
+          </a:bodyPr>
+          <a:lstStyle/>
+          <a:p>
+            <a:r>
+              <a:rPr kumimoji="1" lang="ja-JP" altLang="en-US" b="1" dirty="0"/>
+              <a:t>重力方向</a:t>
+            </a:r>
+          </a:p>
+        </p:txBody>
+      </p:sp>
+      <p:cxnSp>
+        <p:nvCxnSpPr>
+          <p:cNvPr id="9" name="直線コネクタ 8">
+            <a:extLst>
+              <a:ext uri="{FF2B5EF4-FFF2-40B4-BE49-F238E27FC236}">
+                <a16:creationId xmlns:a16="http://schemas.microsoft.com/office/drawing/2014/main" id="{C327D80E-18AF-CFBA-9D04-1FE138898D9C}"/>
+              </a:ext>
+            </a:extLst>
+          </p:cNvPr>
+          <p:cNvCxnSpPr>
+            <a:cxnSpLocks/>
+          </p:cNvCxnSpPr>
+          <p:nvPr/>
+        </p:nvCxnSpPr>
+        <p:spPr>
+          <a:xfrm>
+            <a:off x="3597455" y="5624467"/>
+            <a:ext cx="7833674" cy="0"/>
+          </a:xfrm>
+          <a:prstGeom prst="line">
+            <a:avLst/>
+          </a:prstGeom>
+          <a:ln w="57150">
+            <a:solidFill>
+              <a:srgbClr val="FFFF00"/>
+            </a:solidFill>
+          </a:ln>
+        </p:spPr>
+        <p:style>
+          <a:lnRef idx="1">
+            <a:schemeClr val="accent1"/>
+          </a:lnRef>
+          <a:fillRef idx="0">
+            <a:schemeClr val="accent1"/>
+          </a:fillRef>
+          <a:effectRef idx="0">
+            <a:schemeClr val="accent1"/>
+          </a:effectRef>
+          <a:fontRef idx="minor">
+            <a:schemeClr val="tx1"/>
+          </a:fontRef>
+        </p:style>
+      </p:cxnSp>
+      <p:grpSp>
+        <p:nvGrpSpPr>
+          <p:cNvPr id="13" name="グループ化 12">
+            <a:extLst>
+              <a:ext uri="{FF2B5EF4-FFF2-40B4-BE49-F238E27FC236}">
+                <a16:creationId xmlns:a16="http://schemas.microsoft.com/office/drawing/2014/main" id="{790D884C-AFF3-B09E-B3CD-70BE76F501DC}"/>
+              </a:ext>
+            </a:extLst>
+          </p:cNvPr>
+          <p:cNvGrpSpPr/>
+          <p:nvPr/>
+        </p:nvGrpSpPr>
+        <p:grpSpPr>
+          <a:xfrm>
+            <a:off x="4136393" y="5080598"/>
+            <a:ext cx="482760" cy="934560"/>
+            <a:chOff x="4136393" y="5080598"/>
+            <a:chExt cx="482760" cy="934560"/>
+          </a:xfrm>
+        </p:grpSpPr>
+        <mc:AlternateContent xmlns:mc="http://schemas.openxmlformats.org/markup-compatibility/2006">
+          <mc:Choice xmlns:p14="http://schemas.microsoft.com/office/powerpoint/2010/main" Requires="p14">
+            <p:contentPart p14:bwMode="auto" r:id="rId2">
+              <p14:nvContentPartPr>
+                <p14:cNvPr id="11" name="インク 10">
+                  <a:extLst>
+                    <a:ext uri="{FF2B5EF4-FFF2-40B4-BE49-F238E27FC236}">
+                      <a16:creationId xmlns:a16="http://schemas.microsoft.com/office/drawing/2014/main" id="{97E09E63-5A63-0267-25BD-3620E528B19E}"/>
+                    </a:ext>
+                  </a:extLst>
+                </p14:cNvPr>
+                <p14:cNvContentPartPr/>
+                <p14:nvPr/>
+              </p14:nvContentPartPr>
+              <p14:xfrm>
+                <a:off x="4505393" y="5080598"/>
+                <a:ext cx="113760" cy="509400"/>
+              </p14:xfrm>
+            </p:contentPart>
+          </mc:Choice>
+          <mc:Fallback>
+            <p:pic>
+              <p:nvPicPr>
+                <p:cNvPr id="11" name="インク 10">
+                  <a:extLst>
+                    <a:ext uri="{FF2B5EF4-FFF2-40B4-BE49-F238E27FC236}">
+                      <a16:creationId xmlns:a16="http://schemas.microsoft.com/office/drawing/2014/main" id="{97E09E63-5A63-0267-25BD-3620E528B19E}"/>
+                    </a:ext>
+                  </a:extLst>
+                </p:cNvPr>
+                <p:cNvPicPr/>
+                <p:nvPr/>
+              </p:nvPicPr>
+              <p:blipFill>
+                <a:blip r:embed="rId3"/>
+                <a:stretch>
+                  <a:fillRect/>
+                </a:stretch>
+              </p:blipFill>
+              <p:spPr>
+                <a:xfrm>
+                  <a:off x="4499273" y="5074478"/>
+                  <a:ext cx="126000" cy="521640"/>
+                </a:xfrm>
+                <a:prstGeom prst="rect">
+                  <a:avLst/>
+                </a:prstGeom>
+              </p:spPr>
+            </p:pic>
+          </mc:Fallback>
+        </mc:AlternateContent>
+        <mc:AlternateContent xmlns:mc="http://schemas.openxmlformats.org/markup-compatibility/2006">
+          <mc:Choice xmlns:p14="http://schemas.microsoft.com/office/powerpoint/2010/main" Requires="p14">
+            <p:contentPart p14:bwMode="auto" r:id="rId4">
+              <p14:nvContentPartPr>
+                <p14:cNvPr id="12" name="インク 11">
+                  <a:extLst>
+                    <a:ext uri="{FF2B5EF4-FFF2-40B4-BE49-F238E27FC236}">
+                      <a16:creationId xmlns:a16="http://schemas.microsoft.com/office/drawing/2014/main" id="{178FCDB3-8439-451A-06B4-834220AB3E7A}"/>
+                    </a:ext>
+                  </a:extLst>
+                </p14:cNvPr>
+                <p14:cNvContentPartPr/>
+                <p14:nvPr/>
+              </p14:nvContentPartPr>
+              <p14:xfrm>
+                <a:off x="4136393" y="5448158"/>
+                <a:ext cx="217440" cy="567000"/>
+              </p14:xfrm>
+            </p:contentPart>
+          </mc:Choice>
+          <mc:Fallback>
+            <p:pic>
+              <p:nvPicPr>
+                <p:cNvPr id="12" name="インク 11">
+                  <a:extLst>
+                    <a:ext uri="{FF2B5EF4-FFF2-40B4-BE49-F238E27FC236}">
+                      <a16:creationId xmlns:a16="http://schemas.microsoft.com/office/drawing/2014/main" id="{178FCDB3-8439-451A-06B4-834220AB3E7A}"/>
+                    </a:ext>
+                  </a:extLst>
+                </p:cNvPr>
+                <p:cNvPicPr/>
+                <p:nvPr/>
+              </p:nvPicPr>
+              <p:blipFill>
+                <a:blip r:embed="rId5"/>
+                <a:stretch>
+                  <a:fillRect/>
+                </a:stretch>
+              </p:blipFill>
+              <p:spPr>
+                <a:xfrm>
+                  <a:off x="4130273" y="5442038"/>
+                  <a:ext cx="229680" cy="579240"/>
+                </a:xfrm>
+                <a:prstGeom prst="rect">
+                  <a:avLst/>
+                </a:prstGeom>
+              </p:spPr>
+            </p:pic>
+          </mc:Fallback>
+        </mc:AlternateContent>
+      </p:grpSp>
+      <mc:AlternateContent xmlns:mc="http://schemas.openxmlformats.org/markup-compatibility/2006">
+        <mc:Choice xmlns:p14="http://schemas.microsoft.com/office/powerpoint/2010/main" Requires="p14">
+          <p:contentPart p14:bwMode="auto" r:id="rId6">
+            <p14:nvContentPartPr>
+              <p14:cNvPr id="14" name="インク 13">
+                <a:extLst>
+                  <a:ext uri="{FF2B5EF4-FFF2-40B4-BE49-F238E27FC236}">
+                    <a16:creationId xmlns:a16="http://schemas.microsoft.com/office/drawing/2014/main" id="{E71D158E-DC39-7082-C5C7-3F5ED9E5DE71}"/>
+                  </a:ext>
+                </a:extLst>
+              </p14:cNvPr>
+              <p14:cNvContentPartPr/>
+              <p14:nvPr/>
+            </p14:nvContentPartPr>
+            <p14:xfrm>
+              <a:off x="4257713" y="5891678"/>
+              <a:ext cx="154080" cy="288720"/>
+            </p14:xfrm>
+          </p:contentPart>
+        </mc:Choice>
+        <mc:Fallback>
+          <p:pic>
+            <p:nvPicPr>
+              <p:cNvPr id="14" name="インク 13">
+                <a:extLst>
+                  <a:ext uri="{FF2B5EF4-FFF2-40B4-BE49-F238E27FC236}">
+                    <a16:creationId xmlns:a16="http://schemas.microsoft.com/office/drawing/2014/main" id="{E71D158E-DC39-7082-C5C7-3F5ED9E5DE71}"/>
+                  </a:ext>
+                </a:extLst>
+              </p:cNvPr>
+              <p:cNvPicPr/>
+              <p:nvPr/>
+            </p:nvPicPr>
+            <p:blipFill>
+              <a:blip r:embed="rId7"/>
+              <a:stretch>
+                <a:fillRect/>
+              </a:stretch>
+            </p:blipFill>
+            <p:spPr>
+              <a:xfrm>
+                <a:off x="4251593" y="5885558"/>
+                <a:ext cx="166320" cy="300960"/>
+              </a:xfrm>
+              <a:prstGeom prst="rect">
+                <a:avLst/>
+              </a:prstGeom>
+            </p:spPr>
+          </p:pic>
+        </mc:Fallback>
+      </mc:AlternateContent>
+      <mc:AlternateContent xmlns:mc="http://schemas.openxmlformats.org/markup-compatibility/2006">
+        <mc:Choice xmlns:p14="http://schemas.microsoft.com/office/powerpoint/2010/main" Requires="p14">
+          <p:contentPart p14:bwMode="auto" r:id="rId8">
+            <p14:nvContentPartPr>
+              <p14:cNvPr id="15" name="インク 14">
+                <a:extLst>
+                  <a:ext uri="{FF2B5EF4-FFF2-40B4-BE49-F238E27FC236}">
+                    <a16:creationId xmlns:a16="http://schemas.microsoft.com/office/drawing/2014/main" id="{22A014C6-C647-3675-EBEE-03B88677CD5C}"/>
+                  </a:ext>
+                </a:extLst>
+              </p14:cNvPr>
+              <p14:cNvContentPartPr/>
+              <p14:nvPr/>
+            </p14:nvContentPartPr>
+            <p14:xfrm>
+              <a:off x="4656593" y="6107678"/>
+              <a:ext cx="640440" cy="10440"/>
+            </p14:xfrm>
+          </p:contentPart>
+        </mc:Choice>
+        <mc:Fallback>
+          <p:pic>
+            <p:nvPicPr>
+              <p:cNvPr id="15" name="インク 14">
+                <a:extLst>
+                  <a:ext uri="{FF2B5EF4-FFF2-40B4-BE49-F238E27FC236}">
+                    <a16:creationId xmlns:a16="http://schemas.microsoft.com/office/drawing/2014/main" id="{22A014C6-C647-3675-EBEE-03B88677CD5C}"/>
+                  </a:ext>
+                </a:extLst>
+              </p:cNvPr>
+              <p:cNvPicPr/>
+              <p:nvPr/>
+            </p:nvPicPr>
+            <p:blipFill>
+              <a:blip r:embed="rId9"/>
+              <a:stretch>
+                <a:fillRect/>
+              </a:stretch>
+            </p:blipFill>
+            <p:spPr>
+              <a:xfrm>
+                <a:off x="4650473" y="6101558"/>
+                <a:ext cx="652680" cy="22680"/>
+              </a:xfrm>
+              <a:prstGeom prst="rect">
+                <a:avLst/>
+              </a:prstGeom>
+            </p:spPr>
+          </p:pic>
+        </mc:Fallback>
+      </mc:AlternateContent>
+      <mc:AlternateContent xmlns:mc="http://schemas.openxmlformats.org/markup-compatibility/2006">
+        <mc:Choice xmlns:p14="http://schemas.microsoft.com/office/powerpoint/2010/main" Requires="p14">
+          <p:contentPart p14:bwMode="auto" r:id="rId10">
+            <p14:nvContentPartPr>
+              <p14:cNvPr id="18" name="インク 17">
+                <a:extLst>
+                  <a:ext uri="{FF2B5EF4-FFF2-40B4-BE49-F238E27FC236}">
+                    <a16:creationId xmlns:a16="http://schemas.microsoft.com/office/drawing/2014/main" id="{4FF4D3AD-F8F0-6B37-6BED-CFC7EFCA1EA7}"/>
+                  </a:ext>
+                </a:extLst>
+              </p14:cNvPr>
+              <p14:cNvContentPartPr/>
+              <p14:nvPr/>
+            </p14:nvContentPartPr>
+            <p14:xfrm>
+              <a:off x="4881593" y="6183638"/>
+              <a:ext cx="238320" cy="265320"/>
+            </p14:xfrm>
+          </p:contentPart>
+        </mc:Choice>
+        <mc:Fallback>
+          <p:pic>
+            <p:nvPicPr>
+              <p:cNvPr id="18" name="インク 17">
+                <a:extLst>
+                  <a:ext uri="{FF2B5EF4-FFF2-40B4-BE49-F238E27FC236}">
+                    <a16:creationId xmlns:a16="http://schemas.microsoft.com/office/drawing/2014/main" id="{4FF4D3AD-F8F0-6B37-6BED-CFC7EFCA1EA7}"/>
+                  </a:ext>
+                </a:extLst>
+              </p:cNvPr>
+              <p:cNvPicPr/>
+              <p:nvPr/>
+            </p:nvPicPr>
+            <p:blipFill>
+              <a:blip r:embed="rId11"/>
+              <a:stretch>
+                <a:fillRect/>
+              </a:stretch>
+            </p:blipFill>
+            <p:spPr>
+              <a:xfrm>
+                <a:off x="4875473" y="6177518"/>
+                <a:ext cx="250560" cy="277560"/>
+              </a:xfrm>
+              <a:prstGeom prst="rect">
+                <a:avLst/>
+              </a:prstGeom>
+            </p:spPr>
+          </p:pic>
+        </mc:Fallback>
+      </mc:AlternateContent>
+      <mc:AlternateContent xmlns:mc="http://schemas.openxmlformats.org/markup-compatibility/2006">
+        <mc:Choice xmlns:p14="http://schemas.microsoft.com/office/powerpoint/2010/main" Requires="p14">
+          <p:contentPart p14:bwMode="auto" r:id="rId12">
+            <p14:nvContentPartPr>
+              <p14:cNvPr id="19" name="インク 18">
+                <a:extLst>
+                  <a:ext uri="{FF2B5EF4-FFF2-40B4-BE49-F238E27FC236}">
+                    <a16:creationId xmlns:a16="http://schemas.microsoft.com/office/drawing/2014/main" id="{DD685FC3-8E0F-D0CE-8D27-AC1E9AD40E78}"/>
+                  </a:ext>
+                </a:extLst>
+              </p14:cNvPr>
+              <p14:cNvContentPartPr/>
+              <p14:nvPr/>
+            </p14:nvContentPartPr>
+            <p14:xfrm>
+              <a:off x="4929473" y="5731118"/>
+              <a:ext cx="27000" cy="208440"/>
+            </p14:xfrm>
+          </p:contentPart>
+        </mc:Choice>
+        <mc:Fallback>
+          <p:pic>
+            <p:nvPicPr>
+              <p:cNvPr id="19" name="インク 18">
+                <a:extLst>
+                  <a:ext uri="{FF2B5EF4-FFF2-40B4-BE49-F238E27FC236}">
+                    <a16:creationId xmlns:a16="http://schemas.microsoft.com/office/drawing/2014/main" id="{DD685FC3-8E0F-D0CE-8D27-AC1E9AD40E78}"/>
+                  </a:ext>
+                </a:extLst>
+              </p:cNvPr>
+              <p:cNvPicPr/>
+              <p:nvPr/>
+            </p:nvPicPr>
+            <p:blipFill>
+              <a:blip r:embed="rId13"/>
+              <a:stretch>
+                <a:fillRect/>
+              </a:stretch>
+            </p:blipFill>
+            <p:spPr>
+              <a:xfrm>
+                <a:off x="4923353" y="5724998"/>
+                <a:ext cx="39240" cy="220680"/>
+              </a:xfrm>
+              <a:prstGeom prst="rect">
+                <a:avLst/>
+              </a:prstGeom>
+            </p:spPr>
+          </p:pic>
+        </mc:Fallback>
+      </mc:AlternateContent>
+      <p:grpSp>
+        <p:nvGrpSpPr>
+          <p:cNvPr id="23" name="グループ化 22">
+            <a:extLst>
+              <a:ext uri="{FF2B5EF4-FFF2-40B4-BE49-F238E27FC236}">
+                <a16:creationId xmlns:a16="http://schemas.microsoft.com/office/drawing/2014/main" id="{85D1FE70-DF93-4FC7-03E2-2F1CA887E51E}"/>
+              </a:ext>
+            </a:extLst>
+          </p:cNvPr>
+          <p:cNvGrpSpPr/>
+          <p:nvPr/>
+        </p:nvGrpSpPr>
+        <p:grpSpPr>
+          <a:xfrm>
+            <a:off x="5406473" y="6079958"/>
+            <a:ext cx="423720" cy="196560"/>
+            <a:chOff x="5406473" y="6079958"/>
+            <a:chExt cx="423720" cy="196560"/>
+          </a:xfrm>
+        </p:grpSpPr>
+        <mc:AlternateContent xmlns:mc="http://schemas.openxmlformats.org/markup-compatibility/2006">
+          <mc:Choice xmlns:p14="http://schemas.microsoft.com/office/powerpoint/2010/main" Requires="p14">
+            <p:contentPart p14:bwMode="auto" r:id="rId14">
+              <p14:nvContentPartPr>
+                <p14:cNvPr id="20" name="インク 19">
+                  <a:extLst>
+                    <a:ext uri="{FF2B5EF4-FFF2-40B4-BE49-F238E27FC236}">
+                      <a16:creationId xmlns:a16="http://schemas.microsoft.com/office/drawing/2014/main" id="{709F5848-4EC3-E469-8AE0-F5E81C8AB820}"/>
+                    </a:ext>
+                  </a:extLst>
+                </p14:cNvPr>
+                <p14:cNvContentPartPr/>
+                <p14:nvPr/>
+              </p14:nvContentPartPr>
+              <p14:xfrm>
+                <a:off x="5457593" y="6079958"/>
+                <a:ext cx="338760" cy="360"/>
+              </p14:xfrm>
+            </p:contentPart>
+          </mc:Choice>
+          <mc:Fallback>
+            <p:pic>
+              <p:nvPicPr>
+                <p:cNvPr id="20" name="インク 19">
+                  <a:extLst>
+                    <a:ext uri="{FF2B5EF4-FFF2-40B4-BE49-F238E27FC236}">
+                      <a16:creationId xmlns:a16="http://schemas.microsoft.com/office/drawing/2014/main" id="{709F5848-4EC3-E469-8AE0-F5E81C8AB820}"/>
+                    </a:ext>
+                  </a:extLst>
+                </p:cNvPr>
+                <p:cNvPicPr/>
+                <p:nvPr/>
+              </p:nvPicPr>
+              <p:blipFill>
+                <a:blip r:embed="rId15"/>
+                <a:stretch>
+                  <a:fillRect/>
+                </a:stretch>
+              </p:blipFill>
+              <p:spPr>
+                <a:xfrm>
+                  <a:off x="5451473" y="6073838"/>
+                  <a:ext cx="351000" cy="12600"/>
+                </a:xfrm>
+                <a:prstGeom prst="rect">
+                  <a:avLst/>
+                </a:prstGeom>
+              </p:spPr>
+            </p:pic>
+          </mc:Fallback>
+        </mc:AlternateContent>
+        <mc:AlternateContent xmlns:mc="http://schemas.openxmlformats.org/markup-compatibility/2006">
+          <mc:Choice xmlns:p14="http://schemas.microsoft.com/office/powerpoint/2010/main" Requires="p14">
+            <p:contentPart p14:bwMode="auto" r:id="rId16">
+              <p14:nvContentPartPr>
+                <p14:cNvPr id="21" name="インク 20">
+                  <a:extLst>
+                    <a:ext uri="{FF2B5EF4-FFF2-40B4-BE49-F238E27FC236}">
+                      <a16:creationId xmlns:a16="http://schemas.microsoft.com/office/drawing/2014/main" id="{76B99B83-C1BA-1D39-8BE8-452F05FBB711}"/>
+                    </a:ext>
+                  </a:extLst>
+                </p14:cNvPr>
+                <p14:cNvContentPartPr/>
+                <p14:nvPr/>
+              </p14:nvContentPartPr>
+              <p14:xfrm>
+                <a:off x="5406473" y="6108038"/>
+                <a:ext cx="127080" cy="168480"/>
+              </p14:xfrm>
+            </p:contentPart>
+          </mc:Choice>
+          <mc:Fallback>
+            <p:pic>
+              <p:nvPicPr>
+                <p:cNvPr id="21" name="インク 20">
+                  <a:extLst>
+                    <a:ext uri="{FF2B5EF4-FFF2-40B4-BE49-F238E27FC236}">
+                      <a16:creationId xmlns:a16="http://schemas.microsoft.com/office/drawing/2014/main" id="{76B99B83-C1BA-1D39-8BE8-452F05FBB711}"/>
+                    </a:ext>
+                  </a:extLst>
+                </p:cNvPr>
+                <p:cNvPicPr/>
+                <p:nvPr/>
+              </p:nvPicPr>
+              <p:blipFill>
+                <a:blip r:embed="rId17"/>
+                <a:stretch>
+                  <a:fillRect/>
+                </a:stretch>
+              </p:blipFill>
+              <p:spPr>
+                <a:xfrm>
+                  <a:off x="5400353" y="6101918"/>
+                  <a:ext cx="139320" cy="180720"/>
+                </a:xfrm>
+                <a:prstGeom prst="rect">
+                  <a:avLst/>
+                </a:prstGeom>
+              </p:spPr>
+            </p:pic>
+          </mc:Fallback>
+        </mc:AlternateContent>
+        <mc:AlternateContent xmlns:mc="http://schemas.openxmlformats.org/markup-compatibility/2006">
+          <mc:Choice xmlns:p14="http://schemas.microsoft.com/office/powerpoint/2010/main" Requires="p14">
+            <p:contentPart p14:bwMode="auto" r:id="rId18">
+              <p14:nvContentPartPr>
+                <p14:cNvPr id="22" name="インク 21">
+                  <a:extLst>
+                    <a:ext uri="{FF2B5EF4-FFF2-40B4-BE49-F238E27FC236}">
+                      <a16:creationId xmlns:a16="http://schemas.microsoft.com/office/drawing/2014/main" id="{8EA984C9-7E8D-CB9F-078F-3DFE28BD64DD}"/>
+                    </a:ext>
+                  </a:extLst>
+                </p14:cNvPr>
+                <p14:cNvContentPartPr/>
+                <p14:nvPr/>
+              </p14:nvContentPartPr>
+              <p14:xfrm>
+                <a:off x="5626793" y="6127118"/>
+                <a:ext cx="203400" cy="105480"/>
+              </p14:xfrm>
+            </p:contentPart>
+          </mc:Choice>
+          <mc:Fallback>
+            <p:pic>
+              <p:nvPicPr>
+                <p:cNvPr id="22" name="インク 21">
+                  <a:extLst>
+                    <a:ext uri="{FF2B5EF4-FFF2-40B4-BE49-F238E27FC236}">
+                      <a16:creationId xmlns:a16="http://schemas.microsoft.com/office/drawing/2014/main" id="{8EA984C9-7E8D-CB9F-078F-3DFE28BD64DD}"/>
+                    </a:ext>
+                  </a:extLst>
+                </p:cNvPr>
+                <p:cNvPicPr/>
+                <p:nvPr/>
+              </p:nvPicPr>
+              <p:blipFill>
+                <a:blip r:embed="rId19"/>
+                <a:stretch>
+                  <a:fillRect/>
+                </a:stretch>
+              </p:blipFill>
+              <p:spPr>
+                <a:xfrm>
+                  <a:off x="5620673" y="6120998"/>
+                  <a:ext cx="215640" cy="117720"/>
+                </a:xfrm>
+                <a:prstGeom prst="rect">
+                  <a:avLst/>
+                </a:prstGeom>
+              </p:spPr>
+            </p:pic>
+          </mc:Fallback>
+        </mc:AlternateContent>
+      </p:grpSp>
+      <p:sp>
+        <p:nvSpPr>
+          <p:cNvPr id="24" name="矢印: 右 23">
+            <a:extLst>
+              <a:ext uri="{FF2B5EF4-FFF2-40B4-BE49-F238E27FC236}">
+                <a16:creationId xmlns:a16="http://schemas.microsoft.com/office/drawing/2014/main" id="{E752EC88-4E6E-92DC-FC73-C0926AECFCDF}"/>
+              </a:ext>
+            </a:extLst>
+          </p:cNvPr>
+          <p:cNvSpPr/>
+          <p:nvPr/>
+        </p:nvSpPr>
+        <p:spPr>
+          <a:xfrm rot="8729421">
+            <a:off x="3235185" y="2844947"/>
+            <a:ext cx="978408" cy="484632"/>
+          </a:xfrm>
+          <a:prstGeom prst="rightArrow">
+            <a:avLst/>
+          </a:prstGeom>
+          <a:solidFill>
+            <a:srgbClr val="FFC000"/>
+          </a:solidFill>
+        </p:spPr>
+        <p:style>
+          <a:lnRef idx="2">
+            <a:schemeClr val="accent1">
+              <a:shade val="15000"/>
+            </a:schemeClr>
+          </a:lnRef>
+          <a:fillRef idx="1">
+            <a:schemeClr val="accent1"/>
+          </a:fillRef>
+          <a:effectRef idx="0">
+            <a:schemeClr val="accent1"/>
+          </a:effectRef>
+          <a:fontRef idx="minor">
+            <a:schemeClr val="lt1"/>
+          </a:fontRef>
+        </p:style>
+        <p:txBody>
+          <a:bodyPr rtlCol="0" anchor="ctr"/>
+          <a:lstStyle/>
+          <a:p>
+            <a:pPr algn="ctr"/>
+            <a:endParaRPr kumimoji="1" lang="ja-JP" altLang="en-US" dirty="0"/>
+          </a:p>
+        </p:txBody>
+      </p:sp>
+      <p:sp>
+        <p:nvSpPr>
+          <p:cNvPr id="25" name="テキスト ボックス 24">
+            <a:extLst>
+              <a:ext uri="{FF2B5EF4-FFF2-40B4-BE49-F238E27FC236}">
+                <a16:creationId xmlns:a16="http://schemas.microsoft.com/office/drawing/2014/main" id="{948C5D0E-5F44-6085-1F3E-F0BE201453CE}"/>
+              </a:ext>
+            </a:extLst>
+          </p:cNvPr>
+          <p:cNvSpPr txBox="1"/>
+          <p:nvPr/>
+        </p:nvSpPr>
+        <p:spPr>
+          <a:xfrm>
+            <a:off x="3128980" y="2090914"/>
+            <a:ext cx="1800493" cy="369332"/>
+          </a:xfrm>
+          <a:prstGeom prst="rect">
+            <a:avLst/>
+          </a:prstGeom>
+          <a:noFill/>
+        </p:spPr>
+        <p:txBody>
+          <a:bodyPr wrap="none" rtlCol="0">
+            <a:spAutoFit/>
+          </a:bodyPr>
+          <a:lstStyle/>
+          <a:p>
+            <a:r>
+              <a:rPr kumimoji="1" lang="ja-JP" altLang="en-US" dirty="0"/>
+              <a:t>滑り落ちている</a:t>
+            </a:r>
+          </a:p>
+        </p:txBody>
+      </p:sp>
+    </p:spTree>
+    <p:extLst>
+      <p:ext uri="{BB962C8B-B14F-4D97-AF65-F5344CB8AC3E}">
+        <p14:creationId xmlns:p14="http://schemas.microsoft.com/office/powerpoint/2010/main" val="1729890911"/>
+      </p:ext>
+    </p:extLst>
+  </p:cSld>
+  <p:clrMapOvr>
+    <a:masterClrMapping/>
+  </p:clrMapOvr>
+</p:sld>
+</file>
+
 <file path=ppt/slides/slide3.xml><?xml version="1.0" encoding="utf-8"?>
 <p:sld xmlns:a="http://schemas.openxmlformats.org/drawingml/2006/main" xmlns:r="http://schemas.openxmlformats.org/officeDocument/2006/relationships" xmlns:p="http://schemas.openxmlformats.org/presentationml/2006/main">
   <p:cSld>

--- a/数学用図形.pptx
+++ b/数学用図形.pptx
@@ -33,6 +33,7 @@
     <p:sldId id="284" r:id="rId27"/>
     <p:sldId id="285" r:id="rId28"/>
     <p:sldId id="286" r:id="rId29"/>
+    <p:sldId id="287" r:id="rId30"/>
   </p:sldIdLst>
   <p:sldSz cx="12192000" cy="6858000"/>
   <p:notesSz cx="6858000" cy="9144000"/>
@@ -194,6 +195,279 @@
 </inkml:ink>
 </file>
 
+<file path=ppt/ink/ink100.xml><?xml version="1.0" encoding="utf-8"?>
+<inkml:ink xmlns:inkml="http://www.w3.org/2003/InkML">
+  <inkml:definitions>
+    <inkml:context xml:id="ctx0">
+      <inkml:inkSource xml:id="inkSrc0">
+        <inkml:traceFormat>
+          <inkml:channel name="X" type="integer" min="-2.14748E9" max="2.14748E9" units="cm"/>
+          <inkml:channel name="Y" type="integer" min="-2.14748E9" max="2.14748E9" units="cm"/>
+          <inkml:channel name="F" type="integer" max="32767" units="dev"/>
+        </inkml:traceFormat>
+        <inkml:channelProperties>
+          <inkml:channelProperty channel="X" name="resolution" value="1000" units="1/cm"/>
+          <inkml:channelProperty channel="Y" name="resolution" value="1000" units="1/cm"/>
+          <inkml:channelProperty channel="F" name="resolution" value="0" units="1/dev"/>
+        </inkml:channelProperties>
+      </inkml:inkSource>
+      <inkml:timestamp xml:id="ts0" timeString="2024-07-04T23:52:49.657"/>
+    </inkml:context>
+    <inkml:brush xml:id="br0">
+      <inkml:brushProperty name="width" value="0.035" units="cm"/>
+      <inkml:brushProperty name="height" value="0.035" units="cm"/>
+      <inkml:brushProperty name="color" value="#E71224"/>
+    </inkml:brush>
+  </inkml:definitions>
+  <inkml:trace contextRef="#ctx0" brushRef="#br0">1 1 24575,'917'0'-1365,"-894"0"-5461</inkml:trace>
+</inkml:ink>
+</file>
+
+<file path=ppt/ink/ink101.xml><?xml version="1.0" encoding="utf-8"?>
+<inkml:ink xmlns:inkml="http://www.w3.org/2003/InkML">
+  <inkml:definitions>
+    <inkml:context xml:id="ctx0">
+      <inkml:inkSource xml:id="inkSrc0">
+        <inkml:traceFormat>
+          <inkml:channel name="X" type="integer" min="-2.14748E9" max="2.14748E9" units="cm"/>
+          <inkml:channel name="Y" type="integer" min="-2.14748E9" max="2.14748E9" units="cm"/>
+          <inkml:channel name="F" type="integer" max="32767" units="dev"/>
+        </inkml:traceFormat>
+        <inkml:channelProperties>
+          <inkml:channelProperty channel="X" name="resolution" value="1000" units="1/cm"/>
+          <inkml:channelProperty channel="Y" name="resolution" value="1000" units="1/cm"/>
+          <inkml:channelProperty channel="F" name="resolution" value="0" units="1/dev"/>
+        </inkml:channelProperties>
+      </inkml:inkSource>
+      <inkml:timestamp xml:id="ts0" timeString="2024-07-04T23:52:50.289"/>
+    </inkml:context>
+    <inkml:brush xml:id="br0">
+      <inkml:brushProperty name="width" value="0.035" units="cm"/>
+      <inkml:brushProperty name="height" value="0.035" units="cm"/>
+      <inkml:brushProperty name="color" value="#E71224"/>
+    </inkml:brush>
+  </inkml:definitions>
+  <inkml:trace contextRef="#ctx0" brushRef="#br0">352 0 24575,'-1'17'0,"-1"-1"0,-1 0 0,0 0 0,-1 0 0,-11 26 0,-5 19 0,17-48 0,-2 0 0,0 0 0,0-1 0,-2 1 0,1-1 0,-1-1 0,-17 22 0,7-15 0,0 0 0,-1-1 0,-30 23 0,24-21-101,-25 18 325,46-35-331,0 0 1,0 0 0,-1-1-1,1 1 1,-1-1 0,0 0 0,1 0-1,-1 0 1,0-1 0,1 1 0,-1-1-1,0 0 1,-4 0 0,-7-3-6720</inkml:trace>
+</inkml:ink>
+</file>
+
+<file path=ppt/ink/ink102.xml><?xml version="1.0" encoding="utf-8"?>
+<inkml:ink xmlns:inkml="http://www.w3.org/2003/InkML">
+  <inkml:definitions>
+    <inkml:context xml:id="ctx0">
+      <inkml:inkSource xml:id="inkSrc0">
+        <inkml:traceFormat>
+          <inkml:channel name="X" type="integer" min="-2.14748E9" max="2.14748E9" units="cm"/>
+          <inkml:channel name="Y" type="integer" min="-2.14748E9" max="2.14748E9" units="cm"/>
+          <inkml:channel name="F" type="integer" max="32767" units="dev"/>
+        </inkml:traceFormat>
+        <inkml:channelProperties>
+          <inkml:channelProperty channel="X" name="resolution" value="1000" units="1/cm"/>
+          <inkml:channelProperty channel="Y" name="resolution" value="1000" units="1/cm"/>
+          <inkml:channelProperty channel="F" name="resolution" value="0" units="1/dev"/>
+        </inkml:channelProperties>
+      </inkml:inkSource>
+      <inkml:timestamp xml:id="ts0" timeString="2024-07-04T23:52:51.022"/>
+    </inkml:context>
+    <inkml:brush xml:id="br0">
+      <inkml:brushProperty name="width" value="0.035" units="cm"/>
+      <inkml:brushProperty name="height" value="0.035" units="cm"/>
+      <inkml:brushProperty name="color" value="#E71224"/>
+    </inkml:brush>
+  </inkml:definitions>
+  <inkml:trace contextRef="#ctx0" brushRef="#br0">2 1 24575,'0'42'0,"-1"-12"0,4 37 0,-2-57 0,1 1 0,0-1 0,0 0 0,1 0 0,1 0 0,0-1 0,7 14 0,-9-19 0,0 0 0,1-1 0,-1 1 0,1 0 0,0-1 0,0 1 0,1-1 0,-1 0 0,1 0 0,-1 0 0,1-1 0,0 1 0,8 3 0,-4-4 0,0 0 0,0 0 0,1 0 0,-1-1 0,0 0 0,16-1 0,17 1 0,156-6 0,-176 1-227,0-2-1,0 0 1,-1-1-1,0-1 1,31-16-1,-37 16-6598</inkml:trace>
+</inkml:ink>
+</file>
+
+<file path=ppt/ink/ink103.xml><?xml version="1.0" encoding="utf-8"?>
+<inkml:ink xmlns:inkml="http://www.w3.org/2003/InkML">
+  <inkml:definitions>
+    <inkml:context xml:id="ctx0">
+      <inkml:inkSource xml:id="inkSrc0">
+        <inkml:traceFormat>
+          <inkml:channel name="X" type="integer" min="-2.14748E9" max="2.14748E9" units="cm"/>
+          <inkml:channel name="Y" type="integer" min="-2.14748E9" max="2.14748E9" units="cm"/>
+        </inkml:traceFormat>
+        <inkml:channelProperties>
+          <inkml:channelProperty channel="X" name="resolution" value="1000" units="1/cm"/>
+          <inkml:channelProperty channel="Y" name="resolution" value="1000" units="1/cm"/>
+        </inkml:channelProperties>
+      </inkml:inkSource>
+      <inkml:timestamp xml:id="ts0" timeString="2024-07-05T02:43:57.621"/>
+    </inkml:context>
+    <inkml:brush xml:id="br0">
+      <inkml:brushProperty name="width" value="0.05" units="cm"/>
+      <inkml:brushProperty name="height" value="0.05" units="cm"/>
+      <inkml:brushProperty name="color" value="#F6630D"/>
+      <inkml:brushProperty name="ignorePressure" value="1"/>
+    </inkml:brush>
+  </inkml:definitions>
+  <inkml:trace contextRef="#ctx0" brushRef="#br0">0 0,'0'0</inkml:trace>
+</inkml:ink>
+</file>
+
+<file path=ppt/ink/ink104.xml><?xml version="1.0" encoding="utf-8"?>
+<inkml:ink xmlns:inkml="http://www.w3.org/2003/InkML">
+  <inkml:definitions>
+    <inkml:context xml:id="ctx0">
+      <inkml:inkSource xml:id="inkSrc0">
+        <inkml:traceFormat>
+          <inkml:channel name="X" type="integer" min="-2.14748E9" max="2.14748E9" units="cm"/>
+          <inkml:channel name="Y" type="integer" min="-2.14748E9" max="2.14748E9" units="cm"/>
+        </inkml:traceFormat>
+        <inkml:channelProperties>
+          <inkml:channelProperty channel="X" name="resolution" value="1000" units="1/cm"/>
+          <inkml:channelProperty channel="Y" name="resolution" value="1000" units="1/cm"/>
+        </inkml:channelProperties>
+      </inkml:inkSource>
+      <inkml:timestamp xml:id="ts0" timeString="2024-07-05T02:44:09.244"/>
+    </inkml:context>
+    <inkml:brush xml:id="br0">
+      <inkml:brushProperty name="width" value="0.05" units="cm"/>
+      <inkml:brushProperty name="height" value="0.05" units="cm"/>
+      <inkml:brushProperty name="color" value="#F6630D"/>
+      <inkml:brushProperty name="ignorePressure" value="1"/>
+    </inkml:brush>
+  </inkml:definitions>
+  <inkml:trace contextRef="#ctx0" brushRef="#br0">1 760,'19'2,"-1"1,1 1,-1 1,1 1,32 14,2 9,-43-23,1 1,0-2,0 0,0 0,13 3,36 9,-23-7,0-1,53 6,-80-14,0 0,1-1,-1 0,1-1,-1 0,1-1,-1 0,0-1,0 0,0 0,0-1,-1 0,14-8,92-51,-87 50,-1-2,0 0,-1-2,37-31,9-7,-58 46,1-1,-2-1,1 0,-2-1,1 0,18-25,40-44,21-16,-89 94,8-11,1-1,-2 0,0-1,-1 0,9-22,57-115,-44 72,-24 56</inkml:trace>
+</inkml:ink>
+</file>
+
+<file path=ppt/ink/ink105.xml><?xml version="1.0" encoding="utf-8"?>
+<inkml:ink xmlns:inkml="http://www.w3.org/2003/InkML">
+  <inkml:definitions>
+    <inkml:context xml:id="ctx0">
+      <inkml:inkSource xml:id="inkSrc0">
+        <inkml:traceFormat>
+          <inkml:channel name="X" type="integer" min="-2.14748E9" max="2.14748E9" units="cm"/>
+          <inkml:channel name="Y" type="integer" min="-2.14748E9" max="2.14748E9" units="cm"/>
+        </inkml:traceFormat>
+        <inkml:channelProperties>
+          <inkml:channelProperty channel="X" name="resolution" value="1000" units="1/cm"/>
+          <inkml:channelProperty channel="Y" name="resolution" value="1000" units="1/cm"/>
+        </inkml:channelProperties>
+      </inkml:inkSource>
+      <inkml:timestamp xml:id="ts0" timeString="2024-07-05T02:44:10.317"/>
+    </inkml:context>
+    <inkml:brush xml:id="br0">
+      <inkml:brushProperty name="width" value="0.05" units="cm"/>
+      <inkml:brushProperty name="height" value="0.05" units="cm"/>
+      <inkml:brushProperty name="color" value="#F6630D"/>
+      <inkml:brushProperty name="ignorePressure" value="1"/>
+    </inkml:brush>
+  </inkml:definitions>
+  <inkml:trace contextRef="#ctx0" brushRef="#br0">24 431,'-1'0,"0"0,1 0,-1 0,0 0,0 0,0 0,0 1,0-1,0 0,0 0,0 1,1-1,-1 0,0 1,0-1,0 1,1-1,-1 1,0-1,1 1,-1 0,0-1,1 1,-1 0,1 0,-1-1,1 1,-1 0,1 1,-1 0,1 0,-1 1,1-1,0 1,0-1,0 1,0-1,1 0,-1 1,1-1,0 3,2 3,0 0,0 0,1 0,0 0,7 9,7 6,1-2,1 1,1-2,0-1,41 27,-16-6,-12-9,11 14,-38-36,0-1,1 0,0 0,0-1,12 8,11 2,1-1,0-2,0-1,2-1,-1-2,2-2,-1 0,1-3,0-1,0-1,42-3,-27 0,-19 1,0-1,0-1,0-1,-1-2,1-1,-1-2,42-14,-39 7,-6 3,0 0,-1-2,0-2,38-27,14-16,-48 38,-1-2,40-39,5-9,-44 43,45-52,-64 67,0 0,1 1,19-13,-19 15,-1 0,0-1,0 0,17-21,-19 19,1 1,0 1,0 0,19-14,-17 15,0 0,-1-1,-1-1,12-13,-11 11,1 0,1 1,0 0,0 1,26-16,-22 16,0-2,-1 0,18-18,27-21,-45 36</inkml:trace>
+</inkml:ink>
+</file>
+
+<file path=ppt/ink/ink106.xml><?xml version="1.0" encoding="utf-8"?>
+<inkml:ink xmlns:inkml="http://www.w3.org/2003/InkML">
+  <inkml:definitions>
+    <inkml:context xml:id="ctx0">
+      <inkml:inkSource xml:id="inkSrc0">
+        <inkml:traceFormat>
+          <inkml:channel name="X" type="integer" min="-2.14748E9" max="2.14748E9" units="cm"/>
+          <inkml:channel name="Y" type="integer" min="-2.14748E9" max="2.14748E9" units="cm"/>
+        </inkml:traceFormat>
+        <inkml:channelProperties>
+          <inkml:channelProperty channel="X" name="resolution" value="1000" units="1/cm"/>
+          <inkml:channelProperty channel="Y" name="resolution" value="1000" units="1/cm"/>
+        </inkml:channelProperties>
+      </inkml:inkSource>
+      <inkml:timestamp xml:id="ts0" timeString="2024-07-05T02:44:11.060"/>
+    </inkml:context>
+    <inkml:brush xml:id="br0">
+      <inkml:brushProperty name="width" value="0.05" units="cm"/>
+      <inkml:brushProperty name="height" value="0.05" units="cm"/>
+      <inkml:brushProperty name="color" value="#F6630D"/>
+      <inkml:brushProperty name="ignorePressure" value="1"/>
+    </inkml:brush>
+  </inkml:definitions>
+  <inkml:trace contextRef="#ctx0" brushRef="#br0">1 83,'147'3,"163"-7,-193-13,-76 9,66-4,-67 11,1-1,0-3,41-10,-28 6,1 3,0 2,-1 2,58 6,-3-2,-76-2</inkml:trace>
+</inkml:ink>
+</file>
+
+<file path=ppt/ink/ink107.xml><?xml version="1.0" encoding="utf-8"?>
+<inkml:ink xmlns:inkml="http://www.w3.org/2003/InkML">
+  <inkml:definitions>
+    <inkml:context xml:id="ctx0">
+      <inkml:inkSource xml:id="inkSrc0">
+        <inkml:traceFormat>
+          <inkml:channel name="X" type="integer" min="-2.14748E9" max="2.14748E9" units="cm"/>
+          <inkml:channel name="Y" type="integer" min="-2.14748E9" max="2.14748E9" units="cm"/>
+        </inkml:traceFormat>
+        <inkml:channelProperties>
+          <inkml:channelProperty channel="X" name="resolution" value="1000" units="1/cm"/>
+          <inkml:channelProperty channel="Y" name="resolution" value="1000" units="1/cm"/>
+        </inkml:channelProperties>
+      </inkml:inkSource>
+      <inkml:timestamp xml:id="ts0" timeString="2024-07-05T02:44:11.951"/>
+    </inkml:context>
+    <inkml:brush xml:id="br0">
+      <inkml:brushProperty name="width" value="0.05" units="cm"/>
+      <inkml:brushProperty name="height" value="0.05" units="cm"/>
+      <inkml:brushProperty name="color" value="#F6630D"/>
+      <inkml:brushProperty name="ignorePressure" value="1"/>
+    </inkml:brush>
+  </inkml:definitions>
+  <inkml:trace contextRef="#ctx0" brushRef="#br0">155 0,'-1'10,"0"-1,-1 1,0-1,0 0,-6 13,-5 26,-8 35,14-57,0 0,-3 30,4-17,-2 1,-17 50,15-58,1 0,2 1,1 0,-3 43,8-39,5 191,-4-223,1-1,0 0,0 0,0 0,0 0,1 0,0 0,0 0,0 0,0-1,0 1,1-1,-1 1,1-1,6 6,-3-4,1-1,-1 0,1 0,0 0,0-1,0 0,1 0,8 1,10 2,1-2,1-1,50 0,-49-3,-2 1,1-2,-1 0,0-2,32-7,-53 9,-1 0,0-1,0 1,0-1,0 0,0-1,0 1,0-1,-1 0,1 0,-1-1,0 1,0-1,0 0,-1 0,1 0,-1-1,0 1,0-1,0 1,-1-1,0 0,0 0,0 0,0-1,-1 1,1-8,-1 10,-1 0,0-1,-1 1,1-1,-1 1,1-1,-1 1,0 0,0-1,0 1,-1 0,1 0,-1 0,0 0,0 0,0 0,0 1,0-1,-1 0,1 1,-4-3,-8-5,1 0,-1 2,-21-11,-11-7,29 17,0 0,-1 2,0 0,0 1,0 0,-1 2,-35-5,-3-1,24 4,1 2,-41 1,41 2</inkml:trace>
+</inkml:ink>
+</file>
+
+<file path=ppt/ink/ink108.xml><?xml version="1.0" encoding="utf-8"?>
+<inkml:ink xmlns:inkml="http://www.w3.org/2003/InkML">
+  <inkml:definitions>
+    <inkml:context xml:id="ctx0">
+      <inkml:inkSource xml:id="inkSrc0">
+        <inkml:traceFormat>
+          <inkml:channel name="X" type="integer" min="-2.14748E9" max="2.14748E9" units="cm"/>
+          <inkml:channel name="Y" type="integer" min="-2.14748E9" max="2.14748E9" units="cm"/>
+        </inkml:traceFormat>
+        <inkml:channelProperties>
+          <inkml:channelProperty channel="X" name="resolution" value="1000" units="1/cm"/>
+          <inkml:channelProperty channel="Y" name="resolution" value="1000" units="1/cm"/>
+        </inkml:channelProperties>
+      </inkml:inkSource>
+      <inkml:timestamp xml:id="ts0" timeString="2024-07-05T02:44:14.176"/>
+    </inkml:context>
+    <inkml:brush xml:id="br0">
+      <inkml:brushProperty name="width" value="0.05" units="cm"/>
+      <inkml:brushProperty name="height" value="0.05" units="cm"/>
+      <inkml:brushProperty name="color" value="#F6630D"/>
+      <inkml:brushProperty name="ignorePressure" value="1"/>
+    </inkml:brush>
+  </inkml:definitions>
+  <inkml:trace contextRef="#ctx0" brushRef="#br0">301 0,'-2'1,"1"-1,0 0,-1 1,1-1,0 1,-1 0,1-1,0 1,0 0,0 0,0-1,0 1,0 0,0 0,0 0,0 1,0-1,0 0,0 0,1 0,-1 0,1 1,-1-1,1 0,-1 1,1 2,-9 40,9-40,-5 21,0 0,-2-1,-17 43,0-1,10-15,-8 57,-11 44,4-43,-17 48,39-133,1 0,1 0,2 0,0 1,1 30,1-30,0 0,-2 0,0-1,-2 0,-8 26,8-38</inkml:trace>
+</inkml:ink>
+</file>
+
+<file path=ppt/ink/ink109.xml><?xml version="1.0" encoding="utf-8"?>
+<inkml:ink xmlns:inkml="http://www.w3.org/2003/InkML">
+  <inkml:definitions>
+    <inkml:context xml:id="ctx0">
+      <inkml:inkSource xml:id="inkSrc0">
+        <inkml:traceFormat>
+          <inkml:channel name="X" type="integer" min="-2.14748E9" max="2.14748E9" units="cm"/>
+          <inkml:channel name="Y" type="integer" min="-2.14748E9" max="2.14748E9" units="cm"/>
+        </inkml:traceFormat>
+        <inkml:channelProperties>
+          <inkml:channelProperty channel="X" name="resolution" value="1000" units="1/cm"/>
+          <inkml:channelProperty channel="Y" name="resolution" value="1000" units="1/cm"/>
+        </inkml:channelProperties>
+      </inkml:inkSource>
+      <inkml:timestamp xml:id="ts0" timeString="2024-07-05T02:44:14.989"/>
+    </inkml:context>
+    <inkml:brush xml:id="br0">
+      <inkml:brushProperty name="width" value="0.05" units="cm"/>
+      <inkml:brushProperty name="height" value="0.05" units="cm"/>
+      <inkml:brushProperty name="color" value="#F6630D"/>
+      <inkml:brushProperty name="ignorePressure" value="1"/>
+    </inkml:brush>
+  </inkml:definitions>
+  <inkml:trace contextRef="#ctx0" brushRef="#br0">1 119,'109'2,"124"-5,-141-14,-67 11,-1 1,27-2,-9 3,-1-1,41-11,-46 9,0 2,42 0,-39 4,60-11,-6-2,1 5,0 4,110 8,-43 0,331-3,-460 0</inkml:trace>
+</inkml:ink>
+</file>
+
 <file path=ppt/ink/ink11.xml><?xml version="1.0" encoding="utf-8"?>
 <inkml:ink xmlns:inkml="http://www.w3.org/2003/InkML">
   <inkml:definitions>
@@ -221,6 +495,276 @@
 </inkml:ink>
 </file>
 
+<file path=ppt/ink/ink110.xml><?xml version="1.0" encoding="utf-8"?>
+<inkml:ink xmlns:inkml="http://www.w3.org/2003/InkML">
+  <inkml:definitions>
+    <inkml:context xml:id="ctx0">
+      <inkml:inkSource xml:id="inkSrc0">
+        <inkml:traceFormat>
+          <inkml:channel name="X" type="integer" min="-2.14748E9" max="2.14748E9" units="cm"/>
+          <inkml:channel name="Y" type="integer" min="-2.14748E9" max="2.14748E9" units="cm"/>
+        </inkml:traceFormat>
+        <inkml:channelProperties>
+          <inkml:channelProperty channel="X" name="resolution" value="1000" units="1/cm"/>
+          <inkml:channelProperty channel="Y" name="resolution" value="1000" units="1/cm"/>
+        </inkml:channelProperties>
+      </inkml:inkSource>
+      <inkml:timestamp xml:id="ts0" timeString="2024-07-05T02:44:15.739"/>
+    </inkml:context>
+    <inkml:brush xml:id="br0">
+      <inkml:brushProperty name="width" value="0.05" units="cm"/>
+      <inkml:brushProperty name="height" value="0.05" units="cm"/>
+      <inkml:brushProperty name="color" value="#F6630D"/>
+      <inkml:brushProperty name="ignorePressure" value="1"/>
+    </inkml:brush>
+  </inkml:definitions>
+  <inkml:trace contextRef="#ctx0" brushRef="#br0">539 1,'0'570,"-1"-557,0 0,-1 0,0 0,-1 0,-1 0,0-1,-1 0,0 0,0 0,-2 0,-7 11,-13 16,-57 60,58-70,8-8,-1 0,-1-1,-1-2,-43 31,56-44,0 0,0-1,0-1,-1 1,1-1,-1-1,0 1,0-2,0 1,0-1,0 0,0-1,0 0,0-1,0 0,0 0,0-1,-16-5,0-2</inkml:trace>
+</inkml:ink>
+</file>
+
+<file path=ppt/ink/ink111.xml><?xml version="1.0" encoding="utf-8"?>
+<inkml:ink xmlns:inkml="http://www.w3.org/2003/InkML">
+  <inkml:definitions>
+    <inkml:context xml:id="ctx0">
+      <inkml:inkSource xml:id="inkSrc0">
+        <inkml:traceFormat>
+          <inkml:channel name="X" type="integer" min="-2.14748E9" max="2.14748E9" units="cm"/>
+          <inkml:channel name="Y" type="integer" min="-2.14748E9" max="2.14748E9" units="cm"/>
+        </inkml:traceFormat>
+        <inkml:channelProperties>
+          <inkml:channelProperty channel="X" name="resolution" value="1000" units="1/cm"/>
+          <inkml:channelProperty channel="Y" name="resolution" value="1000" units="1/cm"/>
+        </inkml:channelProperties>
+      </inkml:inkSource>
+      <inkml:timestamp xml:id="ts0" timeString="2024-07-05T02:44:16.500"/>
+    </inkml:context>
+    <inkml:brush xml:id="br0">
+      <inkml:brushProperty name="width" value="0.05" units="cm"/>
+      <inkml:brushProperty name="height" value="0.05" units="cm"/>
+      <inkml:brushProperty name="color" value="#F6630D"/>
+      <inkml:brushProperty name="ignorePressure" value="1"/>
+    </inkml:brush>
+  </inkml:definitions>
+  <inkml:trace contextRef="#ctx0" brushRef="#br0">0 0,'2'0,"-1"1,0-1,0 0,0 1,0-1,0 1,0-1,0 1,0-1,0 1,0 0,0 0,0-1,0 1,-1 0,1 0,0 0,0 0,-1 0,1 0,-1 0,1 2,13 30,-8-15,12 25,24 87,-29-56,-10-51,0 0,2-1,14 40,-17-57,0 1,0-1,1-1,0 1,0 0,0-1,1 1,-1-1,1 0,0 0,0 0,1-1,-1 0,1 0,-1 0,1 0,0 0,0-1,0 0,9 2,22 2,0-2,0-2,1-1,57-6,5 1,-63 4,-16 1,-1-1,39-6,-52 6,-1-2,1 1,-1-1,0 0,0 0,0 0,0-1,0 1,0-1,-1-1,1 1,-1-1,0 1,0-1,4-5,-2 1,0-1,-1 1,0-1,0 0,-1-1,0 1,-1-1,0 1,2-14,0-6</inkml:trace>
+</inkml:ink>
+</file>
+
+<file path=ppt/ink/ink112.xml><?xml version="1.0" encoding="utf-8"?>
+<inkml:ink xmlns:inkml="http://www.w3.org/2003/InkML">
+  <inkml:definitions>
+    <inkml:context xml:id="ctx0">
+      <inkml:inkSource xml:id="inkSrc0">
+        <inkml:traceFormat>
+          <inkml:channel name="X" type="integer" min="-2.14748E9" max="2.14748E9" units="cm"/>
+          <inkml:channel name="Y" type="integer" min="-2.14748E9" max="2.14748E9" units="cm"/>
+        </inkml:traceFormat>
+        <inkml:channelProperties>
+          <inkml:channelProperty channel="X" name="resolution" value="1000" units="1/cm"/>
+          <inkml:channelProperty channel="Y" name="resolution" value="1000" units="1/cm"/>
+        </inkml:channelProperties>
+      </inkml:inkSource>
+      <inkml:timestamp xml:id="ts0" timeString="2024-07-05T02:45:34.016"/>
+    </inkml:context>
+    <inkml:brush xml:id="br0">
+      <inkml:brushProperty name="width" value="0.05" units="cm"/>
+      <inkml:brushProperty name="height" value="0.05" units="cm"/>
+      <inkml:brushProperty name="color" value="#66CC00"/>
+      <inkml:brushProperty name="ignorePressure" value="1"/>
+    </inkml:brush>
+  </inkml:definitions>
+  <inkml:trace contextRef="#ctx0" brushRef="#br0">0 0,'0'0</inkml:trace>
+</inkml:ink>
+</file>
+
+<file path=ppt/ink/ink113.xml><?xml version="1.0" encoding="utf-8"?>
+<inkml:ink xmlns:inkml="http://www.w3.org/2003/InkML">
+  <inkml:definitions>
+    <inkml:context xml:id="ctx0">
+      <inkml:inkSource xml:id="inkSrc0">
+        <inkml:traceFormat>
+          <inkml:channel name="X" type="integer" min="-2.14748E9" max="2.14748E9" units="cm"/>
+          <inkml:channel name="Y" type="integer" min="-2.14748E9" max="2.14748E9" units="cm"/>
+        </inkml:traceFormat>
+        <inkml:channelProperties>
+          <inkml:channelProperty channel="X" name="resolution" value="1000" units="1/cm"/>
+          <inkml:channelProperty channel="Y" name="resolution" value="1000" units="1/cm"/>
+        </inkml:channelProperties>
+      </inkml:inkSource>
+      <inkml:timestamp xml:id="ts0" timeString="2024-07-05T02:45:37.035"/>
+    </inkml:context>
+    <inkml:brush xml:id="br0">
+      <inkml:brushProperty name="width" value="0.05" units="cm"/>
+      <inkml:brushProperty name="height" value="0.05" units="cm"/>
+      <inkml:brushProperty name="color" value="#66CC00"/>
+      <inkml:brushProperty name="ignorePressure" value="1"/>
+    </inkml:brush>
+  </inkml:definitions>
+  <inkml:trace contextRef="#ctx0" brushRef="#br0">1 1,'0'6,"1"1,-1-1,2 0,-1 0,1 0,0 0,0 0,0 0,1 0,5 7,42 54,-38-53,0 1,18 30,-8 1,-10-21,31 48,-38-65,2 0,-1 0,1-1,0 0,0-1,1 1,0-2,0 1,14 7,208 98,-215-105,0-1,1 0,0-1,0-1,0 0,23 0,104-5,-65-1,149 3,-194 0</inkml:trace>
+</inkml:ink>
+</file>
+
+<file path=ppt/ink/ink114.xml><?xml version="1.0" encoding="utf-8"?>
+<inkml:ink xmlns:inkml="http://www.w3.org/2003/InkML">
+  <inkml:definitions>
+    <inkml:context xml:id="ctx0">
+      <inkml:inkSource xml:id="inkSrc0">
+        <inkml:traceFormat>
+          <inkml:channel name="X" type="integer" min="-2.14748E9" max="2.14748E9" units="cm"/>
+          <inkml:channel name="Y" type="integer" min="-2.14748E9" max="2.14748E9" units="cm"/>
+        </inkml:traceFormat>
+        <inkml:channelProperties>
+          <inkml:channelProperty channel="X" name="resolution" value="1000" units="1/cm"/>
+          <inkml:channelProperty channel="Y" name="resolution" value="1000" units="1/cm"/>
+        </inkml:channelProperties>
+      </inkml:inkSource>
+      <inkml:timestamp xml:id="ts0" timeString="2024-07-05T02:45:38.674"/>
+    </inkml:context>
+    <inkml:brush xml:id="br0">
+      <inkml:brushProperty name="width" value="0.05" units="cm"/>
+      <inkml:brushProperty name="height" value="0.05" units="cm"/>
+      <inkml:brushProperty name="color" value="#66CC00"/>
+      <inkml:brushProperty name="ignorePressure" value="1"/>
+    </inkml:brush>
+  </inkml:definitions>
+  <inkml:trace contextRef="#ctx0" brushRef="#br0">6974 508,'-18'1,"1"1,0 1,0 1,0 1,0 0,1 1,0 1,-27 15,22-11,-1-1,1-1,-1-1,-26 6,-7-1,0 2,1 3,-66 30,86-33,-1-3,-1-1,0-1,-62 8,8-4,41-5,-78 4,95-11,0 2,-36 9,35-6,1-1,-36 1,-136 11,-8 1,-255-19,213-1,215-1,1-2,-43-9,39 5,-63-3,17 11,47 1,0-2,1-1,-53-11,-95-14,35 7,106 14,-68-1,73 6,-1-1,-51-11,-148-34,207 40,-48-2,-26-5,33-2,13 1,0 3,-101-6,131 15,1-1,0-1,0-2,-33-12,-52-10,48 20,43 7,-44-11,-59-11,48 11,7-2,-89-31,-128-38,31 14,166 48,34 10,34 7,0-1,-42-15,-131-48,143 54,0 1,2-3,-61-26,25 5,63 24</inkml:trace>
+</inkml:ink>
+</file>
+
+<file path=ppt/ink/ink115.xml><?xml version="1.0" encoding="utf-8"?>
+<inkml:ink xmlns:inkml="http://www.w3.org/2003/InkML">
+  <inkml:definitions>
+    <inkml:context xml:id="ctx0">
+      <inkml:inkSource xml:id="inkSrc0">
+        <inkml:traceFormat>
+          <inkml:channel name="X" type="integer" min="-2.14748E9" max="2.14748E9" units="cm"/>
+          <inkml:channel name="Y" type="integer" min="-2.14748E9" max="2.14748E9" units="cm"/>
+        </inkml:traceFormat>
+        <inkml:channelProperties>
+          <inkml:channelProperty channel="X" name="resolution" value="1000" units="1/cm"/>
+          <inkml:channelProperty channel="Y" name="resolution" value="1000" units="1/cm"/>
+        </inkml:channelProperties>
+      </inkml:inkSource>
+      <inkml:timestamp xml:id="ts0" timeString="2024-07-05T02:45:39.604"/>
+    </inkml:context>
+    <inkml:brush xml:id="br0">
+      <inkml:brushProperty name="width" value="0.05" units="cm"/>
+      <inkml:brushProperty name="height" value="0.05" units="cm"/>
+      <inkml:brushProperty name="color" value="#66CC00"/>
+      <inkml:brushProperty name="ignorePressure" value="1"/>
+    </inkml:brush>
+  </inkml:definitions>
+  <inkml:trace contextRef="#ctx0" brushRef="#br0">1 1,'964'0,"-917"2,77 14,19 2,-37-16,-59-3,-1 3,73 11,-50-2,128 5,75-18,-92-1,123 3,-271 0</inkml:trace>
+</inkml:ink>
+</file>
+
+<file path=ppt/ink/ink116.xml><?xml version="1.0" encoding="utf-8"?>
+<inkml:ink xmlns:inkml="http://www.w3.org/2003/InkML">
+  <inkml:definitions>
+    <inkml:context xml:id="ctx0">
+      <inkml:inkSource xml:id="inkSrc0">
+        <inkml:traceFormat>
+          <inkml:channel name="X" type="integer" min="-2.14748E9" max="2.14748E9" units="cm"/>
+          <inkml:channel name="Y" type="integer" min="-2.14748E9" max="2.14748E9" units="cm"/>
+        </inkml:traceFormat>
+        <inkml:channelProperties>
+          <inkml:channelProperty channel="X" name="resolution" value="1000" units="1/cm"/>
+          <inkml:channelProperty channel="Y" name="resolution" value="1000" units="1/cm"/>
+        </inkml:channelProperties>
+      </inkml:inkSource>
+      <inkml:timestamp xml:id="ts0" timeString="2024-07-05T02:45:41.200"/>
+    </inkml:context>
+    <inkml:brush xml:id="br0">
+      <inkml:brushProperty name="width" value="0.05" units="cm"/>
+      <inkml:brushProperty name="height" value="0.05" units="cm"/>
+      <inkml:brushProperty name="color" value="#66CC00"/>
+      <inkml:brushProperty name="ignorePressure" value="1"/>
+    </inkml:brush>
+  </inkml:definitions>
+  <inkml:trace contextRef="#ctx0" brushRef="#br0">273 0,'-2'7,"0"-1,0 1,-1-1,0 0,0 1,0-1,-8 10,4-4,-39 64,13-23,-43 95,51-93,16-39,1 2,1-1,1 1,0 0,1 0,1 0,-2 25,5-31,-2 25,1 1,2-1,2 0,10 61,-6-83,0 1,1-1,1 0,0-1,1 0,1 0,0-1,23 24,-18-26,-1-1,2-1,-1 0,1-1,0 0,1-1,0-1,30 6,4 4,-3-1,-3-1,50 24,-78-31,0-1,0-1,0 0,0-1,1-1,29 1,112-5,-71-3,-54 5,-21 0,0-1,0 0,0-1,1 0,17-5,-28 5,1 0,-1-1,0 1,0-1,0 1,0-1,0 0,0 0,0-1,0 1,-1-1,0 1,1-1,-1 0,0 1,0-1,0 0,-1-1,1 1,-1 0,0 0,0-1,0 1,0-1,0-3,1 0,-1 1,0-1,0 0,-1 1,1-1,-2 0,1 0,-1 1,0-1,0 0,-1 1,0-1,0 1,0 0,-1 0,0-1,0 2,-1-1,1 0,-1 1,-1-1,1 1,-1 1,0-1,0 0,0 1,-1 0,1 0,-1 1,-9-4,-38-30,43 29,0 0,-1 1,-19-11,-2 4,-1-2,-1 2,-1 1,-53-13,19 12,-72-25,135 37,0 0,-1 1,1 0,-1 0,0 0,1 1,-1-1,0 2,1-1,-1 1,0 0,1 0,-1 1,1 0,0 0,0 1,-7 3,3-1,1 1,0 1,0 0,0 0,0 1,1 0,1 1,-1-1,-6 12,9-12,-1-1,0 0,0 0,-14 11,-3-2</inkml:trace>
+</inkml:ink>
+</file>
+
+<file path=ppt/ink/ink117.xml><?xml version="1.0" encoding="utf-8"?>
+<inkml:ink xmlns:inkml="http://www.w3.org/2003/InkML">
+  <inkml:definitions>
+    <inkml:context xml:id="ctx0">
+      <inkml:inkSource xml:id="inkSrc0">
+        <inkml:traceFormat>
+          <inkml:channel name="X" type="integer" min="-2.14748E9" max="2.14748E9" units="cm"/>
+          <inkml:channel name="Y" type="integer" min="-2.14748E9" max="2.14748E9" units="cm"/>
+        </inkml:traceFormat>
+        <inkml:channelProperties>
+          <inkml:channelProperty channel="X" name="resolution" value="1000" units="1/cm"/>
+          <inkml:channelProperty channel="Y" name="resolution" value="1000" units="1/cm"/>
+        </inkml:channelProperties>
+      </inkml:inkSource>
+      <inkml:timestamp xml:id="ts0" timeString="2024-07-05T02:45:47.167"/>
+    </inkml:context>
+    <inkml:brush xml:id="br0">
+      <inkml:brushProperty name="width" value="0.05" units="cm"/>
+      <inkml:brushProperty name="height" value="0.05" units="cm"/>
+      <inkml:brushProperty name="color" value="#66CC00"/>
+      <inkml:brushProperty name="ignorePressure" value="1"/>
+    </inkml:brush>
+  </inkml:definitions>
+  <inkml:trace contextRef="#ctx0" brushRef="#br0">39 268,'1'-3,"0"-1,0 1,0-1,1 1,0 0,0-1,0 1,0 0,0 0,1 0,-1 1,1-1,0 1,-1-1,1 1,0 0,1 0,-1 0,4-1,16-14,-10 4,1 1,0 0,0 1,1 1,1 0,0 2,22-10,-8 6,-10 2,0 2,1 1,0 0,1 2,-1 0,30-2,-9 4,-1-1,42-11,-58 9,0 2,0 1,0 1,1 1,-1 1,45 6,-55-3,0 0,0 1,-1 1,1 0,-1 1,0 0,-1 2,0-1,0 2,-1-1,0 2,16 15,-21-18,-1 0,0 0,-1 0,0 1,0 0,0 0,-1 0,0 1,-1-1,0 1,3 15,-2 1,-1 0,-2 0,-1 27,0-20,0-10,0-1,-6 38,5-53,-1-1,1 1,-1 0,0-1,0 1,-1-1,1 0,-1 0,-1 0,1 0,-1 0,1-1,-1 0,-9 8,-60 40,-107 59,120-72,47-29,0-1,-1 0,-1-1,1 0,-1-1,-1-1,-20 6,-15-2,0 3,1 2,-80 36,104-41,-1-1,0-1,-50 8,15-4,54-10,-1-1,0 1,0 0,1 1,-1 0,0 0,1 1,0 0,-13 9,21-13,-1 0,1 1,0-1,0 0,0 1,0-1,0 1,0-1,0 0,0 1,0-1,0 0,0 1,0-1,0 0,0 1,1-1,-1 0,0 1,0-1,0 0,0 1,1-1,-1 0,0 1,0-1,1 0,-1 0,0 1,0-1,1 0,-1 0,0 0,1 0,-1 1,0-1,1 0,-1 0,0 0,1 0,-1 0,0 0,1 0,-1 0,1 0,-1 0,0 0,1 0,-1 0,0 0,1 0,-1 0,1 0,23 3,355-1,-184-5,31 3,-193 0</inkml:trace>
+</inkml:ink>
+</file>
+
+<file path=ppt/ink/ink118.xml><?xml version="1.0" encoding="utf-8"?>
+<inkml:ink xmlns:inkml="http://www.w3.org/2003/InkML">
+  <inkml:definitions>
+    <inkml:context xml:id="ctx0">
+      <inkml:inkSource xml:id="inkSrc0">
+        <inkml:traceFormat>
+          <inkml:channel name="X" type="integer" min="-2.14748E9" max="2.14748E9" units="cm"/>
+          <inkml:channel name="Y" type="integer" min="-2.14748E9" max="2.14748E9" units="cm"/>
+        </inkml:traceFormat>
+        <inkml:channelProperties>
+          <inkml:channelProperty channel="X" name="resolution" value="1000" units="1/cm"/>
+          <inkml:channelProperty channel="Y" name="resolution" value="1000" units="1/cm"/>
+        </inkml:channelProperties>
+      </inkml:inkSource>
+      <inkml:timestamp xml:id="ts0" timeString="2024-07-05T02:45:47.903"/>
+    </inkml:context>
+    <inkml:brush xml:id="br0">
+      <inkml:brushProperty name="width" value="0.05" units="cm"/>
+      <inkml:brushProperty name="height" value="0.05" units="cm"/>
+      <inkml:brushProperty name="color" value="#66CC00"/>
+      <inkml:brushProperty name="ignorePressure" value="1"/>
+    </inkml:brush>
+  </inkml:definitions>
+  <inkml:trace contextRef="#ctx0" brushRef="#br0">0 0,'989'0,"-951"2,0 2,43 9,-40-5,64 3,-19-12,-60-1,0 2,0 0,0 2,0 0,45 12,-47-6</inkml:trace>
+</inkml:ink>
+</file>
+
+<file path=ppt/ink/ink119.xml><?xml version="1.0" encoding="utf-8"?>
+<inkml:ink xmlns:inkml="http://www.w3.org/2003/InkML">
+  <inkml:definitions>
+    <inkml:context xml:id="ctx0">
+      <inkml:inkSource xml:id="inkSrc0">
+        <inkml:traceFormat>
+          <inkml:channel name="X" type="integer" min="-2.14748E9" max="2.14748E9" units="cm"/>
+          <inkml:channel name="Y" type="integer" min="-2.14748E9" max="2.14748E9" units="cm"/>
+        </inkml:traceFormat>
+        <inkml:channelProperties>
+          <inkml:channelProperty channel="X" name="resolution" value="1000" units="1/cm"/>
+          <inkml:channelProperty channel="Y" name="resolution" value="1000" units="1/cm"/>
+        </inkml:channelProperties>
+      </inkml:inkSource>
+      <inkml:timestamp xml:id="ts0" timeString="2024-07-05T02:45:48.634"/>
+    </inkml:context>
+    <inkml:brush xml:id="br0">
+      <inkml:brushProperty name="width" value="0.05" units="cm"/>
+      <inkml:brushProperty name="height" value="0.05" units="cm"/>
+      <inkml:brushProperty name="color" value="#66CC00"/>
+      <inkml:brushProperty name="ignorePressure" value="1"/>
+    </inkml:brush>
+  </inkml:definitions>
+  <inkml:trace contextRef="#ctx0" brushRef="#br0">891 1,'-2'6,"0"-1,-1 1,1-1,-1 1,-1-1,1 0,-1 0,0-1,0 1,0-1,-1 0,-5 5,-3 4,-199 199,167-174,34-30,-1 1,2 1,-14 14,2 0,-2-1,-50 38,-8 8,63-53,-38 25,-18 15,61-45,0 0,-1-1,0-1,-17 8,-19 11,32-14</inkml:trace>
+</inkml:ink>
+</file>
+
 <file path=ppt/ink/ink12.xml><?xml version="1.0" encoding="utf-8"?>
 <inkml:ink xmlns:inkml="http://www.w3.org/2003/InkML">
   <inkml:definitions>
@@ -245,6 +789,33 @@
     </inkml:brush>
   </inkml:definitions>
   <inkml:trace contextRef="#ctx0" brushRef="#br0">0 0 24575,'0'7'0,"0"8"0,0 8 0,0 6 0,0-1-8191</inkml:trace>
+</inkml:ink>
+</file>
+
+<file path=ppt/ink/ink120.xml><?xml version="1.0" encoding="utf-8"?>
+<inkml:ink xmlns:inkml="http://www.w3.org/2003/InkML">
+  <inkml:definitions>
+    <inkml:context xml:id="ctx0">
+      <inkml:inkSource xml:id="inkSrc0">
+        <inkml:traceFormat>
+          <inkml:channel name="X" type="integer" min="-2.14748E9" max="2.14748E9" units="cm"/>
+          <inkml:channel name="Y" type="integer" min="-2.14748E9" max="2.14748E9" units="cm"/>
+        </inkml:traceFormat>
+        <inkml:channelProperties>
+          <inkml:channelProperty channel="X" name="resolution" value="1000" units="1/cm"/>
+          <inkml:channelProperty channel="Y" name="resolution" value="1000" units="1/cm"/>
+        </inkml:channelProperties>
+      </inkml:inkSource>
+      <inkml:timestamp xml:id="ts0" timeString="2024-07-05T02:45:49.931"/>
+    </inkml:context>
+    <inkml:brush xml:id="br0">
+      <inkml:brushProperty name="width" value="0.05" units="cm"/>
+      <inkml:brushProperty name="height" value="0.05" units="cm"/>
+      <inkml:brushProperty name="color" value="#66CC00"/>
+      <inkml:brushProperty name="ignorePressure" value="1"/>
+    </inkml:brush>
+  </inkml:definitions>
+  <inkml:trace contextRef="#ctx0" brushRef="#br0">45 0,'-13'31,"2"-9,4 12,1 1,2 0,1 0,2 0,4 47,-1-10,-2-63,0 0,1-1,0 1,0 0,1-1,0 1,0-1,1 1,0-1,6 10,-7-14,1 0,0 0,1 0,-1-1,1 0,-1 0,1 0,0 0,0 0,0-1,1 1,-1-1,1 0,-1-1,1 1,0-1,-1 0,1 0,10 0,152 21,-103-14,0-3,118-4,-89-3,-60 2</inkml:trace>
 </inkml:ink>
 </file>
 
@@ -2406,7 +2977,7 @@
           <inkml:channelProperty channel="F" name="resolution" value="0" units="1/dev"/>
         </inkml:channelProperties>
       </inkml:inkSource>
-      <inkml:timestamp xml:id="ts0" timeString="2024-07-04T23:51:47.180"/>
+      <inkml:timestamp xml:id="ts0" timeString="2024-07-05T03:34:34.700"/>
     </inkml:context>
     <inkml:brush xml:id="br0">
       <inkml:brushProperty name="width" value="0.035" units="cm"/>
@@ -2434,7 +3005,7 @@
           <inkml:channelProperty channel="F" name="resolution" value="0" units="1/dev"/>
         </inkml:channelProperties>
       </inkml:inkSource>
-      <inkml:timestamp xml:id="ts0" timeString="2024-07-04T23:51:50.103"/>
+      <inkml:timestamp xml:id="ts0" timeString="2024-07-05T03:34:34.701"/>
     </inkml:context>
     <inkml:brush xml:id="br0">
       <inkml:brushProperty name="width" value="0.035" units="cm"/>
@@ -2462,7 +3033,7 @@
           <inkml:channelProperty channel="F" name="resolution" value="0" units="1/dev"/>
         </inkml:channelProperties>
       </inkml:inkSource>
-      <inkml:timestamp xml:id="ts0" timeString="2024-07-04T23:51:53.275"/>
+      <inkml:timestamp xml:id="ts0" timeString="2024-07-05T03:34:34.702"/>
     </inkml:context>
     <inkml:brush xml:id="br0">
       <inkml:brushProperty name="width" value="0.035" units="cm"/>
@@ -2490,7 +3061,7 @@
           <inkml:channelProperty channel="F" name="resolution" value="0" units="1/dev"/>
         </inkml:channelProperties>
       </inkml:inkSource>
-      <inkml:timestamp xml:id="ts0" timeString="2024-07-04T23:52:34.200"/>
+      <inkml:timestamp xml:id="ts0" timeString="2024-07-05T03:34:34.703"/>
     </inkml:context>
     <inkml:brush xml:id="br0">
       <inkml:brushProperty name="width" value="0.035" units="cm"/>
@@ -2518,7 +3089,7 @@
           <inkml:channelProperty channel="F" name="resolution" value="0" units="1/dev"/>
         </inkml:channelProperties>
       </inkml:inkSource>
-      <inkml:timestamp xml:id="ts0" timeString="2024-07-04T23:52:48.053"/>
+      <inkml:timestamp xml:id="ts0" timeString="2024-07-05T03:34:34.704"/>
     </inkml:context>
     <inkml:brush xml:id="br0">
       <inkml:brushProperty name="width" value="0.035" units="cm"/>
@@ -2573,7 +3144,7 @@
           <inkml:channelProperty channel="F" name="resolution" value="0" units="1/dev"/>
         </inkml:channelProperties>
       </inkml:inkSource>
-      <inkml:timestamp xml:id="ts0" timeString="2024-07-04T23:52:48.871"/>
+      <inkml:timestamp xml:id="ts0" timeString="2024-07-05T03:34:34.705"/>
     </inkml:context>
     <inkml:brush xml:id="br0">
       <inkml:brushProperty name="width" value="0.035" units="cm"/>
@@ -2601,7 +3172,7 @@
           <inkml:channelProperty channel="F" name="resolution" value="0" units="1/dev"/>
         </inkml:channelProperties>
       </inkml:inkSource>
-      <inkml:timestamp xml:id="ts0" timeString="2024-07-04T23:52:49.657"/>
+      <inkml:timestamp xml:id="ts0" timeString="2024-07-05T03:34:34.706"/>
     </inkml:context>
     <inkml:brush xml:id="br0">
       <inkml:brushProperty name="width" value="0.035" units="cm"/>
@@ -2629,7 +3200,7 @@
           <inkml:channelProperty channel="F" name="resolution" value="0" units="1/dev"/>
         </inkml:channelProperties>
       </inkml:inkSource>
-      <inkml:timestamp xml:id="ts0" timeString="2024-07-04T23:52:50.289"/>
+      <inkml:timestamp xml:id="ts0" timeString="2024-07-05T03:34:34.707"/>
     </inkml:context>
     <inkml:brush xml:id="br0">
       <inkml:brushProperty name="width" value="0.035" units="cm"/>
@@ -2657,7 +3228,7 @@
           <inkml:channelProperty channel="F" name="resolution" value="0" units="1/dev"/>
         </inkml:channelProperties>
       </inkml:inkSource>
-      <inkml:timestamp xml:id="ts0" timeString="2024-07-04T23:52:51.022"/>
+      <inkml:timestamp xml:id="ts0" timeString="2024-07-05T03:34:34.708"/>
     </inkml:context>
     <inkml:brush xml:id="br0">
       <inkml:brushProperty name="width" value="0.035" units="cm"/>
@@ -2666,6 +3237,174 @@
     </inkml:brush>
   </inkml:definitions>
   <inkml:trace contextRef="#ctx0" brushRef="#br0">2 1 24575,'0'42'0,"-1"-12"0,4 37 0,-2-57 0,1 1 0,0-1 0,0 0 0,1 0 0,1 0 0,0-1 0,7 14 0,-9-19 0,0 0 0,1-1 0,-1 1 0,1 0 0,0-1 0,0 1 0,1-1 0,-1 0 0,1 0 0,-1 0 0,1-1 0,0 1 0,8 3 0,-4-4 0,0 0 0,0 0 0,1 0 0,-1-1 0,0 0 0,16-1 0,17 1 0,156-6 0,-176 1-227,0-2-1,0 0 1,-1-1-1,0-1 1,31-16-1,-37 16-6598</inkml:trace>
+</inkml:ink>
+</file>
+
+<file path=ppt/ink/ink94.xml><?xml version="1.0" encoding="utf-8"?>
+<inkml:ink xmlns:inkml="http://www.w3.org/2003/InkML">
+  <inkml:definitions>
+    <inkml:context xml:id="ctx0">
+      <inkml:inkSource xml:id="inkSrc0">
+        <inkml:traceFormat>
+          <inkml:channel name="X" type="integer" min="-2.14748E9" max="2.14748E9" units="cm"/>
+          <inkml:channel name="Y" type="integer" min="-2.14748E9" max="2.14748E9" units="cm"/>
+          <inkml:channel name="F" type="integer" max="32767" units="dev"/>
+        </inkml:traceFormat>
+        <inkml:channelProperties>
+          <inkml:channelProperty channel="X" name="resolution" value="1000" units="1/cm"/>
+          <inkml:channelProperty channel="Y" name="resolution" value="1000" units="1/cm"/>
+          <inkml:channelProperty channel="F" name="resolution" value="0" units="1/dev"/>
+        </inkml:channelProperties>
+      </inkml:inkSource>
+      <inkml:timestamp xml:id="ts0" timeString="2024-07-04T23:51:47.180"/>
+    </inkml:context>
+    <inkml:brush xml:id="br0">
+      <inkml:brushProperty name="width" value="0.035" units="cm"/>
+      <inkml:brushProperty name="height" value="0.035" units="cm"/>
+      <inkml:brushProperty name="color" value="#E71224"/>
+    </inkml:brush>
+  </inkml:definitions>
+  <inkml:trace contextRef="#ctx0" brushRef="#br0">1 0 24575,'1'5'0,"1"-1"0,-1 0 0,1-1 0,0 1 0,0 0 0,1 0 0,-1-1 0,1 1 0,0-1 0,3 3 0,8 12 0,28 42 0,-29-43 0,0 1 0,20 37 0,45 120 0,-68-150 0,-2-1 0,0 1 0,-2 1 0,6 38 0,-7-35 0,14 41 0,-12-49 0,-1 0 0,-1 0 0,-1 0 0,1 32 0,-6 445 0,0-484 11,0 0 1,-1 0-1,-6 20 0,0 0-1421,5-15-5416</inkml:trace>
+</inkml:ink>
+</file>
+
+<file path=ppt/ink/ink95.xml><?xml version="1.0" encoding="utf-8"?>
+<inkml:ink xmlns:inkml="http://www.w3.org/2003/InkML">
+  <inkml:definitions>
+    <inkml:context xml:id="ctx0">
+      <inkml:inkSource xml:id="inkSrc0">
+        <inkml:traceFormat>
+          <inkml:channel name="X" type="integer" min="-2.14748E9" max="2.14748E9" units="cm"/>
+          <inkml:channel name="Y" type="integer" min="-2.14748E9" max="2.14748E9" units="cm"/>
+          <inkml:channel name="F" type="integer" max="32767" units="dev"/>
+        </inkml:traceFormat>
+        <inkml:channelProperties>
+          <inkml:channelProperty channel="X" name="resolution" value="1000" units="1/cm"/>
+          <inkml:channelProperty channel="Y" name="resolution" value="1000" units="1/cm"/>
+          <inkml:channelProperty channel="F" name="resolution" value="0" units="1/dev"/>
+        </inkml:channelProperties>
+      </inkml:inkSource>
+      <inkml:timestamp xml:id="ts0" timeString="2024-07-04T23:51:50.103"/>
+    </inkml:context>
+    <inkml:brush xml:id="br0">
+      <inkml:brushProperty name="width" value="0.035" units="cm"/>
+      <inkml:brushProperty name="height" value="0.035" units="cm"/>
+      <inkml:brushProperty name="color" value="#E71224"/>
+    </inkml:brush>
+  </inkml:definitions>
+  <inkml:trace contextRef="#ctx0" brushRef="#br0">529 1 24575,'-4'0'0,"-17"0"0,0 1 0,-39 5 0,54-4 0,0-1 0,0 1 0,0 0 0,0 1 0,0-1 0,0 1 0,0 0 0,1 1 0,-1-1 0,1 1 0,0 0 0,1 1 0,-8 6 0,-7 10 0,-1-1 0,-28 20 0,25-22 0,2 1 0,-24 26 0,23-18 0,0 0 0,-19 35 0,33-49 0,2 0 0,0 1 0,0-1 0,1 1 0,1 0 0,0 0 0,-3 28 0,4 30 0,2-46 0,-1 1 0,-8 43 0,4-27 0,1 1 0,2 0 0,5 85 0,0-33 0,-2-93 0,-1 19 0,1 0 0,1 0 0,1 0 0,1 0 0,1 0 0,0 0 0,11 28 0,-8-32 0,1-1 0,1 0 0,0 0 0,1-1 0,0 0 0,2-1 0,0 0 0,0-1 0,1 0 0,16 12 0,21 14 0,-28-22 0,1-1 0,40 24 0,-52-35 0,1 0 0,1 0 0,-1-1 0,1-1 0,0 0 0,0 0 0,0-2 0,0 1 0,1-2 0,14 1 0,76-4-1365,-81 2-5461</inkml:trace>
+</inkml:ink>
+</file>
+
+<file path=ppt/ink/ink96.xml><?xml version="1.0" encoding="utf-8"?>
+<inkml:ink xmlns:inkml="http://www.w3.org/2003/InkML">
+  <inkml:definitions>
+    <inkml:context xml:id="ctx0">
+      <inkml:inkSource xml:id="inkSrc0">
+        <inkml:traceFormat>
+          <inkml:channel name="X" type="integer" min="-2.14748E9" max="2.14748E9" units="cm"/>
+          <inkml:channel name="Y" type="integer" min="-2.14748E9" max="2.14748E9" units="cm"/>
+          <inkml:channel name="F" type="integer" max="32767" units="dev"/>
+        </inkml:traceFormat>
+        <inkml:channelProperties>
+          <inkml:channelProperty channel="X" name="resolution" value="1000" units="1/cm"/>
+          <inkml:channelProperty channel="Y" name="resolution" value="1000" units="1/cm"/>
+          <inkml:channelProperty channel="F" name="resolution" value="0" units="1/dev"/>
+        </inkml:channelProperties>
+      </inkml:inkSource>
+      <inkml:timestamp xml:id="ts0" timeString="2024-07-04T23:51:53.275"/>
+    </inkml:context>
+    <inkml:brush xml:id="br0">
+      <inkml:brushProperty name="width" value="0.035" units="cm"/>
+      <inkml:brushProperty name="height" value="0.035" units="cm"/>
+      <inkml:brushProperty name="color" value="#E71224"/>
+    </inkml:brush>
+  </inkml:definitions>
+  <inkml:trace contextRef="#ctx0" brushRef="#br0">166 0 24575,'1'4'0,"1"0"0,-1 0 0,1 0 0,0 0 0,1-1 0,-1 1 0,1-1 0,-1 0 0,1 0 0,0 1 0,0-2 0,5 4 0,0 3 0,132 161 0,-127-151 0,0-1 0,-1 2 0,10 24 0,-18-37 0,-1 0 0,-1 1 0,1-1 0,-1 1 0,0-1 0,-1 1 0,0 0 0,0 0 0,-1 0 0,0-1 0,0 1 0,-3 14 0,0-14 0,-1 1 0,0-1 0,0 0 0,-1 0 0,0 0 0,0-1 0,-1 1 0,0-1 0,-1-1 0,1 1 0,-1-1 0,0 0 0,-9 5 0,-24 23 0,15-12 0,-2-1 0,-1 0 0,-30 15 0,28-18 0,1 2 0,-47 39 0,62-47-1365,2-2-5461</inkml:trace>
+</inkml:ink>
+</file>
+
+<file path=ppt/ink/ink97.xml><?xml version="1.0" encoding="utf-8"?>
+<inkml:ink xmlns:inkml="http://www.w3.org/2003/InkML">
+  <inkml:definitions>
+    <inkml:context xml:id="ctx0">
+      <inkml:inkSource xml:id="inkSrc0">
+        <inkml:traceFormat>
+          <inkml:channel name="X" type="integer" min="-2.14748E9" max="2.14748E9" units="cm"/>
+          <inkml:channel name="Y" type="integer" min="-2.14748E9" max="2.14748E9" units="cm"/>
+          <inkml:channel name="F" type="integer" max="32767" units="dev"/>
+        </inkml:traceFormat>
+        <inkml:channelProperties>
+          <inkml:channelProperty channel="X" name="resolution" value="1000" units="1/cm"/>
+          <inkml:channelProperty channel="Y" name="resolution" value="1000" units="1/cm"/>
+          <inkml:channelProperty channel="F" name="resolution" value="0" units="1/dev"/>
+        </inkml:channelProperties>
+      </inkml:inkSource>
+      <inkml:timestamp xml:id="ts0" timeString="2024-07-04T23:52:34.200"/>
+    </inkml:context>
+    <inkml:brush xml:id="br0">
+      <inkml:brushProperty name="width" value="0.035" units="cm"/>
+      <inkml:brushProperty name="height" value="0.035" units="cm"/>
+      <inkml:brushProperty name="color" value="#E71224"/>
+    </inkml:brush>
+  </inkml:definitions>
+  <inkml:trace contextRef="#ctx0" brushRef="#br0">0 29 24575,'411'0'0,"-379"-2"0,60-10 0,-60 6 0,58-3 0,1009 10-1365,-1077-1-5461</inkml:trace>
+</inkml:ink>
+</file>
+
+<file path=ppt/ink/ink98.xml><?xml version="1.0" encoding="utf-8"?>
+<inkml:ink xmlns:inkml="http://www.w3.org/2003/InkML">
+  <inkml:definitions>
+    <inkml:context xml:id="ctx0">
+      <inkml:inkSource xml:id="inkSrc0">
+        <inkml:traceFormat>
+          <inkml:channel name="X" type="integer" min="-2.14748E9" max="2.14748E9" units="cm"/>
+          <inkml:channel name="Y" type="integer" min="-2.14748E9" max="2.14748E9" units="cm"/>
+          <inkml:channel name="F" type="integer" max="32767" units="dev"/>
+        </inkml:traceFormat>
+        <inkml:channelProperties>
+          <inkml:channelProperty channel="X" name="resolution" value="1000" units="1/cm"/>
+          <inkml:channelProperty channel="Y" name="resolution" value="1000" units="1/cm"/>
+          <inkml:channelProperty channel="F" name="resolution" value="0" units="1/dev"/>
+        </inkml:channelProperties>
+      </inkml:inkSource>
+      <inkml:timestamp xml:id="ts0" timeString="2024-07-04T23:52:48.053"/>
+    </inkml:context>
+    <inkml:brush xml:id="br0">
+      <inkml:brushProperty name="width" value="0.035" units="cm"/>
+      <inkml:brushProperty name="height" value="0.035" units="cm"/>
+      <inkml:brushProperty name="color" value="#E71224"/>
+    </inkml:brush>
+  </inkml:definitions>
+  <inkml:trace contextRef="#ctx0" brushRef="#br0">396 1 24575,'-15'0'0,"-1"2"0,1 0 0,0 0 0,0 2 0,0-1 0,0 2 0,1 0 0,0 1 0,0 1 0,-15 8 0,11-4 0,1 1 0,0 1 0,0 1 0,2 0 0,-1 1 0,-22 29 0,33-36 0,0 1 0,1-1 0,0 1 0,1-1 0,0 1 0,1 0 0,-1 0 0,2 0 0,-2 10 0,-8 34 0,2-25 0,1 0 0,1 1 0,-5 57 0,11-77 0,1-1 0,1 0 0,-1 1 0,1-1 0,0 1 0,1-1 0,0 0 0,1 0 0,0 0 0,0 0 0,0 0 0,1 0 0,0-1 0,1 0 0,-1 0 0,1 0 0,1 0 0,7 7 0,-2-5 0,-1-1 0,1 0 0,1 0 0,-1-1 0,1-1 0,0 0 0,1-1 0,0 0 0,-1-1 0,2 0 0,-1-1 0,14 1 0,19 1 0,0-3 0,57-3 0,-26-1 0,-71 2 0,1 0 0,-1 0 0,1-1 0,-1 0 0,0 0 0,1 0 0,-1-1 0,0 0 0,0 0 0,0-1 0,0 0 0,0 0 0,-1 0 0,1-1 0,-1 0 0,0 0 0,0 0 0,0 0 0,-1-1 0,1 0 0,-1 0 0,0 0 0,-1 0 0,1-1 0,-1 1 0,0-1 0,0 0 0,-1 0 0,0 0 0,0-1 0,0 1 0,1-10 0,-2 6 0,0 0 0,-1-1 0,0 1 0,-1 0 0,0 0 0,0 0 0,-1 0 0,-3-10 0,3 16 0,0-1 0,0 0 0,0 1 0,-1-1 0,0 1 0,0 0 0,0 0 0,0 0 0,-1 0 0,1 1 0,-1-1 0,0 1 0,0 0 0,0 0 0,-1 0 0,1 1 0,-9-4 0,-7-2 0,0 2 0,0 0 0,0 0 0,-1 2 0,-25-2 0,-104 3 0,102 4 0,28-1-109,-9-1-142,1 2-1,-1 1 1,1 1 0,-31 8 0,41-7-6575</inkml:trace>
+</inkml:ink>
+</file>
+
+<file path=ppt/ink/ink99.xml><?xml version="1.0" encoding="utf-8"?>
+<inkml:ink xmlns:inkml="http://www.w3.org/2003/InkML">
+  <inkml:definitions>
+    <inkml:context xml:id="ctx0">
+      <inkml:inkSource xml:id="inkSrc0">
+        <inkml:traceFormat>
+          <inkml:channel name="X" type="integer" min="-2.14748E9" max="2.14748E9" units="cm"/>
+          <inkml:channel name="Y" type="integer" min="-2.14748E9" max="2.14748E9" units="cm"/>
+          <inkml:channel name="F" type="integer" max="32767" units="dev"/>
+        </inkml:traceFormat>
+        <inkml:channelProperties>
+          <inkml:channelProperty channel="X" name="resolution" value="1000" units="1/cm"/>
+          <inkml:channelProperty channel="Y" name="resolution" value="1000" units="1/cm"/>
+          <inkml:channelProperty channel="F" name="resolution" value="0" units="1/dev"/>
+        </inkml:channelProperties>
+      </inkml:inkSource>
+      <inkml:timestamp xml:id="ts0" timeString="2024-07-04T23:52:48.871"/>
+    </inkml:context>
+    <inkml:brush xml:id="br0">
+      <inkml:brushProperty name="width" value="0.035" units="cm"/>
+      <inkml:brushProperty name="height" value="0.035" units="cm"/>
+      <inkml:brushProperty name="color" value="#E71224"/>
+    </inkml:brush>
+  </inkml:definitions>
+  <inkml:trace contextRef="#ctx0" brushRef="#br0">2 1 24575,'0'35'0,"-1"22"0,3-1 0,13 85 0,-2-52 0,-9-55 0,1 1 0,19 58 0,-18-73-1365,-1-2-5461</inkml:trace>
 </inkml:ink>
 </file>
 
@@ -19249,12 +19988,55 @@
           </a:fontRef>
         </p:style>
       </p:cxnSp>
+      <p:cxnSp>
+        <p:nvCxnSpPr>
+          <p:cNvPr id="9" name="直線コネクタ 8">
+            <a:extLst>
+              <a:ext uri="{FF2B5EF4-FFF2-40B4-BE49-F238E27FC236}">
+                <a16:creationId xmlns:a16="http://schemas.microsoft.com/office/drawing/2014/main" id="{C327D80E-18AF-CFBA-9D04-1FE138898D9C}"/>
+              </a:ext>
+            </a:extLst>
+          </p:cNvPr>
+          <p:cNvCxnSpPr>
+            <a:cxnSpLocks/>
+          </p:cNvCxnSpPr>
+          <p:nvPr/>
+        </p:nvCxnSpPr>
+        <p:spPr>
+          <a:xfrm>
+            <a:off x="3597455" y="5624467"/>
+            <a:ext cx="7833674" cy="0"/>
+          </a:xfrm>
+          <a:prstGeom prst="line">
+            <a:avLst/>
+          </a:prstGeom>
+          <a:ln w="57150">
+            <a:solidFill>
+              <a:srgbClr val="FFFF00"/>
+            </a:solidFill>
+          </a:ln>
+        </p:spPr>
+        <p:style>
+          <a:lnRef idx="1">
+            <a:schemeClr val="accent1"/>
+          </a:lnRef>
+          <a:fillRef idx="0">
+            <a:schemeClr val="accent1"/>
+          </a:fillRef>
+          <a:effectRef idx="0">
+            <a:schemeClr val="accent1"/>
+          </a:effectRef>
+          <a:fontRef idx="minor">
+            <a:schemeClr val="tx1"/>
+          </a:fontRef>
+        </p:style>
+      </p:cxnSp>
       <p:sp>
         <p:nvSpPr>
-          <p:cNvPr id="7" name="テキスト ボックス 6">
-            <a:extLst>
-              <a:ext uri="{FF2B5EF4-FFF2-40B4-BE49-F238E27FC236}">
-                <a16:creationId xmlns:a16="http://schemas.microsoft.com/office/drawing/2014/main" id="{973192F5-CFCA-FB2D-586D-910360AD8A7F}"/>
+          <p:cNvPr id="25" name="テキスト ボックス 24">
+            <a:extLst>
+              <a:ext uri="{FF2B5EF4-FFF2-40B4-BE49-F238E27FC236}">
+                <a16:creationId xmlns:a16="http://schemas.microsoft.com/office/drawing/2014/main" id="{948C5D0E-5F44-6085-1F3E-F0BE201453CE}"/>
               </a:ext>
             </a:extLst>
           </p:cNvPr>
@@ -19263,8 +20045,8 @@
         </p:nvSpPr>
         <p:spPr>
           <a:xfrm>
-            <a:off x="5284089" y="4994967"/>
-            <a:ext cx="1107996" cy="369332"/>
+            <a:off x="3128980" y="2090914"/>
+            <a:ext cx="1569660" cy="369332"/>
           </a:xfrm>
           <a:prstGeom prst="rect">
             <a:avLst/>
@@ -19278,18 +20060,18 @@
           <a:lstStyle/>
           <a:p>
             <a:r>
-              <a:rPr kumimoji="1" lang="ja-JP" altLang="en-US" b="1" dirty="0"/>
-              <a:t>重力方向</a:t>
+              <a:rPr kumimoji="1" lang="ja-JP" altLang="en-US" dirty="0"/>
+              <a:t>留まっている</a:t>
             </a:r>
           </a:p>
         </p:txBody>
       </p:sp>
       <p:cxnSp>
         <p:nvCxnSpPr>
-          <p:cNvPr id="9" name="直線コネクタ 8">
-            <a:extLst>
-              <a:ext uri="{FF2B5EF4-FFF2-40B4-BE49-F238E27FC236}">
-                <a16:creationId xmlns:a16="http://schemas.microsoft.com/office/drawing/2014/main" id="{C327D80E-18AF-CFBA-9D04-1FE138898D9C}"/>
+          <p:cNvPr id="26" name="直線矢印コネクタ 25">
+            <a:extLst>
+              <a:ext uri="{FF2B5EF4-FFF2-40B4-BE49-F238E27FC236}">
+                <a16:creationId xmlns:a16="http://schemas.microsoft.com/office/drawing/2014/main" id="{207521F3-2DD4-4386-9AB8-C957243E0EC3}"/>
               </a:ext>
             </a:extLst>
           </p:cNvPr>
@@ -19300,16 +20082,17 @@
         </p:nvCxnSpPr>
         <p:spPr>
           <a:xfrm>
-            <a:off x="3597455" y="5624467"/>
-            <a:ext cx="7833674" cy="0"/>
-          </a:xfrm>
-          <a:prstGeom prst="line">
+            <a:off x="5830193" y="3264916"/>
+            <a:ext cx="902949" cy="1265333"/>
+          </a:xfrm>
+          <a:prstGeom prst="straightConnector1">
             <a:avLst/>
           </a:prstGeom>
           <a:ln w="57150">
             <a:solidFill>
-              <a:srgbClr val="FFFF00"/>
+              <a:srgbClr val="00B050"/>
             </a:solidFill>
+            <a:tailEnd type="triangle"/>
           </a:ln>
         </p:spPr>
         <p:style>
@@ -19329,10 +20112,10 @@
       </p:cxnSp>
       <p:grpSp>
         <p:nvGrpSpPr>
-          <p:cNvPr id="13" name="グループ化 12">
-            <a:extLst>
-              <a:ext uri="{FF2B5EF4-FFF2-40B4-BE49-F238E27FC236}">
-                <a16:creationId xmlns:a16="http://schemas.microsoft.com/office/drawing/2014/main" id="{790D884C-AFF3-B09E-B3CD-70BE76F501DC}"/>
+          <p:cNvPr id="38" name="グループ化 37">
+            <a:extLst>
+              <a:ext uri="{FF2B5EF4-FFF2-40B4-BE49-F238E27FC236}">
+                <a16:creationId xmlns:a16="http://schemas.microsoft.com/office/drawing/2014/main" id="{CB30704C-7BBA-4D3A-8FB7-D8EE012BF6FF}"/>
               </a:ext>
             </a:extLst>
           </p:cNvPr>
@@ -19347,14 +20130,14 @@
             <a:chExt cx="482760" cy="934560"/>
           </a:xfrm>
         </p:grpSpPr>
-        <mc:AlternateContent xmlns:mc="http://schemas.openxmlformats.org/markup-compatibility/2006">
-          <mc:Choice xmlns:p14="http://schemas.microsoft.com/office/powerpoint/2010/main" Requires="p14">
+        <mc:AlternateContent xmlns:mc="http://schemas.openxmlformats.org/markup-compatibility/2006" xmlns:p14="http://schemas.microsoft.com/office/powerpoint/2010/main">
+          <mc:Choice Requires="p14">
             <p:contentPart p14:bwMode="auto" r:id="rId2">
               <p14:nvContentPartPr>
-                <p14:cNvPr id="11" name="インク 10">
+                <p14:cNvPr id="39" name="インク 38">
                   <a:extLst>
                     <a:ext uri="{FF2B5EF4-FFF2-40B4-BE49-F238E27FC236}">
-                      <a16:creationId xmlns:a16="http://schemas.microsoft.com/office/drawing/2014/main" id="{97E09E63-5A63-0267-25BD-3620E528B19E}"/>
+                      <a16:creationId xmlns:a16="http://schemas.microsoft.com/office/drawing/2014/main" id="{C8A6B35B-E82A-4A01-91A2-5EB1829A0C0F}"/>
                     </a:ext>
                   </a:extLst>
                 </p14:cNvPr>
@@ -19367,7 +20150,7 @@
               </p14:xfrm>
             </p:contentPart>
           </mc:Choice>
-          <mc:Fallback>
+          <mc:Fallback xmlns="">
             <p:pic>
               <p:nvPicPr>
                 <p:cNvPr id="11" name="インク 10">
@@ -19398,14 +20181,14 @@
             </p:pic>
           </mc:Fallback>
         </mc:AlternateContent>
-        <mc:AlternateContent xmlns:mc="http://schemas.openxmlformats.org/markup-compatibility/2006">
-          <mc:Choice xmlns:p14="http://schemas.microsoft.com/office/powerpoint/2010/main" Requires="p14">
+        <mc:AlternateContent xmlns:mc="http://schemas.openxmlformats.org/markup-compatibility/2006" xmlns:p14="http://schemas.microsoft.com/office/powerpoint/2010/main">
+          <mc:Choice Requires="p14">
             <p:contentPart p14:bwMode="auto" r:id="rId4">
               <p14:nvContentPartPr>
-                <p14:cNvPr id="12" name="インク 11">
+                <p14:cNvPr id="40" name="インク 39">
                   <a:extLst>
                     <a:ext uri="{FF2B5EF4-FFF2-40B4-BE49-F238E27FC236}">
-                      <a16:creationId xmlns:a16="http://schemas.microsoft.com/office/drawing/2014/main" id="{178FCDB3-8439-451A-06B4-834220AB3E7A}"/>
+                      <a16:creationId xmlns:a16="http://schemas.microsoft.com/office/drawing/2014/main" id="{54D31CBA-7B10-4671-8930-B659260C1E2F}"/>
                     </a:ext>
                   </a:extLst>
                 </p14:cNvPr>
@@ -19418,7 +20201,7 @@
               </p14:xfrm>
             </p:contentPart>
           </mc:Choice>
-          <mc:Fallback>
+          <mc:Fallback xmlns="">
             <p:pic>
               <p:nvPicPr>
                 <p:cNvPr id="12" name="インク 11">
@@ -19454,6 +20237,709 @@
         <mc:Choice xmlns:p14="http://schemas.microsoft.com/office/powerpoint/2010/main" Requires="p14">
           <p:contentPart p14:bwMode="auto" r:id="rId6">
             <p14:nvContentPartPr>
+              <p14:cNvPr id="41" name="インク 40">
+                <a:extLst>
+                  <a:ext uri="{FF2B5EF4-FFF2-40B4-BE49-F238E27FC236}">
+                    <a16:creationId xmlns:a16="http://schemas.microsoft.com/office/drawing/2014/main" id="{FB8C444D-6FEF-4F63-8686-170B876D856A}"/>
+                  </a:ext>
+                </a:extLst>
+              </p14:cNvPr>
+              <p14:cNvContentPartPr/>
+              <p14:nvPr/>
+            </p14:nvContentPartPr>
+            <p14:xfrm>
+              <a:off x="4257713" y="5891678"/>
+              <a:ext cx="154080" cy="288720"/>
+            </p14:xfrm>
+          </p:contentPart>
+        </mc:Choice>
+        <mc:Fallback>
+          <p:pic>
+            <p:nvPicPr>
+              <p:cNvPr id="41" name="インク 40">
+                <a:extLst>
+                  <a:ext uri="{FF2B5EF4-FFF2-40B4-BE49-F238E27FC236}">
+                    <a16:creationId xmlns:a16="http://schemas.microsoft.com/office/drawing/2014/main" id="{FB8C444D-6FEF-4F63-8686-170B876D856A}"/>
+                  </a:ext>
+                </a:extLst>
+              </p:cNvPr>
+              <p:cNvPicPr/>
+              <p:nvPr/>
+            </p:nvPicPr>
+            <p:blipFill>
+              <a:blip r:embed="rId7"/>
+              <a:stretch>
+                <a:fillRect/>
+              </a:stretch>
+            </p:blipFill>
+            <p:spPr>
+              <a:xfrm>
+                <a:off x="4251593" y="5885558"/>
+                <a:ext cx="166320" cy="300960"/>
+              </a:xfrm>
+              <a:prstGeom prst="rect">
+                <a:avLst/>
+              </a:prstGeom>
+            </p:spPr>
+          </p:pic>
+        </mc:Fallback>
+      </mc:AlternateContent>
+      <mc:AlternateContent xmlns:mc="http://schemas.openxmlformats.org/markup-compatibility/2006">
+        <mc:Choice xmlns:p14="http://schemas.microsoft.com/office/powerpoint/2010/main" Requires="p14">
+          <p:contentPart p14:bwMode="auto" r:id="rId8">
+            <p14:nvContentPartPr>
+              <p14:cNvPr id="42" name="インク 41">
+                <a:extLst>
+                  <a:ext uri="{FF2B5EF4-FFF2-40B4-BE49-F238E27FC236}">
+                    <a16:creationId xmlns:a16="http://schemas.microsoft.com/office/drawing/2014/main" id="{8ECA02D4-1706-4B12-AF4D-0E08F555E941}"/>
+                  </a:ext>
+                </a:extLst>
+              </p14:cNvPr>
+              <p14:cNvContentPartPr/>
+              <p14:nvPr/>
+            </p14:nvContentPartPr>
+            <p14:xfrm>
+              <a:off x="4656593" y="6107678"/>
+              <a:ext cx="640440" cy="10440"/>
+            </p14:xfrm>
+          </p:contentPart>
+        </mc:Choice>
+        <mc:Fallback>
+          <p:pic>
+            <p:nvPicPr>
+              <p:cNvPr id="42" name="インク 41">
+                <a:extLst>
+                  <a:ext uri="{FF2B5EF4-FFF2-40B4-BE49-F238E27FC236}">
+                    <a16:creationId xmlns:a16="http://schemas.microsoft.com/office/drawing/2014/main" id="{8ECA02D4-1706-4B12-AF4D-0E08F555E941}"/>
+                  </a:ext>
+                </a:extLst>
+              </p:cNvPr>
+              <p:cNvPicPr/>
+              <p:nvPr/>
+            </p:nvPicPr>
+            <p:blipFill>
+              <a:blip r:embed="rId9"/>
+              <a:stretch>
+                <a:fillRect/>
+              </a:stretch>
+            </p:blipFill>
+            <p:spPr>
+              <a:xfrm>
+                <a:off x="4650473" y="6101762"/>
+                <a:ext cx="652680" cy="22272"/>
+              </a:xfrm>
+              <a:prstGeom prst="rect">
+                <a:avLst/>
+              </a:prstGeom>
+            </p:spPr>
+          </p:pic>
+        </mc:Fallback>
+      </mc:AlternateContent>
+      <mc:AlternateContent xmlns:mc="http://schemas.openxmlformats.org/markup-compatibility/2006">
+        <mc:Choice xmlns:p14="http://schemas.microsoft.com/office/powerpoint/2010/main" Requires="p14">
+          <p:contentPart p14:bwMode="auto" r:id="rId10">
+            <p14:nvContentPartPr>
+              <p14:cNvPr id="43" name="インク 42">
+                <a:extLst>
+                  <a:ext uri="{FF2B5EF4-FFF2-40B4-BE49-F238E27FC236}">
+                    <a16:creationId xmlns:a16="http://schemas.microsoft.com/office/drawing/2014/main" id="{E8F49727-FEC9-4C82-8438-286701E99F3E}"/>
+                  </a:ext>
+                </a:extLst>
+              </p14:cNvPr>
+              <p14:cNvContentPartPr/>
+              <p14:nvPr/>
+            </p14:nvContentPartPr>
+            <p14:xfrm>
+              <a:off x="4881593" y="6183638"/>
+              <a:ext cx="238320" cy="265320"/>
+            </p14:xfrm>
+          </p:contentPart>
+        </mc:Choice>
+        <mc:Fallback>
+          <p:pic>
+            <p:nvPicPr>
+              <p:cNvPr id="43" name="インク 42">
+                <a:extLst>
+                  <a:ext uri="{FF2B5EF4-FFF2-40B4-BE49-F238E27FC236}">
+                    <a16:creationId xmlns:a16="http://schemas.microsoft.com/office/drawing/2014/main" id="{E8F49727-FEC9-4C82-8438-286701E99F3E}"/>
+                  </a:ext>
+                </a:extLst>
+              </p:cNvPr>
+              <p:cNvPicPr/>
+              <p:nvPr/>
+            </p:nvPicPr>
+            <p:blipFill>
+              <a:blip r:embed="rId11"/>
+              <a:stretch>
+                <a:fillRect/>
+              </a:stretch>
+            </p:blipFill>
+            <p:spPr>
+              <a:xfrm>
+                <a:off x="4875473" y="6177510"/>
+                <a:ext cx="250560" cy="277577"/>
+              </a:xfrm>
+              <a:prstGeom prst="rect">
+                <a:avLst/>
+              </a:prstGeom>
+            </p:spPr>
+          </p:pic>
+        </mc:Fallback>
+      </mc:AlternateContent>
+      <mc:AlternateContent xmlns:mc="http://schemas.openxmlformats.org/markup-compatibility/2006">
+        <mc:Choice xmlns:p14="http://schemas.microsoft.com/office/powerpoint/2010/main" Requires="p14">
+          <p:contentPart p14:bwMode="auto" r:id="rId12">
+            <p14:nvContentPartPr>
+              <p14:cNvPr id="44" name="インク 43">
+                <a:extLst>
+                  <a:ext uri="{FF2B5EF4-FFF2-40B4-BE49-F238E27FC236}">
+                    <a16:creationId xmlns:a16="http://schemas.microsoft.com/office/drawing/2014/main" id="{BFE6861A-E50A-46F5-A751-F5C9559B74EB}"/>
+                  </a:ext>
+                </a:extLst>
+              </p14:cNvPr>
+              <p14:cNvContentPartPr/>
+              <p14:nvPr/>
+            </p14:nvContentPartPr>
+            <p14:xfrm>
+              <a:off x="4929473" y="5731118"/>
+              <a:ext cx="27000" cy="208440"/>
+            </p14:xfrm>
+          </p:contentPart>
+        </mc:Choice>
+        <mc:Fallback>
+          <p:pic>
+            <p:nvPicPr>
+              <p:cNvPr id="44" name="インク 43">
+                <a:extLst>
+                  <a:ext uri="{FF2B5EF4-FFF2-40B4-BE49-F238E27FC236}">
+                    <a16:creationId xmlns:a16="http://schemas.microsoft.com/office/drawing/2014/main" id="{BFE6861A-E50A-46F5-A751-F5C9559B74EB}"/>
+                  </a:ext>
+                </a:extLst>
+              </p:cNvPr>
+              <p:cNvPicPr/>
+              <p:nvPr/>
+            </p:nvPicPr>
+            <p:blipFill>
+              <a:blip r:embed="rId13"/>
+              <a:stretch>
+                <a:fillRect/>
+              </a:stretch>
+            </p:blipFill>
+            <p:spPr>
+              <a:xfrm>
+                <a:off x="4923353" y="5724998"/>
+                <a:ext cx="39240" cy="220680"/>
+              </a:xfrm>
+              <a:prstGeom prst="rect">
+                <a:avLst/>
+              </a:prstGeom>
+            </p:spPr>
+          </p:pic>
+        </mc:Fallback>
+      </mc:AlternateContent>
+      <p:grpSp>
+        <p:nvGrpSpPr>
+          <p:cNvPr id="45" name="グループ化 44">
+            <a:extLst>
+              <a:ext uri="{FF2B5EF4-FFF2-40B4-BE49-F238E27FC236}">
+                <a16:creationId xmlns:a16="http://schemas.microsoft.com/office/drawing/2014/main" id="{EB16D359-6EB0-4C49-A62B-D576A4ED780B}"/>
+              </a:ext>
+            </a:extLst>
+          </p:cNvPr>
+          <p:cNvGrpSpPr/>
+          <p:nvPr/>
+        </p:nvGrpSpPr>
+        <p:grpSpPr>
+          <a:xfrm>
+            <a:off x="5406473" y="6079958"/>
+            <a:ext cx="423720" cy="196560"/>
+            <a:chOff x="5406473" y="6079958"/>
+            <a:chExt cx="423720" cy="196560"/>
+          </a:xfrm>
+        </p:grpSpPr>
+        <mc:AlternateContent xmlns:mc="http://schemas.openxmlformats.org/markup-compatibility/2006" xmlns:p14="http://schemas.microsoft.com/office/powerpoint/2010/main">
+          <mc:Choice Requires="p14">
+            <p:contentPart p14:bwMode="auto" r:id="rId14">
+              <p14:nvContentPartPr>
+                <p14:cNvPr id="46" name="インク 45">
+                  <a:extLst>
+                    <a:ext uri="{FF2B5EF4-FFF2-40B4-BE49-F238E27FC236}">
+                      <a16:creationId xmlns:a16="http://schemas.microsoft.com/office/drawing/2014/main" id="{3125CCD9-05B3-4AB9-977F-1DC0E1FC3D23}"/>
+                    </a:ext>
+                  </a:extLst>
+                </p14:cNvPr>
+                <p14:cNvContentPartPr/>
+                <p14:nvPr/>
+              </p14:nvContentPartPr>
+              <p14:xfrm>
+                <a:off x="5457593" y="6079958"/>
+                <a:ext cx="338760" cy="360"/>
+              </p14:xfrm>
+            </p:contentPart>
+          </mc:Choice>
+          <mc:Fallback xmlns="">
+            <p:pic>
+              <p:nvPicPr>
+                <p:cNvPr id="20" name="インク 19">
+                  <a:extLst>
+                    <a:ext uri="{FF2B5EF4-FFF2-40B4-BE49-F238E27FC236}">
+                      <a16:creationId xmlns:a16="http://schemas.microsoft.com/office/drawing/2014/main" id="{709F5848-4EC3-E469-8AE0-F5E81C8AB820}"/>
+                    </a:ext>
+                  </a:extLst>
+                </p:cNvPr>
+                <p:cNvPicPr/>
+                <p:nvPr/>
+              </p:nvPicPr>
+              <p:blipFill>
+                <a:blip r:embed="rId15"/>
+                <a:stretch>
+                  <a:fillRect/>
+                </a:stretch>
+              </p:blipFill>
+              <p:spPr>
+                <a:xfrm>
+                  <a:off x="5451473" y="6073838"/>
+                  <a:ext cx="351000" cy="12600"/>
+                </a:xfrm>
+                <a:prstGeom prst="rect">
+                  <a:avLst/>
+                </a:prstGeom>
+              </p:spPr>
+            </p:pic>
+          </mc:Fallback>
+        </mc:AlternateContent>
+        <mc:AlternateContent xmlns:mc="http://schemas.openxmlformats.org/markup-compatibility/2006" xmlns:p14="http://schemas.microsoft.com/office/powerpoint/2010/main">
+          <mc:Choice Requires="p14">
+            <p:contentPart p14:bwMode="auto" r:id="rId16">
+              <p14:nvContentPartPr>
+                <p14:cNvPr id="47" name="インク 46">
+                  <a:extLst>
+                    <a:ext uri="{FF2B5EF4-FFF2-40B4-BE49-F238E27FC236}">
+                      <a16:creationId xmlns:a16="http://schemas.microsoft.com/office/drawing/2014/main" id="{3E876362-E332-4B73-98DA-AC061DAB867F}"/>
+                    </a:ext>
+                  </a:extLst>
+                </p14:cNvPr>
+                <p14:cNvContentPartPr/>
+                <p14:nvPr/>
+              </p14:nvContentPartPr>
+              <p14:xfrm>
+                <a:off x="5406473" y="6108038"/>
+                <a:ext cx="127080" cy="168480"/>
+              </p14:xfrm>
+            </p:contentPart>
+          </mc:Choice>
+          <mc:Fallback xmlns="">
+            <p:pic>
+              <p:nvPicPr>
+                <p:cNvPr id="21" name="インク 20">
+                  <a:extLst>
+                    <a:ext uri="{FF2B5EF4-FFF2-40B4-BE49-F238E27FC236}">
+                      <a16:creationId xmlns:a16="http://schemas.microsoft.com/office/drawing/2014/main" id="{76B99B83-C1BA-1D39-8BE8-452F05FBB711}"/>
+                    </a:ext>
+                  </a:extLst>
+                </p:cNvPr>
+                <p:cNvPicPr/>
+                <p:nvPr/>
+              </p:nvPicPr>
+              <p:blipFill>
+                <a:blip r:embed="rId17"/>
+                <a:stretch>
+                  <a:fillRect/>
+                </a:stretch>
+              </p:blipFill>
+              <p:spPr>
+                <a:xfrm>
+                  <a:off x="5400353" y="6101918"/>
+                  <a:ext cx="139320" cy="180720"/>
+                </a:xfrm>
+                <a:prstGeom prst="rect">
+                  <a:avLst/>
+                </a:prstGeom>
+              </p:spPr>
+            </p:pic>
+          </mc:Fallback>
+        </mc:AlternateContent>
+        <mc:AlternateContent xmlns:mc="http://schemas.openxmlformats.org/markup-compatibility/2006" xmlns:p14="http://schemas.microsoft.com/office/powerpoint/2010/main">
+          <mc:Choice Requires="p14">
+            <p:contentPart p14:bwMode="auto" r:id="rId18">
+              <p14:nvContentPartPr>
+                <p14:cNvPr id="48" name="インク 47">
+                  <a:extLst>
+                    <a:ext uri="{FF2B5EF4-FFF2-40B4-BE49-F238E27FC236}">
+                      <a16:creationId xmlns:a16="http://schemas.microsoft.com/office/drawing/2014/main" id="{77CF2B25-F75A-489E-B697-9FDCFFAC8AE2}"/>
+                    </a:ext>
+                  </a:extLst>
+                </p14:cNvPr>
+                <p14:cNvContentPartPr/>
+                <p14:nvPr/>
+              </p14:nvContentPartPr>
+              <p14:xfrm>
+                <a:off x="5626793" y="6127118"/>
+                <a:ext cx="203400" cy="105480"/>
+              </p14:xfrm>
+            </p:contentPart>
+          </mc:Choice>
+          <mc:Fallback xmlns="">
+            <p:pic>
+              <p:nvPicPr>
+                <p:cNvPr id="22" name="インク 21">
+                  <a:extLst>
+                    <a:ext uri="{FF2B5EF4-FFF2-40B4-BE49-F238E27FC236}">
+                      <a16:creationId xmlns:a16="http://schemas.microsoft.com/office/drawing/2014/main" id="{8EA984C9-7E8D-CB9F-078F-3DFE28BD64DD}"/>
+                    </a:ext>
+                  </a:extLst>
+                </p:cNvPr>
+                <p:cNvPicPr/>
+                <p:nvPr/>
+              </p:nvPicPr>
+              <p:blipFill>
+                <a:blip r:embed="rId19"/>
+                <a:stretch>
+                  <a:fillRect/>
+                </a:stretch>
+              </p:blipFill>
+              <p:spPr>
+                <a:xfrm>
+                  <a:off x="5620673" y="6120998"/>
+                  <a:ext cx="215640" cy="117720"/>
+                </a:xfrm>
+                <a:prstGeom prst="rect">
+                  <a:avLst/>
+                </a:prstGeom>
+              </p:spPr>
+            </p:pic>
+          </mc:Fallback>
+        </mc:AlternateContent>
+      </p:grpSp>
+    </p:spTree>
+    <p:extLst>
+      <p:ext uri="{BB962C8B-B14F-4D97-AF65-F5344CB8AC3E}">
+        <p14:creationId xmlns:p14="http://schemas.microsoft.com/office/powerpoint/2010/main" val="1729890911"/>
+      </p:ext>
+    </p:extLst>
+  </p:cSld>
+  <p:clrMapOvr>
+    <a:masterClrMapping/>
+  </p:clrMapOvr>
+</p:sld>
+</file>
+
+<file path=ppt/slides/slide29.xml><?xml version="1.0" encoding="utf-8"?>
+<p:sld xmlns:a="http://schemas.openxmlformats.org/drawingml/2006/main" xmlns:r="http://schemas.openxmlformats.org/officeDocument/2006/relationships" xmlns:p="http://schemas.openxmlformats.org/presentationml/2006/main">
+  <p:cSld>
+    <p:spTree>
+      <p:nvGrpSpPr>
+        <p:cNvPr id="1" name=""/>
+        <p:cNvGrpSpPr/>
+        <p:nvPr/>
+      </p:nvGrpSpPr>
+      <p:grpSpPr>
+        <a:xfrm>
+          <a:off x="0" y="0"/>
+          <a:ext cx="0" cy="0"/>
+          <a:chOff x="0" y="0"/>
+          <a:chExt cx="0" cy="0"/>
+        </a:xfrm>
+      </p:grpSpPr>
+      <p:cxnSp>
+        <p:nvCxnSpPr>
+          <p:cNvPr id="2" name="直線コネクタ 1">
+            <a:extLst>
+              <a:ext uri="{FF2B5EF4-FFF2-40B4-BE49-F238E27FC236}">
+                <a16:creationId xmlns:a16="http://schemas.microsoft.com/office/drawing/2014/main" id="{BFD53461-0E6E-F4E5-D7EC-FC8AE26C23EF}"/>
+              </a:ext>
+            </a:extLst>
+          </p:cNvPr>
+          <p:cNvCxnSpPr/>
+          <p:nvPr/>
+        </p:nvCxnSpPr>
+        <p:spPr>
+          <a:xfrm flipV="1">
+            <a:off x="3597455" y="2038729"/>
+            <a:ext cx="5181600" cy="3604591"/>
+          </a:xfrm>
+          <a:prstGeom prst="line">
+            <a:avLst/>
+          </a:prstGeom>
+          <a:ln w="57150">
+            <a:solidFill>
+              <a:srgbClr val="FFFF00"/>
+            </a:solidFill>
+          </a:ln>
+        </p:spPr>
+        <p:style>
+          <a:lnRef idx="1">
+            <a:schemeClr val="accent1"/>
+          </a:lnRef>
+          <a:fillRef idx="0">
+            <a:schemeClr val="accent1"/>
+          </a:fillRef>
+          <a:effectRef idx="0">
+            <a:schemeClr val="accent1"/>
+          </a:effectRef>
+          <a:fontRef idx="minor">
+            <a:schemeClr val="tx1"/>
+          </a:fontRef>
+        </p:style>
+      </p:cxnSp>
+      <p:sp>
+        <p:nvSpPr>
+          <p:cNvPr id="3" name="正方形/長方形 2">
+            <a:extLst>
+              <a:ext uri="{FF2B5EF4-FFF2-40B4-BE49-F238E27FC236}">
+                <a16:creationId xmlns:a16="http://schemas.microsoft.com/office/drawing/2014/main" id="{DF852CD5-F98A-E28C-549A-277B72646E17}"/>
+              </a:ext>
+            </a:extLst>
+          </p:cNvPr>
+          <p:cNvSpPr/>
+          <p:nvPr/>
+        </p:nvSpPr>
+        <p:spPr>
+          <a:xfrm rot="19537651">
+            <a:off x="4320207" y="2298760"/>
+            <a:ext cx="2915478" cy="1577009"/>
+          </a:xfrm>
+          <a:prstGeom prst="rect">
+            <a:avLst/>
+          </a:prstGeom>
+        </p:spPr>
+        <p:style>
+          <a:lnRef idx="2">
+            <a:schemeClr val="accent1">
+              <a:shade val="15000"/>
+            </a:schemeClr>
+          </a:lnRef>
+          <a:fillRef idx="1">
+            <a:schemeClr val="accent1"/>
+          </a:fillRef>
+          <a:effectRef idx="0">
+            <a:schemeClr val="accent1"/>
+          </a:effectRef>
+          <a:fontRef idx="minor">
+            <a:schemeClr val="lt1"/>
+          </a:fontRef>
+        </p:style>
+        <p:txBody>
+          <a:bodyPr rtlCol="0" anchor="ctr"/>
+          <a:lstStyle/>
+          <a:p>
+            <a:pPr algn="ctr"/>
+            <a:endParaRPr kumimoji="1" lang="ja-JP" altLang="en-US"/>
+          </a:p>
+        </p:txBody>
+      </p:sp>
+      <p:cxnSp>
+        <p:nvCxnSpPr>
+          <p:cNvPr id="4" name="直線矢印コネクタ 3">
+            <a:extLst>
+              <a:ext uri="{FF2B5EF4-FFF2-40B4-BE49-F238E27FC236}">
+                <a16:creationId xmlns:a16="http://schemas.microsoft.com/office/drawing/2014/main" id="{1DB610A1-BD20-4D07-C751-76D2AF2A7948}"/>
+              </a:ext>
+            </a:extLst>
+          </p:cNvPr>
+          <p:cNvCxnSpPr/>
+          <p:nvPr/>
+        </p:nvCxnSpPr>
+        <p:spPr>
+          <a:xfrm>
+            <a:off x="5808767" y="3295748"/>
+            <a:ext cx="0" cy="1643270"/>
+          </a:xfrm>
+          <a:prstGeom prst="straightConnector1">
+            <a:avLst/>
+          </a:prstGeom>
+          <a:ln w="57150">
+            <a:solidFill>
+              <a:srgbClr val="FF0000"/>
+            </a:solidFill>
+            <a:tailEnd type="triangle"/>
+          </a:ln>
+        </p:spPr>
+        <p:style>
+          <a:lnRef idx="1">
+            <a:schemeClr val="accent1"/>
+          </a:lnRef>
+          <a:fillRef idx="0">
+            <a:schemeClr val="accent1"/>
+          </a:fillRef>
+          <a:effectRef idx="0">
+            <a:schemeClr val="accent1"/>
+          </a:effectRef>
+          <a:fontRef idx="minor">
+            <a:schemeClr val="tx1"/>
+          </a:fontRef>
+        </p:style>
+      </p:cxnSp>
+      <p:cxnSp>
+        <p:nvCxnSpPr>
+          <p:cNvPr id="9" name="直線コネクタ 8">
+            <a:extLst>
+              <a:ext uri="{FF2B5EF4-FFF2-40B4-BE49-F238E27FC236}">
+                <a16:creationId xmlns:a16="http://schemas.microsoft.com/office/drawing/2014/main" id="{C327D80E-18AF-CFBA-9D04-1FE138898D9C}"/>
+              </a:ext>
+            </a:extLst>
+          </p:cNvPr>
+          <p:cNvCxnSpPr>
+            <a:cxnSpLocks/>
+          </p:cNvCxnSpPr>
+          <p:nvPr/>
+        </p:nvCxnSpPr>
+        <p:spPr>
+          <a:xfrm>
+            <a:off x="3597455" y="5624467"/>
+            <a:ext cx="7833674" cy="0"/>
+          </a:xfrm>
+          <a:prstGeom prst="line">
+            <a:avLst/>
+          </a:prstGeom>
+          <a:ln w="57150">
+            <a:solidFill>
+              <a:srgbClr val="FFFF00"/>
+            </a:solidFill>
+          </a:ln>
+        </p:spPr>
+        <p:style>
+          <a:lnRef idx="1">
+            <a:schemeClr val="accent1"/>
+          </a:lnRef>
+          <a:fillRef idx="0">
+            <a:schemeClr val="accent1"/>
+          </a:fillRef>
+          <a:effectRef idx="0">
+            <a:schemeClr val="accent1"/>
+          </a:effectRef>
+          <a:fontRef idx="minor">
+            <a:schemeClr val="tx1"/>
+          </a:fontRef>
+        </p:style>
+      </p:cxnSp>
+      <p:grpSp>
+        <p:nvGrpSpPr>
+          <p:cNvPr id="13" name="グループ化 12">
+            <a:extLst>
+              <a:ext uri="{FF2B5EF4-FFF2-40B4-BE49-F238E27FC236}">
+                <a16:creationId xmlns:a16="http://schemas.microsoft.com/office/drawing/2014/main" id="{790D884C-AFF3-B09E-B3CD-70BE76F501DC}"/>
+              </a:ext>
+            </a:extLst>
+          </p:cNvPr>
+          <p:cNvGrpSpPr/>
+          <p:nvPr/>
+        </p:nvGrpSpPr>
+        <p:grpSpPr>
+          <a:xfrm>
+            <a:off x="4136393" y="5080598"/>
+            <a:ext cx="482760" cy="934560"/>
+            <a:chOff x="4136393" y="5080598"/>
+            <a:chExt cx="482760" cy="934560"/>
+          </a:xfrm>
+        </p:grpSpPr>
+        <mc:AlternateContent xmlns:mc="http://schemas.openxmlformats.org/markup-compatibility/2006" xmlns:p14="http://schemas.microsoft.com/office/powerpoint/2010/main">
+          <mc:Choice Requires="p14">
+            <p:contentPart p14:bwMode="auto" r:id="rId2">
+              <p14:nvContentPartPr>
+                <p14:cNvPr id="11" name="インク 10">
+                  <a:extLst>
+                    <a:ext uri="{FF2B5EF4-FFF2-40B4-BE49-F238E27FC236}">
+                      <a16:creationId xmlns:a16="http://schemas.microsoft.com/office/drawing/2014/main" id="{97E09E63-5A63-0267-25BD-3620E528B19E}"/>
+                    </a:ext>
+                  </a:extLst>
+                </p14:cNvPr>
+                <p14:cNvContentPartPr/>
+                <p14:nvPr/>
+              </p14:nvContentPartPr>
+              <p14:xfrm>
+                <a:off x="4505393" y="5080598"/>
+                <a:ext cx="113760" cy="509400"/>
+              </p14:xfrm>
+            </p:contentPart>
+          </mc:Choice>
+          <mc:Fallback xmlns="">
+            <p:pic>
+              <p:nvPicPr>
+                <p:cNvPr id="11" name="インク 10">
+                  <a:extLst>
+                    <a:ext uri="{FF2B5EF4-FFF2-40B4-BE49-F238E27FC236}">
+                      <a16:creationId xmlns:a16="http://schemas.microsoft.com/office/drawing/2014/main" id="{97E09E63-5A63-0267-25BD-3620E528B19E}"/>
+                    </a:ext>
+                  </a:extLst>
+                </p:cNvPr>
+                <p:cNvPicPr/>
+                <p:nvPr/>
+              </p:nvPicPr>
+              <p:blipFill>
+                <a:blip r:embed="rId3"/>
+                <a:stretch>
+                  <a:fillRect/>
+                </a:stretch>
+              </p:blipFill>
+              <p:spPr>
+                <a:xfrm>
+                  <a:off x="4499273" y="5074478"/>
+                  <a:ext cx="126000" cy="521640"/>
+                </a:xfrm>
+                <a:prstGeom prst="rect">
+                  <a:avLst/>
+                </a:prstGeom>
+              </p:spPr>
+            </p:pic>
+          </mc:Fallback>
+        </mc:AlternateContent>
+        <mc:AlternateContent xmlns:mc="http://schemas.openxmlformats.org/markup-compatibility/2006" xmlns:p14="http://schemas.microsoft.com/office/powerpoint/2010/main">
+          <mc:Choice Requires="p14">
+            <p:contentPart p14:bwMode="auto" r:id="rId4">
+              <p14:nvContentPartPr>
+                <p14:cNvPr id="12" name="インク 11">
+                  <a:extLst>
+                    <a:ext uri="{FF2B5EF4-FFF2-40B4-BE49-F238E27FC236}">
+                      <a16:creationId xmlns:a16="http://schemas.microsoft.com/office/drawing/2014/main" id="{178FCDB3-8439-451A-06B4-834220AB3E7A}"/>
+                    </a:ext>
+                  </a:extLst>
+                </p14:cNvPr>
+                <p14:cNvContentPartPr/>
+                <p14:nvPr/>
+              </p14:nvContentPartPr>
+              <p14:xfrm>
+                <a:off x="4136393" y="5448158"/>
+                <a:ext cx="217440" cy="567000"/>
+              </p14:xfrm>
+            </p:contentPart>
+          </mc:Choice>
+          <mc:Fallback xmlns="">
+            <p:pic>
+              <p:nvPicPr>
+                <p:cNvPr id="12" name="インク 11">
+                  <a:extLst>
+                    <a:ext uri="{FF2B5EF4-FFF2-40B4-BE49-F238E27FC236}">
+                      <a16:creationId xmlns:a16="http://schemas.microsoft.com/office/drawing/2014/main" id="{178FCDB3-8439-451A-06B4-834220AB3E7A}"/>
+                    </a:ext>
+                  </a:extLst>
+                </p:cNvPr>
+                <p:cNvPicPr/>
+                <p:nvPr/>
+              </p:nvPicPr>
+              <p:blipFill>
+                <a:blip r:embed="rId5"/>
+                <a:stretch>
+                  <a:fillRect/>
+                </a:stretch>
+              </p:blipFill>
+              <p:spPr>
+                <a:xfrm>
+                  <a:off x="4130273" y="5442038"/>
+                  <a:ext cx="229680" cy="579240"/>
+                </a:xfrm>
+                <a:prstGeom prst="rect">
+                  <a:avLst/>
+                </a:prstGeom>
+              </p:spPr>
+            </p:pic>
+          </mc:Fallback>
+        </mc:AlternateContent>
+      </p:grpSp>
+      <mc:AlternateContent xmlns:mc="http://schemas.openxmlformats.org/markup-compatibility/2006" xmlns:p14="http://schemas.microsoft.com/office/powerpoint/2010/main">
+        <mc:Choice Requires="p14">
+          <p:contentPart p14:bwMode="auto" r:id="rId6">
+            <p14:nvContentPartPr>
               <p14:cNvPr id="14" name="インク 13">
                 <a:extLst>
                   <a:ext uri="{FF2B5EF4-FFF2-40B4-BE49-F238E27FC236}">
@@ -19470,7 +20956,7 @@
             </p14:xfrm>
           </p:contentPart>
         </mc:Choice>
-        <mc:Fallback>
+        <mc:Fallback xmlns="">
           <p:pic>
             <p:nvPicPr>
               <p:cNvPr id="14" name="インク 13">
@@ -19501,8 +20987,8 @@
           </p:pic>
         </mc:Fallback>
       </mc:AlternateContent>
-      <mc:AlternateContent xmlns:mc="http://schemas.openxmlformats.org/markup-compatibility/2006">
-        <mc:Choice xmlns:p14="http://schemas.microsoft.com/office/powerpoint/2010/main" Requires="p14">
+      <mc:AlternateContent xmlns:mc="http://schemas.openxmlformats.org/markup-compatibility/2006" xmlns:p14="http://schemas.microsoft.com/office/powerpoint/2010/main">
+        <mc:Choice Requires="p14">
           <p:contentPart p14:bwMode="auto" r:id="rId8">
             <p14:nvContentPartPr>
               <p14:cNvPr id="15" name="インク 14">
@@ -19521,7 +21007,7 @@
             </p14:xfrm>
           </p:contentPart>
         </mc:Choice>
-        <mc:Fallback>
+        <mc:Fallback xmlns="">
           <p:pic>
             <p:nvPicPr>
               <p:cNvPr id="15" name="インク 14">
@@ -19552,8 +21038,8 @@
           </p:pic>
         </mc:Fallback>
       </mc:AlternateContent>
-      <mc:AlternateContent xmlns:mc="http://schemas.openxmlformats.org/markup-compatibility/2006">
-        <mc:Choice xmlns:p14="http://schemas.microsoft.com/office/powerpoint/2010/main" Requires="p14">
+      <mc:AlternateContent xmlns:mc="http://schemas.openxmlformats.org/markup-compatibility/2006" xmlns:p14="http://schemas.microsoft.com/office/powerpoint/2010/main">
+        <mc:Choice Requires="p14">
           <p:contentPart p14:bwMode="auto" r:id="rId10">
             <p14:nvContentPartPr>
               <p14:cNvPr id="18" name="インク 17">
@@ -19572,7 +21058,7 @@
             </p14:xfrm>
           </p:contentPart>
         </mc:Choice>
-        <mc:Fallback>
+        <mc:Fallback xmlns="">
           <p:pic>
             <p:nvPicPr>
               <p:cNvPr id="18" name="インク 17">
@@ -19603,8 +21089,8 @@
           </p:pic>
         </mc:Fallback>
       </mc:AlternateContent>
-      <mc:AlternateContent xmlns:mc="http://schemas.openxmlformats.org/markup-compatibility/2006">
-        <mc:Choice xmlns:p14="http://schemas.microsoft.com/office/powerpoint/2010/main" Requires="p14">
+      <mc:AlternateContent xmlns:mc="http://schemas.openxmlformats.org/markup-compatibility/2006" xmlns:p14="http://schemas.microsoft.com/office/powerpoint/2010/main">
+        <mc:Choice Requires="p14">
           <p:contentPart p14:bwMode="auto" r:id="rId12">
             <p14:nvContentPartPr>
               <p14:cNvPr id="19" name="インク 18">
@@ -19623,7 +21109,7 @@
             </p14:xfrm>
           </p:contentPart>
         </mc:Choice>
-        <mc:Fallback>
+        <mc:Fallback xmlns="">
           <p:pic>
             <p:nvPicPr>
               <p:cNvPr id="19" name="インク 18">
@@ -19674,8 +21160,8 @@
             <a:chExt cx="423720" cy="196560"/>
           </a:xfrm>
         </p:grpSpPr>
-        <mc:AlternateContent xmlns:mc="http://schemas.openxmlformats.org/markup-compatibility/2006">
-          <mc:Choice xmlns:p14="http://schemas.microsoft.com/office/powerpoint/2010/main" Requires="p14">
+        <mc:AlternateContent xmlns:mc="http://schemas.openxmlformats.org/markup-compatibility/2006" xmlns:p14="http://schemas.microsoft.com/office/powerpoint/2010/main">
+          <mc:Choice Requires="p14">
             <p:contentPart p14:bwMode="auto" r:id="rId14">
               <p14:nvContentPartPr>
                 <p14:cNvPr id="20" name="インク 19">
@@ -19694,7 +21180,7 @@
               </p14:xfrm>
             </p:contentPart>
           </mc:Choice>
-          <mc:Fallback>
+          <mc:Fallback xmlns="">
             <p:pic>
               <p:nvPicPr>
                 <p:cNvPr id="20" name="インク 19">
@@ -19725,8 +21211,8 @@
             </p:pic>
           </mc:Fallback>
         </mc:AlternateContent>
-        <mc:AlternateContent xmlns:mc="http://schemas.openxmlformats.org/markup-compatibility/2006">
-          <mc:Choice xmlns:p14="http://schemas.microsoft.com/office/powerpoint/2010/main" Requires="p14">
+        <mc:AlternateContent xmlns:mc="http://schemas.openxmlformats.org/markup-compatibility/2006" xmlns:p14="http://schemas.microsoft.com/office/powerpoint/2010/main">
+          <mc:Choice Requires="p14">
             <p:contentPart p14:bwMode="auto" r:id="rId16">
               <p14:nvContentPartPr>
                 <p14:cNvPr id="21" name="インク 20">
@@ -19745,7 +21231,7 @@
               </p14:xfrm>
             </p:contentPart>
           </mc:Choice>
-          <mc:Fallback>
+          <mc:Fallback xmlns="">
             <p:pic>
               <p:nvPicPr>
                 <p:cNvPr id="21" name="インク 20">
@@ -19776,8 +21262,8 @@
             </p:pic>
           </mc:Fallback>
         </mc:AlternateContent>
-        <mc:AlternateContent xmlns:mc="http://schemas.openxmlformats.org/markup-compatibility/2006">
-          <mc:Choice xmlns:p14="http://schemas.microsoft.com/office/powerpoint/2010/main" Requires="p14">
+        <mc:AlternateContent xmlns:mc="http://schemas.openxmlformats.org/markup-compatibility/2006" xmlns:p14="http://schemas.microsoft.com/office/powerpoint/2010/main">
+          <mc:Choice Requires="p14">
             <p:contentPart p14:bwMode="auto" r:id="rId18">
               <p14:nvContentPartPr>
                 <p14:cNvPr id="22" name="インク 21">
@@ -19796,7 +21282,7 @@
               </p14:xfrm>
             </p:contentPart>
           </mc:Choice>
-          <mc:Fallback>
+          <mc:Fallback xmlns="">
             <p:pic>
               <p:nvPicPr>
                 <p:cNvPr id="22" name="インク 21">
@@ -19828,94 +21314,1014 @@
           </mc:Fallback>
         </mc:AlternateContent>
       </p:grpSp>
-      <p:sp>
-        <p:nvSpPr>
-          <p:cNvPr id="24" name="矢印: 右 23">
-            <a:extLst>
-              <a:ext uri="{FF2B5EF4-FFF2-40B4-BE49-F238E27FC236}">
-                <a16:creationId xmlns:a16="http://schemas.microsoft.com/office/drawing/2014/main" id="{E752EC88-4E6E-92DC-FC73-C0926AECFCDF}"/>
-              </a:ext>
-            </a:extLst>
-          </p:cNvPr>
-          <p:cNvSpPr/>
-          <p:nvPr/>
-        </p:nvSpPr>
-        <p:spPr>
-          <a:xfrm rot="8729421">
-            <a:off x="3235185" y="2844947"/>
-            <a:ext cx="978408" cy="484632"/>
-          </a:xfrm>
-          <a:prstGeom prst="rightArrow">
-            <a:avLst/>
-          </a:prstGeom>
-          <a:solidFill>
-            <a:srgbClr val="FFC000"/>
-          </a:solidFill>
+      <p:cxnSp>
+        <p:nvCxnSpPr>
+          <p:cNvPr id="26" name="直線矢印コネクタ 25">
+            <a:extLst>
+              <a:ext uri="{FF2B5EF4-FFF2-40B4-BE49-F238E27FC236}">
+                <a16:creationId xmlns:a16="http://schemas.microsoft.com/office/drawing/2014/main" id="{207521F3-2DD4-4386-9AB8-C957243E0EC3}"/>
+              </a:ext>
+            </a:extLst>
+          </p:cNvPr>
+          <p:cNvCxnSpPr>
+            <a:cxnSpLocks/>
+          </p:cNvCxnSpPr>
+          <p:nvPr/>
+        </p:nvCxnSpPr>
+        <p:spPr>
+          <a:xfrm>
+            <a:off x="5830193" y="3264916"/>
+            <a:ext cx="902949" cy="1265333"/>
+          </a:xfrm>
+          <a:prstGeom prst="straightConnector1">
+            <a:avLst/>
+          </a:prstGeom>
+          <a:ln w="57150">
+            <a:solidFill>
+              <a:srgbClr val="00B050"/>
+            </a:solidFill>
+            <a:tailEnd type="triangle"/>
+          </a:ln>
         </p:spPr>
         <p:style>
-          <a:lnRef idx="2">
-            <a:schemeClr val="accent1">
-              <a:shade val="15000"/>
-            </a:schemeClr>
+          <a:lnRef idx="1">
+            <a:schemeClr val="accent1"/>
           </a:lnRef>
-          <a:fillRef idx="1">
+          <a:fillRef idx="0">
             <a:schemeClr val="accent1"/>
           </a:fillRef>
           <a:effectRef idx="0">
             <a:schemeClr val="accent1"/>
           </a:effectRef>
           <a:fontRef idx="minor">
-            <a:schemeClr val="lt1"/>
+            <a:schemeClr val="tx1"/>
           </a:fontRef>
         </p:style>
-        <p:txBody>
-          <a:bodyPr rtlCol="0" anchor="ctr"/>
-          <a:lstStyle/>
-          <a:p>
-            <a:pPr algn="ctr"/>
-            <a:endParaRPr kumimoji="1" lang="ja-JP" altLang="en-US" dirty="0"/>
-          </a:p>
-        </p:txBody>
-      </p:sp>
-      <p:sp>
-        <p:nvSpPr>
-          <p:cNvPr id="25" name="テキスト ボックス 24">
-            <a:extLst>
-              <a:ext uri="{FF2B5EF4-FFF2-40B4-BE49-F238E27FC236}">
-                <a16:creationId xmlns:a16="http://schemas.microsoft.com/office/drawing/2014/main" id="{948C5D0E-5F44-6085-1F3E-F0BE201453CE}"/>
-              </a:ext>
-            </a:extLst>
-          </p:cNvPr>
-          <p:cNvSpPr txBox="1"/>
-          <p:nvPr/>
-        </p:nvSpPr>
-        <p:spPr>
-          <a:xfrm>
-            <a:off x="3128980" y="2090914"/>
-            <a:ext cx="1800493" cy="369332"/>
-          </a:xfrm>
-          <a:prstGeom prst="rect">
-            <a:avLst/>
-          </a:prstGeom>
-          <a:noFill/>
-        </p:spPr>
-        <p:txBody>
-          <a:bodyPr wrap="none" rtlCol="0">
-            <a:spAutoFit/>
-          </a:bodyPr>
-          <a:lstStyle/>
-          <a:p>
-            <a:r>
-              <a:rPr kumimoji="1" lang="ja-JP" altLang="en-US" dirty="0"/>
-              <a:t>滑り落ちている</a:t>
-            </a:r>
-          </a:p>
-        </p:txBody>
-      </p:sp>
+      </p:cxnSp>
+      <mc:AlternateContent xmlns:mc="http://schemas.openxmlformats.org/markup-compatibility/2006">
+        <mc:Choice xmlns:p14="http://schemas.microsoft.com/office/powerpoint/2010/main" Requires="p14">
+          <p:contentPart p14:bwMode="auto" r:id="rId20">
+            <p14:nvContentPartPr>
+              <p14:cNvPr id="5" name="インク 4">
+                <a:extLst>
+                  <a:ext uri="{FF2B5EF4-FFF2-40B4-BE49-F238E27FC236}">
+                    <a16:creationId xmlns:a16="http://schemas.microsoft.com/office/drawing/2014/main" id="{A8AED342-590C-4148-AFA0-854BAD40ADCF}"/>
+                  </a:ext>
+                </a:extLst>
+              </p14:cNvPr>
+              <p14:cNvContentPartPr/>
+              <p14:nvPr/>
+            </p14:nvContentPartPr>
+            <p14:xfrm>
+              <a:off x="2033635" y="3275242"/>
+              <a:ext cx="360" cy="360"/>
+            </p14:xfrm>
+          </p:contentPart>
+        </mc:Choice>
+        <mc:Fallback>
+          <p:pic>
+            <p:nvPicPr>
+              <p:cNvPr id="5" name="インク 4">
+                <a:extLst>
+                  <a:ext uri="{FF2B5EF4-FFF2-40B4-BE49-F238E27FC236}">
+                    <a16:creationId xmlns:a16="http://schemas.microsoft.com/office/drawing/2014/main" id="{A8AED342-590C-4148-AFA0-854BAD40ADCF}"/>
+                  </a:ext>
+                </a:extLst>
+              </p:cNvPr>
+              <p:cNvPicPr/>
+              <p:nvPr/>
+            </p:nvPicPr>
+            <p:blipFill>
+              <a:blip r:embed="rId21"/>
+              <a:stretch>
+                <a:fillRect/>
+              </a:stretch>
+            </p:blipFill>
+            <p:spPr>
+              <a:xfrm>
+                <a:off x="2024635" y="3266242"/>
+                <a:ext cx="18000" cy="18000"/>
+              </a:xfrm>
+              <a:prstGeom prst="rect">
+                <a:avLst/>
+              </a:prstGeom>
+            </p:spPr>
+          </p:pic>
+        </mc:Fallback>
+      </mc:AlternateContent>
+      <p:grpSp>
+        <p:nvGrpSpPr>
+          <p:cNvPr id="34" name="グループ化 33">
+            <a:extLst>
+              <a:ext uri="{FF2B5EF4-FFF2-40B4-BE49-F238E27FC236}">
+                <a16:creationId xmlns:a16="http://schemas.microsoft.com/office/drawing/2014/main" id="{99B27831-2F0F-442F-9BBF-752B25B991AB}"/>
+              </a:ext>
+            </a:extLst>
+          </p:cNvPr>
+          <p:cNvGrpSpPr/>
+          <p:nvPr/>
+        </p:nvGrpSpPr>
+        <p:grpSpPr>
+          <a:xfrm>
+            <a:off x="5799955" y="3275242"/>
+            <a:ext cx="2660040" cy="971280"/>
+            <a:chOff x="5799955" y="3275242"/>
+            <a:chExt cx="2660040" cy="971280"/>
+          </a:xfrm>
+        </p:grpSpPr>
+        <mc:AlternateContent xmlns:mc="http://schemas.openxmlformats.org/markup-compatibility/2006">
+          <mc:Choice xmlns:p14="http://schemas.microsoft.com/office/powerpoint/2010/main" Requires="p14">
+            <p:contentPart p14:bwMode="auto" r:id="rId22">
+              <p14:nvContentPartPr>
+                <p14:cNvPr id="10" name="インク 9">
+                  <a:extLst>
+                    <a:ext uri="{FF2B5EF4-FFF2-40B4-BE49-F238E27FC236}">
+                      <a16:creationId xmlns:a16="http://schemas.microsoft.com/office/drawing/2014/main" id="{C6B34E14-AF01-45BF-9E44-C8D00D9F5396}"/>
+                    </a:ext>
+                  </a:extLst>
+                </p14:cNvPr>
+                <p14:cNvContentPartPr/>
+                <p14:nvPr/>
+              </p14:nvContentPartPr>
+              <p14:xfrm>
+                <a:off x="5799955" y="3889042"/>
+                <a:ext cx="531000" cy="330480"/>
+              </p14:xfrm>
+            </p:contentPart>
+          </mc:Choice>
+          <mc:Fallback>
+            <p:pic>
+              <p:nvPicPr>
+                <p:cNvPr id="10" name="インク 9">
+                  <a:extLst>
+                    <a:ext uri="{FF2B5EF4-FFF2-40B4-BE49-F238E27FC236}">
+                      <a16:creationId xmlns:a16="http://schemas.microsoft.com/office/drawing/2014/main" id="{C6B34E14-AF01-45BF-9E44-C8D00D9F5396}"/>
+                    </a:ext>
+                  </a:extLst>
+                </p:cNvPr>
+                <p:cNvPicPr/>
+                <p:nvPr/>
+              </p:nvPicPr>
+              <p:blipFill>
+                <a:blip r:embed="rId23"/>
+                <a:stretch>
+                  <a:fillRect/>
+                </a:stretch>
+              </p:blipFill>
+              <p:spPr>
+                <a:xfrm>
+                  <a:off x="5791315" y="3880402"/>
+                  <a:ext cx="548640" cy="348120"/>
+                </a:xfrm>
+                <a:prstGeom prst="rect">
+                  <a:avLst/>
+                </a:prstGeom>
+              </p:spPr>
+            </p:pic>
+          </mc:Fallback>
+        </mc:AlternateContent>
+        <mc:AlternateContent xmlns:mc="http://schemas.openxmlformats.org/markup-compatibility/2006">
+          <mc:Choice xmlns:p14="http://schemas.microsoft.com/office/powerpoint/2010/main" Requires="p14">
+            <p:contentPart p14:bwMode="auto" r:id="rId24">
+              <p14:nvContentPartPr>
+                <p14:cNvPr id="16" name="インク 15">
+                  <a:extLst>
+                    <a:ext uri="{FF2B5EF4-FFF2-40B4-BE49-F238E27FC236}">
+                      <a16:creationId xmlns:a16="http://schemas.microsoft.com/office/drawing/2014/main" id="{21A130AF-5286-4CF8-918F-7F2A1691C8BD}"/>
+                    </a:ext>
+                  </a:extLst>
+                </p14:cNvPr>
+                <p14:cNvContentPartPr/>
+                <p14:nvPr/>
+              </p14:nvContentPartPr>
+              <p14:xfrm>
+                <a:off x="6105595" y="3843322"/>
+                <a:ext cx="821160" cy="347760"/>
+              </p14:xfrm>
+            </p:contentPart>
+          </mc:Choice>
+          <mc:Fallback>
+            <p:pic>
+              <p:nvPicPr>
+                <p:cNvPr id="16" name="インク 15">
+                  <a:extLst>
+                    <a:ext uri="{FF2B5EF4-FFF2-40B4-BE49-F238E27FC236}">
+                      <a16:creationId xmlns:a16="http://schemas.microsoft.com/office/drawing/2014/main" id="{21A130AF-5286-4CF8-918F-7F2A1691C8BD}"/>
+                    </a:ext>
+                  </a:extLst>
+                </p:cNvPr>
+                <p:cNvPicPr/>
+                <p:nvPr/>
+              </p:nvPicPr>
+              <p:blipFill>
+                <a:blip r:embed="rId25"/>
+                <a:stretch>
+                  <a:fillRect/>
+                </a:stretch>
+              </p:blipFill>
+              <p:spPr>
+                <a:xfrm>
+                  <a:off x="6096595" y="3834682"/>
+                  <a:ext cx="838800" cy="365400"/>
+                </a:xfrm>
+                <a:prstGeom prst="rect">
+                  <a:avLst/>
+                </a:prstGeom>
+              </p:spPr>
+            </p:pic>
+          </mc:Fallback>
+        </mc:AlternateContent>
+        <mc:AlternateContent xmlns:mc="http://schemas.openxmlformats.org/markup-compatibility/2006">
+          <mc:Choice xmlns:p14="http://schemas.microsoft.com/office/powerpoint/2010/main" Requires="p14">
+            <p:contentPart p14:bwMode="auto" r:id="rId26">
+              <p14:nvContentPartPr>
+                <p14:cNvPr id="17" name="インク 16">
+                  <a:extLst>
+                    <a:ext uri="{FF2B5EF4-FFF2-40B4-BE49-F238E27FC236}">
+                      <a16:creationId xmlns:a16="http://schemas.microsoft.com/office/drawing/2014/main" id="{DC8A6FBE-0BCD-44E7-B960-EAF4DF385AB4}"/>
+                    </a:ext>
+                  </a:extLst>
+                </p14:cNvPr>
+                <p14:cNvContentPartPr/>
+                <p14:nvPr/>
+              </p14:nvContentPartPr>
+              <p14:xfrm>
+                <a:off x="7151395" y="3695722"/>
+                <a:ext cx="503640" cy="30960"/>
+              </p14:xfrm>
+            </p:contentPart>
+          </mc:Choice>
+          <mc:Fallback>
+            <p:pic>
+              <p:nvPicPr>
+                <p:cNvPr id="17" name="インク 16">
+                  <a:extLst>
+                    <a:ext uri="{FF2B5EF4-FFF2-40B4-BE49-F238E27FC236}">
+                      <a16:creationId xmlns:a16="http://schemas.microsoft.com/office/drawing/2014/main" id="{DC8A6FBE-0BCD-44E7-B960-EAF4DF385AB4}"/>
+                    </a:ext>
+                  </a:extLst>
+                </p:cNvPr>
+                <p:cNvPicPr/>
+                <p:nvPr/>
+              </p:nvPicPr>
+              <p:blipFill>
+                <a:blip r:embed="rId27"/>
+                <a:stretch>
+                  <a:fillRect/>
+                </a:stretch>
+              </p:blipFill>
+              <p:spPr>
+                <a:xfrm>
+                  <a:off x="7142755" y="3687082"/>
+                  <a:ext cx="521280" cy="48600"/>
+                </a:xfrm>
+                <a:prstGeom prst="rect">
+                  <a:avLst/>
+                </a:prstGeom>
+              </p:spPr>
+            </p:pic>
+          </mc:Fallback>
+        </mc:AlternateContent>
+        <mc:AlternateContent xmlns:mc="http://schemas.openxmlformats.org/markup-compatibility/2006">
+          <mc:Choice xmlns:p14="http://schemas.microsoft.com/office/powerpoint/2010/main" Requires="p14">
+            <p:contentPart p14:bwMode="auto" r:id="rId28">
+              <p14:nvContentPartPr>
+                <p14:cNvPr id="27" name="インク 26">
+                  <a:extLst>
+                    <a:ext uri="{FF2B5EF4-FFF2-40B4-BE49-F238E27FC236}">
+                      <a16:creationId xmlns:a16="http://schemas.microsoft.com/office/drawing/2014/main" id="{7AECE899-91A2-4324-98C5-82779A6B414F}"/>
+                    </a:ext>
+                  </a:extLst>
+                </p14:cNvPr>
+                <p14:cNvContentPartPr/>
+                <p14:nvPr/>
+              </p14:nvContentPartPr>
+              <p14:xfrm>
+                <a:off x="7382155" y="3862402"/>
+                <a:ext cx="204840" cy="384120"/>
+              </p14:xfrm>
+            </p:contentPart>
+          </mc:Choice>
+          <mc:Fallback>
+            <p:pic>
+              <p:nvPicPr>
+                <p:cNvPr id="27" name="インク 26">
+                  <a:extLst>
+                    <a:ext uri="{FF2B5EF4-FFF2-40B4-BE49-F238E27FC236}">
+                      <a16:creationId xmlns:a16="http://schemas.microsoft.com/office/drawing/2014/main" id="{7AECE899-91A2-4324-98C5-82779A6B414F}"/>
+                    </a:ext>
+                  </a:extLst>
+                </p:cNvPr>
+                <p:cNvPicPr/>
+                <p:nvPr/>
+              </p:nvPicPr>
+              <p:blipFill>
+                <a:blip r:embed="rId29"/>
+                <a:stretch>
+                  <a:fillRect/>
+                </a:stretch>
+              </p:blipFill>
+              <p:spPr>
+                <a:xfrm>
+                  <a:off x="7373155" y="3853402"/>
+                  <a:ext cx="222480" cy="401760"/>
+                </a:xfrm>
+                <a:prstGeom prst="rect">
+                  <a:avLst/>
+                </a:prstGeom>
+              </p:spPr>
+            </p:pic>
+          </mc:Fallback>
+        </mc:AlternateContent>
+        <mc:AlternateContent xmlns:mc="http://schemas.openxmlformats.org/markup-compatibility/2006">
+          <mc:Choice xmlns:p14="http://schemas.microsoft.com/office/powerpoint/2010/main" Requires="p14">
+            <p:contentPart p14:bwMode="auto" r:id="rId30">
+              <p14:nvContentPartPr>
+                <p14:cNvPr id="30" name="インク 29">
+                  <a:extLst>
+                    <a:ext uri="{FF2B5EF4-FFF2-40B4-BE49-F238E27FC236}">
+                      <a16:creationId xmlns:a16="http://schemas.microsoft.com/office/drawing/2014/main" id="{513B2732-5CC6-4DD8-999C-CFFF3DC81798}"/>
+                    </a:ext>
+                  </a:extLst>
+                </p14:cNvPr>
+                <p14:cNvContentPartPr/>
+                <p14:nvPr/>
+              </p14:nvContentPartPr>
+              <p14:xfrm>
+                <a:off x="7370995" y="3275242"/>
+                <a:ext cx="108360" cy="439560"/>
+              </p14:xfrm>
+            </p:contentPart>
+          </mc:Choice>
+          <mc:Fallback>
+            <p:pic>
+              <p:nvPicPr>
+                <p:cNvPr id="30" name="インク 29">
+                  <a:extLst>
+                    <a:ext uri="{FF2B5EF4-FFF2-40B4-BE49-F238E27FC236}">
+                      <a16:creationId xmlns:a16="http://schemas.microsoft.com/office/drawing/2014/main" id="{513B2732-5CC6-4DD8-999C-CFFF3DC81798}"/>
+                    </a:ext>
+                  </a:extLst>
+                </p:cNvPr>
+                <p:cNvPicPr/>
+                <p:nvPr/>
+              </p:nvPicPr>
+              <p:blipFill>
+                <a:blip r:embed="rId31"/>
+                <a:stretch>
+                  <a:fillRect/>
+                </a:stretch>
+              </p:blipFill>
+              <p:spPr>
+                <a:xfrm>
+                  <a:off x="7361995" y="3266242"/>
+                  <a:ext cx="126000" cy="457200"/>
+                </a:xfrm>
+                <a:prstGeom prst="rect">
+                  <a:avLst/>
+                </a:prstGeom>
+              </p:spPr>
+            </p:pic>
+          </mc:Fallback>
+        </mc:AlternateContent>
+        <mc:AlternateContent xmlns:mc="http://schemas.openxmlformats.org/markup-compatibility/2006">
+          <mc:Choice xmlns:p14="http://schemas.microsoft.com/office/powerpoint/2010/main" Requires="p14">
+            <p:contentPart p14:bwMode="auto" r:id="rId32">
+              <p14:nvContentPartPr>
+                <p14:cNvPr id="31" name="インク 30">
+                  <a:extLst>
+                    <a:ext uri="{FF2B5EF4-FFF2-40B4-BE49-F238E27FC236}">
+                      <a16:creationId xmlns:a16="http://schemas.microsoft.com/office/drawing/2014/main" id="{EDCADAA1-658A-4F95-B6F6-54985131FAE9}"/>
+                    </a:ext>
+                  </a:extLst>
+                </p14:cNvPr>
+                <p14:cNvContentPartPr/>
+                <p14:nvPr/>
+              </p14:nvContentPartPr>
+              <p14:xfrm>
+                <a:off x="7683115" y="3560002"/>
+                <a:ext cx="776880" cy="43920"/>
+              </p14:xfrm>
+            </p:contentPart>
+          </mc:Choice>
+          <mc:Fallback>
+            <p:pic>
+              <p:nvPicPr>
+                <p:cNvPr id="31" name="インク 30">
+                  <a:extLst>
+                    <a:ext uri="{FF2B5EF4-FFF2-40B4-BE49-F238E27FC236}">
+                      <a16:creationId xmlns:a16="http://schemas.microsoft.com/office/drawing/2014/main" id="{EDCADAA1-658A-4F95-B6F6-54985131FAE9}"/>
+                    </a:ext>
+                  </a:extLst>
+                </p:cNvPr>
+                <p:cNvPicPr/>
+                <p:nvPr/>
+              </p:nvPicPr>
+              <p:blipFill>
+                <a:blip r:embed="rId33"/>
+                <a:stretch>
+                  <a:fillRect/>
+                </a:stretch>
+              </p:blipFill>
+              <p:spPr>
+                <a:xfrm>
+                  <a:off x="7674475" y="3551002"/>
+                  <a:ext cx="794520" cy="61560"/>
+                </a:xfrm>
+                <a:prstGeom prst="rect">
+                  <a:avLst/>
+                </a:prstGeom>
+              </p:spPr>
+            </p:pic>
+          </mc:Fallback>
+        </mc:AlternateContent>
+        <mc:AlternateContent xmlns:mc="http://schemas.openxmlformats.org/markup-compatibility/2006">
+          <mc:Choice xmlns:p14="http://schemas.microsoft.com/office/powerpoint/2010/main" Requires="p14">
+            <p:contentPart p14:bwMode="auto" r:id="rId34">
+              <p14:nvContentPartPr>
+                <p14:cNvPr id="32" name="インク 31">
+                  <a:extLst>
+                    <a:ext uri="{FF2B5EF4-FFF2-40B4-BE49-F238E27FC236}">
+                      <a16:creationId xmlns:a16="http://schemas.microsoft.com/office/drawing/2014/main" id="{96FE7714-5487-4902-9830-00CF58A8BC53}"/>
+                    </a:ext>
+                  </a:extLst>
+                </p14:cNvPr>
+                <p14:cNvContentPartPr/>
+                <p14:nvPr/>
+              </p14:nvContentPartPr>
+              <p14:xfrm>
+                <a:off x="7694275" y="3616522"/>
+                <a:ext cx="194040" cy="382320"/>
+              </p14:xfrm>
+            </p:contentPart>
+          </mc:Choice>
+          <mc:Fallback>
+            <p:pic>
+              <p:nvPicPr>
+                <p:cNvPr id="32" name="インク 31">
+                  <a:extLst>
+                    <a:ext uri="{FF2B5EF4-FFF2-40B4-BE49-F238E27FC236}">
+                      <a16:creationId xmlns:a16="http://schemas.microsoft.com/office/drawing/2014/main" id="{96FE7714-5487-4902-9830-00CF58A8BC53}"/>
+                    </a:ext>
+                  </a:extLst>
+                </p:cNvPr>
+                <p:cNvPicPr/>
+                <p:nvPr/>
+              </p:nvPicPr>
+              <p:blipFill>
+                <a:blip r:embed="rId35"/>
+                <a:stretch>
+                  <a:fillRect/>
+                </a:stretch>
+              </p:blipFill>
+              <p:spPr>
+                <a:xfrm>
+                  <a:off x="7685275" y="3607882"/>
+                  <a:ext cx="211680" cy="399960"/>
+                </a:xfrm>
+                <a:prstGeom prst="rect">
+                  <a:avLst/>
+                </a:prstGeom>
+              </p:spPr>
+            </p:pic>
+          </mc:Fallback>
+        </mc:AlternateContent>
+        <mc:AlternateContent xmlns:mc="http://schemas.openxmlformats.org/markup-compatibility/2006">
+          <mc:Choice xmlns:p14="http://schemas.microsoft.com/office/powerpoint/2010/main" Requires="p14">
+            <p:contentPart p14:bwMode="auto" r:id="rId36">
+              <p14:nvContentPartPr>
+                <p14:cNvPr id="33" name="インク 32">
+                  <a:extLst>
+                    <a:ext uri="{FF2B5EF4-FFF2-40B4-BE49-F238E27FC236}">
+                      <a16:creationId xmlns:a16="http://schemas.microsoft.com/office/drawing/2014/main" id="{0BF81070-1262-410F-B6F0-93F76D3CAF99}"/>
+                    </a:ext>
+                  </a:extLst>
+                </p14:cNvPr>
+                <p14:cNvContentPartPr/>
+                <p14:nvPr/>
+              </p14:nvContentPartPr>
+              <p14:xfrm>
+                <a:off x="8079475" y="3630202"/>
+                <a:ext cx="300960" cy="194760"/>
+              </p14:xfrm>
+            </p:contentPart>
+          </mc:Choice>
+          <mc:Fallback>
+            <p:pic>
+              <p:nvPicPr>
+                <p:cNvPr id="33" name="インク 32">
+                  <a:extLst>
+                    <a:ext uri="{FF2B5EF4-FFF2-40B4-BE49-F238E27FC236}">
+                      <a16:creationId xmlns:a16="http://schemas.microsoft.com/office/drawing/2014/main" id="{0BF81070-1262-410F-B6F0-93F76D3CAF99}"/>
+                    </a:ext>
+                  </a:extLst>
+                </p:cNvPr>
+                <p:cNvPicPr/>
+                <p:nvPr/>
+              </p:nvPicPr>
+              <p:blipFill>
+                <a:blip r:embed="rId37"/>
+                <a:stretch>
+                  <a:fillRect/>
+                </a:stretch>
+              </p:blipFill>
+              <p:spPr>
+                <a:xfrm>
+                  <a:off x="8070475" y="3621202"/>
+                  <a:ext cx="318600" cy="212400"/>
+                </a:xfrm>
+                <a:prstGeom prst="rect">
+                  <a:avLst/>
+                </a:prstGeom>
+              </p:spPr>
+            </p:pic>
+          </mc:Fallback>
+        </mc:AlternateContent>
+      </p:grpSp>
+      <mc:AlternateContent xmlns:mc="http://schemas.openxmlformats.org/markup-compatibility/2006">
+        <mc:Choice xmlns:p14="http://schemas.microsoft.com/office/powerpoint/2010/main" Requires="p14">
+          <p:contentPart p14:bwMode="auto" r:id="rId38">
+            <p14:nvContentPartPr>
+              <p14:cNvPr id="39" name="インク 38">
+                <a:extLst>
+                  <a:ext uri="{FF2B5EF4-FFF2-40B4-BE49-F238E27FC236}">
+                    <a16:creationId xmlns:a16="http://schemas.microsoft.com/office/drawing/2014/main" id="{8B49A0DA-6812-4BDB-BFB9-6744FB372E70}"/>
+                  </a:ext>
+                </a:extLst>
+              </p14:cNvPr>
+              <p14:cNvContentPartPr/>
+              <p14:nvPr/>
+            </p14:nvContentPartPr>
+            <p14:xfrm>
+              <a:off x="1842115" y="3930442"/>
+              <a:ext cx="360" cy="360"/>
+            </p14:xfrm>
+          </p:contentPart>
+        </mc:Choice>
+        <mc:Fallback>
+          <p:pic>
+            <p:nvPicPr>
+              <p:cNvPr id="39" name="インク 38">
+                <a:extLst>
+                  <a:ext uri="{FF2B5EF4-FFF2-40B4-BE49-F238E27FC236}">
+                    <a16:creationId xmlns:a16="http://schemas.microsoft.com/office/drawing/2014/main" id="{8B49A0DA-6812-4BDB-BFB9-6744FB372E70}"/>
+                  </a:ext>
+                </a:extLst>
+              </p:cNvPr>
+              <p:cNvPicPr/>
+              <p:nvPr/>
+            </p:nvPicPr>
+            <p:blipFill>
+              <a:blip r:embed="rId39"/>
+              <a:stretch>
+                <a:fillRect/>
+              </a:stretch>
+            </p:blipFill>
+            <p:spPr>
+              <a:xfrm>
+                <a:off x="1833115" y="3921442"/>
+                <a:ext cx="18000" cy="18000"/>
+              </a:xfrm>
+              <a:prstGeom prst="rect">
+                <a:avLst/>
+              </a:prstGeom>
+            </p:spPr>
+          </p:pic>
+        </mc:Fallback>
+      </mc:AlternateContent>
+      <p:grpSp>
+        <p:nvGrpSpPr>
+          <p:cNvPr id="49" name="グループ化 48">
+            <a:extLst>
+              <a:ext uri="{FF2B5EF4-FFF2-40B4-BE49-F238E27FC236}">
+                <a16:creationId xmlns:a16="http://schemas.microsoft.com/office/drawing/2014/main" id="{E729E809-5E3A-4364-8C85-2773EBF84F90}"/>
+              </a:ext>
+            </a:extLst>
+          </p:cNvPr>
+          <p:cNvGrpSpPr/>
+          <p:nvPr/>
+        </p:nvGrpSpPr>
+        <p:grpSpPr>
+          <a:xfrm>
+            <a:off x="1118875" y="3260842"/>
+            <a:ext cx="4693680" cy="1448280"/>
+            <a:chOff x="1118875" y="3260842"/>
+            <a:chExt cx="4693680" cy="1448280"/>
+          </a:xfrm>
+        </p:grpSpPr>
+        <mc:AlternateContent xmlns:mc="http://schemas.openxmlformats.org/markup-compatibility/2006">
+          <mc:Choice xmlns:p14="http://schemas.microsoft.com/office/powerpoint/2010/main" Requires="p14">
+            <p:contentPart p14:bwMode="auto" r:id="rId40">
+              <p14:nvContentPartPr>
+                <p14:cNvPr id="40" name="インク 39">
+                  <a:extLst>
+                    <a:ext uri="{FF2B5EF4-FFF2-40B4-BE49-F238E27FC236}">
+                      <a16:creationId xmlns:a16="http://schemas.microsoft.com/office/drawing/2014/main" id="{B5DB0EF5-4EB7-4032-9DB8-554563545C13}"/>
+                    </a:ext>
+                  </a:extLst>
+                </p14:cNvPr>
+                <p14:cNvContentPartPr/>
+                <p14:nvPr/>
+              </p14:nvContentPartPr>
+              <p14:xfrm>
+                <a:off x="5404315" y="4407802"/>
+                <a:ext cx="408240" cy="207000"/>
+              </p14:xfrm>
+            </p:contentPart>
+          </mc:Choice>
+          <mc:Fallback>
+            <p:pic>
+              <p:nvPicPr>
+                <p:cNvPr id="40" name="インク 39">
+                  <a:extLst>
+                    <a:ext uri="{FF2B5EF4-FFF2-40B4-BE49-F238E27FC236}">
+                      <a16:creationId xmlns:a16="http://schemas.microsoft.com/office/drawing/2014/main" id="{B5DB0EF5-4EB7-4032-9DB8-554563545C13}"/>
+                    </a:ext>
+                  </a:extLst>
+                </p:cNvPr>
+                <p:cNvPicPr/>
+                <p:nvPr/>
+              </p:nvPicPr>
+              <p:blipFill>
+                <a:blip r:embed="rId41"/>
+                <a:stretch>
+                  <a:fillRect/>
+                </a:stretch>
+              </p:blipFill>
+              <p:spPr>
+                <a:xfrm>
+                  <a:off x="5395675" y="4399162"/>
+                  <a:ext cx="425880" cy="224640"/>
+                </a:xfrm>
+                <a:prstGeom prst="rect">
+                  <a:avLst/>
+                </a:prstGeom>
+              </p:spPr>
+            </p:pic>
+          </mc:Fallback>
+        </mc:AlternateContent>
+        <mc:AlternateContent xmlns:mc="http://schemas.openxmlformats.org/markup-compatibility/2006">
+          <mc:Choice xmlns:p14="http://schemas.microsoft.com/office/powerpoint/2010/main" Requires="p14">
+            <p:contentPart p14:bwMode="auto" r:id="rId42">
+              <p14:nvContentPartPr>
+                <p14:cNvPr id="41" name="インク 40">
+                  <a:extLst>
+                    <a:ext uri="{FF2B5EF4-FFF2-40B4-BE49-F238E27FC236}">
+                      <a16:creationId xmlns:a16="http://schemas.microsoft.com/office/drawing/2014/main" id="{DDD28649-6255-496B-B4AE-E8B4B6283726}"/>
+                    </a:ext>
+                  </a:extLst>
+                </p14:cNvPr>
+                <p14:cNvContentPartPr/>
+                <p14:nvPr/>
+              </p14:nvContentPartPr>
+              <p14:xfrm>
+                <a:off x="3084835" y="4389442"/>
+                <a:ext cx="2510640" cy="319680"/>
+              </p14:xfrm>
+            </p:contentPart>
+          </mc:Choice>
+          <mc:Fallback>
+            <p:pic>
+              <p:nvPicPr>
+                <p:cNvPr id="41" name="インク 40">
+                  <a:extLst>
+                    <a:ext uri="{FF2B5EF4-FFF2-40B4-BE49-F238E27FC236}">
+                      <a16:creationId xmlns:a16="http://schemas.microsoft.com/office/drawing/2014/main" id="{DDD28649-6255-496B-B4AE-E8B4B6283726}"/>
+                    </a:ext>
+                  </a:extLst>
+                </p:cNvPr>
+                <p:cNvPicPr/>
+                <p:nvPr/>
+              </p:nvPicPr>
+              <p:blipFill>
+                <a:blip r:embed="rId43"/>
+                <a:stretch>
+                  <a:fillRect/>
+                </a:stretch>
+              </p:blipFill>
+              <p:spPr>
+                <a:xfrm>
+                  <a:off x="3076195" y="4380442"/>
+                  <a:ext cx="2528280" cy="337320"/>
+                </a:xfrm>
+                <a:prstGeom prst="rect">
+                  <a:avLst/>
+                </a:prstGeom>
+              </p:spPr>
+            </p:pic>
+          </mc:Fallback>
+        </mc:AlternateContent>
+        <mc:AlternateContent xmlns:mc="http://schemas.openxmlformats.org/markup-compatibility/2006">
+          <mc:Choice xmlns:p14="http://schemas.microsoft.com/office/powerpoint/2010/main" Requires="p14">
+            <p:contentPart p14:bwMode="auto" r:id="rId44">
+              <p14:nvContentPartPr>
+                <p14:cNvPr id="42" name="インク 41">
+                  <a:extLst>
+                    <a:ext uri="{FF2B5EF4-FFF2-40B4-BE49-F238E27FC236}">
+                      <a16:creationId xmlns:a16="http://schemas.microsoft.com/office/drawing/2014/main" id="{F35B4C54-CA39-4A88-86C3-BC8BF361F208}"/>
+                    </a:ext>
+                  </a:extLst>
+                </p14:cNvPr>
+                <p14:cNvContentPartPr/>
+                <p14:nvPr/>
+              </p14:nvContentPartPr>
+              <p14:xfrm>
+                <a:off x="1118875" y="3794002"/>
+                <a:ext cx="954360" cy="28800"/>
+              </p14:xfrm>
+            </p:contentPart>
+          </mc:Choice>
+          <mc:Fallback>
+            <p:pic>
+              <p:nvPicPr>
+                <p:cNvPr id="42" name="インク 41">
+                  <a:extLst>
+                    <a:ext uri="{FF2B5EF4-FFF2-40B4-BE49-F238E27FC236}">
+                      <a16:creationId xmlns:a16="http://schemas.microsoft.com/office/drawing/2014/main" id="{F35B4C54-CA39-4A88-86C3-BC8BF361F208}"/>
+                    </a:ext>
+                  </a:extLst>
+                </p:cNvPr>
+                <p:cNvPicPr/>
+                <p:nvPr/>
+              </p:nvPicPr>
+              <p:blipFill>
+                <a:blip r:embed="rId45"/>
+                <a:stretch>
+                  <a:fillRect/>
+                </a:stretch>
+              </p:blipFill>
+              <p:spPr>
+                <a:xfrm>
+                  <a:off x="1110235" y="3785362"/>
+                  <a:ext cx="972000" cy="46440"/>
+                </a:xfrm>
+                <a:prstGeom prst="rect">
+                  <a:avLst/>
+                </a:prstGeom>
+              </p:spPr>
+            </p:pic>
+          </mc:Fallback>
+        </mc:AlternateContent>
+        <mc:AlternateContent xmlns:mc="http://schemas.openxmlformats.org/markup-compatibility/2006">
+          <mc:Choice xmlns:p14="http://schemas.microsoft.com/office/powerpoint/2010/main" Requires="p14">
+            <p:contentPart p14:bwMode="auto" r:id="rId46">
+              <p14:nvContentPartPr>
+                <p14:cNvPr id="43" name="インク 42">
+                  <a:extLst>
+                    <a:ext uri="{FF2B5EF4-FFF2-40B4-BE49-F238E27FC236}">
+                      <a16:creationId xmlns:a16="http://schemas.microsoft.com/office/drawing/2014/main" id="{FA71F5F4-18B0-4751-9394-3EC6F981E7CB}"/>
+                    </a:ext>
+                  </a:extLst>
+                </p14:cNvPr>
+                <p14:cNvContentPartPr/>
+                <p14:nvPr/>
+              </p14:nvContentPartPr>
+              <p14:xfrm>
+                <a:off x="1594075" y="3957802"/>
+                <a:ext cx="401400" cy="425160"/>
+              </p14:xfrm>
+            </p:contentPart>
+          </mc:Choice>
+          <mc:Fallback>
+            <p:pic>
+              <p:nvPicPr>
+                <p:cNvPr id="43" name="インク 42">
+                  <a:extLst>
+                    <a:ext uri="{FF2B5EF4-FFF2-40B4-BE49-F238E27FC236}">
+                      <a16:creationId xmlns:a16="http://schemas.microsoft.com/office/drawing/2014/main" id="{FA71F5F4-18B0-4751-9394-3EC6F981E7CB}"/>
+                    </a:ext>
+                  </a:extLst>
+                </p:cNvPr>
+                <p:cNvPicPr/>
+                <p:nvPr/>
+              </p:nvPicPr>
+              <p:blipFill>
+                <a:blip r:embed="rId47"/>
+                <a:stretch>
+                  <a:fillRect/>
+                </a:stretch>
+              </p:blipFill>
+              <p:spPr>
+                <a:xfrm>
+                  <a:off x="1585075" y="3948802"/>
+                  <a:ext cx="419040" cy="442800"/>
+                </a:xfrm>
+                <a:prstGeom prst="rect">
+                  <a:avLst/>
+                </a:prstGeom>
+              </p:spPr>
+            </p:pic>
+          </mc:Fallback>
+        </mc:AlternateContent>
+        <mc:AlternateContent xmlns:mc="http://schemas.openxmlformats.org/markup-compatibility/2006">
+          <mc:Choice xmlns:p14="http://schemas.microsoft.com/office/powerpoint/2010/main" Requires="p14">
+            <p:contentPart p14:bwMode="auto" r:id="rId48">
+              <p14:nvContentPartPr>
+                <p14:cNvPr id="45" name="インク 44">
+                  <a:extLst>
+                    <a:ext uri="{FF2B5EF4-FFF2-40B4-BE49-F238E27FC236}">
+                      <a16:creationId xmlns:a16="http://schemas.microsoft.com/office/drawing/2014/main" id="{4E4947E8-C305-4BEC-9F83-C6495899E159}"/>
+                    </a:ext>
+                  </a:extLst>
+                </p14:cNvPr>
+                <p14:cNvContentPartPr/>
+                <p14:nvPr/>
+              </p14:nvContentPartPr>
+              <p14:xfrm>
+                <a:off x="1555555" y="3260842"/>
+                <a:ext cx="397800" cy="370440"/>
+              </p14:xfrm>
+            </p:contentPart>
+          </mc:Choice>
+          <mc:Fallback>
+            <p:pic>
+              <p:nvPicPr>
+                <p:cNvPr id="45" name="インク 44">
+                  <a:extLst>
+                    <a:ext uri="{FF2B5EF4-FFF2-40B4-BE49-F238E27FC236}">
+                      <a16:creationId xmlns:a16="http://schemas.microsoft.com/office/drawing/2014/main" id="{4E4947E8-C305-4BEC-9F83-C6495899E159}"/>
+                    </a:ext>
+                  </a:extLst>
+                </p:cNvPr>
+                <p:cNvPicPr/>
+                <p:nvPr/>
+              </p:nvPicPr>
+              <p:blipFill>
+                <a:blip r:embed="rId49"/>
+                <a:stretch>
+                  <a:fillRect/>
+                </a:stretch>
+              </p:blipFill>
+              <p:spPr>
+                <a:xfrm>
+                  <a:off x="1546555" y="3252202"/>
+                  <a:ext cx="415440" cy="388080"/>
+                </a:xfrm>
+                <a:prstGeom prst="rect">
+                  <a:avLst/>
+                </a:prstGeom>
+              </p:spPr>
+            </p:pic>
+          </mc:Fallback>
+        </mc:AlternateContent>
+        <mc:AlternateContent xmlns:mc="http://schemas.openxmlformats.org/markup-compatibility/2006">
+          <mc:Choice xmlns:p14="http://schemas.microsoft.com/office/powerpoint/2010/main" Requires="p14">
+            <p:contentPart p14:bwMode="auto" r:id="rId50">
+              <p14:nvContentPartPr>
+                <p14:cNvPr id="46" name="インク 45">
+                  <a:extLst>
+                    <a:ext uri="{FF2B5EF4-FFF2-40B4-BE49-F238E27FC236}">
+                      <a16:creationId xmlns:a16="http://schemas.microsoft.com/office/drawing/2014/main" id="{60662360-5F45-49E4-A57E-0936D0B8E0DA}"/>
+                    </a:ext>
+                  </a:extLst>
+                </p14:cNvPr>
+                <p14:cNvContentPartPr/>
+                <p14:nvPr/>
+              </p14:nvContentPartPr>
+              <p14:xfrm>
+                <a:off x="2224435" y="3712282"/>
+                <a:ext cx="577440" cy="22320"/>
+              </p14:xfrm>
+            </p:contentPart>
+          </mc:Choice>
+          <mc:Fallback>
+            <p:pic>
+              <p:nvPicPr>
+                <p:cNvPr id="46" name="インク 45">
+                  <a:extLst>
+                    <a:ext uri="{FF2B5EF4-FFF2-40B4-BE49-F238E27FC236}">
+                      <a16:creationId xmlns:a16="http://schemas.microsoft.com/office/drawing/2014/main" id="{60662360-5F45-49E4-A57E-0936D0B8E0DA}"/>
+                    </a:ext>
+                  </a:extLst>
+                </p:cNvPr>
+                <p:cNvPicPr/>
+                <p:nvPr/>
+              </p:nvPicPr>
+              <p:blipFill>
+                <a:blip r:embed="rId51"/>
+                <a:stretch>
+                  <a:fillRect/>
+                </a:stretch>
+              </p:blipFill>
+              <p:spPr>
+                <a:xfrm>
+                  <a:off x="2215435" y="3703282"/>
+                  <a:ext cx="595080" cy="39960"/>
+                </a:xfrm>
+                <a:prstGeom prst="rect">
+                  <a:avLst/>
+                </a:prstGeom>
+              </p:spPr>
+            </p:pic>
+          </mc:Fallback>
+        </mc:AlternateContent>
+        <mc:AlternateContent xmlns:mc="http://schemas.openxmlformats.org/markup-compatibility/2006">
+          <mc:Choice xmlns:p14="http://schemas.microsoft.com/office/powerpoint/2010/main" Requires="p14">
+            <p:contentPart p14:bwMode="auto" r:id="rId52">
+              <p14:nvContentPartPr>
+                <p14:cNvPr id="47" name="インク 46">
+                  <a:extLst>
+                    <a:ext uri="{FF2B5EF4-FFF2-40B4-BE49-F238E27FC236}">
+                      <a16:creationId xmlns:a16="http://schemas.microsoft.com/office/drawing/2014/main" id="{EC2A813F-7FDD-41F0-A9E8-DC490D7EFC92}"/>
+                    </a:ext>
+                  </a:extLst>
+                </p14:cNvPr>
+                <p14:cNvContentPartPr/>
+                <p14:nvPr/>
+              </p14:nvContentPartPr>
+              <p14:xfrm>
+                <a:off x="2176555" y="3794002"/>
+                <a:ext cx="320760" cy="278640"/>
+              </p14:xfrm>
+            </p:contentPart>
+          </mc:Choice>
+          <mc:Fallback>
+            <p:pic>
+              <p:nvPicPr>
+                <p:cNvPr id="47" name="インク 46">
+                  <a:extLst>
+                    <a:ext uri="{FF2B5EF4-FFF2-40B4-BE49-F238E27FC236}">
+                      <a16:creationId xmlns:a16="http://schemas.microsoft.com/office/drawing/2014/main" id="{EC2A813F-7FDD-41F0-A9E8-DC490D7EFC92}"/>
+                    </a:ext>
+                  </a:extLst>
+                </p:cNvPr>
+                <p:cNvPicPr/>
+                <p:nvPr/>
+              </p:nvPicPr>
+              <p:blipFill>
+                <a:blip r:embed="rId53"/>
+                <a:stretch>
+                  <a:fillRect/>
+                </a:stretch>
+              </p:blipFill>
+              <p:spPr>
+                <a:xfrm>
+                  <a:off x="2167915" y="3785362"/>
+                  <a:ext cx="338400" cy="296280"/>
+                </a:xfrm>
+                <a:prstGeom prst="rect">
+                  <a:avLst/>
+                </a:prstGeom>
+              </p:spPr>
+            </p:pic>
+          </mc:Fallback>
+        </mc:AlternateContent>
+        <mc:AlternateContent xmlns:mc="http://schemas.openxmlformats.org/markup-compatibility/2006">
+          <mc:Choice xmlns:p14="http://schemas.microsoft.com/office/powerpoint/2010/main" Requires="p14">
+            <p:contentPart p14:bwMode="auto" r:id="rId54">
+              <p14:nvContentPartPr>
+                <p14:cNvPr id="48" name="インク 47">
+                  <a:extLst>
+                    <a:ext uri="{FF2B5EF4-FFF2-40B4-BE49-F238E27FC236}">
+                      <a16:creationId xmlns:a16="http://schemas.microsoft.com/office/drawing/2014/main" id="{7A820531-33A3-49B0-A731-D6AB971BA308}"/>
+                    </a:ext>
+                  </a:extLst>
+                </p14:cNvPr>
+                <p14:cNvContentPartPr/>
+                <p14:nvPr/>
+              </p14:nvContentPartPr>
+              <p14:xfrm>
+                <a:off x="2577235" y="3780322"/>
+                <a:ext cx="260280" cy="205920"/>
+              </p14:xfrm>
+            </p:contentPart>
+          </mc:Choice>
+          <mc:Fallback>
+            <p:pic>
+              <p:nvPicPr>
+                <p:cNvPr id="48" name="インク 47">
+                  <a:extLst>
+                    <a:ext uri="{FF2B5EF4-FFF2-40B4-BE49-F238E27FC236}">
+                      <a16:creationId xmlns:a16="http://schemas.microsoft.com/office/drawing/2014/main" id="{7A820531-33A3-49B0-A731-D6AB971BA308}"/>
+                    </a:ext>
+                  </a:extLst>
+                </p:cNvPr>
+                <p:cNvPicPr/>
+                <p:nvPr/>
+              </p:nvPicPr>
+              <p:blipFill>
+                <a:blip r:embed="rId55"/>
+                <a:stretch>
+                  <a:fillRect/>
+                </a:stretch>
+              </p:blipFill>
+              <p:spPr>
+                <a:xfrm>
+                  <a:off x="2568235" y="3771322"/>
+                  <a:ext cx="277920" cy="223560"/>
+                </a:xfrm>
+                <a:prstGeom prst="rect">
+                  <a:avLst/>
+                </a:prstGeom>
+              </p:spPr>
+            </p:pic>
+          </mc:Fallback>
+        </mc:AlternateContent>
+      </p:grpSp>
     </p:spTree>
     <p:extLst>
       <p:ext uri="{BB962C8B-B14F-4D97-AF65-F5344CB8AC3E}">
-        <p14:creationId xmlns:p14="http://schemas.microsoft.com/office/powerpoint/2010/main" val="1729890911"/>
+        <p14:creationId xmlns:p14="http://schemas.microsoft.com/office/powerpoint/2010/main" val="969793804"/>
       </p:ext>
     </p:extLst>
   </p:cSld>
